--- a/NDK_SoftServeTheme.pptx
+++ b/NDK_SoftServeTheme.pptx
@@ -6,7 +6,7 @@
     <p:sldMasterId id="2147483677" r:id="rId2"/>
   </p:sldMasterIdLst>
   <p:notesMasterIdLst>
-    <p:notesMasterId r:id="rId24"/>
+    <p:notesMasterId r:id="rId23"/>
   </p:notesMasterIdLst>
   <p:sldIdLst>
     <p:sldId id="256" r:id="rId3"/>
@@ -27,9 +27,8 @@
     <p:sldId id="272" r:id="rId18"/>
     <p:sldId id="273" r:id="rId19"/>
     <p:sldId id="276" r:id="rId20"/>
-    <p:sldId id="264" r:id="rId21"/>
-    <p:sldId id="267" r:id="rId22"/>
-    <p:sldId id="274" r:id="rId23"/>
+    <p:sldId id="277" r:id="rId21"/>
+    <p:sldId id="264" r:id="rId22"/>
   </p:sldIdLst>
   <p:sldSz cx="12192000" cy="6858000"/>
   <p:notesSz cx="6858000" cy="9144000"/>
@@ -218,7 +217,7 @@
           <a:p>
             <a:fld id="{2233C042-B116-4AF0-8EB0-10C51ACFEAFC}" type="datetimeFigureOut">
               <a:rPr lang="en-US" smtClean="0"/>
-              <a:t>3/7/18</a:t>
+              <a:t>3/10/2018</a:t>
             </a:fld>
             <a:endParaRPr lang="en-US"/>
           </a:p>
@@ -2466,7 +2465,7 @@
           <a:p>
             <a:fld id="{E68A8755-D758-4E0E-A7B6-8C6D23EC775F}" type="datetimeFigureOut">
               <a:rPr lang="en-US" smtClean="0"/>
-              <a:t>3/7/18</a:t>
+              <a:t>3/10/2018</a:t>
             </a:fld>
             <a:endParaRPr lang="en-US"/>
           </a:p>
@@ -2676,7 +2675,7 @@
           <a:p>
             <a:fld id="{E68A8755-D758-4E0E-A7B6-8C6D23EC775F}" type="datetimeFigureOut">
               <a:rPr lang="en-US" smtClean="0"/>
-              <a:t>3/7/18</a:t>
+              <a:t>3/10/2018</a:t>
             </a:fld>
             <a:endParaRPr lang="en-US"/>
           </a:p>
@@ -12295,7 +12294,7 @@
               <a:t>-</a:t>
             </a:r>
             <a:r>
-              <a:rPr lang="en-US" altLang="en-US" b="1" dirty="0" err="1">
+              <a:rPr lang="en-US" altLang="en-US" b="1" dirty="0" err="1" smtClean="0">
                 <a:solidFill>
                   <a:srgbClr val="008000"/>
                 </a:solidFill>
@@ -12304,16 +12303,1022 @@
               </a:rPr>
               <a:t>fexceptions</a:t>
             </a:r>
+            <a:endParaRPr lang="en-US" altLang="en-US" b="1" dirty="0" smtClean="0">
+              <a:solidFill>
+                <a:srgbClr val="008000"/>
+              </a:solidFill>
+              <a:latin typeface="Courier New" panose="02070309020205020404" pitchFamily="49" charset="0"/>
+              <a:cs typeface="Courier New" panose="02070309020205020404" pitchFamily="49" charset="0"/>
+            </a:endParaRPr>
+          </a:p>
+          <a:p>
+            <a:pPr lvl="1"/>
+            <a:r>
+              <a:rPr lang="en-US" altLang="en-US" b="1" dirty="0">
+                <a:solidFill>
+                  <a:srgbClr val="008000"/>
+                </a:solidFill>
+                <a:latin typeface="Courier New" panose="02070309020205020404" pitchFamily="49" charset="0"/>
+                <a:cs typeface="Courier New" panose="02070309020205020404" pitchFamily="49" charset="0"/>
+              </a:rPr>
+              <a:t>-</a:t>
+            </a:r>
+            <a:r>
+              <a:rPr lang="en-US" altLang="en-US" b="1" dirty="0" err="1" smtClean="0">
+                <a:solidFill>
+                  <a:srgbClr val="008000"/>
+                </a:solidFill>
+                <a:latin typeface="Courier New" panose="02070309020205020404" pitchFamily="49" charset="0"/>
+                <a:cs typeface="Courier New" panose="02070309020205020404" pitchFamily="49" charset="0"/>
+              </a:rPr>
+              <a:t>fno</a:t>
+            </a:r>
+            <a:r>
+              <a:rPr lang="en-US" altLang="en-US" b="1" dirty="0" smtClean="0">
+                <a:solidFill>
+                  <a:srgbClr val="008000"/>
+                </a:solidFill>
+                <a:latin typeface="Courier New" panose="02070309020205020404" pitchFamily="49" charset="0"/>
+                <a:cs typeface="Courier New" panose="02070309020205020404" pitchFamily="49" charset="0"/>
+              </a:rPr>
+              <a:t>-exceptions</a:t>
+            </a:r>
             <a:endParaRPr lang="en-US" dirty="0" smtClean="0"/>
           </a:p>
           <a:p>
             <a:endParaRPr lang="en-US" dirty="0"/>
+          </a:p>
+        </p:txBody>
+      </p:sp>
+      <p:sp>
+        <p:nvSpPr>
+          <p:cNvPr id="5" name="Rectangle 1"/>
+          <p:cNvSpPr>
+            <a:spLocks noChangeArrowheads="1"/>
+          </p:cNvSpPr>
+          <p:nvPr/>
+        </p:nvSpPr>
+        <p:spPr bwMode="auto">
+          <a:xfrm>
+            <a:off x="5046785" y="1847746"/>
+            <a:ext cx="6752492" cy="3108543"/>
+          </a:xfrm>
+          <a:prstGeom prst="rect">
+            <a:avLst/>
+          </a:prstGeom>
+          <a:solidFill>
+            <a:srgbClr val="2B2B2B"/>
+          </a:solidFill>
+          <a:ln>
+            <a:noFill/>
+          </a:ln>
+          <a:effectLst/>
+          <a:extLst>
+            <a:ext uri="{91240B29-F687-4F45-9708-019B960494DF}">
+              <a14:hiddenLine xmlns:a14="http://schemas.microsoft.com/office/drawing/2010/main" w="9525">
+                <a:solidFill>
+                  <a:schemeClr val="tx1"/>
+                </a:solidFill>
+                <a:miter lim="800000"/>
+                <a:headEnd/>
+                <a:tailEnd/>
+              </a14:hiddenLine>
+            </a:ext>
+            <a:ext uri="{AF507438-7753-43E0-B8FC-AC1667EBCBE1}">
+              <a14:hiddenEffects xmlns:a14="http://schemas.microsoft.com/office/drawing/2010/main">
+                <a:effectLst>
+                  <a:outerShdw dist="35921" dir="2700000" algn="ctr" rotWithShape="0">
+                    <a:schemeClr val="bg2"/>
+                  </a:outerShdw>
+                </a:effectLst>
+              </a14:hiddenEffects>
+            </a:ext>
+          </a:extLst>
+        </p:spPr>
+        <p:txBody>
+          <a:bodyPr vert="horz" wrap="square" lIns="91440" tIns="45720" rIns="91440" bIns="45720" numCol="1" anchor="ctr" anchorCtr="0" compatLnSpc="1">
+            <a:prstTxWarp prst="textNoShape">
+              <a:avLst/>
+            </a:prstTxWarp>
+            <a:spAutoFit/>
+          </a:bodyPr>
+          <a:lstStyle/>
+          <a:p>
+            <a:pPr marL="0" marR="0" lvl="0" indent="0" algn="l" defTabSz="914400" rtl="0" eaLnBrk="0" fontAlgn="base" latinLnBrk="0" hangingPunct="0">
+              <a:lnSpc>
+                <a:spcPct val="100000"/>
+              </a:lnSpc>
+              <a:spcBef>
+                <a:spcPct val="0"/>
+              </a:spcBef>
+              <a:spcAft>
+                <a:spcPct val="0"/>
+              </a:spcAft>
+              <a:buClrTx/>
+              <a:buSzTx/>
+              <a:buFontTx/>
+              <a:buNone/>
+              <a:tabLst/>
+            </a:pPr>
+            <a:r>
+              <a:rPr kumimoji="0" lang="en-US" altLang="en-US" sz="1400" b="0" i="0" u="none" strike="noStrike" cap="none" normalizeH="0" baseline="0" dirty="0" smtClean="0">
+                <a:ln>
+                  <a:noFill/>
+                </a:ln>
+                <a:solidFill>
+                  <a:srgbClr val="A9B7C6"/>
+                </a:solidFill>
+                <a:effectLst/>
+                <a:latin typeface="Courier New" panose="02070309020205020404" pitchFamily="49" charset="0"/>
+                <a:cs typeface="Courier New" panose="02070309020205020404" pitchFamily="49" charset="0"/>
+              </a:rPr>
+              <a:t>android {</a:t>
+            </a:r>
+            <a:br>
+              <a:rPr kumimoji="0" lang="en-US" altLang="en-US" sz="1400" b="0" i="0" u="none" strike="noStrike" cap="none" normalizeH="0" baseline="0" dirty="0" smtClean="0">
+                <a:ln>
+                  <a:noFill/>
+                </a:ln>
+                <a:solidFill>
+                  <a:srgbClr val="A9B7C6"/>
+                </a:solidFill>
+                <a:effectLst/>
+                <a:latin typeface="Courier New" panose="02070309020205020404" pitchFamily="49" charset="0"/>
+                <a:cs typeface="Courier New" panose="02070309020205020404" pitchFamily="49" charset="0"/>
+              </a:rPr>
+            </a:br>
+            <a:r>
+              <a:rPr kumimoji="0" lang="en-US" altLang="en-US" sz="1400" b="0" i="0" u="none" strike="noStrike" cap="none" normalizeH="0" baseline="0" dirty="0" smtClean="0">
+                <a:ln>
+                  <a:noFill/>
+                </a:ln>
+                <a:solidFill>
+                  <a:srgbClr val="A9B7C6"/>
+                </a:solidFill>
+                <a:effectLst/>
+                <a:latin typeface="Courier New" panose="02070309020205020404" pitchFamily="49" charset="0"/>
+                <a:cs typeface="Courier New" panose="02070309020205020404" pitchFamily="49" charset="0"/>
+              </a:rPr>
+              <a:t>    </a:t>
+            </a:r>
+            <a:r>
+              <a:rPr kumimoji="0" lang="en-US" altLang="en-US" sz="1400" b="0" i="0" u="none" strike="noStrike" cap="none" normalizeH="0" baseline="0" dirty="0" err="1" smtClean="0">
+                <a:ln>
+                  <a:noFill/>
+                </a:ln>
+                <a:solidFill>
+                  <a:srgbClr val="A9B7C6"/>
+                </a:solidFill>
+                <a:effectLst/>
+                <a:latin typeface="Courier New" panose="02070309020205020404" pitchFamily="49" charset="0"/>
+                <a:cs typeface="Courier New" panose="02070309020205020404" pitchFamily="49" charset="0"/>
+              </a:rPr>
+              <a:t>compileSdkVersion</a:t>
+            </a:r>
+            <a:r>
+              <a:rPr kumimoji="0" lang="en-US" altLang="en-US" sz="1400" b="0" i="0" u="none" strike="noStrike" cap="none" normalizeH="0" baseline="0" dirty="0" smtClean="0">
+                <a:ln>
+                  <a:noFill/>
+                </a:ln>
+                <a:solidFill>
+                  <a:srgbClr val="A9B7C6"/>
+                </a:solidFill>
+                <a:effectLst/>
+                <a:latin typeface="Courier New" panose="02070309020205020404" pitchFamily="49" charset="0"/>
+                <a:cs typeface="Courier New" panose="02070309020205020404" pitchFamily="49" charset="0"/>
+              </a:rPr>
+              <a:t> </a:t>
+            </a:r>
+            <a:r>
+              <a:rPr kumimoji="0" lang="en-US" altLang="en-US" sz="1400" b="0" i="0" u="none" strike="noStrike" cap="none" normalizeH="0" baseline="0" dirty="0" smtClean="0">
+                <a:ln>
+                  <a:noFill/>
+                </a:ln>
+                <a:solidFill>
+                  <a:srgbClr val="6897BB"/>
+                </a:solidFill>
+                <a:effectLst/>
+                <a:latin typeface="Courier New" panose="02070309020205020404" pitchFamily="49" charset="0"/>
+                <a:cs typeface="Courier New" panose="02070309020205020404" pitchFamily="49" charset="0"/>
+              </a:rPr>
+              <a:t>26</a:t>
+            </a:r>
+            <a:br>
+              <a:rPr kumimoji="0" lang="en-US" altLang="en-US" sz="1400" b="0" i="0" u="none" strike="noStrike" cap="none" normalizeH="0" baseline="0" dirty="0" smtClean="0">
+                <a:ln>
+                  <a:noFill/>
+                </a:ln>
+                <a:solidFill>
+                  <a:srgbClr val="6897BB"/>
+                </a:solidFill>
+                <a:effectLst/>
+                <a:latin typeface="Courier New" panose="02070309020205020404" pitchFamily="49" charset="0"/>
+                <a:cs typeface="Courier New" panose="02070309020205020404" pitchFamily="49" charset="0"/>
+              </a:rPr>
+            </a:br>
+            <a:r>
+              <a:rPr kumimoji="0" lang="en-US" altLang="en-US" sz="1400" b="0" i="0" u="none" strike="noStrike" cap="none" normalizeH="0" baseline="0" dirty="0" smtClean="0">
+                <a:ln>
+                  <a:noFill/>
+                </a:ln>
+                <a:solidFill>
+                  <a:srgbClr val="6897BB"/>
+                </a:solidFill>
+                <a:effectLst/>
+                <a:latin typeface="Courier New" panose="02070309020205020404" pitchFamily="49" charset="0"/>
+                <a:cs typeface="Courier New" panose="02070309020205020404" pitchFamily="49" charset="0"/>
+              </a:rPr>
+              <a:t>    </a:t>
+            </a:r>
+            <a:r>
+              <a:rPr kumimoji="0" lang="en-US" altLang="en-US" sz="1400" b="0" i="0" u="none" strike="noStrike" cap="none" normalizeH="0" baseline="0" dirty="0" err="1" smtClean="0">
+                <a:ln>
+                  <a:noFill/>
+                </a:ln>
+                <a:solidFill>
+                  <a:srgbClr val="A9B7C6"/>
+                </a:solidFill>
+                <a:effectLst/>
+                <a:latin typeface="Courier New" panose="02070309020205020404" pitchFamily="49" charset="0"/>
+                <a:cs typeface="Courier New" panose="02070309020205020404" pitchFamily="49" charset="0"/>
+              </a:rPr>
+              <a:t>defaultConfig</a:t>
+            </a:r>
+            <a:r>
+              <a:rPr kumimoji="0" lang="en-US" altLang="en-US" sz="1400" b="0" i="0" u="none" strike="noStrike" cap="none" normalizeH="0" baseline="0" dirty="0" smtClean="0">
+                <a:ln>
+                  <a:noFill/>
+                </a:ln>
+                <a:solidFill>
+                  <a:srgbClr val="A9B7C6"/>
+                </a:solidFill>
+                <a:effectLst/>
+                <a:latin typeface="Courier New" panose="02070309020205020404" pitchFamily="49" charset="0"/>
+                <a:cs typeface="Courier New" panose="02070309020205020404" pitchFamily="49" charset="0"/>
+              </a:rPr>
+              <a:t> {</a:t>
+            </a:r>
+            <a:br>
+              <a:rPr kumimoji="0" lang="en-US" altLang="en-US" sz="1400" b="0" i="0" u="none" strike="noStrike" cap="none" normalizeH="0" baseline="0" dirty="0" smtClean="0">
+                <a:ln>
+                  <a:noFill/>
+                </a:ln>
+                <a:solidFill>
+                  <a:srgbClr val="A9B7C6"/>
+                </a:solidFill>
+                <a:effectLst/>
+                <a:latin typeface="Courier New" panose="02070309020205020404" pitchFamily="49" charset="0"/>
+                <a:cs typeface="Courier New" panose="02070309020205020404" pitchFamily="49" charset="0"/>
+              </a:rPr>
+            </a:br>
+            <a:r>
+              <a:rPr kumimoji="0" lang="en-US" altLang="en-US" sz="1400" b="0" i="0" u="none" strike="noStrike" cap="none" normalizeH="0" baseline="0" dirty="0" smtClean="0">
+                <a:ln>
+                  <a:noFill/>
+                </a:ln>
+                <a:solidFill>
+                  <a:srgbClr val="A9B7C6"/>
+                </a:solidFill>
+                <a:effectLst/>
+                <a:latin typeface="Courier New" panose="02070309020205020404" pitchFamily="49" charset="0"/>
+                <a:cs typeface="Courier New" panose="02070309020205020404" pitchFamily="49" charset="0"/>
+              </a:rPr>
+              <a:t>        </a:t>
+            </a:r>
+            <a:r>
+              <a:rPr kumimoji="0" lang="en-US" altLang="en-US" sz="1400" b="0" i="0" u="none" strike="noStrike" cap="none" normalizeH="0" baseline="0" dirty="0" err="1" smtClean="0">
+                <a:ln>
+                  <a:noFill/>
+                </a:ln>
+                <a:solidFill>
+                  <a:srgbClr val="9876AA"/>
+                </a:solidFill>
+                <a:effectLst/>
+                <a:latin typeface="Courier New" panose="02070309020205020404" pitchFamily="49" charset="0"/>
+                <a:cs typeface="Courier New" panose="02070309020205020404" pitchFamily="49" charset="0"/>
+              </a:rPr>
+              <a:t>applicationId</a:t>
+            </a:r>
+            <a:r>
+              <a:rPr kumimoji="0" lang="en-US" altLang="en-US" sz="1400" b="0" i="0" u="none" strike="noStrike" cap="none" normalizeH="0" baseline="0" dirty="0" smtClean="0">
+                <a:ln>
+                  <a:noFill/>
+                </a:ln>
+                <a:solidFill>
+                  <a:srgbClr val="9876AA"/>
+                </a:solidFill>
+                <a:effectLst/>
+                <a:latin typeface="Courier New" panose="02070309020205020404" pitchFamily="49" charset="0"/>
+                <a:cs typeface="Courier New" panose="02070309020205020404" pitchFamily="49" charset="0"/>
+              </a:rPr>
+              <a:t> </a:t>
+            </a:r>
+            <a:r>
+              <a:rPr kumimoji="0" lang="en-US" altLang="en-US" sz="1400" b="0" i="0" u="none" strike="noStrike" cap="none" normalizeH="0" baseline="0" dirty="0" smtClean="0">
+                <a:ln>
+                  <a:noFill/>
+                </a:ln>
+                <a:solidFill>
+                  <a:srgbClr val="6A8759"/>
+                </a:solidFill>
+                <a:effectLst/>
+                <a:latin typeface="Courier New" panose="02070309020205020404" pitchFamily="49" charset="0"/>
+                <a:cs typeface="Courier New" panose="02070309020205020404" pitchFamily="49" charset="0"/>
+              </a:rPr>
+              <a:t>"</a:t>
+            </a:r>
+            <a:r>
+              <a:rPr kumimoji="0" lang="en-US" altLang="en-US" sz="1400" b="0" i="0" u="none" strike="noStrike" cap="none" normalizeH="0" baseline="0" dirty="0" err="1" smtClean="0">
+                <a:ln>
+                  <a:noFill/>
+                </a:ln>
+                <a:solidFill>
+                  <a:srgbClr val="6A8759"/>
+                </a:solidFill>
+                <a:effectLst/>
+                <a:latin typeface="Courier New" panose="02070309020205020404" pitchFamily="49" charset="0"/>
+                <a:cs typeface="Courier New" panose="02070309020205020404" pitchFamily="49" charset="0"/>
+              </a:rPr>
+              <a:t>com.softserveinc.ndkexampledemo</a:t>
+            </a:r>
+            <a:r>
+              <a:rPr kumimoji="0" lang="en-US" altLang="en-US" sz="1400" b="0" i="0" u="none" strike="noStrike" cap="none" normalizeH="0" baseline="0" dirty="0" smtClean="0">
+                <a:ln>
+                  <a:noFill/>
+                </a:ln>
+                <a:solidFill>
+                  <a:srgbClr val="6A8759"/>
+                </a:solidFill>
+                <a:effectLst/>
+                <a:latin typeface="Courier New" panose="02070309020205020404" pitchFamily="49" charset="0"/>
+                <a:cs typeface="Courier New" panose="02070309020205020404" pitchFamily="49" charset="0"/>
+              </a:rPr>
+              <a:t>"</a:t>
+            </a:r>
+            <a:br>
+              <a:rPr kumimoji="0" lang="en-US" altLang="en-US" sz="1400" b="0" i="0" u="none" strike="noStrike" cap="none" normalizeH="0" baseline="0" dirty="0" smtClean="0">
+                <a:ln>
+                  <a:noFill/>
+                </a:ln>
+                <a:solidFill>
+                  <a:srgbClr val="6A8759"/>
+                </a:solidFill>
+                <a:effectLst/>
+                <a:latin typeface="Courier New" panose="02070309020205020404" pitchFamily="49" charset="0"/>
+                <a:cs typeface="Courier New" panose="02070309020205020404" pitchFamily="49" charset="0"/>
+              </a:rPr>
+            </a:br>
+            <a:r>
+              <a:rPr kumimoji="0" lang="en-US" altLang="en-US" sz="1400" b="0" i="0" u="none" strike="noStrike" cap="none" normalizeH="0" baseline="0" dirty="0" smtClean="0">
+                <a:ln>
+                  <a:noFill/>
+                </a:ln>
+                <a:solidFill>
+                  <a:srgbClr val="6A8759"/>
+                </a:solidFill>
+                <a:effectLst/>
+                <a:latin typeface="Courier New" panose="02070309020205020404" pitchFamily="49" charset="0"/>
+                <a:cs typeface="Courier New" panose="02070309020205020404" pitchFamily="49" charset="0"/>
+              </a:rPr>
+              <a:t>        </a:t>
+            </a:r>
+            <a:r>
+              <a:rPr kumimoji="0" lang="en-US" altLang="en-US" sz="1400" b="0" i="0" u="none" strike="noStrike" cap="none" normalizeH="0" baseline="0" dirty="0" err="1" smtClean="0">
+                <a:ln>
+                  <a:noFill/>
+                </a:ln>
+                <a:solidFill>
+                  <a:srgbClr val="A9B7C6"/>
+                </a:solidFill>
+                <a:effectLst/>
+                <a:latin typeface="Courier New" panose="02070309020205020404" pitchFamily="49" charset="0"/>
+                <a:cs typeface="Courier New" panose="02070309020205020404" pitchFamily="49" charset="0"/>
+              </a:rPr>
+              <a:t>minSdkVersion</a:t>
+            </a:r>
+            <a:r>
+              <a:rPr kumimoji="0" lang="en-US" altLang="en-US" sz="1400" b="0" i="0" u="none" strike="noStrike" cap="none" normalizeH="0" baseline="0" dirty="0" smtClean="0">
+                <a:ln>
+                  <a:noFill/>
+                </a:ln>
+                <a:solidFill>
+                  <a:srgbClr val="A9B7C6"/>
+                </a:solidFill>
+                <a:effectLst/>
+                <a:latin typeface="Courier New" panose="02070309020205020404" pitchFamily="49" charset="0"/>
+                <a:cs typeface="Courier New" panose="02070309020205020404" pitchFamily="49" charset="0"/>
+              </a:rPr>
+              <a:t> </a:t>
+            </a:r>
+            <a:r>
+              <a:rPr kumimoji="0" lang="en-US" altLang="en-US" sz="1400" b="0" i="0" u="none" strike="noStrike" cap="none" normalizeH="0" baseline="0" dirty="0" smtClean="0">
+                <a:ln>
+                  <a:noFill/>
+                </a:ln>
+                <a:solidFill>
+                  <a:srgbClr val="6897BB"/>
+                </a:solidFill>
+                <a:effectLst/>
+                <a:latin typeface="Courier New" panose="02070309020205020404" pitchFamily="49" charset="0"/>
+                <a:cs typeface="Courier New" panose="02070309020205020404" pitchFamily="49" charset="0"/>
+              </a:rPr>
+              <a:t>21</a:t>
+            </a:r>
+            <a:br>
+              <a:rPr kumimoji="0" lang="en-US" altLang="en-US" sz="1400" b="0" i="0" u="none" strike="noStrike" cap="none" normalizeH="0" baseline="0" dirty="0" smtClean="0">
+                <a:ln>
+                  <a:noFill/>
+                </a:ln>
+                <a:solidFill>
+                  <a:srgbClr val="6897BB"/>
+                </a:solidFill>
+                <a:effectLst/>
+                <a:latin typeface="Courier New" panose="02070309020205020404" pitchFamily="49" charset="0"/>
+                <a:cs typeface="Courier New" panose="02070309020205020404" pitchFamily="49" charset="0"/>
+              </a:rPr>
+            </a:br>
+            <a:r>
+              <a:rPr kumimoji="0" lang="en-US" altLang="en-US" sz="1400" b="0" i="0" u="none" strike="noStrike" cap="none" normalizeH="0" baseline="0" dirty="0" smtClean="0">
+                <a:ln>
+                  <a:noFill/>
+                </a:ln>
+                <a:solidFill>
+                  <a:srgbClr val="6897BB"/>
+                </a:solidFill>
+                <a:effectLst/>
+                <a:latin typeface="Courier New" panose="02070309020205020404" pitchFamily="49" charset="0"/>
+                <a:cs typeface="Courier New" panose="02070309020205020404" pitchFamily="49" charset="0"/>
+              </a:rPr>
+              <a:t>        </a:t>
+            </a:r>
+            <a:r>
+              <a:rPr kumimoji="0" lang="en-US" altLang="en-US" sz="1400" b="0" i="0" u="none" strike="noStrike" cap="none" normalizeH="0" baseline="0" dirty="0" err="1" smtClean="0">
+                <a:ln>
+                  <a:noFill/>
+                </a:ln>
+                <a:solidFill>
+                  <a:srgbClr val="A9B7C6"/>
+                </a:solidFill>
+                <a:effectLst/>
+                <a:latin typeface="Courier New" panose="02070309020205020404" pitchFamily="49" charset="0"/>
+                <a:cs typeface="Courier New" panose="02070309020205020404" pitchFamily="49" charset="0"/>
+              </a:rPr>
+              <a:t>targetSdkVersion</a:t>
+            </a:r>
+            <a:r>
+              <a:rPr kumimoji="0" lang="en-US" altLang="en-US" sz="1400" b="0" i="0" u="none" strike="noStrike" cap="none" normalizeH="0" baseline="0" dirty="0" smtClean="0">
+                <a:ln>
+                  <a:noFill/>
+                </a:ln>
+                <a:solidFill>
+                  <a:srgbClr val="A9B7C6"/>
+                </a:solidFill>
+                <a:effectLst/>
+                <a:latin typeface="Courier New" panose="02070309020205020404" pitchFamily="49" charset="0"/>
+                <a:cs typeface="Courier New" panose="02070309020205020404" pitchFamily="49" charset="0"/>
+              </a:rPr>
+              <a:t> </a:t>
+            </a:r>
+            <a:r>
+              <a:rPr kumimoji="0" lang="en-US" altLang="en-US" sz="1400" b="0" i="0" u="none" strike="noStrike" cap="none" normalizeH="0" baseline="0" dirty="0" smtClean="0">
+                <a:ln>
+                  <a:noFill/>
+                </a:ln>
+                <a:solidFill>
+                  <a:srgbClr val="6897BB"/>
+                </a:solidFill>
+                <a:effectLst/>
+                <a:latin typeface="Courier New" panose="02070309020205020404" pitchFamily="49" charset="0"/>
+                <a:cs typeface="Courier New" panose="02070309020205020404" pitchFamily="49" charset="0"/>
+              </a:rPr>
+              <a:t>26</a:t>
+            </a:r>
+            <a:br>
+              <a:rPr kumimoji="0" lang="en-US" altLang="en-US" sz="1400" b="0" i="0" u="none" strike="noStrike" cap="none" normalizeH="0" baseline="0" dirty="0" smtClean="0">
+                <a:ln>
+                  <a:noFill/>
+                </a:ln>
+                <a:solidFill>
+                  <a:srgbClr val="6897BB"/>
+                </a:solidFill>
+                <a:effectLst/>
+                <a:latin typeface="Courier New" panose="02070309020205020404" pitchFamily="49" charset="0"/>
+                <a:cs typeface="Courier New" panose="02070309020205020404" pitchFamily="49" charset="0"/>
+              </a:rPr>
+            </a:br>
+            <a:r>
+              <a:rPr kumimoji="0" lang="en-US" altLang="en-US" sz="1400" b="0" i="0" u="none" strike="noStrike" cap="none" normalizeH="0" baseline="0" dirty="0" smtClean="0">
+                <a:ln>
+                  <a:noFill/>
+                </a:ln>
+                <a:solidFill>
+                  <a:srgbClr val="6897BB"/>
+                </a:solidFill>
+                <a:effectLst/>
+                <a:latin typeface="Courier New" panose="02070309020205020404" pitchFamily="49" charset="0"/>
+                <a:cs typeface="Courier New" panose="02070309020205020404" pitchFamily="49" charset="0"/>
+              </a:rPr>
+              <a:t>        </a:t>
+            </a:r>
+            <a:r>
+              <a:rPr kumimoji="0" lang="en-US" altLang="en-US" sz="1400" b="0" i="0" u="none" strike="noStrike" cap="none" normalizeH="0" baseline="0" dirty="0" err="1" smtClean="0">
+                <a:ln>
+                  <a:noFill/>
+                </a:ln>
+                <a:solidFill>
+                  <a:srgbClr val="9876AA"/>
+                </a:solidFill>
+                <a:effectLst/>
+                <a:latin typeface="Courier New" panose="02070309020205020404" pitchFamily="49" charset="0"/>
+                <a:cs typeface="Courier New" panose="02070309020205020404" pitchFamily="49" charset="0"/>
+              </a:rPr>
+              <a:t>versionCode</a:t>
+            </a:r>
+            <a:r>
+              <a:rPr kumimoji="0" lang="en-US" altLang="en-US" sz="1400" b="0" i="0" u="none" strike="noStrike" cap="none" normalizeH="0" baseline="0" dirty="0" smtClean="0">
+                <a:ln>
+                  <a:noFill/>
+                </a:ln>
+                <a:solidFill>
+                  <a:srgbClr val="9876AA"/>
+                </a:solidFill>
+                <a:effectLst/>
+                <a:latin typeface="Courier New" panose="02070309020205020404" pitchFamily="49" charset="0"/>
+                <a:cs typeface="Courier New" panose="02070309020205020404" pitchFamily="49" charset="0"/>
+              </a:rPr>
+              <a:t> </a:t>
+            </a:r>
+            <a:r>
+              <a:rPr kumimoji="0" lang="en-US" altLang="en-US" sz="1400" b="0" i="0" u="none" strike="noStrike" cap="none" normalizeH="0" baseline="0" dirty="0" smtClean="0">
+                <a:ln>
+                  <a:noFill/>
+                </a:ln>
+                <a:solidFill>
+                  <a:srgbClr val="6897BB"/>
+                </a:solidFill>
+                <a:effectLst/>
+                <a:latin typeface="Courier New" panose="02070309020205020404" pitchFamily="49" charset="0"/>
+                <a:cs typeface="Courier New" panose="02070309020205020404" pitchFamily="49" charset="0"/>
+              </a:rPr>
+              <a:t>1</a:t>
+            </a:r>
+            <a:br>
+              <a:rPr kumimoji="0" lang="en-US" altLang="en-US" sz="1400" b="0" i="0" u="none" strike="noStrike" cap="none" normalizeH="0" baseline="0" dirty="0" smtClean="0">
+                <a:ln>
+                  <a:noFill/>
+                </a:ln>
+                <a:solidFill>
+                  <a:srgbClr val="6897BB"/>
+                </a:solidFill>
+                <a:effectLst/>
+                <a:latin typeface="Courier New" panose="02070309020205020404" pitchFamily="49" charset="0"/>
+                <a:cs typeface="Courier New" panose="02070309020205020404" pitchFamily="49" charset="0"/>
+              </a:rPr>
+            </a:br>
+            <a:r>
+              <a:rPr kumimoji="0" lang="en-US" altLang="en-US" sz="1400" b="0" i="0" u="none" strike="noStrike" cap="none" normalizeH="0" baseline="0" dirty="0" smtClean="0">
+                <a:ln>
+                  <a:noFill/>
+                </a:ln>
+                <a:solidFill>
+                  <a:srgbClr val="6897BB"/>
+                </a:solidFill>
+                <a:effectLst/>
+                <a:latin typeface="Courier New" panose="02070309020205020404" pitchFamily="49" charset="0"/>
+                <a:cs typeface="Courier New" panose="02070309020205020404" pitchFamily="49" charset="0"/>
+              </a:rPr>
+              <a:t>        </a:t>
+            </a:r>
+            <a:r>
+              <a:rPr kumimoji="0" lang="en-US" altLang="en-US" sz="1400" b="0" i="0" u="none" strike="noStrike" cap="none" normalizeH="0" baseline="0" dirty="0" err="1" smtClean="0">
+                <a:ln>
+                  <a:noFill/>
+                </a:ln>
+                <a:solidFill>
+                  <a:srgbClr val="9876AA"/>
+                </a:solidFill>
+                <a:effectLst/>
+                <a:latin typeface="Courier New" panose="02070309020205020404" pitchFamily="49" charset="0"/>
+                <a:cs typeface="Courier New" panose="02070309020205020404" pitchFamily="49" charset="0"/>
+              </a:rPr>
+              <a:t>versionName</a:t>
+            </a:r>
+            <a:r>
+              <a:rPr kumimoji="0" lang="en-US" altLang="en-US" sz="1400" b="0" i="0" u="none" strike="noStrike" cap="none" normalizeH="0" baseline="0" dirty="0" smtClean="0">
+                <a:ln>
+                  <a:noFill/>
+                </a:ln>
+                <a:solidFill>
+                  <a:srgbClr val="9876AA"/>
+                </a:solidFill>
+                <a:effectLst/>
+                <a:latin typeface="Courier New" panose="02070309020205020404" pitchFamily="49" charset="0"/>
+                <a:cs typeface="Courier New" panose="02070309020205020404" pitchFamily="49" charset="0"/>
+              </a:rPr>
+              <a:t> </a:t>
+            </a:r>
+            <a:r>
+              <a:rPr kumimoji="0" lang="en-US" altLang="en-US" sz="1400" b="0" i="0" u="none" strike="noStrike" cap="none" normalizeH="0" baseline="0" dirty="0" smtClean="0">
+                <a:ln>
+                  <a:noFill/>
+                </a:ln>
+                <a:solidFill>
+                  <a:srgbClr val="6A8759"/>
+                </a:solidFill>
+                <a:effectLst/>
+                <a:latin typeface="Courier New" panose="02070309020205020404" pitchFamily="49" charset="0"/>
+                <a:cs typeface="Courier New" panose="02070309020205020404" pitchFamily="49" charset="0"/>
+              </a:rPr>
+              <a:t>"1.0"</a:t>
+            </a:r>
+            <a:br>
+              <a:rPr kumimoji="0" lang="en-US" altLang="en-US" sz="1400" b="0" i="0" u="none" strike="noStrike" cap="none" normalizeH="0" baseline="0" dirty="0" smtClean="0">
+                <a:ln>
+                  <a:noFill/>
+                </a:ln>
+                <a:solidFill>
+                  <a:srgbClr val="6A8759"/>
+                </a:solidFill>
+                <a:effectLst/>
+                <a:latin typeface="Courier New" panose="02070309020205020404" pitchFamily="49" charset="0"/>
+                <a:cs typeface="Courier New" panose="02070309020205020404" pitchFamily="49" charset="0"/>
+              </a:rPr>
+            </a:br>
+            <a:r>
+              <a:rPr kumimoji="0" lang="en-US" altLang="en-US" sz="1400" b="0" i="0" u="none" strike="noStrike" cap="none" normalizeH="0" baseline="0" dirty="0" smtClean="0">
+                <a:ln>
+                  <a:noFill/>
+                </a:ln>
+                <a:solidFill>
+                  <a:srgbClr val="6A8759"/>
+                </a:solidFill>
+                <a:effectLst/>
+                <a:latin typeface="Courier New" panose="02070309020205020404" pitchFamily="49" charset="0"/>
+                <a:cs typeface="Courier New" panose="02070309020205020404" pitchFamily="49" charset="0"/>
+              </a:rPr>
+              <a:t>        </a:t>
+            </a:r>
+            <a:r>
+              <a:rPr kumimoji="0" lang="en-US" altLang="en-US" sz="1400" b="0" i="0" u="none" strike="noStrike" cap="none" normalizeH="0" baseline="0" dirty="0" err="1" smtClean="0">
+                <a:ln>
+                  <a:noFill/>
+                </a:ln>
+                <a:solidFill>
+                  <a:srgbClr val="A9B7C6"/>
+                </a:solidFill>
+                <a:effectLst/>
+                <a:latin typeface="Courier New" panose="02070309020205020404" pitchFamily="49" charset="0"/>
+                <a:cs typeface="Courier New" panose="02070309020205020404" pitchFamily="49" charset="0"/>
+              </a:rPr>
+              <a:t>externalNativeBuild</a:t>
+            </a:r>
+            <a:r>
+              <a:rPr kumimoji="0" lang="en-US" altLang="en-US" sz="1400" b="0" i="0" u="none" strike="noStrike" cap="none" normalizeH="0" baseline="0" dirty="0" smtClean="0">
+                <a:ln>
+                  <a:noFill/>
+                </a:ln>
+                <a:solidFill>
+                  <a:srgbClr val="A9B7C6"/>
+                </a:solidFill>
+                <a:effectLst/>
+                <a:latin typeface="Courier New" panose="02070309020205020404" pitchFamily="49" charset="0"/>
+                <a:cs typeface="Courier New" panose="02070309020205020404" pitchFamily="49" charset="0"/>
+              </a:rPr>
+              <a:t> {</a:t>
+            </a:r>
+            <a:br>
+              <a:rPr kumimoji="0" lang="en-US" altLang="en-US" sz="1400" b="0" i="0" u="none" strike="noStrike" cap="none" normalizeH="0" baseline="0" dirty="0" smtClean="0">
+                <a:ln>
+                  <a:noFill/>
+                </a:ln>
+                <a:solidFill>
+                  <a:srgbClr val="A9B7C6"/>
+                </a:solidFill>
+                <a:effectLst/>
+                <a:latin typeface="Courier New" panose="02070309020205020404" pitchFamily="49" charset="0"/>
+                <a:cs typeface="Courier New" panose="02070309020205020404" pitchFamily="49" charset="0"/>
+              </a:rPr>
+            </a:br>
+            <a:r>
+              <a:rPr kumimoji="0" lang="en-US" altLang="en-US" sz="1400" b="0" i="0" u="none" strike="noStrike" cap="none" normalizeH="0" baseline="0" dirty="0" smtClean="0">
+                <a:ln>
+                  <a:noFill/>
+                </a:ln>
+                <a:solidFill>
+                  <a:srgbClr val="A9B7C6"/>
+                </a:solidFill>
+                <a:effectLst/>
+                <a:latin typeface="Courier New" panose="02070309020205020404" pitchFamily="49" charset="0"/>
+                <a:cs typeface="Courier New" panose="02070309020205020404" pitchFamily="49" charset="0"/>
+              </a:rPr>
+              <a:t>            </a:t>
+            </a:r>
+            <a:r>
+              <a:rPr kumimoji="0" lang="en-US" altLang="en-US" sz="1400" b="0" i="0" u="none" strike="noStrike" cap="none" normalizeH="0" baseline="0" dirty="0" err="1" smtClean="0">
+                <a:ln>
+                  <a:noFill/>
+                </a:ln>
+                <a:solidFill>
+                  <a:srgbClr val="A9B7C6"/>
+                </a:solidFill>
+                <a:effectLst/>
+                <a:latin typeface="Courier New" panose="02070309020205020404" pitchFamily="49" charset="0"/>
+                <a:cs typeface="Courier New" panose="02070309020205020404" pitchFamily="49" charset="0"/>
+              </a:rPr>
+              <a:t>cmake</a:t>
+            </a:r>
+            <a:r>
+              <a:rPr kumimoji="0" lang="en-US" altLang="en-US" sz="1400" b="0" i="0" u="none" strike="noStrike" cap="none" normalizeH="0" baseline="0" dirty="0" smtClean="0">
+                <a:ln>
+                  <a:noFill/>
+                </a:ln>
+                <a:solidFill>
+                  <a:srgbClr val="A9B7C6"/>
+                </a:solidFill>
+                <a:effectLst/>
+                <a:latin typeface="Courier New" panose="02070309020205020404" pitchFamily="49" charset="0"/>
+                <a:cs typeface="Courier New" panose="02070309020205020404" pitchFamily="49" charset="0"/>
+              </a:rPr>
+              <a:t> {</a:t>
+            </a:r>
+            <a:br>
+              <a:rPr kumimoji="0" lang="en-US" altLang="en-US" sz="1400" b="0" i="0" u="none" strike="noStrike" cap="none" normalizeH="0" baseline="0" dirty="0" smtClean="0">
+                <a:ln>
+                  <a:noFill/>
+                </a:ln>
+                <a:solidFill>
+                  <a:srgbClr val="A9B7C6"/>
+                </a:solidFill>
+                <a:effectLst/>
+                <a:latin typeface="Courier New" panose="02070309020205020404" pitchFamily="49" charset="0"/>
+                <a:cs typeface="Courier New" panose="02070309020205020404" pitchFamily="49" charset="0"/>
+              </a:rPr>
+            </a:br>
+            <a:r>
+              <a:rPr kumimoji="0" lang="en-US" altLang="en-US" sz="1400" b="0" i="0" u="none" strike="noStrike" cap="none" normalizeH="0" baseline="0" dirty="0" smtClean="0">
+                <a:ln>
+                  <a:noFill/>
+                </a:ln>
+                <a:solidFill>
+                  <a:srgbClr val="A9B7C6"/>
+                </a:solidFill>
+                <a:effectLst/>
+                <a:latin typeface="Courier New" panose="02070309020205020404" pitchFamily="49" charset="0"/>
+                <a:cs typeface="Courier New" panose="02070309020205020404" pitchFamily="49" charset="0"/>
+              </a:rPr>
+              <a:t>               </a:t>
+            </a:r>
+            <a:r>
+              <a:rPr kumimoji="0" lang="en-US" altLang="en-US" sz="1400" b="0" i="0" u="none" strike="noStrike" cap="none" normalizeH="0" baseline="0" dirty="0" err="1" smtClean="0">
+                <a:ln>
+                  <a:noFill/>
+                </a:ln>
+                <a:solidFill>
+                  <a:srgbClr val="A9B7C6"/>
+                </a:solidFill>
+                <a:effectLst/>
+                <a:latin typeface="Courier New" panose="02070309020205020404" pitchFamily="49" charset="0"/>
+                <a:cs typeface="Courier New" panose="02070309020205020404" pitchFamily="49" charset="0"/>
+              </a:rPr>
+              <a:t>cppFlags</a:t>
+            </a:r>
+            <a:r>
+              <a:rPr kumimoji="0" lang="en-US" altLang="en-US" sz="1400" b="0" i="0" u="none" strike="noStrike" cap="none" normalizeH="0" baseline="0" dirty="0" smtClean="0">
+                <a:ln>
+                  <a:noFill/>
+                </a:ln>
+                <a:solidFill>
+                  <a:srgbClr val="A9B7C6"/>
+                </a:solidFill>
+                <a:effectLst/>
+                <a:latin typeface="Courier New" panose="02070309020205020404" pitchFamily="49" charset="0"/>
+                <a:cs typeface="Courier New" panose="02070309020205020404" pitchFamily="49" charset="0"/>
+              </a:rPr>
+              <a:t> </a:t>
+            </a:r>
+            <a:r>
+              <a:rPr kumimoji="0" lang="en-US" altLang="en-US" sz="1400" b="0" i="0" u="none" strike="noStrike" cap="none" normalizeH="0" baseline="0" dirty="0" smtClean="0">
+                <a:ln>
+                  <a:noFill/>
+                </a:ln>
+                <a:solidFill>
+                  <a:srgbClr val="6A8759"/>
+                </a:solidFill>
+                <a:effectLst/>
+                <a:latin typeface="Courier New" panose="02070309020205020404" pitchFamily="49" charset="0"/>
+                <a:cs typeface="Courier New" panose="02070309020205020404" pitchFamily="49" charset="0"/>
+              </a:rPr>
+              <a:t>"-</a:t>
+            </a:r>
+            <a:r>
+              <a:rPr kumimoji="0" lang="en-US" altLang="en-US" sz="1400" b="0" i="0" u="none" strike="noStrike" cap="none" normalizeH="0" baseline="0" dirty="0" err="1" smtClean="0">
+                <a:ln>
+                  <a:noFill/>
+                </a:ln>
+                <a:solidFill>
+                  <a:srgbClr val="6A8759"/>
+                </a:solidFill>
+                <a:effectLst/>
+                <a:latin typeface="Courier New" panose="02070309020205020404" pitchFamily="49" charset="0"/>
+                <a:cs typeface="Courier New" panose="02070309020205020404" pitchFamily="49" charset="0"/>
+              </a:rPr>
+              <a:t>std</a:t>
+            </a:r>
+            <a:r>
+              <a:rPr kumimoji="0" lang="en-US" altLang="en-US" sz="1400" b="0" i="0" u="none" strike="noStrike" cap="none" normalizeH="0" baseline="0" dirty="0" smtClean="0">
+                <a:ln>
+                  <a:noFill/>
+                </a:ln>
+                <a:solidFill>
+                  <a:srgbClr val="6A8759"/>
+                </a:solidFill>
+                <a:effectLst/>
+                <a:latin typeface="Courier New" panose="02070309020205020404" pitchFamily="49" charset="0"/>
+                <a:cs typeface="Courier New" panose="02070309020205020404" pitchFamily="49" charset="0"/>
+              </a:rPr>
+              <a:t>=</a:t>
+            </a:r>
+            <a:r>
+              <a:rPr kumimoji="0" lang="en-US" altLang="en-US" sz="1400" b="0" i="0" u="none" strike="noStrike" cap="none" normalizeH="0" baseline="0" dirty="0" err="1" smtClean="0">
+                <a:ln>
+                  <a:noFill/>
+                </a:ln>
+                <a:solidFill>
+                  <a:srgbClr val="6A8759"/>
+                </a:solidFill>
+                <a:effectLst/>
+                <a:latin typeface="Courier New" panose="02070309020205020404" pitchFamily="49" charset="0"/>
+                <a:cs typeface="Courier New" panose="02070309020205020404" pitchFamily="49" charset="0"/>
+              </a:rPr>
+              <a:t>c++</a:t>
+            </a:r>
+            <a:r>
+              <a:rPr kumimoji="0" lang="en-US" altLang="en-US" sz="1400" b="0" i="0" u="none" strike="noStrike" cap="none" normalizeH="0" baseline="0" dirty="0" smtClean="0">
+                <a:ln>
+                  <a:noFill/>
+                </a:ln>
+                <a:solidFill>
+                  <a:srgbClr val="6A8759"/>
+                </a:solidFill>
+                <a:effectLst/>
+                <a:latin typeface="Courier New" panose="02070309020205020404" pitchFamily="49" charset="0"/>
+                <a:cs typeface="Courier New" panose="02070309020205020404" pitchFamily="49" charset="0"/>
+              </a:rPr>
+              <a:t>11 </a:t>
+            </a:r>
+            <a:r>
+              <a:rPr kumimoji="0" lang="en-US" altLang="en-US" sz="1400" b="1" i="0" u="none" strike="noStrike" cap="none" normalizeH="0" baseline="0" dirty="0" smtClean="0">
+                <a:ln>
+                  <a:noFill/>
+                </a:ln>
+                <a:solidFill>
+                  <a:srgbClr val="FF0000"/>
+                </a:solidFill>
+                <a:effectLst/>
+                <a:latin typeface="Courier New" panose="02070309020205020404" pitchFamily="49" charset="0"/>
+                <a:cs typeface="Courier New" panose="02070309020205020404" pitchFamily="49" charset="0"/>
+              </a:rPr>
+              <a:t>-</a:t>
+            </a:r>
+            <a:r>
+              <a:rPr kumimoji="0" lang="en-US" altLang="en-US" sz="1400" b="1" i="0" u="none" strike="noStrike" cap="none" normalizeH="0" baseline="0" dirty="0" err="1" smtClean="0">
+                <a:ln>
+                  <a:noFill/>
+                </a:ln>
+                <a:solidFill>
+                  <a:srgbClr val="FF0000"/>
+                </a:solidFill>
+                <a:effectLst/>
+                <a:latin typeface="Courier New" panose="02070309020205020404" pitchFamily="49" charset="0"/>
+                <a:cs typeface="Courier New" panose="02070309020205020404" pitchFamily="49" charset="0"/>
+              </a:rPr>
+              <a:t>fexceptions</a:t>
+            </a:r>
+            <a:r>
+              <a:rPr kumimoji="0" lang="en-US" altLang="en-US" sz="1400" b="0" i="0" u="none" strike="noStrike" cap="none" normalizeH="0" baseline="0" dirty="0" smtClean="0">
+                <a:ln>
+                  <a:noFill/>
+                </a:ln>
+                <a:solidFill>
+                  <a:srgbClr val="6A8759"/>
+                </a:solidFill>
+                <a:effectLst/>
+                <a:latin typeface="Courier New" panose="02070309020205020404" pitchFamily="49" charset="0"/>
+                <a:cs typeface="Courier New" panose="02070309020205020404" pitchFamily="49" charset="0"/>
+              </a:rPr>
+              <a:t>"</a:t>
+            </a:r>
+            <a:br>
+              <a:rPr kumimoji="0" lang="en-US" altLang="en-US" sz="1400" b="0" i="0" u="none" strike="noStrike" cap="none" normalizeH="0" baseline="0" dirty="0" smtClean="0">
+                <a:ln>
+                  <a:noFill/>
+                </a:ln>
+                <a:solidFill>
+                  <a:srgbClr val="6A8759"/>
+                </a:solidFill>
+                <a:effectLst/>
+                <a:latin typeface="Courier New" panose="02070309020205020404" pitchFamily="49" charset="0"/>
+                <a:cs typeface="Courier New" panose="02070309020205020404" pitchFamily="49" charset="0"/>
+              </a:rPr>
+            </a:br>
+            <a:r>
+              <a:rPr kumimoji="0" lang="en-US" altLang="en-US" sz="1400" b="0" i="0" u="none" strike="noStrike" cap="none" normalizeH="0" baseline="0" dirty="0" smtClean="0">
+                <a:ln>
+                  <a:noFill/>
+                </a:ln>
+                <a:solidFill>
+                  <a:srgbClr val="6A8759"/>
+                </a:solidFill>
+                <a:effectLst/>
+                <a:latin typeface="Courier New" panose="02070309020205020404" pitchFamily="49" charset="0"/>
+                <a:cs typeface="Courier New" panose="02070309020205020404" pitchFamily="49" charset="0"/>
+              </a:rPr>
+              <a:t>            </a:t>
+            </a:r>
+            <a:r>
+              <a:rPr kumimoji="0" lang="en-US" altLang="en-US" sz="1400" b="0" i="0" u="none" strike="noStrike" cap="none" normalizeH="0" baseline="0" dirty="0" smtClean="0">
+                <a:ln>
+                  <a:noFill/>
+                </a:ln>
+                <a:solidFill>
+                  <a:srgbClr val="A9B7C6"/>
+                </a:solidFill>
+                <a:effectLst/>
+                <a:latin typeface="Courier New" panose="02070309020205020404" pitchFamily="49" charset="0"/>
+                <a:cs typeface="Courier New" panose="02070309020205020404" pitchFamily="49" charset="0"/>
+              </a:rPr>
+              <a:t>}</a:t>
+            </a:r>
+            <a:br>
+              <a:rPr kumimoji="0" lang="en-US" altLang="en-US" sz="1400" b="0" i="0" u="none" strike="noStrike" cap="none" normalizeH="0" baseline="0" dirty="0" smtClean="0">
+                <a:ln>
+                  <a:noFill/>
+                </a:ln>
+                <a:solidFill>
+                  <a:srgbClr val="A9B7C6"/>
+                </a:solidFill>
+                <a:effectLst/>
+                <a:latin typeface="Courier New" panose="02070309020205020404" pitchFamily="49" charset="0"/>
+                <a:cs typeface="Courier New" panose="02070309020205020404" pitchFamily="49" charset="0"/>
+              </a:rPr>
+            </a:br>
+            <a:r>
+              <a:rPr kumimoji="0" lang="en-US" altLang="en-US" sz="1400" b="0" i="0" u="none" strike="noStrike" cap="none" normalizeH="0" baseline="0" dirty="0" smtClean="0">
+                <a:ln>
+                  <a:noFill/>
+                </a:ln>
+                <a:solidFill>
+                  <a:srgbClr val="A9B7C6"/>
+                </a:solidFill>
+                <a:effectLst/>
+                <a:latin typeface="Courier New" panose="02070309020205020404" pitchFamily="49" charset="0"/>
+                <a:cs typeface="Courier New" panose="02070309020205020404" pitchFamily="49" charset="0"/>
+              </a:rPr>
+              <a:t>        }</a:t>
+            </a:r>
+            <a:br>
+              <a:rPr kumimoji="0" lang="en-US" altLang="en-US" sz="1400" b="0" i="0" u="none" strike="noStrike" cap="none" normalizeH="0" baseline="0" dirty="0" smtClean="0">
+                <a:ln>
+                  <a:noFill/>
+                </a:ln>
+                <a:solidFill>
+                  <a:srgbClr val="A9B7C6"/>
+                </a:solidFill>
+                <a:effectLst/>
+                <a:latin typeface="Courier New" panose="02070309020205020404" pitchFamily="49" charset="0"/>
+                <a:cs typeface="Courier New" panose="02070309020205020404" pitchFamily="49" charset="0"/>
+              </a:rPr>
+            </a:br>
+            <a:r>
+              <a:rPr kumimoji="0" lang="en-US" altLang="en-US" sz="1400" b="0" i="0" u="none" strike="noStrike" cap="none" normalizeH="0" baseline="0" dirty="0" smtClean="0">
+                <a:ln>
+                  <a:noFill/>
+                </a:ln>
+                <a:solidFill>
+                  <a:srgbClr val="A9B7C6"/>
+                </a:solidFill>
+                <a:effectLst/>
+                <a:latin typeface="Courier New" panose="02070309020205020404" pitchFamily="49" charset="0"/>
+                <a:cs typeface="Courier New" panose="02070309020205020404" pitchFamily="49" charset="0"/>
+              </a:rPr>
+              <a:t>    }</a:t>
+            </a:r>
+            <a:endParaRPr kumimoji="0" lang="en-US" altLang="en-US" sz="1400" b="0" i="0" u="none" strike="noStrike" cap="none" normalizeH="0" baseline="0" dirty="0" smtClean="0">
+              <a:ln>
+                <a:noFill/>
+              </a:ln>
+              <a:solidFill>
+                <a:schemeClr val="tx1"/>
+              </a:solidFill>
+              <a:effectLst/>
+              <a:latin typeface="Arial" panose="020B0604020202020204" pitchFamily="34" charset="0"/>
+            </a:endParaRPr>
           </a:p>
         </p:txBody>
       </p:sp>
       <p:pic>
         <p:nvPicPr>
-          <p:cNvPr id="4" name="Picture 3"/>
+          <p:cNvPr id="9" name="Picture 8"/>
           <p:cNvPicPr>
             <a:picLocks noChangeAspect="1"/>
           </p:cNvPicPr>
@@ -12333,15 +13338,12 @@
         </p:blipFill>
         <p:spPr>
           <a:xfrm>
-            <a:off x="5274843" y="2005486"/>
-            <a:ext cx="5946272" cy="2754404"/>
+            <a:off x="838200" y="2265843"/>
+            <a:ext cx="9179162" cy="1529861"/>
           </a:xfrm>
           <a:prstGeom prst="rect">
             <a:avLst/>
           </a:prstGeom>
-          <a:effectLst>
-            <a:softEdge rad="25400"/>
-          </a:effectLst>
         </p:spPr>
       </p:pic>
     </p:spTree>
@@ -12357,9 +13359,285 @@
   <p:timing>
     <p:tnLst>
       <p:par>
-        <p:cTn id="1" dur="indefinite" restart="never" nodeType="tmRoot"/>
+        <p:cTn id="1" dur="indefinite" restart="never" nodeType="tmRoot">
+          <p:childTnLst>
+            <p:seq concurrent="1" nextAc="seek">
+              <p:cTn id="2" dur="indefinite" nodeType="mainSeq">
+                <p:childTnLst>
+                  <p:par>
+                    <p:cTn id="3" fill="hold">
+                      <p:stCondLst>
+                        <p:cond delay="indefinite"/>
+                        <p:cond evt="onBegin" delay="0">
+                          <p:tn val="2"/>
+                        </p:cond>
+                      </p:stCondLst>
+                      <p:childTnLst>
+                        <p:par>
+                          <p:cTn id="4" fill="hold">
+                            <p:stCondLst>
+                              <p:cond delay="0"/>
+                            </p:stCondLst>
+                            <p:childTnLst>
+                              <p:par>
+                                <p:cTn id="5" presetID="1" presetClass="entr" presetSubtype="0" fill="hold" grpId="0" nodeType="withEffect">
+                                  <p:stCondLst>
+                                    <p:cond delay="0"/>
+                                  </p:stCondLst>
+                                  <p:childTnLst>
+                                    <p:set>
+                                      <p:cBhvr>
+                                        <p:cTn id="6" dur="1" fill="hold">
+                                          <p:stCondLst>
+                                            <p:cond delay="0"/>
+                                          </p:stCondLst>
+                                        </p:cTn>
+                                        <p:tgtEl>
+                                          <p:spTgt spid="3">
+                                            <p:txEl>
+                                              <p:pRg st="0" end="0"/>
+                                            </p:txEl>
+                                          </p:spTgt>
+                                        </p:tgtEl>
+                                        <p:attrNameLst>
+                                          <p:attrName>style.visibility</p:attrName>
+                                        </p:attrNameLst>
+                                      </p:cBhvr>
+                                      <p:to>
+                                        <p:strVal val="visible"/>
+                                      </p:to>
+                                    </p:set>
+                                  </p:childTnLst>
+                                </p:cTn>
+                              </p:par>
+                            </p:childTnLst>
+                          </p:cTn>
+                        </p:par>
+                      </p:childTnLst>
+                    </p:cTn>
+                  </p:par>
+                  <p:par>
+                    <p:cTn id="7" fill="hold">
+                      <p:stCondLst>
+                        <p:cond delay="indefinite"/>
+                      </p:stCondLst>
+                      <p:childTnLst>
+                        <p:par>
+                          <p:cTn id="8" fill="hold">
+                            <p:stCondLst>
+                              <p:cond delay="0"/>
+                            </p:stCondLst>
+                            <p:childTnLst>
+                              <p:par>
+                                <p:cTn id="9" presetID="1" presetClass="entr" presetSubtype="0" fill="hold" nodeType="clickEffect">
+                                  <p:stCondLst>
+                                    <p:cond delay="0"/>
+                                  </p:stCondLst>
+                                  <p:childTnLst>
+                                    <p:set>
+                                      <p:cBhvr>
+                                        <p:cTn id="10" dur="1" fill="hold">
+                                          <p:stCondLst>
+                                            <p:cond delay="0"/>
+                                          </p:stCondLst>
+                                        </p:cTn>
+                                        <p:tgtEl>
+                                          <p:spTgt spid="9"/>
+                                        </p:tgtEl>
+                                        <p:attrNameLst>
+                                          <p:attrName>style.visibility</p:attrName>
+                                        </p:attrNameLst>
+                                      </p:cBhvr>
+                                      <p:to>
+                                        <p:strVal val="visible"/>
+                                      </p:to>
+                                    </p:set>
+                                  </p:childTnLst>
+                                </p:cTn>
+                              </p:par>
+                              <p:par>
+                                <p:cTn id="11" presetID="1" presetClass="entr" presetSubtype="0" fill="hold" grpId="0" nodeType="withEffect">
+                                  <p:stCondLst>
+                                    <p:cond delay="0"/>
+                                  </p:stCondLst>
+                                  <p:childTnLst>
+                                    <p:set>
+                                      <p:cBhvr>
+                                        <p:cTn id="12" dur="1" fill="hold">
+                                          <p:stCondLst>
+                                            <p:cond delay="0"/>
+                                          </p:stCondLst>
+                                        </p:cTn>
+                                        <p:tgtEl>
+                                          <p:spTgt spid="3">
+                                            <p:txEl>
+                                              <p:pRg st="1" end="1"/>
+                                            </p:txEl>
+                                          </p:spTgt>
+                                        </p:tgtEl>
+                                        <p:attrNameLst>
+                                          <p:attrName>style.visibility</p:attrName>
+                                        </p:attrNameLst>
+                                      </p:cBhvr>
+                                      <p:to>
+                                        <p:strVal val="visible"/>
+                                      </p:to>
+                                    </p:set>
+                                  </p:childTnLst>
+                                </p:cTn>
+                              </p:par>
+                              <p:par>
+                                <p:cTn id="13" presetID="1" presetClass="entr" presetSubtype="0" fill="hold" grpId="0" nodeType="withEffect">
+                                  <p:stCondLst>
+                                    <p:cond delay="0"/>
+                                  </p:stCondLst>
+                                  <p:childTnLst>
+                                    <p:set>
+                                      <p:cBhvr>
+                                        <p:cTn id="14" dur="1" fill="hold">
+                                          <p:stCondLst>
+                                            <p:cond delay="0"/>
+                                          </p:stCondLst>
+                                        </p:cTn>
+                                        <p:tgtEl>
+                                          <p:spTgt spid="3">
+                                            <p:txEl>
+                                              <p:pRg st="2" end="2"/>
+                                            </p:txEl>
+                                          </p:spTgt>
+                                        </p:tgtEl>
+                                        <p:attrNameLst>
+                                          <p:attrName>style.visibility</p:attrName>
+                                        </p:attrNameLst>
+                                      </p:cBhvr>
+                                      <p:to>
+                                        <p:strVal val="visible"/>
+                                      </p:to>
+                                    </p:set>
+                                  </p:childTnLst>
+                                </p:cTn>
+                              </p:par>
+                            </p:childTnLst>
+                          </p:cTn>
+                        </p:par>
+                      </p:childTnLst>
+                    </p:cTn>
+                  </p:par>
+                  <p:par>
+                    <p:cTn id="15" fill="hold">
+                      <p:stCondLst>
+                        <p:cond delay="indefinite"/>
+                      </p:stCondLst>
+                      <p:childTnLst>
+                        <p:par>
+                          <p:cTn id="16" fill="hold">
+                            <p:stCondLst>
+                              <p:cond delay="0"/>
+                            </p:stCondLst>
+                            <p:childTnLst>
+                              <p:par>
+                                <p:cTn id="17" presetID="1" presetClass="exit" presetSubtype="0" fill="hold" nodeType="clickEffect">
+                                  <p:stCondLst>
+                                    <p:cond delay="0"/>
+                                  </p:stCondLst>
+                                  <p:childTnLst>
+                                    <p:set>
+                                      <p:cBhvr>
+                                        <p:cTn id="18" dur="1" fill="hold">
+                                          <p:stCondLst>
+                                            <p:cond delay="0"/>
+                                          </p:stCondLst>
+                                        </p:cTn>
+                                        <p:tgtEl>
+                                          <p:spTgt spid="9"/>
+                                        </p:tgtEl>
+                                        <p:attrNameLst>
+                                          <p:attrName>style.visibility</p:attrName>
+                                        </p:attrNameLst>
+                                      </p:cBhvr>
+                                      <p:to>
+                                        <p:strVal val="hidden"/>
+                                      </p:to>
+                                    </p:set>
+                                  </p:childTnLst>
+                                </p:cTn>
+                              </p:par>
+                            </p:childTnLst>
+                          </p:cTn>
+                        </p:par>
+                      </p:childTnLst>
+                    </p:cTn>
+                  </p:par>
+                  <p:par>
+                    <p:cTn id="19" fill="hold">
+                      <p:stCondLst>
+                        <p:cond delay="indefinite"/>
+                      </p:stCondLst>
+                      <p:childTnLst>
+                        <p:par>
+                          <p:cTn id="20" fill="hold">
+                            <p:stCondLst>
+                              <p:cond delay="0"/>
+                            </p:stCondLst>
+                            <p:childTnLst>
+                              <p:par>
+                                <p:cTn id="21" presetID="1" presetClass="entr" presetSubtype="0" fill="hold" grpId="0" nodeType="clickEffect">
+                                  <p:stCondLst>
+                                    <p:cond delay="0"/>
+                                  </p:stCondLst>
+                                  <p:childTnLst>
+                                    <p:set>
+                                      <p:cBhvr>
+                                        <p:cTn id="22" dur="1" fill="hold">
+                                          <p:stCondLst>
+                                            <p:cond delay="0"/>
+                                          </p:stCondLst>
+                                        </p:cTn>
+                                        <p:tgtEl>
+                                          <p:spTgt spid="5"/>
+                                        </p:tgtEl>
+                                        <p:attrNameLst>
+                                          <p:attrName>style.visibility</p:attrName>
+                                        </p:attrNameLst>
+                                      </p:cBhvr>
+                                      <p:to>
+                                        <p:strVal val="visible"/>
+                                      </p:to>
+                                    </p:set>
+                                  </p:childTnLst>
+                                </p:cTn>
+                              </p:par>
+                            </p:childTnLst>
+                          </p:cTn>
+                        </p:par>
+                      </p:childTnLst>
+                    </p:cTn>
+                  </p:par>
+                </p:childTnLst>
+              </p:cTn>
+              <p:prevCondLst>
+                <p:cond evt="onPrev" delay="0">
+                  <p:tgtEl>
+                    <p:sldTgt/>
+                  </p:tgtEl>
+                </p:cond>
+              </p:prevCondLst>
+              <p:nextCondLst>
+                <p:cond evt="onNext" delay="0">
+                  <p:tgtEl>
+                    <p:sldTgt/>
+                  </p:tgtEl>
+                </p:cond>
+              </p:nextCondLst>
+            </p:seq>
+          </p:childTnLst>
+        </p:cTn>
       </p:par>
     </p:tnLst>
+    <p:bldLst>
+      <p:bldP spid="3" grpId="0" uiExpand="1" build="p"/>
+      <p:bldP spid="5" grpId="0" animBg="1"/>
+    </p:bldLst>
   </p:timing>
 </p:sld>
 </file>
@@ -12420,6 +13698,7 @@
             <a:off x="288099" y="1825625"/>
             <a:ext cx="11065701" cy="4351338"/>
           </a:xfrm>
+          <a:noFill/>
         </p:spPr>
         <p:txBody>
           <a:bodyPr/>
@@ -12427,10 +13706,140 @@
           <a:p>
             <a:r>
               <a:rPr lang="en-US" b="1" dirty="0" smtClean="0"/>
-              <a:t>Pending exception:</a:t>
-            </a:r>
-          </a:p>
-          <a:p>
+              <a:t>Java </a:t>
+            </a:r>
+            <a:r>
+              <a:rPr lang="en-US" b="1" dirty="0"/>
+              <a:t>p</a:t>
+            </a:r>
+            <a:r>
+              <a:rPr lang="en-US" b="1" dirty="0" smtClean="0"/>
+              <a:t>ending exception:</a:t>
+            </a:r>
+          </a:p>
+          <a:p>
+            <a:pPr lvl="1"/>
+            <a:r>
+              <a:rPr lang="en-US" altLang="en-US" dirty="0" err="1">
+                <a:solidFill>
+                  <a:schemeClr val="accent6">
+                    <a:lumMod val="60000"/>
+                    <a:lumOff val="40000"/>
+                  </a:schemeClr>
+                </a:solidFill>
+                <a:latin typeface="Courier New" panose="02070309020205020404" pitchFamily="49" charset="0"/>
+                <a:cs typeface="Courier New" panose="02070309020205020404" pitchFamily="49" charset="0"/>
+              </a:rPr>
+              <a:t>env</a:t>
+            </a:r>
+            <a:r>
+              <a:rPr lang="en-US" altLang="en-US" dirty="0">
+                <a:solidFill>
+                  <a:schemeClr val="accent6">
+                    <a:lumMod val="60000"/>
+                    <a:lumOff val="40000"/>
+                  </a:schemeClr>
+                </a:solidFill>
+                <a:latin typeface="Courier New" panose="02070309020205020404" pitchFamily="49" charset="0"/>
+                <a:cs typeface="Courier New" panose="02070309020205020404" pitchFamily="49" charset="0"/>
+              </a:rPr>
+              <a:t>-&gt;</a:t>
+            </a:r>
+            <a:r>
+              <a:rPr lang="en-US" altLang="en-US" dirty="0" err="1">
+                <a:solidFill>
+                  <a:schemeClr val="accent6">
+                    <a:lumMod val="60000"/>
+                    <a:lumOff val="40000"/>
+                  </a:schemeClr>
+                </a:solidFill>
+                <a:latin typeface="Courier New" panose="02070309020205020404" pitchFamily="49" charset="0"/>
+                <a:cs typeface="Courier New" panose="02070309020205020404" pitchFamily="49" charset="0"/>
+              </a:rPr>
+              <a:t>ExceptionCheck</a:t>
+            </a:r>
+            <a:r>
+              <a:rPr lang="en-US" altLang="en-US" dirty="0" smtClean="0">
+                <a:solidFill>
+                  <a:schemeClr val="accent6">
+                    <a:lumMod val="60000"/>
+                    <a:lumOff val="40000"/>
+                  </a:schemeClr>
+                </a:solidFill>
+                <a:latin typeface="Courier New" panose="02070309020205020404" pitchFamily="49" charset="0"/>
+                <a:cs typeface="Courier New" panose="02070309020205020404" pitchFamily="49" charset="0"/>
+              </a:rPr>
+              <a:t>();</a:t>
+            </a:r>
+          </a:p>
+          <a:p>
+            <a:pPr lvl="1"/>
+            <a:r>
+              <a:rPr lang="en-US" altLang="en-US" dirty="0" err="1">
+                <a:solidFill>
+                  <a:schemeClr val="accent6">
+                    <a:lumMod val="60000"/>
+                    <a:lumOff val="40000"/>
+                  </a:schemeClr>
+                </a:solidFill>
+                <a:latin typeface="Courier New" panose="02070309020205020404" pitchFamily="49" charset="0"/>
+                <a:cs typeface="Courier New" panose="02070309020205020404" pitchFamily="49" charset="0"/>
+              </a:rPr>
+              <a:t>env</a:t>
+            </a:r>
+            <a:r>
+              <a:rPr lang="en-US" altLang="en-US" dirty="0">
+                <a:solidFill>
+                  <a:schemeClr val="accent6">
+                    <a:lumMod val="60000"/>
+                    <a:lumOff val="40000"/>
+                  </a:schemeClr>
+                </a:solidFill>
+                <a:latin typeface="Courier New" panose="02070309020205020404" pitchFamily="49" charset="0"/>
+                <a:cs typeface="Courier New" panose="02070309020205020404" pitchFamily="49" charset="0"/>
+              </a:rPr>
+              <a:t>-&gt;</a:t>
+            </a:r>
+            <a:r>
+              <a:rPr lang="en-US" altLang="en-US" dirty="0" err="1">
+                <a:solidFill>
+                  <a:schemeClr val="accent6">
+                    <a:lumMod val="60000"/>
+                    <a:lumOff val="40000"/>
+                  </a:schemeClr>
+                </a:solidFill>
+                <a:latin typeface="Courier New" panose="02070309020205020404" pitchFamily="49" charset="0"/>
+                <a:cs typeface="Courier New" panose="02070309020205020404" pitchFamily="49" charset="0"/>
+              </a:rPr>
+              <a:t>ExceptionClear</a:t>
+            </a:r>
+            <a:r>
+              <a:rPr lang="en-US" altLang="en-US" dirty="0">
+                <a:solidFill>
+                  <a:schemeClr val="accent6">
+                    <a:lumMod val="60000"/>
+                    <a:lumOff val="40000"/>
+                  </a:schemeClr>
+                </a:solidFill>
+                <a:latin typeface="Courier New" panose="02070309020205020404" pitchFamily="49" charset="0"/>
+                <a:cs typeface="Courier New" panose="02070309020205020404" pitchFamily="49" charset="0"/>
+              </a:rPr>
+              <a:t>();</a:t>
+            </a:r>
+            <a:endParaRPr lang="en-US" altLang="en-US" dirty="0">
+              <a:solidFill>
+                <a:schemeClr val="accent6">
+                  <a:lumMod val="60000"/>
+                  <a:lumOff val="40000"/>
+                </a:schemeClr>
+              </a:solidFill>
+              <a:latin typeface="Arial" panose="020B0604020202020204" pitchFamily="34" charset="0"/>
+            </a:endParaRPr>
+          </a:p>
+          <a:p>
+            <a:pPr marL="457200" lvl="1" indent="0">
+              <a:buNone/>
+            </a:pPr>
             <a:endParaRPr lang="en-US" b="1" dirty="0" smtClean="0"/>
           </a:p>
           <a:p>
@@ -12447,12 +13856,261 @@
             </a:r>
             <a:r>
               <a:rPr lang="en-US" b="1" dirty="0" smtClean="0"/>
-              <a:t>row </a:t>
-            </a:r>
-            <a:r>
-              <a:rPr lang="en-US" b="1" dirty="0" smtClean="0"/>
-              <a:t>exception to Java via:</a:t>
-            </a:r>
+              <a:t>row exception to Java:</a:t>
+            </a:r>
+          </a:p>
+          <a:p>
+            <a:pPr lvl="1"/>
+            <a:r>
+              <a:rPr lang="en-US" altLang="en-US" dirty="0" err="1">
+                <a:solidFill>
+                  <a:schemeClr val="accent6">
+                    <a:lumMod val="60000"/>
+                    <a:lumOff val="40000"/>
+                  </a:schemeClr>
+                </a:solidFill>
+                <a:latin typeface="Courier New" panose="02070309020205020404" pitchFamily="49" charset="0"/>
+                <a:cs typeface="Courier New" panose="02070309020205020404" pitchFamily="49" charset="0"/>
+              </a:rPr>
+              <a:t>env</a:t>
+            </a:r>
+            <a:r>
+              <a:rPr lang="en-US" altLang="en-US" dirty="0">
+                <a:solidFill>
+                  <a:schemeClr val="accent6">
+                    <a:lumMod val="60000"/>
+                    <a:lumOff val="40000"/>
+                  </a:schemeClr>
+                </a:solidFill>
+                <a:latin typeface="Courier New" panose="02070309020205020404" pitchFamily="49" charset="0"/>
+                <a:cs typeface="Courier New" panose="02070309020205020404" pitchFamily="49" charset="0"/>
+              </a:rPr>
+              <a:t>-&gt;</a:t>
+            </a:r>
+            <a:r>
+              <a:rPr lang="en-US" altLang="en-US" dirty="0" err="1">
+                <a:solidFill>
+                  <a:schemeClr val="accent6">
+                    <a:lumMod val="60000"/>
+                    <a:lumOff val="40000"/>
+                  </a:schemeClr>
+                </a:solidFill>
+                <a:latin typeface="Courier New" panose="02070309020205020404" pitchFamily="49" charset="0"/>
+                <a:cs typeface="Courier New" panose="02070309020205020404" pitchFamily="49" charset="0"/>
+              </a:rPr>
+              <a:t>ThrowNew</a:t>
+            </a:r>
+            <a:r>
+              <a:rPr lang="en-US" altLang="en-US" dirty="0">
+                <a:solidFill>
+                  <a:schemeClr val="accent6">
+                    <a:lumMod val="60000"/>
+                    <a:lumOff val="40000"/>
+                  </a:schemeClr>
+                </a:solidFill>
+                <a:latin typeface="Courier New" panose="02070309020205020404" pitchFamily="49" charset="0"/>
+                <a:cs typeface="Courier New" panose="02070309020205020404" pitchFamily="49" charset="0"/>
+              </a:rPr>
+              <a:t>(</a:t>
+            </a:r>
+            <a:r>
+              <a:rPr lang="en-US" altLang="en-US" dirty="0" err="1">
+                <a:solidFill>
+                  <a:schemeClr val="accent6">
+                    <a:lumMod val="60000"/>
+                    <a:lumOff val="40000"/>
+                  </a:schemeClr>
+                </a:solidFill>
+                <a:latin typeface="Courier New" panose="02070309020205020404" pitchFamily="49" charset="0"/>
+                <a:cs typeface="Courier New" panose="02070309020205020404" pitchFamily="49" charset="0"/>
+              </a:rPr>
+              <a:t>jclass</a:t>
+            </a:r>
+            <a:r>
+              <a:rPr lang="en-US" altLang="en-US" dirty="0">
+                <a:solidFill>
+                  <a:schemeClr val="accent6">
+                    <a:lumMod val="60000"/>
+                    <a:lumOff val="40000"/>
+                  </a:schemeClr>
+                </a:solidFill>
+                <a:latin typeface="Courier New" panose="02070309020205020404" pitchFamily="49" charset="0"/>
+                <a:cs typeface="Courier New" panose="02070309020205020404" pitchFamily="49" charset="0"/>
+              </a:rPr>
+              <a:t> </a:t>
+            </a:r>
+            <a:r>
+              <a:rPr lang="en-US" altLang="en-US" dirty="0" err="1">
+                <a:solidFill>
+                  <a:schemeClr val="accent6">
+                    <a:lumMod val="60000"/>
+                    <a:lumOff val="40000"/>
+                  </a:schemeClr>
+                </a:solidFill>
+                <a:latin typeface="Courier New" panose="02070309020205020404" pitchFamily="49" charset="0"/>
+                <a:cs typeface="Courier New" panose="02070309020205020404" pitchFamily="49" charset="0"/>
+              </a:rPr>
+              <a:t>clazz</a:t>
+            </a:r>
+            <a:r>
+              <a:rPr lang="en-US" altLang="en-US" dirty="0">
+                <a:solidFill>
+                  <a:schemeClr val="accent6">
+                    <a:lumMod val="60000"/>
+                    <a:lumOff val="40000"/>
+                  </a:schemeClr>
+                </a:solidFill>
+                <a:latin typeface="Courier New" panose="02070309020205020404" pitchFamily="49" charset="0"/>
+                <a:cs typeface="Courier New" panose="02070309020205020404" pitchFamily="49" charset="0"/>
+              </a:rPr>
+              <a:t>, </a:t>
+            </a:r>
+            <a:r>
+              <a:rPr lang="en-US" altLang="en-US" b="1" dirty="0" err="1">
+                <a:solidFill>
+                  <a:schemeClr val="accent6">
+                    <a:lumMod val="60000"/>
+                    <a:lumOff val="40000"/>
+                  </a:schemeClr>
+                </a:solidFill>
+                <a:latin typeface="Courier New" panose="02070309020205020404" pitchFamily="49" charset="0"/>
+                <a:cs typeface="Courier New" panose="02070309020205020404" pitchFamily="49" charset="0"/>
+              </a:rPr>
+              <a:t>const</a:t>
+            </a:r>
+            <a:r>
+              <a:rPr lang="en-US" altLang="en-US" b="1" dirty="0">
+                <a:solidFill>
+                  <a:schemeClr val="accent6">
+                    <a:lumMod val="60000"/>
+                    <a:lumOff val="40000"/>
+                  </a:schemeClr>
+                </a:solidFill>
+                <a:latin typeface="Courier New" panose="02070309020205020404" pitchFamily="49" charset="0"/>
+                <a:cs typeface="Courier New" panose="02070309020205020404" pitchFamily="49" charset="0"/>
+              </a:rPr>
+              <a:t> char</a:t>
+            </a:r>
+            <a:r>
+              <a:rPr lang="en-US" altLang="en-US" dirty="0">
+                <a:solidFill>
+                  <a:schemeClr val="accent6">
+                    <a:lumMod val="60000"/>
+                    <a:lumOff val="40000"/>
+                  </a:schemeClr>
+                </a:solidFill>
+                <a:latin typeface="Courier New" panose="02070309020205020404" pitchFamily="49" charset="0"/>
+                <a:cs typeface="Courier New" panose="02070309020205020404" pitchFamily="49" charset="0"/>
+              </a:rPr>
+              <a:t>* </a:t>
+            </a:r>
+            <a:r>
+              <a:rPr lang="en-US" altLang="en-US" dirty="0">
+                <a:latin typeface="Courier New" panose="02070309020205020404" pitchFamily="49" charset="0"/>
+                <a:cs typeface="Courier New" panose="02070309020205020404" pitchFamily="49" charset="0"/>
+              </a:rPr>
+              <a:t>message</a:t>
+            </a:r>
+            <a:r>
+              <a:rPr lang="en-US" altLang="en-US" dirty="0" smtClean="0">
+                <a:latin typeface="Courier New" panose="02070309020205020404" pitchFamily="49" charset="0"/>
+                <a:cs typeface="Courier New" panose="02070309020205020404" pitchFamily="49" charset="0"/>
+              </a:rPr>
+              <a:t>);</a:t>
+            </a:r>
+          </a:p>
+          <a:p>
+            <a:pPr lvl="1"/>
+            <a:r>
+              <a:rPr lang="en-US" altLang="en-US" dirty="0" err="1">
+                <a:solidFill>
+                  <a:schemeClr val="accent6">
+                    <a:lumMod val="60000"/>
+                    <a:lumOff val="40000"/>
+                  </a:schemeClr>
+                </a:solidFill>
+                <a:latin typeface="Courier New" panose="02070309020205020404" pitchFamily="49" charset="0"/>
+                <a:cs typeface="Courier New" panose="02070309020205020404" pitchFamily="49" charset="0"/>
+              </a:rPr>
+              <a:t>env</a:t>
+            </a:r>
+            <a:r>
+              <a:rPr lang="en-US" altLang="en-US" dirty="0">
+                <a:solidFill>
+                  <a:schemeClr val="accent6">
+                    <a:lumMod val="60000"/>
+                    <a:lumOff val="40000"/>
+                  </a:schemeClr>
+                </a:solidFill>
+                <a:latin typeface="Courier New" panose="02070309020205020404" pitchFamily="49" charset="0"/>
+                <a:cs typeface="Courier New" panose="02070309020205020404" pitchFamily="49" charset="0"/>
+              </a:rPr>
+              <a:t>-&gt;Throw(</a:t>
+            </a:r>
+            <a:r>
+              <a:rPr lang="en-US" altLang="en-US" dirty="0" err="1">
+                <a:solidFill>
+                  <a:schemeClr val="accent6">
+                    <a:lumMod val="60000"/>
+                    <a:lumOff val="40000"/>
+                  </a:schemeClr>
+                </a:solidFill>
+                <a:latin typeface="Courier New" panose="02070309020205020404" pitchFamily="49" charset="0"/>
+                <a:cs typeface="Courier New" panose="02070309020205020404" pitchFamily="49" charset="0"/>
+              </a:rPr>
+              <a:t>jthrowable</a:t>
+            </a:r>
+            <a:r>
+              <a:rPr lang="en-US" altLang="en-US" dirty="0">
+                <a:solidFill>
+                  <a:schemeClr val="accent6">
+                    <a:lumMod val="60000"/>
+                    <a:lumOff val="40000"/>
+                  </a:schemeClr>
+                </a:solidFill>
+                <a:latin typeface="Courier New" panose="02070309020205020404" pitchFamily="49" charset="0"/>
+                <a:cs typeface="Courier New" panose="02070309020205020404" pitchFamily="49" charset="0"/>
+              </a:rPr>
+              <a:t> </a:t>
+            </a:r>
+            <a:r>
+              <a:rPr lang="en-US" altLang="en-US" dirty="0" err="1">
+                <a:solidFill>
+                  <a:schemeClr val="accent6">
+                    <a:lumMod val="60000"/>
+                    <a:lumOff val="40000"/>
+                  </a:schemeClr>
+                </a:solidFill>
+                <a:latin typeface="Courier New" panose="02070309020205020404" pitchFamily="49" charset="0"/>
+                <a:cs typeface="Courier New" panose="02070309020205020404" pitchFamily="49" charset="0"/>
+              </a:rPr>
+              <a:t>obj</a:t>
+            </a:r>
+            <a:r>
+              <a:rPr lang="en-US" altLang="en-US" dirty="0">
+                <a:solidFill>
+                  <a:schemeClr val="accent6">
+                    <a:lumMod val="60000"/>
+                    <a:lumOff val="40000"/>
+                  </a:schemeClr>
+                </a:solidFill>
+                <a:latin typeface="Courier New" panose="02070309020205020404" pitchFamily="49" charset="0"/>
+                <a:cs typeface="Courier New" panose="02070309020205020404" pitchFamily="49" charset="0"/>
+              </a:rPr>
+              <a:t>);</a:t>
+            </a:r>
+            <a:endParaRPr lang="en-US" altLang="en-US" dirty="0">
+              <a:solidFill>
+                <a:schemeClr val="accent6">
+                  <a:lumMod val="60000"/>
+                  <a:lumOff val="40000"/>
+                </a:schemeClr>
+              </a:solidFill>
+              <a:latin typeface="Arial" panose="020B0604020202020204" pitchFamily="34" charset="0"/>
+            </a:endParaRPr>
+          </a:p>
+          <a:p>
+            <a:pPr lvl="1"/>
             <a:endParaRPr lang="en-US" dirty="0"/>
           </a:p>
         </p:txBody>
@@ -12505,17 +14163,6 @@
               <a:tabLst/>
             </a:pPr>
             <a:r>
-              <a:rPr kumimoji="0" lang="en-US" altLang="en-US" b="0" i="0" u="none" strike="noStrike" cap="none" normalizeH="0" baseline="0" dirty="0" err="1" smtClean="0">
-                <a:ln>
-                  <a:noFill/>
-                </a:ln>
-                <a:effectLst/>
-                <a:latin typeface="Courier New" panose="02070309020205020404" pitchFamily="49" charset="0"/>
-                <a:cs typeface="Courier New" panose="02070309020205020404" pitchFamily="49" charset="0"/>
-              </a:rPr>
-              <a:t>env</a:t>
-            </a:r>
-            <a:r>
               <a:rPr kumimoji="0" lang="en-US" altLang="en-US" b="0" i="0" u="none" strike="noStrike" cap="none" normalizeH="0" baseline="0" dirty="0" smtClean="0">
                 <a:ln>
                   <a:noFill/>
@@ -12524,106 +14171,7 @@
                 <a:latin typeface="Courier New" panose="02070309020205020404" pitchFamily="49" charset="0"/>
                 <a:cs typeface="Courier New" panose="02070309020205020404" pitchFamily="49" charset="0"/>
               </a:rPr>
-              <a:t>-&gt;</a:t>
-            </a:r>
-            <a:r>
-              <a:rPr kumimoji="0" lang="en-US" altLang="en-US" b="0" i="0" u="none" strike="noStrike" cap="none" normalizeH="0" baseline="0" dirty="0" err="1" smtClean="0">
-                <a:ln>
-                  <a:noFill/>
-                </a:ln>
-                <a:effectLst/>
-                <a:latin typeface="Courier New" panose="02070309020205020404" pitchFamily="49" charset="0"/>
-                <a:cs typeface="Courier New" panose="02070309020205020404" pitchFamily="49" charset="0"/>
-              </a:rPr>
-              <a:t>ThrowNew</a:t>
-            </a:r>
-            <a:r>
-              <a:rPr kumimoji="0" lang="en-US" altLang="en-US" b="0" i="0" u="none" strike="noStrike" cap="none" normalizeH="0" baseline="0" dirty="0" smtClean="0">
-                <a:ln>
-                  <a:noFill/>
-                </a:ln>
-                <a:effectLst/>
-                <a:latin typeface="Courier New" panose="02070309020205020404" pitchFamily="49" charset="0"/>
-                <a:cs typeface="Courier New" panose="02070309020205020404" pitchFamily="49" charset="0"/>
-              </a:rPr>
-              <a:t>(</a:t>
-            </a:r>
-            <a:r>
-              <a:rPr kumimoji="0" lang="en-US" altLang="en-US" b="0" i="0" u="none" strike="noStrike" cap="none" normalizeH="0" baseline="0" dirty="0" err="1" smtClean="0">
-                <a:ln>
-                  <a:noFill/>
-                </a:ln>
-                <a:effectLst/>
-                <a:latin typeface="Courier New" panose="02070309020205020404" pitchFamily="49" charset="0"/>
-                <a:cs typeface="Courier New" panose="02070309020205020404" pitchFamily="49" charset="0"/>
-              </a:rPr>
-              <a:t>jclass</a:t>
-            </a:r>
-            <a:r>
-              <a:rPr kumimoji="0" lang="en-US" altLang="en-US" b="0" i="0" u="none" strike="noStrike" cap="none" normalizeH="0" baseline="0" dirty="0" smtClean="0">
-                <a:ln>
-                  <a:noFill/>
-                </a:ln>
-                <a:effectLst/>
-                <a:latin typeface="Courier New" panose="02070309020205020404" pitchFamily="49" charset="0"/>
-                <a:cs typeface="Courier New" panose="02070309020205020404" pitchFamily="49" charset="0"/>
-              </a:rPr>
-              <a:t> </a:t>
-            </a:r>
-            <a:r>
-              <a:rPr kumimoji="0" lang="en-US" altLang="en-US" b="0" i="0" u="none" strike="noStrike" cap="none" normalizeH="0" baseline="0" dirty="0" err="1" smtClean="0">
-                <a:ln>
-                  <a:noFill/>
-                </a:ln>
-                <a:effectLst/>
-                <a:latin typeface="Courier New" panose="02070309020205020404" pitchFamily="49" charset="0"/>
-                <a:cs typeface="Courier New" panose="02070309020205020404" pitchFamily="49" charset="0"/>
-              </a:rPr>
-              <a:t>clazz</a:t>
-            </a:r>
-            <a:r>
-              <a:rPr kumimoji="0" lang="en-US" altLang="en-US" b="0" i="0" u="none" strike="noStrike" cap="none" normalizeH="0" baseline="0" dirty="0" smtClean="0">
-                <a:ln>
-                  <a:noFill/>
-                </a:ln>
-                <a:effectLst/>
-                <a:latin typeface="Courier New" panose="02070309020205020404" pitchFamily="49" charset="0"/>
-                <a:cs typeface="Courier New" panose="02070309020205020404" pitchFamily="49" charset="0"/>
-              </a:rPr>
-              <a:t>, </a:t>
-            </a:r>
-            <a:r>
-              <a:rPr kumimoji="0" lang="en-US" altLang="en-US" b="1" i="0" u="none" strike="noStrike" cap="none" normalizeH="0" baseline="0" dirty="0" err="1" smtClean="0">
-                <a:ln>
-                  <a:noFill/>
-                </a:ln>
-                <a:effectLst/>
-                <a:latin typeface="Courier New" panose="02070309020205020404" pitchFamily="49" charset="0"/>
-                <a:cs typeface="Courier New" panose="02070309020205020404" pitchFamily="49" charset="0"/>
-              </a:rPr>
-              <a:t>const</a:t>
-            </a:r>
-            <a:r>
-              <a:rPr kumimoji="0" lang="en-US" altLang="en-US" b="1" i="0" u="none" strike="noStrike" cap="none" normalizeH="0" baseline="0" dirty="0" smtClean="0">
-                <a:ln>
-                  <a:noFill/>
-                </a:ln>
-                <a:effectLst/>
-                <a:latin typeface="Courier New" panose="02070309020205020404" pitchFamily="49" charset="0"/>
-                <a:cs typeface="Courier New" panose="02070309020205020404" pitchFamily="49" charset="0"/>
-              </a:rPr>
-              <a:t> char</a:t>
-            </a:r>
-            <a:r>
-              <a:rPr kumimoji="0" lang="en-US" altLang="en-US" b="0" i="0" u="none" strike="noStrike" cap="none" normalizeH="0" baseline="0" dirty="0" smtClean="0">
-                <a:ln>
-                  <a:noFill/>
-                </a:ln>
-                <a:effectLst/>
-                <a:latin typeface="Courier New" panose="02070309020205020404" pitchFamily="49" charset="0"/>
-                <a:cs typeface="Courier New" panose="02070309020205020404" pitchFamily="49" charset="0"/>
-              </a:rPr>
-              <a:t>* message);</a:t>
+              <a:t/>
             </a:r>
             <a:br>
               <a:rPr kumimoji="0" lang="en-US" altLang="en-US" b="0" i="0" u="none" strike="noStrike" cap="none" normalizeH="0" baseline="0" dirty="0" smtClean="0">
@@ -12635,72 +14183,6 @@
                 <a:cs typeface="Courier New" panose="02070309020205020404" pitchFamily="49" charset="0"/>
               </a:rPr>
             </a:br>
-            <a:r>
-              <a:rPr kumimoji="0" lang="en-US" altLang="en-US" b="0" i="0" u="none" strike="noStrike" cap="none" normalizeH="0" baseline="0" dirty="0" err="1" smtClean="0">
-                <a:ln>
-                  <a:noFill/>
-                </a:ln>
-                <a:effectLst/>
-                <a:latin typeface="Courier New" panose="02070309020205020404" pitchFamily="49" charset="0"/>
-                <a:cs typeface="Courier New" panose="02070309020205020404" pitchFamily="49" charset="0"/>
-              </a:rPr>
-              <a:t>env</a:t>
-            </a:r>
-            <a:r>
-              <a:rPr kumimoji="0" lang="en-US" altLang="en-US" b="0" i="0" u="none" strike="noStrike" cap="none" normalizeH="0" baseline="0" dirty="0" smtClean="0">
-                <a:ln>
-                  <a:noFill/>
-                </a:ln>
-                <a:effectLst/>
-                <a:latin typeface="Courier New" panose="02070309020205020404" pitchFamily="49" charset="0"/>
-                <a:cs typeface="Courier New" panose="02070309020205020404" pitchFamily="49" charset="0"/>
-              </a:rPr>
-              <a:t>-&gt;Throw(</a:t>
-            </a:r>
-            <a:r>
-              <a:rPr kumimoji="0" lang="en-US" altLang="en-US" b="0" i="0" u="none" strike="noStrike" cap="none" normalizeH="0" baseline="0" dirty="0" err="1" smtClean="0">
-                <a:ln>
-                  <a:noFill/>
-                </a:ln>
-                <a:effectLst/>
-                <a:latin typeface="Courier New" panose="02070309020205020404" pitchFamily="49" charset="0"/>
-                <a:cs typeface="Courier New" panose="02070309020205020404" pitchFamily="49" charset="0"/>
-              </a:rPr>
-              <a:t>jthrowable</a:t>
-            </a:r>
-            <a:r>
-              <a:rPr kumimoji="0" lang="en-US" altLang="en-US" b="0" i="0" u="none" strike="noStrike" cap="none" normalizeH="0" baseline="0" dirty="0" smtClean="0">
-                <a:ln>
-                  <a:noFill/>
-                </a:ln>
-                <a:effectLst/>
-                <a:latin typeface="Courier New" panose="02070309020205020404" pitchFamily="49" charset="0"/>
-                <a:cs typeface="Courier New" panose="02070309020205020404" pitchFamily="49" charset="0"/>
-              </a:rPr>
-              <a:t> </a:t>
-            </a:r>
-            <a:r>
-              <a:rPr kumimoji="0" lang="en-US" altLang="en-US" b="0" i="0" u="none" strike="noStrike" cap="none" normalizeH="0" baseline="0" dirty="0" err="1" smtClean="0">
-                <a:ln>
-                  <a:noFill/>
-                </a:ln>
-                <a:effectLst/>
-                <a:latin typeface="Courier New" panose="02070309020205020404" pitchFamily="49" charset="0"/>
-                <a:cs typeface="Courier New" panose="02070309020205020404" pitchFamily="49" charset="0"/>
-              </a:rPr>
-              <a:t>obj</a:t>
-            </a:r>
-            <a:r>
-              <a:rPr kumimoji="0" lang="en-US" altLang="en-US" b="0" i="0" u="none" strike="noStrike" cap="none" normalizeH="0" baseline="0" dirty="0" smtClean="0">
-                <a:ln>
-                  <a:noFill/>
-                </a:ln>
-                <a:effectLst/>
-                <a:latin typeface="Courier New" panose="02070309020205020404" pitchFamily="49" charset="0"/>
-                <a:cs typeface="Courier New" panose="02070309020205020404" pitchFamily="49" charset="0"/>
-              </a:rPr>
-              <a:t>);</a:t>
-            </a:r>
             <a:endParaRPr kumimoji="0" lang="en-US" altLang="en-US" b="0" i="0" u="none" strike="noStrike" cap="none" normalizeH="0" baseline="0" dirty="0" smtClean="0">
               <a:ln>
                 <a:noFill/>
@@ -12759,17 +14241,6 @@
               <a:tabLst/>
             </a:pPr>
             <a:r>
-              <a:rPr kumimoji="0" lang="en-US" altLang="en-US" b="0" i="0" u="none" strike="noStrike" cap="none" normalizeH="0" baseline="0" dirty="0" err="1" smtClean="0">
-                <a:ln>
-                  <a:noFill/>
-                </a:ln>
-                <a:effectLst/>
-                <a:latin typeface="Courier New" panose="02070309020205020404" pitchFamily="49" charset="0"/>
-                <a:cs typeface="Courier New" panose="02070309020205020404" pitchFamily="49" charset="0"/>
-              </a:rPr>
-              <a:t>env</a:t>
-            </a:r>
-            <a:r>
               <a:rPr kumimoji="0" lang="en-US" altLang="en-US" b="0" i="0" u="none" strike="noStrike" cap="none" normalizeH="0" baseline="0" dirty="0" smtClean="0">
                 <a:ln>
                   <a:noFill/>
@@ -12778,29 +14249,7 @@
                 <a:latin typeface="Courier New" panose="02070309020205020404" pitchFamily="49" charset="0"/>
                 <a:cs typeface="Courier New" panose="02070309020205020404" pitchFamily="49" charset="0"/>
               </a:rPr>
-              <a:t>-&gt;</a:t>
-            </a:r>
-            <a:r>
-              <a:rPr kumimoji="0" lang="en-US" altLang="en-US" b="0" i="0" u="none" strike="noStrike" cap="none" normalizeH="0" baseline="0" dirty="0" err="1" smtClean="0">
-                <a:ln>
-                  <a:noFill/>
-                </a:ln>
-                <a:effectLst/>
-                <a:latin typeface="Courier New" panose="02070309020205020404" pitchFamily="49" charset="0"/>
-                <a:cs typeface="Courier New" panose="02070309020205020404" pitchFamily="49" charset="0"/>
-              </a:rPr>
-              <a:t>ExceptionCheck</a:t>
-            </a:r>
-            <a:r>
-              <a:rPr kumimoji="0" lang="en-US" altLang="en-US" b="0" i="0" u="none" strike="noStrike" cap="none" normalizeH="0" baseline="0" dirty="0" smtClean="0">
-                <a:ln>
-                  <a:noFill/>
-                </a:ln>
-                <a:effectLst/>
-                <a:latin typeface="Courier New" panose="02070309020205020404" pitchFamily="49" charset="0"/>
-                <a:cs typeface="Courier New" panose="02070309020205020404" pitchFamily="49" charset="0"/>
-              </a:rPr>
-              <a:t>();</a:t>
+              <a:t/>
             </a:r>
             <a:br>
               <a:rPr kumimoji="0" lang="en-US" altLang="en-US" b="0" i="0" u="none" strike="noStrike" cap="none" normalizeH="0" baseline="0" dirty="0" smtClean="0">
@@ -12812,54 +14261,1962 @@
                 <a:cs typeface="Courier New" panose="02070309020205020404" pitchFamily="49" charset="0"/>
               </a:rPr>
             </a:br>
-            <a:r>
-              <a:rPr kumimoji="0" lang="en-US" altLang="en-US" b="0" i="0" u="none" strike="noStrike" cap="none" normalizeH="0" baseline="0" dirty="0" err="1" smtClean="0">
-                <a:ln>
-                  <a:noFill/>
-                </a:ln>
-                <a:effectLst/>
-                <a:latin typeface="Courier New" panose="02070309020205020404" pitchFamily="49" charset="0"/>
-                <a:cs typeface="Courier New" panose="02070309020205020404" pitchFamily="49" charset="0"/>
-              </a:rPr>
-              <a:t>env</a:t>
-            </a:r>
-            <a:r>
-              <a:rPr kumimoji="0" lang="en-US" altLang="en-US" b="0" i="0" u="none" strike="noStrike" cap="none" normalizeH="0" baseline="0" dirty="0" smtClean="0">
-                <a:ln>
-                  <a:noFill/>
-                </a:ln>
-                <a:effectLst/>
-                <a:latin typeface="Courier New" panose="02070309020205020404" pitchFamily="49" charset="0"/>
-                <a:cs typeface="Courier New" panose="02070309020205020404" pitchFamily="49" charset="0"/>
-              </a:rPr>
-              <a:t>-&gt;</a:t>
-            </a:r>
-            <a:r>
-              <a:rPr kumimoji="0" lang="en-US" altLang="en-US" b="0" i="0" u="none" strike="noStrike" cap="none" normalizeH="0" baseline="0" dirty="0" err="1" smtClean="0">
-                <a:ln>
-                  <a:noFill/>
-                </a:ln>
-                <a:effectLst/>
-                <a:latin typeface="Courier New" panose="02070309020205020404" pitchFamily="49" charset="0"/>
-                <a:cs typeface="Courier New" panose="02070309020205020404" pitchFamily="49" charset="0"/>
-              </a:rPr>
-              <a:t>ExceptionClear</a:t>
-            </a:r>
-            <a:r>
-              <a:rPr kumimoji="0" lang="en-US" altLang="en-US" b="0" i="0" u="none" strike="noStrike" cap="none" normalizeH="0" baseline="0" dirty="0" smtClean="0">
-                <a:ln>
-                  <a:noFill/>
-                </a:ln>
-                <a:effectLst/>
-                <a:latin typeface="Courier New" panose="02070309020205020404" pitchFamily="49" charset="0"/>
-                <a:cs typeface="Courier New" panose="02070309020205020404" pitchFamily="49" charset="0"/>
-              </a:rPr>
-              <a:t>();</a:t>
-            </a:r>
             <a:endParaRPr kumimoji="0" lang="en-US" altLang="en-US" b="0" i="0" u="none" strike="noStrike" cap="none" normalizeH="0" baseline="0" dirty="0" smtClean="0">
               <a:ln>
                 <a:noFill/>
               </a:ln>
+              <a:effectLst/>
+              <a:latin typeface="Arial" panose="020B0604020202020204" pitchFamily="34" charset="0"/>
+            </a:endParaRPr>
+          </a:p>
+        </p:txBody>
+      </p:sp>
+      <p:sp>
+        <p:nvSpPr>
+          <p:cNvPr id="7" name="Rectangle 2"/>
+          <p:cNvSpPr>
+            <a:spLocks noChangeArrowheads="1"/>
+          </p:cNvSpPr>
+          <p:nvPr/>
+        </p:nvSpPr>
+        <p:spPr bwMode="auto">
+          <a:xfrm>
+            <a:off x="386862" y="1425665"/>
+            <a:ext cx="11410431" cy="1815882"/>
+          </a:xfrm>
+          <a:prstGeom prst="rect">
+            <a:avLst/>
+          </a:prstGeom>
+          <a:solidFill>
+            <a:srgbClr val="2B2B2B"/>
+          </a:solidFill>
+          <a:ln>
+            <a:noFill/>
+          </a:ln>
+          <a:effectLst/>
+          <a:extLst>
+            <a:ext uri="{91240B29-F687-4F45-9708-019B960494DF}">
+              <a14:hiddenLine xmlns:a14="http://schemas.microsoft.com/office/drawing/2010/main" w="9525">
+                <a:solidFill>
+                  <a:schemeClr val="tx1"/>
+                </a:solidFill>
+                <a:miter lim="800000"/>
+                <a:headEnd/>
+                <a:tailEnd/>
+              </a14:hiddenLine>
+            </a:ext>
+            <a:ext uri="{AF507438-7753-43E0-B8FC-AC1667EBCBE1}">
+              <a14:hiddenEffects xmlns:a14="http://schemas.microsoft.com/office/drawing/2010/main">
+                <a:effectLst>
+                  <a:outerShdw dist="35921" dir="2700000" algn="ctr" rotWithShape="0">
+                    <a:schemeClr val="bg2"/>
+                  </a:outerShdw>
+                </a:effectLst>
+              </a14:hiddenEffects>
+            </a:ext>
+          </a:extLst>
+        </p:spPr>
+        <p:txBody>
+          <a:bodyPr vert="horz" wrap="square" lIns="91440" tIns="45720" rIns="91440" bIns="45720" numCol="1" anchor="ctr" anchorCtr="0" compatLnSpc="1">
+            <a:prstTxWarp prst="textNoShape">
+              <a:avLst/>
+            </a:prstTxWarp>
+            <a:spAutoFit/>
+          </a:bodyPr>
+          <a:lstStyle/>
+          <a:p>
+            <a:pPr marL="0" marR="0" lvl="0" indent="0" algn="l" defTabSz="914400" rtl="0" eaLnBrk="0" fontAlgn="base" latinLnBrk="0" hangingPunct="0">
+              <a:lnSpc>
+                <a:spcPct val="100000"/>
+              </a:lnSpc>
+              <a:spcBef>
+                <a:spcPct val="0"/>
+              </a:spcBef>
+              <a:spcAft>
+                <a:spcPct val="0"/>
+              </a:spcAft>
+              <a:buClrTx/>
+              <a:buSzTx/>
+              <a:buFontTx/>
+              <a:buNone/>
+              <a:tabLst/>
+            </a:pPr>
+            <a:r>
+              <a:rPr kumimoji="0" lang="en-US" altLang="en-US" sz="1400" b="0" i="0" u="none" strike="noStrike" cap="none" normalizeH="0" baseline="0" dirty="0" err="1" smtClean="0">
+                <a:ln>
+                  <a:noFill/>
+                </a:ln>
+                <a:solidFill>
+                  <a:srgbClr val="B9BCD1"/>
+                </a:solidFill>
+                <a:effectLst/>
+                <a:latin typeface="Courier New" panose="02070309020205020404" pitchFamily="49" charset="0"/>
+                <a:cs typeface="Courier New" panose="02070309020205020404" pitchFamily="49" charset="0"/>
+              </a:rPr>
+              <a:t>jmethodID</a:t>
+            </a:r>
+            <a:r>
+              <a:rPr kumimoji="0" lang="en-US" altLang="en-US" sz="1400" b="0" i="0" u="none" strike="noStrike" cap="none" normalizeH="0" baseline="0" dirty="0" smtClean="0">
+                <a:ln>
+                  <a:noFill/>
+                </a:ln>
+                <a:solidFill>
+                  <a:srgbClr val="B9BCD1"/>
+                </a:solidFill>
+                <a:effectLst/>
+                <a:latin typeface="Courier New" panose="02070309020205020404" pitchFamily="49" charset="0"/>
+                <a:cs typeface="Courier New" panose="02070309020205020404" pitchFamily="49" charset="0"/>
+              </a:rPr>
+              <a:t> </a:t>
+            </a:r>
+            <a:r>
+              <a:rPr kumimoji="0" lang="en-US" altLang="en-US" sz="1400" b="0" i="0" u="none" strike="noStrike" cap="none" normalizeH="0" baseline="0" dirty="0" err="1" smtClean="0">
+                <a:ln>
+                  <a:noFill/>
+                </a:ln>
+                <a:solidFill>
+                  <a:srgbClr val="A9B7C6"/>
+                </a:solidFill>
+                <a:effectLst/>
+                <a:latin typeface="Courier New" panose="02070309020205020404" pitchFamily="49" charset="0"/>
+                <a:cs typeface="Courier New" panose="02070309020205020404" pitchFamily="49" charset="0"/>
+              </a:rPr>
+              <a:t>nativeCallbackWithException</a:t>
+            </a:r>
+            <a:r>
+              <a:rPr kumimoji="0" lang="en-US" altLang="en-US" sz="1400" b="0" i="0" u="none" strike="noStrike" cap="none" normalizeH="0" baseline="0" dirty="0" smtClean="0">
+                <a:ln>
+                  <a:noFill/>
+                </a:ln>
+                <a:solidFill>
+                  <a:srgbClr val="A9B7C6"/>
+                </a:solidFill>
+                <a:effectLst/>
+                <a:latin typeface="Courier New" panose="02070309020205020404" pitchFamily="49" charset="0"/>
+                <a:cs typeface="Courier New" panose="02070309020205020404" pitchFamily="49" charset="0"/>
+              </a:rPr>
+              <a:t> = </a:t>
+            </a:r>
+            <a:r>
+              <a:rPr kumimoji="0" lang="en-US" altLang="en-US" sz="1400" b="0" i="0" u="none" strike="noStrike" cap="none" normalizeH="0" baseline="0" dirty="0" err="1" smtClean="0">
+                <a:ln>
+                  <a:noFill/>
+                </a:ln>
+                <a:solidFill>
+                  <a:srgbClr val="A9B7C6"/>
+                </a:solidFill>
+                <a:effectLst/>
+                <a:latin typeface="Courier New" panose="02070309020205020404" pitchFamily="49" charset="0"/>
+                <a:cs typeface="Courier New" panose="02070309020205020404" pitchFamily="49" charset="0"/>
+              </a:rPr>
+              <a:t>env</a:t>
+            </a:r>
+            <a:r>
+              <a:rPr kumimoji="0" lang="en-US" altLang="en-US" sz="1400" b="0" i="0" u="none" strike="noStrike" cap="none" normalizeH="0" baseline="0" dirty="0" smtClean="0">
+                <a:ln>
+                  <a:noFill/>
+                </a:ln>
+                <a:solidFill>
+                  <a:srgbClr val="A9B7C6"/>
+                </a:solidFill>
+                <a:effectLst/>
+                <a:latin typeface="Courier New" panose="02070309020205020404" pitchFamily="49" charset="0"/>
+                <a:cs typeface="Courier New" panose="02070309020205020404" pitchFamily="49" charset="0"/>
+              </a:rPr>
+              <a:t>-&gt;</a:t>
+            </a:r>
+            <a:r>
+              <a:rPr kumimoji="0" lang="en-US" altLang="en-US" sz="1400" b="0" i="0" u="none" strike="noStrike" cap="none" normalizeH="0" baseline="0" dirty="0" err="1" smtClean="0">
+                <a:ln>
+                  <a:noFill/>
+                </a:ln>
+                <a:solidFill>
+                  <a:srgbClr val="A9B7C6"/>
+                </a:solidFill>
+                <a:effectLst/>
+                <a:latin typeface="Courier New" panose="02070309020205020404" pitchFamily="49" charset="0"/>
+                <a:cs typeface="Courier New" panose="02070309020205020404" pitchFamily="49" charset="0"/>
+              </a:rPr>
+              <a:t>GetStaticMethodID</a:t>
+            </a:r>
+            <a:r>
+              <a:rPr kumimoji="0" lang="en-US" altLang="en-US" sz="1400" b="0" i="0" u="none" strike="noStrike" cap="none" normalizeH="0" baseline="0" dirty="0" smtClean="0">
+                <a:ln>
+                  <a:noFill/>
+                </a:ln>
+                <a:solidFill>
+                  <a:srgbClr val="A9B7C6"/>
+                </a:solidFill>
+                <a:effectLst/>
+                <a:latin typeface="Courier New" panose="02070309020205020404" pitchFamily="49" charset="0"/>
+                <a:cs typeface="Courier New" panose="02070309020205020404" pitchFamily="49" charset="0"/>
+              </a:rPr>
+              <a:t>(</a:t>
+            </a:r>
+            <a:r>
+              <a:rPr kumimoji="0" lang="en-US" altLang="en-US" sz="1400" b="0" i="0" u="none" strike="noStrike" cap="none" normalizeH="0" baseline="0" dirty="0" err="1" smtClean="0">
+                <a:ln>
+                  <a:noFill/>
+                </a:ln>
+                <a:solidFill>
+                  <a:srgbClr val="A9B7C6"/>
+                </a:solidFill>
+                <a:effectLst/>
+                <a:latin typeface="Courier New" panose="02070309020205020404" pitchFamily="49" charset="0"/>
+                <a:cs typeface="Courier New" panose="02070309020205020404" pitchFamily="49" charset="0"/>
+              </a:rPr>
+              <a:t>clazz</a:t>
+            </a:r>
+            <a:r>
+              <a:rPr kumimoji="0" lang="en-US" altLang="en-US" sz="1400" b="0" i="0" u="none" strike="noStrike" cap="none" normalizeH="0" baseline="0" dirty="0" smtClean="0">
+                <a:ln>
+                  <a:noFill/>
+                </a:ln>
+                <a:solidFill>
+                  <a:srgbClr val="CC7832"/>
+                </a:solidFill>
+                <a:effectLst/>
+                <a:latin typeface="Courier New" panose="02070309020205020404" pitchFamily="49" charset="0"/>
+                <a:cs typeface="Courier New" panose="02070309020205020404" pitchFamily="49" charset="0"/>
+              </a:rPr>
+              <a:t>, </a:t>
+            </a:r>
+          </a:p>
+          <a:p>
+            <a:pPr marL="0" marR="0" lvl="0" indent="0" algn="l" defTabSz="914400" rtl="0" eaLnBrk="0" fontAlgn="base" latinLnBrk="0" hangingPunct="0">
+              <a:lnSpc>
+                <a:spcPct val="100000"/>
+              </a:lnSpc>
+              <a:spcBef>
+                <a:spcPct val="0"/>
+              </a:spcBef>
+              <a:spcAft>
+                <a:spcPct val="0"/>
+              </a:spcAft>
+              <a:buClrTx/>
+              <a:buSzTx/>
+              <a:buFontTx/>
+              <a:buNone/>
+              <a:tabLst/>
+            </a:pPr>
+            <a:r>
+              <a:rPr lang="en-US" altLang="en-US" sz="1400" dirty="0">
+                <a:solidFill>
+                  <a:srgbClr val="CC7832"/>
+                </a:solidFill>
+                <a:latin typeface="Courier New" panose="02070309020205020404" pitchFamily="49" charset="0"/>
+                <a:cs typeface="Courier New" panose="02070309020205020404" pitchFamily="49" charset="0"/>
+              </a:rPr>
+              <a:t>	</a:t>
+            </a:r>
+            <a:r>
+              <a:rPr lang="en-US" altLang="en-US" sz="1400" dirty="0" smtClean="0">
+                <a:solidFill>
+                  <a:srgbClr val="CC7832"/>
+                </a:solidFill>
+                <a:latin typeface="Courier New" panose="02070309020205020404" pitchFamily="49" charset="0"/>
+                <a:cs typeface="Courier New" panose="02070309020205020404" pitchFamily="49" charset="0"/>
+              </a:rPr>
+              <a:t>		</a:t>
+            </a:r>
+            <a:r>
+              <a:rPr kumimoji="0" lang="en-US" altLang="en-US" sz="1400" b="0" i="0" u="none" strike="noStrike" cap="none" normalizeH="0" baseline="0" dirty="0" smtClean="0">
+                <a:ln>
+                  <a:noFill/>
+                </a:ln>
+                <a:solidFill>
+                  <a:srgbClr val="6A8759"/>
+                </a:solidFill>
+                <a:effectLst/>
+                <a:latin typeface="Courier New" panose="02070309020205020404" pitchFamily="49" charset="0"/>
+                <a:cs typeface="Courier New" panose="02070309020205020404" pitchFamily="49" charset="0"/>
+              </a:rPr>
+              <a:t>"</a:t>
+            </a:r>
+            <a:r>
+              <a:rPr kumimoji="0" lang="en-US" altLang="en-US" sz="1400" b="0" i="0" u="none" strike="noStrike" cap="none" normalizeH="0" baseline="0" dirty="0" err="1" smtClean="0">
+                <a:ln>
+                  <a:noFill/>
+                </a:ln>
+                <a:solidFill>
+                  <a:srgbClr val="6A8759"/>
+                </a:solidFill>
+                <a:effectLst/>
+                <a:latin typeface="Courier New" panose="02070309020205020404" pitchFamily="49" charset="0"/>
+                <a:cs typeface="Courier New" panose="02070309020205020404" pitchFamily="49" charset="0"/>
+              </a:rPr>
+              <a:t>nativeCallbackWithException</a:t>
+            </a:r>
+            <a:r>
+              <a:rPr kumimoji="0" lang="en-US" altLang="en-US" sz="1400" b="0" i="0" u="none" strike="noStrike" cap="none" normalizeH="0" baseline="0" dirty="0" smtClean="0">
+                <a:ln>
+                  <a:noFill/>
+                </a:ln>
+                <a:solidFill>
+                  <a:srgbClr val="6A8759"/>
+                </a:solidFill>
+                <a:effectLst/>
+                <a:latin typeface="Courier New" panose="02070309020205020404" pitchFamily="49" charset="0"/>
+                <a:cs typeface="Courier New" panose="02070309020205020404" pitchFamily="49" charset="0"/>
+              </a:rPr>
+              <a:t>"</a:t>
+            </a:r>
+            <a:r>
+              <a:rPr kumimoji="0" lang="en-US" altLang="en-US" sz="1400" b="0" i="0" u="none" strike="noStrike" cap="none" normalizeH="0" baseline="0" dirty="0" smtClean="0">
+                <a:ln>
+                  <a:noFill/>
+                </a:ln>
+                <a:solidFill>
+                  <a:srgbClr val="CC7832"/>
+                </a:solidFill>
+                <a:effectLst/>
+                <a:latin typeface="Courier New" panose="02070309020205020404" pitchFamily="49" charset="0"/>
+                <a:cs typeface="Courier New" panose="02070309020205020404" pitchFamily="49" charset="0"/>
+              </a:rPr>
+              <a:t>, </a:t>
+            </a:r>
+            <a:r>
+              <a:rPr kumimoji="0" lang="en-US" altLang="en-US" sz="1400" b="0" i="0" u="none" strike="noStrike" cap="none" normalizeH="0" baseline="0" dirty="0" smtClean="0">
+                <a:ln>
+                  <a:noFill/>
+                </a:ln>
+                <a:solidFill>
+                  <a:srgbClr val="6A8759"/>
+                </a:solidFill>
+                <a:effectLst/>
+                <a:latin typeface="Courier New" panose="02070309020205020404" pitchFamily="49" charset="0"/>
+                <a:cs typeface="Courier New" panose="02070309020205020404" pitchFamily="49" charset="0"/>
+              </a:rPr>
+              <a:t>"()V"</a:t>
+            </a:r>
+            <a:r>
+              <a:rPr kumimoji="0" lang="en-US" altLang="en-US" sz="1400" b="0" i="0" u="none" strike="noStrike" cap="none" normalizeH="0" baseline="0" dirty="0" smtClean="0">
+                <a:ln>
+                  <a:noFill/>
+                </a:ln>
+                <a:solidFill>
+                  <a:srgbClr val="A9B7C6"/>
+                </a:solidFill>
+                <a:effectLst/>
+                <a:latin typeface="Courier New" panose="02070309020205020404" pitchFamily="49" charset="0"/>
+                <a:cs typeface="Courier New" panose="02070309020205020404" pitchFamily="49" charset="0"/>
+              </a:rPr>
+              <a:t>)</a:t>
+            </a:r>
+            <a:r>
+              <a:rPr kumimoji="0" lang="en-US" altLang="en-US" sz="1400" b="0" i="0" u="none" strike="noStrike" cap="none" normalizeH="0" baseline="0" dirty="0" smtClean="0">
+                <a:ln>
+                  <a:noFill/>
+                </a:ln>
+                <a:solidFill>
+                  <a:srgbClr val="CC7832"/>
+                </a:solidFill>
+                <a:effectLst/>
+                <a:latin typeface="Courier New" panose="02070309020205020404" pitchFamily="49" charset="0"/>
+                <a:cs typeface="Courier New" panose="02070309020205020404" pitchFamily="49" charset="0"/>
+              </a:rPr>
+              <a:t>;</a:t>
+            </a:r>
+            <a:br>
+              <a:rPr kumimoji="0" lang="en-US" altLang="en-US" sz="1400" b="0" i="0" u="none" strike="noStrike" cap="none" normalizeH="0" baseline="0" dirty="0" smtClean="0">
+                <a:ln>
+                  <a:noFill/>
+                </a:ln>
+                <a:solidFill>
+                  <a:srgbClr val="CC7832"/>
+                </a:solidFill>
+                <a:effectLst/>
+                <a:latin typeface="Courier New" panose="02070309020205020404" pitchFamily="49" charset="0"/>
+                <a:cs typeface="Courier New" panose="02070309020205020404" pitchFamily="49" charset="0"/>
+              </a:rPr>
+            </a:br>
+            <a:r>
+              <a:rPr kumimoji="0" lang="en-US" altLang="en-US" sz="1400" b="0" i="0" u="none" strike="noStrike" cap="none" normalizeH="0" baseline="0" dirty="0" err="1" smtClean="0">
+                <a:ln>
+                  <a:noFill/>
+                </a:ln>
+                <a:solidFill>
+                  <a:srgbClr val="A9B7C6"/>
+                </a:solidFill>
+                <a:effectLst/>
+                <a:latin typeface="Courier New" panose="02070309020205020404" pitchFamily="49" charset="0"/>
+                <a:cs typeface="Courier New" panose="02070309020205020404" pitchFamily="49" charset="0"/>
+              </a:rPr>
+              <a:t>env</a:t>
+            </a:r>
+            <a:r>
+              <a:rPr kumimoji="0" lang="en-US" altLang="en-US" sz="1400" b="0" i="0" u="none" strike="noStrike" cap="none" normalizeH="0" baseline="0" dirty="0" smtClean="0">
+                <a:ln>
+                  <a:noFill/>
+                </a:ln>
+                <a:solidFill>
+                  <a:srgbClr val="A9B7C6"/>
+                </a:solidFill>
+                <a:effectLst/>
+                <a:latin typeface="Courier New" panose="02070309020205020404" pitchFamily="49" charset="0"/>
+                <a:cs typeface="Courier New" panose="02070309020205020404" pitchFamily="49" charset="0"/>
+              </a:rPr>
+              <a:t>-&gt;</a:t>
+            </a:r>
+            <a:r>
+              <a:rPr kumimoji="0" lang="en-US" altLang="en-US" sz="1400" b="0" i="0" u="none" strike="noStrike" cap="none" normalizeH="0" baseline="0" dirty="0" err="1" smtClean="0">
+                <a:ln>
+                  <a:noFill/>
+                </a:ln>
+                <a:solidFill>
+                  <a:srgbClr val="A9B7C6"/>
+                </a:solidFill>
+                <a:effectLst/>
+                <a:latin typeface="Courier New" panose="02070309020205020404" pitchFamily="49" charset="0"/>
+                <a:cs typeface="Courier New" panose="02070309020205020404" pitchFamily="49" charset="0"/>
+              </a:rPr>
+              <a:t>CallStaticVoidMethod</a:t>
+            </a:r>
+            <a:r>
+              <a:rPr kumimoji="0" lang="en-US" altLang="en-US" sz="1400" b="0" i="0" u="none" strike="noStrike" cap="none" normalizeH="0" baseline="0" dirty="0" smtClean="0">
+                <a:ln>
+                  <a:noFill/>
+                </a:ln>
+                <a:solidFill>
+                  <a:srgbClr val="A9B7C6"/>
+                </a:solidFill>
+                <a:effectLst/>
+                <a:latin typeface="Courier New" panose="02070309020205020404" pitchFamily="49" charset="0"/>
+                <a:cs typeface="Courier New" panose="02070309020205020404" pitchFamily="49" charset="0"/>
+              </a:rPr>
+              <a:t>(</a:t>
+            </a:r>
+            <a:r>
+              <a:rPr kumimoji="0" lang="en-US" altLang="en-US" sz="1400" b="0" i="0" u="none" strike="noStrike" cap="none" normalizeH="0" baseline="0" dirty="0" err="1" smtClean="0">
+                <a:ln>
+                  <a:noFill/>
+                </a:ln>
+                <a:solidFill>
+                  <a:srgbClr val="A9B7C6"/>
+                </a:solidFill>
+                <a:effectLst/>
+                <a:latin typeface="Courier New" panose="02070309020205020404" pitchFamily="49" charset="0"/>
+                <a:cs typeface="Courier New" panose="02070309020205020404" pitchFamily="49" charset="0"/>
+              </a:rPr>
+              <a:t>clazz</a:t>
+            </a:r>
+            <a:r>
+              <a:rPr kumimoji="0" lang="en-US" altLang="en-US" sz="1400" b="0" i="0" u="none" strike="noStrike" cap="none" normalizeH="0" baseline="0" dirty="0" smtClean="0">
+                <a:ln>
+                  <a:noFill/>
+                </a:ln>
+                <a:solidFill>
+                  <a:srgbClr val="CC7832"/>
+                </a:solidFill>
+                <a:effectLst/>
+                <a:latin typeface="Courier New" panose="02070309020205020404" pitchFamily="49" charset="0"/>
+                <a:cs typeface="Courier New" panose="02070309020205020404" pitchFamily="49" charset="0"/>
+              </a:rPr>
+              <a:t>, </a:t>
+            </a:r>
+            <a:r>
+              <a:rPr kumimoji="0" lang="en-US" altLang="en-US" sz="1400" b="0" i="0" u="none" strike="noStrike" cap="none" normalizeH="0" baseline="0" dirty="0" err="1" smtClean="0">
+                <a:ln>
+                  <a:noFill/>
+                </a:ln>
+                <a:solidFill>
+                  <a:srgbClr val="A9B7C6"/>
+                </a:solidFill>
+                <a:effectLst/>
+                <a:latin typeface="Courier New" panose="02070309020205020404" pitchFamily="49" charset="0"/>
+                <a:cs typeface="Courier New" panose="02070309020205020404" pitchFamily="49" charset="0"/>
+              </a:rPr>
+              <a:t>nativeCallbackWithException</a:t>
+            </a:r>
+            <a:r>
+              <a:rPr kumimoji="0" lang="en-US" altLang="en-US" sz="1400" b="0" i="0" u="none" strike="noStrike" cap="none" normalizeH="0" baseline="0" dirty="0" smtClean="0">
+                <a:ln>
+                  <a:noFill/>
+                </a:ln>
+                <a:solidFill>
+                  <a:srgbClr val="A9B7C6"/>
+                </a:solidFill>
+                <a:effectLst/>
+                <a:latin typeface="Courier New" panose="02070309020205020404" pitchFamily="49" charset="0"/>
+                <a:cs typeface="Courier New" panose="02070309020205020404" pitchFamily="49" charset="0"/>
+              </a:rPr>
+              <a:t>)</a:t>
+            </a:r>
+            <a:r>
+              <a:rPr kumimoji="0" lang="en-US" altLang="en-US" sz="1400" b="0" i="0" u="none" strike="noStrike" cap="none" normalizeH="0" baseline="0" dirty="0" smtClean="0">
+                <a:ln>
+                  <a:noFill/>
+                </a:ln>
+                <a:solidFill>
+                  <a:srgbClr val="CC7832"/>
+                </a:solidFill>
+                <a:effectLst/>
+                <a:latin typeface="Courier New" panose="02070309020205020404" pitchFamily="49" charset="0"/>
+                <a:cs typeface="Courier New" panose="02070309020205020404" pitchFamily="49" charset="0"/>
+              </a:rPr>
+              <a:t>;</a:t>
+            </a:r>
+            <a:br>
+              <a:rPr kumimoji="0" lang="en-US" altLang="en-US" sz="1400" b="0" i="0" u="none" strike="noStrike" cap="none" normalizeH="0" baseline="0" dirty="0" smtClean="0">
+                <a:ln>
+                  <a:noFill/>
+                </a:ln>
+                <a:solidFill>
+                  <a:srgbClr val="CC7832"/>
+                </a:solidFill>
+                <a:effectLst/>
+                <a:latin typeface="Courier New" panose="02070309020205020404" pitchFamily="49" charset="0"/>
+                <a:cs typeface="Courier New" panose="02070309020205020404" pitchFamily="49" charset="0"/>
+              </a:rPr>
+            </a:br>
+            <a:r>
+              <a:rPr kumimoji="0" lang="en-US" altLang="en-US" sz="1400" b="1" i="0" u="none" strike="noStrike" cap="none" normalizeH="0" baseline="0" dirty="0" smtClean="0">
+                <a:ln>
+                  <a:noFill/>
+                </a:ln>
+                <a:solidFill>
+                  <a:srgbClr val="CC7832"/>
+                </a:solidFill>
+                <a:effectLst/>
+                <a:latin typeface="Courier New" panose="02070309020205020404" pitchFamily="49" charset="0"/>
+                <a:cs typeface="Courier New" panose="02070309020205020404" pitchFamily="49" charset="0"/>
+              </a:rPr>
+              <a:t>if</a:t>
+            </a:r>
+            <a:r>
+              <a:rPr kumimoji="0" lang="en-US" altLang="en-US" sz="1400" b="0" i="0" u="none" strike="noStrike" cap="none" normalizeH="0" baseline="0" dirty="0" smtClean="0">
+                <a:ln>
+                  <a:noFill/>
+                </a:ln>
+                <a:solidFill>
+                  <a:srgbClr val="A9B7C6"/>
+                </a:solidFill>
+                <a:effectLst/>
+                <a:latin typeface="Courier New" panose="02070309020205020404" pitchFamily="49" charset="0"/>
+                <a:cs typeface="Courier New" panose="02070309020205020404" pitchFamily="49" charset="0"/>
+              </a:rPr>
+              <a:t>(</a:t>
+            </a:r>
+            <a:r>
+              <a:rPr kumimoji="0" lang="en-US" altLang="en-US" sz="1400" b="0" i="0" u="none" strike="noStrike" cap="none" normalizeH="0" baseline="0" dirty="0" err="1" smtClean="0">
+                <a:ln>
+                  <a:noFill/>
+                </a:ln>
+                <a:solidFill>
+                  <a:srgbClr val="A9B7C6"/>
+                </a:solidFill>
+                <a:effectLst/>
+                <a:latin typeface="Courier New" panose="02070309020205020404" pitchFamily="49" charset="0"/>
+                <a:cs typeface="Courier New" panose="02070309020205020404" pitchFamily="49" charset="0"/>
+              </a:rPr>
+              <a:t>env</a:t>
+            </a:r>
+            <a:r>
+              <a:rPr kumimoji="0" lang="en-US" altLang="en-US" sz="1400" b="0" i="0" u="none" strike="noStrike" cap="none" normalizeH="0" baseline="0" dirty="0" smtClean="0">
+                <a:ln>
+                  <a:noFill/>
+                </a:ln>
+                <a:solidFill>
+                  <a:srgbClr val="A9B7C6"/>
+                </a:solidFill>
+                <a:effectLst/>
+                <a:latin typeface="Courier New" panose="02070309020205020404" pitchFamily="49" charset="0"/>
+                <a:cs typeface="Courier New" panose="02070309020205020404" pitchFamily="49" charset="0"/>
+              </a:rPr>
+              <a:t>-&gt;</a:t>
+            </a:r>
+            <a:r>
+              <a:rPr kumimoji="0" lang="en-US" altLang="en-US" sz="1400" b="1" i="0" u="none" strike="noStrike" cap="none" normalizeH="0" baseline="0" dirty="0" err="1" smtClean="0">
+                <a:ln>
+                  <a:noFill/>
+                </a:ln>
+                <a:solidFill>
+                  <a:srgbClr val="FF0000"/>
+                </a:solidFill>
+                <a:effectLst/>
+                <a:latin typeface="Courier New" panose="02070309020205020404" pitchFamily="49" charset="0"/>
+                <a:cs typeface="Courier New" panose="02070309020205020404" pitchFamily="49" charset="0"/>
+              </a:rPr>
+              <a:t>ExceptionCheck</a:t>
+            </a:r>
+            <a:r>
+              <a:rPr kumimoji="0" lang="en-US" altLang="en-US" sz="1400" b="0" i="0" u="none" strike="noStrike" cap="none" normalizeH="0" baseline="0" dirty="0" smtClean="0">
+                <a:ln>
+                  <a:noFill/>
+                </a:ln>
+                <a:solidFill>
+                  <a:srgbClr val="A9B7C6"/>
+                </a:solidFill>
+                <a:effectLst/>
+                <a:latin typeface="Courier New" panose="02070309020205020404" pitchFamily="49" charset="0"/>
+                <a:cs typeface="Courier New" panose="02070309020205020404" pitchFamily="49" charset="0"/>
+              </a:rPr>
+              <a:t>())</a:t>
+            </a:r>
+            <a:br>
+              <a:rPr kumimoji="0" lang="en-US" altLang="en-US" sz="1400" b="0" i="0" u="none" strike="noStrike" cap="none" normalizeH="0" baseline="0" dirty="0" smtClean="0">
+                <a:ln>
+                  <a:noFill/>
+                </a:ln>
+                <a:solidFill>
+                  <a:srgbClr val="A9B7C6"/>
+                </a:solidFill>
+                <a:effectLst/>
+                <a:latin typeface="Courier New" panose="02070309020205020404" pitchFamily="49" charset="0"/>
+                <a:cs typeface="Courier New" panose="02070309020205020404" pitchFamily="49" charset="0"/>
+              </a:rPr>
+            </a:br>
+            <a:r>
+              <a:rPr kumimoji="0" lang="en-US" altLang="en-US" sz="1400" b="0" i="0" u="none" strike="noStrike" cap="none" normalizeH="0" baseline="0" dirty="0" smtClean="0">
+                <a:ln>
+                  <a:noFill/>
+                </a:ln>
+                <a:solidFill>
+                  <a:srgbClr val="A9B7C6"/>
+                </a:solidFill>
+                <a:effectLst/>
+                <a:latin typeface="Courier New" panose="02070309020205020404" pitchFamily="49" charset="0"/>
+                <a:cs typeface="Courier New" panose="02070309020205020404" pitchFamily="49" charset="0"/>
+              </a:rPr>
+              <a:t>{</a:t>
+            </a:r>
+            <a:br>
+              <a:rPr kumimoji="0" lang="en-US" altLang="en-US" sz="1400" b="0" i="0" u="none" strike="noStrike" cap="none" normalizeH="0" baseline="0" dirty="0" smtClean="0">
+                <a:ln>
+                  <a:noFill/>
+                </a:ln>
+                <a:solidFill>
+                  <a:srgbClr val="A9B7C6"/>
+                </a:solidFill>
+                <a:effectLst/>
+                <a:latin typeface="Courier New" panose="02070309020205020404" pitchFamily="49" charset="0"/>
+                <a:cs typeface="Courier New" panose="02070309020205020404" pitchFamily="49" charset="0"/>
+              </a:rPr>
+            </a:br>
+            <a:r>
+              <a:rPr kumimoji="0" lang="en-US" altLang="en-US" sz="1400" b="0" i="0" u="none" strike="noStrike" cap="none" normalizeH="0" baseline="0" dirty="0" smtClean="0">
+                <a:ln>
+                  <a:noFill/>
+                </a:ln>
+                <a:solidFill>
+                  <a:srgbClr val="A9B7C6"/>
+                </a:solidFill>
+                <a:effectLst/>
+                <a:latin typeface="Courier New" panose="02070309020205020404" pitchFamily="49" charset="0"/>
+                <a:cs typeface="Courier New" panose="02070309020205020404" pitchFamily="49" charset="0"/>
+              </a:rPr>
+              <a:t>    </a:t>
+            </a:r>
+            <a:r>
+              <a:rPr kumimoji="0" lang="en-US" altLang="en-US" sz="1400" b="0" i="0" u="none" strike="noStrike" cap="none" normalizeH="0" baseline="0" dirty="0" smtClean="0">
+                <a:ln>
+                  <a:noFill/>
+                </a:ln>
+                <a:solidFill>
+                  <a:srgbClr val="908B25"/>
+                </a:solidFill>
+                <a:effectLst/>
+                <a:latin typeface="Courier New" panose="02070309020205020404" pitchFamily="49" charset="0"/>
+                <a:cs typeface="Courier New" panose="02070309020205020404" pitchFamily="49" charset="0"/>
+              </a:rPr>
+              <a:t>DEMO_LOG</a:t>
+            </a:r>
+            <a:r>
+              <a:rPr kumimoji="0" lang="en-US" altLang="en-US" sz="1400" b="0" i="0" u="none" strike="noStrike" cap="none" normalizeH="0" baseline="0" dirty="0" smtClean="0">
+                <a:ln>
+                  <a:noFill/>
+                </a:ln>
+                <a:solidFill>
+                  <a:srgbClr val="A9B7C6"/>
+                </a:solidFill>
+                <a:effectLst/>
+                <a:latin typeface="Courier New" panose="02070309020205020404" pitchFamily="49" charset="0"/>
+                <a:cs typeface="Courier New" panose="02070309020205020404" pitchFamily="49" charset="0"/>
+              </a:rPr>
+              <a:t>(</a:t>
+            </a:r>
+            <a:r>
+              <a:rPr kumimoji="0" lang="en-US" altLang="en-US" sz="1400" b="0" i="0" u="none" strike="noStrike" cap="none" normalizeH="0" baseline="0" dirty="0" smtClean="0">
+                <a:ln>
+                  <a:noFill/>
+                </a:ln>
+                <a:solidFill>
+                  <a:srgbClr val="6A8759"/>
+                </a:solidFill>
+                <a:effectLst/>
+                <a:latin typeface="Courier New" panose="02070309020205020404" pitchFamily="49" charset="0"/>
+                <a:cs typeface="Courier New" panose="02070309020205020404" pitchFamily="49" charset="0"/>
+              </a:rPr>
+              <a:t>"Exception is pending. Ignore it</a:t>
+            </a:r>
+            <a:r>
+              <a:rPr kumimoji="0" lang="en-US" altLang="en-US" sz="1400" b="0" i="0" u="none" strike="noStrike" cap="none" normalizeH="0" baseline="0" dirty="0" smtClean="0">
+                <a:ln>
+                  <a:noFill/>
+                </a:ln>
+                <a:solidFill>
+                  <a:srgbClr val="CC7832"/>
+                </a:solidFill>
+                <a:effectLst/>
+                <a:latin typeface="Courier New" panose="02070309020205020404" pitchFamily="49" charset="0"/>
+                <a:cs typeface="Courier New" panose="02070309020205020404" pitchFamily="49" charset="0"/>
+              </a:rPr>
+              <a:t>\n</a:t>
+            </a:r>
+            <a:r>
+              <a:rPr kumimoji="0" lang="en-US" altLang="en-US" sz="1400" b="0" i="0" u="none" strike="noStrike" cap="none" normalizeH="0" baseline="0" dirty="0" smtClean="0">
+                <a:ln>
+                  <a:noFill/>
+                </a:ln>
+                <a:solidFill>
+                  <a:srgbClr val="6A8759"/>
+                </a:solidFill>
+                <a:effectLst/>
+                <a:latin typeface="Courier New" panose="02070309020205020404" pitchFamily="49" charset="0"/>
+                <a:cs typeface="Courier New" panose="02070309020205020404" pitchFamily="49" charset="0"/>
+              </a:rPr>
+              <a:t>"</a:t>
+            </a:r>
+            <a:r>
+              <a:rPr kumimoji="0" lang="en-US" altLang="en-US" sz="1400" b="0" i="0" u="none" strike="noStrike" cap="none" normalizeH="0" baseline="0" dirty="0" smtClean="0">
+                <a:ln>
+                  <a:noFill/>
+                </a:ln>
+                <a:solidFill>
+                  <a:srgbClr val="A9B7C6"/>
+                </a:solidFill>
+                <a:effectLst/>
+                <a:latin typeface="Courier New" panose="02070309020205020404" pitchFamily="49" charset="0"/>
+                <a:cs typeface="Courier New" panose="02070309020205020404" pitchFamily="49" charset="0"/>
+              </a:rPr>
+              <a:t>)</a:t>
+            </a:r>
+            <a:r>
+              <a:rPr kumimoji="0" lang="en-US" altLang="en-US" sz="1400" b="0" i="0" u="none" strike="noStrike" cap="none" normalizeH="0" baseline="0" dirty="0" smtClean="0">
+                <a:ln>
+                  <a:noFill/>
+                </a:ln>
+                <a:solidFill>
+                  <a:srgbClr val="CC7832"/>
+                </a:solidFill>
+                <a:effectLst/>
+                <a:latin typeface="Courier New" panose="02070309020205020404" pitchFamily="49" charset="0"/>
+                <a:cs typeface="Courier New" panose="02070309020205020404" pitchFamily="49" charset="0"/>
+              </a:rPr>
+              <a:t>;</a:t>
+            </a:r>
+            <a:br>
+              <a:rPr kumimoji="0" lang="en-US" altLang="en-US" sz="1400" b="0" i="0" u="none" strike="noStrike" cap="none" normalizeH="0" baseline="0" dirty="0" smtClean="0">
+                <a:ln>
+                  <a:noFill/>
+                </a:ln>
+                <a:solidFill>
+                  <a:srgbClr val="CC7832"/>
+                </a:solidFill>
+                <a:effectLst/>
+                <a:latin typeface="Courier New" panose="02070309020205020404" pitchFamily="49" charset="0"/>
+                <a:cs typeface="Courier New" panose="02070309020205020404" pitchFamily="49" charset="0"/>
+              </a:rPr>
+            </a:br>
+            <a:r>
+              <a:rPr kumimoji="0" lang="en-US" altLang="en-US" sz="1400" b="0" i="0" u="none" strike="noStrike" cap="none" normalizeH="0" baseline="0" dirty="0" smtClean="0">
+                <a:ln>
+                  <a:noFill/>
+                </a:ln>
+                <a:solidFill>
+                  <a:srgbClr val="CC7832"/>
+                </a:solidFill>
+                <a:effectLst/>
+                <a:latin typeface="Courier New" panose="02070309020205020404" pitchFamily="49" charset="0"/>
+                <a:cs typeface="Courier New" panose="02070309020205020404" pitchFamily="49" charset="0"/>
+              </a:rPr>
+              <a:t>    </a:t>
+            </a:r>
+            <a:r>
+              <a:rPr kumimoji="0" lang="en-US" altLang="en-US" sz="1400" b="0" i="0" u="none" strike="noStrike" cap="none" normalizeH="0" baseline="0" dirty="0" err="1" smtClean="0">
+                <a:ln>
+                  <a:noFill/>
+                </a:ln>
+                <a:solidFill>
+                  <a:srgbClr val="A9B7C6"/>
+                </a:solidFill>
+                <a:effectLst/>
+                <a:latin typeface="Courier New" panose="02070309020205020404" pitchFamily="49" charset="0"/>
+                <a:cs typeface="Courier New" panose="02070309020205020404" pitchFamily="49" charset="0"/>
+              </a:rPr>
+              <a:t>env</a:t>
+            </a:r>
+            <a:r>
+              <a:rPr kumimoji="0" lang="en-US" altLang="en-US" sz="1400" b="0" i="0" u="none" strike="noStrike" cap="none" normalizeH="0" baseline="0" dirty="0" smtClean="0">
+                <a:ln>
+                  <a:noFill/>
+                </a:ln>
+                <a:solidFill>
+                  <a:srgbClr val="A9B7C6"/>
+                </a:solidFill>
+                <a:effectLst/>
+                <a:latin typeface="Courier New" panose="02070309020205020404" pitchFamily="49" charset="0"/>
+                <a:cs typeface="Courier New" panose="02070309020205020404" pitchFamily="49" charset="0"/>
+              </a:rPr>
+              <a:t>-&gt;</a:t>
+            </a:r>
+            <a:r>
+              <a:rPr kumimoji="0" lang="en-US" altLang="en-US" sz="1400" b="1" i="0" u="none" strike="noStrike" cap="none" normalizeH="0" baseline="0" dirty="0" err="1" smtClean="0">
+                <a:ln>
+                  <a:noFill/>
+                </a:ln>
+                <a:solidFill>
+                  <a:srgbClr val="FF0000"/>
+                </a:solidFill>
+                <a:effectLst/>
+                <a:latin typeface="Courier New" panose="02070309020205020404" pitchFamily="49" charset="0"/>
+                <a:cs typeface="Courier New" panose="02070309020205020404" pitchFamily="49" charset="0"/>
+              </a:rPr>
+              <a:t>ExceptionClear</a:t>
+            </a:r>
+            <a:r>
+              <a:rPr kumimoji="0" lang="en-US" altLang="en-US" sz="1400" b="0" i="0" u="none" strike="noStrike" cap="none" normalizeH="0" baseline="0" dirty="0" smtClean="0">
+                <a:ln>
+                  <a:noFill/>
+                </a:ln>
+                <a:solidFill>
+                  <a:srgbClr val="A9B7C6"/>
+                </a:solidFill>
+                <a:effectLst/>
+                <a:latin typeface="Courier New" panose="02070309020205020404" pitchFamily="49" charset="0"/>
+                <a:cs typeface="Courier New" panose="02070309020205020404" pitchFamily="49" charset="0"/>
+              </a:rPr>
+              <a:t>()</a:t>
+            </a:r>
+            <a:r>
+              <a:rPr kumimoji="0" lang="en-US" altLang="en-US" sz="1400" b="0" i="0" u="none" strike="noStrike" cap="none" normalizeH="0" baseline="0" dirty="0" smtClean="0">
+                <a:ln>
+                  <a:noFill/>
+                </a:ln>
+                <a:solidFill>
+                  <a:srgbClr val="CC7832"/>
+                </a:solidFill>
+                <a:effectLst/>
+                <a:latin typeface="Courier New" panose="02070309020205020404" pitchFamily="49" charset="0"/>
+                <a:cs typeface="Courier New" panose="02070309020205020404" pitchFamily="49" charset="0"/>
+              </a:rPr>
+              <a:t>;</a:t>
+            </a:r>
+            <a:br>
+              <a:rPr kumimoji="0" lang="en-US" altLang="en-US" sz="1400" b="0" i="0" u="none" strike="noStrike" cap="none" normalizeH="0" baseline="0" dirty="0" smtClean="0">
+                <a:ln>
+                  <a:noFill/>
+                </a:ln>
+                <a:solidFill>
+                  <a:srgbClr val="CC7832"/>
+                </a:solidFill>
+                <a:effectLst/>
+                <a:latin typeface="Courier New" panose="02070309020205020404" pitchFamily="49" charset="0"/>
+                <a:cs typeface="Courier New" panose="02070309020205020404" pitchFamily="49" charset="0"/>
+              </a:rPr>
+            </a:br>
+            <a:r>
+              <a:rPr kumimoji="0" lang="en-US" altLang="en-US" sz="1400" b="0" i="0" u="none" strike="noStrike" cap="none" normalizeH="0" baseline="0" dirty="0" smtClean="0">
+                <a:ln>
+                  <a:noFill/>
+                </a:ln>
+                <a:solidFill>
+                  <a:srgbClr val="A9B7C6"/>
+                </a:solidFill>
+                <a:effectLst/>
+                <a:latin typeface="Courier New" panose="02070309020205020404" pitchFamily="49" charset="0"/>
+                <a:cs typeface="Courier New" panose="02070309020205020404" pitchFamily="49" charset="0"/>
+              </a:rPr>
+              <a:t>}</a:t>
+            </a:r>
+            <a:endParaRPr kumimoji="0" lang="en-US" altLang="en-US" sz="1400" b="0" i="0" u="none" strike="noStrike" cap="none" normalizeH="0" baseline="0" dirty="0" smtClean="0">
+              <a:ln>
+                <a:noFill/>
+              </a:ln>
+              <a:solidFill>
+                <a:schemeClr val="tx1"/>
+              </a:solidFill>
+              <a:effectLst/>
+              <a:latin typeface="Arial" panose="020B0604020202020204" pitchFamily="34" charset="0"/>
+            </a:endParaRPr>
+          </a:p>
+        </p:txBody>
+      </p:sp>
+      <p:sp>
+        <p:nvSpPr>
+          <p:cNvPr id="6" name="Rectangle 1"/>
+          <p:cNvSpPr>
+            <a:spLocks noChangeArrowheads="1"/>
+          </p:cNvSpPr>
+          <p:nvPr/>
+        </p:nvSpPr>
+        <p:spPr bwMode="auto">
+          <a:xfrm>
+            <a:off x="386862" y="3699882"/>
+            <a:ext cx="11410433" cy="2492990"/>
+          </a:xfrm>
+          <a:prstGeom prst="rect">
+            <a:avLst/>
+          </a:prstGeom>
+          <a:solidFill>
+            <a:srgbClr val="2B2B2B"/>
+          </a:solidFill>
+          <a:ln>
+            <a:noFill/>
+          </a:ln>
+          <a:effectLst/>
+          <a:extLst>
+            <a:ext uri="{91240B29-F687-4F45-9708-019B960494DF}">
+              <a14:hiddenLine xmlns:a14="http://schemas.microsoft.com/office/drawing/2010/main" w="9525">
+                <a:solidFill>
+                  <a:schemeClr val="tx1"/>
+                </a:solidFill>
+                <a:miter lim="800000"/>
+                <a:headEnd/>
+                <a:tailEnd/>
+              </a14:hiddenLine>
+            </a:ext>
+            <a:ext uri="{AF507438-7753-43E0-B8FC-AC1667EBCBE1}">
+              <a14:hiddenEffects xmlns:a14="http://schemas.microsoft.com/office/drawing/2010/main">
+                <a:effectLst>
+                  <a:outerShdw dist="35921" dir="2700000" algn="ctr" rotWithShape="0">
+                    <a:schemeClr val="bg2"/>
+                  </a:outerShdw>
+                </a:effectLst>
+              </a14:hiddenEffects>
+            </a:ext>
+          </a:extLst>
+        </p:spPr>
+        <p:txBody>
+          <a:bodyPr vert="horz" wrap="square" lIns="91440" tIns="45720" rIns="91440" bIns="45720" numCol="1" anchor="ctr" anchorCtr="0" compatLnSpc="1">
+            <a:prstTxWarp prst="textNoShape">
+              <a:avLst/>
+            </a:prstTxWarp>
+            <a:spAutoFit/>
+          </a:bodyPr>
+          <a:lstStyle/>
+          <a:p>
+            <a:pPr marL="0" marR="0" lvl="0" indent="0" algn="l" defTabSz="914400" rtl="0" eaLnBrk="0" fontAlgn="base" latinLnBrk="0" hangingPunct="0">
+              <a:lnSpc>
+                <a:spcPct val="100000"/>
+              </a:lnSpc>
+              <a:spcBef>
+                <a:spcPct val="0"/>
+              </a:spcBef>
+              <a:spcAft>
+                <a:spcPct val="0"/>
+              </a:spcAft>
+              <a:buClrTx/>
+              <a:buSzTx/>
+              <a:buFontTx/>
+              <a:buNone/>
+              <a:tabLst/>
+            </a:pPr>
+            <a:r>
+              <a:rPr kumimoji="0" lang="en-US" altLang="en-US" sz="1400" b="1" i="0" u="none" strike="noStrike" cap="none" normalizeH="0" baseline="0" dirty="0" smtClean="0">
+                <a:ln>
+                  <a:noFill/>
+                </a:ln>
+                <a:solidFill>
+                  <a:srgbClr val="CC7832"/>
+                </a:solidFill>
+                <a:effectLst/>
+                <a:latin typeface="Courier New" panose="02070309020205020404" pitchFamily="49" charset="0"/>
+                <a:cs typeface="Courier New" panose="02070309020205020404" pitchFamily="49" charset="0"/>
+              </a:rPr>
+              <a:t>try</a:t>
+            </a:r>
+            <a:br>
+              <a:rPr kumimoji="0" lang="en-US" altLang="en-US" sz="1400" b="1" i="0" u="none" strike="noStrike" cap="none" normalizeH="0" baseline="0" dirty="0" smtClean="0">
+                <a:ln>
+                  <a:noFill/>
+                </a:ln>
+                <a:solidFill>
+                  <a:srgbClr val="CC7832"/>
+                </a:solidFill>
+                <a:effectLst/>
+                <a:latin typeface="Courier New" panose="02070309020205020404" pitchFamily="49" charset="0"/>
+                <a:cs typeface="Courier New" panose="02070309020205020404" pitchFamily="49" charset="0"/>
+              </a:rPr>
+            </a:br>
+            <a:r>
+              <a:rPr kumimoji="0" lang="en-US" altLang="en-US" sz="1400" b="0" i="0" u="none" strike="noStrike" cap="none" normalizeH="0" baseline="0" dirty="0" smtClean="0">
+                <a:ln>
+                  <a:noFill/>
+                </a:ln>
+                <a:solidFill>
+                  <a:srgbClr val="A9B7C6"/>
+                </a:solidFill>
+                <a:effectLst/>
+                <a:latin typeface="Courier New" panose="02070309020205020404" pitchFamily="49" charset="0"/>
+                <a:cs typeface="Courier New" panose="02070309020205020404" pitchFamily="49" charset="0"/>
+              </a:rPr>
+              <a:t>{</a:t>
+            </a:r>
+            <a:br>
+              <a:rPr kumimoji="0" lang="en-US" altLang="en-US" sz="1400" b="0" i="0" u="none" strike="noStrike" cap="none" normalizeH="0" baseline="0" dirty="0" smtClean="0">
+                <a:ln>
+                  <a:noFill/>
+                </a:ln>
+                <a:solidFill>
+                  <a:srgbClr val="A9B7C6"/>
+                </a:solidFill>
+                <a:effectLst/>
+                <a:latin typeface="Courier New" panose="02070309020205020404" pitchFamily="49" charset="0"/>
+                <a:cs typeface="Courier New" panose="02070309020205020404" pitchFamily="49" charset="0"/>
+              </a:rPr>
+            </a:br>
+            <a:r>
+              <a:rPr kumimoji="0" lang="en-US" altLang="en-US" sz="1400" b="0" i="0" u="none" strike="noStrike" cap="none" normalizeH="0" baseline="0" dirty="0" smtClean="0">
+                <a:ln>
+                  <a:noFill/>
+                </a:ln>
+                <a:solidFill>
+                  <a:srgbClr val="A9B7C6"/>
+                </a:solidFill>
+                <a:effectLst/>
+                <a:latin typeface="Courier New" panose="02070309020205020404" pitchFamily="49" charset="0"/>
+                <a:cs typeface="Courier New" panose="02070309020205020404" pitchFamily="49" charset="0"/>
+              </a:rPr>
+              <a:t>    </a:t>
+            </a:r>
+            <a:r>
+              <a:rPr kumimoji="0" lang="en-US" altLang="en-US" sz="1400" b="0" i="0" u="none" strike="noStrike" cap="none" normalizeH="0" baseline="0" dirty="0" smtClean="0">
+                <a:ln>
+                  <a:noFill/>
+                </a:ln>
+                <a:solidFill>
+                  <a:srgbClr val="808080"/>
+                </a:solidFill>
+                <a:effectLst/>
+                <a:latin typeface="Courier New" panose="02070309020205020404" pitchFamily="49" charset="0"/>
+                <a:cs typeface="Courier New" panose="02070309020205020404" pitchFamily="49" charset="0"/>
+              </a:rPr>
+              <a:t>// Do something and</a:t>
+            </a:r>
+            <a:r>
+              <a:rPr kumimoji="0" lang="en-US" altLang="en-US" sz="1400" b="0" i="0" u="none" strike="noStrike" cap="none" normalizeH="0" dirty="0" smtClean="0">
+                <a:ln>
+                  <a:noFill/>
+                </a:ln>
+                <a:solidFill>
+                  <a:srgbClr val="808080"/>
+                </a:solidFill>
+                <a:effectLst/>
+                <a:latin typeface="Courier New" panose="02070309020205020404" pitchFamily="49" charset="0"/>
+                <a:cs typeface="Courier New" panose="02070309020205020404" pitchFamily="49" charset="0"/>
+              </a:rPr>
+              <a:t> throw C++ exception</a:t>
+            </a:r>
+            <a:r>
+              <a:rPr kumimoji="0" lang="en-US" altLang="en-US" sz="1400" b="0" i="0" u="none" strike="noStrike" cap="none" normalizeH="0" baseline="0" dirty="0" smtClean="0">
+                <a:ln>
+                  <a:noFill/>
+                </a:ln>
+                <a:solidFill>
+                  <a:srgbClr val="808080"/>
+                </a:solidFill>
+                <a:effectLst/>
+                <a:latin typeface="Courier New" panose="02070309020205020404" pitchFamily="49" charset="0"/>
+                <a:cs typeface="Courier New" panose="02070309020205020404" pitchFamily="49" charset="0"/>
+              </a:rPr>
+              <a:t/>
+            </a:r>
+            <a:br>
+              <a:rPr kumimoji="0" lang="en-US" altLang="en-US" sz="1400" b="0" i="0" u="none" strike="noStrike" cap="none" normalizeH="0" baseline="0" dirty="0" smtClean="0">
+                <a:ln>
+                  <a:noFill/>
+                </a:ln>
+                <a:solidFill>
+                  <a:srgbClr val="808080"/>
+                </a:solidFill>
+                <a:effectLst/>
+                <a:latin typeface="Courier New" panose="02070309020205020404" pitchFamily="49" charset="0"/>
+                <a:cs typeface="Courier New" panose="02070309020205020404" pitchFamily="49" charset="0"/>
+              </a:rPr>
+            </a:br>
+            <a:r>
+              <a:rPr kumimoji="0" lang="en-US" altLang="en-US" sz="1400" b="0" i="0" u="none" strike="noStrike" cap="none" normalizeH="0" baseline="0" dirty="0" smtClean="0">
+                <a:ln>
+                  <a:noFill/>
+                </a:ln>
+                <a:solidFill>
+                  <a:srgbClr val="808080"/>
+                </a:solidFill>
+                <a:effectLst/>
+                <a:latin typeface="Courier New" panose="02070309020205020404" pitchFamily="49" charset="0"/>
+                <a:cs typeface="Courier New" panose="02070309020205020404" pitchFamily="49" charset="0"/>
+              </a:rPr>
+              <a:t>    </a:t>
+            </a:r>
+            <a:r>
+              <a:rPr kumimoji="0" lang="en-US" altLang="en-US" sz="1400" b="1" i="0" u="none" strike="noStrike" cap="none" normalizeH="0" baseline="0" dirty="0" smtClean="0">
+                <a:ln>
+                  <a:noFill/>
+                </a:ln>
+                <a:solidFill>
+                  <a:srgbClr val="CC7832"/>
+                </a:solidFill>
+                <a:effectLst/>
+                <a:latin typeface="Courier New" panose="02070309020205020404" pitchFamily="49" charset="0"/>
+                <a:cs typeface="Courier New" panose="02070309020205020404" pitchFamily="49" charset="0"/>
+              </a:rPr>
+              <a:t>throw </a:t>
+            </a:r>
+            <a:r>
+              <a:rPr kumimoji="0" lang="en-US" altLang="en-US" sz="1400" b="0" i="0" u="none" strike="noStrike" cap="none" normalizeH="0" baseline="0" dirty="0" err="1" smtClean="0">
+                <a:ln>
+                  <a:noFill/>
+                </a:ln>
+                <a:solidFill>
+                  <a:srgbClr val="B5B6E3"/>
+                </a:solidFill>
+                <a:effectLst/>
+                <a:latin typeface="Courier New" panose="02070309020205020404" pitchFamily="49" charset="0"/>
+                <a:cs typeface="Courier New" panose="02070309020205020404" pitchFamily="49" charset="0"/>
+              </a:rPr>
+              <a:t>std</a:t>
+            </a:r>
+            <a:r>
+              <a:rPr kumimoji="0" lang="en-US" altLang="en-US" sz="1400" b="0" i="0" u="none" strike="noStrike" cap="none" normalizeH="0" baseline="0" dirty="0" smtClean="0">
+                <a:ln>
+                  <a:noFill/>
+                </a:ln>
+                <a:solidFill>
+                  <a:srgbClr val="A9B7C6"/>
+                </a:solidFill>
+                <a:effectLst/>
+                <a:latin typeface="Courier New" panose="02070309020205020404" pitchFamily="49" charset="0"/>
+                <a:cs typeface="Courier New" panose="02070309020205020404" pitchFamily="49" charset="0"/>
+              </a:rPr>
+              <a:t>::</a:t>
+            </a:r>
+            <a:r>
+              <a:rPr kumimoji="0" lang="en-US" altLang="en-US" sz="1400" b="0" i="0" u="none" strike="noStrike" cap="none" normalizeH="0" baseline="0" dirty="0" err="1" smtClean="0">
+                <a:ln>
+                  <a:noFill/>
+                </a:ln>
+                <a:solidFill>
+                  <a:srgbClr val="A9B7C6"/>
+                </a:solidFill>
+                <a:effectLst/>
+                <a:latin typeface="Courier New" panose="02070309020205020404" pitchFamily="49" charset="0"/>
+                <a:cs typeface="Courier New" panose="02070309020205020404" pitchFamily="49" charset="0"/>
+              </a:rPr>
+              <a:t>invalid_argument</a:t>
+            </a:r>
+            <a:r>
+              <a:rPr kumimoji="0" lang="en-US" altLang="en-US" sz="1400" b="0" i="0" u="none" strike="noStrike" cap="none" normalizeH="0" baseline="0" dirty="0" smtClean="0">
+                <a:ln>
+                  <a:noFill/>
+                </a:ln>
+                <a:solidFill>
+                  <a:srgbClr val="A9B7C6"/>
+                </a:solidFill>
+                <a:effectLst/>
+                <a:latin typeface="Courier New" panose="02070309020205020404" pitchFamily="49" charset="0"/>
+                <a:cs typeface="Courier New" panose="02070309020205020404" pitchFamily="49" charset="0"/>
+              </a:rPr>
+              <a:t>(</a:t>
+            </a:r>
+            <a:r>
+              <a:rPr kumimoji="0" lang="en-US" altLang="en-US" sz="1400" b="0" i="0" u="none" strike="noStrike" cap="none" normalizeH="0" baseline="0" dirty="0" smtClean="0">
+                <a:ln>
+                  <a:noFill/>
+                </a:ln>
+                <a:solidFill>
+                  <a:srgbClr val="6A8759"/>
+                </a:solidFill>
+                <a:effectLst/>
+                <a:latin typeface="Courier New" panose="02070309020205020404" pitchFamily="49" charset="0"/>
+                <a:cs typeface="Courier New" panose="02070309020205020404" pitchFamily="49" charset="0"/>
+              </a:rPr>
+              <a:t>"Invalid argument"</a:t>
+            </a:r>
+            <a:r>
+              <a:rPr kumimoji="0" lang="en-US" altLang="en-US" sz="1400" b="0" i="0" u="none" strike="noStrike" cap="none" normalizeH="0" baseline="0" dirty="0" smtClean="0">
+                <a:ln>
+                  <a:noFill/>
+                </a:ln>
+                <a:solidFill>
+                  <a:srgbClr val="A9B7C6"/>
+                </a:solidFill>
+                <a:effectLst/>
+                <a:latin typeface="Courier New" panose="02070309020205020404" pitchFamily="49" charset="0"/>
+                <a:cs typeface="Courier New" panose="02070309020205020404" pitchFamily="49" charset="0"/>
+              </a:rPr>
+              <a:t>)</a:t>
+            </a:r>
+            <a:r>
+              <a:rPr kumimoji="0" lang="en-US" altLang="en-US" sz="1400" b="0" i="0" u="none" strike="noStrike" cap="none" normalizeH="0" baseline="0" dirty="0" smtClean="0">
+                <a:ln>
+                  <a:noFill/>
+                </a:ln>
+                <a:solidFill>
+                  <a:srgbClr val="CC7832"/>
+                </a:solidFill>
+                <a:effectLst/>
+                <a:latin typeface="Courier New" panose="02070309020205020404" pitchFamily="49" charset="0"/>
+                <a:cs typeface="Courier New" panose="02070309020205020404" pitchFamily="49" charset="0"/>
+              </a:rPr>
+              <a:t>;</a:t>
+            </a:r>
+            <a:br>
+              <a:rPr kumimoji="0" lang="en-US" altLang="en-US" sz="1400" b="0" i="0" u="none" strike="noStrike" cap="none" normalizeH="0" baseline="0" dirty="0" smtClean="0">
+                <a:ln>
+                  <a:noFill/>
+                </a:ln>
+                <a:solidFill>
+                  <a:srgbClr val="CC7832"/>
+                </a:solidFill>
+                <a:effectLst/>
+                <a:latin typeface="Courier New" panose="02070309020205020404" pitchFamily="49" charset="0"/>
+                <a:cs typeface="Courier New" panose="02070309020205020404" pitchFamily="49" charset="0"/>
+              </a:rPr>
+            </a:br>
+            <a:r>
+              <a:rPr kumimoji="0" lang="en-US" altLang="en-US" sz="1400" b="0" i="0" u="none" strike="noStrike" cap="none" normalizeH="0" baseline="0" dirty="0" smtClean="0">
+                <a:ln>
+                  <a:noFill/>
+                </a:ln>
+                <a:solidFill>
+                  <a:srgbClr val="A9B7C6"/>
+                </a:solidFill>
+                <a:effectLst/>
+                <a:latin typeface="Courier New" panose="02070309020205020404" pitchFamily="49" charset="0"/>
+                <a:cs typeface="Courier New" panose="02070309020205020404" pitchFamily="49" charset="0"/>
+              </a:rPr>
+              <a:t>}</a:t>
+            </a:r>
+            <a:br>
+              <a:rPr kumimoji="0" lang="en-US" altLang="en-US" sz="1400" b="0" i="0" u="none" strike="noStrike" cap="none" normalizeH="0" baseline="0" dirty="0" smtClean="0">
+                <a:ln>
+                  <a:noFill/>
+                </a:ln>
+                <a:solidFill>
+                  <a:srgbClr val="A9B7C6"/>
+                </a:solidFill>
+                <a:effectLst/>
+                <a:latin typeface="Courier New" panose="02070309020205020404" pitchFamily="49" charset="0"/>
+                <a:cs typeface="Courier New" panose="02070309020205020404" pitchFamily="49" charset="0"/>
+              </a:rPr>
+            </a:br>
+            <a:r>
+              <a:rPr kumimoji="0" lang="en-US" altLang="en-US" sz="1400" b="1" i="0" u="none" strike="noStrike" cap="none" normalizeH="0" baseline="0" dirty="0" smtClean="0">
+                <a:ln>
+                  <a:noFill/>
+                </a:ln>
+                <a:solidFill>
+                  <a:srgbClr val="CC7832"/>
+                </a:solidFill>
+                <a:effectLst/>
+                <a:latin typeface="Courier New" panose="02070309020205020404" pitchFamily="49" charset="0"/>
+                <a:cs typeface="Courier New" panose="02070309020205020404" pitchFamily="49" charset="0"/>
+              </a:rPr>
+              <a:t>catch </a:t>
+            </a:r>
+            <a:r>
+              <a:rPr kumimoji="0" lang="en-US" altLang="en-US" sz="1400" b="0" i="0" u="none" strike="noStrike" cap="none" normalizeH="0" baseline="0" dirty="0" smtClean="0">
+                <a:ln>
+                  <a:noFill/>
+                </a:ln>
+                <a:solidFill>
+                  <a:srgbClr val="A9B7C6"/>
+                </a:solidFill>
+                <a:effectLst/>
+                <a:latin typeface="Courier New" panose="02070309020205020404" pitchFamily="49" charset="0"/>
+                <a:cs typeface="Courier New" panose="02070309020205020404" pitchFamily="49" charset="0"/>
+              </a:rPr>
+              <a:t>(</a:t>
+            </a:r>
+            <a:r>
+              <a:rPr kumimoji="0" lang="en-US" altLang="en-US" sz="1400" b="1" i="0" u="none" strike="noStrike" cap="none" normalizeH="0" baseline="0" dirty="0" err="1" smtClean="0">
+                <a:ln>
+                  <a:noFill/>
+                </a:ln>
+                <a:solidFill>
+                  <a:srgbClr val="CC7832"/>
+                </a:solidFill>
+                <a:effectLst/>
+                <a:latin typeface="Courier New" panose="02070309020205020404" pitchFamily="49" charset="0"/>
+                <a:cs typeface="Courier New" panose="02070309020205020404" pitchFamily="49" charset="0"/>
+              </a:rPr>
+              <a:t>const</a:t>
+            </a:r>
+            <a:r>
+              <a:rPr kumimoji="0" lang="en-US" altLang="en-US" sz="1400" b="1" i="0" u="none" strike="noStrike" cap="none" normalizeH="0" baseline="0" dirty="0" smtClean="0">
+                <a:ln>
+                  <a:noFill/>
+                </a:ln>
+                <a:solidFill>
+                  <a:srgbClr val="CC7832"/>
+                </a:solidFill>
+                <a:effectLst/>
+                <a:latin typeface="Courier New" panose="02070309020205020404" pitchFamily="49" charset="0"/>
+                <a:cs typeface="Courier New" panose="02070309020205020404" pitchFamily="49" charset="0"/>
+              </a:rPr>
+              <a:t> </a:t>
+            </a:r>
+            <a:r>
+              <a:rPr kumimoji="0" lang="en-US" altLang="en-US" sz="1400" b="0" i="0" u="none" strike="noStrike" cap="none" normalizeH="0" baseline="0" dirty="0" err="1" smtClean="0">
+                <a:ln>
+                  <a:noFill/>
+                </a:ln>
+                <a:solidFill>
+                  <a:srgbClr val="B5B6E3"/>
+                </a:solidFill>
+                <a:effectLst/>
+                <a:latin typeface="Courier New" panose="02070309020205020404" pitchFamily="49" charset="0"/>
+                <a:cs typeface="Courier New" panose="02070309020205020404" pitchFamily="49" charset="0"/>
+              </a:rPr>
+              <a:t>std</a:t>
+            </a:r>
+            <a:r>
+              <a:rPr kumimoji="0" lang="en-US" altLang="en-US" sz="1400" b="0" i="0" u="none" strike="noStrike" cap="none" normalizeH="0" baseline="0" dirty="0" smtClean="0">
+                <a:ln>
+                  <a:noFill/>
+                </a:ln>
+                <a:solidFill>
+                  <a:srgbClr val="A9B7C6"/>
+                </a:solidFill>
+                <a:effectLst/>
+                <a:latin typeface="Courier New" panose="02070309020205020404" pitchFamily="49" charset="0"/>
+                <a:cs typeface="Courier New" panose="02070309020205020404" pitchFamily="49" charset="0"/>
+              </a:rPr>
+              <a:t>::</a:t>
+            </a:r>
+            <a:r>
+              <a:rPr kumimoji="0" lang="en-US" altLang="en-US" sz="1400" b="0" i="0" u="none" strike="noStrike" cap="none" normalizeH="0" baseline="0" dirty="0" smtClean="0">
+                <a:ln>
+                  <a:noFill/>
+                </a:ln>
+                <a:solidFill>
+                  <a:srgbClr val="B5B6E3"/>
+                </a:solidFill>
+                <a:effectLst/>
+                <a:latin typeface="Courier New" panose="02070309020205020404" pitchFamily="49" charset="0"/>
+                <a:cs typeface="Courier New" panose="02070309020205020404" pitchFamily="49" charset="0"/>
+              </a:rPr>
+              <a:t>exception </a:t>
+            </a:r>
+            <a:r>
+              <a:rPr kumimoji="0" lang="en-US" altLang="en-US" sz="1400" b="0" i="0" u="none" strike="noStrike" cap="none" normalizeH="0" baseline="0" dirty="0" smtClean="0">
+                <a:ln>
+                  <a:noFill/>
+                </a:ln>
+                <a:solidFill>
+                  <a:srgbClr val="A9B7C6"/>
+                </a:solidFill>
+                <a:effectLst/>
+                <a:latin typeface="Courier New" panose="02070309020205020404" pitchFamily="49" charset="0"/>
+                <a:cs typeface="Courier New" panose="02070309020205020404" pitchFamily="49" charset="0"/>
+              </a:rPr>
+              <a:t>&amp; exception)</a:t>
+            </a:r>
+            <a:br>
+              <a:rPr kumimoji="0" lang="en-US" altLang="en-US" sz="1400" b="0" i="0" u="none" strike="noStrike" cap="none" normalizeH="0" baseline="0" dirty="0" smtClean="0">
+                <a:ln>
+                  <a:noFill/>
+                </a:ln>
+                <a:solidFill>
+                  <a:srgbClr val="A9B7C6"/>
+                </a:solidFill>
+                <a:effectLst/>
+                <a:latin typeface="Courier New" panose="02070309020205020404" pitchFamily="49" charset="0"/>
+                <a:cs typeface="Courier New" panose="02070309020205020404" pitchFamily="49" charset="0"/>
+              </a:rPr>
+            </a:br>
+            <a:r>
+              <a:rPr kumimoji="0" lang="en-US" altLang="en-US" sz="1400" b="0" i="0" u="none" strike="noStrike" cap="none" normalizeH="0" baseline="0" dirty="0" smtClean="0">
+                <a:ln>
+                  <a:noFill/>
+                </a:ln>
+                <a:solidFill>
+                  <a:srgbClr val="A9B7C6"/>
+                </a:solidFill>
+                <a:effectLst/>
+                <a:latin typeface="Courier New" panose="02070309020205020404" pitchFamily="49" charset="0"/>
+                <a:cs typeface="Courier New" panose="02070309020205020404" pitchFamily="49" charset="0"/>
+              </a:rPr>
+              <a:t>{</a:t>
+            </a:r>
+            <a:br>
+              <a:rPr kumimoji="0" lang="en-US" altLang="en-US" sz="1400" b="0" i="0" u="none" strike="noStrike" cap="none" normalizeH="0" baseline="0" dirty="0" smtClean="0">
+                <a:ln>
+                  <a:noFill/>
+                </a:ln>
+                <a:solidFill>
+                  <a:srgbClr val="A9B7C6"/>
+                </a:solidFill>
+                <a:effectLst/>
+                <a:latin typeface="Courier New" panose="02070309020205020404" pitchFamily="49" charset="0"/>
+                <a:cs typeface="Courier New" panose="02070309020205020404" pitchFamily="49" charset="0"/>
+              </a:rPr>
+            </a:br>
+            <a:r>
+              <a:rPr kumimoji="0" lang="en-US" altLang="en-US" sz="1400" b="0" i="0" u="none" strike="noStrike" cap="none" normalizeH="0" baseline="0" dirty="0" smtClean="0">
+                <a:ln>
+                  <a:noFill/>
+                </a:ln>
+                <a:solidFill>
+                  <a:srgbClr val="A9B7C6"/>
+                </a:solidFill>
+                <a:effectLst/>
+                <a:latin typeface="Courier New" panose="02070309020205020404" pitchFamily="49" charset="0"/>
+                <a:cs typeface="Courier New" panose="02070309020205020404" pitchFamily="49" charset="0"/>
+              </a:rPr>
+              <a:t>    </a:t>
+            </a:r>
+            <a:r>
+              <a:rPr kumimoji="0" lang="en-US" altLang="en-US" sz="1400" b="0" i="0" u="none" strike="noStrike" cap="none" normalizeH="0" baseline="0" dirty="0" smtClean="0">
+                <a:ln>
+                  <a:noFill/>
+                </a:ln>
+                <a:solidFill>
+                  <a:srgbClr val="908B25"/>
+                </a:solidFill>
+                <a:effectLst/>
+                <a:latin typeface="Courier New" panose="02070309020205020404" pitchFamily="49" charset="0"/>
+                <a:cs typeface="Courier New" panose="02070309020205020404" pitchFamily="49" charset="0"/>
+              </a:rPr>
+              <a:t>DEMO_LOG</a:t>
+            </a:r>
+            <a:r>
+              <a:rPr kumimoji="0" lang="en-US" altLang="en-US" sz="1400" b="0" i="0" u="none" strike="noStrike" cap="none" normalizeH="0" baseline="0" dirty="0" smtClean="0">
+                <a:ln>
+                  <a:noFill/>
+                </a:ln>
+                <a:solidFill>
+                  <a:srgbClr val="A9B7C6"/>
+                </a:solidFill>
+                <a:effectLst/>
+                <a:latin typeface="Courier New" panose="02070309020205020404" pitchFamily="49" charset="0"/>
+                <a:cs typeface="Courier New" panose="02070309020205020404" pitchFamily="49" charset="0"/>
+              </a:rPr>
+              <a:t>(</a:t>
+            </a:r>
+            <a:r>
+              <a:rPr kumimoji="0" lang="en-US" altLang="en-US" sz="1400" b="0" i="0" u="none" strike="noStrike" cap="none" normalizeH="0" baseline="0" dirty="0" smtClean="0">
+                <a:ln>
+                  <a:noFill/>
+                </a:ln>
+                <a:solidFill>
+                  <a:srgbClr val="6A8759"/>
+                </a:solidFill>
+                <a:effectLst/>
+                <a:latin typeface="Courier New" panose="02070309020205020404" pitchFamily="49" charset="0"/>
+                <a:cs typeface="Courier New" panose="02070309020205020404" pitchFamily="49" charset="0"/>
+              </a:rPr>
+              <a:t>"Exception is caught: %s</a:t>
+            </a:r>
+            <a:r>
+              <a:rPr kumimoji="0" lang="en-US" altLang="en-US" sz="1400" b="0" i="0" u="none" strike="noStrike" cap="none" normalizeH="0" baseline="0" dirty="0" smtClean="0">
+                <a:ln>
+                  <a:noFill/>
+                </a:ln>
+                <a:solidFill>
+                  <a:srgbClr val="CC7832"/>
+                </a:solidFill>
+                <a:effectLst/>
+                <a:latin typeface="Courier New" panose="02070309020205020404" pitchFamily="49" charset="0"/>
+                <a:cs typeface="Courier New" panose="02070309020205020404" pitchFamily="49" charset="0"/>
+              </a:rPr>
+              <a:t>\n</a:t>
+            </a:r>
+            <a:r>
+              <a:rPr kumimoji="0" lang="en-US" altLang="en-US" sz="1400" b="0" i="0" u="none" strike="noStrike" cap="none" normalizeH="0" baseline="0" dirty="0" smtClean="0">
+                <a:ln>
+                  <a:noFill/>
+                </a:ln>
+                <a:solidFill>
+                  <a:srgbClr val="6A8759"/>
+                </a:solidFill>
+                <a:effectLst/>
+                <a:latin typeface="Courier New" panose="02070309020205020404" pitchFamily="49" charset="0"/>
+                <a:cs typeface="Courier New" panose="02070309020205020404" pitchFamily="49" charset="0"/>
+              </a:rPr>
+              <a:t>"</a:t>
+            </a:r>
+            <a:r>
+              <a:rPr kumimoji="0" lang="en-US" altLang="en-US" sz="1400" b="0" i="0" u="none" strike="noStrike" cap="none" normalizeH="0" baseline="0" dirty="0" smtClean="0">
+                <a:ln>
+                  <a:noFill/>
+                </a:ln>
+                <a:solidFill>
+                  <a:srgbClr val="CC7832"/>
+                </a:solidFill>
+                <a:effectLst/>
+                <a:latin typeface="Courier New" panose="02070309020205020404" pitchFamily="49" charset="0"/>
+                <a:cs typeface="Courier New" panose="02070309020205020404" pitchFamily="49" charset="0"/>
+              </a:rPr>
+              <a:t>, </a:t>
+            </a:r>
+            <a:r>
+              <a:rPr kumimoji="0" lang="en-US" altLang="en-US" sz="1400" b="0" i="0" u="none" strike="noStrike" cap="none" normalizeH="0" baseline="0" dirty="0" err="1" smtClean="0">
+                <a:ln>
+                  <a:noFill/>
+                </a:ln>
+                <a:solidFill>
+                  <a:srgbClr val="A9B7C6"/>
+                </a:solidFill>
+                <a:effectLst/>
+                <a:latin typeface="Courier New" panose="02070309020205020404" pitchFamily="49" charset="0"/>
+                <a:cs typeface="Courier New" panose="02070309020205020404" pitchFamily="49" charset="0"/>
+              </a:rPr>
+              <a:t>exception.what</a:t>
+            </a:r>
+            <a:r>
+              <a:rPr kumimoji="0" lang="en-US" altLang="en-US" sz="1400" b="0" i="0" u="none" strike="noStrike" cap="none" normalizeH="0" baseline="0" dirty="0" smtClean="0">
+                <a:ln>
+                  <a:noFill/>
+                </a:ln>
+                <a:solidFill>
+                  <a:srgbClr val="A9B7C6"/>
+                </a:solidFill>
+                <a:effectLst/>
+                <a:latin typeface="Courier New" panose="02070309020205020404" pitchFamily="49" charset="0"/>
+                <a:cs typeface="Courier New" panose="02070309020205020404" pitchFamily="49" charset="0"/>
+              </a:rPr>
+              <a:t>())</a:t>
+            </a:r>
+            <a:r>
+              <a:rPr kumimoji="0" lang="en-US" altLang="en-US" sz="1400" b="0" i="0" u="none" strike="noStrike" cap="none" normalizeH="0" baseline="0" dirty="0" smtClean="0">
+                <a:ln>
+                  <a:noFill/>
+                </a:ln>
+                <a:solidFill>
+                  <a:srgbClr val="CC7832"/>
+                </a:solidFill>
+                <a:effectLst/>
+                <a:latin typeface="Courier New" panose="02070309020205020404" pitchFamily="49" charset="0"/>
+                <a:cs typeface="Courier New" panose="02070309020205020404" pitchFamily="49" charset="0"/>
+              </a:rPr>
+              <a:t>;</a:t>
+            </a:r>
+            <a:br>
+              <a:rPr kumimoji="0" lang="en-US" altLang="en-US" sz="1400" b="0" i="0" u="none" strike="noStrike" cap="none" normalizeH="0" baseline="0" dirty="0" smtClean="0">
+                <a:ln>
+                  <a:noFill/>
+                </a:ln>
+                <a:solidFill>
+                  <a:srgbClr val="CC7832"/>
+                </a:solidFill>
+                <a:effectLst/>
+                <a:latin typeface="Courier New" panose="02070309020205020404" pitchFamily="49" charset="0"/>
+                <a:cs typeface="Courier New" panose="02070309020205020404" pitchFamily="49" charset="0"/>
+              </a:rPr>
+            </a:br>
+            <a:r>
+              <a:rPr kumimoji="0" lang="en-US" altLang="en-US" sz="1400" b="0" i="0" u="none" strike="noStrike" cap="none" normalizeH="0" baseline="0" dirty="0" smtClean="0">
+                <a:ln>
+                  <a:noFill/>
+                </a:ln>
+                <a:solidFill>
+                  <a:srgbClr val="CC7832"/>
+                </a:solidFill>
+                <a:effectLst/>
+                <a:latin typeface="Courier New" panose="02070309020205020404" pitchFamily="49" charset="0"/>
+                <a:cs typeface="Courier New" panose="02070309020205020404" pitchFamily="49" charset="0"/>
+              </a:rPr>
+              <a:t>    </a:t>
+            </a:r>
+            <a:r>
+              <a:rPr kumimoji="0" lang="en-US" altLang="en-US" sz="1400" b="0" i="0" u="none" strike="noStrike" cap="none" normalizeH="0" baseline="0" dirty="0" err="1" smtClean="0">
+                <a:ln>
+                  <a:noFill/>
+                </a:ln>
+                <a:solidFill>
+                  <a:srgbClr val="B9BCD1"/>
+                </a:solidFill>
+                <a:effectLst/>
+                <a:latin typeface="Courier New" panose="02070309020205020404" pitchFamily="49" charset="0"/>
+                <a:cs typeface="Courier New" panose="02070309020205020404" pitchFamily="49" charset="0"/>
+              </a:rPr>
+              <a:t>jclass</a:t>
+            </a:r>
+            <a:r>
+              <a:rPr kumimoji="0" lang="en-US" altLang="en-US" sz="1400" b="0" i="0" u="none" strike="noStrike" cap="none" normalizeH="0" baseline="0" dirty="0" smtClean="0">
+                <a:ln>
+                  <a:noFill/>
+                </a:ln>
+                <a:solidFill>
+                  <a:srgbClr val="B9BCD1"/>
+                </a:solidFill>
+                <a:effectLst/>
+                <a:latin typeface="Courier New" panose="02070309020205020404" pitchFamily="49" charset="0"/>
+                <a:cs typeface="Courier New" panose="02070309020205020404" pitchFamily="49" charset="0"/>
+              </a:rPr>
+              <a:t> </a:t>
+            </a:r>
+            <a:r>
+              <a:rPr kumimoji="0" lang="en-US" altLang="en-US" sz="1400" b="0" i="0" u="none" strike="noStrike" cap="none" normalizeH="0" baseline="0" dirty="0" err="1" smtClean="0">
+                <a:ln>
+                  <a:noFill/>
+                </a:ln>
+                <a:solidFill>
+                  <a:srgbClr val="A9B7C6"/>
+                </a:solidFill>
+                <a:effectLst/>
+                <a:latin typeface="Courier New" panose="02070309020205020404" pitchFamily="49" charset="0"/>
+                <a:cs typeface="Courier New" panose="02070309020205020404" pitchFamily="49" charset="0"/>
+              </a:rPr>
+              <a:t>exClass</a:t>
+            </a:r>
+            <a:r>
+              <a:rPr kumimoji="0" lang="en-US" altLang="en-US" sz="1400" b="0" i="0" u="none" strike="noStrike" cap="none" normalizeH="0" baseline="0" dirty="0" smtClean="0">
+                <a:ln>
+                  <a:noFill/>
+                </a:ln>
+                <a:solidFill>
+                  <a:srgbClr val="A9B7C6"/>
+                </a:solidFill>
+                <a:effectLst/>
+                <a:latin typeface="Courier New" panose="02070309020205020404" pitchFamily="49" charset="0"/>
+                <a:cs typeface="Courier New" panose="02070309020205020404" pitchFamily="49" charset="0"/>
+              </a:rPr>
+              <a:t> = </a:t>
+            </a:r>
+            <a:r>
+              <a:rPr kumimoji="0" lang="en-US" altLang="en-US" sz="1400" b="0" i="0" u="none" strike="noStrike" cap="none" normalizeH="0" baseline="0" dirty="0" err="1" smtClean="0">
+                <a:ln>
+                  <a:noFill/>
+                </a:ln>
+                <a:solidFill>
+                  <a:srgbClr val="A9B7C6"/>
+                </a:solidFill>
+                <a:effectLst/>
+                <a:latin typeface="Courier New" panose="02070309020205020404" pitchFamily="49" charset="0"/>
+                <a:cs typeface="Courier New" panose="02070309020205020404" pitchFamily="49" charset="0"/>
+              </a:rPr>
+              <a:t>env</a:t>
+            </a:r>
+            <a:r>
+              <a:rPr kumimoji="0" lang="en-US" altLang="en-US" sz="1400" b="0" i="0" u="none" strike="noStrike" cap="none" normalizeH="0" baseline="0" dirty="0" smtClean="0">
+                <a:ln>
+                  <a:noFill/>
+                </a:ln>
+                <a:solidFill>
+                  <a:srgbClr val="A9B7C6"/>
+                </a:solidFill>
+                <a:effectLst/>
+                <a:latin typeface="Courier New" panose="02070309020205020404" pitchFamily="49" charset="0"/>
+                <a:cs typeface="Courier New" panose="02070309020205020404" pitchFamily="49" charset="0"/>
+              </a:rPr>
+              <a:t>-&gt;</a:t>
+            </a:r>
+            <a:r>
+              <a:rPr kumimoji="0" lang="en-US" altLang="en-US" sz="1400" b="0" i="0" u="none" strike="noStrike" cap="none" normalizeH="0" baseline="0" dirty="0" err="1" smtClean="0">
+                <a:ln>
+                  <a:noFill/>
+                </a:ln>
+                <a:solidFill>
+                  <a:srgbClr val="A9B7C6"/>
+                </a:solidFill>
+                <a:effectLst/>
+                <a:latin typeface="Courier New" panose="02070309020205020404" pitchFamily="49" charset="0"/>
+                <a:cs typeface="Courier New" panose="02070309020205020404" pitchFamily="49" charset="0"/>
+              </a:rPr>
+              <a:t>FindClass</a:t>
+            </a:r>
+            <a:r>
+              <a:rPr kumimoji="0" lang="en-US" altLang="en-US" sz="1400" b="0" i="0" u="none" strike="noStrike" cap="none" normalizeH="0" baseline="0" dirty="0" smtClean="0">
+                <a:ln>
+                  <a:noFill/>
+                </a:ln>
+                <a:solidFill>
+                  <a:srgbClr val="A9B7C6"/>
+                </a:solidFill>
+                <a:effectLst/>
+                <a:latin typeface="Courier New" panose="02070309020205020404" pitchFamily="49" charset="0"/>
+                <a:cs typeface="Courier New" panose="02070309020205020404" pitchFamily="49" charset="0"/>
+              </a:rPr>
+              <a:t>(</a:t>
+            </a:r>
+            <a:r>
+              <a:rPr kumimoji="0" lang="en-US" altLang="en-US" sz="1400" b="0" i="0" u="none" strike="noStrike" cap="none" normalizeH="0" baseline="0" dirty="0" smtClean="0">
+                <a:ln>
+                  <a:noFill/>
+                </a:ln>
+                <a:solidFill>
+                  <a:srgbClr val="6A8759"/>
+                </a:solidFill>
+                <a:effectLst/>
+                <a:latin typeface="Courier New" panose="02070309020205020404" pitchFamily="49" charset="0"/>
+                <a:cs typeface="Courier New" panose="02070309020205020404" pitchFamily="49" charset="0"/>
+              </a:rPr>
+              <a:t>"java/</a:t>
+            </a:r>
+            <a:r>
+              <a:rPr kumimoji="0" lang="en-US" altLang="en-US" sz="1400" b="0" i="0" u="none" strike="noStrike" cap="none" normalizeH="0" baseline="0" dirty="0" err="1" smtClean="0">
+                <a:ln>
+                  <a:noFill/>
+                </a:ln>
+                <a:solidFill>
+                  <a:srgbClr val="6A8759"/>
+                </a:solidFill>
+                <a:effectLst/>
+                <a:latin typeface="Courier New" panose="02070309020205020404" pitchFamily="49" charset="0"/>
+                <a:cs typeface="Courier New" panose="02070309020205020404" pitchFamily="49" charset="0"/>
+              </a:rPr>
+              <a:t>lang</a:t>
+            </a:r>
+            <a:r>
+              <a:rPr kumimoji="0" lang="en-US" altLang="en-US" sz="1400" b="0" i="0" u="none" strike="noStrike" cap="none" normalizeH="0" baseline="0" dirty="0" smtClean="0">
+                <a:ln>
+                  <a:noFill/>
+                </a:ln>
+                <a:solidFill>
+                  <a:srgbClr val="6A8759"/>
+                </a:solidFill>
+                <a:effectLst/>
+                <a:latin typeface="Courier New" panose="02070309020205020404" pitchFamily="49" charset="0"/>
+                <a:cs typeface="Courier New" panose="02070309020205020404" pitchFamily="49" charset="0"/>
+              </a:rPr>
+              <a:t>/</a:t>
+            </a:r>
+            <a:r>
+              <a:rPr kumimoji="0" lang="en-US" altLang="en-US" sz="1400" b="0" i="0" u="none" strike="noStrike" cap="none" normalizeH="0" baseline="0" dirty="0" err="1" smtClean="0">
+                <a:ln>
+                  <a:noFill/>
+                </a:ln>
+                <a:solidFill>
+                  <a:srgbClr val="6A8759"/>
+                </a:solidFill>
+                <a:effectLst/>
+                <a:latin typeface="Courier New" panose="02070309020205020404" pitchFamily="49" charset="0"/>
+                <a:cs typeface="Courier New" panose="02070309020205020404" pitchFamily="49" charset="0"/>
+              </a:rPr>
+              <a:t>IllegalArgumentException</a:t>
+            </a:r>
+            <a:r>
+              <a:rPr kumimoji="0" lang="en-US" altLang="en-US" sz="1400" b="0" i="0" u="none" strike="noStrike" cap="none" normalizeH="0" baseline="0" dirty="0" smtClean="0">
+                <a:ln>
+                  <a:noFill/>
+                </a:ln>
+                <a:solidFill>
+                  <a:srgbClr val="6A8759"/>
+                </a:solidFill>
+                <a:effectLst/>
+                <a:latin typeface="Courier New" panose="02070309020205020404" pitchFamily="49" charset="0"/>
+                <a:cs typeface="Courier New" panose="02070309020205020404" pitchFamily="49" charset="0"/>
+              </a:rPr>
+              <a:t>"</a:t>
+            </a:r>
+            <a:r>
+              <a:rPr kumimoji="0" lang="en-US" altLang="en-US" sz="1400" b="0" i="0" u="none" strike="noStrike" cap="none" normalizeH="0" baseline="0" dirty="0" smtClean="0">
+                <a:ln>
+                  <a:noFill/>
+                </a:ln>
+                <a:solidFill>
+                  <a:srgbClr val="A9B7C6"/>
+                </a:solidFill>
+                <a:effectLst/>
+                <a:latin typeface="Courier New" panose="02070309020205020404" pitchFamily="49" charset="0"/>
+                <a:cs typeface="Courier New" panose="02070309020205020404" pitchFamily="49" charset="0"/>
+              </a:rPr>
+              <a:t>)</a:t>
+            </a:r>
+            <a:r>
+              <a:rPr kumimoji="0" lang="en-US" altLang="en-US" sz="1400" b="0" i="0" u="none" strike="noStrike" cap="none" normalizeH="0" baseline="0" dirty="0" smtClean="0">
+                <a:ln>
+                  <a:noFill/>
+                </a:ln>
+                <a:solidFill>
+                  <a:srgbClr val="CC7832"/>
+                </a:solidFill>
+                <a:effectLst/>
+                <a:latin typeface="Courier New" panose="02070309020205020404" pitchFamily="49" charset="0"/>
+                <a:cs typeface="Courier New" panose="02070309020205020404" pitchFamily="49" charset="0"/>
+              </a:rPr>
+              <a:t>;</a:t>
+            </a:r>
+            <a:br>
+              <a:rPr kumimoji="0" lang="en-US" altLang="en-US" sz="1400" b="0" i="0" u="none" strike="noStrike" cap="none" normalizeH="0" baseline="0" dirty="0" smtClean="0">
+                <a:ln>
+                  <a:noFill/>
+                </a:ln>
+                <a:solidFill>
+                  <a:srgbClr val="CC7832"/>
+                </a:solidFill>
+                <a:effectLst/>
+                <a:latin typeface="Courier New" panose="02070309020205020404" pitchFamily="49" charset="0"/>
+                <a:cs typeface="Courier New" panose="02070309020205020404" pitchFamily="49" charset="0"/>
+              </a:rPr>
+            </a:br>
+            <a:r>
+              <a:rPr kumimoji="0" lang="en-US" altLang="en-US" sz="1400" b="0" i="0" u="none" strike="noStrike" cap="none" normalizeH="0" baseline="0" dirty="0" smtClean="0">
+                <a:ln>
+                  <a:noFill/>
+                </a:ln>
+                <a:solidFill>
+                  <a:srgbClr val="CC7832"/>
+                </a:solidFill>
+                <a:effectLst/>
+                <a:latin typeface="Courier New" panose="02070309020205020404" pitchFamily="49" charset="0"/>
+                <a:cs typeface="Courier New" panose="02070309020205020404" pitchFamily="49" charset="0"/>
+              </a:rPr>
+              <a:t>    </a:t>
+            </a:r>
+            <a:r>
+              <a:rPr kumimoji="0" lang="en-US" altLang="en-US" sz="1400" b="0" i="0" u="none" strike="noStrike" cap="none" normalizeH="0" baseline="0" dirty="0" err="1" smtClean="0">
+                <a:ln>
+                  <a:noFill/>
+                </a:ln>
+                <a:solidFill>
+                  <a:srgbClr val="A9B7C6"/>
+                </a:solidFill>
+                <a:effectLst/>
+                <a:latin typeface="Courier New" panose="02070309020205020404" pitchFamily="49" charset="0"/>
+                <a:cs typeface="Courier New" panose="02070309020205020404" pitchFamily="49" charset="0"/>
+              </a:rPr>
+              <a:t>env</a:t>
+            </a:r>
+            <a:r>
+              <a:rPr kumimoji="0" lang="en-US" altLang="en-US" sz="1400" b="0" i="0" u="none" strike="noStrike" cap="none" normalizeH="0" baseline="0" dirty="0" smtClean="0">
+                <a:ln>
+                  <a:noFill/>
+                </a:ln>
+                <a:solidFill>
+                  <a:srgbClr val="A9B7C6"/>
+                </a:solidFill>
+                <a:effectLst/>
+                <a:latin typeface="Courier New" panose="02070309020205020404" pitchFamily="49" charset="0"/>
+                <a:cs typeface="Courier New" panose="02070309020205020404" pitchFamily="49" charset="0"/>
+              </a:rPr>
+              <a:t>-&gt;</a:t>
+            </a:r>
+            <a:r>
+              <a:rPr kumimoji="0" lang="en-US" altLang="en-US" sz="1600" b="1" i="0" u="none" strike="noStrike" cap="none" normalizeH="0" baseline="0" dirty="0" err="1" smtClean="0">
+                <a:ln>
+                  <a:noFill/>
+                </a:ln>
+                <a:solidFill>
+                  <a:srgbClr val="FF0000"/>
+                </a:solidFill>
+                <a:effectLst/>
+                <a:latin typeface="Courier New" panose="02070309020205020404" pitchFamily="49" charset="0"/>
+                <a:cs typeface="Courier New" panose="02070309020205020404" pitchFamily="49" charset="0"/>
+              </a:rPr>
+              <a:t>ThrowNew</a:t>
+            </a:r>
+            <a:r>
+              <a:rPr kumimoji="0" lang="en-US" altLang="en-US" sz="1400" b="0" i="0" u="none" strike="noStrike" cap="none" normalizeH="0" baseline="0" dirty="0" smtClean="0">
+                <a:ln>
+                  <a:noFill/>
+                </a:ln>
+                <a:solidFill>
+                  <a:srgbClr val="A9B7C6"/>
+                </a:solidFill>
+                <a:effectLst/>
+                <a:latin typeface="Courier New" panose="02070309020205020404" pitchFamily="49" charset="0"/>
+                <a:cs typeface="Courier New" panose="02070309020205020404" pitchFamily="49" charset="0"/>
+              </a:rPr>
+              <a:t>(</a:t>
+            </a:r>
+            <a:r>
+              <a:rPr kumimoji="0" lang="en-US" altLang="en-US" sz="1400" b="0" i="0" u="none" strike="noStrike" cap="none" normalizeH="0" baseline="0" dirty="0" err="1" smtClean="0">
+                <a:ln>
+                  <a:noFill/>
+                </a:ln>
+                <a:solidFill>
+                  <a:srgbClr val="A9B7C6"/>
+                </a:solidFill>
+                <a:effectLst/>
+                <a:latin typeface="Courier New" panose="02070309020205020404" pitchFamily="49" charset="0"/>
+                <a:cs typeface="Courier New" panose="02070309020205020404" pitchFamily="49" charset="0"/>
+              </a:rPr>
+              <a:t>exClass</a:t>
+            </a:r>
+            <a:r>
+              <a:rPr kumimoji="0" lang="en-US" altLang="en-US" sz="1400" b="0" i="0" u="none" strike="noStrike" cap="none" normalizeH="0" baseline="0" dirty="0" smtClean="0">
+                <a:ln>
+                  <a:noFill/>
+                </a:ln>
+                <a:solidFill>
+                  <a:srgbClr val="CC7832"/>
+                </a:solidFill>
+                <a:effectLst/>
+                <a:latin typeface="Courier New" panose="02070309020205020404" pitchFamily="49" charset="0"/>
+                <a:cs typeface="Courier New" panose="02070309020205020404" pitchFamily="49" charset="0"/>
+              </a:rPr>
+              <a:t>, </a:t>
+            </a:r>
+            <a:r>
+              <a:rPr kumimoji="0" lang="en-US" altLang="en-US" sz="1400" b="0" i="0" u="none" strike="noStrike" cap="none" normalizeH="0" baseline="0" dirty="0" err="1" smtClean="0">
+                <a:ln>
+                  <a:noFill/>
+                </a:ln>
+                <a:solidFill>
+                  <a:srgbClr val="A9B7C6"/>
+                </a:solidFill>
+                <a:effectLst/>
+                <a:latin typeface="Courier New" panose="02070309020205020404" pitchFamily="49" charset="0"/>
+                <a:cs typeface="Courier New" panose="02070309020205020404" pitchFamily="49" charset="0"/>
+              </a:rPr>
+              <a:t>exception.what</a:t>
+            </a:r>
+            <a:r>
+              <a:rPr kumimoji="0" lang="en-US" altLang="en-US" sz="1400" b="0" i="0" u="none" strike="noStrike" cap="none" normalizeH="0" baseline="0" dirty="0" smtClean="0">
+                <a:ln>
+                  <a:noFill/>
+                </a:ln>
+                <a:solidFill>
+                  <a:srgbClr val="A9B7C6"/>
+                </a:solidFill>
+                <a:effectLst/>
+                <a:latin typeface="Courier New" panose="02070309020205020404" pitchFamily="49" charset="0"/>
+                <a:cs typeface="Courier New" panose="02070309020205020404" pitchFamily="49" charset="0"/>
+              </a:rPr>
+              <a:t>())</a:t>
+            </a:r>
+            <a:r>
+              <a:rPr kumimoji="0" lang="en-US" altLang="en-US" sz="1400" b="0" i="0" u="none" strike="noStrike" cap="none" normalizeH="0" baseline="0" dirty="0" smtClean="0">
+                <a:ln>
+                  <a:noFill/>
+                </a:ln>
+                <a:solidFill>
+                  <a:srgbClr val="CC7832"/>
+                </a:solidFill>
+                <a:effectLst/>
+                <a:latin typeface="Courier New" panose="02070309020205020404" pitchFamily="49" charset="0"/>
+                <a:cs typeface="Courier New" panose="02070309020205020404" pitchFamily="49" charset="0"/>
+              </a:rPr>
+              <a:t>;</a:t>
+            </a:r>
+            <a:br>
+              <a:rPr kumimoji="0" lang="en-US" altLang="en-US" sz="1400" b="0" i="0" u="none" strike="noStrike" cap="none" normalizeH="0" baseline="0" dirty="0" smtClean="0">
+                <a:ln>
+                  <a:noFill/>
+                </a:ln>
+                <a:solidFill>
+                  <a:srgbClr val="CC7832"/>
+                </a:solidFill>
+                <a:effectLst/>
+                <a:latin typeface="Courier New" panose="02070309020205020404" pitchFamily="49" charset="0"/>
+                <a:cs typeface="Courier New" panose="02070309020205020404" pitchFamily="49" charset="0"/>
+              </a:rPr>
+            </a:br>
+            <a:r>
+              <a:rPr kumimoji="0" lang="en-US" altLang="en-US" sz="1400" b="0" i="0" u="none" strike="noStrike" cap="none" normalizeH="0" baseline="0" dirty="0" smtClean="0">
+                <a:ln>
+                  <a:noFill/>
+                </a:ln>
+                <a:solidFill>
+                  <a:srgbClr val="A9B7C6"/>
+                </a:solidFill>
+                <a:effectLst/>
+                <a:latin typeface="Courier New" panose="02070309020205020404" pitchFamily="49" charset="0"/>
+                <a:cs typeface="Courier New" panose="02070309020205020404" pitchFamily="49" charset="0"/>
+              </a:rPr>
+              <a:t>}</a:t>
+            </a:r>
+            <a:endParaRPr kumimoji="0" lang="en-US" altLang="en-US" sz="1400" b="0" i="0" u="none" strike="noStrike" cap="none" normalizeH="0" baseline="0" dirty="0" smtClean="0">
+              <a:ln>
+                <a:noFill/>
+              </a:ln>
+              <a:solidFill>
+                <a:schemeClr val="tx1"/>
+              </a:solidFill>
               <a:effectLst/>
               <a:latin typeface="Arial" panose="020B0604020202020204" pitchFamily="34" charset="0"/>
             </a:endParaRPr>
@@ -12879,9 +16236,349 @@
   <p:timing>
     <p:tnLst>
       <p:par>
-        <p:cTn id="1" dur="indefinite" restart="never" nodeType="tmRoot"/>
+        <p:cTn id="1" dur="indefinite" restart="never" nodeType="tmRoot">
+          <p:childTnLst>
+            <p:seq concurrent="1" nextAc="seek">
+              <p:cTn id="2" dur="indefinite" nodeType="mainSeq">
+                <p:childTnLst>
+                  <p:par>
+                    <p:cTn id="3" fill="hold">
+                      <p:stCondLst>
+                        <p:cond delay="indefinite"/>
+                      </p:stCondLst>
+                      <p:childTnLst>
+                        <p:par>
+                          <p:cTn id="4" fill="hold">
+                            <p:stCondLst>
+                              <p:cond delay="0"/>
+                            </p:stCondLst>
+                            <p:childTnLst>
+                              <p:par>
+                                <p:cTn id="5" presetID="1" presetClass="entr" presetSubtype="0" fill="hold" grpId="0" nodeType="clickEffect">
+                                  <p:stCondLst>
+                                    <p:cond delay="0"/>
+                                  </p:stCondLst>
+                                  <p:childTnLst>
+                                    <p:set>
+                                      <p:cBhvr>
+                                        <p:cTn id="6" dur="1" fill="hold">
+                                          <p:stCondLst>
+                                            <p:cond delay="0"/>
+                                          </p:stCondLst>
+                                        </p:cTn>
+                                        <p:tgtEl>
+                                          <p:spTgt spid="3">
+                                            <p:txEl>
+                                              <p:pRg st="0" end="0"/>
+                                            </p:txEl>
+                                          </p:spTgt>
+                                        </p:tgtEl>
+                                        <p:attrNameLst>
+                                          <p:attrName>style.visibility</p:attrName>
+                                        </p:attrNameLst>
+                                      </p:cBhvr>
+                                      <p:to>
+                                        <p:strVal val="visible"/>
+                                      </p:to>
+                                    </p:set>
+                                  </p:childTnLst>
+                                </p:cTn>
+                              </p:par>
+                              <p:par>
+                                <p:cTn id="7" presetID="1" presetClass="entr" presetSubtype="0" fill="hold" grpId="0" nodeType="withEffect">
+                                  <p:stCondLst>
+                                    <p:cond delay="0"/>
+                                  </p:stCondLst>
+                                  <p:childTnLst>
+                                    <p:set>
+                                      <p:cBhvr>
+                                        <p:cTn id="8" dur="1" fill="hold">
+                                          <p:stCondLst>
+                                            <p:cond delay="0"/>
+                                          </p:stCondLst>
+                                        </p:cTn>
+                                        <p:tgtEl>
+                                          <p:spTgt spid="3">
+                                            <p:txEl>
+                                              <p:pRg st="1" end="1"/>
+                                            </p:txEl>
+                                          </p:spTgt>
+                                        </p:tgtEl>
+                                        <p:attrNameLst>
+                                          <p:attrName>style.visibility</p:attrName>
+                                        </p:attrNameLst>
+                                      </p:cBhvr>
+                                      <p:to>
+                                        <p:strVal val="visible"/>
+                                      </p:to>
+                                    </p:set>
+                                  </p:childTnLst>
+                                </p:cTn>
+                              </p:par>
+                              <p:par>
+                                <p:cTn id="9" presetID="1" presetClass="entr" presetSubtype="0" fill="hold" grpId="0" nodeType="withEffect">
+                                  <p:stCondLst>
+                                    <p:cond delay="0"/>
+                                  </p:stCondLst>
+                                  <p:childTnLst>
+                                    <p:set>
+                                      <p:cBhvr>
+                                        <p:cTn id="10" dur="1" fill="hold">
+                                          <p:stCondLst>
+                                            <p:cond delay="0"/>
+                                          </p:stCondLst>
+                                        </p:cTn>
+                                        <p:tgtEl>
+                                          <p:spTgt spid="3">
+                                            <p:txEl>
+                                              <p:pRg st="2" end="2"/>
+                                            </p:txEl>
+                                          </p:spTgt>
+                                        </p:tgtEl>
+                                        <p:attrNameLst>
+                                          <p:attrName>style.visibility</p:attrName>
+                                        </p:attrNameLst>
+                                      </p:cBhvr>
+                                      <p:to>
+                                        <p:strVal val="visible"/>
+                                      </p:to>
+                                    </p:set>
+                                  </p:childTnLst>
+                                </p:cTn>
+                              </p:par>
+                            </p:childTnLst>
+                          </p:cTn>
+                        </p:par>
+                      </p:childTnLst>
+                    </p:cTn>
+                  </p:par>
+                  <p:par>
+                    <p:cTn id="11" fill="hold">
+                      <p:stCondLst>
+                        <p:cond delay="indefinite"/>
+                      </p:stCondLst>
+                      <p:childTnLst>
+                        <p:par>
+                          <p:cTn id="12" fill="hold">
+                            <p:stCondLst>
+                              <p:cond delay="0"/>
+                            </p:stCondLst>
+                            <p:childTnLst>
+                              <p:par>
+                                <p:cTn id="13" presetID="1" presetClass="entr" presetSubtype="0" fill="hold" grpId="0" nodeType="clickEffect">
+                                  <p:stCondLst>
+                                    <p:cond delay="0"/>
+                                  </p:stCondLst>
+                                  <p:childTnLst>
+                                    <p:set>
+                                      <p:cBhvr>
+                                        <p:cTn id="14" dur="1" fill="hold">
+                                          <p:stCondLst>
+                                            <p:cond delay="0"/>
+                                          </p:stCondLst>
+                                        </p:cTn>
+                                        <p:tgtEl>
+                                          <p:spTgt spid="7"/>
+                                        </p:tgtEl>
+                                        <p:attrNameLst>
+                                          <p:attrName>style.visibility</p:attrName>
+                                        </p:attrNameLst>
+                                      </p:cBhvr>
+                                      <p:to>
+                                        <p:strVal val="visible"/>
+                                      </p:to>
+                                    </p:set>
+                                  </p:childTnLst>
+                                </p:cTn>
+                              </p:par>
+                            </p:childTnLst>
+                          </p:cTn>
+                        </p:par>
+                      </p:childTnLst>
+                    </p:cTn>
+                  </p:par>
+                  <p:par>
+                    <p:cTn id="15" fill="hold">
+                      <p:stCondLst>
+                        <p:cond delay="indefinite"/>
+                      </p:stCondLst>
+                      <p:childTnLst>
+                        <p:par>
+                          <p:cTn id="16" fill="hold">
+                            <p:stCondLst>
+                              <p:cond delay="0"/>
+                            </p:stCondLst>
+                            <p:childTnLst>
+                              <p:par>
+                                <p:cTn id="17" presetID="1" presetClass="entr" presetSubtype="0" fill="hold" grpId="0" nodeType="clickEffect">
+                                  <p:stCondLst>
+                                    <p:cond delay="0"/>
+                                  </p:stCondLst>
+                                  <p:childTnLst>
+                                    <p:set>
+                                      <p:cBhvr>
+                                        <p:cTn id="18" dur="1" fill="hold">
+                                          <p:stCondLst>
+                                            <p:cond delay="0"/>
+                                          </p:stCondLst>
+                                        </p:cTn>
+                                        <p:tgtEl>
+                                          <p:spTgt spid="3">
+                                            <p:txEl>
+                                              <p:pRg st="5" end="5"/>
+                                            </p:txEl>
+                                          </p:spTgt>
+                                        </p:tgtEl>
+                                        <p:attrNameLst>
+                                          <p:attrName>style.visibility</p:attrName>
+                                        </p:attrNameLst>
+                                      </p:cBhvr>
+                                      <p:to>
+                                        <p:strVal val="visible"/>
+                                      </p:to>
+                                    </p:set>
+                                  </p:childTnLst>
+                                </p:cTn>
+                              </p:par>
+                              <p:par>
+                                <p:cTn id="19" presetID="1" presetClass="entr" presetSubtype="0" fill="hold" grpId="0" nodeType="withEffect">
+                                  <p:stCondLst>
+                                    <p:cond delay="0"/>
+                                  </p:stCondLst>
+                                  <p:childTnLst>
+                                    <p:set>
+                                      <p:cBhvr>
+                                        <p:cTn id="20" dur="1" fill="hold">
+                                          <p:stCondLst>
+                                            <p:cond delay="0"/>
+                                          </p:stCondLst>
+                                        </p:cTn>
+                                        <p:tgtEl>
+                                          <p:spTgt spid="3">
+                                            <p:txEl>
+                                              <p:pRg st="6" end="6"/>
+                                            </p:txEl>
+                                          </p:spTgt>
+                                        </p:tgtEl>
+                                        <p:attrNameLst>
+                                          <p:attrName>style.visibility</p:attrName>
+                                        </p:attrNameLst>
+                                      </p:cBhvr>
+                                      <p:to>
+                                        <p:strVal val="visible"/>
+                                      </p:to>
+                                    </p:set>
+                                  </p:childTnLst>
+                                </p:cTn>
+                              </p:par>
+                              <p:par>
+                                <p:cTn id="21" presetID="1" presetClass="entr" presetSubtype="0" fill="hold" grpId="0" nodeType="withEffect">
+                                  <p:stCondLst>
+                                    <p:cond delay="0"/>
+                                  </p:stCondLst>
+                                  <p:childTnLst>
+                                    <p:set>
+                                      <p:cBhvr>
+                                        <p:cTn id="22" dur="1" fill="hold">
+                                          <p:stCondLst>
+                                            <p:cond delay="0"/>
+                                          </p:stCondLst>
+                                        </p:cTn>
+                                        <p:tgtEl>
+                                          <p:spTgt spid="3">
+                                            <p:txEl>
+                                              <p:pRg st="7" end="7"/>
+                                            </p:txEl>
+                                          </p:spTgt>
+                                        </p:tgtEl>
+                                        <p:attrNameLst>
+                                          <p:attrName>style.visibility</p:attrName>
+                                        </p:attrNameLst>
+                                      </p:cBhvr>
+                                      <p:to>
+                                        <p:strVal val="visible"/>
+                                      </p:to>
+                                    </p:set>
+                                  </p:childTnLst>
+                                </p:cTn>
+                              </p:par>
+                            </p:childTnLst>
+                          </p:cTn>
+                        </p:par>
+                      </p:childTnLst>
+                    </p:cTn>
+                  </p:par>
+                  <p:par>
+                    <p:cTn id="23" fill="hold">
+                      <p:stCondLst>
+                        <p:cond delay="indefinite"/>
+                      </p:stCondLst>
+                      <p:childTnLst>
+                        <p:par>
+                          <p:cTn id="24" fill="hold">
+                            <p:stCondLst>
+                              <p:cond delay="0"/>
+                            </p:stCondLst>
+                            <p:childTnLst>
+                              <p:par>
+                                <p:cTn id="25" presetID="1" presetClass="entr" presetSubtype="0" fill="hold" grpId="0" nodeType="clickEffect">
+                                  <p:stCondLst>
+                                    <p:cond delay="0"/>
+                                  </p:stCondLst>
+                                  <p:childTnLst>
+                                    <p:set>
+                                      <p:cBhvr>
+                                        <p:cTn id="26" dur="1" fill="hold">
+                                          <p:stCondLst>
+                                            <p:cond delay="0"/>
+                                          </p:stCondLst>
+                                        </p:cTn>
+                                        <p:tgtEl>
+                                          <p:spTgt spid="6"/>
+                                        </p:tgtEl>
+                                        <p:attrNameLst>
+                                          <p:attrName>style.visibility</p:attrName>
+                                        </p:attrNameLst>
+                                      </p:cBhvr>
+                                      <p:to>
+                                        <p:strVal val="visible"/>
+                                      </p:to>
+                                    </p:set>
+                                  </p:childTnLst>
+                                </p:cTn>
+                              </p:par>
+                            </p:childTnLst>
+                          </p:cTn>
+                        </p:par>
+                      </p:childTnLst>
+                    </p:cTn>
+                  </p:par>
+                </p:childTnLst>
+              </p:cTn>
+              <p:prevCondLst>
+                <p:cond evt="onPrev" delay="0">
+                  <p:tgtEl>
+                    <p:sldTgt/>
+                  </p:tgtEl>
+                </p:cond>
+              </p:prevCondLst>
+              <p:nextCondLst>
+                <p:cond evt="onNext" delay="0">
+                  <p:tgtEl>
+                    <p:sldTgt/>
+                  </p:tgtEl>
+                </p:cond>
+              </p:nextCondLst>
+            </p:seq>
+          </p:childTnLst>
+        </p:cTn>
       </p:par>
     </p:tnLst>
+    <p:bldLst>
+      <p:bldP spid="3" grpId="0" uiExpand="1" build="p"/>
+      <p:bldP spid="7" grpId="0" animBg="1"/>
+      <p:bldP spid="6" grpId="0" animBg="1"/>
+    </p:bldLst>
   </p:timing>
 </p:sld>
 </file>
@@ -13483,52 +17180,9 @@
           <a:chExt cx="0" cy="0"/>
         </a:xfrm>
       </p:grpSpPr>
-      <p:sp>
-        <p:nvSpPr>
-          <p:cNvPr id="2" name="Title 1"/>
-          <p:cNvSpPr>
-            <a:spLocks noGrp="1"/>
-          </p:cNvSpPr>
-          <p:nvPr>
-            <p:ph type="title"/>
-          </p:nvPr>
-        </p:nvSpPr>
-        <p:spPr/>
-        <p:txBody>
-          <a:bodyPr/>
-          <a:lstStyle/>
-          <a:p>
-            <a:pPr algn="ctr"/>
-            <a:r>
-              <a:rPr lang="en-US" dirty="0" smtClean="0"/>
-              <a:t>Crash handling</a:t>
-            </a:r>
-            <a:endParaRPr lang="en-US" dirty="0"/>
-          </a:p>
-        </p:txBody>
-      </p:sp>
-      <p:sp>
-        <p:nvSpPr>
-          <p:cNvPr id="3" name="Content Placeholder 2"/>
-          <p:cNvSpPr>
-            <a:spLocks noGrp="1"/>
-          </p:cNvSpPr>
-          <p:nvPr>
-            <p:ph idx="1"/>
-          </p:nvPr>
-        </p:nvSpPr>
-        <p:spPr/>
-        <p:txBody>
-          <a:bodyPr/>
-          <a:lstStyle/>
-          <a:p>
-            <a:endParaRPr lang="en-US" dirty="0"/>
-          </a:p>
-        </p:txBody>
-      </p:sp>
       <p:pic>
         <p:nvPicPr>
-          <p:cNvPr id="6" name="Picture 5"/>
+          <p:cNvPr id="13" name="Picture 12"/>
           <p:cNvPicPr>
             <a:picLocks noChangeAspect="1"/>
           </p:cNvPicPr>
@@ -13548,8 +17202,8 @@
         </p:blipFill>
         <p:spPr>
           <a:xfrm>
-            <a:off x="0" y="1825625"/>
-            <a:ext cx="12192000" cy="4523841"/>
+            <a:off x="0" y="1888726"/>
+            <a:ext cx="12192000" cy="3755923"/>
           </a:xfrm>
           <a:prstGeom prst="rect">
             <a:avLst/>
@@ -13558,14 +17212,38 @@
       </p:pic>
       <p:sp>
         <p:nvSpPr>
+          <p:cNvPr id="2" name="Title 1"/>
+          <p:cNvSpPr>
+            <a:spLocks noGrp="1"/>
+          </p:cNvSpPr>
+          <p:nvPr>
+            <p:ph type="title"/>
+          </p:nvPr>
+        </p:nvSpPr>
+        <p:spPr/>
+        <p:txBody>
+          <a:bodyPr/>
+          <a:lstStyle/>
+          <a:p>
+            <a:pPr algn="ctr"/>
+            <a:r>
+              <a:rPr lang="en-US" dirty="0" smtClean="0"/>
+              <a:t>Crash handling</a:t>
+            </a:r>
+            <a:endParaRPr lang="en-US" dirty="0"/>
+          </a:p>
+        </p:txBody>
+      </p:sp>
+      <p:sp>
+        <p:nvSpPr>
           <p:cNvPr id="7" name="Rectangle 6"/>
           <p:cNvSpPr/>
           <p:nvPr/>
         </p:nvSpPr>
         <p:spPr>
           <a:xfrm>
-            <a:off x="391886" y="3883231"/>
-            <a:ext cx="1401288" cy="2466235"/>
+            <a:off x="277906" y="3792883"/>
+            <a:ext cx="1174376" cy="1684551"/>
           </a:xfrm>
           <a:prstGeom prst="rect">
             <a:avLst/>
@@ -13610,8 +17288,8 @@
         </p:nvSpPr>
         <p:spPr>
           <a:xfrm>
-            <a:off x="1876301" y="3883230"/>
-            <a:ext cx="10200904" cy="2466235"/>
+            <a:off x="1472418" y="3771012"/>
+            <a:ext cx="10647863" cy="1697461"/>
           </a:xfrm>
           <a:prstGeom prst="rect">
             <a:avLst/>
@@ -13656,8 +17334,8 @@
         </p:nvSpPr>
         <p:spPr>
           <a:xfrm>
-            <a:off x="391886" y="2945081"/>
-            <a:ext cx="5723906" cy="765646"/>
+            <a:off x="0" y="2967317"/>
+            <a:ext cx="4948518" cy="654424"/>
           </a:xfrm>
           <a:prstGeom prst="rect">
             <a:avLst/>
@@ -13702,8 +17380,8 @@
         </p:nvSpPr>
         <p:spPr>
           <a:xfrm>
-            <a:off x="0" y="1825625"/>
-            <a:ext cx="7742712" cy="1119455"/>
+            <a:off x="20136" y="2030505"/>
+            <a:ext cx="6075863" cy="900953"/>
           </a:xfrm>
           <a:prstGeom prst="rect">
             <a:avLst/>
@@ -13816,7 +17494,7 @@
                             </p:stCondLst>
                             <p:childTnLst>
                               <p:par>
-                                <p:cTn id="9" presetID="1" presetClass="entr" presetSubtype="0" fill="hold" grpId="0" nodeType="clickEffect">
+                                <p:cTn id="9" presetID="1" presetClass="exit" presetSubtype="0" fill="hold" grpId="1" nodeType="clickEffect">
                                   <p:stCondLst>
                                     <p:cond delay="0"/>
                                   </p:stCondLst>
@@ -13824,6 +17502,33 @@
                                     <p:set>
                                       <p:cBhvr>
                                         <p:cTn id="10" dur="1" fill="hold">
+                                          <p:stCondLst>
+                                            <p:cond delay="0"/>
+                                          </p:stCondLst>
+                                        </p:cTn>
+                                        <p:tgtEl>
+                                          <p:spTgt spid="10"/>
+                                        </p:tgtEl>
+                                        <p:attrNameLst>
+                                          <p:attrName>style.visibility</p:attrName>
+                                        </p:attrNameLst>
+                                      </p:cBhvr>
+                                      <p:to>
+                                        <p:strVal val="hidden"/>
+                                      </p:to>
+                                    </p:set>
+                                  </p:childTnLst>
+                                </p:cTn>
+                              </p:par>
+                              <p:par>
+                                <p:cTn id="11" presetID="1" presetClass="entr" presetSubtype="0" fill="hold" grpId="0" nodeType="withEffect">
+                                  <p:stCondLst>
+                                    <p:cond delay="0"/>
+                                  </p:stCondLst>
+                                  <p:childTnLst>
+                                    <p:set>
+                                      <p:cBhvr>
+                                        <p:cTn id="12" dur="1" fill="hold">
                                           <p:stCondLst>
                                             <p:cond delay="0"/>
                                           </p:stCondLst>
@@ -13849,26 +17554,53 @@
                     </p:cTn>
                   </p:par>
                   <p:par>
-                    <p:cTn id="11" fill="hold">
+                    <p:cTn id="13" fill="hold">
                       <p:stCondLst>
                         <p:cond delay="indefinite"/>
                       </p:stCondLst>
                       <p:childTnLst>
                         <p:par>
-                          <p:cTn id="12" fill="hold">
+                          <p:cTn id="14" fill="hold">
                             <p:stCondLst>
                               <p:cond delay="0"/>
                             </p:stCondLst>
                             <p:childTnLst>
                               <p:par>
-                                <p:cTn id="13" presetID="1" presetClass="entr" presetSubtype="0" fill="hold" grpId="0" nodeType="clickEffect">
+                                <p:cTn id="15" presetID="1" presetClass="exit" presetSubtype="0" fill="hold" grpId="1" nodeType="clickEffect">
                                   <p:stCondLst>
                                     <p:cond delay="0"/>
                                   </p:stCondLst>
                                   <p:childTnLst>
                                     <p:set>
                                       <p:cBhvr>
-                                        <p:cTn id="14" dur="1" fill="hold">
+                                        <p:cTn id="16" dur="1" fill="hold">
+                                          <p:stCondLst>
+                                            <p:cond delay="0"/>
+                                          </p:stCondLst>
+                                        </p:cTn>
+                                        <p:tgtEl>
+                                          <p:spTgt spid="9"/>
+                                        </p:tgtEl>
+                                        <p:attrNameLst>
+                                          <p:attrName>style.visibility</p:attrName>
+                                        </p:attrNameLst>
+                                      </p:cBhvr>
+                                      <p:to>
+                                        <p:strVal val="hidden"/>
+                                      </p:to>
+                                    </p:set>
+                                  </p:childTnLst>
+                                </p:cTn>
+                              </p:par>
+                              <p:par>
+                                <p:cTn id="17" presetID="1" presetClass="entr" presetSubtype="0" fill="hold" grpId="0" nodeType="withEffect">
+                                  <p:stCondLst>
+                                    <p:cond delay="0"/>
+                                  </p:stCondLst>
+                                  <p:childTnLst>
+                                    <p:set>
+                                      <p:cBhvr>
+                                        <p:cTn id="18" dur="1" fill="hold">
                                           <p:stCondLst>
                                             <p:cond delay="0"/>
                                           </p:stCondLst>
@@ -13894,26 +17626,53 @@
                     </p:cTn>
                   </p:par>
                   <p:par>
-                    <p:cTn id="15" fill="hold">
+                    <p:cTn id="19" fill="hold">
                       <p:stCondLst>
                         <p:cond delay="indefinite"/>
                       </p:stCondLst>
                       <p:childTnLst>
                         <p:par>
-                          <p:cTn id="16" fill="hold">
+                          <p:cTn id="20" fill="hold">
                             <p:stCondLst>
                               <p:cond delay="0"/>
                             </p:stCondLst>
                             <p:childTnLst>
                               <p:par>
-                                <p:cTn id="17" presetID="1" presetClass="entr" presetSubtype="0" fill="hold" grpId="0" nodeType="clickEffect">
+                                <p:cTn id="21" presetID="1" presetClass="exit" presetSubtype="0" fill="hold" grpId="1" nodeType="clickEffect">
                                   <p:stCondLst>
                                     <p:cond delay="0"/>
                                   </p:stCondLst>
                                   <p:childTnLst>
                                     <p:set>
                                       <p:cBhvr>
-                                        <p:cTn id="18" dur="1" fill="hold">
+                                        <p:cTn id="22" dur="1" fill="hold">
+                                          <p:stCondLst>
+                                            <p:cond delay="0"/>
+                                          </p:stCondLst>
+                                        </p:cTn>
+                                        <p:tgtEl>
+                                          <p:spTgt spid="7"/>
+                                        </p:tgtEl>
+                                        <p:attrNameLst>
+                                          <p:attrName>style.visibility</p:attrName>
+                                        </p:attrNameLst>
+                                      </p:cBhvr>
+                                      <p:to>
+                                        <p:strVal val="hidden"/>
+                                      </p:to>
+                                    </p:set>
+                                  </p:childTnLst>
+                                </p:cTn>
+                              </p:par>
+                              <p:par>
+                                <p:cTn id="23" presetID="1" presetClass="entr" presetSubtype="0" fill="hold" grpId="0" nodeType="withEffect">
+                                  <p:stCondLst>
+                                    <p:cond delay="0"/>
+                                  </p:stCondLst>
+                                  <p:childTnLst>
+                                    <p:set>
+                                      <p:cBhvr>
+                                        <p:cTn id="24" dur="1" fill="hold">
                                           <p:stCondLst>
                                             <p:cond delay="0"/>
                                           </p:stCondLst>
@@ -13961,9 +17720,12 @@
     </p:tnLst>
     <p:bldLst>
       <p:bldP spid="7" grpId="0" animBg="1"/>
+      <p:bldP spid="7" grpId="1" animBg="1"/>
       <p:bldP spid="8" grpId="0" animBg="1"/>
       <p:bldP spid="9" grpId="0" animBg="1"/>
+      <p:bldP spid="9" grpId="1" animBg="1"/>
       <p:bldP spid="10" grpId="0" animBg="1"/>
+      <p:bldP spid="10" grpId="1" animBg="1"/>
     </p:bldLst>
   </p:timing>
 </p:sld>
@@ -14501,7 +18263,7 @@
         </p:blipFill>
         <p:spPr>
           <a:xfrm>
-            <a:off x="0" y="3099460"/>
+            <a:off x="61547" y="3572243"/>
             <a:ext cx="12199920" cy="1852551"/>
           </a:xfrm>
           <a:prstGeom prst="rect">
@@ -14513,6 +18275,36 @@
           <a:effectLst>
             <a:softEdge rad="112500"/>
           </a:effectLst>
+        </p:spPr>
+      </p:pic>
+      <p:pic>
+        <p:nvPicPr>
+          <p:cNvPr id="4" name="Picture 3"/>
+          <p:cNvPicPr>
+            <a:picLocks noChangeAspect="1"/>
+          </p:cNvPicPr>
+          <p:nvPr/>
+        </p:nvPicPr>
+        <p:blipFill>
+          <a:blip r:embed="rId3">
+            <a:extLst>
+              <a:ext uri="{28A0092B-C50C-407E-A947-70E740481C1C}">
+                <a14:useLocalDpi xmlns:a14="http://schemas.microsoft.com/office/drawing/2010/main" val="0"/>
+              </a:ext>
+            </a:extLst>
+          </a:blip>
+          <a:stretch>
+            <a:fillRect/>
+          </a:stretch>
+        </p:blipFill>
+        <p:spPr>
+          <a:xfrm>
+            <a:off x="679940" y="1352395"/>
+            <a:ext cx="10541976" cy="3247609"/>
+          </a:xfrm>
+          <a:prstGeom prst="rect">
+            <a:avLst/>
+          </a:prstGeom>
         </p:spPr>
       </p:pic>
     </p:spTree>
@@ -14578,25 +18370,6 @@
       </p:sp>
       <p:sp>
         <p:nvSpPr>
-          <p:cNvPr id="3" name="Content Placeholder 2"/>
-          <p:cNvSpPr>
-            <a:spLocks noGrp="1"/>
-          </p:cNvSpPr>
-          <p:nvPr>
-            <p:ph idx="1"/>
-          </p:nvPr>
-        </p:nvSpPr>
-        <p:spPr/>
-        <p:txBody>
-          <a:bodyPr/>
-          <a:lstStyle/>
-          <a:p>
-            <a:endParaRPr lang="en-US" dirty="0"/>
-          </a:p>
-        </p:txBody>
-      </p:sp>
-      <p:sp>
-        <p:nvSpPr>
           <p:cNvPr id="5" name="Rectangle 4"/>
           <p:cNvSpPr/>
           <p:nvPr/>
@@ -15271,20 +19044,12 @@
               <a:t>NULL</a:t>
             </a:r>
             <a:r>
+              <a:rPr lang="en-US" dirty="0" smtClean="0"/>
+              <a:t>);</a:t>
+            </a:r>
+            <a:r>
               <a:rPr lang="en-US" dirty="0"/>
-              <a:t>) &lt; </a:t>
-            </a:r>
-            <a:r>
-              <a:rPr lang="en-US" dirty="0">
-                <a:solidFill>
-                  <a:srgbClr val="6897BB"/>
-                </a:solidFill>
-              </a:rPr>
-              <a:t>0</a:t>
-            </a:r>
-            <a:r>
-              <a:rPr lang="en-US" dirty="0"/>
-              <a:t>)</a:t>
+              <a:t/>
             </a:r>
             <a:br>
               <a:rPr lang="en-US" dirty="0"/>
@@ -15293,6 +19058,144 @@
               <a:rPr lang="en-US" dirty="0"/>
               <a:t>}</a:t>
             </a:r>
+          </a:p>
+        </p:txBody>
+      </p:sp>
+      <p:sp>
+        <p:nvSpPr>
+          <p:cNvPr id="4" name="Rectangle 3"/>
+          <p:cNvSpPr/>
+          <p:nvPr/>
+        </p:nvSpPr>
+        <p:spPr>
+          <a:xfrm>
+            <a:off x="1075593" y="5075725"/>
+            <a:ext cx="4067908" cy="903043"/>
+          </a:xfrm>
+          <a:prstGeom prst="rect">
+            <a:avLst/>
+          </a:prstGeom>
+          <a:noFill/>
+          <a:ln w="38100">
+            <a:solidFill>
+              <a:srgbClr val="FF0000"/>
+            </a:solidFill>
+          </a:ln>
+        </p:spPr>
+        <p:style>
+          <a:lnRef idx="2">
+            <a:schemeClr val="accent1">
+              <a:shade val="50000"/>
+            </a:schemeClr>
+          </a:lnRef>
+          <a:fillRef idx="1">
+            <a:schemeClr val="accent1"/>
+          </a:fillRef>
+          <a:effectRef idx="0">
+            <a:schemeClr val="accent1"/>
+          </a:effectRef>
+          <a:fontRef idx="minor">
+            <a:schemeClr val="lt1"/>
+          </a:fontRef>
+        </p:style>
+        <p:txBody>
+          <a:bodyPr rtlCol="0" anchor="ctr"/>
+          <a:lstStyle/>
+          <a:p>
+            <a:pPr algn="ctr"/>
+            <a:endParaRPr lang="en-US"/>
+          </a:p>
+        </p:txBody>
+      </p:sp>
+      <p:sp>
+        <p:nvSpPr>
+          <p:cNvPr id="7" name="Rectangle 6"/>
+          <p:cNvSpPr/>
+          <p:nvPr/>
+        </p:nvSpPr>
+        <p:spPr>
+          <a:xfrm>
+            <a:off x="483578" y="1591408"/>
+            <a:ext cx="8554914" cy="1723291"/>
+          </a:xfrm>
+          <a:prstGeom prst="rect">
+            <a:avLst/>
+          </a:prstGeom>
+          <a:solidFill>
+            <a:schemeClr val="bg1"/>
+          </a:solidFill>
+          <a:ln>
+            <a:noFill/>
+          </a:ln>
+        </p:spPr>
+        <p:style>
+          <a:lnRef idx="2">
+            <a:schemeClr val="accent1">
+              <a:shade val="50000"/>
+            </a:schemeClr>
+          </a:lnRef>
+          <a:fillRef idx="1">
+            <a:schemeClr val="accent1"/>
+          </a:fillRef>
+          <a:effectRef idx="0">
+            <a:schemeClr val="accent1"/>
+          </a:effectRef>
+          <a:fontRef idx="minor">
+            <a:schemeClr val="lt1"/>
+          </a:fontRef>
+        </p:style>
+        <p:txBody>
+          <a:bodyPr rtlCol="0" anchor="ctr"/>
+          <a:lstStyle/>
+          <a:p>
+            <a:pPr algn="ctr"/>
+            <a:endParaRPr lang="en-US"/>
+          </a:p>
+        </p:txBody>
+      </p:sp>
+      <p:sp>
+        <p:nvSpPr>
+          <p:cNvPr id="6" name="Rectangle 5"/>
+          <p:cNvSpPr/>
+          <p:nvPr/>
+        </p:nvSpPr>
+        <p:spPr>
+          <a:xfrm>
+            <a:off x="838200" y="1727047"/>
+            <a:ext cx="6573715" cy="437050"/>
+          </a:xfrm>
+          <a:prstGeom prst="rect">
+            <a:avLst/>
+          </a:prstGeom>
+          <a:noFill/>
+          <a:ln w="38100">
+            <a:solidFill>
+              <a:srgbClr val="FF0000"/>
+            </a:solidFill>
+          </a:ln>
+        </p:spPr>
+        <p:style>
+          <a:lnRef idx="2">
+            <a:schemeClr val="accent1">
+              <a:shade val="50000"/>
+            </a:schemeClr>
+          </a:lnRef>
+          <a:fillRef idx="1">
+            <a:schemeClr val="accent1"/>
+          </a:fillRef>
+          <a:effectRef idx="0">
+            <a:schemeClr val="accent1"/>
+          </a:effectRef>
+          <a:fontRef idx="minor">
+            <a:schemeClr val="lt1"/>
+          </a:fontRef>
+        </p:style>
+        <p:txBody>
+          <a:bodyPr rtlCol="0" anchor="ctr"/>
+          <a:lstStyle/>
+          <a:p>
+            <a:pPr algn="ctr"/>
+            <a:endParaRPr lang="en-US"/>
           </a:p>
         </p:txBody>
       </p:sp>
@@ -15309,9 +19212,172 @@
   <p:timing>
     <p:tnLst>
       <p:par>
-        <p:cTn id="1" dur="indefinite" restart="never" nodeType="tmRoot"/>
+        <p:cTn id="1" dur="indefinite" restart="never" nodeType="tmRoot">
+          <p:childTnLst>
+            <p:seq concurrent="1" nextAc="seek">
+              <p:cTn id="2" dur="indefinite" nodeType="mainSeq">
+                <p:childTnLst>
+                  <p:par>
+                    <p:cTn id="3" fill="hold">
+                      <p:stCondLst>
+                        <p:cond delay="indefinite"/>
+                      </p:stCondLst>
+                      <p:childTnLst>
+                        <p:par>
+                          <p:cTn id="4" fill="hold">
+                            <p:stCondLst>
+                              <p:cond delay="0"/>
+                            </p:stCondLst>
+                            <p:childTnLst>
+                              <p:par>
+                                <p:cTn id="5" presetID="1" presetClass="entr" presetSubtype="0" fill="hold" grpId="0" nodeType="clickEffect">
+                                  <p:stCondLst>
+                                    <p:cond delay="0"/>
+                                  </p:stCondLst>
+                                  <p:childTnLst>
+                                    <p:set>
+                                      <p:cBhvr>
+                                        <p:cTn id="6" dur="1" fill="hold">
+                                          <p:stCondLst>
+                                            <p:cond delay="0"/>
+                                          </p:stCondLst>
+                                        </p:cTn>
+                                        <p:tgtEl>
+                                          <p:spTgt spid="4"/>
+                                        </p:tgtEl>
+                                        <p:attrNameLst>
+                                          <p:attrName>style.visibility</p:attrName>
+                                        </p:attrNameLst>
+                                      </p:cBhvr>
+                                      <p:to>
+                                        <p:strVal val="visible"/>
+                                      </p:to>
+                                    </p:set>
+                                  </p:childTnLst>
+                                </p:cTn>
+                              </p:par>
+                            </p:childTnLst>
+                          </p:cTn>
+                        </p:par>
+                      </p:childTnLst>
+                    </p:cTn>
+                  </p:par>
+                  <p:par>
+                    <p:cTn id="7" fill="hold">
+                      <p:stCondLst>
+                        <p:cond delay="indefinite"/>
+                      </p:stCondLst>
+                      <p:childTnLst>
+                        <p:par>
+                          <p:cTn id="8" fill="hold">
+                            <p:stCondLst>
+                              <p:cond delay="0"/>
+                            </p:stCondLst>
+                            <p:childTnLst>
+                              <p:par>
+                                <p:cTn id="9" presetID="1" presetClass="exit" presetSubtype="0" fill="hold" grpId="0" nodeType="clickEffect">
+                                  <p:stCondLst>
+                                    <p:cond delay="0"/>
+                                  </p:stCondLst>
+                                  <p:childTnLst>
+                                    <p:set>
+                                      <p:cBhvr>
+                                        <p:cTn id="10" dur="1" fill="hold">
+                                          <p:stCondLst>
+                                            <p:cond delay="0"/>
+                                          </p:stCondLst>
+                                        </p:cTn>
+                                        <p:tgtEl>
+                                          <p:spTgt spid="7"/>
+                                        </p:tgtEl>
+                                        <p:attrNameLst>
+                                          <p:attrName>style.visibility</p:attrName>
+                                        </p:attrNameLst>
+                                      </p:cBhvr>
+                                      <p:to>
+                                        <p:strVal val="hidden"/>
+                                      </p:to>
+                                    </p:set>
+                                  </p:childTnLst>
+                                </p:cTn>
+                              </p:par>
+                            </p:childTnLst>
+                          </p:cTn>
+                        </p:par>
+                      </p:childTnLst>
+                    </p:cTn>
+                  </p:par>
+                  <p:par>
+                    <p:cTn id="11" fill="hold">
+                      <p:stCondLst>
+                        <p:cond delay="indefinite"/>
+                      </p:stCondLst>
+                      <p:childTnLst>
+                        <p:par>
+                          <p:cTn id="12" fill="hold">
+                            <p:stCondLst>
+                              <p:cond delay="0"/>
+                            </p:stCondLst>
+                            <p:childTnLst>
+                              <p:par>
+                                <p:cTn id="13" presetID="1" presetClass="entr" presetSubtype="0" fill="hold" grpId="0" nodeType="clickEffect">
+                                  <p:stCondLst>
+                                    <p:cond delay="0"/>
+                                  </p:stCondLst>
+                                  <p:childTnLst>
+                                    <p:set>
+                                      <p:cBhvr>
+                                        <p:cTn id="14" dur="1" fill="hold">
+                                          <p:stCondLst>
+                                            <p:cond delay="0"/>
+                                          </p:stCondLst>
+                                        </p:cTn>
+                                        <p:tgtEl>
+                                          <p:spTgt spid="6"/>
+                                        </p:tgtEl>
+                                        <p:attrNameLst>
+                                          <p:attrName>style.visibility</p:attrName>
+                                        </p:attrNameLst>
+                                      </p:cBhvr>
+                                      <p:to>
+                                        <p:strVal val="visible"/>
+                                      </p:to>
+                                    </p:set>
+                                  </p:childTnLst>
+                                </p:cTn>
+                              </p:par>
+                            </p:childTnLst>
+                          </p:cTn>
+                        </p:par>
+                      </p:childTnLst>
+                    </p:cTn>
+                  </p:par>
+                </p:childTnLst>
+              </p:cTn>
+              <p:prevCondLst>
+                <p:cond evt="onPrev" delay="0">
+                  <p:tgtEl>
+                    <p:sldTgt/>
+                  </p:tgtEl>
+                </p:cond>
+              </p:prevCondLst>
+              <p:nextCondLst>
+                <p:cond evt="onNext" delay="0">
+                  <p:tgtEl>
+                    <p:sldTgt/>
+                  </p:tgtEl>
+                </p:cond>
+              </p:nextCondLst>
+            </p:seq>
+          </p:childTnLst>
+        </p:cTn>
       </p:par>
     </p:tnLst>
+    <p:bldLst>
+      <p:bldP spid="4" grpId="0" animBg="1"/>
+      <p:bldP spid="7" grpId="0" animBg="1"/>
+      <p:bldP spid="6" grpId="0" animBg="1"/>
+    </p:bldLst>
   </p:timing>
 </p:sld>
 </file>
@@ -15343,12 +19409,7 @@
             <p:ph type="title"/>
           </p:nvPr>
         </p:nvSpPr>
-        <p:spPr>
-          <a:xfrm>
-            <a:off x="788096" y="2669914"/>
-            <a:ext cx="10515600" cy="1325563"/>
-          </a:xfrm>
-        </p:spPr>
+        <p:spPr/>
         <p:txBody>
           <a:bodyPr/>
           <a:lstStyle/>
@@ -15356,7 +19417,58 @@
             <a:pPr algn="ctr"/>
             <a:r>
               <a:rPr lang="en-US" dirty="0" smtClean="0"/>
-              <a:t>Questions ?</a:t>
+              <a:t>Constrains</a:t>
+            </a:r>
+            <a:endParaRPr lang="en-US" dirty="0"/>
+          </a:p>
+        </p:txBody>
+      </p:sp>
+      <p:sp>
+        <p:nvSpPr>
+          <p:cNvPr id="3" name="Content Placeholder 2"/>
+          <p:cNvSpPr>
+            <a:spLocks noGrp="1"/>
+          </p:cNvSpPr>
+          <p:nvPr>
+            <p:ph idx="1"/>
+          </p:nvPr>
+        </p:nvSpPr>
+        <p:spPr/>
+        <p:txBody>
+          <a:bodyPr/>
+          <a:lstStyle/>
+          <a:p>
+            <a:r>
+              <a:rPr lang="en-US" dirty="0" err="1" smtClean="0"/>
+              <a:t>Async</a:t>
+            </a:r>
+            <a:r>
+              <a:rPr lang="en-US" dirty="0" smtClean="0"/>
+              <a:t>-safety</a:t>
+            </a:r>
+          </a:p>
+          <a:p>
+            <a:pPr lvl="1"/>
+            <a:r>
+              <a:rPr lang="en-US" dirty="0"/>
+              <a:t>a</a:t>
+            </a:r>
+            <a:r>
+              <a:rPr lang="en-US" dirty="0" smtClean="0"/>
+              <a:t>ll functions calls must be reentrant</a:t>
+            </a:r>
+          </a:p>
+          <a:p>
+            <a:r>
+              <a:rPr lang="en-US" dirty="0" smtClean="0"/>
+              <a:t>Static storage duration</a:t>
+            </a:r>
+          </a:p>
+          <a:p>
+            <a:pPr lvl="1"/>
+            <a:r>
+              <a:rPr lang="en-US" dirty="0" smtClean="0"/>
+              <a:t>can’t pass state into the signal handler</a:t>
             </a:r>
             <a:endParaRPr lang="en-US" dirty="0"/>
           </a:p>
@@ -15365,7 +19477,7 @@
     </p:spTree>
     <p:extLst>
       <p:ext uri="{BB962C8B-B14F-4D97-AF65-F5344CB8AC3E}">
-        <p14:creationId xmlns:p14="http://schemas.microsoft.com/office/powerpoint/2010/main" val="1045684420"/>
+        <p14:creationId xmlns:p14="http://schemas.microsoft.com/office/powerpoint/2010/main" val="3280320101"/>
       </p:ext>
     </p:extLst>
   </p:cSld>
@@ -15701,8 +19813,8 @@
         </p:nvSpPr>
         <p:spPr>
           <a:xfrm>
-            <a:off x="788096" y="2669914"/>
-            <a:ext cx="10515600" cy="1325563"/>
+            <a:off x="0" y="3232623"/>
+            <a:ext cx="12192000" cy="1325563"/>
           </a:xfrm>
         </p:spPr>
         <p:txBody>
@@ -15711,6 +19823,54 @@
           <a:p>
             <a:pPr algn="ctr"/>
             <a:r>
+              <a:rPr lang="en-US" sz="2000" dirty="0" smtClean="0"/>
+              <a:t>Questions?</a:t>
+            </a:r>
+            <a:endParaRPr lang="en-US" sz="2000" dirty="0"/>
+          </a:p>
+        </p:txBody>
+      </p:sp>
+      <p:sp>
+        <p:nvSpPr>
+          <p:cNvPr id="3" name="Title 1"/>
+          <p:cNvSpPr txBox="1">
+            <a:spLocks/>
+          </p:cNvSpPr>
+          <p:nvPr/>
+        </p:nvSpPr>
+        <p:spPr>
+          <a:xfrm>
+            <a:off x="0" y="2268399"/>
+            <a:ext cx="12192000" cy="1325563"/>
+          </a:xfrm>
+          <a:prstGeom prst="rect">
+            <a:avLst/>
+          </a:prstGeom>
+        </p:spPr>
+        <p:txBody>
+          <a:bodyPr/>
+          <a:lstStyle>
+            <a:lvl1pPr algn="l" defTabSz="914400" rtl="0" eaLnBrk="1" latinLnBrk="0" hangingPunct="1">
+              <a:lnSpc>
+                <a:spcPct val="90000"/>
+              </a:lnSpc>
+              <a:spcBef>
+                <a:spcPct val="0"/>
+              </a:spcBef>
+              <a:buNone/>
+              <a:defRPr sz="4400" kern="1200">
+                <a:solidFill>
+                  <a:schemeClr val="tx1"/>
+                </a:solidFill>
+                <a:latin typeface="+mj-lt"/>
+                <a:ea typeface="+mj-ea"/>
+                <a:cs typeface="+mj-cs"/>
+              </a:defRPr>
+            </a:lvl1pPr>
+          </a:lstStyle>
+          <a:p>
+            <a:pPr algn="ctr"/>
+            <a:r>
               <a:rPr lang="en-US" dirty="0" smtClean="0"/>
               <a:t>Thank you</a:t>
             </a:r>
@@ -15721,443 +19881,7 @@
     </p:spTree>
     <p:extLst>
       <p:ext uri="{BB962C8B-B14F-4D97-AF65-F5344CB8AC3E}">
-        <p14:creationId xmlns:p14="http://schemas.microsoft.com/office/powerpoint/2010/main" val="4228425219"/>
-      </p:ext>
-    </p:extLst>
-  </p:cSld>
-  <p:clrMapOvr>
-    <a:masterClrMapping/>
-  </p:clrMapOvr>
-  <p:timing>
-    <p:tnLst>
-      <p:par>
-        <p:cTn id="1" dur="indefinite" restart="never" nodeType="tmRoot"/>
-      </p:par>
-    </p:tnLst>
-  </p:timing>
-</p:sld>
-</file>
-
-<file path=ppt/slides/slide21.xml><?xml version="1.0" encoding="utf-8"?>
-<p:sld xmlns:a="http://schemas.openxmlformats.org/drawingml/2006/main" xmlns:r="http://schemas.openxmlformats.org/officeDocument/2006/relationships" xmlns:p="http://schemas.openxmlformats.org/presentationml/2006/main">
-  <p:cSld>
-    <p:spTree>
-      <p:nvGrpSpPr>
-        <p:cNvPr id="1" name=""/>
-        <p:cNvGrpSpPr/>
-        <p:nvPr/>
-      </p:nvGrpSpPr>
-      <p:grpSpPr>
-        <a:xfrm>
-          <a:off x="0" y="0"/>
-          <a:ext cx="0" cy="0"/>
-          <a:chOff x="0" y="0"/>
-          <a:chExt cx="0" cy="0"/>
-        </a:xfrm>
-      </p:grpSpPr>
-      <p:sp>
-        <p:nvSpPr>
-          <p:cNvPr id="2" name="Title 1"/>
-          <p:cNvSpPr>
-            <a:spLocks noGrp="1"/>
-          </p:cNvSpPr>
-          <p:nvPr>
-            <p:ph type="title"/>
-          </p:nvPr>
-        </p:nvSpPr>
-        <p:spPr/>
-        <p:txBody>
-          <a:bodyPr/>
-          <a:lstStyle/>
-          <a:p>
-            <a:r>
-              <a:rPr lang="en-US" dirty="0" smtClean="0"/>
-              <a:t>Temporary.</a:t>
-            </a:r>
-            <a:endParaRPr lang="en-US" dirty="0"/>
-          </a:p>
-        </p:txBody>
-      </p:sp>
-      <p:sp>
-        <p:nvSpPr>
-          <p:cNvPr id="3" name="Content Placeholder 2"/>
-          <p:cNvSpPr>
-            <a:spLocks noGrp="1"/>
-          </p:cNvSpPr>
-          <p:nvPr>
-            <p:ph idx="1"/>
-          </p:nvPr>
-        </p:nvSpPr>
-        <p:spPr/>
-        <p:txBody>
-          <a:bodyPr/>
-          <a:lstStyle/>
-          <a:p>
-            <a:endParaRPr lang="en-US" dirty="0"/>
-          </a:p>
-        </p:txBody>
-      </p:sp>
-      <p:graphicFrame>
-        <p:nvGraphicFramePr>
-          <p:cNvPr id="4" name="Table 3"/>
-          <p:cNvGraphicFramePr>
-            <a:graphicFrameLocks noGrp="1"/>
-          </p:cNvGraphicFramePr>
-          <p:nvPr>
-            <p:extLst>
-              <p:ext uri="{D42A27DB-BD31-4B8C-83A1-F6EECF244321}">
-                <p14:modId xmlns:p14="http://schemas.microsoft.com/office/powerpoint/2010/main" val="1901085138"/>
-              </p:ext>
-            </p:extLst>
-          </p:nvPr>
-        </p:nvGraphicFramePr>
-        <p:xfrm>
-          <a:off x="4353168" y="2167414"/>
-          <a:ext cx="8128000" cy="1833880"/>
-        </p:xfrm>
-        <a:graphic>
-          <a:graphicData uri="http://schemas.openxmlformats.org/drawingml/2006/table">
-            <a:tbl>
-              <a:tblPr firstRow="1" bandRow="1">
-                <a:tableStyleId>{5C22544A-7EE6-4342-B048-85BDC9FD1C3A}</a:tableStyleId>
-              </a:tblPr>
-              <a:tblGrid>
-                <a:gridCol w="2032000">
-                  <a:extLst>
-                    <a:ext uri="{9D8B030D-6E8A-4147-A177-3AD203B41FA5}">
-                      <a16:colId xmlns="" xmlns:a16="http://schemas.microsoft.com/office/drawing/2014/main" val="942269498"/>
-                    </a:ext>
-                  </a:extLst>
-                </a:gridCol>
-                <a:gridCol w="2032000">
-                  <a:extLst>
-                    <a:ext uri="{9D8B030D-6E8A-4147-A177-3AD203B41FA5}">
-                      <a16:colId xmlns="" xmlns:a16="http://schemas.microsoft.com/office/drawing/2014/main" val="436167576"/>
-                    </a:ext>
-                  </a:extLst>
-                </a:gridCol>
-                <a:gridCol w="2032000">
-                  <a:extLst>
-                    <a:ext uri="{9D8B030D-6E8A-4147-A177-3AD203B41FA5}">
-                      <a16:colId xmlns="" xmlns:a16="http://schemas.microsoft.com/office/drawing/2014/main" val="3241846203"/>
-                    </a:ext>
-                  </a:extLst>
-                </a:gridCol>
-                <a:gridCol w="2032000">
-                  <a:extLst>
-                    <a:ext uri="{9D8B030D-6E8A-4147-A177-3AD203B41FA5}">
-                      <a16:colId xmlns="" xmlns:a16="http://schemas.microsoft.com/office/drawing/2014/main" val="163233867"/>
-                    </a:ext>
-                  </a:extLst>
-                </a:gridCol>
-              </a:tblGrid>
-              <a:tr h="0">
-                <a:tc>
-                  <a:txBody>
-                    <a:bodyPr/>
-                    <a:lstStyle/>
-                    <a:p>
-                      <a:r>
-                        <a:rPr lang="en-US" sz="800" u="sng" dirty="0" smtClean="0"/>
-                        <a:t>- Welcome to Native world</a:t>
-                      </a:r>
-                      <a:endParaRPr lang="en-US" sz="800" dirty="0" smtClean="0"/>
-                    </a:p>
-                    <a:p>
-                      <a:r>
-                        <a:rPr lang="en-US" sz="800" dirty="0" smtClean="0"/>
-                        <a:t>-- Introduction</a:t>
-                      </a:r>
-                    </a:p>
-                    <a:p>
-                      <a:r>
-                        <a:rPr lang="en-US" sz="800" dirty="0" smtClean="0"/>
-                        <a:t>-- Project specific:  Android, Java, C++. Why we need NDK?</a:t>
-                      </a:r>
-                    </a:p>
-                    <a:p>
-                      <a:endParaRPr lang="en-US" dirty="0"/>
-                    </a:p>
-                  </a:txBody>
-                  <a:tcPr/>
-                </a:tc>
-                <a:tc>
-                  <a:txBody>
-                    <a:bodyPr/>
-                    <a:lstStyle/>
-                    <a:p>
-                      <a:r>
-                        <a:rPr lang="en-US" sz="800" u="sng" dirty="0" smtClean="0"/>
-                        <a:t>- Common JNI/NDK problems</a:t>
-                      </a:r>
-                      <a:endParaRPr lang="en-US" sz="800" dirty="0" smtClean="0"/>
-                    </a:p>
-                    <a:p>
-                      <a:r>
-                        <a:rPr lang="en-US" sz="800" dirty="0" smtClean="0"/>
-                        <a:t>-- </a:t>
-                      </a:r>
-                      <a:r>
-                        <a:rPr lang="en-US" sz="800" dirty="0" err="1" smtClean="0"/>
-                        <a:t>JNIEnv</a:t>
-                      </a:r>
-                      <a:r>
-                        <a:rPr lang="en-US" sz="800" dirty="0" smtClean="0"/>
-                        <a:t>, </a:t>
-                      </a:r>
-                      <a:r>
-                        <a:rPr lang="en-US" sz="800" dirty="0" err="1" smtClean="0"/>
-                        <a:t>JavaVM</a:t>
-                      </a:r>
-                      <a:r>
-                        <a:rPr lang="en-US" sz="800" dirty="0" smtClean="0"/>
-                        <a:t> variable issues</a:t>
-                      </a:r>
-                    </a:p>
-                    <a:p>
-                      <a:r>
-                        <a:rPr lang="en-US" sz="800" dirty="0" smtClean="0"/>
-                        <a:t>-- Local table reference overflow</a:t>
-                      </a:r>
-                    </a:p>
-                    <a:p>
-                      <a:r>
-                        <a:rPr lang="en-US" sz="800" dirty="0" smtClean="0"/>
-                        <a:t>-- Global table reference overflow</a:t>
-                      </a:r>
-                    </a:p>
-                    <a:p>
-                      <a:r>
-                        <a:rPr lang="en-US" sz="800" dirty="0" smtClean="0"/>
-                        <a:t>-- JNI Thread issues. Attaching/Detaching </a:t>
-                      </a:r>
-                      <a:r>
-                        <a:rPr lang="en-US" sz="800" dirty="0" err="1" smtClean="0"/>
-                        <a:t>ndk</a:t>
-                      </a:r>
-                      <a:r>
-                        <a:rPr lang="en-US" sz="800" dirty="0" smtClean="0"/>
-                        <a:t> threads.</a:t>
-                      </a:r>
-                    </a:p>
-                    <a:p>
-                      <a:r>
-                        <a:rPr lang="en-US" sz="800" dirty="0" smtClean="0"/>
-                        <a:t>-- Examples</a:t>
-                      </a:r>
-                    </a:p>
-                    <a:p>
-                      <a:r>
-                        <a:rPr lang="en-US" sz="800" b="1" dirty="0" smtClean="0"/>
-                        <a:t> </a:t>
-                      </a:r>
-                      <a:endParaRPr lang="en-US" sz="800" dirty="0" smtClean="0"/>
-                    </a:p>
-                    <a:p>
-                      <a:endParaRPr lang="en-US" dirty="0"/>
-                    </a:p>
-                  </a:txBody>
-                  <a:tcPr/>
-                </a:tc>
-                <a:tc>
-                  <a:txBody>
-                    <a:bodyPr/>
-                    <a:lstStyle/>
-                    <a:p>
-                      <a:r>
-                        <a:rPr lang="en-US" sz="800" u="sng" dirty="0" smtClean="0"/>
-                        <a:t>- Exception Handling</a:t>
-                      </a:r>
-                      <a:endParaRPr lang="en-US" sz="800" dirty="0" smtClean="0"/>
-                    </a:p>
-                    <a:p>
-                      <a:r>
-                        <a:rPr lang="en-US" sz="800" dirty="0" smtClean="0"/>
-                        <a:t>-- Handle exception from Java side</a:t>
-                      </a:r>
-                    </a:p>
-                    <a:p>
-                      <a:r>
-                        <a:rPr lang="en-US" sz="800" dirty="0" smtClean="0"/>
-                        <a:t>-- Handle exception from JNI</a:t>
-                      </a:r>
-                    </a:p>
-                    <a:p>
-                      <a:r>
-                        <a:rPr lang="en-US" sz="800" dirty="0" smtClean="0"/>
-                        <a:t>-- Handle C++ exception. How to enable it</a:t>
-                      </a:r>
-                    </a:p>
-                    <a:p>
-                      <a:r>
-                        <a:rPr lang="en-US" sz="800" dirty="0" smtClean="0"/>
-                        <a:t>-- Examples</a:t>
-                      </a:r>
-                    </a:p>
-                    <a:p>
-                      <a:endParaRPr lang="en-US" dirty="0"/>
-                    </a:p>
-                  </a:txBody>
-                  <a:tcPr/>
-                </a:tc>
-                <a:tc>
-                  <a:txBody>
-                    <a:bodyPr/>
-                    <a:lstStyle/>
-                    <a:p>
-                      <a:r>
-                        <a:rPr lang="en-US" sz="800" u="sng" dirty="0" smtClean="0"/>
-                        <a:t>- NDK crash handling</a:t>
-                      </a:r>
-                      <a:endParaRPr lang="en-US" sz="800" dirty="0" smtClean="0"/>
-                    </a:p>
-                    <a:p>
-                      <a:r>
-                        <a:rPr lang="en-US" sz="800" dirty="0" smtClean="0"/>
-                        <a:t>-- </a:t>
-                      </a:r>
-                      <a:r>
-                        <a:rPr lang="en-US" sz="800" dirty="0" err="1" smtClean="0"/>
-                        <a:t>cmake</a:t>
-                      </a:r>
-                      <a:r>
-                        <a:rPr lang="en-US" sz="800" dirty="0" smtClean="0"/>
-                        <a:t>/</a:t>
-                      </a:r>
-                      <a:r>
-                        <a:rPr lang="en-US" sz="800" dirty="0" err="1" smtClean="0"/>
-                        <a:t>mk</a:t>
-                      </a:r>
-                      <a:r>
-                        <a:rPr lang="en-US" sz="800" dirty="0" smtClean="0"/>
-                        <a:t> file configuration</a:t>
-                      </a:r>
-                    </a:p>
-                    <a:p>
-                      <a:r>
-                        <a:rPr lang="en-US" sz="800" dirty="0" smtClean="0"/>
-                        <a:t>-- strip debug symbols</a:t>
-                      </a:r>
-                    </a:p>
-                    <a:p>
-                      <a:r>
-                        <a:rPr lang="en-US" sz="800" dirty="0" smtClean="0"/>
-                        <a:t>-- </a:t>
-                      </a:r>
-                      <a:r>
-                        <a:rPr lang="en-US" sz="800" dirty="0" err="1" smtClean="0"/>
-                        <a:t>ndk</a:t>
-                      </a:r>
-                      <a:r>
-                        <a:rPr lang="en-US" sz="800" dirty="0" smtClean="0"/>
-                        <a:t> tools</a:t>
-                      </a:r>
-                    </a:p>
-                    <a:p>
-                      <a:r>
-                        <a:rPr lang="en-US" sz="800" dirty="0" smtClean="0"/>
-                        <a:t>-- how </a:t>
-                      </a:r>
-                      <a:r>
-                        <a:rPr lang="en-US" sz="800" dirty="0" err="1" smtClean="0"/>
-                        <a:t>desymbolicate</a:t>
-                      </a:r>
-                      <a:r>
-                        <a:rPr lang="en-US" sz="800" dirty="0" smtClean="0"/>
-                        <a:t> crash log</a:t>
-                      </a:r>
-                    </a:p>
-                    <a:p>
-                      <a:r>
-                        <a:rPr lang="en-US" sz="800" dirty="0" smtClean="0"/>
-                        <a:t>-- C++/NDK crash handling</a:t>
-                      </a:r>
-                    </a:p>
-                    <a:p>
-                      <a:r>
-                        <a:rPr lang="en-US" sz="800" dirty="0" smtClean="0"/>
-                        <a:t>-- restrictions</a:t>
-                      </a:r>
-                    </a:p>
-                    <a:p>
-                      <a:r>
-                        <a:rPr lang="en-US" sz="800" dirty="0" smtClean="0"/>
-                        <a:t>-- Examples</a:t>
-                      </a:r>
-                    </a:p>
-                    <a:p>
-                      <a:r>
-                        <a:rPr lang="en-US" sz="800" dirty="0" smtClean="0"/>
-                        <a:t> </a:t>
-                      </a:r>
-                    </a:p>
-                    <a:p>
-                      <a:endParaRPr lang="en-US" dirty="0"/>
-                    </a:p>
-                  </a:txBody>
-                  <a:tcPr/>
-                </a:tc>
-                <a:extLst>
-                  <a:ext uri="{0D108BD9-81ED-4DB2-BD59-A6C34878D82A}">
-                    <a16:rowId xmlns="" xmlns:a16="http://schemas.microsoft.com/office/drawing/2014/main" val="3790548044"/>
-                  </a:ext>
-                </a:extLst>
-              </a:tr>
-              <a:tr h="370840">
-                <a:tc>
-                  <a:txBody>
-                    <a:bodyPr/>
-                    <a:lstStyle/>
-                    <a:p>
-                      <a:endParaRPr lang="en-US"/>
-                    </a:p>
-                  </a:txBody>
-                  <a:tcPr/>
-                </a:tc>
-                <a:tc>
-                  <a:txBody>
-                    <a:bodyPr/>
-                    <a:lstStyle/>
-                    <a:p>
-                      <a:endParaRPr lang="en-US"/>
-                    </a:p>
-                  </a:txBody>
-                  <a:tcPr/>
-                </a:tc>
-                <a:tc>
-                  <a:txBody>
-                    <a:bodyPr/>
-                    <a:lstStyle/>
-                    <a:p>
-                      <a:endParaRPr lang="en-US"/>
-                    </a:p>
-                  </a:txBody>
-                  <a:tcPr/>
-                </a:tc>
-                <a:tc>
-                  <a:txBody>
-                    <a:bodyPr/>
-                    <a:lstStyle/>
-                    <a:p>
-                      <a:endParaRPr lang="en-US" dirty="0"/>
-                    </a:p>
-                  </a:txBody>
-                  <a:tcPr/>
-                </a:tc>
-                <a:extLst>
-                  <a:ext uri="{0D108BD9-81ED-4DB2-BD59-A6C34878D82A}">
-                    <a16:rowId xmlns="" xmlns:a16="http://schemas.microsoft.com/office/drawing/2014/main" val="2819141870"/>
-                  </a:ext>
-                </a:extLst>
-              </a:tr>
-            </a:tbl>
-          </a:graphicData>
-        </a:graphic>
-      </p:graphicFrame>
-    </p:spTree>
-    <p:extLst>
-      <p:ext uri="{BB962C8B-B14F-4D97-AF65-F5344CB8AC3E}">
-        <p14:creationId xmlns:p14="http://schemas.microsoft.com/office/powerpoint/2010/main" val="1850610908"/>
+        <p14:creationId xmlns:p14="http://schemas.microsoft.com/office/powerpoint/2010/main" val="1045684420"/>
       </p:ext>
     </p:extLst>
   </p:cSld>
@@ -16228,7 +19952,7 @@
         <p:spPr>
           <a:xfrm>
             <a:off x="220717" y="1825625"/>
-            <a:ext cx="7110249" cy="4039147"/>
+            <a:ext cx="7701152" cy="4039147"/>
           </a:xfrm>
         </p:spPr>
         <p:txBody>
@@ -16236,8 +19960,83 @@
           <a:lstStyle/>
           <a:p>
             <a:r>
-              <a:rPr lang="en-US" dirty="0"/>
-              <a:t>The Android NDK is a toolset that lets you implement parts of your app in native code, using languages such as C and C++. For certain types of apps, this can help you reuse code libraries written in those languages.</a:t>
+              <a:rPr lang="en-US" sz="2000" dirty="0">
+                <a:solidFill>
+                  <a:schemeClr val="accent6">
+                    <a:lumMod val="20000"/>
+                    <a:lumOff val="80000"/>
+                  </a:schemeClr>
+                </a:solidFill>
+              </a:rPr>
+              <a:t>The Android NDK is a toolset that lets you implement parts of your app in native code, using languages such as C and C++. For certain types of apps, this can help you reuse code libraries written in those languages</a:t>
+            </a:r>
+            <a:r>
+              <a:rPr lang="en-US" sz="2000" dirty="0" smtClean="0">
+                <a:solidFill>
+                  <a:schemeClr val="accent6">
+                    <a:lumMod val="20000"/>
+                    <a:lumOff val="80000"/>
+                  </a:schemeClr>
+                </a:solidFill>
+              </a:rPr>
+              <a:t>.</a:t>
+            </a:r>
+          </a:p>
+          <a:p>
+            <a:r>
+              <a:rPr lang="en-US" sz="2000" dirty="0">
+                <a:solidFill>
+                  <a:schemeClr val="accent6">
+                    <a:lumMod val="20000"/>
+                    <a:lumOff val="80000"/>
+                  </a:schemeClr>
+                </a:solidFill>
+              </a:rPr>
+              <a:t>The Java Native Interface (JNI) is a programming framework that enables Java code running in a Java Virtual Machine (JVM) to call and be called </a:t>
+            </a:r>
+            <a:r>
+              <a:rPr lang="en-US" sz="2000" dirty="0" smtClean="0">
+                <a:solidFill>
+                  <a:schemeClr val="accent6">
+                    <a:lumMod val="20000"/>
+                    <a:lumOff val="80000"/>
+                  </a:schemeClr>
+                </a:solidFill>
+              </a:rPr>
+              <a:t>by native </a:t>
+            </a:r>
+            <a:r>
+              <a:rPr lang="en-US" sz="2000" dirty="0">
+                <a:solidFill>
+                  <a:schemeClr val="accent6">
+                    <a:lumMod val="20000"/>
+                    <a:lumOff val="80000"/>
+                  </a:schemeClr>
+                </a:solidFill>
+              </a:rPr>
+              <a:t>applications </a:t>
+            </a:r>
+            <a:r>
+              <a:rPr lang="en-US" sz="2000" dirty="0" smtClean="0">
+                <a:solidFill>
+                  <a:schemeClr val="accent6">
+                    <a:lumMod val="20000"/>
+                    <a:lumOff val="80000"/>
+                  </a:schemeClr>
+                </a:solidFill>
+              </a:rPr>
+              <a:t>and </a:t>
+            </a:r>
+            <a:r>
+              <a:rPr lang="en-US" sz="2000" dirty="0">
+                <a:solidFill>
+                  <a:schemeClr val="accent6">
+                    <a:lumMod val="20000"/>
+                    <a:lumOff val="80000"/>
+                  </a:schemeClr>
+                </a:solidFill>
+              </a:rPr>
+              <a:t>libraries written in other languages such as C, C++ and assembly.</a:t>
             </a:r>
           </a:p>
         </p:txBody>
@@ -16771,7 +20570,6 @@
         <p:nvCxnSpPr>
           <p:cNvPr id="48" name="Straight Arrow Connector 47"/>
           <p:cNvCxnSpPr>
-            <a:stCxn id="6" idx="2"/>
             <a:endCxn id="27" idx="0"/>
           </p:cNvCxnSpPr>
           <p:nvPr/>
@@ -16779,7 +20577,7 @@
         <p:spPr>
           <a:xfrm flipH="1">
             <a:off x="6125994" y="3782889"/>
-            <a:ext cx="2037665" cy="423497"/>
+            <a:ext cx="1312298" cy="423497"/>
           </a:xfrm>
           <a:prstGeom prst="straightConnector1">
             <a:avLst/>
@@ -16926,15 +20724,14 @@
         <p:nvCxnSpPr>
           <p:cNvPr id="19" name="Straight Arrow Connector 18"/>
           <p:cNvCxnSpPr>
-            <a:stCxn id="6" idx="2"/>
             <a:endCxn id="18" idx="1"/>
           </p:cNvCxnSpPr>
           <p:nvPr/>
         </p:nvCxnSpPr>
         <p:spPr>
           <a:xfrm>
-            <a:off x="8163659" y="3782889"/>
-            <a:ext cx="1194287" cy="423498"/>
+            <a:off x="8572500" y="3782889"/>
+            <a:ext cx="785446" cy="423498"/>
           </a:xfrm>
           <a:prstGeom prst="straightConnector1">
             <a:avLst/>
@@ -18094,6 +21891,1016 @@
           </a:p>
         </p:txBody>
       </p:sp>
+      <p:sp>
+        <p:nvSpPr>
+          <p:cNvPr id="10" name="Rectangle 9"/>
+          <p:cNvSpPr/>
+          <p:nvPr/>
+        </p:nvSpPr>
+        <p:spPr>
+          <a:xfrm>
+            <a:off x="251378" y="1646921"/>
+            <a:ext cx="11167769" cy="3690010"/>
+          </a:xfrm>
+          <a:prstGeom prst="rect">
+            <a:avLst/>
+          </a:prstGeom>
+          <a:noFill/>
+        </p:spPr>
+        <p:style>
+          <a:lnRef idx="2">
+            <a:schemeClr val="accent1">
+              <a:shade val="50000"/>
+            </a:schemeClr>
+          </a:lnRef>
+          <a:fillRef idx="1">
+            <a:schemeClr val="accent1"/>
+          </a:fillRef>
+          <a:effectRef idx="0">
+            <a:schemeClr val="accent1"/>
+          </a:effectRef>
+          <a:fontRef idx="minor">
+            <a:schemeClr val="lt1"/>
+          </a:fontRef>
+        </p:style>
+        <p:txBody>
+          <a:bodyPr rtlCol="0" anchor="ctr"/>
+          <a:lstStyle/>
+          <a:p>
+            <a:pPr algn="ctr"/>
+            <a:endParaRPr lang="en-US"/>
+          </a:p>
+        </p:txBody>
+      </p:sp>
+      <p:sp>
+        <p:nvSpPr>
+          <p:cNvPr id="8" name="Rectangle 3"/>
+          <p:cNvSpPr>
+            <a:spLocks noChangeArrowheads="1"/>
+          </p:cNvSpPr>
+          <p:nvPr/>
+        </p:nvSpPr>
+        <p:spPr bwMode="auto">
+          <a:xfrm>
+            <a:off x="249252" y="2375086"/>
+            <a:ext cx="6537814" cy="2092881"/>
+          </a:xfrm>
+          <a:prstGeom prst="rect">
+            <a:avLst/>
+          </a:prstGeom>
+          <a:solidFill>
+            <a:srgbClr val="2B2B2B"/>
+          </a:solidFill>
+          <a:ln w="9525">
+            <a:noFill/>
+            <a:miter lim="800000"/>
+            <a:headEnd/>
+            <a:tailEnd/>
+          </a:ln>
+          <a:effectLst/>
+          <a:extLst>
+            <a:ext uri="{AF507438-7753-43E0-B8FC-AC1667EBCBE1}">
+              <a14:hiddenEffects xmlns:a14="http://schemas.microsoft.com/office/drawing/2010/main">
+                <a:effectLst>
+                  <a:outerShdw dist="35921" dir="2700000" algn="ctr" rotWithShape="0">
+                    <a:schemeClr val="bg2"/>
+                  </a:outerShdw>
+                </a:effectLst>
+              </a14:hiddenEffects>
+            </a:ext>
+          </a:extLst>
+        </p:spPr>
+        <p:txBody>
+          <a:bodyPr vert="horz" wrap="square" lIns="91440" tIns="45720" rIns="91440" bIns="45720" numCol="1" anchor="ctr" anchorCtr="0" compatLnSpc="1">
+            <a:prstTxWarp prst="textNoShape">
+              <a:avLst/>
+            </a:prstTxWarp>
+            <a:spAutoFit/>
+          </a:bodyPr>
+          <a:lstStyle/>
+          <a:p>
+            <a:pPr marL="0" marR="0" lvl="0" indent="0" algn="l" defTabSz="914400" rtl="0" eaLnBrk="0" fontAlgn="base" latinLnBrk="0" hangingPunct="0">
+              <a:lnSpc>
+                <a:spcPct val="100000"/>
+              </a:lnSpc>
+              <a:spcBef>
+                <a:spcPct val="0"/>
+              </a:spcBef>
+              <a:spcAft>
+                <a:spcPct val="0"/>
+              </a:spcAft>
+              <a:buClrTx/>
+              <a:buSzTx/>
+              <a:buFontTx/>
+              <a:buNone/>
+              <a:tabLst/>
+            </a:pPr>
+            <a:r>
+              <a:rPr kumimoji="0" lang="en-US" altLang="en-US" sz="1400" b="1" i="0" u="none" strike="noStrike" cap="none" normalizeH="0" baseline="0" dirty="0" smtClean="0">
+                <a:ln>
+                  <a:noFill/>
+                </a:ln>
+                <a:solidFill>
+                  <a:srgbClr val="CC7832"/>
+                </a:solidFill>
+                <a:effectLst/>
+                <a:latin typeface="Courier New" panose="02070309020205020404" pitchFamily="49" charset="0"/>
+                <a:cs typeface="Courier New" panose="02070309020205020404" pitchFamily="49" charset="0"/>
+              </a:rPr>
+              <a:t>for</a:t>
+            </a:r>
+            <a:r>
+              <a:rPr kumimoji="0" lang="en-US" altLang="en-US" sz="1400" b="0" i="0" u="none" strike="noStrike" cap="none" normalizeH="0" baseline="0" dirty="0" smtClean="0">
+                <a:ln>
+                  <a:noFill/>
+                </a:ln>
+                <a:solidFill>
+                  <a:srgbClr val="A9B7C6"/>
+                </a:solidFill>
+                <a:effectLst/>
+                <a:latin typeface="Courier New" panose="02070309020205020404" pitchFamily="49" charset="0"/>
+                <a:cs typeface="Courier New" panose="02070309020205020404" pitchFamily="49" charset="0"/>
+              </a:rPr>
+              <a:t>(</a:t>
+            </a:r>
+            <a:r>
+              <a:rPr kumimoji="0" lang="en-US" altLang="en-US" sz="1400" b="1" i="0" u="none" strike="noStrike" cap="none" normalizeH="0" baseline="0" dirty="0" err="1" smtClean="0">
+                <a:ln>
+                  <a:noFill/>
+                </a:ln>
+                <a:solidFill>
+                  <a:srgbClr val="CC7832"/>
+                </a:solidFill>
+                <a:effectLst/>
+                <a:latin typeface="Courier New" panose="02070309020205020404" pitchFamily="49" charset="0"/>
+                <a:cs typeface="Courier New" panose="02070309020205020404" pitchFamily="49" charset="0"/>
+              </a:rPr>
+              <a:t>int</a:t>
+            </a:r>
+            <a:r>
+              <a:rPr kumimoji="0" lang="en-US" altLang="en-US" sz="1400" b="1" i="0" u="none" strike="noStrike" cap="none" normalizeH="0" baseline="0" dirty="0" smtClean="0">
+                <a:ln>
+                  <a:noFill/>
+                </a:ln>
+                <a:solidFill>
+                  <a:srgbClr val="CC7832"/>
+                </a:solidFill>
+                <a:effectLst/>
+                <a:latin typeface="Courier New" panose="02070309020205020404" pitchFamily="49" charset="0"/>
+                <a:cs typeface="Courier New" panose="02070309020205020404" pitchFamily="49" charset="0"/>
+              </a:rPr>
+              <a:t> </a:t>
+            </a:r>
+            <a:r>
+              <a:rPr kumimoji="0" lang="en-US" altLang="en-US" sz="1400" b="0" i="0" u="none" strike="noStrike" cap="none" normalizeH="0" baseline="0" dirty="0" err="1" smtClean="0">
+                <a:ln>
+                  <a:noFill/>
+                </a:ln>
+                <a:solidFill>
+                  <a:srgbClr val="A9B7C6"/>
+                </a:solidFill>
+                <a:effectLst/>
+                <a:latin typeface="Courier New" panose="02070309020205020404" pitchFamily="49" charset="0"/>
+                <a:cs typeface="Courier New" panose="02070309020205020404" pitchFamily="49" charset="0"/>
+              </a:rPr>
+              <a:t>i</a:t>
+            </a:r>
+            <a:r>
+              <a:rPr kumimoji="0" lang="en-US" altLang="en-US" sz="1400" b="0" i="0" u="none" strike="noStrike" cap="none" normalizeH="0" baseline="0" dirty="0" smtClean="0">
+                <a:ln>
+                  <a:noFill/>
+                </a:ln>
+                <a:solidFill>
+                  <a:srgbClr val="A9B7C6"/>
+                </a:solidFill>
+                <a:effectLst/>
+                <a:latin typeface="Courier New" panose="02070309020205020404" pitchFamily="49" charset="0"/>
+                <a:cs typeface="Courier New" panose="02070309020205020404" pitchFamily="49" charset="0"/>
+              </a:rPr>
+              <a:t> = </a:t>
+            </a:r>
+            <a:r>
+              <a:rPr kumimoji="0" lang="en-US" altLang="en-US" sz="1400" b="0" i="0" u="none" strike="noStrike" cap="none" normalizeH="0" baseline="0" dirty="0" smtClean="0">
+                <a:ln>
+                  <a:noFill/>
+                </a:ln>
+                <a:solidFill>
+                  <a:srgbClr val="6897BB"/>
+                </a:solidFill>
+                <a:effectLst/>
+                <a:latin typeface="Courier New" panose="02070309020205020404" pitchFamily="49" charset="0"/>
+                <a:cs typeface="Courier New" panose="02070309020205020404" pitchFamily="49" charset="0"/>
+              </a:rPr>
+              <a:t>0</a:t>
+            </a:r>
+            <a:r>
+              <a:rPr kumimoji="0" lang="en-US" altLang="en-US" sz="1400" b="0" i="0" u="none" strike="noStrike" cap="none" normalizeH="0" baseline="0" dirty="0" smtClean="0">
+                <a:ln>
+                  <a:noFill/>
+                </a:ln>
+                <a:solidFill>
+                  <a:srgbClr val="CC7832"/>
+                </a:solidFill>
+                <a:effectLst/>
+                <a:latin typeface="Courier New" panose="02070309020205020404" pitchFamily="49" charset="0"/>
+                <a:cs typeface="Courier New" panose="02070309020205020404" pitchFamily="49" charset="0"/>
+              </a:rPr>
+              <a:t>; </a:t>
+            </a:r>
+            <a:r>
+              <a:rPr kumimoji="0" lang="en-US" altLang="en-US" sz="1400" b="0" i="0" u="none" strike="noStrike" cap="none" normalizeH="0" baseline="0" dirty="0" err="1" smtClean="0">
+                <a:ln>
+                  <a:noFill/>
+                </a:ln>
+                <a:solidFill>
+                  <a:srgbClr val="A9B7C6"/>
+                </a:solidFill>
+                <a:effectLst/>
+                <a:latin typeface="Courier New" panose="02070309020205020404" pitchFamily="49" charset="0"/>
+                <a:cs typeface="Courier New" panose="02070309020205020404" pitchFamily="49" charset="0"/>
+              </a:rPr>
+              <a:t>i</a:t>
+            </a:r>
+            <a:r>
+              <a:rPr kumimoji="0" lang="en-US" altLang="en-US" sz="1400" b="0" i="0" u="none" strike="noStrike" cap="none" normalizeH="0" baseline="0" dirty="0" smtClean="0">
+                <a:ln>
+                  <a:noFill/>
+                </a:ln>
+                <a:solidFill>
+                  <a:srgbClr val="A9B7C6"/>
+                </a:solidFill>
+                <a:effectLst/>
+                <a:latin typeface="Courier New" panose="02070309020205020404" pitchFamily="49" charset="0"/>
+                <a:cs typeface="Courier New" panose="02070309020205020404" pitchFamily="49" charset="0"/>
+              </a:rPr>
+              <a:t>&lt; </a:t>
+            </a:r>
+            <a:r>
+              <a:rPr kumimoji="0" lang="en-US" altLang="en-US" sz="1400" b="0" i="0" u="none" strike="noStrike" cap="none" normalizeH="0" baseline="0" dirty="0" smtClean="0">
+                <a:ln>
+                  <a:noFill/>
+                </a:ln>
+                <a:solidFill>
+                  <a:srgbClr val="6897BB"/>
+                </a:solidFill>
+                <a:effectLst/>
+                <a:latin typeface="Courier New" panose="02070309020205020404" pitchFamily="49" charset="0"/>
+                <a:cs typeface="Courier New" panose="02070309020205020404" pitchFamily="49" charset="0"/>
+              </a:rPr>
+              <a:t>100000</a:t>
+            </a:r>
+            <a:r>
+              <a:rPr kumimoji="0" lang="en-US" altLang="en-US" sz="1400" b="0" i="0" u="none" strike="noStrike" cap="none" normalizeH="0" baseline="0" dirty="0" smtClean="0">
+                <a:ln>
+                  <a:noFill/>
+                </a:ln>
+                <a:solidFill>
+                  <a:srgbClr val="CC7832"/>
+                </a:solidFill>
+                <a:effectLst/>
+                <a:latin typeface="Courier New" panose="02070309020205020404" pitchFamily="49" charset="0"/>
+                <a:cs typeface="Courier New" panose="02070309020205020404" pitchFamily="49" charset="0"/>
+              </a:rPr>
+              <a:t>; </a:t>
+            </a:r>
+            <a:r>
+              <a:rPr kumimoji="0" lang="en-US" altLang="en-US" sz="1400" b="0" i="0" u="none" strike="noStrike" cap="none" normalizeH="0" baseline="0" dirty="0" err="1" smtClean="0">
+                <a:ln>
+                  <a:noFill/>
+                </a:ln>
+                <a:solidFill>
+                  <a:srgbClr val="A9B7C6"/>
+                </a:solidFill>
+                <a:effectLst/>
+                <a:latin typeface="Courier New" panose="02070309020205020404" pitchFamily="49" charset="0"/>
+                <a:cs typeface="Courier New" panose="02070309020205020404" pitchFamily="49" charset="0"/>
+              </a:rPr>
+              <a:t>i</a:t>
+            </a:r>
+            <a:r>
+              <a:rPr kumimoji="0" lang="en-US" altLang="en-US" sz="1400" b="0" i="0" u="none" strike="noStrike" cap="none" normalizeH="0" baseline="0" dirty="0" smtClean="0">
+                <a:ln>
+                  <a:noFill/>
+                </a:ln>
+                <a:solidFill>
+                  <a:srgbClr val="A9B7C6"/>
+                </a:solidFill>
+                <a:effectLst/>
+                <a:latin typeface="Courier New" panose="02070309020205020404" pitchFamily="49" charset="0"/>
+                <a:cs typeface="Courier New" panose="02070309020205020404" pitchFamily="49" charset="0"/>
+              </a:rPr>
+              <a:t>++)</a:t>
+            </a:r>
+            <a:br>
+              <a:rPr kumimoji="0" lang="en-US" altLang="en-US" sz="1400" b="0" i="0" u="none" strike="noStrike" cap="none" normalizeH="0" baseline="0" dirty="0" smtClean="0">
+                <a:ln>
+                  <a:noFill/>
+                </a:ln>
+                <a:solidFill>
+                  <a:srgbClr val="A9B7C6"/>
+                </a:solidFill>
+                <a:effectLst/>
+                <a:latin typeface="Courier New" panose="02070309020205020404" pitchFamily="49" charset="0"/>
+                <a:cs typeface="Courier New" panose="02070309020205020404" pitchFamily="49" charset="0"/>
+              </a:rPr>
+            </a:br>
+            <a:r>
+              <a:rPr kumimoji="0" lang="en-US" altLang="en-US" sz="1400" b="0" i="0" u="none" strike="noStrike" cap="none" normalizeH="0" baseline="0" dirty="0" smtClean="0">
+                <a:ln>
+                  <a:noFill/>
+                </a:ln>
+                <a:solidFill>
+                  <a:srgbClr val="A9B7C6"/>
+                </a:solidFill>
+                <a:effectLst/>
+                <a:latin typeface="Courier New" panose="02070309020205020404" pitchFamily="49" charset="0"/>
+                <a:cs typeface="Courier New" panose="02070309020205020404" pitchFamily="49" charset="0"/>
+              </a:rPr>
+              <a:t>{</a:t>
+            </a:r>
+            <a:br>
+              <a:rPr kumimoji="0" lang="en-US" altLang="en-US" sz="1400" b="0" i="0" u="none" strike="noStrike" cap="none" normalizeH="0" baseline="0" dirty="0" smtClean="0">
+                <a:ln>
+                  <a:noFill/>
+                </a:ln>
+                <a:solidFill>
+                  <a:srgbClr val="A9B7C6"/>
+                </a:solidFill>
+                <a:effectLst/>
+                <a:latin typeface="Courier New" panose="02070309020205020404" pitchFamily="49" charset="0"/>
+                <a:cs typeface="Courier New" panose="02070309020205020404" pitchFamily="49" charset="0"/>
+              </a:rPr>
+            </a:br>
+            <a:r>
+              <a:rPr kumimoji="0" lang="en-US" altLang="en-US" sz="1400" b="0" i="0" u="none" strike="noStrike" cap="none" normalizeH="0" baseline="0" dirty="0" smtClean="0">
+                <a:ln>
+                  <a:noFill/>
+                </a:ln>
+                <a:solidFill>
+                  <a:srgbClr val="A9B7C6"/>
+                </a:solidFill>
+                <a:effectLst/>
+                <a:latin typeface="Courier New" panose="02070309020205020404" pitchFamily="49" charset="0"/>
+                <a:cs typeface="Courier New" panose="02070309020205020404" pitchFamily="49" charset="0"/>
+              </a:rPr>
+              <a:t>    </a:t>
+            </a:r>
+            <a:r>
+              <a:rPr kumimoji="0" lang="en-US" altLang="en-US" sz="1400" b="0" i="0" u="none" strike="noStrike" cap="none" normalizeH="0" baseline="0" dirty="0" err="1" smtClean="0">
+                <a:ln>
+                  <a:noFill/>
+                </a:ln>
+                <a:solidFill>
+                  <a:srgbClr val="B9BCD1"/>
+                </a:solidFill>
+                <a:effectLst/>
+                <a:latin typeface="Courier New" panose="02070309020205020404" pitchFamily="49" charset="0"/>
+                <a:cs typeface="Courier New" panose="02070309020205020404" pitchFamily="49" charset="0"/>
+              </a:rPr>
+              <a:t>jstring</a:t>
+            </a:r>
+            <a:r>
+              <a:rPr kumimoji="0" lang="en-US" altLang="en-US" sz="1400" b="0" i="0" u="none" strike="noStrike" cap="none" normalizeH="0" baseline="0" dirty="0" smtClean="0">
+                <a:ln>
+                  <a:noFill/>
+                </a:ln>
+                <a:solidFill>
+                  <a:srgbClr val="B9BCD1"/>
+                </a:solidFill>
+                <a:effectLst/>
+                <a:latin typeface="Courier New" panose="02070309020205020404" pitchFamily="49" charset="0"/>
+                <a:cs typeface="Courier New" panose="02070309020205020404" pitchFamily="49" charset="0"/>
+              </a:rPr>
+              <a:t> </a:t>
+            </a:r>
+            <a:r>
+              <a:rPr kumimoji="0" lang="en-US" altLang="en-US" sz="1400" b="0" i="0" u="none" strike="noStrike" cap="none" normalizeH="0" baseline="0" dirty="0" err="1" smtClean="0">
+                <a:ln>
+                  <a:noFill/>
+                </a:ln>
+                <a:solidFill>
+                  <a:srgbClr val="A9B7C6"/>
+                </a:solidFill>
+                <a:effectLst/>
+                <a:latin typeface="Courier New" panose="02070309020205020404" pitchFamily="49" charset="0"/>
+                <a:cs typeface="Courier New" panose="02070309020205020404" pitchFamily="49" charset="0"/>
+              </a:rPr>
+              <a:t>testString</a:t>
+            </a:r>
+            <a:r>
+              <a:rPr kumimoji="0" lang="en-US" altLang="en-US" sz="1400" b="0" i="0" u="none" strike="noStrike" cap="none" normalizeH="0" baseline="0" dirty="0" smtClean="0">
+                <a:ln>
+                  <a:noFill/>
+                </a:ln>
+                <a:solidFill>
+                  <a:srgbClr val="A9B7C6"/>
+                </a:solidFill>
+                <a:effectLst/>
+                <a:latin typeface="Courier New" panose="02070309020205020404" pitchFamily="49" charset="0"/>
+                <a:cs typeface="Courier New" panose="02070309020205020404" pitchFamily="49" charset="0"/>
+              </a:rPr>
+              <a:t> = </a:t>
+            </a:r>
+            <a:r>
+              <a:rPr kumimoji="0" lang="en-US" altLang="en-US" sz="1400" b="0" i="0" u="none" strike="noStrike" cap="none" normalizeH="0" baseline="0" dirty="0" err="1" smtClean="0">
+                <a:ln>
+                  <a:noFill/>
+                </a:ln>
+                <a:solidFill>
+                  <a:srgbClr val="A9B7C6"/>
+                </a:solidFill>
+                <a:effectLst/>
+                <a:latin typeface="Courier New" panose="02070309020205020404" pitchFamily="49" charset="0"/>
+                <a:cs typeface="Courier New" panose="02070309020205020404" pitchFamily="49" charset="0"/>
+              </a:rPr>
+              <a:t>env</a:t>
+            </a:r>
+            <a:r>
+              <a:rPr kumimoji="0" lang="en-US" altLang="en-US" sz="1400" b="0" i="0" u="none" strike="noStrike" cap="none" normalizeH="0" baseline="0" dirty="0" smtClean="0">
+                <a:ln>
+                  <a:noFill/>
+                </a:ln>
+                <a:solidFill>
+                  <a:srgbClr val="A9B7C6"/>
+                </a:solidFill>
+                <a:effectLst/>
+                <a:latin typeface="Courier New" panose="02070309020205020404" pitchFamily="49" charset="0"/>
+                <a:cs typeface="Courier New" panose="02070309020205020404" pitchFamily="49" charset="0"/>
+              </a:rPr>
+              <a:t>-&gt;</a:t>
+            </a:r>
+            <a:r>
+              <a:rPr kumimoji="0" lang="en-US" altLang="en-US" sz="1400" b="0" i="0" u="none" strike="noStrike" cap="none" normalizeH="0" baseline="0" dirty="0" err="1" smtClean="0">
+                <a:ln>
+                  <a:noFill/>
+                </a:ln>
+                <a:solidFill>
+                  <a:srgbClr val="A9B7C6"/>
+                </a:solidFill>
+                <a:effectLst/>
+                <a:latin typeface="Courier New" panose="02070309020205020404" pitchFamily="49" charset="0"/>
+                <a:cs typeface="Courier New" panose="02070309020205020404" pitchFamily="49" charset="0"/>
+              </a:rPr>
+              <a:t>NewStringUTF</a:t>
+            </a:r>
+            <a:r>
+              <a:rPr kumimoji="0" lang="en-US" altLang="en-US" sz="1400" b="0" i="0" u="none" strike="noStrike" cap="none" normalizeH="0" baseline="0" dirty="0" smtClean="0">
+                <a:ln>
+                  <a:noFill/>
+                </a:ln>
+                <a:solidFill>
+                  <a:srgbClr val="A9B7C6"/>
+                </a:solidFill>
+                <a:effectLst/>
+                <a:latin typeface="Courier New" panose="02070309020205020404" pitchFamily="49" charset="0"/>
+                <a:cs typeface="Courier New" panose="02070309020205020404" pitchFamily="49" charset="0"/>
+              </a:rPr>
+              <a:t>(</a:t>
+            </a:r>
+            <a:r>
+              <a:rPr kumimoji="0" lang="en-US" altLang="en-US" sz="1400" b="0" i="0" u="none" strike="noStrike" cap="none" normalizeH="0" baseline="0" dirty="0" smtClean="0">
+                <a:ln>
+                  <a:noFill/>
+                </a:ln>
+                <a:solidFill>
+                  <a:srgbClr val="6A8759"/>
+                </a:solidFill>
+                <a:effectLst/>
+                <a:latin typeface="Courier New" panose="02070309020205020404" pitchFamily="49" charset="0"/>
+                <a:cs typeface="Courier New" panose="02070309020205020404" pitchFamily="49" charset="0"/>
+              </a:rPr>
+              <a:t>"Test String"</a:t>
+            </a:r>
+            <a:r>
+              <a:rPr kumimoji="0" lang="en-US" altLang="en-US" sz="1400" b="0" i="0" u="none" strike="noStrike" cap="none" normalizeH="0" baseline="0" dirty="0" smtClean="0">
+                <a:ln>
+                  <a:noFill/>
+                </a:ln>
+                <a:solidFill>
+                  <a:srgbClr val="A9B7C6"/>
+                </a:solidFill>
+                <a:effectLst/>
+                <a:latin typeface="Courier New" panose="02070309020205020404" pitchFamily="49" charset="0"/>
+                <a:cs typeface="Courier New" panose="02070309020205020404" pitchFamily="49" charset="0"/>
+              </a:rPr>
+              <a:t>)</a:t>
+            </a:r>
+            <a:r>
+              <a:rPr kumimoji="0" lang="en-US" altLang="en-US" sz="1400" b="0" i="0" u="none" strike="noStrike" cap="none" normalizeH="0" baseline="0" dirty="0" smtClean="0">
+                <a:ln>
+                  <a:noFill/>
+                </a:ln>
+                <a:solidFill>
+                  <a:srgbClr val="CC7832"/>
+                </a:solidFill>
+                <a:effectLst/>
+                <a:latin typeface="Courier New" panose="02070309020205020404" pitchFamily="49" charset="0"/>
+                <a:cs typeface="Courier New" panose="02070309020205020404" pitchFamily="49" charset="0"/>
+              </a:rPr>
+              <a:t>;</a:t>
+            </a:r>
+            <a:br>
+              <a:rPr kumimoji="0" lang="en-US" altLang="en-US" sz="1400" b="0" i="0" u="none" strike="noStrike" cap="none" normalizeH="0" baseline="0" dirty="0" smtClean="0">
+                <a:ln>
+                  <a:noFill/>
+                </a:ln>
+                <a:solidFill>
+                  <a:srgbClr val="CC7832"/>
+                </a:solidFill>
+                <a:effectLst/>
+                <a:latin typeface="Courier New" panose="02070309020205020404" pitchFamily="49" charset="0"/>
+                <a:cs typeface="Courier New" panose="02070309020205020404" pitchFamily="49" charset="0"/>
+              </a:rPr>
+            </a:br>
+            <a:r>
+              <a:rPr kumimoji="0" lang="en-US" altLang="en-US" sz="1400" b="0" i="0" u="none" strike="noStrike" cap="none" normalizeH="0" baseline="0" dirty="0" smtClean="0">
+                <a:ln>
+                  <a:noFill/>
+                </a:ln>
+                <a:solidFill>
+                  <a:srgbClr val="CC7832"/>
+                </a:solidFill>
+                <a:effectLst/>
+                <a:latin typeface="Courier New" panose="02070309020205020404" pitchFamily="49" charset="0"/>
+                <a:cs typeface="Courier New" panose="02070309020205020404" pitchFamily="49" charset="0"/>
+              </a:rPr>
+              <a:t>    </a:t>
+            </a:r>
+            <a:r>
+              <a:rPr kumimoji="0" lang="en-US" altLang="en-US" sz="1400" b="0" i="0" u="none" strike="noStrike" cap="none" normalizeH="0" baseline="0" dirty="0" err="1" smtClean="0">
+                <a:ln>
+                  <a:noFill/>
+                </a:ln>
+                <a:solidFill>
+                  <a:srgbClr val="B9BCD1"/>
+                </a:solidFill>
+                <a:effectLst/>
+                <a:latin typeface="Courier New" panose="02070309020205020404" pitchFamily="49" charset="0"/>
+                <a:cs typeface="Courier New" panose="02070309020205020404" pitchFamily="49" charset="0"/>
+              </a:rPr>
+              <a:t>jobject</a:t>
+            </a:r>
+            <a:r>
+              <a:rPr kumimoji="0" lang="en-US" altLang="en-US" sz="1400" b="0" i="0" u="none" strike="noStrike" cap="none" normalizeH="0" baseline="0" dirty="0" smtClean="0">
+                <a:ln>
+                  <a:noFill/>
+                </a:ln>
+                <a:solidFill>
+                  <a:srgbClr val="B9BCD1"/>
+                </a:solidFill>
+                <a:effectLst/>
+                <a:latin typeface="Courier New" panose="02070309020205020404" pitchFamily="49" charset="0"/>
+                <a:cs typeface="Courier New" panose="02070309020205020404" pitchFamily="49" charset="0"/>
+              </a:rPr>
+              <a:t> </a:t>
+            </a:r>
+            <a:r>
+              <a:rPr kumimoji="0" lang="en-US" altLang="en-US" sz="1400" b="0" i="0" u="none" strike="noStrike" cap="none" normalizeH="0" baseline="0" dirty="0" err="1" smtClean="0">
+                <a:ln>
+                  <a:noFill/>
+                </a:ln>
+                <a:solidFill>
+                  <a:srgbClr val="A9B7C6"/>
+                </a:solidFill>
+                <a:effectLst/>
+                <a:latin typeface="Courier New" panose="02070309020205020404" pitchFamily="49" charset="0"/>
+                <a:cs typeface="Courier New" panose="02070309020205020404" pitchFamily="49" charset="0"/>
+              </a:rPr>
+              <a:t>globalObject</a:t>
+            </a:r>
+            <a:r>
+              <a:rPr kumimoji="0" lang="en-US" altLang="en-US" sz="1400" b="0" i="0" u="none" strike="noStrike" cap="none" normalizeH="0" baseline="0" dirty="0" smtClean="0">
+                <a:ln>
+                  <a:noFill/>
+                </a:ln>
+                <a:solidFill>
+                  <a:srgbClr val="A9B7C6"/>
+                </a:solidFill>
+                <a:effectLst/>
+                <a:latin typeface="Courier New" panose="02070309020205020404" pitchFamily="49" charset="0"/>
+                <a:cs typeface="Courier New" panose="02070309020205020404" pitchFamily="49" charset="0"/>
+              </a:rPr>
+              <a:t> = </a:t>
+            </a:r>
+            <a:r>
+              <a:rPr kumimoji="0" lang="en-US" altLang="en-US" sz="1400" b="0" i="0" u="none" strike="noStrike" cap="none" normalizeH="0" baseline="0" dirty="0" err="1" smtClean="0">
+                <a:ln>
+                  <a:noFill/>
+                </a:ln>
+                <a:solidFill>
+                  <a:srgbClr val="A9B7C6"/>
+                </a:solidFill>
+                <a:effectLst/>
+                <a:latin typeface="Courier New" panose="02070309020205020404" pitchFamily="49" charset="0"/>
+                <a:cs typeface="Courier New" panose="02070309020205020404" pitchFamily="49" charset="0"/>
+              </a:rPr>
+              <a:t>env</a:t>
+            </a:r>
+            <a:r>
+              <a:rPr kumimoji="0" lang="en-US" altLang="en-US" sz="1400" b="0" i="0" u="none" strike="noStrike" cap="none" normalizeH="0" baseline="0" dirty="0" smtClean="0">
+                <a:ln>
+                  <a:noFill/>
+                </a:ln>
+                <a:solidFill>
+                  <a:srgbClr val="A9B7C6"/>
+                </a:solidFill>
+                <a:effectLst/>
+                <a:latin typeface="Courier New" panose="02070309020205020404" pitchFamily="49" charset="0"/>
+                <a:cs typeface="Courier New" panose="02070309020205020404" pitchFamily="49" charset="0"/>
+              </a:rPr>
+              <a:t>-&gt;</a:t>
+            </a:r>
+            <a:r>
+              <a:rPr kumimoji="0" lang="en-US" altLang="en-US" sz="1400" b="0" i="0" u="none" strike="noStrike" cap="none" normalizeH="0" baseline="0" dirty="0" err="1" smtClean="0">
+                <a:ln>
+                  <a:noFill/>
+                </a:ln>
+                <a:solidFill>
+                  <a:srgbClr val="A9B7C6"/>
+                </a:solidFill>
+                <a:effectLst/>
+                <a:latin typeface="Courier New" panose="02070309020205020404" pitchFamily="49" charset="0"/>
+                <a:cs typeface="Courier New" panose="02070309020205020404" pitchFamily="49" charset="0"/>
+              </a:rPr>
+              <a:t>NewGlobalRef</a:t>
+            </a:r>
+            <a:r>
+              <a:rPr kumimoji="0" lang="en-US" altLang="en-US" sz="1400" b="0" i="0" u="none" strike="noStrike" cap="none" normalizeH="0" baseline="0" dirty="0" smtClean="0">
+                <a:ln>
+                  <a:noFill/>
+                </a:ln>
+                <a:solidFill>
+                  <a:srgbClr val="A9B7C6"/>
+                </a:solidFill>
+                <a:effectLst/>
+                <a:latin typeface="Courier New" panose="02070309020205020404" pitchFamily="49" charset="0"/>
+                <a:cs typeface="Courier New" panose="02070309020205020404" pitchFamily="49" charset="0"/>
+              </a:rPr>
+              <a:t>(</a:t>
+            </a:r>
+            <a:r>
+              <a:rPr kumimoji="0" lang="en-US" altLang="en-US" sz="1400" b="0" i="0" u="none" strike="noStrike" cap="none" normalizeH="0" baseline="0" dirty="0" err="1" smtClean="0">
+                <a:ln>
+                  <a:noFill/>
+                </a:ln>
+                <a:solidFill>
+                  <a:srgbClr val="A9B7C6"/>
+                </a:solidFill>
+                <a:effectLst/>
+                <a:latin typeface="Courier New" panose="02070309020205020404" pitchFamily="49" charset="0"/>
+                <a:cs typeface="Courier New" panose="02070309020205020404" pitchFamily="49" charset="0"/>
+              </a:rPr>
+              <a:t>testString</a:t>
+            </a:r>
+            <a:r>
+              <a:rPr kumimoji="0" lang="en-US" altLang="en-US" sz="1400" b="0" i="0" u="none" strike="noStrike" cap="none" normalizeH="0" baseline="0" dirty="0" smtClean="0">
+                <a:ln>
+                  <a:noFill/>
+                </a:ln>
+                <a:solidFill>
+                  <a:srgbClr val="A9B7C6"/>
+                </a:solidFill>
+                <a:effectLst/>
+                <a:latin typeface="Courier New" panose="02070309020205020404" pitchFamily="49" charset="0"/>
+                <a:cs typeface="Courier New" panose="02070309020205020404" pitchFamily="49" charset="0"/>
+              </a:rPr>
+              <a:t>)</a:t>
+            </a:r>
+            <a:r>
+              <a:rPr kumimoji="0" lang="en-US" altLang="en-US" sz="1400" b="0" i="0" u="none" strike="noStrike" cap="none" normalizeH="0" baseline="0" dirty="0" smtClean="0">
+                <a:ln>
+                  <a:noFill/>
+                </a:ln>
+                <a:solidFill>
+                  <a:srgbClr val="CC7832"/>
+                </a:solidFill>
+                <a:effectLst/>
+                <a:latin typeface="Courier New" panose="02070309020205020404" pitchFamily="49" charset="0"/>
+                <a:cs typeface="Courier New" panose="02070309020205020404" pitchFamily="49" charset="0"/>
+              </a:rPr>
+              <a:t>;</a:t>
+            </a:r>
+          </a:p>
+          <a:p>
+            <a:pPr marL="0" marR="0" lvl="0" indent="0" algn="l" defTabSz="914400" rtl="0" eaLnBrk="0" fontAlgn="base" latinLnBrk="0" hangingPunct="0">
+              <a:lnSpc>
+                <a:spcPct val="100000"/>
+              </a:lnSpc>
+              <a:spcBef>
+                <a:spcPct val="0"/>
+              </a:spcBef>
+              <a:spcAft>
+                <a:spcPct val="0"/>
+              </a:spcAft>
+              <a:buClrTx/>
+              <a:buSzTx/>
+              <a:buFontTx/>
+              <a:buNone/>
+              <a:tabLst/>
+            </a:pPr>
+            <a:r>
+              <a:rPr kumimoji="0" lang="en-US" altLang="en-US" sz="1400" b="0" i="0" u="none" strike="noStrike" cap="none" normalizeH="0" baseline="0" dirty="0" smtClean="0">
+                <a:ln>
+                  <a:noFill/>
+                </a:ln>
+                <a:solidFill>
+                  <a:srgbClr val="CC7832"/>
+                </a:solidFill>
+                <a:effectLst/>
+                <a:latin typeface="Courier New" panose="02070309020205020404" pitchFamily="49" charset="0"/>
+                <a:cs typeface="Courier New" panose="02070309020205020404" pitchFamily="49" charset="0"/>
+              </a:rPr>
+              <a:t/>
+            </a:r>
+            <a:br>
+              <a:rPr kumimoji="0" lang="en-US" altLang="en-US" sz="1400" b="0" i="0" u="none" strike="noStrike" cap="none" normalizeH="0" baseline="0" dirty="0" smtClean="0">
+                <a:ln>
+                  <a:noFill/>
+                </a:ln>
+                <a:solidFill>
+                  <a:srgbClr val="CC7832"/>
+                </a:solidFill>
+                <a:effectLst/>
+                <a:latin typeface="Courier New" panose="02070309020205020404" pitchFamily="49" charset="0"/>
+                <a:cs typeface="Courier New" panose="02070309020205020404" pitchFamily="49" charset="0"/>
+              </a:rPr>
+            </a:br>
+            <a:r>
+              <a:rPr kumimoji="0" lang="en-US" altLang="en-US" sz="1400" b="0" i="0" u="none" strike="noStrike" cap="none" normalizeH="0" baseline="0" dirty="0" smtClean="0">
+                <a:ln>
+                  <a:noFill/>
+                </a:ln>
+                <a:solidFill>
+                  <a:srgbClr val="CC7832"/>
+                </a:solidFill>
+                <a:effectLst/>
+                <a:latin typeface="Courier New" panose="02070309020205020404" pitchFamily="49" charset="0"/>
+                <a:cs typeface="Courier New" panose="02070309020205020404" pitchFamily="49" charset="0"/>
+              </a:rPr>
+              <a:t>    </a:t>
+            </a:r>
+            <a:r>
+              <a:rPr kumimoji="0" lang="en-US" altLang="en-US" sz="1400" b="0" i="0" u="none" strike="noStrike" cap="none" normalizeH="0" baseline="0" dirty="0" err="1" smtClean="0">
+                <a:ln>
+                  <a:noFill/>
+                </a:ln>
+                <a:solidFill>
+                  <a:srgbClr val="A9B7C6"/>
+                </a:solidFill>
+                <a:effectLst/>
+                <a:latin typeface="Courier New" panose="02070309020205020404" pitchFamily="49" charset="0"/>
+                <a:cs typeface="Courier New" panose="02070309020205020404" pitchFamily="49" charset="0"/>
+              </a:rPr>
+              <a:t>globalArray.push_back</a:t>
+            </a:r>
+            <a:r>
+              <a:rPr kumimoji="0" lang="en-US" altLang="en-US" sz="1400" b="0" i="0" u="none" strike="noStrike" cap="none" normalizeH="0" baseline="0" dirty="0" smtClean="0">
+                <a:ln>
+                  <a:noFill/>
+                </a:ln>
+                <a:solidFill>
+                  <a:srgbClr val="A9B7C6"/>
+                </a:solidFill>
+                <a:effectLst/>
+                <a:latin typeface="Courier New" panose="02070309020205020404" pitchFamily="49" charset="0"/>
+                <a:cs typeface="Courier New" panose="02070309020205020404" pitchFamily="49" charset="0"/>
+              </a:rPr>
+              <a:t>(</a:t>
+            </a:r>
+            <a:r>
+              <a:rPr kumimoji="0" lang="en-US" altLang="en-US" sz="1400" b="0" i="0" u="none" strike="noStrike" cap="none" normalizeH="0" baseline="0" dirty="0" err="1" smtClean="0">
+                <a:ln>
+                  <a:noFill/>
+                </a:ln>
+                <a:solidFill>
+                  <a:srgbClr val="A9B7C6"/>
+                </a:solidFill>
+                <a:effectLst/>
+                <a:latin typeface="Courier New" panose="02070309020205020404" pitchFamily="49" charset="0"/>
+                <a:cs typeface="Courier New" panose="02070309020205020404" pitchFamily="49" charset="0"/>
+              </a:rPr>
+              <a:t>globalObject</a:t>
+            </a:r>
+            <a:r>
+              <a:rPr kumimoji="0" lang="en-US" altLang="en-US" sz="1400" b="0" i="0" u="none" strike="noStrike" cap="none" normalizeH="0" baseline="0" dirty="0" smtClean="0">
+                <a:ln>
+                  <a:noFill/>
+                </a:ln>
+                <a:solidFill>
+                  <a:srgbClr val="A9B7C6"/>
+                </a:solidFill>
+                <a:effectLst/>
+                <a:latin typeface="Courier New" panose="02070309020205020404" pitchFamily="49" charset="0"/>
+                <a:cs typeface="Courier New" panose="02070309020205020404" pitchFamily="49" charset="0"/>
+              </a:rPr>
+              <a:t>)</a:t>
+            </a:r>
+            <a:r>
+              <a:rPr kumimoji="0" lang="en-US" altLang="en-US" sz="1400" b="0" i="0" u="none" strike="noStrike" cap="none" normalizeH="0" baseline="0" dirty="0" smtClean="0">
+                <a:ln>
+                  <a:noFill/>
+                </a:ln>
+                <a:solidFill>
+                  <a:srgbClr val="CC7832"/>
+                </a:solidFill>
+                <a:effectLst/>
+                <a:latin typeface="Courier New" panose="02070309020205020404" pitchFamily="49" charset="0"/>
+                <a:cs typeface="Courier New" panose="02070309020205020404" pitchFamily="49" charset="0"/>
+              </a:rPr>
+              <a:t>;</a:t>
+            </a:r>
+            <a:br>
+              <a:rPr kumimoji="0" lang="en-US" altLang="en-US" sz="1400" b="0" i="0" u="none" strike="noStrike" cap="none" normalizeH="0" baseline="0" dirty="0" smtClean="0">
+                <a:ln>
+                  <a:noFill/>
+                </a:ln>
+                <a:solidFill>
+                  <a:srgbClr val="CC7832"/>
+                </a:solidFill>
+                <a:effectLst/>
+                <a:latin typeface="Courier New" panose="02070309020205020404" pitchFamily="49" charset="0"/>
+                <a:cs typeface="Courier New" panose="02070309020205020404" pitchFamily="49" charset="0"/>
+              </a:rPr>
+            </a:br>
+            <a:r>
+              <a:rPr kumimoji="0" lang="en-US" altLang="en-US" sz="1400" b="0" i="0" u="none" strike="noStrike" cap="none" normalizeH="0" baseline="0" dirty="0" smtClean="0">
+                <a:ln>
+                  <a:noFill/>
+                </a:ln>
+                <a:solidFill>
+                  <a:srgbClr val="CC7832"/>
+                </a:solidFill>
+                <a:effectLst/>
+                <a:latin typeface="Courier New" panose="02070309020205020404" pitchFamily="49" charset="0"/>
+                <a:cs typeface="Courier New" panose="02070309020205020404" pitchFamily="49" charset="0"/>
+              </a:rPr>
+              <a:t>    </a:t>
+            </a:r>
+            <a:r>
+              <a:rPr kumimoji="0" lang="en-US" altLang="en-US" sz="1400" b="0" i="0" u="none" strike="noStrike" cap="none" normalizeH="0" baseline="0" dirty="0" err="1" smtClean="0">
+                <a:ln>
+                  <a:noFill/>
+                </a:ln>
+                <a:solidFill>
+                  <a:srgbClr val="A9B7C6"/>
+                </a:solidFill>
+                <a:effectLst/>
+                <a:latin typeface="Courier New" panose="02070309020205020404" pitchFamily="49" charset="0"/>
+                <a:cs typeface="Courier New" panose="02070309020205020404" pitchFamily="49" charset="0"/>
+              </a:rPr>
+              <a:t>env</a:t>
+            </a:r>
+            <a:r>
+              <a:rPr kumimoji="0" lang="en-US" altLang="en-US" sz="1400" b="0" i="0" u="none" strike="noStrike" cap="none" normalizeH="0" baseline="0" dirty="0" smtClean="0">
+                <a:ln>
+                  <a:noFill/>
+                </a:ln>
+                <a:solidFill>
+                  <a:srgbClr val="A9B7C6"/>
+                </a:solidFill>
+                <a:effectLst/>
+                <a:latin typeface="Courier New" panose="02070309020205020404" pitchFamily="49" charset="0"/>
+                <a:cs typeface="Courier New" panose="02070309020205020404" pitchFamily="49" charset="0"/>
+              </a:rPr>
+              <a:t>-&gt;</a:t>
+            </a:r>
+            <a:r>
+              <a:rPr kumimoji="0" lang="en-US" altLang="en-US" sz="1400" b="0" i="0" u="none" strike="noStrike" cap="none" normalizeH="0" baseline="0" dirty="0" err="1" smtClean="0">
+                <a:ln>
+                  <a:noFill/>
+                </a:ln>
+                <a:solidFill>
+                  <a:srgbClr val="A9B7C6"/>
+                </a:solidFill>
+                <a:effectLst/>
+                <a:latin typeface="Courier New" panose="02070309020205020404" pitchFamily="49" charset="0"/>
+                <a:cs typeface="Courier New" panose="02070309020205020404" pitchFamily="49" charset="0"/>
+              </a:rPr>
+              <a:t>DeleteLocalRef</a:t>
+            </a:r>
+            <a:r>
+              <a:rPr kumimoji="0" lang="en-US" altLang="en-US" sz="1400" b="0" i="0" u="none" strike="noStrike" cap="none" normalizeH="0" baseline="0" dirty="0" smtClean="0">
+                <a:ln>
+                  <a:noFill/>
+                </a:ln>
+                <a:solidFill>
+                  <a:srgbClr val="A9B7C6"/>
+                </a:solidFill>
+                <a:effectLst/>
+                <a:latin typeface="Courier New" panose="02070309020205020404" pitchFamily="49" charset="0"/>
+                <a:cs typeface="Courier New" panose="02070309020205020404" pitchFamily="49" charset="0"/>
+              </a:rPr>
+              <a:t>(</a:t>
+            </a:r>
+            <a:r>
+              <a:rPr kumimoji="0" lang="en-US" altLang="en-US" sz="1400" b="0" i="0" u="none" strike="noStrike" cap="none" normalizeH="0" baseline="0" dirty="0" err="1" smtClean="0">
+                <a:ln>
+                  <a:noFill/>
+                </a:ln>
+                <a:solidFill>
+                  <a:srgbClr val="A9B7C6"/>
+                </a:solidFill>
+                <a:effectLst/>
+                <a:latin typeface="Courier New" panose="02070309020205020404" pitchFamily="49" charset="0"/>
+                <a:cs typeface="Courier New" panose="02070309020205020404" pitchFamily="49" charset="0"/>
+              </a:rPr>
+              <a:t>testString</a:t>
+            </a:r>
+            <a:r>
+              <a:rPr kumimoji="0" lang="en-US" altLang="en-US" sz="1400" b="0" i="0" u="none" strike="noStrike" cap="none" normalizeH="0" baseline="0" dirty="0" smtClean="0">
+                <a:ln>
+                  <a:noFill/>
+                </a:ln>
+                <a:solidFill>
+                  <a:srgbClr val="A9B7C6"/>
+                </a:solidFill>
+                <a:effectLst/>
+                <a:latin typeface="Courier New" panose="02070309020205020404" pitchFamily="49" charset="0"/>
+                <a:cs typeface="Courier New" panose="02070309020205020404" pitchFamily="49" charset="0"/>
+              </a:rPr>
+              <a:t>)</a:t>
+            </a:r>
+            <a:r>
+              <a:rPr kumimoji="0" lang="en-US" altLang="en-US" sz="1400" b="0" i="0" u="none" strike="noStrike" cap="none" normalizeH="0" baseline="0" dirty="0" smtClean="0">
+                <a:ln>
+                  <a:noFill/>
+                </a:ln>
+                <a:solidFill>
+                  <a:srgbClr val="CC7832"/>
+                </a:solidFill>
+                <a:effectLst/>
+                <a:latin typeface="Courier New" panose="02070309020205020404" pitchFamily="49" charset="0"/>
+                <a:cs typeface="Courier New" panose="02070309020205020404" pitchFamily="49" charset="0"/>
+              </a:rPr>
+              <a:t>;</a:t>
+            </a:r>
+            <a:br>
+              <a:rPr kumimoji="0" lang="en-US" altLang="en-US" sz="1400" b="0" i="0" u="none" strike="noStrike" cap="none" normalizeH="0" baseline="0" dirty="0" smtClean="0">
+                <a:ln>
+                  <a:noFill/>
+                </a:ln>
+                <a:solidFill>
+                  <a:srgbClr val="CC7832"/>
+                </a:solidFill>
+                <a:effectLst/>
+                <a:latin typeface="Courier New" panose="02070309020205020404" pitchFamily="49" charset="0"/>
+                <a:cs typeface="Courier New" panose="02070309020205020404" pitchFamily="49" charset="0"/>
+              </a:rPr>
+            </a:br>
+            <a:r>
+              <a:rPr kumimoji="0" lang="en-US" altLang="en-US" sz="1400" b="0" i="0" u="none" strike="noStrike" cap="none" normalizeH="0" baseline="0" dirty="0" smtClean="0">
+                <a:ln>
+                  <a:noFill/>
+                </a:ln>
+                <a:solidFill>
+                  <a:srgbClr val="A9B7C6"/>
+                </a:solidFill>
+                <a:effectLst/>
+                <a:latin typeface="Courier New" panose="02070309020205020404" pitchFamily="49" charset="0"/>
+                <a:cs typeface="Courier New" panose="02070309020205020404" pitchFamily="49" charset="0"/>
+              </a:rPr>
+              <a:t>}</a:t>
+            </a:r>
+            <a:r>
+              <a:rPr kumimoji="0" lang="en-US" altLang="en-US" sz="1000" b="0" i="0" u="none" strike="noStrike" cap="none" normalizeH="0" baseline="0" dirty="0" smtClean="0">
+                <a:ln>
+                  <a:noFill/>
+                </a:ln>
+                <a:solidFill>
+                  <a:srgbClr val="A9B7C6"/>
+                </a:solidFill>
+                <a:effectLst/>
+                <a:latin typeface="Courier New" panose="02070309020205020404" pitchFamily="49" charset="0"/>
+                <a:cs typeface="Courier New" panose="02070309020205020404" pitchFamily="49" charset="0"/>
+              </a:rPr>
+              <a:t/>
+            </a:r>
+            <a:br>
+              <a:rPr kumimoji="0" lang="en-US" altLang="en-US" sz="1000" b="0" i="0" u="none" strike="noStrike" cap="none" normalizeH="0" baseline="0" dirty="0" smtClean="0">
+                <a:ln>
+                  <a:noFill/>
+                </a:ln>
+                <a:solidFill>
+                  <a:srgbClr val="A9B7C6"/>
+                </a:solidFill>
+                <a:effectLst/>
+                <a:latin typeface="Courier New" panose="02070309020205020404" pitchFamily="49" charset="0"/>
+                <a:cs typeface="Courier New" panose="02070309020205020404" pitchFamily="49" charset="0"/>
+              </a:rPr>
+            </a:br>
+            <a:endParaRPr kumimoji="0" lang="en-US" altLang="en-US" sz="1800" b="0" i="0" u="none" strike="noStrike" cap="none" normalizeH="0" baseline="0" dirty="0" smtClean="0">
+              <a:ln>
+                <a:noFill/>
+              </a:ln>
+              <a:solidFill>
+                <a:schemeClr val="tx1"/>
+              </a:solidFill>
+              <a:effectLst/>
+              <a:latin typeface="Arial" panose="020B0604020202020204" pitchFamily="34" charset="0"/>
+            </a:endParaRPr>
+          </a:p>
+        </p:txBody>
+      </p:sp>
       <p:pic>
         <p:nvPicPr>
           <p:cNvPr id="6" name="Picture 5"/>
@@ -18116,8 +22923,8 @@
         </p:blipFill>
         <p:spPr>
           <a:xfrm>
-            <a:off x="7777357" y="1982850"/>
-            <a:ext cx="4267796" cy="2791215"/>
+            <a:off x="6796156" y="1695621"/>
+            <a:ext cx="4906107" cy="3208682"/>
           </a:xfrm>
           <a:prstGeom prst="rect">
             <a:avLst/>
@@ -18130,6 +22937,918 @@
           </a:effectLst>
         </p:spPr>
       </p:pic>
+      <p:sp>
+        <p:nvSpPr>
+          <p:cNvPr id="5" name="Rectangle 2"/>
+          <p:cNvSpPr>
+            <a:spLocks noChangeArrowheads="1"/>
+          </p:cNvSpPr>
+          <p:nvPr/>
+        </p:nvSpPr>
+        <p:spPr bwMode="auto">
+          <a:xfrm>
+            <a:off x="269767" y="2613595"/>
+            <a:ext cx="6537814" cy="1600438"/>
+          </a:xfrm>
+          <a:prstGeom prst="rect">
+            <a:avLst/>
+          </a:prstGeom>
+          <a:solidFill>
+            <a:srgbClr val="2B2B2B"/>
+          </a:solidFill>
+          <a:ln w="9525">
+            <a:solidFill>
+              <a:schemeClr val="bg1"/>
+            </a:solidFill>
+            <a:miter lim="800000"/>
+            <a:headEnd/>
+            <a:tailEnd/>
+          </a:ln>
+          <a:effectLst/>
+          <a:extLst>
+            <a:ext uri="{AF507438-7753-43E0-B8FC-AC1667EBCBE1}">
+              <a14:hiddenEffects xmlns:a14="http://schemas.microsoft.com/office/drawing/2010/main">
+                <a:effectLst>
+                  <a:outerShdw dist="35921" dir="2700000" algn="ctr" rotWithShape="0">
+                    <a:schemeClr val="bg2"/>
+                  </a:outerShdw>
+                </a:effectLst>
+              </a14:hiddenEffects>
+            </a:ext>
+          </a:extLst>
+        </p:spPr>
+        <p:txBody>
+          <a:bodyPr vert="horz" wrap="square" lIns="91440" tIns="45720" rIns="91440" bIns="45720" numCol="1" anchor="ctr" anchorCtr="0" compatLnSpc="1">
+            <a:prstTxWarp prst="textNoShape">
+              <a:avLst/>
+            </a:prstTxWarp>
+            <a:spAutoFit/>
+          </a:bodyPr>
+          <a:lstStyle/>
+          <a:p>
+            <a:pPr marL="0" marR="0" lvl="0" indent="0" algn="l" defTabSz="914400" rtl="0" eaLnBrk="0" fontAlgn="base" latinLnBrk="0" hangingPunct="0">
+              <a:lnSpc>
+                <a:spcPct val="100000"/>
+              </a:lnSpc>
+              <a:spcBef>
+                <a:spcPct val="0"/>
+              </a:spcBef>
+              <a:spcAft>
+                <a:spcPct val="0"/>
+              </a:spcAft>
+              <a:buClrTx/>
+              <a:buSzTx/>
+              <a:buFontTx/>
+              <a:buNone/>
+              <a:tabLst/>
+            </a:pPr>
+            <a:r>
+              <a:rPr kumimoji="0" lang="en-US" altLang="en-US" sz="1400" b="1" i="0" u="none" strike="noStrike" cap="none" normalizeH="0" baseline="0" dirty="0" smtClean="0">
+                <a:ln>
+                  <a:noFill/>
+                </a:ln>
+                <a:solidFill>
+                  <a:srgbClr val="CC7832"/>
+                </a:solidFill>
+                <a:effectLst/>
+                <a:latin typeface="Courier New" panose="02070309020205020404" pitchFamily="49" charset="0"/>
+                <a:cs typeface="Courier New" panose="02070309020205020404" pitchFamily="49" charset="0"/>
+              </a:rPr>
+              <a:t>for</a:t>
+            </a:r>
+            <a:r>
+              <a:rPr kumimoji="0" lang="en-US" altLang="en-US" sz="1400" b="0" i="0" u="none" strike="noStrike" cap="none" normalizeH="0" baseline="0" dirty="0" smtClean="0">
+                <a:ln>
+                  <a:noFill/>
+                </a:ln>
+                <a:solidFill>
+                  <a:srgbClr val="A9B7C6"/>
+                </a:solidFill>
+                <a:effectLst/>
+                <a:latin typeface="Courier New" panose="02070309020205020404" pitchFamily="49" charset="0"/>
+                <a:cs typeface="Courier New" panose="02070309020205020404" pitchFamily="49" charset="0"/>
+              </a:rPr>
+              <a:t>(</a:t>
+            </a:r>
+            <a:r>
+              <a:rPr kumimoji="0" lang="en-US" altLang="en-US" sz="1400" b="1" i="0" u="none" strike="noStrike" cap="none" normalizeH="0" baseline="0" dirty="0" err="1" smtClean="0">
+                <a:ln>
+                  <a:noFill/>
+                </a:ln>
+                <a:solidFill>
+                  <a:srgbClr val="CC7832"/>
+                </a:solidFill>
+                <a:effectLst/>
+                <a:latin typeface="Courier New" panose="02070309020205020404" pitchFamily="49" charset="0"/>
+                <a:cs typeface="Courier New" panose="02070309020205020404" pitchFamily="49" charset="0"/>
+              </a:rPr>
+              <a:t>int</a:t>
+            </a:r>
+            <a:r>
+              <a:rPr kumimoji="0" lang="en-US" altLang="en-US" sz="1400" b="1" i="0" u="none" strike="noStrike" cap="none" normalizeH="0" baseline="0" dirty="0" smtClean="0">
+                <a:ln>
+                  <a:noFill/>
+                </a:ln>
+                <a:solidFill>
+                  <a:srgbClr val="CC7832"/>
+                </a:solidFill>
+                <a:effectLst/>
+                <a:latin typeface="Courier New" panose="02070309020205020404" pitchFamily="49" charset="0"/>
+                <a:cs typeface="Courier New" panose="02070309020205020404" pitchFamily="49" charset="0"/>
+              </a:rPr>
+              <a:t> </a:t>
+            </a:r>
+            <a:r>
+              <a:rPr kumimoji="0" lang="en-US" altLang="en-US" sz="1400" b="0" i="0" u="none" strike="noStrike" cap="none" normalizeH="0" baseline="0" dirty="0" err="1" smtClean="0">
+                <a:ln>
+                  <a:noFill/>
+                </a:ln>
+                <a:solidFill>
+                  <a:srgbClr val="A9B7C6"/>
+                </a:solidFill>
+                <a:effectLst/>
+                <a:latin typeface="Courier New" panose="02070309020205020404" pitchFamily="49" charset="0"/>
+                <a:cs typeface="Courier New" panose="02070309020205020404" pitchFamily="49" charset="0"/>
+              </a:rPr>
+              <a:t>i</a:t>
+            </a:r>
+            <a:r>
+              <a:rPr kumimoji="0" lang="en-US" altLang="en-US" sz="1400" b="0" i="0" u="none" strike="noStrike" cap="none" normalizeH="0" baseline="0" dirty="0" smtClean="0">
+                <a:ln>
+                  <a:noFill/>
+                </a:ln>
+                <a:solidFill>
+                  <a:srgbClr val="A9B7C6"/>
+                </a:solidFill>
+                <a:effectLst/>
+                <a:latin typeface="Courier New" panose="02070309020205020404" pitchFamily="49" charset="0"/>
+                <a:cs typeface="Courier New" panose="02070309020205020404" pitchFamily="49" charset="0"/>
+              </a:rPr>
+              <a:t> = </a:t>
+            </a:r>
+            <a:r>
+              <a:rPr kumimoji="0" lang="en-US" altLang="en-US" sz="1400" b="0" i="0" u="none" strike="noStrike" cap="none" normalizeH="0" baseline="0" dirty="0" smtClean="0">
+                <a:ln>
+                  <a:noFill/>
+                </a:ln>
+                <a:solidFill>
+                  <a:srgbClr val="6897BB"/>
+                </a:solidFill>
+                <a:effectLst/>
+                <a:latin typeface="Courier New" panose="02070309020205020404" pitchFamily="49" charset="0"/>
+                <a:cs typeface="Courier New" panose="02070309020205020404" pitchFamily="49" charset="0"/>
+              </a:rPr>
+              <a:t>0</a:t>
+            </a:r>
+            <a:r>
+              <a:rPr kumimoji="0" lang="en-US" altLang="en-US" sz="1400" b="0" i="0" u="none" strike="noStrike" cap="none" normalizeH="0" baseline="0" dirty="0" smtClean="0">
+                <a:ln>
+                  <a:noFill/>
+                </a:ln>
+                <a:solidFill>
+                  <a:srgbClr val="CC7832"/>
+                </a:solidFill>
+                <a:effectLst/>
+                <a:latin typeface="Courier New" panose="02070309020205020404" pitchFamily="49" charset="0"/>
+                <a:cs typeface="Courier New" panose="02070309020205020404" pitchFamily="49" charset="0"/>
+              </a:rPr>
+              <a:t>; </a:t>
+            </a:r>
+            <a:r>
+              <a:rPr kumimoji="0" lang="en-US" altLang="en-US" sz="1400" b="0" i="0" u="none" strike="noStrike" cap="none" normalizeH="0" baseline="0" dirty="0" err="1" smtClean="0">
+                <a:ln>
+                  <a:noFill/>
+                </a:ln>
+                <a:solidFill>
+                  <a:srgbClr val="A9B7C6"/>
+                </a:solidFill>
+                <a:effectLst/>
+                <a:latin typeface="Courier New" panose="02070309020205020404" pitchFamily="49" charset="0"/>
+                <a:cs typeface="Courier New" panose="02070309020205020404" pitchFamily="49" charset="0"/>
+              </a:rPr>
+              <a:t>i</a:t>
+            </a:r>
+            <a:r>
+              <a:rPr kumimoji="0" lang="en-US" altLang="en-US" sz="1400" b="0" i="0" u="none" strike="noStrike" cap="none" normalizeH="0" baseline="0" dirty="0" smtClean="0">
+                <a:ln>
+                  <a:noFill/>
+                </a:ln>
+                <a:solidFill>
+                  <a:srgbClr val="A9B7C6"/>
+                </a:solidFill>
+                <a:effectLst/>
+                <a:latin typeface="Courier New" panose="02070309020205020404" pitchFamily="49" charset="0"/>
+                <a:cs typeface="Courier New" panose="02070309020205020404" pitchFamily="49" charset="0"/>
+              </a:rPr>
+              <a:t>&lt; </a:t>
+            </a:r>
+            <a:r>
+              <a:rPr kumimoji="0" lang="en-US" altLang="en-US" sz="1400" b="0" i="0" u="none" strike="noStrike" cap="none" normalizeH="0" baseline="0" dirty="0" smtClean="0">
+                <a:ln>
+                  <a:noFill/>
+                </a:ln>
+                <a:solidFill>
+                  <a:srgbClr val="6897BB"/>
+                </a:solidFill>
+                <a:effectLst/>
+                <a:latin typeface="Courier New" panose="02070309020205020404" pitchFamily="49" charset="0"/>
+                <a:cs typeface="Courier New" panose="02070309020205020404" pitchFamily="49" charset="0"/>
+              </a:rPr>
+              <a:t>600</a:t>
+            </a:r>
+            <a:r>
+              <a:rPr kumimoji="0" lang="en-US" altLang="en-US" sz="1400" b="0" i="0" u="none" strike="noStrike" cap="none" normalizeH="0" baseline="0" dirty="0" smtClean="0">
+                <a:ln>
+                  <a:noFill/>
+                </a:ln>
+                <a:solidFill>
+                  <a:srgbClr val="CC7832"/>
+                </a:solidFill>
+                <a:effectLst/>
+                <a:latin typeface="Courier New" panose="02070309020205020404" pitchFamily="49" charset="0"/>
+                <a:cs typeface="Courier New" panose="02070309020205020404" pitchFamily="49" charset="0"/>
+              </a:rPr>
+              <a:t>; </a:t>
+            </a:r>
+            <a:r>
+              <a:rPr kumimoji="0" lang="en-US" altLang="en-US" sz="1400" b="0" i="0" u="none" strike="noStrike" cap="none" normalizeH="0" baseline="0" dirty="0" err="1" smtClean="0">
+                <a:ln>
+                  <a:noFill/>
+                </a:ln>
+                <a:solidFill>
+                  <a:srgbClr val="A9B7C6"/>
+                </a:solidFill>
+                <a:effectLst/>
+                <a:latin typeface="Courier New" panose="02070309020205020404" pitchFamily="49" charset="0"/>
+                <a:cs typeface="Courier New" panose="02070309020205020404" pitchFamily="49" charset="0"/>
+              </a:rPr>
+              <a:t>i</a:t>
+            </a:r>
+            <a:r>
+              <a:rPr kumimoji="0" lang="en-US" altLang="en-US" sz="1400" b="0" i="0" u="none" strike="noStrike" cap="none" normalizeH="0" baseline="0" dirty="0" smtClean="0">
+                <a:ln>
+                  <a:noFill/>
+                </a:ln>
+                <a:solidFill>
+                  <a:srgbClr val="A9B7C6"/>
+                </a:solidFill>
+                <a:effectLst/>
+                <a:latin typeface="Courier New" panose="02070309020205020404" pitchFamily="49" charset="0"/>
+                <a:cs typeface="Courier New" panose="02070309020205020404" pitchFamily="49" charset="0"/>
+              </a:rPr>
+              <a:t>++)</a:t>
+            </a:r>
+            <a:br>
+              <a:rPr kumimoji="0" lang="en-US" altLang="en-US" sz="1400" b="0" i="0" u="none" strike="noStrike" cap="none" normalizeH="0" baseline="0" dirty="0" smtClean="0">
+                <a:ln>
+                  <a:noFill/>
+                </a:ln>
+                <a:solidFill>
+                  <a:srgbClr val="A9B7C6"/>
+                </a:solidFill>
+                <a:effectLst/>
+                <a:latin typeface="Courier New" panose="02070309020205020404" pitchFamily="49" charset="0"/>
+                <a:cs typeface="Courier New" panose="02070309020205020404" pitchFamily="49" charset="0"/>
+              </a:rPr>
+            </a:br>
+            <a:r>
+              <a:rPr kumimoji="0" lang="en-US" altLang="en-US" sz="1400" b="0" i="0" u="none" strike="noStrike" cap="none" normalizeH="0" baseline="0" dirty="0" smtClean="0">
+                <a:ln>
+                  <a:noFill/>
+                </a:ln>
+                <a:solidFill>
+                  <a:srgbClr val="A9B7C6"/>
+                </a:solidFill>
+                <a:effectLst/>
+                <a:latin typeface="Courier New" panose="02070309020205020404" pitchFamily="49" charset="0"/>
+                <a:cs typeface="Courier New" panose="02070309020205020404" pitchFamily="49" charset="0"/>
+              </a:rPr>
+              <a:t>{</a:t>
+            </a:r>
+            <a:br>
+              <a:rPr kumimoji="0" lang="en-US" altLang="en-US" sz="1400" b="0" i="0" u="none" strike="noStrike" cap="none" normalizeH="0" baseline="0" dirty="0" smtClean="0">
+                <a:ln>
+                  <a:noFill/>
+                </a:ln>
+                <a:solidFill>
+                  <a:srgbClr val="A9B7C6"/>
+                </a:solidFill>
+                <a:effectLst/>
+                <a:latin typeface="Courier New" panose="02070309020205020404" pitchFamily="49" charset="0"/>
+                <a:cs typeface="Courier New" panose="02070309020205020404" pitchFamily="49" charset="0"/>
+              </a:rPr>
+            </a:br>
+            <a:r>
+              <a:rPr kumimoji="0" lang="en-US" altLang="en-US" sz="1400" b="0" i="0" u="none" strike="noStrike" cap="none" normalizeH="0" baseline="0" dirty="0" smtClean="0">
+                <a:ln>
+                  <a:noFill/>
+                </a:ln>
+                <a:solidFill>
+                  <a:srgbClr val="A9B7C6"/>
+                </a:solidFill>
+                <a:effectLst/>
+                <a:latin typeface="Courier New" panose="02070309020205020404" pitchFamily="49" charset="0"/>
+                <a:cs typeface="Courier New" panose="02070309020205020404" pitchFamily="49" charset="0"/>
+              </a:rPr>
+              <a:t>    </a:t>
+            </a:r>
+            <a:r>
+              <a:rPr kumimoji="0" lang="en-US" altLang="en-US" sz="1400" b="0" i="0" u="none" strike="noStrike" cap="none" normalizeH="0" baseline="0" dirty="0" err="1" smtClean="0">
+                <a:ln>
+                  <a:noFill/>
+                </a:ln>
+                <a:solidFill>
+                  <a:srgbClr val="B9BCD1"/>
+                </a:solidFill>
+                <a:effectLst/>
+                <a:latin typeface="Courier New" panose="02070309020205020404" pitchFamily="49" charset="0"/>
+                <a:cs typeface="Courier New" panose="02070309020205020404" pitchFamily="49" charset="0"/>
+              </a:rPr>
+              <a:t>jstring</a:t>
+            </a:r>
+            <a:r>
+              <a:rPr kumimoji="0" lang="en-US" altLang="en-US" sz="1400" b="0" i="0" u="none" strike="noStrike" cap="none" normalizeH="0" baseline="0" dirty="0" smtClean="0">
+                <a:ln>
+                  <a:noFill/>
+                </a:ln>
+                <a:solidFill>
+                  <a:srgbClr val="B9BCD1"/>
+                </a:solidFill>
+                <a:effectLst/>
+                <a:latin typeface="Courier New" panose="02070309020205020404" pitchFamily="49" charset="0"/>
+                <a:cs typeface="Courier New" panose="02070309020205020404" pitchFamily="49" charset="0"/>
+              </a:rPr>
+              <a:t> </a:t>
+            </a:r>
+            <a:r>
+              <a:rPr kumimoji="0" lang="en-US" altLang="en-US" sz="1400" b="0" i="0" u="none" strike="noStrike" cap="none" normalizeH="0" baseline="0" dirty="0" err="1" smtClean="0">
+                <a:ln>
+                  <a:noFill/>
+                </a:ln>
+                <a:solidFill>
+                  <a:srgbClr val="A9B7C6"/>
+                </a:solidFill>
+                <a:effectLst/>
+                <a:latin typeface="Courier New" panose="02070309020205020404" pitchFamily="49" charset="0"/>
+                <a:cs typeface="Courier New" panose="02070309020205020404" pitchFamily="49" charset="0"/>
+              </a:rPr>
+              <a:t>testString</a:t>
+            </a:r>
+            <a:r>
+              <a:rPr kumimoji="0" lang="en-US" altLang="en-US" sz="1400" b="0" i="0" u="none" strike="noStrike" cap="none" normalizeH="0" baseline="0" dirty="0" smtClean="0">
+                <a:ln>
+                  <a:noFill/>
+                </a:ln>
+                <a:solidFill>
+                  <a:srgbClr val="A9B7C6"/>
+                </a:solidFill>
+                <a:effectLst/>
+                <a:latin typeface="Courier New" panose="02070309020205020404" pitchFamily="49" charset="0"/>
+                <a:cs typeface="Courier New" panose="02070309020205020404" pitchFamily="49" charset="0"/>
+              </a:rPr>
+              <a:t> = </a:t>
+            </a:r>
+            <a:r>
+              <a:rPr kumimoji="0" lang="en-US" altLang="en-US" sz="1400" b="0" i="0" u="none" strike="noStrike" cap="none" normalizeH="0" baseline="0" dirty="0" err="1" smtClean="0">
+                <a:ln>
+                  <a:noFill/>
+                </a:ln>
+                <a:solidFill>
+                  <a:srgbClr val="A9B7C6"/>
+                </a:solidFill>
+                <a:effectLst/>
+                <a:latin typeface="Courier New" panose="02070309020205020404" pitchFamily="49" charset="0"/>
+                <a:cs typeface="Courier New" panose="02070309020205020404" pitchFamily="49" charset="0"/>
+              </a:rPr>
+              <a:t>env</a:t>
+            </a:r>
+            <a:r>
+              <a:rPr kumimoji="0" lang="en-US" altLang="en-US" sz="1400" b="0" i="0" u="none" strike="noStrike" cap="none" normalizeH="0" baseline="0" dirty="0" smtClean="0">
+                <a:ln>
+                  <a:noFill/>
+                </a:ln>
+                <a:solidFill>
+                  <a:srgbClr val="A9B7C6"/>
+                </a:solidFill>
+                <a:effectLst/>
+                <a:latin typeface="Courier New" panose="02070309020205020404" pitchFamily="49" charset="0"/>
+                <a:cs typeface="Courier New" panose="02070309020205020404" pitchFamily="49" charset="0"/>
+              </a:rPr>
+              <a:t>-&gt;</a:t>
+            </a:r>
+            <a:r>
+              <a:rPr kumimoji="0" lang="en-US" altLang="en-US" sz="1400" b="0" i="0" u="none" strike="noStrike" cap="none" normalizeH="0" baseline="0" dirty="0" err="1" smtClean="0">
+                <a:ln>
+                  <a:noFill/>
+                </a:ln>
+                <a:solidFill>
+                  <a:srgbClr val="A9B7C6"/>
+                </a:solidFill>
+                <a:effectLst/>
+                <a:latin typeface="Courier New" panose="02070309020205020404" pitchFamily="49" charset="0"/>
+                <a:cs typeface="Courier New" panose="02070309020205020404" pitchFamily="49" charset="0"/>
+              </a:rPr>
+              <a:t>NewStringUTF</a:t>
+            </a:r>
+            <a:r>
+              <a:rPr kumimoji="0" lang="en-US" altLang="en-US" sz="1400" b="0" i="0" u="none" strike="noStrike" cap="none" normalizeH="0" baseline="0" dirty="0" smtClean="0">
+                <a:ln>
+                  <a:noFill/>
+                </a:ln>
+                <a:solidFill>
+                  <a:srgbClr val="A9B7C6"/>
+                </a:solidFill>
+                <a:effectLst/>
+                <a:latin typeface="Courier New" panose="02070309020205020404" pitchFamily="49" charset="0"/>
+                <a:cs typeface="Courier New" panose="02070309020205020404" pitchFamily="49" charset="0"/>
+              </a:rPr>
+              <a:t>(</a:t>
+            </a:r>
+            <a:r>
+              <a:rPr kumimoji="0" lang="en-US" altLang="en-US" sz="1400" b="0" i="0" u="none" strike="noStrike" cap="none" normalizeH="0" baseline="0" dirty="0" smtClean="0">
+                <a:ln>
+                  <a:noFill/>
+                </a:ln>
+                <a:solidFill>
+                  <a:srgbClr val="6A8759"/>
+                </a:solidFill>
+                <a:effectLst/>
+                <a:latin typeface="Courier New" panose="02070309020205020404" pitchFamily="49" charset="0"/>
+                <a:cs typeface="Courier New" panose="02070309020205020404" pitchFamily="49" charset="0"/>
+              </a:rPr>
+              <a:t>"Test String"</a:t>
+            </a:r>
+            <a:r>
+              <a:rPr kumimoji="0" lang="en-US" altLang="en-US" sz="1400" b="0" i="0" u="none" strike="noStrike" cap="none" normalizeH="0" baseline="0" dirty="0" smtClean="0">
+                <a:ln>
+                  <a:noFill/>
+                </a:ln>
+                <a:solidFill>
+                  <a:srgbClr val="A9B7C6"/>
+                </a:solidFill>
+                <a:effectLst/>
+                <a:latin typeface="Courier New" panose="02070309020205020404" pitchFamily="49" charset="0"/>
+                <a:cs typeface="Courier New" panose="02070309020205020404" pitchFamily="49" charset="0"/>
+              </a:rPr>
+              <a:t>)</a:t>
+            </a:r>
+            <a:r>
+              <a:rPr kumimoji="0" lang="en-US" altLang="en-US" sz="1400" b="0" i="0" u="none" strike="noStrike" cap="none" normalizeH="0" baseline="0" dirty="0" smtClean="0">
+                <a:ln>
+                  <a:noFill/>
+                </a:ln>
+                <a:solidFill>
+                  <a:srgbClr val="CC7832"/>
+                </a:solidFill>
+                <a:effectLst/>
+                <a:latin typeface="Courier New" panose="02070309020205020404" pitchFamily="49" charset="0"/>
+                <a:cs typeface="Courier New" panose="02070309020205020404" pitchFamily="49" charset="0"/>
+              </a:rPr>
+              <a:t>;</a:t>
+            </a:r>
+            <a:br>
+              <a:rPr kumimoji="0" lang="en-US" altLang="en-US" sz="1400" b="0" i="0" u="none" strike="noStrike" cap="none" normalizeH="0" baseline="0" dirty="0" smtClean="0">
+                <a:ln>
+                  <a:noFill/>
+                </a:ln>
+                <a:solidFill>
+                  <a:srgbClr val="CC7832"/>
+                </a:solidFill>
+                <a:effectLst/>
+                <a:latin typeface="Courier New" panose="02070309020205020404" pitchFamily="49" charset="0"/>
+                <a:cs typeface="Courier New" panose="02070309020205020404" pitchFamily="49" charset="0"/>
+              </a:rPr>
+            </a:br>
+            <a:r>
+              <a:rPr kumimoji="0" lang="en-US" altLang="en-US" sz="1400" b="0" i="0" u="none" strike="noStrike" cap="none" normalizeH="0" baseline="0" dirty="0" smtClean="0">
+                <a:ln>
+                  <a:noFill/>
+                </a:ln>
+                <a:solidFill>
+                  <a:srgbClr val="CC7832"/>
+                </a:solidFill>
+                <a:effectLst/>
+                <a:latin typeface="Courier New" panose="02070309020205020404" pitchFamily="49" charset="0"/>
+                <a:cs typeface="Courier New" panose="02070309020205020404" pitchFamily="49" charset="0"/>
+              </a:rPr>
+              <a:t>    </a:t>
+            </a:r>
+            <a:r>
+              <a:rPr kumimoji="0" lang="en-US" altLang="en-US" sz="1400" b="0" i="0" u="none" strike="noStrike" cap="none" normalizeH="0" baseline="0" dirty="0" err="1" smtClean="0">
+                <a:ln>
+                  <a:noFill/>
+                </a:ln>
+                <a:solidFill>
+                  <a:srgbClr val="B9BCD1"/>
+                </a:solidFill>
+                <a:effectLst/>
+                <a:latin typeface="Courier New" panose="02070309020205020404" pitchFamily="49" charset="0"/>
+                <a:cs typeface="Courier New" panose="02070309020205020404" pitchFamily="49" charset="0"/>
+              </a:rPr>
+              <a:t>jbooleanArray</a:t>
+            </a:r>
+            <a:r>
+              <a:rPr kumimoji="0" lang="en-US" altLang="en-US" sz="1400" b="0" i="0" u="none" strike="noStrike" cap="none" normalizeH="0" baseline="0" dirty="0" smtClean="0">
+                <a:ln>
+                  <a:noFill/>
+                </a:ln>
+                <a:solidFill>
+                  <a:srgbClr val="B9BCD1"/>
+                </a:solidFill>
+                <a:effectLst/>
+                <a:latin typeface="Courier New" panose="02070309020205020404" pitchFamily="49" charset="0"/>
+                <a:cs typeface="Courier New" panose="02070309020205020404" pitchFamily="49" charset="0"/>
+              </a:rPr>
+              <a:t> </a:t>
+            </a:r>
+            <a:r>
+              <a:rPr kumimoji="0" lang="en-US" altLang="en-US" sz="1400" b="0" i="0" u="none" strike="noStrike" cap="none" normalizeH="0" baseline="0" dirty="0" err="1" smtClean="0">
+                <a:ln>
+                  <a:noFill/>
+                </a:ln>
+                <a:solidFill>
+                  <a:srgbClr val="A9B7C6"/>
+                </a:solidFill>
+                <a:effectLst/>
+                <a:latin typeface="Courier New" panose="02070309020205020404" pitchFamily="49" charset="0"/>
+                <a:cs typeface="Courier New" panose="02070309020205020404" pitchFamily="49" charset="0"/>
+              </a:rPr>
+              <a:t>arrayB</a:t>
+            </a:r>
+            <a:r>
+              <a:rPr kumimoji="0" lang="en-US" altLang="en-US" sz="1400" b="0" i="0" u="none" strike="noStrike" cap="none" normalizeH="0" baseline="0" dirty="0" smtClean="0">
+                <a:ln>
+                  <a:noFill/>
+                </a:ln>
+                <a:solidFill>
+                  <a:srgbClr val="A9B7C6"/>
+                </a:solidFill>
+                <a:effectLst/>
+                <a:latin typeface="Courier New" panose="02070309020205020404" pitchFamily="49" charset="0"/>
+                <a:cs typeface="Courier New" panose="02070309020205020404" pitchFamily="49" charset="0"/>
+              </a:rPr>
+              <a:t> = </a:t>
+            </a:r>
+            <a:r>
+              <a:rPr kumimoji="0" lang="en-US" altLang="en-US" sz="1400" b="0" i="0" u="none" strike="noStrike" cap="none" normalizeH="0" baseline="0" dirty="0" err="1" smtClean="0">
+                <a:ln>
+                  <a:noFill/>
+                </a:ln>
+                <a:solidFill>
+                  <a:srgbClr val="A9B7C6"/>
+                </a:solidFill>
+                <a:effectLst/>
+                <a:latin typeface="Courier New" panose="02070309020205020404" pitchFamily="49" charset="0"/>
+                <a:cs typeface="Courier New" panose="02070309020205020404" pitchFamily="49" charset="0"/>
+              </a:rPr>
+              <a:t>env</a:t>
+            </a:r>
+            <a:r>
+              <a:rPr kumimoji="0" lang="en-US" altLang="en-US" sz="1400" b="0" i="0" u="none" strike="noStrike" cap="none" normalizeH="0" baseline="0" dirty="0" smtClean="0">
+                <a:ln>
+                  <a:noFill/>
+                </a:ln>
+                <a:solidFill>
+                  <a:srgbClr val="A9B7C6"/>
+                </a:solidFill>
+                <a:effectLst/>
+                <a:latin typeface="Courier New" panose="02070309020205020404" pitchFamily="49" charset="0"/>
+                <a:cs typeface="Courier New" panose="02070309020205020404" pitchFamily="49" charset="0"/>
+              </a:rPr>
+              <a:t>-&gt;</a:t>
+            </a:r>
+            <a:r>
+              <a:rPr kumimoji="0" lang="en-US" altLang="en-US" sz="1400" b="0" i="0" u="none" strike="noStrike" cap="none" normalizeH="0" baseline="0" dirty="0" err="1" smtClean="0">
+                <a:ln>
+                  <a:noFill/>
+                </a:ln>
+                <a:solidFill>
+                  <a:srgbClr val="A9B7C6"/>
+                </a:solidFill>
+                <a:effectLst/>
+                <a:latin typeface="Courier New" panose="02070309020205020404" pitchFamily="49" charset="0"/>
+                <a:cs typeface="Courier New" panose="02070309020205020404" pitchFamily="49" charset="0"/>
+              </a:rPr>
+              <a:t>NewBooleanArray</a:t>
+            </a:r>
+            <a:r>
+              <a:rPr kumimoji="0" lang="en-US" altLang="en-US" sz="1400" b="0" i="0" u="none" strike="noStrike" cap="none" normalizeH="0" baseline="0" dirty="0" smtClean="0">
+                <a:ln>
+                  <a:noFill/>
+                </a:ln>
+                <a:solidFill>
+                  <a:srgbClr val="A9B7C6"/>
+                </a:solidFill>
+                <a:effectLst/>
+                <a:latin typeface="Courier New" panose="02070309020205020404" pitchFamily="49" charset="0"/>
+                <a:cs typeface="Courier New" panose="02070309020205020404" pitchFamily="49" charset="0"/>
+              </a:rPr>
+              <a:t>(</a:t>
+            </a:r>
+            <a:r>
+              <a:rPr kumimoji="0" lang="en-US" altLang="en-US" sz="1400" b="0" i="0" u="none" strike="noStrike" cap="none" normalizeH="0" baseline="0" dirty="0" smtClean="0">
+                <a:ln>
+                  <a:noFill/>
+                </a:ln>
+                <a:solidFill>
+                  <a:srgbClr val="6897BB"/>
+                </a:solidFill>
+                <a:effectLst/>
+                <a:latin typeface="Courier New" panose="02070309020205020404" pitchFamily="49" charset="0"/>
+                <a:cs typeface="Courier New" panose="02070309020205020404" pitchFamily="49" charset="0"/>
+              </a:rPr>
+              <a:t>42</a:t>
+            </a:r>
+            <a:r>
+              <a:rPr kumimoji="0" lang="en-US" altLang="en-US" sz="1400" b="0" i="0" u="none" strike="noStrike" cap="none" normalizeH="0" baseline="0" dirty="0" smtClean="0">
+                <a:ln>
+                  <a:noFill/>
+                </a:ln>
+                <a:solidFill>
+                  <a:srgbClr val="A9B7C6"/>
+                </a:solidFill>
+                <a:effectLst/>
+                <a:latin typeface="Courier New" panose="02070309020205020404" pitchFamily="49" charset="0"/>
+                <a:cs typeface="Courier New" panose="02070309020205020404" pitchFamily="49" charset="0"/>
+              </a:rPr>
+              <a:t>)</a:t>
+            </a:r>
+            <a:r>
+              <a:rPr kumimoji="0" lang="en-US" altLang="en-US" sz="1400" b="0" i="0" u="none" strike="noStrike" cap="none" normalizeH="0" baseline="0" dirty="0" smtClean="0">
+                <a:ln>
+                  <a:noFill/>
+                </a:ln>
+                <a:solidFill>
+                  <a:srgbClr val="CC7832"/>
+                </a:solidFill>
+                <a:effectLst/>
+                <a:latin typeface="Courier New" panose="02070309020205020404" pitchFamily="49" charset="0"/>
+                <a:cs typeface="Courier New" panose="02070309020205020404" pitchFamily="49" charset="0"/>
+              </a:rPr>
+              <a:t>;</a:t>
+            </a:r>
+            <a:br>
+              <a:rPr kumimoji="0" lang="en-US" altLang="en-US" sz="1400" b="0" i="0" u="none" strike="noStrike" cap="none" normalizeH="0" baseline="0" dirty="0" smtClean="0">
+                <a:ln>
+                  <a:noFill/>
+                </a:ln>
+                <a:solidFill>
+                  <a:srgbClr val="CC7832"/>
+                </a:solidFill>
+                <a:effectLst/>
+                <a:latin typeface="Courier New" panose="02070309020205020404" pitchFamily="49" charset="0"/>
+                <a:cs typeface="Courier New" panose="02070309020205020404" pitchFamily="49" charset="0"/>
+              </a:rPr>
+            </a:br>
+            <a:r>
+              <a:rPr kumimoji="0" lang="en-US" altLang="en-US" sz="1400" b="0" i="0" u="none" strike="noStrike" cap="none" normalizeH="0" baseline="0" dirty="0" smtClean="0">
+                <a:ln>
+                  <a:noFill/>
+                </a:ln>
+                <a:solidFill>
+                  <a:srgbClr val="CC7832"/>
+                </a:solidFill>
+                <a:effectLst/>
+                <a:latin typeface="Courier New" panose="02070309020205020404" pitchFamily="49" charset="0"/>
+                <a:cs typeface="Courier New" panose="02070309020205020404" pitchFamily="49" charset="0"/>
+              </a:rPr>
+              <a:t>    </a:t>
+            </a:r>
+            <a:r>
+              <a:rPr kumimoji="0" lang="en-US" altLang="en-US" sz="1400" b="0" i="0" u="none" strike="noStrike" cap="none" normalizeH="0" baseline="0" dirty="0" err="1" smtClean="0">
+                <a:ln>
+                  <a:noFill/>
+                </a:ln>
+                <a:solidFill>
+                  <a:srgbClr val="B9BCD1"/>
+                </a:solidFill>
+                <a:effectLst/>
+                <a:latin typeface="Courier New" panose="02070309020205020404" pitchFamily="49" charset="0"/>
+                <a:cs typeface="Courier New" panose="02070309020205020404" pitchFamily="49" charset="0"/>
+              </a:rPr>
+              <a:t>jcharArray</a:t>
+            </a:r>
+            <a:r>
+              <a:rPr kumimoji="0" lang="en-US" altLang="en-US" sz="1400" b="0" i="0" u="none" strike="noStrike" cap="none" normalizeH="0" baseline="0" dirty="0" smtClean="0">
+                <a:ln>
+                  <a:noFill/>
+                </a:ln>
+                <a:solidFill>
+                  <a:srgbClr val="B9BCD1"/>
+                </a:solidFill>
+                <a:effectLst/>
+                <a:latin typeface="Courier New" panose="02070309020205020404" pitchFamily="49" charset="0"/>
+                <a:cs typeface="Courier New" panose="02070309020205020404" pitchFamily="49" charset="0"/>
+              </a:rPr>
+              <a:t> </a:t>
+            </a:r>
+            <a:r>
+              <a:rPr kumimoji="0" lang="en-US" altLang="en-US" sz="1400" b="0" i="0" u="none" strike="noStrike" cap="none" normalizeH="0" baseline="0" dirty="0" err="1" smtClean="0">
+                <a:ln>
+                  <a:noFill/>
+                </a:ln>
+                <a:solidFill>
+                  <a:srgbClr val="A9B7C6"/>
+                </a:solidFill>
+                <a:effectLst/>
+                <a:latin typeface="Courier New" panose="02070309020205020404" pitchFamily="49" charset="0"/>
+                <a:cs typeface="Courier New" panose="02070309020205020404" pitchFamily="49" charset="0"/>
+              </a:rPr>
+              <a:t>arrayC</a:t>
+            </a:r>
+            <a:r>
+              <a:rPr kumimoji="0" lang="en-US" altLang="en-US" sz="1400" b="0" i="0" u="none" strike="noStrike" cap="none" normalizeH="0" baseline="0" dirty="0" smtClean="0">
+                <a:ln>
+                  <a:noFill/>
+                </a:ln>
+                <a:solidFill>
+                  <a:srgbClr val="A9B7C6"/>
+                </a:solidFill>
+                <a:effectLst/>
+                <a:latin typeface="Courier New" panose="02070309020205020404" pitchFamily="49" charset="0"/>
+                <a:cs typeface="Courier New" panose="02070309020205020404" pitchFamily="49" charset="0"/>
+              </a:rPr>
+              <a:t> = </a:t>
+            </a:r>
+            <a:r>
+              <a:rPr kumimoji="0" lang="en-US" altLang="en-US" sz="1400" b="0" i="0" u="none" strike="noStrike" cap="none" normalizeH="0" baseline="0" dirty="0" err="1" smtClean="0">
+                <a:ln>
+                  <a:noFill/>
+                </a:ln>
+                <a:solidFill>
+                  <a:srgbClr val="A9B7C6"/>
+                </a:solidFill>
+                <a:effectLst/>
+                <a:latin typeface="Courier New" panose="02070309020205020404" pitchFamily="49" charset="0"/>
+                <a:cs typeface="Courier New" panose="02070309020205020404" pitchFamily="49" charset="0"/>
+              </a:rPr>
+              <a:t>env</a:t>
+            </a:r>
+            <a:r>
+              <a:rPr kumimoji="0" lang="en-US" altLang="en-US" sz="1400" b="0" i="0" u="none" strike="noStrike" cap="none" normalizeH="0" baseline="0" dirty="0" smtClean="0">
+                <a:ln>
+                  <a:noFill/>
+                </a:ln>
+                <a:solidFill>
+                  <a:srgbClr val="A9B7C6"/>
+                </a:solidFill>
+                <a:effectLst/>
+                <a:latin typeface="Courier New" panose="02070309020205020404" pitchFamily="49" charset="0"/>
+                <a:cs typeface="Courier New" panose="02070309020205020404" pitchFamily="49" charset="0"/>
+              </a:rPr>
+              <a:t>-&gt;</a:t>
+            </a:r>
+            <a:r>
+              <a:rPr kumimoji="0" lang="en-US" altLang="en-US" sz="1400" b="0" i="0" u="none" strike="noStrike" cap="none" normalizeH="0" baseline="0" dirty="0" err="1" smtClean="0">
+                <a:ln>
+                  <a:noFill/>
+                </a:ln>
+                <a:solidFill>
+                  <a:srgbClr val="A9B7C6"/>
+                </a:solidFill>
+                <a:effectLst/>
+                <a:latin typeface="Courier New" panose="02070309020205020404" pitchFamily="49" charset="0"/>
+                <a:cs typeface="Courier New" panose="02070309020205020404" pitchFamily="49" charset="0"/>
+              </a:rPr>
+              <a:t>NewCharArray</a:t>
+            </a:r>
+            <a:r>
+              <a:rPr kumimoji="0" lang="en-US" altLang="en-US" sz="1400" b="0" i="0" u="none" strike="noStrike" cap="none" normalizeH="0" baseline="0" dirty="0" smtClean="0">
+                <a:ln>
+                  <a:noFill/>
+                </a:ln>
+                <a:solidFill>
+                  <a:srgbClr val="A9B7C6"/>
+                </a:solidFill>
+                <a:effectLst/>
+                <a:latin typeface="Courier New" panose="02070309020205020404" pitchFamily="49" charset="0"/>
+                <a:cs typeface="Courier New" panose="02070309020205020404" pitchFamily="49" charset="0"/>
+              </a:rPr>
+              <a:t>(</a:t>
+            </a:r>
+            <a:r>
+              <a:rPr kumimoji="0" lang="en-US" altLang="en-US" sz="1400" b="0" i="0" u="none" strike="noStrike" cap="none" normalizeH="0" baseline="0" dirty="0" smtClean="0">
+                <a:ln>
+                  <a:noFill/>
+                </a:ln>
+                <a:solidFill>
+                  <a:srgbClr val="6897BB"/>
+                </a:solidFill>
+                <a:effectLst/>
+                <a:latin typeface="Courier New" panose="02070309020205020404" pitchFamily="49" charset="0"/>
+                <a:cs typeface="Courier New" panose="02070309020205020404" pitchFamily="49" charset="0"/>
+              </a:rPr>
+              <a:t>42</a:t>
+            </a:r>
+            <a:r>
+              <a:rPr kumimoji="0" lang="en-US" altLang="en-US" sz="1400" b="0" i="0" u="none" strike="noStrike" cap="none" normalizeH="0" baseline="0" dirty="0" smtClean="0">
+                <a:ln>
+                  <a:noFill/>
+                </a:ln>
+                <a:solidFill>
+                  <a:srgbClr val="A9B7C6"/>
+                </a:solidFill>
+                <a:effectLst/>
+                <a:latin typeface="Courier New" panose="02070309020205020404" pitchFamily="49" charset="0"/>
+                <a:cs typeface="Courier New" panose="02070309020205020404" pitchFamily="49" charset="0"/>
+              </a:rPr>
+              <a:t>)</a:t>
+            </a:r>
+            <a:r>
+              <a:rPr kumimoji="0" lang="en-US" altLang="en-US" sz="1400" b="0" i="0" u="none" strike="noStrike" cap="none" normalizeH="0" baseline="0" dirty="0" smtClean="0">
+                <a:ln>
+                  <a:noFill/>
+                </a:ln>
+                <a:solidFill>
+                  <a:srgbClr val="CC7832"/>
+                </a:solidFill>
+                <a:effectLst/>
+                <a:latin typeface="Courier New" panose="02070309020205020404" pitchFamily="49" charset="0"/>
+                <a:cs typeface="Courier New" panose="02070309020205020404" pitchFamily="49" charset="0"/>
+              </a:rPr>
+              <a:t>;</a:t>
+            </a:r>
+            <a:br>
+              <a:rPr kumimoji="0" lang="en-US" altLang="en-US" sz="1400" b="0" i="0" u="none" strike="noStrike" cap="none" normalizeH="0" baseline="0" dirty="0" smtClean="0">
+                <a:ln>
+                  <a:noFill/>
+                </a:ln>
+                <a:solidFill>
+                  <a:srgbClr val="CC7832"/>
+                </a:solidFill>
+                <a:effectLst/>
+                <a:latin typeface="Courier New" panose="02070309020205020404" pitchFamily="49" charset="0"/>
+                <a:cs typeface="Courier New" panose="02070309020205020404" pitchFamily="49" charset="0"/>
+              </a:rPr>
+            </a:br>
+            <a:r>
+              <a:rPr kumimoji="0" lang="en-US" altLang="en-US" sz="1400" b="0" i="0" u="none" strike="noStrike" cap="none" normalizeH="0" baseline="0" dirty="0" smtClean="0">
+                <a:ln>
+                  <a:noFill/>
+                </a:ln>
+                <a:solidFill>
+                  <a:srgbClr val="CC7832"/>
+                </a:solidFill>
+                <a:effectLst/>
+                <a:latin typeface="Courier New" panose="02070309020205020404" pitchFamily="49" charset="0"/>
+                <a:cs typeface="Courier New" panose="02070309020205020404" pitchFamily="49" charset="0"/>
+              </a:rPr>
+              <a:t>    </a:t>
+            </a:r>
+            <a:r>
+              <a:rPr kumimoji="0" lang="en-US" altLang="en-US" sz="1400" b="0" i="0" u="none" strike="noStrike" cap="none" normalizeH="0" baseline="0" dirty="0" smtClean="0">
+                <a:ln>
+                  <a:noFill/>
+                </a:ln>
+                <a:solidFill>
+                  <a:srgbClr val="808080"/>
+                </a:solidFill>
+                <a:effectLst/>
+                <a:latin typeface="Courier New" panose="02070309020205020404" pitchFamily="49" charset="0"/>
+                <a:cs typeface="Courier New" panose="02070309020205020404" pitchFamily="49" charset="0"/>
+              </a:rPr>
+              <a:t>// do something</a:t>
+            </a:r>
+            <a:br>
+              <a:rPr kumimoji="0" lang="en-US" altLang="en-US" sz="1400" b="0" i="0" u="none" strike="noStrike" cap="none" normalizeH="0" baseline="0" dirty="0" smtClean="0">
+                <a:ln>
+                  <a:noFill/>
+                </a:ln>
+                <a:solidFill>
+                  <a:srgbClr val="808080"/>
+                </a:solidFill>
+                <a:effectLst/>
+                <a:latin typeface="Courier New" panose="02070309020205020404" pitchFamily="49" charset="0"/>
+                <a:cs typeface="Courier New" panose="02070309020205020404" pitchFamily="49" charset="0"/>
+              </a:rPr>
+            </a:br>
+            <a:r>
+              <a:rPr kumimoji="0" lang="en-US" altLang="en-US" sz="1400" b="0" i="0" u="none" strike="noStrike" cap="none" normalizeH="0" baseline="0" dirty="0" smtClean="0">
+                <a:ln>
+                  <a:noFill/>
+                </a:ln>
+                <a:solidFill>
+                  <a:srgbClr val="A9B7C6"/>
+                </a:solidFill>
+                <a:effectLst/>
+                <a:latin typeface="Courier New" panose="02070309020205020404" pitchFamily="49" charset="0"/>
+                <a:cs typeface="Courier New" panose="02070309020205020404" pitchFamily="49" charset="0"/>
+              </a:rPr>
+              <a:t>}</a:t>
+            </a:r>
+            <a:endParaRPr kumimoji="0" lang="en-US" altLang="en-US" sz="1400" b="0" i="0" u="none" strike="noStrike" cap="none" normalizeH="0" baseline="0" dirty="0" smtClean="0">
+              <a:ln>
+                <a:noFill/>
+              </a:ln>
+              <a:solidFill>
+                <a:schemeClr val="tx1"/>
+              </a:solidFill>
+              <a:effectLst/>
+              <a:latin typeface="Arial" panose="020B0604020202020204" pitchFamily="34" charset="0"/>
+            </a:endParaRPr>
+          </a:p>
+        </p:txBody>
+      </p:sp>
       <p:pic>
         <p:nvPicPr>
           <p:cNvPr id="7" name="Picture 6"/>
@@ -18152,8 +23871,8 @@
         </p:blipFill>
         <p:spPr>
           <a:xfrm>
-            <a:off x="2966572" y="3902406"/>
-            <a:ext cx="4324954" cy="1743318"/>
+            <a:off x="6807581" y="2345867"/>
+            <a:ext cx="4620656" cy="1862511"/>
           </a:xfrm>
           <a:prstGeom prst="rect">
             <a:avLst/>
@@ -18292,7 +24011,7 @@
                             </p:stCondLst>
                             <p:childTnLst>
                               <p:par>
-                                <p:cTn id="13" presetID="1" presetClass="entr" presetSubtype="0" fill="hold" nodeType="clickEffect">
+                                <p:cTn id="13" presetID="1" presetClass="entr" presetSubtype="0" fill="hold" grpId="0" nodeType="clickEffect">
                                   <p:stCondLst>
                                     <p:cond delay="0"/>
                                   </p:stCondLst>
@@ -18300,6 +24019,78 @@
                                     <p:set>
                                       <p:cBhvr>
                                         <p:cTn id="14" dur="1" fill="hold">
+                                          <p:stCondLst>
+                                            <p:cond delay="0"/>
+                                          </p:stCondLst>
+                                        </p:cTn>
+                                        <p:tgtEl>
+                                          <p:spTgt spid="10"/>
+                                        </p:tgtEl>
+                                        <p:attrNameLst>
+                                          <p:attrName>style.visibility</p:attrName>
+                                        </p:attrNameLst>
+                                      </p:cBhvr>
+                                      <p:to>
+                                        <p:strVal val="visible"/>
+                                      </p:to>
+                                    </p:set>
+                                  </p:childTnLst>
+                                </p:cTn>
+                              </p:par>
+                              <p:par>
+                                <p:cTn id="15" presetID="1" presetClass="entr" presetSubtype="0" fill="hold" grpId="0" nodeType="withEffect">
+                                  <p:stCondLst>
+                                    <p:cond delay="0"/>
+                                  </p:stCondLst>
+                                  <p:childTnLst>
+                                    <p:set>
+                                      <p:cBhvr>
+                                        <p:cTn id="16" dur="1" fill="hold">
+                                          <p:stCondLst>
+                                            <p:cond delay="0"/>
+                                          </p:stCondLst>
+                                        </p:cTn>
+                                        <p:tgtEl>
+                                          <p:spTgt spid="5"/>
+                                        </p:tgtEl>
+                                        <p:attrNameLst>
+                                          <p:attrName>style.visibility</p:attrName>
+                                        </p:attrNameLst>
+                                      </p:cBhvr>
+                                      <p:to>
+                                        <p:strVal val="visible"/>
+                                      </p:to>
+                                    </p:set>
+                                  </p:childTnLst>
+                                </p:cTn>
+                              </p:par>
+                            </p:childTnLst>
+                          </p:cTn>
+                        </p:par>
+                      </p:childTnLst>
+                    </p:cTn>
+                  </p:par>
+                  <p:par>
+                    <p:cTn id="17" fill="hold">
+                      <p:stCondLst>
+                        <p:cond delay="indefinite"/>
+                      </p:stCondLst>
+                      <p:childTnLst>
+                        <p:par>
+                          <p:cTn id="18" fill="hold">
+                            <p:stCondLst>
+                              <p:cond delay="0"/>
+                            </p:stCondLst>
+                            <p:childTnLst>
+                              <p:par>
+                                <p:cTn id="19" presetID="1" presetClass="entr" presetSubtype="0" fill="hold" nodeType="clickEffect">
+                                  <p:stCondLst>
+                                    <p:cond delay="0"/>
+                                  </p:stCondLst>
+                                  <p:childTnLst>
+                                    <p:set>
+                                      <p:cBhvr>
+                                        <p:cTn id="20" dur="1" fill="hold">
                                           <p:stCondLst>
                                             <p:cond delay="0"/>
                                           </p:stCondLst>
@@ -18325,26 +24116,125 @@
                     </p:cTn>
                   </p:par>
                   <p:par>
-                    <p:cTn id="15" fill="hold">
+                    <p:cTn id="21" fill="hold">
                       <p:stCondLst>
                         <p:cond delay="indefinite"/>
                       </p:stCondLst>
                       <p:childTnLst>
                         <p:par>
-                          <p:cTn id="16" fill="hold">
+                          <p:cTn id="22" fill="hold">
                             <p:stCondLst>
                               <p:cond delay="0"/>
                             </p:stCondLst>
                             <p:childTnLst>
                               <p:par>
-                                <p:cTn id="17" presetID="1" presetClass="entr" presetSubtype="0" fill="hold" grpId="0" nodeType="clickEffect">
+                                <p:cTn id="23" presetID="1" presetClass="exit" presetSubtype="0" fill="hold" grpId="1" nodeType="clickEffect">
                                   <p:stCondLst>
                                     <p:cond delay="0"/>
                                   </p:stCondLst>
                                   <p:childTnLst>
                                     <p:set>
                                       <p:cBhvr>
-                                        <p:cTn id="18" dur="1" fill="hold">
+                                        <p:cTn id="24" dur="1" fill="hold">
+                                          <p:stCondLst>
+                                            <p:cond delay="0"/>
+                                          </p:stCondLst>
+                                        </p:cTn>
+                                        <p:tgtEl>
+                                          <p:spTgt spid="10"/>
+                                        </p:tgtEl>
+                                        <p:attrNameLst>
+                                          <p:attrName>style.visibility</p:attrName>
+                                        </p:attrNameLst>
+                                      </p:cBhvr>
+                                      <p:to>
+                                        <p:strVal val="hidden"/>
+                                      </p:to>
+                                    </p:set>
+                                  </p:childTnLst>
+                                </p:cTn>
+                              </p:par>
+                              <p:par>
+                                <p:cTn id="25" presetID="1" presetClass="exit" presetSubtype="0" fill="hold" grpId="1" nodeType="withEffect">
+                                  <p:stCondLst>
+                                    <p:cond delay="0"/>
+                                  </p:stCondLst>
+                                  <p:childTnLst>
+                                    <p:set>
+                                      <p:cBhvr>
+                                        <p:cTn id="26" dur="1" fill="hold">
+                                          <p:stCondLst>
+                                            <p:cond delay="0"/>
+                                          </p:stCondLst>
+                                        </p:cTn>
+                                        <p:tgtEl>
+                                          <p:spTgt spid="5"/>
+                                        </p:tgtEl>
+                                        <p:attrNameLst>
+                                          <p:attrName>style.visibility</p:attrName>
+                                        </p:attrNameLst>
+                                      </p:cBhvr>
+                                      <p:to>
+                                        <p:strVal val="hidden"/>
+                                      </p:to>
+                                    </p:set>
+                                  </p:childTnLst>
+                                </p:cTn>
+                              </p:par>
+                              <p:par>
+                                <p:cTn id="27" presetID="1" presetClass="exit" presetSubtype="0" fill="hold" nodeType="withEffect">
+                                  <p:stCondLst>
+                                    <p:cond delay="0"/>
+                                  </p:stCondLst>
+                                  <p:childTnLst>
+                                    <p:set>
+                                      <p:cBhvr>
+                                        <p:cTn id="28" dur="1" fill="hold">
+                                          <p:stCondLst>
+                                            <p:cond delay="0"/>
+                                          </p:stCondLst>
+                                        </p:cTn>
+                                        <p:tgtEl>
+                                          <p:spTgt spid="6"/>
+                                        </p:tgtEl>
+                                        <p:attrNameLst>
+                                          <p:attrName>style.visibility</p:attrName>
+                                        </p:attrNameLst>
+                                      </p:cBhvr>
+                                      <p:to>
+                                        <p:strVal val="hidden"/>
+                                      </p:to>
+                                    </p:set>
+                                  </p:childTnLst>
+                                </p:cTn>
+                              </p:par>
+                            </p:childTnLst>
+                          </p:cTn>
+                        </p:par>
+                      </p:childTnLst>
+                    </p:cTn>
+                  </p:par>
+                  <p:par>
+                    <p:cTn id="29" fill="hold">
+                      <p:stCondLst>
+                        <p:cond delay="indefinite"/>
+                      </p:stCondLst>
+                      <p:childTnLst>
+                        <p:par>
+                          <p:cTn id="30" fill="hold">
+                            <p:stCondLst>
+                              <p:cond delay="0"/>
+                            </p:stCondLst>
+                            <p:childTnLst>
+                              <p:par>
+                                <p:cTn id="31" presetID="1" presetClass="entr" presetSubtype="0" fill="hold" grpId="0" nodeType="clickEffect">
+                                  <p:stCondLst>
+                                    <p:cond delay="0"/>
+                                  </p:stCondLst>
+                                  <p:childTnLst>
+                                    <p:set>
+                                      <p:cBhvr>
+                                        <p:cTn id="32" dur="1" fill="hold">
                                           <p:stCondLst>
                                             <p:cond delay="0"/>
                                           </p:stCondLst>
@@ -18374,26 +24264,98 @@
                     </p:cTn>
                   </p:par>
                   <p:par>
-                    <p:cTn id="19" fill="hold">
+                    <p:cTn id="33" fill="hold">
                       <p:stCondLst>
                         <p:cond delay="indefinite"/>
                       </p:stCondLst>
                       <p:childTnLst>
                         <p:par>
-                          <p:cTn id="20" fill="hold">
+                          <p:cTn id="34" fill="hold">
                             <p:stCondLst>
                               <p:cond delay="0"/>
                             </p:stCondLst>
                             <p:childTnLst>
                               <p:par>
-                                <p:cTn id="21" presetID="1" presetClass="entr" presetSubtype="0" fill="hold" nodeType="clickEffect">
+                                <p:cTn id="35" presetID="1" presetClass="entr" presetSubtype="0" fill="hold" grpId="2" nodeType="clickEffect">
                                   <p:stCondLst>
                                     <p:cond delay="0"/>
                                   </p:stCondLst>
                                   <p:childTnLst>
                                     <p:set>
                                       <p:cBhvr>
-                                        <p:cTn id="22" dur="1" fill="hold">
+                                        <p:cTn id="36" dur="1" fill="hold">
+                                          <p:stCondLst>
+                                            <p:cond delay="0"/>
+                                          </p:stCondLst>
+                                        </p:cTn>
+                                        <p:tgtEl>
+                                          <p:spTgt spid="10"/>
+                                        </p:tgtEl>
+                                        <p:attrNameLst>
+                                          <p:attrName>style.visibility</p:attrName>
+                                        </p:attrNameLst>
+                                      </p:cBhvr>
+                                      <p:to>
+                                        <p:strVal val="visible"/>
+                                      </p:to>
+                                    </p:set>
+                                  </p:childTnLst>
+                                </p:cTn>
+                              </p:par>
+                              <p:par>
+                                <p:cTn id="37" presetID="1" presetClass="entr" presetSubtype="0" fill="hold" grpId="0" nodeType="withEffect">
+                                  <p:stCondLst>
+                                    <p:cond delay="0"/>
+                                  </p:stCondLst>
+                                  <p:childTnLst>
+                                    <p:set>
+                                      <p:cBhvr>
+                                        <p:cTn id="38" dur="1" fill="hold">
+                                          <p:stCondLst>
+                                            <p:cond delay="0"/>
+                                          </p:stCondLst>
+                                        </p:cTn>
+                                        <p:tgtEl>
+                                          <p:spTgt spid="8"/>
+                                        </p:tgtEl>
+                                        <p:attrNameLst>
+                                          <p:attrName>style.visibility</p:attrName>
+                                        </p:attrNameLst>
+                                      </p:cBhvr>
+                                      <p:to>
+                                        <p:strVal val="visible"/>
+                                      </p:to>
+                                    </p:set>
+                                  </p:childTnLst>
+                                </p:cTn>
+                              </p:par>
+                            </p:childTnLst>
+                          </p:cTn>
+                        </p:par>
+                      </p:childTnLst>
+                    </p:cTn>
+                  </p:par>
+                  <p:par>
+                    <p:cTn id="39" fill="hold">
+                      <p:stCondLst>
+                        <p:cond delay="indefinite"/>
+                      </p:stCondLst>
+                      <p:childTnLst>
+                        <p:par>
+                          <p:cTn id="40" fill="hold">
+                            <p:stCondLst>
+                              <p:cond delay="0"/>
+                            </p:stCondLst>
+                            <p:childTnLst>
+                              <p:par>
+                                <p:cTn id="41" presetID="1" presetClass="entr" presetSubtype="0" fill="hold" nodeType="clickEffect">
+                                  <p:stCondLst>
+                                    <p:cond delay="0"/>
+                                  </p:stCondLst>
+                                  <p:childTnLst>
+                                    <p:set>
+                                      <p:cBhvr>
+                                        <p:cTn id="42" dur="1" fill="hold">
                                           <p:stCondLst>
                                             <p:cond delay="0"/>
                                           </p:stCondLst>
@@ -18419,26 +24381,125 @@
                     </p:cTn>
                   </p:par>
                   <p:par>
-                    <p:cTn id="23" fill="hold">
+                    <p:cTn id="43" fill="hold">
                       <p:stCondLst>
                         <p:cond delay="indefinite"/>
                       </p:stCondLst>
                       <p:childTnLst>
                         <p:par>
-                          <p:cTn id="24" fill="hold">
+                          <p:cTn id="44" fill="hold">
                             <p:stCondLst>
                               <p:cond delay="0"/>
                             </p:stCondLst>
                             <p:childTnLst>
                               <p:par>
-                                <p:cTn id="25" presetID="1" presetClass="entr" presetSubtype="0" fill="hold" grpId="0" nodeType="clickEffect">
+                                <p:cTn id="45" presetID="1" presetClass="exit" presetSubtype="0" fill="hold" grpId="3" nodeType="clickEffect">
                                   <p:stCondLst>
                                     <p:cond delay="0"/>
                                   </p:stCondLst>
                                   <p:childTnLst>
                                     <p:set>
                                       <p:cBhvr>
-                                        <p:cTn id="26" dur="1" fill="hold">
+                                        <p:cTn id="46" dur="1" fill="hold">
+                                          <p:stCondLst>
+                                            <p:cond delay="0"/>
+                                          </p:stCondLst>
+                                        </p:cTn>
+                                        <p:tgtEl>
+                                          <p:spTgt spid="10"/>
+                                        </p:tgtEl>
+                                        <p:attrNameLst>
+                                          <p:attrName>style.visibility</p:attrName>
+                                        </p:attrNameLst>
+                                      </p:cBhvr>
+                                      <p:to>
+                                        <p:strVal val="hidden"/>
+                                      </p:to>
+                                    </p:set>
+                                  </p:childTnLst>
+                                </p:cTn>
+                              </p:par>
+                              <p:par>
+                                <p:cTn id="47" presetID="1" presetClass="exit" presetSubtype="0" fill="hold" grpId="1" nodeType="withEffect">
+                                  <p:stCondLst>
+                                    <p:cond delay="0"/>
+                                  </p:stCondLst>
+                                  <p:childTnLst>
+                                    <p:set>
+                                      <p:cBhvr>
+                                        <p:cTn id="48" dur="1" fill="hold">
+                                          <p:stCondLst>
+                                            <p:cond delay="0"/>
+                                          </p:stCondLst>
+                                        </p:cTn>
+                                        <p:tgtEl>
+                                          <p:spTgt spid="8"/>
+                                        </p:tgtEl>
+                                        <p:attrNameLst>
+                                          <p:attrName>style.visibility</p:attrName>
+                                        </p:attrNameLst>
+                                      </p:cBhvr>
+                                      <p:to>
+                                        <p:strVal val="hidden"/>
+                                      </p:to>
+                                    </p:set>
+                                  </p:childTnLst>
+                                </p:cTn>
+                              </p:par>
+                              <p:par>
+                                <p:cTn id="49" presetID="1" presetClass="exit" presetSubtype="0" fill="hold" nodeType="withEffect">
+                                  <p:stCondLst>
+                                    <p:cond delay="0"/>
+                                  </p:stCondLst>
+                                  <p:childTnLst>
+                                    <p:set>
+                                      <p:cBhvr>
+                                        <p:cTn id="50" dur="1" fill="hold">
+                                          <p:stCondLst>
+                                            <p:cond delay="0"/>
+                                          </p:stCondLst>
+                                        </p:cTn>
+                                        <p:tgtEl>
+                                          <p:spTgt spid="7"/>
+                                        </p:tgtEl>
+                                        <p:attrNameLst>
+                                          <p:attrName>style.visibility</p:attrName>
+                                        </p:attrNameLst>
+                                      </p:cBhvr>
+                                      <p:to>
+                                        <p:strVal val="hidden"/>
+                                      </p:to>
+                                    </p:set>
+                                  </p:childTnLst>
+                                </p:cTn>
+                              </p:par>
+                            </p:childTnLst>
+                          </p:cTn>
+                        </p:par>
+                      </p:childTnLst>
+                    </p:cTn>
+                  </p:par>
+                  <p:par>
+                    <p:cTn id="51" fill="hold">
+                      <p:stCondLst>
+                        <p:cond delay="indefinite"/>
+                      </p:stCondLst>
+                      <p:childTnLst>
+                        <p:par>
+                          <p:cTn id="52" fill="hold">
+                            <p:stCondLst>
+                              <p:cond delay="0"/>
+                            </p:stCondLst>
+                            <p:childTnLst>
+                              <p:par>
+                                <p:cTn id="53" presetID="1" presetClass="entr" presetSubtype="0" fill="hold" grpId="0" nodeType="clickEffect">
+                                  <p:stCondLst>
+                                    <p:cond delay="0"/>
+                                  </p:stCondLst>
+                                  <p:childTnLst>
+                                    <p:set>
+                                      <p:cBhvr>
+                                        <p:cTn id="54" dur="1" fill="hold">
                                           <p:stCondLst>
                                             <p:cond delay="0"/>
                                           </p:stCondLst>
@@ -18490,6 +24551,14 @@
     </p:tnLst>
     <p:bldLst>
       <p:bldP spid="3" grpId="0" uiExpand="1" build="p"/>
+      <p:bldP spid="10" grpId="0" uiExpand="1" animBg="1"/>
+      <p:bldP spid="10" grpId="1" animBg="1"/>
+      <p:bldP spid="10" grpId="2" animBg="1"/>
+      <p:bldP spid="10" grpId="3" animBg="1"/>
+      <p:bldP spid="8" grpId="0" animBg="1"/>
+      <p:bldP spid="8" grpId="1" animBg="1"/>
+      <p:bldP spid="5" grpId="0" animBg="1"/>
+      <p:bldP spid="5" grpId="1" animBg="1"/>
     </p:bldLst>
   </p:timing>
 </p:sld>
@@ -18546,7 +24615,12 @@
             <p:ph idx="1"/>
           </p:nvPr>
         </p:nvSpPr>
-        <p:spPr/>
+        <p:spPr>
+          <a:xfrm>
+            <a:off x="838200" y="1450731"/>
+            <a:ext cx="10515600" cy="4726232"/>
+          </a:xfrm>
+        </p:spPr>
         <p:txBody>
           <a:bodyPr/>
           <a:lstStyle/>
@@ -18557,13 +24631,25 @@
             </a:r>
           </a:p>
           <a:p>
+            <a:endParaRPr lang="en-US" dirty="0" smtClean="0"/>
+          </a:p>
+          <a:p>
+            <a:endParaRPr lang="en-US" dirty="0"/>
+          </a:p>
+          <a:p>
+            <a:endParaRPr lang="en-US" dirty="0" smtClean="0"/>
+          </a:p>
+          <a:p>
+            <a:pPr marL="0" indent="0">
+              <a:buNone/>
+            </a:pPr>
+            <a:endParaRPr lang="en-US" dirty="0"/>
+          </a:p>
+          <a:p>
             <a:r>
               <a:rPr lang="en-US" dirty="0" smtClean="0"/>
               <a:t>Thread local references.</a:t>
             </a:r>
-          </a:p>
-          <a:p>
-            <a:endParaRPr lang="en-US" dirty="0" smtClean="0"/>
           </a:p>
           <a:p>
             <a:r>
@@ -18574,39 +24660,203 @@
           </a:p>
         </p:txBody>
       </p:sp>
-      <p:pic>
-        <p:nvPicPr>
-          <p:cNvPr id="4" name="Picture 3"/>
-          <p:cNvPicPr>
-            <a:picLocks noChangeAspect="1"/>
-          </p:cNvPicPr>
+      <p:sp>
+        <p:nvSpPr>
+          <p:cNvPr id="5" name="Rectangle 4"/>
+          <p:cNvSpPr/>
           <p:nvPr/>
-        </p:nvPicPr>
-        <p:blipFill>
-          <a:blip r:embed="rId3">
-            <a:extLst>
-              <a:ext uri="{28A0092B-C50C-407E-A947-70E740481C1C}">
-                <a14:useLocalDpi xmlns:a14="http://schemas.microsoft.com/office/drawing/2010/main" val="0"/>
-              </a:ext>
-            </a:extLst>
-          </a:blip>
-          <a:stretch>
-            <a:fillRect/>
-          </a:stretch>
-        </p:blipFill>
+        </p:nvSpPr>
         <p:spPr>
           <a:xfrm>
-            <a:off x="8387812" y="1211850"/>
-            <a:ext cx="2572109" cy="1981477"/>
+            <a:off x="1186962" y="1902500"/>
+            <a:ext cx="4492869" cy="2031325"/>
           </a:xfrm>
           <a:prstGeom prst="rect">
             <a:avLst/>
           </a:prstGeom>
-          <a:effectLst>
-            <a:softEdge rad="25400"/>
-          </a:effectLst>
         </p:spPr>
-      </p:pic>
+        <p:txBody>
+          <a:bodyPr wrap="square">
+            <a:spAutoFit/>
+          </a:bodyPr>
+          <a:lstStyle/>
+          <a:p>
+            <a:pPr>
+              <a:buFont typeface="Arial" panose="020B0604020202020204" pitchFamily="34" charset="0"/>
+              <a:buChar char="•"/>
+            </a:pPr>
+            <a:r>
+              <a:rPr lang="en-US" dirty="0" smtClean="0">
+                <a:solidFill>
+                  <a:srgbClr val="666666"/>
+                </a:solidFill>
+                <a:latin typeface="DejaVu Sans"/>
+                <a:hlinkClick r:id="rId3"/>
+              </a:rPr>
+              <a:t>Library </a:t>
+            </a:r>
+            <a:r>
+              <a:rPr lang="en-US" dirty="0">
+                <a:solidFill>
+                  <a:srgbClr val="666666"/>
+                </a:solidFill>
+                <a:latin typeface="DejaVu Sans"/>
+                <a:hlinkClick r:id="rId3"/>
+              </a:rPr>
+              <a:t>and Version Management</a:t>
+            </a:r>
+            <a:endParaRPr lang="en-US" dirty="0">
+              <a:solidFill>
+                <a:srgbClr val="000000"/>
+              </a:solidFill>
+              <a:latin typeface="DejaVu Sans"/>
+            </a:endParaRPr>
+          </a:p>
+          <a:p>
+            <a:pPr marL="742950" lvl="1" indent="-285750">
+              <a:buFont typeface="Arial" panose="020B0604020202020204" pitchFamily="34" charset="0"/>
+              <a:buChar char="•"/>
+            </a:pPr>
+            <a:r>
+              <a:rPr lang="en-US" dirty="0" err="1" smtClean="0">
+                <a:solidFill>
+                  <a:srgbClr val="666666"/>
+                </a:solidFill>
+                <a:latin typeface="DejaVu Sans"/>
+                <a:hlinkClick r:id="rId4"/>
+              </a:rPr>
+              <a:t>JNI_OnLoad</a:t>
+            </a:r>
+            <a:endParaRPr lang="en-US" dirty="0">
+              <a:solidFill>
+                <a:srgbClr val="000000"/>
+              </a:solidFill>
+              <a:latin typeface="DejaVu Sans"/>
+            </a:endParaRPr>
+          </a:p>
+          <a:p>
+            <a:pPr marL="742950" lvl="1" indent="-285750">
+              <a:buFont typeface="Arial" panose="020B0604020202020204" pitchFamily="34" charset="0"/>
+              <a:buChar char="•"/>
+            </a:pPr>
+            <a:r>
+              <a:rPr lang="en-US" dirty="0" err="1">
+                <a:solidFill>
+                  <a:srgbClr val="666666"/>
+                </a:solidFill>
+                <a:latin typeface="DejaVu Sans"/>
+                <a:hlinkClick r:id="rId5"/>
+              </a:rPr>
+              <a:t>JNI_OnUnload</a:t>
+            </a:r>
+            <a:endParaRPr lang="en-US" dirty="0">
+              <a:solidFill>
+                <a:srgbClr val="000000"/>
+              </a:solidFill>
+              <a:latin typeface="DejaVu Sans"/>
+            </a:endParaRPr>
+          </a:p>
+          <a:p>
+            <a:pPr>
+              <a:buFont typeface="Arial" panose="020B0604020202020204" pitchFamily="34" charset="0"/>
+              <a:buChar char="•"/>
+            </a:pPr>
+            <a:r>
+              <a:rPr lang="en-US" dirty="0" smtClean="0">
+                <a:solidFill>
+                  <a:srgbClr val="666666"/>
+                </a:solidFill>
+                <a:latin typeface="DejaVu Sans"/>
+                <a:hlinkClick r:id="rId6"/>
+              </a:rPr>
+              <a:t>Invocation </a:t>
+            </a:r>
+            <a:r>
+              <a:rPr lang="en-US" dirty="0">
+                <a:solidFill>
+                  <a:srgbClr val="666666"/>
+                </a:solidFill>
+                <a:latin typeface="DejaVu Sans"/>
+                <a:hlinkClick r:id="rId6"/>
+              </a:rPr>
+              <a:t>API Functions</a:t>
+            </a:r>
+            <a:endParaRPr lang="en-US" dirty="0">
+              <a:solidFill>
+                <a:srgbClr val="000000"/>
+              </a:solidFill>
+              <a:latin typeface="DejaVu Sans"/>
+            </a:endParaRPr>
+          </a:p>
+          <a:p>
+            <a:pPr marL="742950" lvl="1" indent="-285750">
+              <a:buFont typeface="Arial" panose="020B0604020202020204" pitchFamily="34" charset="0"/>
+              <a:buChar char="•"/>
+            </a:pPr>
+            <a:r>
+              <a:rPr lang="en-US" dirty="0" err="1" smtClean="0">
+                <a:solidFill>
+                  <a:srgbClr val="666666"/>
+                </a:solidFill>
+                <a:latin typeface="DejaVu Sans"/>
+                <a:hlinkClick r:id="rId7"/>
+              </a:rPr>
+              <a:t>AttachCurrentThread</a:t>
+            </a:r>
+            <a:endParaRPr lang="en-US" dirty="0">
+              <a:solidFill>
+                <a:srgbClr val="000000"/>
+              </a:solidFill>
+              <a:latin typeface="DejaVu Sans"/>
+            </a:endParaRPr>
+          </a:p>
+          <a:p>
+            <a:pPr marL="742950" lvl="1" indent="-285750">
+              <a:buFont typeface="Arial" panose="020B0604020202020204" pitchFamily="34" charset="0"/>
+              <a:buChar char="•"/>
+            </a:pPr>
+            <a:r>
+              <a:rPr lang="en-US" dirty="0" err="1" smtClean="0">
+                <a:solidFill>
+                  <a:srgbClr val="666666"/>
+                </a:solidFill>
+                <a:latin typeface="DejaVu Sans"/>
+                <a:hlinkClick r:id="rId8"/>
+              </a:rPr>
+              <a:t>DetachCurrentThread</a:t>
+            </a:r>
+            <a:endParaRPr lang="en-US" dirty="0">
+              <a:solidFill>
+                <a:srgbClr val="000000"/>
+              </a:solidFill>
+              <a:latin typeface="DejaVu Sans"/>
+            </a:endParaRPr>
+          </a:p>
+          <a:p>
+            <a:pPr marL="742950" lvl="1" indent="-285750">
+              <a:buFont typeface="Arial" panose="020B0604020202020204" pitchFamily="34" charset="0"/>
+              <a:buChar char="•"/>
+            </a:pPr>
+            <a:r>
+              <a:rPr lang="en-US" dirty="0" err="1">
+                <a:solidFill>
+                  <a:srgbClr val="666666"/>
+                </a:solidFill>
+                <a:latin typeface="DejaVu Sans"/>
+                <a:hlinkClick r:id="rId9"/>
+              </a:rPr>
+              <a:t>GetEnv</a:t>
+            </a:r>
+            <a:endParaRPr lang="en-US" b="0" i="0" dirty="0">
+              <a:solidFill>
+                <a:srgbClr val="000000"/>
+              </a:solidFill>
+              <a:effectLst/>
+              <a:latin typeface="DejaVu Sans"/>
+            </a:endParaRPr>
+          </a:p>
+        </p:txBody>
+      </p:sp>
     </p:spTree>
     <p:extLst>
       <p:ext uri="{BB962C8B-B14F-4D97-AF65-F5344CB8AC3E}">
@@ -18690,102 +24940,177 @@
           <a:p>
             <a:r>
               <a:rPr lang="en-US" dirty="0" smtClean="0"/>
+              <a:t>Runtime errors and exceptions:</a:t>
+            </a:r>
+          </a:p>
+          <a:p>
+            <a:pPr lvl="1"/>
+            <a:r>
+              <a:rPr lang="en-US" sz="1800" dirty="0" smtClean="0">
+                <a:solidFill>
+                  <a:srgbClr val="FF0000"/>
+                </a:solidFill>
+              </a:rPr>
+              <a:t>JNI DETECTED ERROR IN APPLICATION</a:t>
+            </a:r>
+            <a:endParaRPr lang="en-US" sz="1800" dirty="0">
+              <a:solidFill>
+                <a:srgbClr val="FF0000"/>
+              </a:solidFill>
+            </a:endParaRPr>
+          </a:p>
+          <a:p>
+            <a:pPr lvl="1"/>
+            <a:r>
+              <a:rPr lang="en-US" sz="1800" dirty="0" err="1" smtClean="0">
+                <a:solidFill>
+                  <a:srgbClr val="FF0000"/>
+                </a:solidFill>
+              </a:rPr>
+              <a:t>java.lang.UnsatisfiedLinkerError</a:t>
+            </a:r>
+            <a:r>
+              <a:rPr lang="en-US" sz="1800" dirty="0" smtClean="0">
+                <a:solidFill>
+                  <a:srgbClr val="FF0000"/>
+                </a:solidFill>
+              </a:rPr>
+              <a:t>: No implementation found</a:t>
+            </a:r>
+          </a:p>
+          <a:p>
+            <a:pPr lvl="1"/>
+            <a:r>
+              <a:rPr lang="en-US" sz="1800" dirty="0" err="1" smtClean="0">
+                <a:solidFill>
+                  <a:srgbClr val="FF0000"/>
+                </a:solidFill>
+              </a:rPr>
+              <a:t>java.lang.NoSuchMethodError</a:t>
+            </a:r>
+            <a:r>
+              <a:rPr lang="en-US" sz="1800" dirty="0" smtClean="0">
+                <a:solidFill>
+                  <a:srgbClr val="FF0000"/>
+                </a:solidFill>
+              </a:rPr>
+              <a:t>: no method</a:t>
+            </a:r>
+            <a:endParaRPr lang="en-US" sz="1800" dirty="0" smtClean="0">
+              <a:solidFill>
+                <a:srgbClr val="FF0000"/>
+              </a:solidFill>
+            </a:endParaRPr>
+          </a:p>
+          <a:p>
+            <a:r>
+              <a:rPr lang="en-US" dirty="0" smtClean="0"/>
               <a:t>C linkage</a:t>
             </a:r>
           </a:p>
           <a:p>
+            <a:pPr marL="0" indent="0">
+              <a:buNone/>
+            </a:pPr>
             <a:endParaRPr lang="en-US" dirty="0" smtClean="0"/>
           </a:p>
           <a:p>
+            <a:r>
+              <a:rPr lang="en-US" dirty="0" smtClean="0"/>
+              <a:t>Release mode and Java obfuscation</a:t>
+            </a:r>
+          </a:p>
+          <a:p>
+            <a:pPr lvl="1"/>
+            <a:r>
+              <a:rPr lang="en-US" sz="2000" dirty="0" err="1" smtClean="0">
+                <a:solidFill>
+                  <a:schemeClr val="accent6">
+                    <a:lumMod val="60000"/>
+                    <a:lumOff val="40000"/>
+                  </a:schemeClr>
+                </a:solidFill>
+              </a:rPr>
+              <a:t>ProGuard</a:t>
+            </a:r>
+            <a:r>
+              <a:rPr lang="en-US" sz="2000" dirty="0">
+                <a:solidFill>
+                  <a:schemeClr val="accent6">
+                    <a:lumMod val="60000"/>
+                    <a:lumOff val="40000"/>
+                  </a:schemeClr>
+                </a:solidFill>
+              </a:rPr>
+              <a:t>, </a:t>
+            </a:r>
+            <a:r>
+              <a:rPr lang="en-US" sz="2000" dirty="0" err="1">
+                <a:solidFill>
+                  <a:schemeClr val="accent6">
+                    <a:lumMod val="60000"/>
+                    <a:lumOff val="40000"/>
+                  </a:schemeClr>
+                </a:solidFill>
+              </a:rPr>
+              <a:t>DexGuard</a:t>
+            </a:r>
+            <a:endParaRPr lang="en-US" sz="2000" dirty="0">
+              <a:solidFill>
+                <a:schemeClr val="accent6">
+                  <a:lumMod val="60000"/>
+                  <a:lumOff val="40000"/>
+                </a:schemeClr>
+              </a:solidFill>
+            </a:endParaRPr>
+          </a:p>
+          <a:p>
+            <a:r>
+              <a:rPr lang="en-US" dirty="0" smtClean="0"/>
+              <a:t>Library </a:t>
+            </a:r>
+            <a:r>
+              <a:rPr lang="en-US" dirty="0" smtClean="0"/>
+              <a:t>set</a:t>
+            </a:r>
+          </a:p>
+          <a:p>
+            <a:pPr lvl="1"/>
+            <a:r>
+              <a:rPr lang="en-US" sz="2000" dirty="0" smtClean="0">
+                <a:solidFill>
+                  <a:schemeClr val="accent1"/>
+                </a:solidFill>
+              </a:rPr>
+              <a:t>armeabi-v7a, arm64-v8a, x86, </a:t>
+            </a:r>
+            <a:r>
+              <a:rPr lang="en-US" sz="2000" dirty="0">
+                <a:solidFill>
+                  <a:schemeClr val="accent1"/>
+                </a:solidFill>
+              </a:rPr>
+              <a:t>x86_64</a:t>
+            </a:r>
+          </a:p>
+          <a:p>
+            <a:pPr lvl="1"/>
             <a:endParaRPr lang="en-US" dirty="0"/>
           </a:p>
           <a:p>
-            <a:endParaRPr lang="en-US" dirty="0" smtClean="0"/>
-          </a:p>
-          <a:p>
-            <a:r>
-              <a:rPr lang="en-US" dirty="0" smtClean="0"/>
-              <a:t>Java obfuscation: </a:t>
-            </a:r>
-            <a:r>
-              <a:rPr lang="en-US" dirty="0" err="1" smtClean="0"/>
-              <a:t>ProGuard</a:t>
-            </a:r>
-            <a:r>
-              <a:rPr lang="en-US" dirty="0" smtClean="0"/>
-              <a:t>, </a:t>
-            </a:r>
-            <a:r>
-              <a:rPr lang="en-US" dirty="0" err="1" smtClean="0"/>
-              <a:t>DexGuard</a:t>
-            </a:r>
-            <a:endParaRPr lang="en-US" dirty="0" smtClean="0"/>
-          </a:p>
-          <a:p>
+            <a:pPr lvl="1"/>
+            <a:endParaRPr lang="en-US" dirty="0"/>
+          </a:p>
+          <a:p>
+            <a:pPr lvl="1"/>
+            <a:endParaRPr lang="en-US" dirty="0"/>
+          </a:p>
+          <a:p>
+            <a:pPr lvl="1"/>
             <a:endParaRPr lang="en-US" dirty="0"/>
           </a:p>
         </p:txBody>
       </p:sp>
-      <p:pic>
-        <p:nvPicPr>
-          <p:cNvPr id="4" name="Picture 3"/>
-          <p:cNvPicPr>
-            <a:picLocks noChangeAspect="1"/>
-          </p:cNvPicPr>
-          <p:nvPr/>
-        </p:nvPicPr>
-        <p:blipFill>
-          <a:blip r:embed="rId3" cstate="print">
-            <a:extLst>
-              <a:ext uri="{28A0092B-C50C-407E-A947-70E740481C1C}">
-                <a14:useLocalDpi xmlns:a14="http://schemas.microsoft.com/office/drawing/2010/main" val="0"/>
-              </a:ext>
-            </a:extLst>
-          </a:blip>
-          <a:stretch>
-            <a:fillRect/>
-          </a:stretch>
-        </p:blipFill>
-        <p:spPr>
-          <a:xfrm>
-            <a:off x="3468417" y="3971038"/>
-            <a:ext cx="1575578" cy="1575578"/>
-          </a:xfrm>
-          <a:prstGeom prst="rect">
-            <a:avLst/>
-          </a:prstGeom>
-        </p:spPr>
-      </p:pic>
-      <p:pic>
-        <p:nvPicPr>
-          <p:cNvPr id="5" name="Picture 4"/>
-          <p:cNvPicPr>
-            <a:picLocks noChangeAspect="1"/>
-          </p:cNvPicPr>
-          <p:nvPr/>
-        </p:nvPicPr>
-        <p:blipFill>
-          <a:blip r:embed="rId4" cstate="print">
-            <a:extLst>
-              <a:ext uri="{28A0092B-C50C-407E-A947-70E740481C1C}">
-                <a14:useLocalDpi xmlns:a14="http://schemas.microsoft.com/office/drawing/2010/main" val="0"/>
-              </a:ext>
-            </a:extLst>
-          </a:blip>
-          <a:stretch>
-            <a:fillRect/>
-          </a:stretch>
-        </p:blipFill>
-        <p:spPr>
-          <a:xfrm>
-            <a:off x="5092707" y="3971038"/>
-            <a:ext cx="1650379" cy="1633875"/>
-          </a:xfrm>
-          <a:prstGeom prst="rect">
-            <a:avLst/>
-          </a:prstGeom>
-        </p:spPr>
-      </p:pic>
       <p:sp>
         <p:nvSpPr>
           <p:cNvPr id="8" name="Rectangle 3"/>
@@ -18796,8 +25121,8 @@
         </p:nvSpPr>
         <p:spPr bwMode="auto">
           <a:xfrm>
-            <a:off x="1016880" y="2146133"/>
-            <a:ext cx="4903074" cy="1200329"/>
+            <a:off x="1106527" y="3358954"/>
+            <a:ext cx="4903074" cy="830997"/>
           </a:xfrm>
           <a:prstGeom prst="rect">
             <a:avLst/>
@@ -18859,62 +25184,35 @@
                 <a:latin typeface="Courier New" panose="02070309020205020404" pitchFamily="49" charset="0"/>
                 <a:cs typeface="Courier New" panose="02070309020205020404" pitchFamily="49" charset="0"/>
               </a:rPr>
-              <a:t>"C"</a:t>
-            </a:r>
-            <a:r>
-              <a:rPr kumimoji="0" lang="en-US" altLang="en-US" sz="2400" b="0" i="0" u="none" strike="noStrike" cap="none" normalizeH="0" baseline="0" dirty="0" smtClean="0">
-                <a:ln>
-                  <a:noFill/>
-                </a:ln>
-                <a:solidFill>
-                  <a:srgbClr val="000000"/>
+              <a:t>"</a:t>
+            </a:r>
+            <a:r>
+              <a:rPr kumimoji="0" lang="en-US" altLang="en-US" sz="2400" b="1" i="0" u="none" strike="noStrike" cap="none" normalizeH="0" baseline="0" dirty="0" smtClean="0">
+                <a:ln>
+                  <a:noFill/>
+                </a:ln>
+                <a:solidFill>
+                  <a:srgbClr val="008000"/>
+                </a:solidFill>
+                <a:effectLst/>
+                <a:latin typeface="Courier New" panose="02070309020205020404" pitchFamily="49" charset="0"/>
+                <a:cs typeface="Courier New" panose="02070309020205020404" pitchFamily="49" charset="0"/>
+              </a:rPr>
+              <a:t>C“ {}</a:t>
+            </a:r>
+            <a:r>
+              <a:rPr kumimoji="0" lang="en-US" altLang="en-US" sz="2400" b="0" i="1" u="none" strike="noStrike" cap="none" normalizeH="0" baseline="0" dirty="0" smtClean="0">
+                <a:ln>
+                  <a:noFill/>
+                </a:ln>
+                <a:solidFill>
+                  <a:srgbClr val="808080"/>
                 </a:solidFill>
                 <a:effectLst/>
                 <a:latin typeface="Courier New" panose="02070309020205020404" pitchFamily="49" charset="0"/>
                 <a:cs typeface="Courier New" panose="02070309020205020404" pitchFamily="49" charset="0"/>
               </a:rPr>
               <a:t/>
-            </a:r>
-            <a:br>
-              <a:rPr kumimoji="0" lang="en-US" altLang="en-US" sz="2400" b="0" i="0" u="none" strike="noStrike" cap="none" normalizeH="0" baseline="0" dirty="0" smtClean="0">
-                <a:ln>
-                  <a:noFill/>
-                </a:ln>
-                <a:solidFill>
-                  <a:srgbClr val="000000"/>
-                </a:solidFill>
-                <a:effectLst/>
-                <a:latin typeface="Courier New" panose="02070309020205020404" pitchFamily="49" charset="0"/>
-                <a:cs typeface="Courier New" panose="02070309020205020404" pitchFamily="49" charset="0"/>
-              </a:rPr>
-            </a:br>
-            <a:r>
-              <a:rPr kumimoji="0" lang="en-US" altLang="en-US" sz="2400" b="0" i="0" u="none" strike="noStrike" cap="none" normalizeH="0" baseline="0" dirty="0" smtClean="0">
-                <a:ln>
-                  <a:noFill/>
-                </a:ln>
-                <a:solidFill>
-                  <a:srgbClr val="000000"/>
-                </a:solidFill>
-                <a:effectLst/>
-                <a:latin typeface="Courier New" panose="02070309020205020404" pitchFamily="49" charset="0"/>
-                <a:cs typeface="Courier New" panose="02070309020205020404" pitchFamily="49" charset="0"/>
-              </a:rPr>
-              <a:t> </a:t>
-            </a:r>
-            <a:r>
-              <a:rPr kumimoji="0" lang="en-US" altLang="en-US" sz="2400" b="0" i="1" u="none" strike="noStrike" cap="none" normalizeH="0" baseline="0" dirty="0" smtClean="0">
-                <a:ln>
-                  <a:noFill/>
-                </a:ln>
-                <a:solidFill>
-                  <a:srgbClr val="808080"/>
-                </a:solidFill>
-                <a:effectLst/>
-                <a:latin typeface="Courier New" panose="02070309020205020404" pitchFamily="49" charset="0"/>
-                <a:cs typeface="Courier New" panose="02070309020205020404" pitchFamily="49" charset="0"/>
-              </a:rPr>
-              <a:t>// JNI Functions</a:t>
             </a:r>
             <a:br>
               <a:rPr kumimoji="0" lang="en-US" altLang="en-US" sz="2400" b="0" i="1" u="none" strike="noStrike" cap="none" normalizeH="0" baseline="0" dirty="0" smtClean="0">
@@ -18965,7 +25263,7 @@
           <p:nvPr/>
         </p:nvPicPr>
         <p:blipFill>
-          <a:blip r:embed="rId5">
+          <a:blip r:embed="rId3">
             <a:extLst>
               <a:ext uri="{28A0092B-C50C-407E-A947-70E740481C1C}">
                 <a14:useLocalDpi xmlns:a14="http://schemas.microsoft.com/office/drawing/2010/main" val="0"/>
@@ -18978,8 +25276,8 @@
         </p:blipFill>
         <p:spPr>
           <a:xfrm>
-            <a:off x="300670" y="4995710"/>
-            <a:ext cx="15455036" cy="967000"/>
+            <a:off x="9725792" y="2146210"/>
+            <a:ext cx="851284" cy="601628"/>
           </a:xfrm>
           <a:prstGeom prst="rect">
             <a:avLst/>
@@ -19000,7 +25298,7 @@
           <p:nvPr/>
         </p:nvPicPr>
         <p:blipFill>
-          <a:blip r:embed="rId6">
+          <a:blip r:embed="rId4">
             <a:extLst>
               <a:ext uri="{28A0092B-C50C-407E-A947-70E740481C1C}">
                 <a14:useLocalDpi xmlns:a14="http://schemas.microsoft.com/office/drawing/2010/main" val="0"/>
@@ -19013,8 +25311,8 @@
         </p:blipFill>
         <p:spPr>
           <a:xfrm>
-            <a:off x="136634" y="3072053"/>
-            <a:ext cx="15736566" cy="1251612"/>
+            <a:off x="9662717" y="3255461"/>
+            <a:ext cx="1372903" cy="769570"/>
           </a:xfrm>
           <a:prstGeom prst="rect">
             <a:avLst/>
@@ -19035,7 +25333,7 @@
           <p:nvPr/>
         </p:nvPicPr>
         <p:blipFill>
-          <a:blip r:embed="rId7">
+          <a:blip r:embed="rId5" cstate="print">
             <a:extLst>
               <a:ext uri="{28A0092B-C50C-407E-A947-70E740481C1C}">
                 <a14:useLocalDpi xmlns:a14="http://schemas.microsoft.com/office/drawing/2010/main" val="0"/>
@@ -19048,8 +25346,8 @@
         </p:blipFill>
         <p:spPr>
           <a:xfrm>
-            <a:off x="1169319" y="2418959"/>
-            <a:ext cx="11426191" cy="2527177"/>
+            <a:off x="9662717" y="1422275"/>
+            <a:ext cx="977434" cy="536826"/>
           </a:xfrm>
           <a:prstGeom prst="rect">
             <a:avLst/>
@@ -19153,7 +25451,15 @@
             </a:r>
             <a:r>
               <a:rPr lang="en-US" dirty="0"/>
-              <a:t>method IDs, field IDs, and </a:t>
+              <a:t>method IDs, field </a:t>
+            </a:r>
+            <a:r>
+              <a:rPr lang="en-US" dirty="0" smtClean="0"/>
+              <a:t>IDs </a:t>
+            </a:r>
+            <a:r>
+              <a:rPr lang="en-US" dirty="0"/>
+              <a:t>and </a:t>
             </a:r>
             <a:r>
               <a:rPr lang="en-US" dirty="0" smtClean="0"/>

--- a/NDK_SoftServeTheme.pptx
+++ b/NDK_SoftServeTheme.pptx
@@ -6,7 +6,7 @@
     <p:sldMasterId id="2147483677" r:id="rId2"/>
   </p:sldMasterIdLst>
   <p:notesMasterIdLst>
-    <p:notesMasterId r:id="rId24"/>
+    <p:notesMasterId r:id="rId23"/>
   </p:notesMasterIdLst>
   <p:sldIdLst>
     <p:sldId id="256" r:id="rId3"/>
@@ -29,7 +29,6 @@
     <p:sldId id="276" r:id="rId20"/>
     <p:sldId id="277" r:id="rId21"/>
     <p:sldId id="264" r:id="rId22"/>
-    <p:sldId id="275" r:id="rId23"/>
   </p:sldIdLst>
   <p:sldSz cx="12192000" cy="6858000"/>
   <p:notesSz cx="6858000" cy="9144000"/>
@@ -218,7 +217,7 @@
           <a:p>
             <a:fld id="{2233C042-B116-4AF0-8EB0-10C51ACFEAFC}" type="datetimeFigureOut">
               <a:rPr lang="en-US" smtClean="0"/>
-              <a:t>3/11/2018</a:t>
+              <a:t>3/12/18</a:t>
             </a:fld>
             <a:endParaRPr lang="en-US"/>
           </a:p>
@@ -2466,7 +2465,7 @@
           <a:p>
             <a:fld id="{E68A8755-D758-4E0E-A7B6-8C6D23EC775F}" type="datetimeFigureOut">
               <a:rPr lang="en-US" smtClean="0"/>
-              <a:t>3/11/2018</a:t>
+              <a:t>3/12/18</a:t>
             </a:fld>
             <a:endParaRPr lang="en-US"/>
           </a:p>
@@ -2676,7 +2675,7 @@
           <a:p>
             <a:fld id="{E68A8755-D758-4E0E-A7B6-8C6D23EC775F}" type="datetimeFigureOut">
               <a:rPr lang="en-US" smtClean="0"/>
-              <a:t>3/11/2018</a:t>
+              <a:t>3/12/18</a:t>
             </a:fld>
             <a:endParaRPr lang="en-US"/>
           </a:p>
@@ -14036,7 +14035,21 @@
                 <a:latin typeface="Courier New" panose="02070309020205020404" pitchFamily="49" charset="0"/>
                 <a:cs typeface="Courier New" panose="02070309020205020404" pitchFamily="49" charset="0"/>
               </a:rPr>
-              <a:t>-</a:t>
+              <a:t>-&gt;</a:t>
+            </a:r>
+            <a:r>
+              <a:rPr kumimoji="0" lang="en-US" altLang="en-US" sz="1600" b="0" i="0" u="none" strike="noStrike" cap="none" normalizeH="0" baseline="0" dirty="0" err="1" smtClean="0">
+                <a:ln>
+                  <a:noFill/>
+                </a:ln>
+                <a:solidFill>
+                  <a:srgbClr val="A9B7C6"/>
+                </a:solidFill>
+                <a:effectLst/>
+                <a:latin typeface="Courier New" panose="02070309020205020404" pitchFamily="49" charset="0"/>
+                <a:cs typeface="Courier New" panose="02070309020205020404" pitchFamily="49" charset="0"/>
+              </a:rPr>
+              <a:t>CallStaticVoidMethod</a:t>
             </a:r>
             <a:r>
               <a:rPr kumimoji="0" lang="en-US" altLang="en-US" sz="1600" b="0" i="0" u="none" strike="noStrike" cap="none" normalizeH="0" baseline="0" dirty="0" smtClean="0">
@@ -14050,7 +14063,7 @@
                 <a:latin typeface="Courier New" panose="02070309020205020404" pitchFamily="49" charset="0"/>
                 <a:cs typeface="Courier New" panose="02070309020205020404" pitchFamily="49" charset="0"/>
               </a:rPr>
-              <a:t>&gt;</a:t>
+              <a:t>(</a:t>
             </a:r>
             <a:r>
               <a:rPr kumimoji="0" lang="en-US" altLang="en-US" sz="1600" b="0" i="0" u="none" strike="noStrike" cap="none" normalizeH="0" baseline="0" dirty="0" err="1" smtClean="0">
@@ -14064,7 +14077,7 @@
                 <a:latin typeface="Courier New" panose="02070309020205020404" pitchFamily="49" charset="0"/>
                 <a:cs typeface="Courier New" panose="02070309020205020404" pitchFamily="49" charset="0"/>
               </a:rPr>
-              <a:t>CallStaticVoidMethod</a:t>
+              <a:t>clazz</a:t>
             </a:r>
             <a:r>
               <a:rPr kumimoji="0" lang="en-US" altLang="en-US" sz="1600" b="0" i="0" u="none" strike="noStrike" cap="none" normalizeH="0" baseline="0" dirty="0" smtClean="0">
@@ -14072,13 +14085,13 @@
                   <a:noFill/>
                 </a:ln>
                 <a:solidFill>
-                  <a:srgbClr val="A9B7C6"/>
-                </a:solidFill>
-                <a:effectLst/>
-                <a:latin typeface="Courier New" panose="02070309020205020404" pitchFamily="49" charset="0"/>
-                <a:cs typeface="Courier New" panose="02070309020205020404" pitchFamily="49" charset="0"/>
-              </a:rPr>
-              <a:t>(</a:t>
+                  <a:srgbClr val="CC7832"/>
+                </a:solidFill>
+                <a:effectLst/>
+                <a:latin typeface="Courier New" panose="02070309020205020404" pitchFamily="49" charset="0"/>
+                <a:cs typeface="Courier New" panose="02070309020205020404" pitchFamily="49" charset="0"/>
+              </a:rPr>
+              <a:t>, </a:t>
             </a:r>
             <a:r>
               <a:rPr kumimoji="0" lang="en-US" altLang="en-US" sz="1600" b="0" i="0" u="none" strike="noStrike" cap="none" normalizeH="0" baseline="0" dirty="0" err="1" smtClean="0">
@@ -14092,7 +14105,7 @@
                 <a:latin typeface="Courier New" panose="02070309020205020404" pitchFamily="49" charset="0"/>
                 <a:cs typeface="Courier New" panose="02070309020205020404" pitchFamily="49" charset="0"/>
               </a:rPr>
-              <a:t>clazz</a:t>
+              <a:t>nativeCallbackWithException</a:t>
             </a:r>
             <a:r>
               <a:rPr kumimoji="0" lang="en-US" altLang="en-US" sz="1600" b="0" i="0" u="none" strike="noStrike" cap="none" normalizeH="0" baseline="0" dirty="0" smtClean="0">
@@ -14100,27 +14113,13 @@
                   <a:noFill/>
                 </a:ln>
                 <a:solidFill>
-                  <a:srgbClr val="CC7832"/>
-                </a:solidFill>
-                <a:effectLst/>
-                <a:latin typeface="Courier New" panose="02070309020205020404" pitchFamily="49" charset="0"/>
-                <a:cs typeface="Courier New" panose="02070309020205020404" pitchFamily="49" charset="0"/>
-              </a:rPr>
-              <a:t>, </a:t>
-            </a:r>
-            <a:r>
-              <a:rPr kumimoji="0" lang="en-US" altLang="en-US" sz="1600" b="0" i="0" u="none" strike="noStrike" cap="none" normalizeH="0" baseline="0" dirty="0" err="1" smtClean="0">
-                <a:ln>
-                  <a:noFill/>
-                </a:ln>
-                <a:solidFill>
                   <a:srgbClr val="A9B7C6"/>
                 </a:solidFill>
                 <a:effectLst/>
                 <a:latin typeface="Courier New" panose="02070309020205020404" pitchFamily="49" charset="0"/>
                 <a:cs typeface="Courier New" panose="02070309020205020404" pitchFamily="49" charset="0"/>
               </a:rPr>
-              <a:t>nativeCallbackWithException</a:t>
+              <a:t>)</a:t>
             </a:r>
             <a:r>
               <a:rPr kumimoji="0" lang="en-US" altLang="en-US" sz="1600" b="0" i="0" u="none" strike="noStrike" cap="none" normalizeH="0" baseline="0" dirty="0" smtClean="0">
@@ -14128,20 +14127,6 @@
                   <a:noFill/>
                 </a:ln>
                 <a:solidFill>
-                  <a:srgbClr val="A9B7C6"/>
-                </a:solidFill>
-                <a:effectLst/>
-                <a:latin typeface="Courier New" panose="02070309020205020404" pitchFamily="49" charset="0"/>
-                <a:cs typeface="Courier New" panose="02070309020205020404" pitchFamily="49" charset="0"/>
-              </a:rPr>
-              <a:t>)</a:t>
-            </a:r>
-            <a:r>
-              <a:rPr kumimoji="0" lang="en-US" altLang="en-US" sz="1600" b="0" i="0" u="none" strike="noStrike" cap="none" normalizeH="0" baseline="0" dirty="0" smtClean="0">
-                <a:ln>
-                  <a:noFill/>
-                </a:ln>
-                <a:solidFill>
                   <a:srgbClr val="CC7832"/>
                 </a:solidFill>
                 <a:effectLst/>
@@ -14149,20 +14134,6 @@
                 <a:cs typeface="Courier New" panose="02070309020205020404" pitchFamily="49" charset="0"/>
               </a:rPr>
               <a:t>;</a:t>
-            </a:r>
-            <a:r>
-              <a:rPr kumimoji="0" lang="en-US" altLang="en-US" sz="1600" b="0" i="0" u="none" strike="noStrike" cap="none" normalizeH="0" baseline="0" dirty="0" smtClean="0">
-                <a:ln>
-                  <a:noFill/>
-                </a:ln>
-                <a:solidFill>
-                  <a:srgbClr val="CC7832"/>
-                </a:solidFill>
-                <a:effectLst/>
-                <a:latin typeface="Courier New" panose="02070309020205020404" pitchFamily="49" charset="0"/>
-                <a:cs typeface="Courier New" panose="02070309020205020404" pitchFamily="49" charset="0"/>
-              </a:rPr>
-              <a:t/>
             </a:r>
             <a:br>
               <a:rPr kumimoji="0" lang="en-US" altLang="en-US" sz="1600" b="0" i="0" u="none" strike="noStrike" cap="none" normalizeH="0" baseline="0" dirty="0" smtClean="0">
@@ -15186,10 +15157,15 @@
             <p:ph idx="1"/>
           </p:nvPr>
         </p:nvSpPr>
-        <p:spPr/>
+        <p:spPr>
+          <a:xfrm>
+            <a:off x="838200" y="1529290"/>
+            <a:ext cx="10515600" cy="4351338"/>
+          </a:xfrm>
+        </p:spPr>
         <p:txBody>
           <a:bodyPr>
-            <a:normAutofit lnSpcReduction="10000"/>
+            <a:normAutofit/>
           </a:bodyPr>
           <a:lstStyle/>
           <a:p>
@@ -15197,24 +15173,31 @@
           </a:p>
           <a:p>
             <a:r>
-              <a:rPr lang="en-US" dirty="0"/>
+              <a:rPr lang="en-US" sz="2000" dirty="0"/>
               <a:t>Supported </a:t>
             </a:r>
             <a:r>
-              <a:rPr lang="en-US" dirty="0" smtClean="0"/>
+              <a:rPr lang="en-US" sz="2000" dirty="0" smtClean="0"/>
               <a:t>ABIs</a:t>
             </a:r>
           </a:p>
           <a:p>
-            <a:r>
-              <a:rPr lang="en-US" dirty="0" smtClean="0"/>
-              <a:t>Disable C++ exception support </a:t>
+            <a:endParaRPr lang="en-US" sz="1000" dirty="0"/>
+          </a:p>
+          <a:p>
+            <a:r>
+              <a:rPr lang="en-US" sz="2000" dirty="0" smtClean="0"/>
+              <a:t>Disable </a:t>
+            </a:r>
+            <a:r>
+              <a:rPr lang="en-US" sz="2000" dirty="0" smtClean="0"/>
+              <a:t>C++ exception support </a:t>
             </a:r>
           </a:p>
           <a:p>
             <a:pPr lvl="1"/>
             <a:r>
-              <a:rPr lang="en-US" altLang="en-US" b="1" dirty="0">
+              <a:rPr lang="en-US" altLang="en-US" sz="1600" b="1" dirty="0">
                 <a:solidFill>
                   <a:srgbClr val="008000"/>
                 </a:solidFill>
@@ -15224,27 +15207,40 @@
               <a:t>-</a:t>
             </a:r>
             <a:r>
-              <a:rPr lang="en-US" altLang="en-US" b="1" dirty="0" err="1" smtClean="0">
+              <a:rPr lang="en-US" altLang="en-US" sz="1600" b="1" dirty="0" err="1" smtClean="0">
                 <a:solidFill>
                   <a:srgbClr val="008000"/>
                 </a:solidFill>
                 <a:latin typeface="Courier New" panose="02070309020205020404" pitchFamily="49" charset="0"/>
                 <a:cs typeface="Courier New" panose="02070309020205020404" pitchFamily="49" charset="0"/>
               </a:rPr>
-              <a:t>f</a:t>
-            </a:r>
-            <a:r>
-              <a:rPr lang="en-US" altLang="en-US" b="1" dirty="0" err="1" smtClean="0">
+              <a:t>fno</a:t>
+            </a:r>
+            <a:r>
+              <a:rPr lang="en-US" altLang="en-US" sz="1600" b="1" dirty="0" smtClean="0">
                 <a:solidFill>
                   <a:srgbClr val="008000"/>
                 </a:solidFill>
                 <a:latin typeface="Courier New" panose="02070309020205020404" pitchFamily="49" charset="0"/>
                 <a:cs typeface="Courier New" panose="02070309020205020404" pitchFamily="49" charset="0"/>
               </a:rPr>
-              <a:t>no</a:t>
-            </a:r>
-            <a:r>
-              <a:rPr lang="en-US" altLang="en-US" b="1" dirty="0" smtClean="0">
+              <a:t>-exceptions</a:t>
+            </a:r>
+          </a:p>
+          <a:p>
+            <a:pPr lvl="1"/>
+            <a:endParaRPr lang="en-US" sz="1000" dirty="0" smtClean="0"/>
+          </a:p>
+          <a:p>
+            <a:r>
+              <a:rPr lang="en-US" sz="2000" dirty="0" smtClean="0"/>
+              <a:t>Disable RTTI</a:t>
+            </a:r>
+          </a:p>
+          <a:p>
+            <a:pPr lvl="1"/>
+            <a:r>
+              <a:rPr lang="en-US" altLang="en-US" sz="1600" b="1" dirty="0">
                 <a:solidFill>
                   <a:srgbClr val="008000"/>
                 </a:solidFill>
@@ -15254,76 +15250,46 @@
               <a:t>-</a:t>
             </a:r>
             <a:r>
-              <a:rPr lang="en-US" altLang="en-US" b="1" dirty="0" smtClean="0">
+              <a:rPr lang="en-US" altLang="en-US" sz="1600" b="1" dirty="0" err="1" smtClean="0">
                 <a:solidFill>
                   <a:srgbClr val="008000"/>
                 </a:solidFill>
                 <a:latin typeface="Courier New" panose="02070309020205020404" pitchFamily="49" charset="0"/>
                 <a:cs typeface="Courier New" panose="02070309020205020404" pitchFamily="49" charset="0"/>
               </a:rPr>
-              <a:t>exceptions</a:t>
-            </a:r>
-            <a:endParaRPr lang="en-US" dirty="0" smtClean="0"/>
-          </a:p>
-          <a:p>
-            <a:r>
-              <a:rPr lang="en-US" dirty="0" smtClean="0"/>
-              <a:t>Disable RTTI</a:t>
-            </a:r>
-          </a:p>
-          <a:p>
-            <a:pPr lvl="1"/>
-            <a:r>
-              <a:rPr lang="en-US" altLang="en-US" b="1" dirty="0">
+              <a:t>frtti</a:t>
+            </a:r>
+            <a:r>
+              <a:rPr lang="en-US" altLang="en-US" sz="1600" b="1" dirty="0" smtClean="0">
                 <a:solidFill>
                   <a:srgbClr val="008000"/>
                 </a:solidFill>
                 <a:latin typeface="Courier New" panose="02070309020205020404" pitchFamily="49" charset="0"/>
                 <a:cs typeface="Courier New" panose="02070309020205020404" pitchFamily="49" charset="0"/>
               </a:rPr>
+              <a:t> /</a:t>
+            </a:r>
+            <a:r>
+              <a:rPr lang="en-US" sz="1600" b="1" dirty="0" smtClean="0">
+                <a:solidFill>
+                  <a:srgbClr val="008000"/>
+                </a:solidFill>
+                <a:latin typeface="Courier New" panose="02070309020205020404" pitchFamily="49" charset="0"/>
+                <a:cs typeface="Courier New" panose="02070309020205020404" pitchFamily="49" charset="0"/>
+              </a:rPr>
               <a:t>-</a:t>
             </a:r>
             <a:r>
-              <a:rPr lang="en-US" altLang="en-US" b="1" dirty="0" err="1" smtClean="0">
+              <a:rPr lang="en-US" sz="1600" b="1" dirty="0" err="1" smtClean="0">
                 <a:solidFill>
                   <a:srgbClr val="008000"/>
                 </a:solidFill>
                 <a:latin typeface="Courier New" panose="02070309020205020404" pitchFamily="49" charset="0"/>
                 <a:cs typeface="Courier New" panose="02070309020205020404" pitchFamily="49" charset="0"/>
               </a:rPr>
-              <a:t>frtti</a:t>
-            </a:r>
-            <a:r>
-              <a:rPr lang="en-US" altLang="en-US" b="1" dirty="0" smtClean="0">
-                <a:solidFill>
-                  <a:srgbClr val="008000"/>
-                </a:solidFill>
-                <a:latin typeface="Courier New" panose="02070309020205020404" pitchFamily="49" charset="0"/>
-                <a:cs typeface="Courier New" panose="02070309020205020404" pitchFamily="49" charset="0"/>
-              </a:rPr>
-              <a:t> /</a:t>
-            </a:r>
-            <a:r>
-              <a:rPr lang="en-US" b="1" dirty="0" smtClean="0">
-                <a:solidFill>
-                  <a:srgbClr val="008000"/>
-                </a:solidFill>
-                <a:latin typeface="Courier New" panose="02070309020205020404" pitchFamily="49" charset="0"/>
-                <a:cs typeface="Courier New" panose="02070309020205020404" pitchFamily="49" charset="0"/>
-              </a:rPr>
-              <a:t>-</a:t>
-            </a:r>
-            <a:r>
-              <a:rPr lang="en-US" b="1" dirty="0" err="1">
-                <a:solidFill>
-                  <a:srgbClr val="008000"/>
-                </a:solidFill>
-                <a:latin typeface="Courier New" panose="02070309020205020404" pitchFamily="49" charset="0"/>
-                <a:cs typeface="Courier New" panose="02070309020205020404" pitchFamily="49" charset="0"/>
-              </a:rPr>
               <a:t>fno-rtti</a:t>
             </a:r>
-            <a:endParaRPr lang="en-US" b="1" dirty="0">
+            <a:endParaRPr lang="en-US" sz="1600" b="1" dirty="0" smtClean="0">
               <a:solidFill>
                 <a:srgbClr val="008000"/>
               </a:solidFill>
@@ -15332,15 +15298,25 @@
             </a:endParaRPr>
           </a:p>
           <a:p>
-            <a:r>
-              <a:rPr lang="en-US" dirty="0" smtClean="0"/>
+            <a:pPr lvl="1"/>
+            <a:endParaRPr lang="en-US" sz="1000" b="1" dirty="0">
+              <a:solidFill>
+                <a:srgbClr val="008000"/>
+              </a:solidFill>
+              <a:latin typeface="Courier New" panose="02070309020205020404" pitchFamily="49" charset="0"/>
+              <a:cs typeface="Courier New" panose="02070309020205020404" pitchFamily="49" charset="0"/>
+            </a:endParaRPr>
+          </a:p>
+          <a:p>
+            <a:r>
+              <a:rPr lang="en-US" sz="2000" dirty="0" smtClean="0"/>
               <a:t>Strip debug symbols</a:t>
             </a:r>
           </a:p>
           <a:p>
             <a:pPr lvl="1"/>
             <a:r>
-              <a:rPr lang="en-US" altLang="en-US" b="1" dirty="0">
+              <a:rPr lang="en-US" altLang="en-US" sz="1600" b="1" dirty="0">
                 <a:solidFill>
                   <a:srgbClr val="008000"/>
                 </a:solidFill>
@@ -15350,7 +15326,7 @@
               <a:t>-</a:t>
             </a:r>
             <a:r>
-              <a:rPr lang="en-US" altLang="en-US" b="1" dirty="0" err="1">
+              <a:rPr lang="en-US" altLang="en-US" sz="1600" b="1" dirty="0" err="1">
                 <a:solidFill>
                   <a:srgbClr val="008000"/>
                 </a:solidFill>
@@ -15360,7 +15336,7 @@
               <a:t>ffunction</a:t>
             </a:r>
             <a:r>
-              <a:rPr lang="en-US" altLang="en-US" b="1" dirty="0">
+              <a:rPr lang="en-US" altLang="en-US" sz="1600" b="1" dirty="0">
                 <a:solidFill>
                   <a:srgbClr val="008000"/>
                 </a:solidFill>
@@ -15373,7 +15349,7 @@
           <a:p>
             <a:pPr lvl="1"/>
             <a:r>
-              <a:rPr lang="en-US" altLang="en-US" b="1" dirty="0">
+              <a:rPr lang="en-US" altLang="en-US" sz="1600" b="1" dirty="0">
                 <a:solidFill>
                   <a:srgbClr val="008000"/>
                 </a:solidFill>
@@ -15383,7 +15359,7 @@
               <a:t>-</a:t>
             </a:r>
             <a:r>
-              <a:rPr lang="en-US" altLang="en-US" b="1" dirty="0" err="1">
+              <a:rPr lang="en-US" altLang="en-US" sz="1600" b="1" dirty="0" err="1">
                 <a:solidFill>
                   <a:srgbClr val="008000"/>
                 </a:solidFill>
@@ -15393,7 +15369,7 @@
               <a:t>fdata</a:t>
             </a:r>
             <a:r>
-              <a:rPr lang="en-US" altLang="en-US" b="1" dirty="0">
+              <a:rPr lang="en-US" altLang="en-US" sz="1600" b="1" dirty="0">
                 <a:solidFill>
                   <a:srgbClr val="008000"/>
                 </a:solidFill>
@@ -15406,7 +15382,7 @@
           <a:p>
             <a:pPr lvl="1"/>
             <a:r>
-              <a:rPr lang="en-US" altLang="en-US" b="1" dirty="0">
+              <a:rPr lang="en-US" altLang="en-US" sz="1600" b="1" dirty="0">
                 <a:solidFill>
                   <a:srgbClr val="008000"/>
                 </a:solidFill>
@@ -15416,7 +15392,7 @@
               <a:t>-</a:t>
             </a:r>
             <a:r>
-              <a:rPr lang="en-US" altLang="en-US" b="1" dirty="0" err="1">
+              <a:rPr lang="en-US" altLang="en-US" sz="1600" b="1" dirty="0" err="1" smtClean="0">
                 <a:solidFill>
                   <a:srgbClr val="008000"/>
                 </a:solidFill>
@@ -15426,7 +15402,7 @@
               <a:t>fvisibility</a:t>
             </a:r>
             <a:r>
-              <a:rPr lang="en-US" altLang="en-US" b="1" dirty="0">
+              <a:rPr lang="en-US" altLang="en-US" sz="1600" b="1" dirty="0" smtClean="0">
                 <a:solidFill>
                   <a:srgbClr val="008000"/>
                 </a:solidFill>
@@ -15435,12 +15411,6 @@
               </a:rPr>
               <a:t>=hidden</a:t>
             </a:r>
-            <a:endParaRPr lang="en-US" dirty="0" smtClean="0"/>
-          </a:p>
-          <a:p>
-            <a:endParaRPr lang="en-US" dirty="0"/>
-          </a:p>
-          <a:p>
             <a:endParaRPr lang="en-US" dirty="0" smtClean="0"/>
           </a:p>
           <a:p>
@@ -18708,8 +18678,8 @@
         </p:blipFill>
         <p:spPr>
           <a:xfrm>
-            <a:off x="6305388" y="1513013"/>
-            <a:ext cx="4267200" cy="4140200"/>
+            <a:off x="7194388" y="1902357"/>
+            <a:ext cx="3719145" cy="3608456"/>
           </a:xfrm>
           <a:prstGeom prst="rect">
             <a:avLst/>
@@ -18731,7 +18701,7 @@
         </p:nvSpPr>
         <p:spPr>
           <a:xfrm>
-            <a:off x="473901" y="1027906"/>
+            <a:off x="473901" y="1264975"/>
             <a:ext cx="10515600" cy="4351338"/>
           </a:xfrm>
         </p:spPr>
@@ -18740,14 +18710,14 @@
           <a:lstStyle/>
           <a:p>
             <a:r>
-              <a:rPr lang="en-US" dirty="0" err="1" smtClean="0"/>
+              <a:rPr lang="en-US" sz="3200" dirty="0" err="1" smtClean="0"/>
               <a:t>ndk</a:t>
             </a:r>
             <a:r>
-              <a:rPr lang="en-US" dirty="0" smtClean="0"/>
+              <a:rPr lang="en-US" sz="3200" dirty="0" smtClean="0"/>
               <a:t>-stack</a:t>
             </a:r>
-            <a:endParaRPr lang="en-US" dirty="0"/>
+            <a:endParaRPr lang="en-US" sz="3200" dirty="0"/>
           </a:p>
         </p:txBody>
       </p:sp>
@@ -18799,324 +18769,343 @@
           </a:p>
         </p:txBody>
       </p:sp>
-      <p:sp>
-        <p:nvSpPr>
-          <p:cNvPr id="7" name="Rounded Rectangle 6"/>
-          <p:cNvSpPr/>
+      <p:grpSp>
+        <p:nvGrpSpPr>
+          <p:cNvPr id="13" name="Group 12"/>
+          <p:cNvGrpSpPr/>
           <p:nvPr/>
-        </p:nvSpPr>
-        <p:spPr>
+        </p:nvGrpSpPr>
+        <p:grpSpPr>
           <a:xfrm>
-            <a:off x="3120246" y="1690687"/>
-            <a:ext cx="2265945" cy="877149"/>
+            <a:off x="1761767" y="2235201"/>
+            <a:ext cx="3987100" cy="2963334"/>
+            <a:chOff x="339368" y="1690687"/>
+            <a:chExt cx="5046823" cy="3515762"/>
           </a:xfrm>
-          <a:prstGeom prst="roundRect">
-            <a:avLst/>
-          </a:prstGeom>
-          <a:solidFill>
-            <a:schemeClr val="accent2">
-              <a:lumMod val="50000"/>
-            </a:schemeClr>
-          </a:solidFill>
-        </p:spPr>
-        <p:style>
-          <a:lnRef idx="2">
-            <a:schemeClr val="accent1">
-              <a:shade val="50000"/>
-            </a:schemeClr>
-          </a:lnRef>
-          <a:fillRef idx="1">
-            <a:schemeClr val="accent1"/>
-          </a:fillRef>
-          <a:effectRef idx="0">
-            <a:schemeClr val="accent1"/>
-          </a:effectRef>
-          <a:fontRef idx="minor">
-            <a:schemeClr val="lt1"/>
-          </a:fontRef>
-        </p:style>
-        <p:txBody>
-          <a:bodyPr rtlCol="0" anchor="ctr"/>
-          <a:lstStyle/>
-          <a:p>
-            <a:pPr algn="ctr"/>
-            <a:r>
-              <a:rPr lang="en-US" dirty="0"/>
-              <a:t> </a:t>
-            </a:r>
-            <a:r>
-              <a:rPr lang="en-US" dirty="0" smtClean="0"/>
-              <a:t>symbolic shared library</a:t>
-            </a:r>
-            <a:endParaRPr lang="en-US" dirty="0"/>
-          </a:p>
-        </p:txBody>
-      </p:sp>
-      <p:sp>
-        <p:nvSpPr>
-          <p:cNvPr id="9" name="Rounded Rectangle 8"/>
-          <p:cNvSpPr/>
-          <p:nvPr/>
-        </p:nvSpPr>
-        <p:spPr>
-          <a:xfrm>
-            <a:off x="1931977" y="3401120"/>
-            <a:ext cx="1936658" cy="636998"/>
-          </a:xfrm>
-          <a:prstGeom prst="roundRect">
-            <a:avLst/>
-          </a:prstGeom>
-          <a:solidFill>
-            <a:srgbClr val="00B0F0"/>
-          </a:solidFill>
-        </p:spPr>
-        <p:style>
-          <a:lnRef idx="2">
-            <a:schemeClr val="accent1">
-              <a:shade val="50000"/>
-            </a:schemeClr>
-          </a:lnRef>
-          <a:fillRef idx="1">
-            <a:schemeClr val="accent1"/>
-          </a:fillRef>
-          <a:effectRef idx="0">
-            <a:schemeClr val="accent1"/>
-          </a:effectRef>
-          <a:fontRef idx="minor">
-            <a:schemeClr val="lt1"/>
-          </a:fontRef>
-        </p:style>
-        <p:txBody>
-          <a:bodyPr rtlCol="0" anchor="ctr"/>
-          <a:lstStyle/>
-          <a:p>
-            <a:pPr algn="ctr"/>
-            <a:r>
-              <a:rPr lang="en-US" dirty="0" err="1"/>
-              <a:t>n</a:t>
-            </a:r>
-            <a:r>
-              <a:rPr lang="en-US" dirty="0" err="1" smtClean="0"/>
-              <a:t>dk</a:t>
-            </a:r>
-            <a:r>
-              <a:rPr lang="en-US" dirty="0" smtClean="0"/>
-              <a:t>-stack</a:t>
-            </a:r>
-            <a:endParaRPr lang="en-US" dirty="0"/>
-          </a:p>
-        </p:txBody>
-      </p:sp>
-      <p:sp>
-        <p:nvSpPr>
-          <p:cNvPr id="10" name="Rounded Rectangle 9"/>
-          <p:cNvSpPr/>
-          <p:nvPr/>
-        </p:nvSpPr>
-        <p:spPr>
-          <a:xfrm>
-            <a:off x="1931977" y="4569451"/>
-            <a:ext cx="1936658" cy="636998"/>
-          </a:xfrm>
-          <a:prstGeom prst="roundRect">
-            <a:avLst/>
-          </a:prstGeom>
-        </p:spPr>
-        <p:style>
-          <a:lnRef idx="2">
-            <a:schemeClr val="accent1">
-              <a:shade val="50000"/>
-            </a:schemeClr>
-          </a:lnRef>
-          <a:fillRef idx="1">
-            <a:schemeClr val="accent1"/>
-          </a:fillRef>
-          <a:effectRef idx="0">
-            <a:schemeClr val="accent1"/>
-          </a:effectRef>
-          <a:fontRef idx="minor">
-            <a:schemeClr val="lt1"/>
-          </a:fontRef>
-        </p:style>
-        <p:txBody>
-          <a:bodyPr rtlCol="0" anchor="ctr"/>
-          <a:lstStyle/>
-          <a:p>
-            <a:pPr algn="ctr"/>
-            <a:r>
-              <a:rPr lang="en-US" dirty="0" smtClean="0"/>
-              <a:t>Result stack</a:t>
-            </a:r>
-            <a:endParaRPr lang="en-US" dirty="0"/>
-          </a:p>
-        </p:txBody>
-      </p:sp>
-      <p:sp>
-        <p:nvSpPr>
-          <p:cNvPr id="12" name="Rounded Rectangle 11"/>
-          <p:cNvSpPr/>
-          <p:nvPr/>
-        </p:nvSpPr>
-        <p:spPr>
-          <a:xfrm>
-            <a:off x="339367" y="1690687"/>
-            <a:ext cx="2265945" cy="877149"/>
-          </a:xfrm>
-          <a:prstGeom prst="roundRect">
-            <a:avLst/>
-          </a:prstGeom>
-          <a:solidFill>
-            <a:srgbClr val="FFC000"/>
-          </a:solidFill>
-        </p:spPr>
-        <p:style>
-          <a:lnRef idx="2">
-            <a:schemeClr val="accent1">
-              <a:shade val="50000"/>
-            </a:schemeClr>
-          </a:lnRef>
-          <a:fillRef idx="1">
-            <a:schemeClr val="accent1"/>
-          </a:fillRef>
-          <a:effectRef idx="0">
-            <a:schemeClr val="accent1"/>
-          </a:effectRef>
-          <a:fontRef idx="minor">
-            <a:schemeClr val="lt1"/>
-          </a:fontRef>
-        </p:style>
-        <p:txBody>
-          <a:bodyPr rtlCol="0" anchor="ctr"/>
-          <a:lstStyle/>
-          <a:p>
-            <a:pPr algn="ctr"/>
-            <a:r>
-              <a:rPr lang="en-US" dirty="0" err="1" smtClean="0"/>
-              <a:t>backtrace</a:t>
-            </a:r>
-            <a:endParaRPr lang="en-US" dirty="0"/>
-          </a:p>
-        </p:txBody>
-      </p:sp>
-      <p:sp>
-        <p:nvSpPr>
-          <p:cNvPr id="2" name="Right Brace 1"/>
-          <p:cNvSpPr/>
-          <p:nvPr/>
-        </p:nvSpPr>
-        <p:spPr>
-          <a:xfrm rot="5400000">
-            <a:off x="2628131" y="1527447"/>
-            <a:ext cx="544351" cy="2855935"/>
-          </a:xfrm>
-          <a:prstGeom prst="rightBrace">
-            <a:avLst/>
-          </a:prstGeom>
-        </p:spPr>
-        <p:style>
-          <a:lnRef idx="1">
-            <a:schemeClr val="accent1"/>
-          </a:lnRef>
-          <a:fillRef idx="0">
-            <a:schemeClr val="accent1"/>
-          </a:fillRef>
-          <a:effectRef idx="0">
-            <a:schemeClr val="accent1"/>
-          </a:effectRef>
-          <a:fontRef idx="minor">
-            <a:schemeClr val="tx1"/>
-          </a:fontRef>
-        </p:style>
-        <p:txBody>
-          <a:bodyPr rtlCol="0" anchor="ctr"/>
-          <a:lstStyle/>
-          <a:p>
-            <a:pPr algn="ctr"/>
-            <a:endParaRPr lang="en-US"/>
-          </a:p>
-        </p:txBody>
-      </p:sp>
-      <p:sp>
-        <p:nvSpPr>
-          <p:cNvPr id="4" name="Plus 3"/>
-          <p:cNvSpPr/>
-          <p:nvPr/>
-        </p:nvSpPr>
-        <p:spPr>
-          <a:xfrm>
-            <a:off x="2660257" y="1953257"/>
-            <a:ext cx="424619" cy="438575"/>
-          </a:xfrm>
-          <a:prstGeom prst="mathPlus">
-            <a:avLst/>
-          </a:prstGeom>
-          <a:solidFill>
-            <a:schemeClr val="tx2">
-              <a:lumMod val="85000"/>
-            </a:schemeClr>
-          </a:solidFill>
-        </p:spPr>
-        <p:style>
-          <a:lnRef idx="2">
-            <a:schemeClr val="accent1">
-              <a:shade val="50000"/>
-            </a:schemeClr>
-          </a:lnRef>
-          <a:fillRef idx="1">
-            <a:schemeClr val="accent1"/>
-          </a:fillRef>
-          <a:effectRef idx="0">
-            <a:schemeClr val="accent1"/>
-          </a:effectRef>
-          <a:fontRef idx="minor">
-            <a:schemeClr val="lt1"/>
-          </a:fontRef>
-        </p:style>
-        <p:txBody>
-          <a:bodyPr rtlCol="0" anchor="ctr"/>
-          <a:lstStyle/>
-          <a:p>
-            <a:pPr algn="ctr"/>
-            <a:endParaRPr lang="en-US"/>
-          </a:p>
-        </p:txBody>
-      </p:sp>
-      <p:cxnSp>
-        <p:nvCxnSpPr>
-          <p:cNvPr id="11" name="Straight Arrow Connector 10"/>
-          <p:cNvCxnSpPr>
-            <a:stCxn id="9" idx="2"/>
-            <a:endCxn id="10" idx="0"/>
-          </p:cNvCxnSpPr>
-          <p:nvPr/>
-        </p:nvCxnSpPr>
-        <p:spPr>
-          <a:xfrm>
-            <a:off x="2900306" y="4038118"/>
-            <a:ext cx="0" cy="531333"/>
-          </a:xfrm>
-          <a:prstGeom prst="straightConnector1">
-            <a:avLst/>
-          </a:prstGeom>
-          <a:ln>
-            <a:tailEnd type="triangle"/>
-          </a:ln>
-        </p:spPr>
-        <p:style>
-          <a:lnRef idx="1">
-            <a:schemeClr val="accent1"/>
-          </a:lnRef>
-          <a:fillRef idx="0">
-            <a:schemeClr val="accent1"/>
-          </a:fillRef>
-          <a:effectRef idx="0">
-            <a:schemeClr val="accent1"/>
-          </a:effectRef>
-          <a:fontRef idx="minor">
-            <a:schemeClr val="tx1"/>
-          </a:fontRef>
-        </p:style>
-      </p:cxnSp>
+        </p:grpSpPr>
+        <p:sp>
+          <p:nvSpPr>
+            <p:cNvPr id="7" name="Rounded Rectangle 6"/>
+            <p:cNvSpPr/>
+            <p:nvPr/>
+          </p:nvSpPr>
+          <p:spPr>
+            <a:xfrm>
+              <a:off x="3120246" y="1690687"/>
+              <a:ext cx="2265945" cy="877149"/>
+            </a:xfrm>
+            <a:prstGeom prst="roundRect">
+              <a:avLst/>
+            </a:prstGeom>
+            <a:solidFill>
+              <a:schemeClr val="accent2">
+                <a:lumMod val="50000"/>
+              </a:schemeClr>
+            </a:solidFill>
+          </p:spPr>
+          <p:style>
+            <a:lnRef idx="2">
+              <a:schemeClr val="accent1">
+                <a:shade val="50000"/>
+              </a:schemeClr>
+            </a:lnRef>
+            <a:fillRef idx="1">
+              <a:schemeClr val="accent1"/>
+            </a:fillRef>
+            <a:effectRef idx="0">
+              <a:schemeClr val="accent1"/>
+            </a:effectRef>
+            <a:fontRef idx="minor">
+              <a:schemeClr val="lt1"/>
+            </a:fontRef>
+          </p:style>
+          <p:txBody>
+            <a:bodyPr rtlCol="0" anchor="ctr"/>
+            <a:lstStyle/>
+            <a:p>
+              <a:pPr algn="ctr"/>
+              <a:r>
+                <a:rPr lang="en-US" dirty="0"/>
+                <a:t> </a:t>
+              </a:r>
+              <a:r>
+                <a:rPr lang="en-US" dirty="0" smtClean="0"/>
+                <a:t>symbolic </a:t>
+              </a:r>
+              <a:r>
+                <a:rPr lang="en-US" dirty="0" smtClean="0"/>
+                <a:t>library</a:t>
+              </a:r>
+              <a:endParaRPr lang="en-US" dirty="0"/>
+            </a:p>
+          </p:txBody>
+        </p:sp>
+        <p:sp>
+          <p:nvSpPr>
+            <p:cNvPr id="9" name="Rounded Rectangle 8"/>
+            <p:cNvSpPr/>
+            <p:nvPr/>
+          </p:nvSpPr>
+          <p:spPr>
+            <a:xfrm>
+              <a:off x="1931977" y="3401120"/>
+              <a:ext cx="1936658" cy="636998"/>
+            </a:xfrm>
+            <a:prstGeom prst="roundRect">
+              <a:avLst/>
+            </a:prstGeom>
+            <a:solidFill>
+              <a:srgbClr val="00B0F0"/>
+            </a:solidFill>
+          </p:spPr>
+          <p:style>
+            <a:lnRef idx="2">
+              <a:schemeClr val="accent1">
+                <a:shade val="50000"/>
+              </a:schemeClr>
+            </a:lnRef>
+            <a:fillRef idx="1">
+              <a:schemeClr val="accent1"/>
+            </a:fillRef>
+            <a:effectRef idx="0">
+              <a:schemeClr val="accent1"/>
+            </a:effectRef>
+            <a:fontRef idx="minor">
+              <a:schemeClr val="lt1"/>
+            </a:fontRef>
+          </p:style>
+          <p:txBody>
+            <a:bodyPr rtlCol="0" anchor="ctr"/>
+            <a:lstStyle/>
+            <a:p>
+              <a:pPr algn="ctr"/>
+              <a:r>
+                <a:rPr lang="en-US" dirty="0" err="1"/>
+                <a:t>n</a:t>
+              </a:r>
+              <a:r>
+                <a:rPr lang="en-US" dirty="0" err="1" smtClean="0"/>
+                <a:t>dk</a:t>
+              </a:r>
+              <a:r>
+                <a:rPr lang="en-US" dirty="0" smtClean="0"/>
+                <a:t>-stack</a:t>
+              </a:r>
+              <a:endParaRPr lang="en-US" dirty="0"/>
+            </a:p>
+          </p:txBody>
+        </p:sp>
+        <p:sp>
+          <p:nvSpPr>
+            <p:cNvPr id="10" name="Rounded Rectangle 9"/>
+            <p:cNvSpPr/>
+            <p:nvPr/>
+          </p:nvSpPr>
+          <p:spPr>
+            <a:xfrm>
+              <a:off x="1931977" y="4569451"/>
+              <a:ext cx="1936658" cy="636998"/>
+            </a:xfrm>
+            <a:prstGeom prst="roundRect">
+              <a:avLst/>
+            </a:prstGeom>
+          </p:spPr>
+          <p:style>
+            <a:lnRef idx="2">
+              <a:schemeClr val="accent1">
+                <a:shade val="50000"/>
+              </a:schemeClr>
+            </a:lnRef>
+            <a:fillRef idx="1">
+              <a:schemeClr val="accent1"/>
+            </a:fillRef>
+            <a:effectRef idx="0">
+              <a:schemeClr val="accent1"/>
+            </a:effectRef>
+            <a:fontRef idx="minor">
+              <a:schemeClr val="lt1"/>
+            </a:fontRef>
+          </p:style>
+          <p:txBody>
+            <a:bodyPr rtlCol="0" anchor="ctr"/>
+            <a:lstStyle/>
+            <a:p>
+              <a:pPr algn="ctr"/>
+              <a:r>
+                <a:rPr lang="en-US" dirty="0" smtClean="0"/>
+                <a:t>Result stack</a:t>
+              </a:r>
+              <a:endParaRPr lang="en-US" dirty="0"/>
+            </a:p>
+          </p:txBody>
+        </p:sp>
+        <p:sp>
+          <p:nvSpPr>
+            <p:cNvPr id="12" name="Rounded Rectangle 11"/>
+            <p:cNvSpPr/>
+            <p:nvPr/>
+          </p:nvSpPr>
+          <p:spPr>
+            <a:xfrm>
+              <a:off x="339368" y="1690687"/>
+              <a:ext cx="2265945" cy="877148"/>
+            </a:xfrm>
+            <a:prstGeom prst="roundRect">
+              <a:avLst/>
+            </a:prstGeom>
+            <a:solidFill>
+              <a:srgbClr val="FFC000"/>
+            </a:solidFill>
+          </p:spPr>
+          <p:style>
+            <a:lnRef idx="2">
+              <a:schemeClr val="accent1">
+                <a:shade val="50000"/>
+              </a:schemeClr>
+            </a:lnRef>
+            <a:fillRef idx="1">
+              <a:schemeClr val="accent1"/>
+            </a:fillRef>
+            <a:effectRef idx="0">
+              <a:schemeClr val="accent1"/>
+            </a:effectRef>
+            <a:fontRef idx="minor">
+              <a:schemeClr val="lt1"/>
+            </a:fontRef>
+          </p:style>
+          <p:txBody>
+            <a:bodyPr rtlCol="0" anchor="ctr"/>
+            <a:lstStyle/>
+            <a:p>
+              <a:pPr algn="ctr"/>
+              <a:r>
+                <a:rPr lang="en-US" dirty="0" err="1" smtClean="0"/>
+                <a:t>backtrace</a:t>
+              </a:r>
+              <a:endParaRPr lang="en-US" dirty="0"/>
+            </a:p>
+          </p:txBody>
+        </p:sp>
+        <p:sp>
+          <p:nvSpPr>
+            <p:cNvPr id="2" name="Right Brace 1"/>
+            <p:cNvSpPr/>
+            <p:nvPr/>
+          </p:nvSpPr>
+          <p:spPr>
+            <a:xfrm rot="5400000">
+              <a:off x="2628131" y="1527447"/>
+              <a:ext cx="544351" cy="2855935"/>
+            </a:xfrm>
+            <a:prstGeom prst="rightBrace">
+              <a:avLst/>
+            </a:prstGeom>
+          </p:spPr>
+          <p:style>
+            <a:lnRef idx="1">
+              <a:schemeClr val="accent1"/>
+            </a:lnRef>
+            <a:fillRef idx="0">
+              <a:schemeClr val="accent1"/>
+            </a:fillRef>
+            <a:effectRef idx="0">
+              <a:schemeClr val="accent1"/>
+            </a:effectRef>
+            <a:fontRef idx="minor">
+              <a:schemeClr val="tx1"/>
+            </a:fontRef>
+          </p:style>
+          <p:txBody>
+            <a:bodyPr rtlCol="0" anchor="ctr"/>
+            <a:lstStyle/>
+            <a:p>
+              <a:pPr algn="ctr"/>
+              <a:endParaRPr lang="en-US"/>
+            </a:p>
+          </p:txBody>
+        </p:sp>
+        <p:sp>
+          <p:nvSpPr>
+            <p:cNvPr id="4" name="Plus 3"/>
+            <p:cNvSpPr/>
+            <p:nvPr/>
+          </p:nvSpPr>
+          <p:spPr>
+            <a:xfrm>
+              <a:off x="2660257" y="1953257"/>
+              <a:ext cx="424619" cy="438575"/>
+            </a:xfrm>
+            <a:prstGeom prst="mathPlus">
+              <a:avLst/>
+            </a:prstGeom>
+            <a:solidFill>
+              <a:schemeClr val="tx2">
+                <a:lumMod val="85000"/>
+              </a:schemeClr>
+            </a:solidFill>
+          </p:spPr>
+          <p:style>
+            <a:lnRef idx="2">
+              <a:schemeClr val="accent1">
+                <a:shade val="50000"/>
+              </a:schemeClr>
+            </a:lnRef>
+            <a:fillRef idx="1">
+              <a:schemeClr val="accent1"/>
+            </a:fillRef>
+            <a:effectRef idx="0">
+              <a:schemeClr val="accent1"/>
+            </a:effectRef>
+            <a:fontRef idx="minor">
+              <a:schemeClr val="lt1"/>
+            </a:fontRef>
+          </p:style>
+          <p:txBody>
+            <a:bodyPr rtlCol="0" anchor="ctr"/>
+            <a:lstStyle/>
+            <a:p>
+              <a:pPr algn="ctr"/>
+              <a:endParaRPr lang="en-US"/>
+            </a:p>
+          </p:txBody>
+        </p:sp>
+        <p:cxnSp>
+          <p:nvCxnSpPr>
+            <p:cNvPr id="11" name="Straight Arrow Connector 10"/>
+            <p:cNvCxnSpPr>
+              <a:stCxn id="9" idx="2"/>
+              <a:endCxn id="10" idx="0"/>
+            </p:cNvCxnSpPr>
+            <p:nvPr/>
+          </p:nvCxnSpPr>
+          <p:spPr>
+            <a:xfrm>
+              <a:off x="2900306" y="4038118"/>
+              <a:ext cx="0" cy="531333"/>
+            </a:xfrm>
+            <a:prstGeom prst="straightConnector1">
+              <a:avLst/>
+            </a:prstGeom>
+            <a:ln>
+              <a:tailEnd type="triangle"/>
+            </a:ln>
+          </p:spPr>
+          <p:style>
+            <a:lnRef idx="1">
+              <a:schemeClr val="accent1"/>
+            </a:lnRef>
+            <a:fillRef idx="0">
+              <a:schemeClr val="accent1"/>
+            </a:fillRef>
+            <a:effectRef idx="0">
+              <a:schemeClr val="accent1"/>
+            </a:effectRef>
+            <a:fontRef idx="minor">
+              <a:schemeClr val="tx1"/>
+            </a:fontRef>
+          </p:style>
+        </p:cxnSp>
+      </p:grpSp>
     </p:spTree>
     <p:extLst>
       <p:ext uri="{BB962C8B-B14F-4D97-AF65-F5344CB8AC3E}">
@@ -19171,15 +19160,16 @@
           <a:p>
             <a:pPr algn="ctr"/>
             <a:r>
-              <a:rPr lang="en-US" dirty="0"/>
-              <a:t>NDK tools</a:t>
-            </a:r>
+              <a:rPr lang="en-US" dirty="0" smtClean="0"/>
+              <a:t>Results</a:t>
+            </a:r>
+            <a:endParaRPr lang="en-US" dirty="0"/>
           </a:p>
         </p:txBody>
       </p:sp>
       <p:pic>
         <p:nvPicPr>
-          <p:cNvPr id="5" name="Content Placeholder 4"/>
+          <p:cNvPr id="8" name="Content Placeholder 7"/>
           <p:cNvPicPr>
             <a:picLocks noGrp="1" noChangeAspect="1"/>
           </p:cNvPicPr>
@@ -19201,23 +19191,14 @@
         </p:blipFill>
         <p:spPr>
           <a:xfrm>
-            <a:off x="61547" y="4530605"/>
-            <a:ext cx="12199920" cy="1852551"/>
+            <a:off x="399391" y="1171340"/>
+            <a:ext cx="11628423" cy="4690825"/>
           </a:xfrm>
-          <a:prstGeom prst="rect">
-            <a:avLst/>
-          </a:prstGeom>
-          <a:ln>
-            <a:noFill/>
-          </a:ln>
-          <a:effectLst>
-            <a:softEdge rad="112500"/>
-          </a:effectLst>
         </p:spPr>
       </p:pic>
       <p:pic>
         <p:nvPicPr>
-          <p:cNvPr id="4" name="Picture 3"/>
+          <p:cNvPr id="9" name="Picture 8"/>
           <p:cNvPicPr>
             <a:picLocks noChangeAspect="1"/>
           </p:cNvPicPr>
@@ -19237,14 +19218,120 @@
         </p:blipFill>
         <p:spPr>
           <a:xfrm>
-            <a:off x="0" y="1189363"/>
-            <a:ext cx="12115800" cy="3732448"/>
+            <a:off x="391398" y="1168069"/>
+            <a:ext cx="11628423" cy="4690825"/>
           </a:xfrm>
           <a:prstGeom prst="rect">
             <a:avLst/>
           </a:prstGeom>
         </p:spPr>
       </p:pic>
+      <p:pic>
+        <p:nvPicPr>
+          <p:cNvPr id="10" name="Picture 9"/>
+          <p:cNvPicPr>
+            <a:picLocks noChangeAspect="1"/>
+          </p:cNvPicPr>
+          <p:nvPr/>
+        </p:nvPicPr>
+        <p:blipFill>
+          <a:blip r:embed="rId4">
+            <a:extLst>
+              <a:ext uri="{28A0092B-C50C-407E-A947-70E740481C1C}">
+                <a14:useLocalDpi xmlns:a14="http://schemas.microsoft.com/office/drawing/2010/main" val="0"/>
+              </a:ext>
+            </a:extLst>
+          </a:blip>
+          <a:stretch>
+            <a:fillRect/>
+          </a:stretch>
+        </p:blipFill>
+        <p:spPr>
+          <a:xfrm>
+            <a:off x="367416" y="1168067"/>
+            <a:ext cx="11601258" cy="4684282"/>
+          </a:xfrm>
+          <a:prstGeom prst="rect">
+            <a:avLst/>
+          </a:prstGeom>
+        </p:spPr>
+      </p:pic>
+      <p:pic>
+        <p:nvPicPr>
+          <p:cNvPr id="11" name="Picture 10"/>
+          <p:cNvPicPr>
+            <a:picLocks noChangeAspect="1"/>
+          </p:cNvPicPr>
+          <p:nvPr/>
+        </p:nvPicPr>
+        <p:blipFill>
+          <a:blip r:embed="rId5">
+            <a:extLst>
+              <a:ext uri="{28A0092B-C50C-407E-A947-70E740481C1C}">
+                <a14:useLocalDpi xmlns:a14="http://schemas.microsoft.com/office/drawing/2010/main" val="0"/>
+              </a:ext>
+            </a:extLst>
+          </a:blip>
+          <a:stretch>
+            <a:fillRect/>
+          </a:stretch>
+        </p:blipFill>
+        <p:spPr>
+          <a:xfrm>
+            <a:off x="367416" y="1168066"/>
+            <a:ext cx="11660398" cy="4690827"/>
+          </a:xfrm>
+          <a:prstGeom prst="rect">
+            <a:avLst/>
+          </a:prstGeom>
+        </p:spPr>
+      </p:pic>
+      <p:sp>
+        <p:nvSpPr>
+          <p:cNvPr id="13" name="Rectangle 12"/>
+          <p:cNvSpPr/>
+          <p:nvPr/>
+        </p:nvSpPr>
+        <p:spPr>
+          <a:xfrm>
+            <a:off x="5069941" y="3657600"/>
+            <a:ext cx="5124261" cy="570368"/>
+          </a:xfrm>
+          <a:prstGeom prst="rect">
+            <a:avLst/>
+          </a:prstGeom>
+          <a:noFill/>
+          <a:ln w="28575">
+            <a:solidFill>
+              <a:srgbClr val="FF0000"/>
+            </a:solidFill>
+          </a:ln>
+        </p:spPr>
+        <p:style>
+          <a:lnRef idx="2">
+            <a:schemeClr val="accent1">
+              <a:shade val="50000"/>
+            </a:schemeClr>
+          </a:lnRef>
+          <a:fillRef idx="1">
+            <a:schemeClr val="accent1"/>
+          </a:fillRef>
+          <a:effectRef idx="0">
+            <a:schemeClr val="accent1"/>
+          </a:effectRef>
+          <a:fontRef idx="minor">
+            <a:schemeClr val="lt1"/>
+          </a:fontRef>
+        </p:style>
+        <p:txBody>
+          <a:bodyPr rtlCol="0" anchor="ctr"/>
+          <a:lstStyle/>
+          <a:p>
+            <a:pPr algn="ctr"/>
+            <a:endParaRPr lang="en-US"/>
+          </a:p>
+        </p:txBody>
+      </p:sp>
     </p:spTree>
     <p:extLst>
       <p:ext uri="{BB962C8B-B14F-4D97-AF65-F5344CB8AC3E}">
@@ -19258,9 +19345,260 @@
   <p:timing>
     <p:tnLst>
       <p:par>
-        <p:cTn id="1" dur="indefinite" restart="never" nodeType="tmRoot"/>
+        <p:cTn id="1" dur="indefinite" restart="never" nodeType="tmRoot">
+          <p:childTnLst>
+            <p:seq concurrent="1" nextAc="seek">
+              <p:cTn id="2" dur="indefinite" nodeType="mainSeq">
+                <p:childTnLst>
+                  <p:par>
+                    <p:cTn id="3" fill="hold">
+                      <p:stCondLst>
+                        <p:cond delay="indefinite"/>
+                      </p:stCondLst>
+                      <p:childTnLst>
+                        <p:par>
+                          <p:cTn id="4" fill="hold">
+                            <p:stCondLst>
+                              <p:cond delay="0"/>
+                            </p:stCondLst>
+                            <p:childTnLst>
+                              <p:par>
+                                <p:cTn id="5" presetID="1" presetClass="entr" presetSubtype="0" fill="hold" nodeType="clickEffect">
+                                  <p:stCondLst>
+                                    <p:cond delay="0"/>
+                                  </p:stCondLst>
+                                  <p:childTnLst>
+                                    <p:set>
+                                      <p:cBhvr>
+                                        <p:cTn id="6" dur="1" fill="hold">
+                                          <p:stCondLst>
+                                            <p:cond delay="0"/>
+                                          </p:stCondLst>
+                                        </p:cTn>
+                                        <p:tgtEl>
+                                          <p:spTgt spid="8"/>
+                                        </p:tgtEl>
+                                        <p:attrNameLst>
+                                          <p:attrName>style.visibility</p:attrName>
+                                        </p:attrNameLst>
+                                      </p:cBhvr>
+                                      <p:to>
+                                        <p:strVal val="visible"/>
+                                      </p:to>
+                                    </p:set>
+                                  </p:childTnLst>
+                                </p:cTn>
+                              </p:par>
+                            </p:childTnLst>
+                          </p:cTn>
+                        </p:par>
+                      </p:childTnLst>
+                    </p:cTn>
+                  </p:par>
+                  <p:par>
+                    <p:cTn id="7" fill="hold">
+                      <p:stCondLst>
+                        <p:cond delay="indefinite"/>
+                      </p:stCondLst>
+                      <p:childTnLst>
+                        <p:par>
+                          <p:cTn id="8" fill="hold">
+                            <p:stCondLst>
+                              <p:cond delay="0"/>
+                            </p:stCondLst>
+                            <p:childTnLst>
+                              <p:par>
+                                <p:cTn id="9" presetID="1" presetClass="entr" presetSubtype="0" fill="hold" nodeType="clickEffect">
+                                  <p:stCondLst>
+                                    <p:cond delay="0"/>
+                                  </p:stCondLst>
+                                  <p:childTnLst>
+                                    <p:set>
+                                      <p:cBhvr>
+                                        <p:cTn id="10" dur="1" fill="hold">
+                                          <p:stCondLst>
+                                            <p:cond delay="0"/>
+                                          </p:stCondLst>
+                                        </p:cTn>
+                                        <p:tgtEl>
+                                          <p:spTgt spid="9"/>
+                                        </p:tgtEl>
+                                        <p:attrNameLst>
+                                          <p:attrName>style.visibility</p:attrName>
+                                        </p:attrNameLst>
+                                      </p:cBhvr>
+                                      <p:to>
+                                        <p:strVal val="visible"/>
+                                      </p:to>
+                                    </p:set>
+                                  </p:childTnLst>
+                                </p:cTn>
+                              </p:par>
+                            </p:childTnLst>
+                          </p:cTn>
+                        </p:par>
+                      </p:childTnLst>
+                    </p:cTn>
+                  </p:par>
+                  <p:par>
+                    <p:cTn id="11" fill="hold">
+                      <p:stCondLst>
+                        <p:cond delay="indefinite"/>
+                      </p:stCondLst>
+                      <p:childTnLst>
+                        <p:par>
+                          <p:cTn id="12" fill="hold">
+                            <p:stCondLst>
+                              <p:cond delay="0"/>
+                            </p:stCondLst>
+                            <p:childTnLst>
+                              <p:par>
+                                <p:cTn id="13" presetID="1" presetClass="entr" presetSubtype="0" fill="hold" nodeType="clickEffect">
+                                  <p:stCondLst>
+                                    <p:cond delay="0"/>
+                                  </p:stCondLst>
+                                  <p:childTnLst>
+                                    <p:set>
+                                      <p:cBhvr>
+                                        <p:cTn id="14" dur="1" fill="hold">
+                                          <p:stCondLst>
+                                            <p:cond delay="0"/>
+                                          </p:stCondLst>
+                                        </p:cTn>
+                                        <p:tgtEl>
+                                          <p:spTgt spid="10"/>
+                                        </p:tgtEl>
+                                        <p:attrNameLst>
+                                          <p:attrName>style.visibility</p:attrName>
+                                        </p:attrNameLst>
+                                      </p:cBhvr>
+                                      <p:to>
+                                        <p:strVal val="visible"/>
+                                      </p:to>
+                                    </p:set>
+                                  </p:childTnLst>
+                                </p:cTn>
+                              </p:par>
+                            </p:childTnLst>
+                          </p:cTn>
+                        </p:par>
+                      </p:childTnLst>
+                    </p:cTn>
+                  </p:par>
+                  <p:par>
+                    <p:cTn id="15" fill="hold">
+                      <p:stCondLst>
+                        <p:cond delay="indefinite"/>
+                      </p:stCondLst>
+                      <p:childTnLst>
+                        <p:par>
+                          <p:cTn id="16" fill="hold">
+                            <p:stCondLst>
+                              <p:cond delay="0"/>
+                            </p:stCondLst>
+                            <p:childTnLst>
+                              <p:par>
+                                <p:cTn id="17" presetID="1" presetClass="entr" presetSubtype="0" fill="hold" nodeType="clickEffect">
+                                  <p:stCondLst>
+                                    <p:cond delay="0"/>
+                                  </p:stCondLst>
+                                  <p:childTnLst>
+                                    <p:set>
+                                      <p:cBhvr>
+                                        <p:cTn id="18" dur="1" fill="hold">
+                                          <p:stCondLst>
+                                            <p:cond delay="0"/>
+                                          </p:stCondLst>
+                                        </p:cTn>
+                                        <p:tgtEl>
+                                          <p:spTgt spid="11"/>
+                                        </p:tgtEl>
+                                        <p:attrNameLst>
+                                          <p:attrName>style.visibility</p:attrName>
+                                        </p:attrNameLst>
+                                      </p:cBhvr>
+                                      <p:to>
+                                        <p:strVal val="visible"/>
+                                      </p:to>
+                                    </p:set>
+                                  </p:childTnLst>
+                                </p:cTn>
+                              </p:par>
+                            </p:childTnLst>
+                          </p:cTn>
+                        </p:par>
+                      </p:childTnLst>
+                    </p:cTn>
+                  </p:par>
+                  <p:par>
+                    <p:cTn id="19" fill="hold">
+                      <p:stCondLst>
+                        <p:cond delay="indefinite"/>
+                      </p:stCondLst>
+                      <p:childTnLst>
+                        <p:par>
+                          <p:cTn id="20" fill="hold">
+                            <p:stCondLst>
+                              <p:cond delay="0"/>
+                            </p:stCondLst>
+                            <p:childTnLst>
+                              <p:par>
+                                <p:cTn id="21" presetID="1" presetClass="entr" presetSubtype="0" fill="hold" grpId="0" nodeType="clickEffect">
+                                  <p:stCondLst>
+                                    <p:cond delay="0"/>
+                                  </p:stCondLst>
+                                  <p:childTnLst>
+                                    <p:set>
+                                      <p:cBhvr>
+                                        <p:cTn id="22" dur="1" fill="hold">
+                                          <p:stCondLst>
+                                            <p:cond delay="0"/>
+                                          </p:stCondLst>
+                                        </p:cTn>
+                                        <p:tgtEl>
+                                          <p:spTgt spid="13"/>
+                                        </p:tgtEl>
+                                        <p:attrNameLst>
+                                          <p:attrName>style.visibility</p:attrName>
+                                        </p:attrNameLst>
+                                      </p:cBhvr>
+                                      <p:to>
+                                        <p:strVal val="visible"/>
+                                      </p:to>
+                                    </p:set>
+                                  </p:childTnLst>
+                                </p:cTn>
+                              </p:par>
+                            </p:childTnLst>
+                          </p:cTn>
+                        </p:par>
+                      </p:childTnLst>
+                    </p:cTn>
+                  </p:par>
+                </p:childTnLst>
+              </p:cTn>
+              <p:prevCondLst>
+                <p:cond evt="onPrev" delay="0">
+                  <p:tgtEl>
+                    <p:sldTgt/>
+                  </p:tgtEl>
+                </p:cond>
+              </p:prevCondLst>
+              <p:nextCondLst>
+                <p:cond evt="onNext" delay="0">
+                  <p:tgtEl>
+                    <p:sldTgt/>
+                  </p:tgtEl>
+                </p:cond>
+              </p:nextCondLst>
+            </p:seq>
+          </p:childTnLst>
+        </p:cTn>
       </p:par>
     </p:tnLst>
+    <p:bldLst>
+      <p:bldP spid="13" grpId="0" animBg="1"/>
+    </p:bldLst>
   </p:timing>
 </p:sld>
 </file>
@@ -20411,9 +20749,16 @@
             </a:r>
           </a:p>
           <a:p>
+            <a:endParaRPr lang="en-US" dirty="0" smtClean="0"/>
+          </a:p>
+          <a:p>
             <a:r>
               <a:rPr lang="en-US" dirty="0" smtClean="0"/>
-              <a:t>Static storage duration</a:t>
+              <a:t>Static </a:t>
+            </a:r>
+            <a:r>
+              <a:rPr lang="en-US" dirty="0" smtClean="0"/>
+              <a:t>storage duration</a:t>
             </a:r>
           </a:p>
           <a:p>
@@ -20437,6 +20782,102 @@
                 </a:schemeClr>
               </a:solidFill>
             </a:endParaRPr>
+          </a:p>
+        </p:txBody>
+      </p:sp>
+      <p:sp>
+        <p:nvSpPr>
+          <p:cNvPr id="4" name="Rectangle 3"/>
+          <p:cNvSpPr/>
+          <p:nvPr/>
+        </p:nvSpPr>
+        <p:spPr>
+          <a:xfrm>
+            <a:off x="551145" y="1506879"/>
+            <a:ext cx="6342815" cy="1133579"/>
+          </a:xfrm>
+          <a:prstGeom prst="rect">
+            <a:avLst/>
+          </a:prstGeom>
+          <a:solidFill>
+            <a:schemeClr val="bg1">
+              <a:alpha val="72000"/>
+            </a:schemeClr>
+          </a:solidFill>
+          <a:ln>
+            <a:noFill/>
+          </a:ln>
+        </p:spPr>
+        <p:style>
+          <a:lnRef idx="2">
+            <a:schemeClr val="accent1">
+              <a:shade val="50000"/>
+            </a:schemeClr>
+          </a:lnRef>
+          <a:fillRef idx="1">
+            <a:schemeClr val="accent1"/>
+          </a:fillRef>
+          <a:effectRef idx="0">
+            <a:schemeClr val="accent1"/>
+          </a:effectRef>
+          <a:fontRef idx="minor">
+            <a:schemeClr val="lt1"/>
+          </a:fontRef>
+        </p:style>
+        <p:txBody>
+          <a:bodyPr rtlCol="0" anchor="ctr"/>
+          <a:lstStyle/>
+          <a:p>
+            <a:pPr algn="ctr"/>
+            <a:endParaRPr lang="en-US"/>
+          </a:p>
+        </p:txBody>
+      </p:sp>
+      <p:sp>
+        <p:nvSpPr>
+          <p:cNvPr id="5" name="Rectangle 4"/>
+          <p:cNvSpPr/>
+          <p:nvPr/>
+        </p:nvSpPr>
+        <p:spPr>
+          <a:xfrm>
+            <a:off x="245014" y="3029588"/>
+            <a:ext cx="7216118" cy="1152755"/>
+          </a:xfrm>
+          <a:prstGeom prst="rect">
+            <a:avLst/>
+          </a:prstGeom>
+          <a:solidFill>
+            <a:schemeClr val="bg1">
+              <a:alpha val="72000"/>
+            </a:schemeClr>
+          </a:solidFill>
+          <a:ln>
+            <a:noFill/>
+          </a:ln>
+        </p:spPr>
+        <p:style>
+          <a:lnRef idx="2">
+            <a:schemeClr val="accent1">
+              <a:shade val="50000"/>
+            </a:schemeClr>
+          </a:lnRef>
+          <a:fillRef idx="1">
+            <a:schemeClr val="accent1"/>
+          </a:fillRef>
+          <a:effectRef idx="0">
+            <a:schemeClr val="accent1"/>
+          </a:effectRef>
+          <a:fontRef idx="minor">
+            <a:schemeClr val="lt1"/>
+          </a:fontRef>
+        </p:style>
+        <p:txBody>
+          <a:bodyPr rtlCol="0" anchor="ctr"/>
+          <a:lstStyle/>
+          <a:p>
+            <a:pPr algn="ctr"/>
+            <a:endParaRPr lang="en-US"/>
           </a:p>
         </p:txBody>
       </p:sp>
@@ -20453,9 +20894,172 @@
   <p:timing>
     <p:tnLst>
       <p:par>
-        <p:cTn id="1" dur="indefinite" restart="never" nodeType="tmRoot"/>
+        <p:cTn id="1" dur="indefinite" restart="never" nodeType="tmRoot">
+          <p:childTnLst>
+            <p:seq concurrent="1" nextAc="seek">
+              <p:cTn id="2" dur="indefinite" nodeType="mainSeq">
+                <p:childTnLst>
+                  <p:par>
+                    <p:cTn id="3" fill="hold">
+                      <p:stCondLst>
+                        <p:cond delay="indefinite"/>
+                      </p:stCondLst>
+                      <p:childTnLst>
+                        <p:par>
+                          <p:cTn id="4" fill="hold">
+                            <p:stCondLst>
+                              <p:cond delay="0"/>
+                            </p:stCondLst>
+                            <p:childTnLst>
+                              <p:par>
+                                <p:cTn id="5" presetID="1" presetClass="exit" presetSubtype="0" fill="hold" grpId="0" nodeType="clickEffect">
+                                  <p:stCondLst>
+                                    <p:cond delay="0"/>
+                                  </p:stCondLst>
+                                  <p:childTnLst>
+                                    <p:set>
+                                      <p:cBhvr>
+                                        <p:cTn id="6" dur="1" fill="hold">
+                                          <p:stCondLst>
+                                            <p:cond delay="0"/>
+                                          </p:stCondLst>
+                                        </p:cTn>
+                                        <p:tgtEl>
+                                          <p:spTgt spid="4"/>
+                                        </p:tgtEl>
+                                        <p:attrNameLst>
+                                          <p:attrName>style.visibility</p:attrName>
+                                        </p:attrNameLst>
+                                      </p:cBhvr>
+                                      <p:to>
+                                        <p:strVal val="hidden"/>
+                                      </p:to>
+                                    </p:set>
+                                  </p:childTnLst>
+                                </p:cTn>
+                              </p:par>
+                            </p:childTnLst>
+                          </p:cTn>
+                        </p:par>
+                      </p:childTnLst>
+                    </p:cTn>
+                  </p:par>
+                  <p:par>
+                    <p:cTn id="7" fill="hold">
+                      <p:stCondLst>
+                        <p:cond delay="indefinite"/>
+                      </p:stCondLst>
+                      <p:childTnLst>
+                        <p:par>
+                          <p:cTn id="8" fill="hold">
+                            <p:stCondLst>
+                              <p:cond delay="0"/>
+                            </p:stCondLst>
+                            <p:childTnLst>
+                              <p:par>
+                                <p:cTn id="9" presetID="1" presetClass="entr" presetSubtype="0" fill="hold" grpId="1" nodeType="clickEffect">
+                                  <p:stCondLst>
+                                    <p:cond delay="0"/>
+                                  </p:stCondLst>
+                                  <p:childTnLst>
+                                    <p:set>
+                                      <p:cBhvr>
+                                        <p:cTn id="10" dur="1" fill="hold">
+                                          <p:stCondLst>
+                                            <p:cond delay="0"/>
+                                          </p:stCondLst>
+                                        </p:cTn>
+                                        <p:tgtEl>
+                                          <p:spTgt spid="4"/>
+                                        </p:tgtEl>
+                                        <p:attrNameLst>
+                                          <p:attrName>style.visibility</p:attrName>
+                                        </p:attrNameLst>
+                                      </p:cBhvr>
+                                      <p:to>
+                                        <p:strVal val="visible"/>
+                                      </p:to>
+                                    </p:set>
+                                  </p:childTnLst>
+                                </p:cTn>
+                              </p:par>
+                            </p:childTnLst>
+                          </p:cTn>
+                        </p:par>
+                      </p:childTnLst>
+                    </p:cTn>
+                  </p:par>
+                  <p:par>
+                    <p:cTn id="11" fill="hold">
+                      <p:stCondLst>
+                        <p:cond delay="indefinite"/>
+                      </p:stCondLst>
+                      <p:childTnLst>
+                        <p:par>
+                          <p:cTn id="12" fill="hold">
+                            <p:stCondLst>
+                              <p:cond delay="0"/>
+                            </p:stCondLst>
+                            <p:childTnLst>
+                              <p:par>
+                                <p:cTn id="13" presetID="1" presetClass="exit" presetSubtype="0" fill="hold" grpId="0" nodeType="clickEffect">
+                                  <p:stCondLst>
+                                    <p:cond delay="0"/>
+                                  </p:stCondLst>
+                                  <p:childTnLst>
+                                    <p:set>
+                                      <p:cBhvr>
+                                        <p:cTn id="14" dur="1" fill="hold">
+                                          <p:stCondLst>
+                                            <p:cond delay="0"/>
+                                          </p:stCondLst>
+                                        </p:cTn>
+                                        <p:tgtEl>
+                                          <p:spTgt spid="5"/>
+                                        </p:tgtEl>
+                                        <p:attrNameLst>
+                                          <p:attrName>style.visibility</p:attrName>
+                                        </p:attrNameLst>
+                                      </p:cBhvr>
+                                      <p:to>
+                                        <p:strVal val="hidden"/>
+                                      </p:to>
+                                    </p:set>
+                                  </p:childTnLst>
+                                </p:cTn>
+                              </p:par>
+                            </p:childTnLst>
+                          </p:cTn>
+                        </p:par>
+                      </p:childTnLst>
+                    </p:cTn>
+                  </p:par>
+                </p:childTnLst>
+              </p:cTn>
+              <p:prevCondLst>
+                <p:cond evt="onPrev" delay="0">
+                  <p:tgtEl>
+                    <p:sldTgt/>
+                  </p:tgtEl>
+                </p:cond>
+              </p:prevCondLst>
+              <p:nextCondLst>
+                <p:cond evt="onNext" delay="0">
+                  <p:tgtEl>
+                    <p:sldTgt/>
+                  </p:tgtEl>
+                </p:cond>
+              </p:nextCondLst>
+            </p:seq>
+          </p:childTnLst>
+        </p:cTn>
       </p:par>
     </p:tnLst>
+    <p:bldLst>
+      <p:bldP spid="4" grpId="0" animBg="1"/>
+      <p:bldP spid="4" grpId="1" animBg="1"/>
+      <p:bldP spid="5" grpId="0" animBg="1"/>
+    </p:bldLst>
   </p:timing>
 </p:sld>
 </file>
@@ -20848,180 +21452,6 @@
     <p:extLst>
       <p:ext uri="{BB962C8B-B14F-4D97-AF65-F5344CB8AC3E}">
         <p14:creationId xmlns:p14="http://schemas.microsoft.com/office/powerpoint/2010/main" val="1045684420"/>
-      </p:ext>
-    </p:extLst>
-  </p:cSld>
-  <p:clrMapOvr>
-    <a:masterClrMapping/>
-  </p:clrMapOvr>
-  <p:timing>
-    <p:tnLst>
-      <p:par>
-        <p:cTn id="1" dur="indefinite" restart="never" nodeType="tmRoot"/>
-      </p:par>
-    </p:tnLst>
-  </p:timing>
-</p:sld>
-</file>
-
-<file path=ppt/slides/slide21.xml><?xml version="1.0" encoding="utf-8"?>
-<p:sld xmlns:a="http://schemas.openxmlformats.org/drawingml/2006/main" xmlns:r="http://schemas.openxmlformats.org/officeDocument/2006/relationships" xmlns:p="http://schemas.openxmlformats.org/presentationml/2006/main">
-  <p:cSld>
-    <p:spTree>
-      <p:nvGrpSpPr>
-        <p:cNvPr id="1" name=""/>
-        <p:cNvGrpSpPr/>
-        <p:nvPr/>
-      </p:nvGrpSpPr>
-      <p:grpSpPr>
-        <a:xfrm>
-          <a:off x="0" y="0"/>
-          <a:ext cx="0" cy="0"/>
-          <a:chOff x="0" y="0"/>
-          <a:chExt cx="0" cy="0"/>
-        </a:xfrm>
-      </p:grpSpPr>
-      <p:sp>
-        <p:nvSpPr>
-          <p:cNvPr id="2" name="Title 1"/>
-          <p:cNvSpPr>
-            <a:spLocks noGrp="1"/>
-          </p:cNvSpPr>
-          <p:nvPr>
-            <p:ph type="title"/>
-          </p:nvPr>
-        </p:nvSpPr>
-        <p:spPr/>
-        <p:txBody>
-          <a:bodyPr/>
-          <a:lstStyle/>
-          <a:p>
-            <a:pPr algn="ctr"/>
-            <a:r>
-              <a:rPr lang="en-US" dirty="0" smtClean="0"/>
-              <a:t>Other typical </a:t>
-            </a:r>
-            <a:r>
-              <a:rPr lang="en-US" dirty="0" smtClean="0"/>
-              <a:t>mistakes</a:t>
-            </a:r>
-            <a:br>
-              <a:rPr lang="en-US" dirty="0" smtClean="0"/>
-            </a:br>
-            <a:r>
-              <a:rPr lang="en-US" dirty="0"/>
-              <a:t/>
-            </a:r>
-            <a:br>
-              <a:rPr lang="en-US" dirty="0"/>
-            </a:br>
-            <a:endParaRPr lang="en-US" dirty="0"/>
-          </a:p>
-        </p:txBody>
-      </p:sp>
-      <p:sp>
-        <p:nvSpPr>
-          <p:cNvPr id="3" name="Content Placeholder 2"/>
-          <p:cNvSpPr>
-            <a:spLocks noGrp="1"/>
-          </p:cNvSpPr>
-          <p:nvPr>
-            <p:ph idx="1"/>
-          </p:nvPr>
-        </p:nvSpPr>
-        <p:spPr/>
-        <p:txBody>
-          <a:bodyPr/>
-          <a:lstStyle/>
-          <a:p>
-            <a:r>
-              <a:rPr lang="en-US" dirty="0" smtClean="0"/>
-              <a:t>UTF-8 and UTF-16 strings</a:t>
-            </a:r>
-          </a:p>
-          <a:p>
-            <a:r>
-              <a:rPr lang="en-US" dirty="0"/>
-              <a:t>C</a:t>
-            </a:r>
-            <a:r>
-              <a:rPr lang="en-US" dirty="0" smtClean="0"/>
-              <a:t>aching </a:t>
-            </a:r>
-            <a:r>
-              <a:rPr lang="en-US" dirty="0"/>
-              <a:t>method IDs, field </a:t>
-            </a:r>
-            <a:r>
-              <a:rPr lang="en-US" dirty="0" smtClean="0"/>
-              <a:t>IDs </a:t>
-            </a:r>
-            <a:r>
-              <a:rPr lang="en-US" dirty="0"/>
-              <a:t>and </a:t>
-            </a:r>
-            <a:r>
-              <a:rPr lang="en-US" dirty="0" smtClean="0"/>
-              <a:t>classes</a:t>
-            </a:r>
-          </a:p>
-          <a:p>
-            <a:r>
-              <a:rPr lang="en-US" dirty="0"/>
-              <a:t>Not checking for exceptions</a:t>
-            </a:r>
-          </a:p>
-          <a:p>
-            <a:endParaRPr lang="en-US" dirty="0"/>
-          </a:p>
-          <a:p>
-            <a:endParaRPr lang="en-US" dirty="0"/>
-          </a:p>
-        </p:txBody>
-      </p:sp>
-      <p:sp>
-        <p:nvSpPr>
-          <p:cNvPr id="4" name="TextBox 3"/>
-          <p:cNvSpPr txBox="1"/>
-          <p:nvPr/>
-        </p:nvSpPr>
-        <p:spPr>
-          <a:xfrm rot="922143">
-            <a:off x="1339324" y="2570469"/>
-            <a:ext cx="9370664" cy="1323439"/>
-          </a:xfrm>
-          <a:prstGeom prst="rect">
-            <a:avLst/>
-          </a:prstGeom>
-          <a:noFill/>
-        </p:spPr>
-        <p:txBody>
-          <a:bodyPr wrap="square" rtlCol="0">
-            <a:spAutoFit/>
-          </a:bodyPr>
-          <a:lstStyle/>
-          <a:p>
-            <a:pPr algn="ctr"/>
-            <a:r>
-              <a:rPr lang="en-US" sz="8000" dirty="0" smtClean="0">
-                <a:solidFill>
-                  <a:srgbClr val="FF0000"/>
-                </a:solidFill>
-              </a:rPr>
-              <a:t>DEPRECATED</a:t>
-            </a:r>
-            <a:endParaRPr lang="en-US" sz="8000" dirty="0">
-              <a:solidFill>
-                <a:srgbClr val="FF0000"/>
-              </a:solidFill>
-            </a:endParaRPr>
-          </a:p>
-        </p:txBody>
-      </p:sp>
-    </p:spTree>
-    <p:extLst>
-      <p:ext uri="{BB962C8B-B14F-4D97-AF65-F5344CB8AC3E}">
-        <p14:creationId xmlns:p14="http://schemas.microsoft.com/office/powerpoint/2010/main" val="2251233045"/>
       </p:ext>
     </p:extLst>
   </p:cSld>
@@ -21363,8 +21793,8 @@
         </p:nvSpPr>
         <p:spPr>
           <a:xfrm>
-            <a:off x="8087346" y="2317417"/>
-            <a:ext cx="1995855" cy="430823"/>
+            <a:off x="8087347" y="2317417"/>
+            <a:ext cx="1915026" cy="425949"/>
           </a:xfrm>
           <a:prstGeom prst="roundRect">
             <a:avLst/>
@@ -21419,7 +21849,7 @@
         <p:spPr>
           <a:xfrm>
             <a:off x="8233019" y="1078930"/>
-            <a:ext cx="1704508" cy="827224"/>
+            <a:ext cx="1635478" cy="817865"/>
           </a:xfrm>
           <a:prstGeom prst="roundRect">
             <a:avLst/>
@@ -21451,11 +21881,7 @@
             <a:pPr algn="ctr"/>
             <a:r>
               <a:rPr lang="en-US" dirty="0" smtClean="0"/>
-              <a:t>Android </a:t>
-            </a:r>
-            <a:r>
-              <a:rPr lang="en-US" dirty="0" smtClean="0"/>
-              <a:t>Java</a:t>
+              <a:t>Android Java</a:t>
             </a:r>
             <a:endParaRPr lang="en-US" dirty="0"/>
           </a:p>
@@ -21470,7 +21896,7 @@
         <p:spPr>
           <a:xfrm>
             <a:off x="6240582" y="2990233"/>
-            <a:ext cx="1561880" cy="754170"/>
+            <a:ext cx="1498627" cy="745637"/>
           </a:xfrm>
           <a:prstGeom prst="roundRect">
             <a:avLst/>
@@ -21520,7 +21946,7 @@
         <p:spPr>
           <a:xfrm>
             <a:off x="6240582" y="4674760"/>
-            <a:ext cx="1561880" cy="791729"/>
+            <a:ext cx="1498627" cy="782771"/>
           </a:xfrm>
           <a:prstGeom prst="roundRect">
             <a:avLst/>
@@ -21572,8 +21998,8 @@
         </p:nvSpPr>
         <p:spPr>
           <a:xfrm>
-            <a:off x="10278852" y="2990232"/>
-            <a:ext cx="1614465" cy="754170"/>
+            <a:off x="10278853" y="2990232"/>
+            <a:ext cx="1549082" cy="745637"/>
           </a:xfrm>
           <a:prstGeom prst="roundRect">
             <a:avLst/>
@@ -21616,11 +22042,7 @@
             </a:r>
             <a:r>
               <a:rPr lang="en-US" dirty="0" smtClean="0"/>
-              <a:t>esktop </a:t>
-            </a:r>
-            <a:r>
-              <a:rPr lang="en-US" dirty="0" smtClean="0"/>
-              <a:t>C++</a:t>
+              <a:t>esktop C++</a:t>
             </a:r>
             <a:endParaRPr lang="en-US" dirty="0"/>
           </a:p>
@@ -21636,8 +22058,8 @@
         </p:nvCxnSpPr>
         <p:spPr>
           <a:xfrm flipV="1">
-            <a:off x="9814798" y="3682109"/>
-            <a:ext cx="478793" cy="240726"/>
+            <a:off x="9755709" y="3682109"/>
+            <a:ext cx="537882" cy="232918"/>
           </a:xfrm>
           <a:prstGeom prst="straightConnector1">
             <a:avLst/>
@@ -21672,8 +22094,8 @@
         </p:nvCxnSpPr>
         <p:spPr>
           <a:xfrm flipH="1">
-            <a:off x="7802462" y="4410866"/>
-            <a:ext cx="766961" cy="328797"/>
+            <a:off x="7802463" y="4397537"/>
+            <a:ext cx="758306" cy="342126"/>
           </a:xfrm>
           <a:prstGeom prst="straightConnector1">
             <a:avLst/>
@@ -21709,7 +22131,7 @@
         <p:spPr>
           <a:xfrm flipH="1" flipV="1">
             <a:off x="7802462" y="3682111"/>
-            <a:ext cx="553288" cy="240724"/>
+            <a:ext cx="553288" cy="232916"/>
           </a:xfrm>
           <a:prstGeom prst="straightConnector1">
             <a:avLst/>
@@ -21744,9 +22166,9 @@
           <p:nvPr/>
         </p:nvCxnSpPr>
         <p:spPr>
-          <a:xfrm>
-            <a:off x="9085273" y="1906154"/>
-            <a:ext cx="1" cy="411263"/>
+          <a:xfrm flipH="1">
+            <a:off x="9044860" y="1896795"/>
+            <a:ext cx="5898" cy="420622"/>
           </a:xfrm>
           <a:prstGeom prst="straightConnector1">
             <a:avLst/>
@@ -21782,8 +22204,8 @@
         </p:nvCxnSpPr>
         <p:spPr>
           <a:xfrm>
-            <a:off x="9085274" y="2748240"/>
-            <a:ext cx="0" cy="484414"/>
+            <a:off x="9044860" y="2743366"/>
+            <a:ext cx="10870" cy="489289"/>
           </a:xfrm>
           <a:prstGeom prst="straightConnector1">
             <a:avLst/>
@@ -21816,8 +22238,8 @@
         </p:nvSpPr>
         <p:spPr>
           <a:xfrm>
-            <a:off x="10278851" y="4677312"/>
-            <a:ext cx="1614465" cy="801220"/>
+            <a:off x="10278852" y="4677312"/>
+            <a:ext cx="1549082" cy="792155"/>
           </a:xfrm>
           <a:prstGeom prst="roundRect">
             <a:avLst/>
@@ -21864,7 +22286,7 @@
         <p:spPr>
           <a:xfrm>
             <a:off x="9611635" y="4431886"/>
-            <a:ext cx="704654" cy="303300"/>
+            <a:ext cx="676117" cy="299868"/>
           </a:xfrm>
           <a:prstGeom prst="straightConnector1">
             <a:avLst/>
@@ -21897,8 +22319,8 @@
         </p:nvSpPr>
         <p:spPr>
           <a:xfrm>
-            <a:off x="8355750" y="3232654"/>
-            <a:ext cx="1459048" cy="1380361"/>
+            <a:off x="8355750" y="3232655"/>
+            <a:ext cx="1399959" cy="1364744"/>
           </a:xfrm>
           <a:prstGeom prst="ellipse">
             <a:avLst/>
@@ -23069,11 +23491,7 @@
           <a:p>
             <a:r>
               <a:rPr lang="en-US" dirty="0" smtClean="0"/>
-              <a:t>JNI </a:t>
-            </a:r>
-            <a:r>
-              <a:rPr lang="en-US" dirty="0" smtClean="0"/>
-              <a:t>local </a:t>
+              <a:t>JNI local </a:t>
             </a:r>
             <a:r>
               <a:rPr lang="en-US" dirty="0"/>
@@ -25925,25 +26343,23 @@
           <a:p>
             <a:r>
               <a:rPr lang="en-US" dirty="0" smtClean="0"/>
-              <a:t>Thread </a:t>
-            </a:r>
-            <a:r>
-              <a:rPr lang="en-US" dirty="0" smtClean="0"/>
-              <a:t>local references</a:t>
-            </a:r>
-            <a:r>
-              <a:rPr lang="en-US" dirty="0" smtClean="0"/>
-              <a:t>.</a:t>
+              <a:t>Thread local references.</a:t>
             </a:r>
             <a:endParaRPr lang="uk-UA" dirty="0" smtClean="0"/>
           </a:p>
           <a:p>
             <a:pPr lvl="1"/>
             <a:r>
-              <a:rPr lang="en-US" dirty="0" smtClean="0"/>
+              <a:rPr lang="en-US" dirty="0" smtClean="0">
+                <a:solidFill>
+                  <a:schemeClr val="accent6">
+                    <a:lumMod val="60000"/>
+                    <a:lumOff val="40000"/>
+                  </a:schemeClr>
+                </a:solidFill>
+              </a:rPr>
               <a:t>All local references are accessible within one thread only</a:t>
             </a:r>
-            <a:endParaRPr lang="en-US" dirty="0" smtClean="0"/>
           </a:p>
         </p:txBody>
       </p:sp>
@@ -25955,7 +26371,7 @@
         </p:nvSpPr>
         <p:spPr>
           <a:xfrm>
-            <a:off x="7114614" y="2124540"/>
+            <a:off x="7350005" y="1558381"/>
             <a:ext cx="4324178" cy="1200329"/>
           </a:xfrm>
           <a:prstGeom prst="rect">
@@ -26103,11 +26519,7 @@
             <a:pPr algn="ctr"/>
             <a:r>
               <a:rPr lang="en-US" dirty="0" smtClean="0"/>
-              <a:t>Linking </a:t>
-            </a:r>
-            <a:r>
-              <a:rPr lang="en-US" dirty="0" smtClean="0"/>
-              <a:t>problems</a:t>
+              <a:t>Linking problems</a:t>
             </a:r>
             <a:endParaRPr lang="en-US" dirty="0"/>
           </a:p>
@@ -27099,7 +27511,7 @@
         </p:nvSpPr>
         <p:spPr bwMode="auto">
           <a:xfrm>
-            <a:off x="5046785" y="1847746"/>
+            <a:off x="838200" y="3432062"/>
             <a:ext cx="6752492" cy="3108543"/>
           </a:xfrm>
           <a:prstGeom prst="rect">

--- a/NDK_SoftServeTheme.pptx
+++ b/NDK_SoftServeTheme.pptx
@@ -217,7 +217,7 @@
           <a:p>
             <a:fld id="{2233C042-B116-4AF0-8EB0-10C51ACFEAFC}" type="datetimeFigureOut">
               <a:rPr lang="en-US" smtClean="0"/>
-              <a:t>3/12/18</a:t>
+              <a:t>3/12/2018</a:t>
             </a:fld>
             <a:endParaRPr lang="en-US"/>
           </a:p>
@@ -2465,7 +2465,7 @@
           <a:p>
             <a:fld id="{E68A8755-D758-4E0E-A7B6-8C6D23EC775F}" type="datetimeFigureOut">
               <a:rPr lang="en-US" smtClean="0"/>
-              <a:t>3/12/18</a:t>
+              <a:t>3/12/2018</a:t>
             </a:fld>
             <a:endParaRPr lang="en-US"/>
           </a:p>
@@ -2675,7 +2675,7 @@
           <a:p>
             <a:fld id="{E68A8755-D758-4E0E-A7B6-8C6D23EC775F}" type="datetimeFigureOut">
               <a:rPr lang="en-US" smtClean="0"/>
-              <a:t>3/12/18</a:t>
+              <a:t>3/12/2018</a:t>
             </a:fld>
             <a:endParaRPr lang="en-US"/>
           </a:p>
@@ -12283,22 +12283,22 @@
           <a:lstStyle/>
           <a:p>
             <a:r>
-              <a:rPr lang="en-US" b="1" dirty="0" smtClean="0"/>
+              <a:rPr lang="en-US" sz="2000" b="1" dirty="0" smtClean="0"/>
               <a:t>Java </a:t>
             </a:r>
             <a:r>
-              <a:rPr lang="en-US" b="1" dirty="0"/>
+              <a:rPr lang="en-US" sz="2000" b="1" dirty="0"/>
               <a:t>p</a:t>
             </a:r>
             <a:r>
-              <a:rPr lang="en-US" b="1" dirty="0" smtClean="0"/>
+              <a:rPr lang="en-US" sz="2000" b="1" dirty="0" smtClean="0"/>
               <a:t>ending exception:</a:t>
             </a:r>
           </a:p>
           <a:p>
             <a:pPr lvl="1"/>
             <a:r>
-              <a:rPr lang="en-US" altLang="en-US" dirty="0" err="1">
+              <a:rPr lang="en-US" altLang="en-US" sz="1600" dirty="0" err="1">
                 <a:solidFill>
                   <a:schemeClr val="accent6">
                     <a:lumMod val="60000"/>
@@ -12311,7 +12311,7 @@
               <a:t>env</a:t>
             </a:r>
             <a:r>
-              <a:rPr lang="en-US" altLang="en-US" dirty="0">
+              <a:rPr lang="en-US" altLang="en-US" sz="1600" dirty="0">
                 <a:solidFill>
                   <a:schemeClr val="accent6">
                     <a:lumMod val="60000"/>
@@ -12324,7 +12324,7 @@
               <a:t>-&gt;</a:t>
             </a:r>
             <a:r>
-              <a:rPr lang="en-US" altLang="en-US" dirty="0" err="1">
+              <a:rPr lang="en-US" altLang="en-US" sz="1600" dirty="0" err="1">
                 <a:solidFill>
                   <a:schemeClr val="accent6">
                     <a:lumMod val="60000"/>
@@ -12337,7 +12337,7 @@
               <a:t>ExceptionCheck</a:t>
             </a:r>
             <a:r>
-              <a:rPr lang="en-US" altLang="en-US" dirty="0" smtClean="0">
+              <a:rPr lang="en-US" altLang="en-US" sz="1600" dirty="0" smtClean="0">
                 <a:solidFill>
                   <a:schemeClr val="accent6">
                     <a:lumMod val="60000"/>
@@ -12353,7 +12353,7 @@
           <a:p>
             <a:pPr lvl="1"/>
             <a:r>
-              <a:rPr lang="en-US" altLang="en-US" dirty="0" err="1">
+              <a:rPr lang="en-US" altLang="en-US" sz="1600" dirty="0" err="1">
                 <a:solidFill>
                   <a:schemeClr val="accent6">
                     <a:lumMod val="60000"/>
@@ -12366,7 +12366,7 @@
               <a:t>env</a:t>
             </a:r>
             <a:r>
-              <a:rPr lang="en-US" altLang="en-US" dirty="0">
+              <a:rPr lang="en-US" altLang="en-US" sz="1600" dirty="0">
                 <a:solidFill>
                   <a:schemeClr val="accent6">
                     <a:lumMod val="60000"/>
@@ -12379,7 +12379,7 @@
               <a:t>-&gt;</a:t>
             </a:r>
             <a:r>
-              <a:rPr lang="en-US" altLang="en-US" dirty="0" err="1">
+              <a:rPr lang="en-US" altLang="en-US" sz="1600" dirty="0" err="1">
                 <a:solidFill>
                   <a:schemeClr val="accent6">
                     <a:lumMod val="60000"/>
@@ -12392,7 +12392,7 @@
               <a:t>ExceptionClear</a:t>
             </a:r>
             <a:r>
-              <a:rPr lang="en-US" altLang="en-US" dirty="0" smtClean="0">
+              <a:rPr lang="en-US" altLang="en-US" sz="1600" dirty="0" smtClean="0">
                 <a:solidFill>
                   <a:schemeClr val="accent6">
                     <a:lumMod val="60000"/>
@@ -12408,7 +12408,7 @@
           <a:p>
             <a:pPr lvl="1"/>
             <a:r>
-              <a:rPr lang="en-US" altLang="en-US" dirty="0" err="1">
+              <a:rPr lang="en-US" altLang="en-US" sz="1600" dirty="0" err="1">
                 <a:solidFill>
                   <a:schemeClr val="accent6">
                     <a:lumMod val="60000"/>
@@ -12421,7 +12421,7 @@
               <a:t>env</a:t>
             </a:r>
             <a:r>
-              <a:rPr lang="en-US" altLang="en-US" dirty="0">
+              <a:rPr lang="en-US" altLang="en-US" sz="1600" dirty="0">
                 <a:solidFill>
                   <a:schemeClr val="accent6">
                     <a:lumMod val="60000"/>
@@ -12434,7 +12434,7 @@
               <a:t>-&gt;</a:t>
             </a:r>
             <a:r>
-              <a:rPr lang="en-US" altLang="en-US" dirty="0" err="1">
+              <a:rPr lang="en-US" altLang="en-US" sz="1600" dirty="0" err="1">
                 <a:solidFill>
                   <a:schemeClr val="accent6">
                     <a:lumMod val="60000"/>
@@ -12447,7 +12447,7 @@
               <a:t>ExceptionOccurred</a:t>
             </a:r>
             <a:r>
-              <a:rPr lang="en-US" altLang="en-US" dirty="0">
+              <a:rPr lang="en-US" altLang="en-US" sz="1600" dirty="0">
                 <a:solidFill>
                   <a:schemeClr val="accent6">
                     <a:lumMod val="60000"/>
@@ -12461,32 +12461,29 @@
             </a:r>
           </a:p>
           <a:p>
-            <a:pPr marL="457200" lvl="1" indent="0">
+            <a:pPr marL="0" indent="0">
               <a:buNone/>
             </a:pPr>
             <a:endParaRPr lang="en-US" b="1" dirty="0" smtClean="0"/>
           </a:p>
           <a:p>
-            <a:endParaRPr lang="en-US" b="1" dirty="0" smtClean="0"/>
-          </a:p>
-          <a:p>
-            <a:r>
-              <a:rPr lang="en-US" b="1" dirty="0" smtClean="0"/>
+            <a:r>
+              <a:rPr lang="en-US" sz="2000" b="1" dirty="0" smtClean="0"/>
               <a:t>T</a:t>
             </a:r>
             <a:r>
-              <a:rPr lang="en-US" b="1" dirty="0"/>
+              <a:rPr lang="en-US" sz="2000" b="1" dirty="0"/>
               <a:t>h</a:t>
             </a:r>
             <a:r>
-              <a:rPr lang="en-US" b="1" dirty="0" smtClean="0"/>
+              <a:rPr lang="en-US" sz="2000" b="1" dirty="0" smtClean="0"/>
               <a:t>row exception to Java:</a:t>
             </a:r>
           </a:p>
           <a:p>
             <a:pPr lvl="1"/>
             <a:r>
-              <a:rPr lang="en-US" altLang="en-US" dirty="0" err="1">
+              <a:rPr lang="en-US" altLang="en-US" sz="1600" dirty="0" err="1">
                 <a:solidFill>
                   <a:schemeClr val="accent6">
                     <a:lumMod val="60000"/>
@@ -12499,7 +12496,7 @@
               <a:t>env</a:t>
             </a:r>
             <a:r>
-              <a:rPr lang="en-US" altLang="en-US" dirty="0">
+              <a:rPr lang="en-US" altLang="en-US" sz="1600" dirty="0">
                 <a:solidFill>
                   <a:schemeClr val="accent6">
                     <a:lumMod val="60000"/>
@@ -12512,7 +12509,7 @@
               <a:t>-&gt;</a:t>
             </a:r>
             <a:r>
-              <a:rPr lang="en-US" altLang="en-US" dirty="0" err="1">
+              <a:rPr lang="en-US" altLang="en-US" sz="1600" dirty="0" err="1">
                 <a:solidFill>
                   <a:schemeClr val="accent6">
                     <a:lumMod val="60000"/>
@@ -12525,7 +12522,7 @@
               <a:t>ThrowNew</a:t>
             </a:r>
             <a:r>
-              <a:rPr lang="en-US" altLang="en-US" dirty="0">
+              <a:rPr lang="en-US" altLang="en-US" sz="1600" dirty="0">
                 <a:solidFill>
                   <a:schemeClr val="accent6">
                     <a:lumMod val="60000"/>
@@ -12538,7 +12535,7 @@
               <a:t>(</a:t>
             </a:r>
             <a:r>
-              <a:rPr lang="en-US" altLang="en-US" dirty="0" err="1">
+              <a:rPr lang="en-US" altLang="en-US" sz="1600" dirty="0" err="1">
                 <a:solidFill>
                   <a:schemeClr val="accent6">
                     <a:lumMod val="60000"/>
@@ -12551,7 +12548,7 @@
               <a:t>jclass</a:t>
             </a:r>
             <a:r>
-              <a:rPr lang="en-US" altLang="en-US" dirty="0">
+              <a:rPr lang="en-US" altLang="en-US" sz="1600" dirty="0">
                 <a:solidFill>
                   <a:schemeClr val="accent6">
                     <a:lumMod val="60000"/>
@@ -12564,7 +12561,7 @@
               <a:t> </a:t>
             </a:r>
             <a:r>
-              <a:rPr lang="en-US" altLang="en-US" dirty="0" err="1">
+              <a:rPr lang="en-US" altLang="en-US" sz="1600" dirty="0" err="1">
                 <a:solidFill>
                   <a:schemeClr val="accent6">
                     <a:lumMod val="60000"/>
@@ -12577,7 +12574,7 @@
               <a:t>clazz</a:t>
             </a:r>
             <a:r>
-              <a:rPr lang="en-US" altLang="en-US" dirty="0">
+              <a:rPr lang="en-US" altLang="en-US" sz="1600" dirty="0">
                 <a:solidFill>
                   <a:schemeClr val="accent6">
                     <a:lumMod val="60000"/>
@@ -12590,7 +12587,7 @@
               <a:t>, </a:t>
             </a:r>
             <a:r>
-              <a:rPr lang="en-US" altLang="en-US" b="1" dirty="0" err="1">
+              <a:rPr lang="en-US" altLang="en-US" sz="1600" b="1" dirty="0" err="1" smtClean="0">
                 <a:solidFill>
                   <a:schemeClr val="accent6">
                     <a:lumMod val="60000"/>
@@ -12603,7 +12600,7 @@
               <a:t>const</a:t>
             </a:r>
             <a:r>
-              <a:rPr lang="en-US" altLang="en-US" b="1" dirty="0">
+              <a:rPr lang="en-US" altLang="en-US" sz="1600" b="1" dirty="0" smtClean="0">
                 <a:solidFill>
                   <a:schemeClr val="accent6">
                     <a:lumMod val="60000"/>
@@ -12613,10 +12610,10 @@
                 <a:latin typeface="Courier New" panose="02070309020205020404" pitchFamily="49" charset="0"/>
                 <a:cs typeface="Courier New" panose="02070309020205020404" pitchFamily="49" charset="0"/>
               </a:rPr>
-              <a:t> char</a:t>
-            </a:r>
-            <a:r>
-              <a:rPr lang="en-US" altLang="en-US" dirty="0">
+              <a:t> </a:t>
+            </a:r>
+            <a:r>
+              <a:rPr lang="en-US" altLang="en-US" sz="1600" b="1" dirty="0">
                 <a:solidFill>
                   <a:schemeClr val="accent6">
                     <a:lumMod val="60000"/>
@@ -12626,27 +12623,10 @@
                 <a:latin typeface="Courier New" panose="02070309020205020404" pitchFamily="49" charset="0"/>
                 <a:cs typeface="Courier New" panose="02070309020205020404" pitchFamily="49" charset="0"/>
               </a:rPr>
-              <a:t>* </a:t>
-            </a:r>
-            <a:r>
-              <a:rPr lang="en-US" altLang="en-US" dirty="0">
-                <a:latin typeface="Courier New" panose="02070309020205020404" pitchFamily="49" charset="0"/>
-                <a:cs typeface="Courier New" panose="02070309020205020404" pitchFamily="49" charset="0"/>
-              </a:rPr>
-              <a:t>message</a:t>
-            </a:r>
-            <a:r>
-              <a:rPr lang="en-US" altLang="en-US" dirty="0" smtClean="0">
-                <a:latin typeface="Courier New" panose="02070309020205020404" pitchFamily="49" charset="0"/>
-                <a:cs typeface="Courier New" panose="02070309020205020404" pitchFamily="49" charset="0"/>
-              </a:rPr>
-              <a:t>);</a:t>
-            </a:r>
-          </a:p>
-          <a:p>
-            <a:pPr lvl="1"/>
-            <a:r>
-              <a:rPr lang="en-US" altLang="en-US" dirty="0" err="1">
+              <a:t>char</a:t>
+            </a:r>
+            <a:r>
+              <a:rPr lang="en-US" altLang="en-US" sz="1600" dirty="0">
                 <a:solidFill>
                   <a:schemeClr val="accent6">
                     <a:lumMod val="60000"/>
@@ -12656,10 +12636,27 @@
                 <a:latin typeface="Courier New" panose="02070309020205020404" pitchFamily="49" charset="0"/>
                 <a:cs typeface="Courier New" panose="02070309020205020404" pitchFamily="49" charset="0"/>
               </a:rPr>
-              <a:t>env</a:t>
-            </a:r>
-            <a:r>
-              <a:rPr lang="en-US" altLang="en-US" dirty="0">
+              <a:t>* </a:t>
+            </a:r>
+            <a:r>
+              <a:rPr lang="en-US" altLang="en-US" sz="1600" dirty="0">
+                <a:latin typeface="Courier New" panose="02070309020205020404" pitchFamily="49" charset="0"/>
+                <a:cs typeface="Courier New" panose="02070309020205020404" pitchFamily="49" charset="0"/>
+              </a:rPr>
+              <a:t>message</a:t>
+            </a:r>
+            <a:r>
+              <a:rPr lang="en-US" altLang="en-US" sz="1600" dirty="0" smtClean="0">
+                <a:latin typeface="Courier New" panose="02070309020205020404" pitchFamily="49" charset="0"/>
+                <a:cs typeface="Courier New" panose="02070309020205020404" pitchFamily="49" charset="0"/>
+              </a:rPr>
+              <a:t>);</a:t>
+            </a:r>
+          </a:p>
+          <a:p>
+            <a:pPr lvl="1"/>
+            <a:r>
+              <a:rPr lang="en-US" altLang="en-US" sz="1600" dirty="0" err="1">
                 <a:solidFill>
                   <a:schemeClr val="accent6">
                     <a:lumMod val="60000"/>
@@ -12669,10 +12666,10 @@
                 <a:latin typeface="Courier New" panose="02070309020205020404" pitchFamily="49" charset="0"/>
                 <a:cs typeface="Courier New" panose="02070309020205020404" pitchFamily="49" charset="0"/>
               </a:rPr>
-              <a:t>-&gt;Throw(</a:t>
-            </a:r>
-            <a:r>
-              <a:rPr lang="en-US" altLang="en-US" dirty="0" err="1">
+              <a:t>env</a:t>
+            </a:r>
+            <a:r>
+              <a:rPr lang="en-US" altLang="en-US" sz="1600" dirty="0">
                 <a:solidFill>
                   <a:schemeClr val="accent6">
                     <a:lumMod val="60000"/>
@@ -12682,10 +12679,10 @@
                 <a:latin typeface="Courier New" panose="02070309020205020404" pitchFamily="49" charset="0"/>
                 <a:cs typeface="Courier New" panose="02070309020205020404" pitchFamily="49" charset="0"/>
               </a:rPr>
-              <a:t>jthrowable</a:t>
-            </a:r>
-            <a:r>
-              <a:rPr lang="en-US" altLang="en-US" dirty="0">
+              <a:t>-&gt;Throw(</a:t>
+            </a:r>
+            <a:r>
+              <a:rPr lang="en-US" altLang="en-US" sz="1600" dirty="0" err="1">
                 <a:solidFill>
                   <a:schemeClr val="accent6">
                     <a:lumMod val="60000"/>
@@ -12695,10 +12692,10 @@
                 <a:latin typeface="Courier New" panose="02070309020205020404" pitchFamily="49" charset="0"/>
                 <a:cs typeface="Courier New" panose="02070309020205020404" pitchFamily="49" charset="0"/>
               </a:rPr>
-              <a:t> </a:t>
-            </a:r>
-            <a:r>
-              <a:rPr lang="en-US" altLang="en-US" dirty="0" err="1">
+              <a:t>jthrowable</a:t>
+            </a:r>
+            <a:r>
+              <a:rPr lang="en-US" altLang="en-US" sz="1600" dirty="0">
                 <a:solidFill>
                   <a:schemeClr val="accent6">
                     <a:lumMod val="60000"/>
@@ -12708,10 +12705,10 @@
                 <a:latin typeface="Courier New" panose="02070309020205020404" pitchFamily="49" charset="0"/>
                 <a:cs typeface="Courier New" panose="02070309020205020404" pitchFamily="49" charset="0"/>
               </a:rPr>
-              <a:t>obj</a:t>
-            </a:r>
-            <a:r>
-              <a:rPr lang="en-US" altLang="en-US" dirty="0">
+              <a:t> </a:t>
+            </a:r>
+            <a:r>
+              <a:rPr lang="en-US" altLang="en-US" sz="1600" dirty="0" err="1">
                 <a:solidFill>
                   <a:schemeClr val="accent6">
                     <a:lumMod val="60000"/>
@@ -12721,9 +12718,22 @@
                 <a:latin typeface="Courier New" panose="02070309020205020404" pitchFamily="49" charset="0"/>
                 <a:cs typeface="Courier New" panose="02070309020205020404" pitchFamily="49" charset="0"/>
               </a:rPr>
+              <a:t>obj</a:t>
+            </a:r>
+            <a:r>
+              <a:rPr lang="en-US" altLang="en-US" sz="1600" dirty="0">
+                <a:solidFill>
+                  <a:schemeClr val="accent6">
+                    <a:lumMod val="60000"/>
+                    <a:lumOff val="40000"/>
+                  </a:schemeClr>
+                </a:solidFill>
+                <a:latin typeface="Courier New" panose="02070309020205020404" pitchFamily="49" charset="0"/>
+                <a:cs typeface="Courier New" panose="02070309020205020404" pitchFamily="49" charset="0"/>
+              </a:rPr>
               <a:t>);</a:t>
             </a:r>
-            <a:endParaRPr lang="en-US" altLang="en-US" dirty="0">
+            <a:endParaRPr lang="en-US" altLang="en-US" sz="1600" dirty="0">
               <a:solidFill>
                 <a:schemeClr val="accent6">
                   <a:lumMod val="60000"/>
@@ -12903,7 +12913,7 @@
         </p:nvSpPr>
         <p:spPr>
           <a:xfrm>
-            <a:off x="288098" y="1394841"/>
+            <a:off x="357995" y="1501693"/>
             <a:ext cx="5243146" cy="2077181"/>
           </a:xfrm>
           <a:prstGeom prst="rect">
@@ -12951,7 +12961,7 @@
         </p:nvSpPr>
         <p:spPr>
           <a:xfrm>
-            <a:off x="288099" y="4030998"/>
+            <a:off x="146299" y="3578874"/>
             <a:ext cx="10171134" cy="1813084"/>
           </a:xfrm>
           <a:prstGeom prst="rect">
@@ -13001,8 +13011,8 @@
         </p:nvSpPr>
         <p:spPr bwMode="auto">
           <a:xfrm>
-            <a:off x="358437" y="3585910"/>
-            <a:ext cx="11615804" cy="2308324"/>
+            <a:off x="4149087" y="3700230"/>
+            <a:ext cx="7204712" cy="1938992"/>
           </a:xfrm>
           <a:prstGeom prst="rect">
             <a:avLst/>
@@ -13062,7 +13072,7 @@
               <a:tabLst/>
             </a:pPr>
             <a:r>
-              <a:rPr kumimoji="0" lang="en-US" altLang="en-US" sz="1400" b="1" i="0" u="none" strike="noStrike" cap="none" normalizeH="0" baseline="0" dirty="0" smtClean="0">
+              <a:rPr kumimoji="0" lang="en-US" altLang="en-US" sz="1200" b="1" i="0" u="none" strike="noStrike" cap="none" normalizeH="0" baseline="0" dirty="0" smtClean="0">
                 <a:ln>
                   <a:noFill/>
                 </a:ln>
@@ -13076,7 +13086,7 @@
               <a:t>try</a:t>
             </a:r>
             <a:br>
-              <a:rPr kumimoji="0" lang="en-US" altLang="en-US" sz="1400" b="1" i="0" u="none" strike="noStrike" cap="none" normalizeH="0" baseline="0" dirty="0" smtClean="0">
+              <a:rPr kumimoji="0" lang="en-US" altLang="en-US" sz="1200" b="1" i="0" u="none" strike="noStrike" cap="none" normalizeH="0" baseline="0" dirty="0" smtClean="0">
                 <a:ln>
                   <a:noFill/>
                 </a:ln>
@@ -13089,7 +13099,7 @@
               </a:rPr>
             </a:br>
             <a:r>
-              <a:rPr kumimoji="0" lang="en-US" altLang="en-US" sz="1400" b="0" i="0" u="none" strike="noStrike" cap="none" normalizeH="0" baseline="0" dirty="0" smtClean="0">
+              <a:rPr kumimoji="0" lang="en-US" altLang="en-US" sz="1200" b="0" i="0" u="none" strike="noStrike" cap="none" normalizeH="0" baseline="0" dirty="0" smtClean="0">
                 <a:ln>
                   <a:noFill/>
                 </a:ln>
@@ -13103,7 +13113,7 @@
               <a:t>{</a:t>
             </a:r>
             <a:r>
-              <a:rPr kumimoji="0" lang="en-US" altLang="en-US" sz="1400" b="0" i="0" u="none" strike="noStrike" cap="none" normalizeH="0" baseline="0" dirty="0" smtClean="0">
+              <a:rPr kumimoji="0" lang="en-US" altLang="en-US" sz="1200" b="0" i="0" u="none" strike="noStrike" cap="none" normalizeH="0" baseline="0" dirty="0" smtClean="0">
                 <a:ln>
                   <a:noFill/>
                 </a:ln>
@@ -13117,7 +13127,7 @@
               <a:t/>
             </a:r>
             <a:br>
-              <a:rPr kumimoji="0" lang="en-US" altLang="en-US" sz="1400" b="0" i="0" u="none" strike="noStrike" cap="none" normalizeH="0" baseline="0" dirty="0" smtClean="0">
+              <a:rPr kumimoji="0" lang="en-US" altLang="en-US" sz="1200" b="0" i="0" u="none" strike="noStrike" cap="none" normalizeH="0" baseline="0" dirty="0" smtClean="0">
                 <a:ln>
                   <a:noFill/>
                 </a:ln>
@@ -13130,7 +13140,7 @@
               </a:rPr>
             </a:br>
             <a:r>
-              <a:rPr kumimoji="0" lang="en-US" altLang="en-US" sz="1400" b="0" i="0" u="none" strike="noStrike" cap="none" normalizeH="0" baseline="0" dirty="0" smtClean="0">
+              <a:rPr kumimoji="0" lang="en-US" altLang="en-US" sz="1200" b="0" i="0" u="none" strike="noStrike" cap="none" normalizeH="0" baseline="0" dirty="0" smtClean="0">
                 <a:ln>
                   <a:noFill/>
                 </a:ln>
@@ -13144,7 +13154,7 @@
               <a:t>    </a:t>
             </a:r>
             <a:r>
-              <a:rPr kumimoji="0" lang="en-US" altLang="en-US" sz="1400" b="1" i="0" u="none" strike="noStrike" cap="none" normalizeH="0" baseline="0" dirty="0" smtClean="0">
+              <a:rPr kumimoji="0" lang="en-US" altLang="en-US" sz="1200" b="1" i="0" u="none" strike="noStrike" cap="none" normalizeH="0" baseline="0" dirty="0" smtClean="0">
                 <a:ln>
                   <a:noFill/>
                 </a:ln>
@@ -13158,7 +13168,7 @@
               <a:t>throw </a:t>
             </a:r>
             <a:r>
-              <a:rPr kumimoji="0" lang="en-US" altLang="en-US" sz="1400" b="0" i="0" u="none" strike="noStrike" cap="none" normalizeH="0" baseline="0" dirty="0" err="1" smtClean="0">
+              <a:rPr kumimoji="0" lang="en-US" altLang="en-US" sz="1200" b="0" i="0" u="none" strike="noStrike" cap="none" normalizeH="0" baseline="0" dirty="0" err="1" smtClean="0">
                 <a:ln>
                   <a:noFill/>
                 </a:ln>
@@ -13172,7 +13182,7 @@
               <a:t>std</a:t>
             </a:r>
             <a:r>
-              <a:rPr kumimoji="0" lang="en-US" altLang="en-US" sz="1400" b="0" i="0" u="none" strike="noStrike" cap="none" normalizeH="0" baseline="0" dirty="0" smtClean="0">
+              <a:rPr kumimoji="0" lang="en-US" altLang="en-US" sz="1200" b="0" i="0" u="none" strike="noStrike" cap="none" normalizeH="0" baseline="0" dirty="0" smtClean="0">
                 <a:ln>
                   <a:noFill/>
                 </a:ln>
@@ -13186,7 +13196,7 @@
               <a:t>::</a:t>
             </a:r>
             <a:r>
-              <a:rPr kumimoji="0" lang="en-US" altLang="en-US" sz="1400" b="0" i="0" u="none" strike="noStrike" cap="none" normalizeH="0" baseline="0" dirty="0" err="1" smtClean="0">
+              <a:rPr kumimoji="0" lang="en-US" altLang="en-US" sz="1200" b="0" i="0" u="none" strike="noStrike" cap="none" normalizeH="0" baseline="0" dirty="0" err="1" smtClean="0">
                 <a:ln>
                   <a:noFill/>
                 </a:ln>
@@ -13200,7 +13210,7 @@
               <a:t>invalid_argument</a:t>
             </a:r>
             <a:r>
-              <a:rPr kumimoji="0" lang="en-US" altLang="en-US" sz="1400" b="0" i="0" u="none" strike="noStrike" cap="none" normalizeH="0" baseline="0" dirty="0" smtClean="0">
+              <a:rPr kumimoji="0" lang="en-US" altLang="en-US" sz="1200" b="0" i="0" u="none" strike="noStrike" cap="none" normalizeH="0" baseline="0" dirty="0" smtClean="0">
                 <a:ln>
                   <a:noFill/>
                 </a:ln>
@@ -13214,7 +13224,7 @@
               <a:t>(</a:t>
             </a:r>
             <a:r>
-              <a:rPr kumimoji="0" lang="en-US" altLang="en-US" sz="1400" b="0" i="0" u="none" strike="noStrike" cap="none" normalizeH="0" baseline="0" dirty="0" smtClean="0">
+              <a:rPr kumimoji="0" lang="en-US" altLang="en-US" sz="1200" b="0" i="0" u="none" strike="noStrike" cap="none" normalizeH="0" baseline="0" dirty="0" smtClean="0">
                 <a:ln>
                   <a:noFill/>
                 </a:ln>
@@ -13228,7 +13238,7 @@
               <a:t>"Invalid argument"</a:t>
             </a:r>
             <a:r>
-              <a:rPr kumimoji="0" lang="en-US" altLang="en-US" sz="1400" b="0" i="0" u="none" strike="noStrike" cap="none" normalizeH="0" baseline="0" dirty="0" smtClean="0">
+              <a:rPr kumimoji="0" lang="en-US" altLang="en-US" sz="1200" b="0" i="0" u="none" strike="noStrike" cap="none" normalizeH="0" baseline="0" dirty="0" smtClean="0">
                 <a:ln>
                   <a:noFill/>
                 </a:ln>
@@ -13242,7 +13252,7 @@
               <a:t>)</a:t>
             </a:r>
             <a:r>
-              <a:rPr kumimoji="0" lang="en-US" altLang="en-US" sz="1400" b="0" i="0" u="none" strike="noStrike" cap="none" normalizeH="0" baseline="0" dirty="0" smtClean="0">
+              <a:rPr kumimoji="0" lang="en-US" altLang="en-US" sz="1200" b="0" i="0" u="none" strike="noStrike" cap="none" normalizeH="0" baseline="0" dirty="0" smtClean="0">
                 <a:ln>
                   <a:noFill/>
                 </a:ln>
@@ -13256,7 +13266,7 @@
               <a:t>;</a:t>
             </a:r>
             <a:br>
-              <a:rPr kumimoji="0" lang="en-US" altLang="en-US" sz="1400" b="0" i="0" u="none" strike="noStrike" cap="none" normalizeH="0" baseline="0" dirty="0" smtClean="0">
+              <a:rPr kumimoji="0" lang="en-US" altLang="en-US" sz="1200" b="0" i="0" u="none" strike="noStrike" cap="none" normalizeH="0" baseline="0" dirty="0" smtClean="0">
                 <a:ln>
                   <a:noFill/>
                 </a:ln>
@@ -13269,7 +13279,7 @@
               </a:rPr>
             </a:br>
             <a:r>
-              <a:rPr kumimoji="0" lang="en-US" altLang="en-US" sz="1400" b="0" i="0" u="none" strike="noStrike" cap="none" normalizeH="0" baseline="0" dirty="0" smtClean="0">
+              <a:rPr kumimoji="0" lang="en-US" altLang="en-US" sz="1200" b="0" i="0" u="none" strike="noStrike" cap="none" normalizeH="0" baseline="0" dirty="0" smtClean="0">
                 <a:ln>
                   <a:noFill/>
                 </a:ln>
@@ -13283,7 +13293,7 @@
               <a:t>}</a:t>
             </a:r>
             <a:br>
-              <a:rPr kumimoji="0" lang="en-US" altLang="en-US" sz="1400" b="0" i="0" u="none" strike="noStrike" cap="none" normalizeH="0" baseline="0" dirty="0" smtClean="0">
+              <a:rPr kumimoji="0" lang="en-US" altLang="en-US" sz="1200" b="0" i="0" u="none" strike="noStrike" cap="none" normalizeH="0" baseline="0" dirty="0" smtClean="0">
                 <a:ln>
                   <a:noFill/>
                 </a:ln>
@@ -13296,7 +13306,7 @@
               </a:rPr>
             </a:br>
             <a:r>
-              <a:rPr kumimoji="0" lang="en-US" altLang="en-US" sz="1400" b="1" i="0" u="none" strike="noStrike" cap="none" normalizeH="0" baseline="0" dirty="0" smtClean="0">
+              <a:rPr kumimoji="0" lang="en-US" altLang="en-US" sz="1200" b="1" i="0" u="none" strike="noStrike" cap="none" normalizeH="0" baseline="0" dirty="0" smtClean="0">
                 <a:ln>
                   <a:noFill/>
                 </a:ln>
@@ -13310,7 +13320,7 @@
               <a:t>catch </a:t>
             </a:r>
             <a:r>
-              <a:rPr kumimoji="0" lang="en-US" altLang="en-US" sz="1400" b="0" i="0" u="none" strike="noStrike" cap="none" normalizeH="0" baseline="0" dirty="0" smtClean="0">
+              <a:rPr kumimoji="0" lang="en-US" altLang="en-US" sz="1200" b="0" i="0" u="none" strike="noStrike" cap="none" normalizeH="0" baseline="0" dirty="0" smtClean="0">
                 <a:ln>
                   <a:noFill/>
                 </a:ln>
@@ -13324,7 +13334,7 @@
               <a:t>(</a:t>
             </a:r>
             <a:r>
-              <a:rPr kumimoji="0" lang="en-US" altLang="en-US" sz="1400" b="1" i="0" u="none" strike="noStrike" cap="none" normalizeH="0" baseline="0" dirty="0" err="1" smtClean="0">
+              <a:rPr kumimoji="0" lang="en-US" altLang="en-US" sz="1200" b="1" i="0" u="none" strike="noStrike" cap="none" normalizeH="0" baseline="0" dirty="0" err="1" smtClean="0">
                 <a:ln>
                   <a:noFill/>
                 </a:ln>
@@ -13338,7 +13348,7 @@
               <a:t>const</a:t>
             </a:r>
             <a:r>
-              <a:rPr kumimoji="0" lang="en-US" altLang="en-US" sz="1400" b="1" i="0" u="none" strike="noStrike" cap="none" normalizeH="0" baseline="0" dirty="0" smtClean="0">
+              <a:rPr kumimoji="0" lang="en-US" altLang="en-US" sz="1200" b="1" i="0" u="none" strike="noStrike" cap="none" normalizeH="0" baseline="0" dirty="0" smtClean="0">
                 <a:ln>
                   <a:noFill/>
                 </a:ln>
@@ -13352,7 +13362,7 @@
               <a:t> </a:t>
             </a:r>
             <a:r>
-              <a:rPr kumimoji="0" lang="en-US" altLang="en-US" sz="1400" b="0" i="0" u="none" strike="noStrike" cap="none" normalizeH="0" baseline="0" dirty="0" err="1" smtClean="0">
+              <a:rPr kumimoji="0" lang="en-US" altLang="en-US" sz="1200" b="0" i="0" u="none" strike="noStrike" cap="none" normalizeH="0" baseline="0" dirty="0" err="1" smtClean="0">
                 <a:ln>
                   <a:noFill/>
                 </a:ln>
@@ -13366,7 +13376,7 @@
               <a:t>std</a:t>
             </a:r>
             <a:r>
-              <a:rPr kumimoji="0" lang="en-US" altLang="en-US" sz="1400" b="0" i="0" u="none" strike="noStrike" cap="none" normalizeH="0" baseline="0" dirty="0" smtClean="0">
+              <a:rPr kumimoji="0" lang="en-US" altLang="en-US" sz="1200" b="0" i="0" u="none" strike="noStrike" cap="none" normalizeH="0" baseline="0" dirty="0" smtClean="0">
                 <a:ln>
                   <a:noFill/>
                 </a:ln>
@@ -13380,7 +13390,7 @@
               <a:t>::</a:t>
             </a:r>
             <a:r>
-              <a:rPr kumimoji="0" lang="en-US" altLang="en-US" sz="1400" b="0" i="0" u="none" strike="noStrike" cap="none" normalizeH="0" baseline="0" dirty="0" smtClean="0">
+              <a:rPr kumimoji="0" lang="en-US" altLang="en-US" sz="1200" b="0" i="0" u="none" strike="noStrike" cap="none" normalizeH="0" baseline="0" dirty="0" smtClean="0">
                 <a:ln>
                   <a:noFill/>
                 </a:ln>
@@ -13394,7 +13404,7 @@
               <a:t>exception </a:t>
             </a:r>
             <a:r>
-              <a:rPr kumimoji="0" lang="en-US" altLang="en-US" sz="1400" b="0" i="0" u="none" strike="noStrike" cap="none" normalizeH="0" baseline="0" dirty="0" smtClean="0">
+              <a:rPr kumimoji="0" lang="en-US" altLang="en-US" sz="1200" b="0" i="0" u="none" strike="noStrike" cap="none" normalizeH="0" baseline="0" dirty="0" smtClean="0">
                 <a:ln>
                   <a:noFill/>
                 </a:ln>
@@ -13408,7 +13418,7 @@
               <a:t>&amp; exception)</a:t>
             </a:r>
             <a:br>
-              <a:rPr kumimoji="0" lang="en-US" altLang="en-US" sz="1400" b="0" i="0" u="none" strike="noStrike" cap="none" normalizeH="0" baseline="0" dirty="0" smtClean="0">
+              <a:rPr kumimoji="0" lang="en-US" altLang="en-US" sz="1200" b="0" i="0" u="none" strike="noStrike" cap="none" normalizeH="0" baseline="0" dirty="0" smtClean="0">
                 <a:ln>
                   <a:noFill/>
                 </a:ln>
@@ -13421,7 +13431,7 @@
               </a:rPr>
             </a:br>
             <a:r>
-              <a:rPr kumimoji="0" lang="en-US" altLang="en-US" sz="1400" b="0" i="0" u="none" strike="noStrike" cap="none" normalizeH="0" baseline="0" dirty="0" smtClean="0">
+              <a:rPr kumimoji="0" lang="en-US" altLang="en-US" sz="1200" b="0" i="0" u="none" strike="noStrike" cap="none" normalizeH="0" baseline="0" dirty="0" smtClean="0">
                 <a:ln>
                   <a:noFill/>
                 </a:ln>
@@ -13435,7 +13445,7 @@
               <a:t>{</a:t>
             </a:r>
             <a:r>
-              <a:rPr kumimoji="0" lang="en-US" altLang="en-US" sz="1400" b="0" i="0" u="none" strike="noStrike" cap="none" normalizeH="0" baseline="0" dirty="0" smtClean="0">
+              <a:rPr kumimoji="0" lang="en-US" altLang="en-US" sz="1200" b="0" i="0" u="none" strike="noStrike" cap="none" normalizeH="0" baseline="0" dirty="0" smtClean="0">
                 <a:ln>
                   <a:noFill/>
                 </a:ln>
@@ -13449,7 +13459,7 @@
               <a:t/>
             </a:r>
             <a:br>
-              <a:rPr kumimoji="0" lang="en-US" altLang="en-US" sz="1400" b="0" i="0" u="none" strike="noStrike" cap="none" normalizeH="0" baseline="0" dirty="0" smtClean="0">
+              <a:rPr kumimoji="0" lang="en-US" altLang="en-US" sz="1200" b="0" i="0" u="none" strike="noStrike" cap="none" normalizeH="0" baseline="0" dirty="0" smtClean="0">
                 <a:ln>
                   <a:noFill/>
                 </a:ln>
@@ -13462,7 +13472,7 @@
               </a:rPr>
             </a:br>
             <a:r>
-              <a:rPr kumimoji="0" lang="en-US" altLang="en-US" sz="1400" b="0" i="0" u="none" strike="noStrike" cap="none" normalizeH="0" baseline="0" dirty="0" smtClean="0">
+              <a:rPr kumimoji="0" lang="en-US" altLang="en-US" sz="1200" b="0" i="0" u="none" strike="noStrike" cap="none" normalizeH="0" baseline="0" dirty="0" smtClean="0">
                 <a:ln>
                   <a:noFill/>
                 </a:ln>
@@ -13476,7 +13486,7 @@
               <a:t>    </a:t>
             </a:r>
             <a:r>
-              <a:rPr kumimoji="0" lang="en-US" altLang="en-US" sz="1400" b="0" i="0" u="none" strike="noStrike" cap="none" normalizeH="0" baseline="0" dirty="0" err="1" smtClean="0">
+              <a:rPr kumimoji="0" lang="en-US" altLang="en-US" sz="1200" b="0" i="0" u="none" strike="noStrike" cap="none" normalizeH="0" baseline="0" dirty="0" err="1" smtClean="0">
                 <a:ln>
                   <a:noFill/>
                 </a:ln>
@@ -13490,7 +13500,7 @@
               <a:t>jclass</a:t>
             </a:r>
             <a:r>
-              <a:rPr kumimoji="0" lang="en-US" altLang="en-US" sz="1400" b="0" i="0" u="none" strike="noStrike" cap="none" normalizeH="0" baseline="0" dirty="0" smtClean="0">
+              <a:rPr kumimoji="0" lang="en-US" altLang="en-US" sz="1200" b="0" i="0" u="none" strike="noStrike" cap="none" normalizeH="0" baseline="0" dirty="0" smtClean="0">
                 <a:ln>
                   <a:noFill/>
                 </a:ln>
@@ -13504,7 +13514,7 @@
               <a:t> </a:t>
             </a:r>
             <a:r>
-              <a:rPr kumimoji="0" lang="en-US" altLang="en-US" sz="1400" b="0" i="0" u="none" strike="noStrike" cap="none" normalizeH="0" baseline="0" dirty="0" err="1" smtClean="0">
+              <a:rPr kumimoji="0" lang="en-US" altLang="en-US" sz="1200" b="0" i="0" u="none" strike="noStrike" cap="none" normalizeH="0" baseline="0" dirty="0" err="1" smtClean="0">
                 <a:ln>
                   <a:noFill/>
                 </a:ln>
@@ -13518,7 +13528,7 @@
               <a:t>exClass</a:t>
             </a:r>
             <a:r>
-              <a:rPr kumimoji="0" lang="en-US" altLang="en-US" sz="1400" b="0" i="0" u="none" strike="noStrike" cap="none" normalizeH="0" baseline="0" dirty="0" smtClean="0">
+              <a:rPr kumimoji="0" lang="en-US" altLang="en-US" sz="1200" b="0" i="0" u="none" strike="noStrike" cap="none" normalizeH="0" baseline="0" dirty="0" smtClean="0">
                 <a:ln>
                   <a:noFill/>
                 </a:ln>
@@ -13532,7 +13542,7 @@
               <a:t> = </a:t>
             </a:r>
             <a:r>
-              <a:rPr kumimoji="0" lang="en-US" altLang="en-US" sz="1400" b="0" i="0" u="none" strike="noStrike" cap="none" normalizeH="0" baseline="0" dirty="0" err="1" smtClean="0">
+              <a:rPr kumimoji="0" lang="en-US" altLang="en-US" sz="1200" b="0" i="0" u="none" strike="noStrike" cap="none" normalizeH="0" baseline="0" dirty="0" err="1" smtClean="0">
                 <a:ln>
                   <a:noFill/>
                 </a:ln>
@@ -13546,7 +13556,7 @@
               <a:t>env</a:t>
             </a:r>
             <a:r>
-              <a:rPr kumimoji="0" lang="en-US" altLang="en-US" sz="1400" b="0" i="0" u="none" strike="noStrike" cap="none" normalizeH="0" baseline="0" dirty="0" smtClean="0">
+              <a:rPr kumimoji="0" lang="en-US" altLang="en-US" sz="1200" b="0" i="0" u="none" strike="noStrike" cap="none" normalizeH="0" baseline="0" dirty="0" smtClean="0">
                 <a:ln>
                   <a:noFill/>
                 </a:ln>
@@ -13560,7 +13570,7 @@
               <a:t>-&gt;</a:t>
             </a:r>
             <a:r>
-              <a:rPr kumimoji="0" lang="en-US" altLang="en-US" sz="1400" b="0" i="0" u="none" strike="noStrike" cap="none" normalizeH="0" baseline="0" dirty="0" err="1" smtClean="0">
+              <a:rPr kumimoji="0" lang="en-US" altLang="en-US" sz="1200" b="0" i="0" u="none" strike="noStrike" cap="none" normalizeH="0" baseline="0" dirty="0" err="1" smtClean="0">
                 <a:ln>
                   <a:noFill/>
                 </a:ln>
@@ -13574,7 +13584,7 @@
               <a:t>FindClass</a:t>
             </a:r>
             <a:r>
-              <a:rPr kumimoji="0" lang="en-US" altLang="en-US" sz="1400" b="0" i="0" u="none" strike="noStrike" cap="none" normalizeH="0" baseline="0" dirty="0" smtClean="0">
+              <a:rPr kumimoji="0" lang="en-US" altLang="en-US" sz="1200" b="0" i="0" u="none" strike="noStrike" cap="none" normalizeH="0" baseline="0" dirty="0" smtClean="0">
                 <a:ln>
                   <a:noFill/>
                 </a:ln>
@@ -13588,7 +13598,7 @@
               <a:t>(</a:t>
             </a:r>
             <a:r>
-              <a:rPr kumimoji="0" lang="en-US" altLang="en-US" sz="1400" b="0" i="0" u="none" strike="noStrike" cap="none" normalizeH="0" baseline="0" dirty="0" smtClean="0">
+              <a:rPr kumimoji="0" lang="en-US" altLang="en-US" sz="1200" b="0" i="0" u="none" strike="noStrike" cap="none" normalizeH="0" baseline="0" dirty="0" smtClean="0">
                 <a:ln>
                   <a:noFill/>
                 </a:ln>
@@ -13602,7 +13612,7 @@
               <a:t>"java/</a:t>
             </a:r>
             <a:r>
-              <a:rPr kumimoji="0" lang="en-US" altLang="en-US" sz="1400" b="0" i="0" u="none" strike="noStrike" cap="none" normalizeH="0" baseline="0" dirty="0" err="1" smtClean="0">
+              <a:rPr kumimoji="0" lang="en-US" altLang="en-US" sz="1200" b="0" i="0" u="none" strike="noStrike" cap="none" normalizeH="0" baseline="0" dirty="0" err="1" smtClean="0">
                 <a:ln>
                   <a:noFill/>
                 </a:ln>
@@ -13616,7 +13626,7 @@
               <a:t>lang</a:t>
             </a:r>
             <a:r>
-              <a:rPr kumimoji="0" lang="en-US" altLang="en-US" sz="1400" b="0" i="0" u="none" strike="noStrike" cap="none" normalizeH="0" baseline="0" dirty="0" smtClean="0">
+              <a:rPr kumimoji="0" lang="en-US" altLang="en-US" sz="1200" b="0" i="0" u="none" strike="noStrike" cap="none" normalizeH="0" baseline="0" dirty="0" smtClean="0">
                 <a:ln>
                   <a:noFill/>
                 </a:ln>
@@ -13630,7 +13640,7 @@
               <a:t>/</a:t>
             </a:r>
             <a:r>
-              <a:rPr kumimoji="0" lang="en-US" altLang="en-US" sz="1400" b="0" i="0" u="none" strike="noStrike" cap="none" normalizeH="0" baseline="0" dirty="0" err="1" smtClean="0">
+              <a:rPr kumimoji="0" lang="en-US" altLang="en-US" sz="1200" b="0" i="0" u="none" strike="noStrike" cap="none" normalizeH="0" baseline="0" dirty="0" err="1" smtClean="0">
                 <a:ln>
                   <a:noFill/>
                 </a:ln>
@@ -13644,7 +13654,7 @@
               <a:t>IllegalArgumentException</a:t>
             </a:r>
             <a:r>
-              <a:rPr kumimoji="0" lang="en-US" altLang="en-US" sz="1400" b="0" i="0" u="none" strike="noStrike" cap="none" normalizeH="0" baseline="0" dirty="0" smtClean="0">
+              <a:rPr kumimoji="0" lang="en-US" altLang="en-US" sz="1200" b="0" i="0" u="none" strike="noStrike" cap="none" normalizeH="0" baseline="0" dirty="0" smtClean="0">
                 <a:ln>
                   <a:noFill/>
                 </a:ln>
@@ -13658,7 +13668,7 @@
               <a:t>"</a:t>
             </a:r>
             <a:r>
-              <a:rPr kumimoji="0" lang="en-US" altLang="en-US" sz="1400" b="0" i="0" u="none" strike="noStrike" cap="none" normalizeH="0" baseline="0" dirty="0" smtClean="0">
+              <a:rPr kumimoji="0" lang="en-US" altLang="en-US" sz="1200" b="0" i="0" u="none" strike="noStrike" cap="none" normalizeH="0" baseline="0" dirty="0" smtClean="0">
                 <a:ln>
                   <a:noFill/>
                 </a:ln>
@@ -13672,7 +13682,7 @@
               <a:t>)</a:t>
             </a:r>
             <a:r>
-              <a:rPr kumimoji="0" lang="en-US" altLang="en-US" sz="1400" b="0" i="0" u="none" strike="noStrike" cap="none" normalizeH="0" baseline="0" dirty="0" smtClean="0">
+              <a:rPr kumimoji="0" lang="en-US" altLang="en-US" sz="1200" b="0" i="0" u="none" strike="noStrike" cap="none" normalizeH="0" baseline="0" dirty="0" smtClean="0">
                 <a:ln>
                   <a:noFill/>
                 </a:ln>
@@ -13686,7 +13696,7 @@
               <a:t>;</a:t>
             </a:r>
             <a:br>
-              <a:rPr kumimoji="0" lang="en-US" altLang="en-US" sz="1400" b="0" i="0" u="none" strike="noStrike" cap="none" normalizeH="0" baseline="0" dirty="0" smtClean="0">
+              <a:rPr kumimoji="0" lang="en-US" altLang="en-US" sz="1200" b="0" i="0" u="none" strike="noStrike" cap="none" normalizeH="0" baseline="0" dirty="0" smtClean="0">
                 <a:ln>
                   <a:noFill/>
                 </a:ln>
@@ -13699,7 +13709,7 @@
               </a:rPr>
             </a:br>
             <a:r>
-              <a:rPr kumimoji="0" lang="en-US" altLang="en-US" sz="1400" b="0" i="0" u="none" strike="noStrike" cap="none" normalizeH="0" baseline="0" dirty="0" smtClean="0">
+              <a:rPr kumimoji="0" lang="en-US" altLang="en-US" sz="1200" b="0" i="0" u="none" strike="noStrike" cap="none" normalizeH="0" baseline="0" dirty="0" smtClean="0">
                 <a:ln>
                   <a:noFill/>
                 </a:ln>
@@ -13713,7 +13723,7 @@
               <a:t>    </a:t>
             </a:r>
             <a:r>
-              <a:rPr kumimoji="0" lang="en-US" altLang="en-US" sz="1400" b="0" i="0" u="none" strike="noStrike" cap="none" normalizeH="0" baseline="0" dirty="0" err="1" smtClean="0">
+              <a:rPr kumimoji="0" lang="en-US" altLang="en-US" sz="1200" b="0" i="0" u="none" strike="noStrike" cap="none" normalizeH="0" baseline="0" dirty="0" err="1" smtClean="0">
                 <a:ln>
                   <a:noFill/>
                 </a:ln>
@@ -13727,7 +13737,7 @@
               <a:t>env</a:t>
             </a:r>
             <a:r>
-              <a:rPr kumimoji="0" lang="en-US" altLang="en-US" sz="1400" b="0" i="0" u="none" strike="noStrike" cap="none" normalizeH="0" baseline="0" dirty="0" smtClean="0">
+              <a:rPr kumimoji="0" lang="en-US" altLang="en-US" sz="1200" b="0" i="0" u="none" strike="noStrike" cap="none" normalizeH="0" baseline="0" dirty="0" smtClean="0">
                 <a:ln>
                   <a:noFill/>
                 </a:ln>
@@ -13741,7 +13751,7 @@
               <a:t>-&gt;</a:t>
             </a:r>
             <a:r>
-              <a:rPr kumimoji="0" lang="en-US" altLang="en-US" sz="1600" b="1" i="0" u="none" strike="noStrike" cap="none" normalizeH="0" baseline="0" dirty="0" err="1" smtClean="0">
+              <a:rPr kumimoji="0" lang="en-US" altLang="en-US" sz="1200" b="1" i="0" u="none" strike="noStrike" cap="none" normalizeH="0" baseline="0" dirty="0" err="1" smtClean="0">
                 <a:ln>
                   <a:noFill/>
                 </a:ln>
@@ -13755,7 +13765,7 @@
               <a:t>ThrowNew</a:t>
             </a:r>
             <a:r>
-              <a:rPr kumimoji="0" lang="en-US" altLang="en-US" sz="1400" b="0" i="0" u="none" strike="noStrike" cap="none" normalizeH="0" baseline="0" dirty="0" smtClean="0">
+              <a:rPr kumimoji="0" lang="en-US" altLang="en-US" sz="1200" b="0" i="0" u="none" strike="noStrike" cap="none" normalizeH="0" baseline="0" dirty="0" smtClean="0">
                 <a:ln>
                   <a:noFill/>
                 </a:ln>
@@ -13769,7 +13779,7 @@
               <a:t>(</a:t>
             </a:r>
             <a:r>
-              <a:rPr kumimoji="0" lang="en-US" altLang="en-US" sz="1400" b="0" i="0" u="none" strike="noStrike" cap="none" normalizeH="0" baseline="0" dirty="0" err="1" smtClean="0">
+              <a:rPr kumimoji="0" lang="en-US" altLang="en-US" sz="1200" b="0" i="0" u="none" strike="noStrike" cap="none" normalizeH="0" baseline="0" dirty="0" err="1" smtClean="0">
                 <a:ln>
                   <a:noFill/>
                 </a:ln>
@@ -13783,7 +13793,7 @@
               <a:t>exClass</a:t>
             </a:r>
             <a:r>
-              <a:rPr kumimoji="0" lang="en-US" altLang="en-US" sz="1400" b="0" i="0" u="none" strike="noStrike" cap="none" normalizeH="0" baseline="0" dirty="0" smtClean="0">
+              <a:rPr kumimoji="0" lang="en-US" altLang="en-US" sz="1200" b="0" i="0" u="none" strike="noStrike" cap="none" normalizeH="0" baseline="0" dirty="0" smtClean="0">
                 <a:ln>
                   <a:noFill/>
                 </a:ln>
@@ -13797,7 +13807,7 @@
               <a:t>, </a:t>
             </a:r>
             <a:r>
-              <a:rPr kumimoji="0" lang="en-US" altLang="en-US" sz="1400" b="0" i="0" u="none" strike="noStrike" cap="none" normalizeH="0" baseline="0" dirty="0" err="1" smtClean="0">
+              <a:rPr kumimoji="0" lang="en-US" altLang="en-US" sz="1200" b="0" i="0" u="none" strike="noStrike" cap="none" normalizeH="0" baseline="0" dirty="0" err="1" smtClean="0">
                 <a:ln>
                   <a:noFill/>
                 </a:ln>
@@ -13811,7 +13821,7 @@
               <a:t>exception.what</a:t>
             </a:r>
             <a:r>
-              <a:rPr kumimoji="0" lang="en-US" altLang="en-US" sz="1400" b="0" i="0" u="none" strike="noStrike" cap="none" normalizeH="0" baseline="0" dirty="0" smtClean="0">
+              <a:rPr kumimoji="0" lang="en-US" altLang="en-US" sz="1200" b="0" i="0" u="none" strike="noStrike" cap="none" normalizeH="0" baseline="0" dirty="0" smtClean="0">
                 <a:ln>
                   <a:noFill/>
                 </a:ln>
@@ -13825,7 +13835,7 @@
               <a:t>())</a:t>
             </a:r>
             <a:r>
-              <a:rPr kumimoji="0" lang="en-US" altLang="en-US" sz="1400" b="0" i="0" u="none" strike="noStrike" cap="none" normalizeH="0" baseline="0" dirty="0" smtClean="0">
+              <a:rPr kumimoji="0" lang="en-US" altLang="en-US" sz="1200" b="0" i="0" u="none" strike="noStrike" cap="none" normalizeH="0" baseline="0" dirty="0" smtClean="0">
                 <a:ln>
                   <a:noFill/>
                 </a:ln>
@@ -13838,7 +13848,7 @@
               </a:rPr>
               <a:t>;</a:t>
             </a:r>
-            <a:endParaRPr kumimoji="0" lang="uk-UA" altLang="en-US" sz="1400" b="0" i="0" u="none" strike="noStrike" cap="none" normalizeH="0" baseline="0" dirty="0" smtClean="0">
+            <a:endParaRPr kumimoji="0" lang="uk-UA" altLang="en-US" sz="1200" b="0" i="0" u="none" strike="noStrike" cap="none" normalizeH="0" baseline="0" dirty="0" smtClean="0">
               <a:ln>
                 <a:noFill/>
               </a:ln>
@@ -13860,7 +13870,7 @@
               </a:spcAft>
             </a:pPr>
             <a:r>
-              <a:rPr lang="uk-UA" altLang="en-US" sz="1400" dirty="0">
+              <a:rPr lang="uk-UA" altLang="en-US" sz="1200" dirty="0">
                 <a:solidFill>
                   <a:srgbClr val="CC7832"/>
                 </a:solidFill>
@@ -13870,7 +13880,7 @@
               <a:t> </a:t>
             </a:r>
             <a:r>
-              <a:rPr lang="uk-UA" altLang="en-US" sz="1400" dirty="0" smtClean="0">
+              <a:rPr lang="uk-UA" altLang="en-US" sz="1200" dirty="0" smtClean="0">
                 <a:solidFill>
                   <a:srgbClr val="CC7832"/>
                 </a:solidFill>
@@ -13880,7 +13890,7 @@
               <a:t>   </a:t>
             </a:r>
             <a:r>
-              <a:rPr lang="en-US" altLang="en-US" sz="1400" dirty="0" smtClean="0">
+              <a:rPr lang="en-US" altLang="en-US" sz="1200" dirty="0" smtClean="0">
                 <a:solidFill>
                   <a:srgbClr val="808080"/>
                 </a:solidFill>
@@ -13890,7 +13900,7 @@
               <a:t>// Still here …</a:t>
             </a:r>
             <a:r>
-              <a:rPr kumimoji="0" lang="en-US" altLang="en-US" sz="1400" b="0" i="0" u="none" strike="noStrike" cap="none" normalizeH="0" baseline="0" dirty="0" smtClean="0">
+              <a:rPr kumimoji="0" lang="en-US" altLang="en-US" sz="1200" b="0" i="0" u="none" strike="noStrike" cap="none" normalizeH="0" baseline="0" dirty="0" smtClean="0">
                 <a:ln>
                   <a:noFill/>
                 </a:ln>
@@ -13904,7 +13914,7 @@
               <a:t/>
             </a:r>
             <a:br>
-              <a:rPr kumimoji="0" lang="en-US" altLang="en-US" sz="1400" b="0" i="0" u="none" strike="noStrike" cap="none" normalizeH="0" baseline="0" dirty="0" smtClean="0">
+              <a:rPr kumimoji="0" lang="en-US" altLang="en-US" sz="1200" b="0" i="0" u="none" strike="noStrike" cap="none" normalizeH="0" baseline="0" dirty="0" smtClean="0">
                 <a:ln>
                   <a:noFill/>
                 </a:ln>
@@ -13917,7 +13927,7 @@
               </a:rPr>
             </a:br>
             <a:r>
-              <a:rPr kumimoji="0" lang="en-US" altLang="en-US" sz="1400" b="0" i="0" u="none" strike="noStrike" cap="none" normalizeH="0" baseline="0" dirty="0" smtClean="0">
+              <a:rPr kumimoji="0" lang="en-US" altLang="en-US" sz="1200" b="0" i="0" u="none" strike="noStrike" cap="none" normalizeH="0" baseline="0" dirty="0" smtClean="0">
                 <a:ln>
                   <a:noFill/>
                 </a:ln>
@@ -13930,7 +13940,7 @@
               </a:rPr>
               <a:t>}</a:t>
             </a:r>
-            <a:endParaRPr kumimoji="0" lang="en-US" altLang="en-US" sz="1400" b="0" i="0" u="none" strike="noStrike" cap="none" normalizeH="0" baseline="0" dirty="0" smtClean="0">
+            <a:endParaRPr kumimoji="0" lang="en-US" altLang="en-US" sz="1200" b="0" i="0" u="none" strike="noStrike" cap="none" normalizeH="0" baseline="0" dirty="0" smtClean="0">
               <a:ln>
                 <a:noFill/>
               </a:ln>
@@ -13953,8 +13963,8 @@
         </p:nvSpPr>
         <p:spPr bwMode="auto">
           <a:xfrm>
-            <a:off x="358439" y="1037338"/>
-            <a:ext cx="11615802" cy="2554545"/>
+            <a:off x="4149087" y="1639882"/>
+            <a:ext cx="7204712" cy="1938992"/>
           </a:xfrm>
           <a:prstGeom prst="rect">
             <a:avLst/>
@@ -14010,7 +14020,7 @@
               <a:tabLst/>
             </a:pPr>
             <a:r>
-              <a:rPr kumimoji="0" lang="en-US" altLang="en-US" sz="1600" b="0" i="0" u="none" strike="noStrike" cap="none" normalizeH="0" baseline="0" dirty="0" err="1" smtClean="0">
+              <a:rPr kumimoji="0" lang="en-US" altLang="en-US" sz="1200" b="0" i="0" u="none" strike="noStrike" cap="none" normalizeH="0" baseline="0" dirty="0" err="1" smtClean="0">
                 <a:ln>
                   <a:noFill/>
                 </a:ln>
@@ -14024,7 +14034,7 @@
               <a:t>env</a:t>
             </a:r>
             <a:r>
-              <a:rPr kumimoji="0" lang="en-US" altLang="en-US" sz="1600" b="0" i="0" u="none" strike="noStrike" cap="none" normalizeH="0" baseline="0" dirty="0" smtClean="0">
+              <a:rPr kumimoji="0" lang="en-US" altLang="en-US" sz="1200" b="0" i="0" u="none" strike="noStrike" cap="none" normalizeH="0" baseline="0" dirty="0" smtClean="0">
                 <a:ln>
                   <a:noFill/>
                 </a:ln>
@@ -14038,7 +14048,7 @@
               <a:t>-&gt;</a:t>
             </a:r>
             <a:r>
-              <a:rPr kumimoji="0" lang="en-US" altLang="en-US" sz="1600" b="0" i="0" u="none" strike="noStrike" cap="none" normalizeH="0" baseline="0" dirty="0" err="1" smtClean="0">
+              <a:rPr kumimoji="0" lang="en-US" altLang="en-US" sz="1200" b="0" i="0" u="none" strike="noStrike" cap="none" normalizeH="0" baseline="0" dirty="0" err="1" smtClean="0">
                 <a:ln>
                   <a:noFill/>
                 </a:ln>
@@ -14052,7 +14062,7 @@
               <a:t>CallStaticVoidMethod</a:t>
             </a:r>
             <a:r>
-              <a:rPr kumimoji="0" lang="en-US" altLang="en-US" sz="1600" b="0" i="0" u="none" strike="noStrike" cap="none" normalizeH="0" baseline="0" dirty="0" smtClean="0">
+              <a:rPr kumimoji="0" lang="en-US" altLang="en-US" sz="1200" b="0" i="0" u="none" strike="noStrike" cap="none" normalizeH="0" baseline="0" dirty="0" smtClean="0">
                 <a:ln>
                   <a:noFill/>
                 </a:ln>
@@ -14066,7 +14076,7 @@
               <a:t>(</a:t>
             </a:r>
             <a:r>
-              <a:rPr kumimoji="0" lang="en-US" altLang="en-US" sz="1600" b="0" i="0" u="none" strike="noStrike" cap="none" normalizeH="0" baseline="0" dirty="0" err="1" smtClean="0">
+              <a:rPr kumimoji="0" lang="en-US" altLang="en-US" sz="1200" b="0" i="0" u="none" strike="noStrike" cap="none" normalizeH="0" baseline="0" dirty="0" err="1" smtClean="0">
                 <a:ln>
                   <a:noFill/>
                 </a:ln>
@@ -14080,7 +14090,7 @@
               <a:t>clazz</a:t>
             </a:r>
             <a:r>
-              <a:rPr kumimoji="0" lang="en-US" altLang="en-US" sz="1600" b="0" i="0" u="none" strike="noStrike" cap="none" normalizeH="0" baseline="0" dirty="0" smtClean="0">
+              <a:rPr kumimoji="0" lang="en-US" altLang="en-US" sz="1200" b="0" i="0" u="none" strike="noStrike" cap="none" normalizeH="0" baseline="0" dirty="0" smtClean="0">
                 <a:ln>
                   <a:noFill/>
                 </a:ln>
@@ -14094,7 +14104,7 @@
               <a:t>, </a:t>
             </a:r>
             <a:r>
-              <a:rPr kumimoji="0" lang="en-US" altLang="en-US" sz="1600" b="0" i="0" u="none" strike="noStrike" cap="none" normalizeH="0" baseline="0" dirty="0" err="1" smtClean="0">
+              <a:rPr kumimoji="0" lang="en-US" altLang="en-US" sz="1200" b="0" i="0" u="none" strike="noStrike" cap="none" normalizeH="0" baseline="0" dirty="0" err="1" smtClean="0">
                 <a:ln>
                   <a:noFill/>
                 </a:ln>
@@ -14108,7 +14118,7 @@
               <a:t>nativeCallbackWithException</a:t>
             </a:r>
             <a:r>
-              <a:rPr kumimoji="0" lang="en-US" altLang="en-US" sz="1600" b="0" i="0" u="none" strike="noStrike" cap="none" normalizeH="0" baseline="0" dirty="0" smtClean="0">
+              <a:rPr kumimoji="0" lang="en-US" altLang="en-US" sz="1200" b="0" i="0" u="none" strike="noStrike" cap="none" normalizeH="0" baseline="0" dirty="0" smtClean="0">
                 <a:ln>
                   <a:noFill/>
                 </a:ln>
@@ -14122,7 +14132,7 @@
               <a:t>)</a:t>
             </a:r>
             <a:r>
-              <a:rPr kumimoji="0" lang="en-US" altLang="en-US" sz="1600" b="0" i="0" u="none" strike="noStrike" cap="none" normalizeH="0" baseline="0" dirty="0" smtClean="0">
+              <a:rPr kumimoji="0" lang="en-US" altLang="en-US" sz="1200" b="0" i="0" u="none" strike="noStrike" cap="none" normalizeH="0" baseline="0" dirty="0" smtClean="0">
                 <a:ln>
                   <a:noFill/>
                 </a:ln>
@@ -14136,7 +14146,7 @@
               <a:t>;</a:t>
             </a:r>
             <a:br>
-              <a:rPr kumimoji="0" lang="en-US" altLang="en-US" sz="1600" b="0" i="0" u="none" strike="noStrike" cap="none" normalizeH="0" baseline="0" dirty="0" smtClean="0">
+              <a:rPr kumimoji="0" lang="en-US" altLang="en-US" sz="1200" b="0" i="0" u="none" strike="noStrike" cap="none" normalizeH="0" baseline="0" dirty="0" smtClean="0">
                 <a:ln>
                   <a:noFill/>
                 </a:ln>
@@ -14149,7 +14159,7 @@
               </a:rPr>
             </a:br>
             <a:r>
-              <a:rPr kumimoji="0" lang="en-US" altLang="en-US" sz="1600" b="1" i="0" u="none" strike="noStrike" cap="none" normalizeH="0" baseline="0" dirty="0" smtClean="0">
+              <a:rPr kumimoji="0" lang="en-US" altLang="en-US" sz="1200" b="1" i="0" u="none" strike="noStrike" cap="none" normalizeH="0" baseline="0" dirty="0" smtClean="0">
                 <a:ln>
                   <a:noFill/>
                 </a:ln>
@@ -14163,7 +14173,7 @@
               <a:t>if</a:t>
             </a:r>
             <a:r>
-              <a:rPr kumimoji="0" lang="en-US" altLang="en-US" sz="1600" b="0" i="0" u="none" strike="noStrike" cap="none" normalizeH="0" baseline="0" dirty="0" smtClean="0">
+              <a:rPr kumimoji="0" lang="en-US" altLang="en-US" sz="1200" b="0" i="0" u="none" strike="noStrike" cap="none" normalizeH="0" baseline="0" dirty="0" smtClean="0">
                 <a:ln>
                   <a:noFill/>
                 </a:ln>
@@ -14177,7 +14187,7 @@
               <a:t>(</a:t>
             </a:r>
             <a:r>
-              <a:rPr kumimoji="0" lang="en-US" altLang="en-US" sz="1600" b="0" i="0" u="none" strike="noStrike" cap="none" normalizeH="0" baseline="0" dirty="0" err="1" smtClean="0">
+              <a:rPr kumimoji="0" lang="en-US" altLang="en-US" sz="1200" b="0" i="0" u="none" strike="noStrike" cap="none" normalizeH="0" baseline="0" dirty="0" err="1" smtClean="0">
                 <a:ln>
                   <a:noFill/>
                 </a:ln>
@@ -14191,7 +14201,7 @@
               <a:t>env</a:t>
             </a:r>
             <a:r>
-              <a:rPr kumimoji="0" lang="en-US" altLang="en-US" sz="1600" b="0" i="0" u="none" strike="noStrike" cap="none" normalizeH="0" baseline="0" dirty="0" smtClean="0">
+              <a:rPr kumimoji="0" lang="en-US" altLang="en-US" sz="1200" b="0" i="0" u="none" strike="noStrike" cap="none" normalizeH="0" baseline="0" dirty="0" smtClean="0">
                 <a:ln>
                   <a:noFill/>
                 </a:ln>
@@ -14205,7 +14215,7 @@
               <a:t>-&gt;</a:t>
             </a:r>
             <a:r>
-              <a:rPr kumimoji="0" lang="en-US" altLang="en-US" sz="1600" b="1" i="0" u="none" strike="noStrike" cap="none" normalizeH="0" baseline="0" dirty="0" err="1" smtClean="0">
+              <a:rPr kumimoji="0" lang="en-US" altLang="en-US" sz="1200" b="1" i="0" u="none" strike="noStrike" cap="none" normalizeH="0" baseline="0" dirty="0" err="1" smtClean="0">
                 <a:ln>
                   <a:noFill/>
                 </a:ln>
@@ -14219,7 +14229,7 @@
               <a:t>ExceptionCheck</a:t>
             </a:r>
             <a:r>
-              <a:rPr kumimoji="0" lang="en-US" altLang="en-US" sz="1600" b="0" i="0" u="none" strike="noStrike" cap="none" normalizeH="0" baseline="0" dirty="0" smtClean="0">
+              <a:rPr kumimoji="0" lang="en-US" altLang="en-US" sz="1200" b="0" i="0" u="none" strike="noStrike" cap="none" normalizeH="0" baseline="0" dirty="0" smtClean="0">
                 <a:ln>
                   <a:noFill/>
                 </a:ln>
@@ -14233,7 +14243,7 @@
               <a:t>())</a:t>
             </a:r>
             <a:br>
-              <a:rPr kumimoji="0" lang="en-US" altLang="en-US" sz="1600" b="0" i="0" u="none" strike="noStrike" cap="none" normalizeH="0" baseline="0" dirty="0" smtClean="0">
+              <a:rPr kumimoji="0" lang="en-US" altLang="en-US" sz="1200" b="0" i="0" u="none" strike="noStrike" cap="none" normalizeH="0" baseline="0" dirty="0" smtClean="0">
                 <a:ln>
                   <a:noFill/>
                 </a:ln>
@@ -14246,7 +14256,7 @@
               </a:rPr>
             </a:br>
             <a:r>
-              <a:rPr kumimoji="0" lang="en-US" altLang="en-US" sz="1600" b="0" i="0" u="none" strike="noStrike" cap="none" normalizeH="0" baseline="0" dirty="0" smtClean="0">
+              <a:rPr kumimoji="0" lang="en-US" altLang="en-US" sz="1200" b="0" i="0" u="none" strike="noStrike" cap="none" normalizeH="0" baseline="0" dirty="0" smtClean="0">
                 <a:ln>
                   <a:noFill/>
                 </a:ln>
@@ -14270,7 +14280,7 @@
               </a:spcAft>
             </a:pPr>
             <a:r>
-              <a:rPr lang="en-US" altLang="en-US" sz="1600" dirty="0" smtClean="0">
+              <a:rPr lang="en-US" altLang="en-US" sz="1200" dirty="0" smtClean="0">
                 <a:solidFill>
                   <a:srgbClr val="B9BCD1"/>
                 </a:solidFill>
@@ -14280,7 +14290,7 @@
               <a:t>    </a:t>
             </a:r>
             <a:r>
-              <a:rPr lang="en-US" altLang="en-US" sz="1600" dirty="0" err="1" smtClean="0">
+              <a:rPr lang="en-US" altLang="en-US" sz="1200" dirty="0" err="1" smtClean="0">
                 <a:solidFill>
                   <a:srgbClr val="B9BCD1"/>
                 </a:solidFill>
@@ -14290,7 +14300,7 @@
               <a:t>jthrowable</a:t>
             </a:r>
             <a:r>
-              <a:rPr lang="en-US" altLang="en-US" sz="1600" dirty="0" smtClean="0">
+              <a:rPr lang="en-US" altLang="en-US" sz="1200" dirty="0" smtClean="0">
                 <a:solidFill>
                   <a:srgbClr val="B9BCD1"/>
                 </a:solidFill>
@@ -14300,7 +14310,7 @@
               <a:t> </a:t>
             </a:r>
             <a:r>
-              <a:rPr lang="en-US" altLang="en-US" sz="1600" dirty="0">
+              <a:rPr lang="en-US" altLang="en-US" sz="1200" dirty="0">
                 <a:solidFill>
                   <a:srgbClr val="A9B7C6"/>
                 </a:solidFill>
@@ -14310,7 +14320,7 @@
               <a:t>exception = </a:t>
             </a:r>
             <a:r>
-              <a:rPr lang="en-US" altLang="en-US" sz="1600" dirty="0" err="1">
+              <a:rPr lang="en-US" altLang="en-US" sz="1200" dirty="0" err="1">
                 <a:solidFill>
                   <a:srgbClr val="A9B7C6"/>
                 </a:solidFill>
@@ -14320,7 +14330,7 @@
               <a:t>env</a:t>
             </a:r>
             <a:r>
-              <a:rPr lang="en-US" altLang="en-US" sz="1600" dirty="0">
+              <a:rPr lang="en-US" altLang="en-US" sz="1200" dirty="0">
                 <a:solidFill>
                   <a:srgbClr val="A9B7C6"/>
                 </a:solidFill>
@@ -14330,7 +14340,7 @@
               <a:t>-&gt;</a:t>
             </a:r>
             <a:r>
-              <a:rPr lang="en-US" altLang="en-US" sz="1600" b="1" dirty="0" err="1">
+              <a:rPr lang="en-US" altLang="en-US" sz="1200" b="1" dirty="0" err="1">
                 <a:solidFill>
                   <a:srgbClr val="FF0000"/>
                 </a:solidFill>
@@ -14340,7 +14350,7 @@
               <a:t>ExceptionOccurred</a:t>
             </a:r>
             <a:r>
-              <a:rPr lang="en-US" altLang="en-US" sz="1600" dirty="0" smtClean="0">
+              <a:rPr lang="en-US" altLang="en-US" sz="1200" dirty="0" smtClean="0">
                 <a:solidFill>
                   <a:srgbClr val="A9B7C6"/>
                 </a:solidFill>
@@ -14350,7 +14360,7 @@
               <a:t>()</a:t>
             </a:r>
             <a:r>
-              <a:rPr lang="en-US" altLang="en-US" sz="1600" dirty="0" smtClean="0">
+              <a:rPr lang="en-US" altLang="en-US" sz="1200" dirty="0" smtClean="0">
                 <a:solidFill>
                   <a:srgbClr val="CC7832"/>
                 </a:solidFill>
@@ -14359,7 +14369,7 @@
               </a:rPr>
               <a:t>;</a:t>
             </a:r>
-            <a:endParaRPr kumimoji="0" lang="en-US" altLang="en-US" sz="1600" b="0" i="0" u="none" strike="noStrike" cap="none" normalizeH="0" baseline="0" dirty="0" smtClean="0">
+            <a:endParaRPr kumimoji="0" lang="en-US" altLang="en-US" sz="1200" b="0" i="0" u="none" strike="noStrike" cap="none" normalizeH="0" baseline="0" dirty="0" smtClean="0">
               <a:ln>
                 <a:noFill/>
               </a:ln>
@@ -14381,7 +14391,7 @@
               </a:spcAft>
             </a:pPr>
             <a:r>
-              <a:rPr lang="en-US" altLang="en-US" sz="1600" dirty="0" smtClean="0">
+              <a:rPr lang="en-US" altLang="en-US" sz="1200" dirty="0" smtClean="0">
                 <a:solidFill>
                   <a:srgbClr val="808080"/>
                 </a:solidFill>
@@ -14391,7 +14401,7 @@
               <a:t>    //</a:t>
             </a:r>
             <a:r>
-              <a:rPr lang="en-US" altLang="en-US" sz="1600" dirty="0">
+              <a:rPr lang="en-US" altLang="en-US" sz="1200" dirty="0">
                 <a:solidFill>
                   <a:srgbClr val="808080"/>
                 </a:solidFill>
@@ -14401,7 +14411,7 @@
               <a:t>Clear exception and only then parse it</a:t>
             </a:r>
             <a:r>
-              <a:rPr kumimoji="0" lang="en-US" altLang="en-US" sz="1600" b="0" i="0" u="none" strike="noStrike" cap="none" normalizeH="0" baseline="0" dirty="0" smtClean="0">
+              <a:rPr kumimoji="0" lang="en-US" altLang="en-US" sz="1200" b="0" i="0" u="none" strike="noStrike" cap="none" normalizeH="0" baseline="0" dirty="0" smtClean="0">
                 <a:ln>
                   <a:noFill/>
                 </a:ln>
@@ -14415,7 +14425,7 @@
               <a:t/>
             </a:r>
             <a:br>
-              <a:rPr kumimoji="0" lang="en-US" altLang="en-US" sz="1600" b="0" i="0" u="none" strike="noStrike" cap="none" normalizeH="0" baseline="0" dirty="0" smtClean="0">
+              <a:rPr kumimoji="0" lang="en-US" altLang="en-US" sz="1200" b="0" i="0" u="none" strike="noStrike" cap="none" normalizeH="0" baseline="0" dirty="0" smtClean="0">
                 <a:ln>
                   <a:noFill/>
                 </a:ln>
@@ -14428,7 +14438,7 @@
               </a:rPr>
             </a:br>
             <a:r>
-              <a:rPr kumimoji="0" lang="en-US" altLang="en-US" sz="1600" b="0" i="0" u="none" strike="noStrike" cap="none" normalizeH="0" baseline="0" dirty="0" smtClean="0">
+              <a:rPr kumimoji="0" lang="en-US" altLang="en-US" sz="1200" b="0" i="0" u="none" strike="noStrike" cap="none" normalizeH="0" baseline="0" dirty="0" smtClean="0">
                 <a:ln>
                   <a:noFill/>
                 </a:ln>
@@ -14442,7 +14452,7 @@
               <a:t>    </a:t>
             </a:r>
             <a:r>
-              <a:rPr kumimoji="0" lang="en-US" altLang="en-US" sz="1600" b="0" i="0" u="none" strike="noStrike" cap="none" normalizeH="0" baseline="0" dirty="0" err="1" smtClean="0">
+              <a:rPr kumimoji="0" lang="en-US" altLang="en-US" sz="1200" b="0" i="0" u="none" strike="noStrike" cap="none" normalizeH="0" baseline="0" dirty="0" err="1" smtClean="0">
                 <a:ln>
                   <a:noFill/>
                 </a:ln>
@@ -14456,7 +14466,7 @@
               <a:t>env</a:t>
             </a:r>
             <a:r>
-              <a:rPr kumimoji="0" lang="en-US" altLang="en-US" sz="1600" b="0" i="0" u="none" strike="noStrike" cap="none" normalizeH="0" baseline="0" dirty="0" smtClean="0">
+              <a:rPr kumimoji="0" lang="en-US" altLang="en-US" sz="1200" b="0" i="0" u="none" strike="noStrike" cap="none" normalizeH="0" baseline="0" dirty="0" smtClean="0">
                 <a:ln>
                   <a:noFill/>
                 </a:ln>
@@ -14470,7 +14480,7 @@
               <a:t>-&gt;</a:t>
             </a:r>
             <a:r>
-              <a:rPr kumimoji="0" lang="en-US" altLang="en-US" sz="1600" b="1" i="0" u="none" strike="noStrike" cap="none" normalizeH="0" baseline="0" dirty="0" err="1" smtClean="0">
+              <a:rPr kumimoji="0" lang="en-US" altLang="en-US" sz="1200" b="1" i="0" u="none" strike="noStrike" cap="none" normalizeH="0" baseline="0" dirty="0" err="1" smtClean="0">
                 <a:ln>
                   <a:noFill/>
                 </a:ln>
@@ -14484,7 +14494,7 @@
               <a:t>ExceptionClear</a:t>
             </a:r>
             <a:r>
-              <a:rPr kumimoji="0" lang="en-US" altLang="en-US" sz="1600" b="0" i="0" u="none" strike="noStrike" cap="none" normalizeH="0" baseline="0" dirty="0" smtClean="0">
+              <a:rPr kumimoji="0" lang="en-US" altLang="en-US" sz="1200" b="0" i="0" u="none" strike="noStrike" cap="none" normalizeH="0" baseline="0" dirty="0" smtClean="0">
                 <a:ln>
                   <a:noFill/>
                 </a:ln>
@@ -14498,7 +14508,7 @@
               <a:t>()</a:t>
             </a:r>
             <a:r>
-              <a:rPr kumimoji="0" lang="en-US" altLang="en-US" sz="1600" b="0" i="0" u="none" strike="noStrike" cap="none" normalizeH="0" baseline="0" dirty="0" smtClean="0">
+              <a:rPr kumimoji="0" lang="en-US" altLang="en-US" sz="1200" b="0" i="0" u="none" strike="noStrike" cap="none" normalizeH="0" baseline="0" dirty="0" smtClean="0">
                 <a:ln>
                   <a:noFill/>
                 </a:ln>
@@ -14521,7 +14531,7 @@
                 <a:spcPct val="0"/>
               </a:spcAft>
             </a:pPr>
-            <a:endParaRPr lang="en-US" altLang="en-US" sz="1600" dirty="0" smtClean="0">
+            <a:endParaRPr lang="en-US" altLang="en-US" sz="1200" dirty="0" smtClean="0">
               <a:solidFill>
                 <a:srgbClr val="B9BCD1"/>
               </a:solidFill>
@@ -14539,7 +14549,7 @@
               </a:spcAft>
             </a:pPr>
             <a:r>
-              <a:rPr lang="en-US" altLang="en-US" sz="1600" dirty="0">
+              <a:rPr lang="en-US" altLang="en-US" sz="1200" dirty="0">
                 <a:solidFill>
                   <a:srgbClr val="B9BCD1"/>
                 </a:solidFill>
@@ -14549,7 +14559,7 @@
               <a:t> </a:t>
             </a:r>
             <a:r>
-              <a:rPr lang="en-US" altLang="en-US" sz="1600" dirty="0" smtClean="0">
+              <a:rPr lang="en-US" altLang="en-US" sz="1200" dirty="0" smtClean="0">
                 <a:solidFill>
                   <a:srgbClr val="B9BCD1"/>
                 </a:solidFill>
@@ -14559,7 +14569,7 @@
               <a:t>   </a:t>
             </a:r>
             <a:r>
-              <a:rPr lang="en-US" altLang="en-US" sz="1600" dirty="0" err="1" smtClean="0">
+              <a:rPr lang="en-US" altLang="en-US" sz="1200" dirty="0" err="1" smtClean="0">
                 <a:solidFill>
                   <a:srgbClr val="B9BCD1"/>
                 </a:solidFill>
@@ -14569,7 +14579,7 @@
               <a:t>jclass</a:t>
             </a:r>
             <a:r>
-              <a:rPr lang="en-US" altLang="en-US" sz="1600" dirty="0" smtClean="0">
+              <a:rPr lang="en-US" altLang="en-US" sz="1200" dirty="0" smtClean="0">
                 <a:solidFill>
                   <a:srgbClr val="B9BCD1"/>
                 </a:solidFill>
@@ -14579,7 +14589,7 @@
               <a:t> </a:t>
             </a:r>
             <a:r>
-              <a:rPr lang="en-US" altLang="en-US" sz="1600" dirty="0" err="1">
+              <a:rPr lang="en-US" altLang="en-US" sz="1200" dirty="0" err="1">
                 <a:solidFill>
                   <a:srgbClr val="A9B7C6"/>
                 </a:solidFill>
@@ -14589,7 +14599,7 @@
               <a:t>throwable_class</a:t>
             </a:r>
             <a:r>
-              <a:rPr lang="en-US" altLang="en-US" sz="1600" dirty="0">
+              <a:rPr lang="en-US" altLang="en-US" sz="1200" dirty="0">
                 <a:solidFill>
                   <a:srgbClr val="A9B7C6"/>
                 </a:solidFill>
@@ -14599,7 +14609,7 @@
               <a:t> = </a:t>
             </a:r>
             <a:r>
-              <a:rPr lang="en-US" altLang="en-US" sz="1600" dirty="0" err="1">
+              <a:rPr lang="en-US" altLang="en-US" sz="1200" dirty="0" err="1">
                 <a:solidFill>
                   <a:srgbClr val="A9B7C6"/>
                 </a:solidFill>
@@ -14609,7 +14619,7 @@
               <a:t>env</a:t>
             </a:r>
             <a:r>
-              <a:rPr lang="en-US" altLang="en-US" sz="1600" dirty="0">
+              <a:rPr lang="en-US" altLang="en-US" sz="1200" dirty="0">
                 <a:solidFill>
                   <a:srgbClr val="A9B7C6"/>
                 </a:solidFill>
@@ -14619,7 +14629,7 @@
               <a:t>-&gt;</a:t>
             </a:r>
             <a:r>
-              <a:rPr lang="en-US" altLang="en-US" sz="1600" dirty="0" err="1">
+              <a:rPr lang="en-US" altLang="en-US" sz="1200" dirty="0" err="1">
                 <a:solidFill>
                   <a:srgbClr val="A9B7C6"/>
                 </a:solidFill>
@@ -14629,7 +14639,7 @@
               <a:t>FindClass</a:t>
             </a:r>
             <a:r>
-              <a:rPr lang="en-US" altLang="en-US" sz="1600" dirty="0">
+              <a:rPr lang="en-US" altLang="en-US" sz="1200" dirty="0">
                 <a:solidFill>
                   <a:srgbClr val="A9B7C6"/>
                 </a:solidFill>
@@ -14639,7 +14649,7 @@
               <a:t>(</a:t>
             </a:r>
             <a:r>
-              <a:rPr lang="en-US" altLang="en-US" sz="1600" dirty="0">
+              <a:rPr lang="en-US" altLang="en-US" sz="1200" dirty="0">
                 <a:solidFill>
                   <a:srgbClr val="6A8759"/>
                 </a:solidFill>
@@ -14649,7 +14659,7 @@
               <a:t>"java/</a:t>
             </a:r>
             <a:r>
-              <a:rPr lang="en-US" altLang="en-US" sz="1600" dirty="0" err="1">
+              <a:rPr lang="en-US" altLang="en-US" sz="1200" dirty="0" err="1">
                 <a:solidFill>
                   <a:srgbClr val="6A8759"/>
                 </a:solidFill>
@@ -14659,7 +14669,7 @@
               <a:t>lang</a:t>
             </a:r>
             <a:r>
-              <a:rPr lang="en-US" altLang="en-US" sz="1600" dirty="0">
+              <a:rPr lang="en-US" altLang="en-US" sz="1200" dirty="0">
                 <a:solidFill>
                   <a:srgbClr val="6A8759"/>
                 </a:solidFill>
@@ -14669,7 +14679,7 @@
               <a:t>/</a:t>
             </a:r>
             <a:r>
-              <a:rPr lang="en-US" altLang="en-US" sz="1600" dirty="0" err="1">
+              <a:rPr lang="en-US" altLang="en-US" sz="1200" dirty="0" err="1">
                 <a:solidFill>
                   <a:srgbClr val="6A8759"/>
                 </a:solidFill>
@@ -14679,7 +14689,7 @@
               <a:t>Throwable</a:t>
             </a:r>
             <a:r>
-              <a:rPr lang="en-US" altLang="en-US" sz="1600" dirty="0">
+              <a:rPr lang="en-US" altLang="en-US" sz="1200" dirty="0">
                 <a:solidFill>
                   <a:srgbClr val="6A8759"/>
                 </a:solidFill>
@@ -14689,7 +14699,7 @@
               <a:t>"</a:t>
             </a:r>
             <a:r>
-              <a:rPr lang="en-US" altLang="en-US" sz="1600" dirty="0">
+              <a:rPr lang="en-US" altLang="en-US" sz="1200" dirty="0">
                 <a:solidFill>
                   <a:srgbClr val="A9B7C6"/>
                 </a:solidFill>
@@ -14699,7 +14709,7 @@
               <a:t>)</a:t>
             </a:r>
             <a:r>
-              <a:rPr lang="en-US" altLang="en-US" sz="1600" dirty="0">
+              <a:rPr lang="en-US" altLang="en-US" sz="1200" dirty="0">
                 <a:solidFill>
                   <a:srgbClr val="CC7832"/>
                 </a:solidFill>
@@ -14709,7 +14719,7 @@
               <a:t>;</a:t>
             </a:r>
             <a:br>
-              <a:rPr lang="en-US" altLang="en-US" sz="1600" dirty="0">
+              <a:rPr lang="en-US" altLang="en-US" sz="1200" dirty="0">
                 <a:solidFill>
                   <a:srgbClr val="CC7832"/>
                 </a:solidFill>
@@ -14718,7 +14728,7 @@
               </a:rPr>
             </a:br>
             <a:r>
-              <a:rPr lang="en-US" altLang="en-US" sz="1600" dirty="0" smtClean="0">
+              <a:rPr lang="en-US" altLang="en-US" sz="1200" dirty="0" smtClean="0">
                 <a:solidFill>
                   <a:srgbClr val="CC7832"/>
                 </a:solidFill>
@@ -14728,7 +14738,7 @@
               <a:t>    </a:t>
             </a:r>
             <a:r>
-              <a:rPr lang="en-US" altLang="en-US" sz="1600" dirty="0" smtClean="0">
+              <a:rPr lang="en-US" altLang="en-US" sz="1200" dirty="0" smtClean="0">
                 <a:solidFill>
                   <a:srgbClr val="808080"/>
                 </a:solidFill>
@@ -14738,7 +14748,7 @@
               <a:t>// </a:t>
             </a:r>
             <a:r>
-              <a:rPr lang="en-US" altLang="en-US" sz="1600" dirty="0">
+              <a:rPr lang="en-US" altLang="en-US" sz="1200" dirty="0">
                 <a:solidFill>
                   <a:srgbClr val="808080"/>
                 </a:solidFill>
@@ -14748,7 +14758,7 @@
               <a:t>Parse exception </a:t>
             </a:r>
             <a:r>
-              <a:rPr lang="en-US" altLang="en-US" sz="1600" dirty="0" smtClean="0">
+              <a:rPr lang="en-US" altLang="en-US" sz="1200" dirty="0" smtClean="0">
                 <a:solidFill>
                   <a:srgbClr val="808080"/>
                 </a:solidFill>
@@ -14758,7 +14768,7 @@
               <a:t>......</a:t>
             </a:r>
             <a:r>
-              <a:rPr lang="en-US" altLang="en-US" sz="1600" dirty="0">
+              <a:rPr lang="en-US" altLang="en-US" sz="1200" dirty="0">
                 <a:solidFill>
                   <a:srgbClr val="CC7832"/>
                 </a:solidFill>
@@ -14768,7 +14778,7 @@
               <a:t>	</a:t>
             </a:r>
             <a:r>
-              <a:rPr kumimoji="0" lang="en-US" altLang="en-US" sz="1600" b="0" i="0" u="none" strike="noStrike" cap="none" normalizeH="0" baseline="0" dirty="0" smtClean="0">
+              <a:rPr kumimoji="0" lang="en-US" altLang="en-US" sz="1200" b="0" i="0" u="none" strike="noStrike" cap="none" normalizeH="0" baseline="0" dirty="0" smtClean="0">
                 <a:ln>
                   <a:noFill/>
                 </a:ln>
@@ -14782,7 +14792,7 @@
               <a:t/>
             </a:r>
             <a:br>
-              <a:rPr kumimoji="0" lang="en-US" altLang="en-US" sz="1600" b="0" i="0" u="none" strike="noStrike" cap="none" normalizeH="0" baseline="0" dirty="0" smtClean="0">
+              <a:rPr kumimoji="0" lang="en-US" altLang="en-US" sz="1200" b="0" i="0" u="none" strike="noStrike" cap="none" normalizeH="0" baseline="0" dirty="0" smtClean="0">
                 <a:ln>
                   <a:noFill/>
                 </a:ln>
@@ -14795,7 +14805,7 @@
               </a:rPr>
             </a:br>
             <a:r>
-              <a:rPr kumimoji="0" lang="en-US" altLang="en-US" sz="1600" b="0" i="0" u="none" strike="noStrike" cap="none" normalizeH="0" baseline="0" dirty="0" smtClean="0">
+              <a:rPr kumimoji="0" lang="en-US" altLang="en-US" sz="1200" b="0" i="0" u="none" strike="noStrike" cap="none" normalizeH="0" baseline="0" dirty="0" smtClean="0">
                 <a:ln>
                   <a:noFill/>
                 </a:ln>
@@ -14808,7 +14818,7 @@
               </a:rPr>
               <a:t>}</a:t>
             </a:r>
-            <a:endParaRPr kumimoji="0" lang="en-US" altLang="en-US" sz="1600" b="0" i="0" u="none" strike="noStrike" cap="none" normalizeH="0" baseline="0" dirty="0" smtClean="0">
+            <a:endParaRPr kumimoji="0" lang="en-US" altLang="en-US" sz="1200" b="0" i="0" u="none" strike="noStrike" cap="none" normalizeH="0" baseline="0" dirty="0" smtClean="0">
               <a:ln>
                 <a:noFill/>
               </a:ln>
@@ -15187,11 +15197,7 @@
           <a:p>
             <a:r>
               <a:rPr lang="en-US" sz="2000" dirty="0" smtClean="0"/>
-              <a:t>Disable </a:t>
-            </a:r>
-            <a:r>
-              <a:rPr lang="en-US" sz="2000" dirty="0" smtClean="0"/>
-              <a:t>C++ exception support </a:t>
+              <a:t>Disable C++ exception support </a:t>
             </a:r>
           </a:p>
           <a:p>
@@ -15310,8 +15316,51 @@
           <a:p>
             <a:r>
               <a:rPr lang="en-US" sz="2000" dirty="0" smtClean="0"/>
-              <a:t>Strip debug symbols</a:t>
-            </a:r>
+              <a:t>Strip debug </a:t>
+            </a:r>
+            <a:r>
+              <a:rPr lang="en-US" sz="2000" dirty="0" smtClean="0"/>
+              <a:t>symbols</a:t>
+            </a:r>
+            <a:endParaRPr lang="uk-UA" sz="2000" dirty="0" smtClean="0"/>
+          </a:p>
+          <a:p>
+            <a:pPr marL="685800" lvl="2">
+              <a:spcBef>
+                <a:spcPts val="1000"/>
+              </a:spcBef>
+            </a:pPr>
+            <a:r>
+              <a:rPr lang="en-US" altLang="en-US" sz="1600" b="1" dirty="0" smtClean="0">
+                <a:solidFill>
+                  <a:srgbClr val="008000"/>
+                </a:solidFill>
+                <a:latin typeface="Courier New" panose="02070309020205020404" pitchFamily="49" charset="0"/>
+                <a:cs typeface="Courier New" panose="02070309020205020404" pitchFamily="49" charset="0"/>
+              </a:rPr>
+              <a:t>-</a:t>
+            </a:r>
+            <a:r>
+              <a:rPr lang="en-US" altLang="en-US" sz="1600" b="1" dirty="0" err="1" smtClean="0">
+                <a:solidFill>
+                  <a:srgbClr val="008000"/>
+                </a:solidFill>
+                <a:latin typeface="Courier New" panose="02070309020205020404" pitchFamily="49" charset="0"/>
+                <a:cs typeface="Courier New" panose="02070309020205020404" pitchFamily="49" charset="0"/>
+              </a:rPr>
+              <a:t>fvisibility</a:t>
+            </a:r>
+            <a:r>
+              <a:rPr lang="en-US" altLang="en-US" sz="1600" b="1" dirty="0" smtClean="0">
+                <a:solidFill>
+                  <a:srgbClr val="008000"/>
+                </a:solidFill>
+                <a:latin typeface="Courier New" panose="02070309020205020404" pitchFamily="49" charset="0"/>
+                <a:cs typeface="Courier New" panose="02070309020205020404" pitchFamily="49" charset="0"/>
+              </a:rPr>
+              <a:t>=hidden</a:t>
+            </a:r>
+            <a:endParaRPr lang="en-US" sz="1600" dirty="0" smtClean="0"/>
           </a:p>
           <a:p>
             <a:pPr lvl="1"/>
@@ -15378,40 +15427,6 @@
               </a:rPr>
               <a:t>-sections </a:t>
             </a:r>
-          </a:p>
-          <a:p>
-            <a:pPr lvl="1"/>
-            <a:r>
-              <a:rPr lang="en-US" altLang="en-US" sz="1600" b="1" dirty="0">
-                <a:solidFill>
-                  <a:srgbClr val="008000"/>
-                </a:solidFill>
-                <a:latin typeface="Courier New" panose="02070309020205020404" pitchFamily="49" charset="0"/>
-                <a:cs typeface="Courier New" panose="02070309020205020404" pitchFamily="49" charset="0"/>
-              </a:rPr>
-              <a:t>-</a:t>
-            </a:r>
-            <a:r>
-              <a:rPr lang="en-US" altLang="en-US" sz="1600" b="1" dirty="0" err="1" smtClean="0">
-                <a:solidFill>
-                  <a:srgbClr val="008000"/>
-                </a:solidFill>
-                <a:latin typeface="Courier New" panose="02070309020205020404" pitchFamily="49" charset="0"/>
-                <a:cs typeface="Courier New" panose="02070309020205020404" pitchFamily="49" charset="0"/>
-              </a:rPr>
-              <a:t>fvisibility</a:t>
-            </a:r>
-            <a:r>
-              <a:rPr lang="en-US" altLang="en-US" sz="1600" b="1" dirty="0" smtClean="0">
-                <a:solidFill>
-                  <a:srgbClr val="008000"/>
-                </a:solidFill>
-                <a:latin typeface="Courier New" panose="02070309020205020404" pitchFamily="49" charset="0"/>
-                <a:cs typeface="Courier New" panose="02070309020205020404" pitchFamily="49" charset="0"/>
-              </a:rPr>
-              <a:t>=hidden</a:t>
-            </a:r>
-            <a:endParaRPr lang="en-US" dirty="0" smtClean="0"/>
           </a:p>
           <a:p>
             <a:endParaRPr lang="en-US" dirty="0"/>
@@ -17486,8 +17501,8 @@
         </p:nvSpPr>
         <p:spPr>
           <a:xfrm>
-            <a:off x="838199" y="3644748"/>
-            <a:ext cx="3270337" cy="801992"/>
+            <a:off x="492369" y="3497018"/>
+            <a:ext cx="3801810" cy="1165682"/>
           </a:xfrm>
           <a:prstGeom prst="rect">
             <a:avLst/>
@@ -18830,11 +18845,7 @@
               </a:r>
               <a:r>
                 <a:rPr lang="en-US" dirty="0" smtClean="0"/>
-                <a:t>symbolic </a:t>
-              </a:r>
-              <a:r>
-                <a:rPr lang="en-US" dirty="0" smtClean="0"/>
-                <a:t>library</a:t>
+                <a:t>symbolic library</a:t>
               </a:r>
               <a:endParaRPr lang="en-US" dirty="0"/>
             </a:p>
@@ -19191,8 +19202,8 @@
         </p:blipFill>
         <p:spPr>
           <a:xfrm>
-            <a:off x="399391" y="1171340"/>
-            <a:ext cx="11628423" cy="4690825"/>
+            <a:off x="576194" y="1395301"/>
+            <a:ext cx="8572072" cy="3457914"/>
           </a:xfrm>
         </p:spPr>
       </p:pic>
@@ -19218,8 +19229,8 @@
         </p:blipFill>
         <p:spPr>
           <a:xfrm>
-            <a:off x="391398" y="1168069"/>
-            <a:ext cx="11628423" cy="4690825"/>
+            <a:off x="576196" y="1395301"/>
+            <a:ext cx="8572070" cy="3457914"/>
           </a:xfrm>
           <a:prstGeom prst="rect">
             <a:avLst/>
@@ -19248,8 +19259,8 @@
         </p:blipFill>
         <p:spPr>
           <a:xfrm>
-            <a:off x="367416" y="1168067"/>
-            <a:ext cx="11601258" cy="4684282"/>
+            <a:off x="576196" y="1392039"/>
+            <a:ext cx="8572070" cy="3461176"/>
           </a:xfrm>
           <a:prstGeom prst="rect">
             <a:avLst/>
@@ -19264,7 +19275,7 @@
           </p:cNvPicPr>
           <p:nvPr/>
         </p:nvPicPr>
-        <p:blipFill>
+        <p:blipFill rotWithShape="1">
           <a:blip r:embed="rId5">
             <a:extLst>
               <a:ext uri="{28A0092B-C50C-407E-A947-70E740481C1C}">
@@ -19272,14 +19283,13 @@
               </a:ext>
             </a:extLst>
           </a:blip>
-          <a:stretch>
-            <a:fillRect/>
-          </a:stretch>
+          <a:srcRect r="15679" b="28323"/>
+          <a:stretch/>
         </p:blipFill>
         <p:spPr>
           <a:xfrm>
-            <a:off x="367416" y="1168066"/>
-            <a:ext cx="11660398" cy="4690827"/>
+            <a:off x="924831" y="2146852"/>
+            <a:ext cx="7602944" cy="2599215"/>
           </a:xfrm>
           <a:prstGeom prst="rect">
             <a:avLst/>
@@ -19294,8 +19304,8 @@
         </p:nvSpPr>
         <p:spPr>
           <a:xfrm>
-            <a:off x="5069941" y="3657600"/>
-            <a:ext cx="5124261" cy="570368"/>
+            <a:off x="4076030" y="4055164"/>
+            <a:ext cx="4382170" cy="427383"/>
           </a:xfrm>
           <a:prstGeom prst="rect">
             <a:avLst/>
@@ -20754,11 +20764,7 @@
           <a:p>
             <a:r>
               <a:rPr lang="en-US" dirty="0" smtClean="0"/>
-              <a:t>Static </a:t>
-            </a:r>
-            <a:r>
-              <a:rPr lang="en-US" dirty="0" smtClean="0"/>
-              <a:t>storage duration</a:t>
+              <a:t>Static storage duration</a:t>
             </a:r>
           </a:p>
           <a:p>
@@ -21292,43 +21298,43 @@
           </a:lstStyle>
           <a:p>
             <a:r>
-              <a:rPr lang="en-US" dirty="0" smtClean="0"/>
+              <a:rPr lang="en-US" sz="2000" dirty="0" smtClean="0"/>
               <a:t>Introduction</a:t>
             </a:r>
           </a:p>
           <a:p>
             <a:r>
-              <a:rPr lang="en-US" dirty="0" smtClean="0"/>
+              <a:rPr lang="en-US" sz="2000" dirty="0" smtClean="0"/>
               <a:t>JNI table reference counting</a:t>
             </a:r>
           </a:p>
           <a:p>
             <a:r>
-              <a:rPr lang="en-US" dirty="0" smtClean="0"/>
+              <a:rPr lang="en-US" sz="2000" dirty="0" smtClean="0"/>
               <a:t>Working with NDK native threads</a:t>
             </a:r>
           </a:p>
           <a:p>
             <a:r>
-              <a:rPr lang="en-US" dirty="0" smtClean="0"/>
+              <a:rPr lang="en-US" sz="2000" dirty="0" smtClean="0"/>
               <a:t>Exception Handling</a:t>
             </a:r>
           </a:p>
           <a:p>
             <a:r>
-              <a:rPr lang="en-US" dirty="0" smtClean="0"/>
+              <a:rPr lang="en-US" sz="2000" dirty="0" smtClean="0"/>
               <a:t>Different linking issues</a:t>
             </a:r>
           </a:p>
           <a:p>
             <a:r>
-              <a:rPr lang="en-US" dirty="0" smtClean="0"/>
+              <a:rPr lang="en-US" sz="2000" dirty="0" smtClean="0"/>
               <a:t>Reduce the size of native libs</a:t>
             </a:r>
           </a:p>
           <a:p>
             <a:r>
-              <a:rPr lang="en-US" dirty="0" smtClean="0"/>
+              <a:rPr lang="en-US" sz="2000" dirty="0" smtClean="0"/>
               <a:t>NDK crash handling and NDK tools</a:t>
             </a:r>
           </a:p>
@@ -21752,25 +21758,46 @@
           <a:lstStyle/>
           <a:p>
             <a:r>
-              <a:rPr lang="en-US" dirty="0" smtClean="0"/>
-              <a:t>Legacy support</a:t>
-            </a:r>
-          </a:p>
-          <a:p>
-            <a:r>
-              <a:rPr lang="en-US" dirty="0" smtClean="0"/>
-              <a:t>Security, performance solutions</a:t>
-            </a:r>
-          </a:p>
-          <a:p>
-            <a:r>
-              <a:rPr lang="en-US" dirty="0" smtClean="0"/>
-              <a:t>Low-level platform specific API</a:t>
-            </a:r>
-          </a:p>
-          <a:p>
-            <a:r>
-              <a:rPr lang="en-US" dirty="0"/>
+              <a:rPr lang="en-US" sz="2000" dirty="0" smtClean="0"/>
+              <a:t>Legacy </a:t>
+            </a:r>
+            <a:r>
+              <a:rPr lang="en-US" sz="2000" dirty="0" smtClean="0"/>
+              <a:t>support</a:t>
+            </a:r>
+          </a:p>
+          <a:p>
+            <a:endParaRPr lang="en-US" sz="1000" dirty="0" smtClean="0"/>
+          </a:p>
+          <a:p>
+            <a:r>
+              <a:rPr lang="en-US" sz="2000" dirty="0" smtClean="0"/>
+              <a:t>Security, performance </a:t>
+            </a:r>
+            <a:r>
+              <a:rPr lang="en-US" sz="2000" dirty="0" smtClean="0"/>
+              <a:t>solutions</a:t>
+            </a:r>
+          </a:p>
+          <a:p>
+            <a:endParaRPr lang="en-US" sz="1000" dirty="0" smtClean="0"/>
+          </a:p>
+          <a:p>
+            <a:r>
+              <a:rPr lang="en-US" sz="2000" dirty="0" smtClean="0"/>
+              <a:t>Low-level platform specific </a:t>
+            </a:r>
+            <a:r>
+              <a:rPr lang="en-US" sz="2000" dirty="0" smtClean="0"/>
+              <a:t>API</a:t>
+            </a:r>
+          </a:p>
+          <a:p>
+            <a:endParaRPr lang="en-US" sz="1000" dirty="0" smtClean="0"/>
+          </a:p>
+          <a:p>
+            <a:r>
+              <a:rPr lang="en-US" sz="2000" dirty="0"/>
               <a:t>C++ cross-platform solutions</a:t>
             </a:r>
           </a:p>
@@ -21793,8 +21820,8 @@
         </p:nvSpPr>
         <p:spPr>
           <a:xfrm>
-            <a:off x="8087347" y="2317417"/>
-            <a:ext cx="1915026" cy="425949"/>
+            <a:off x="8008216" y="2394817"/>
+            <a:ext cx="1364384" cy="425949"/>
           </a:xfrm>
           <a:prstGeom prst="roundRect">
             <a:avLst/>
@@ -21825,14 +21852,14 @@
           <a:p>
             <a:pPr algn="ctr"/>
             <a:r>
-              <a:rPr lang="en-US" b="1" dirty="0" smtClean="0">
+              <a:rPr lang="en-US" sz="1000" b="1" dirty="0" smtClean="0">
                 <a:solidFill>
                   <a:schemeClr val="tx1"/>
                 </a:solidFill>
               </a:rPr>
               <a:t>JNI Layer</a:t>
             </a:r>
-            <a:endParaRPr lang="en-US" b="1" dirty="0">
+            <a:endParaRPr lang="en-US" sz="1000" b="1" dirty="0">
               <a:solidFill>
                 <a:schemeClr val="tx1"/>
               </a:solidFill>
@@ -21848,8 +21875,8 @@
         </p:nvSpPr>
         <p:spPr>
           <a:xfrm>
-            <a:off x="8233019" y="1078930"/>
-            <a:ext cx="1635478" cy="817865"/>
+            <a:off x="8226125" y="1416845"/>
+            <a:ext cx="928566" cy="503726"/>
           </a:xfrm>
           <a:prstGeom prst="roundRect">
             <a:avLst/>
@@ -21880,10 +21907,10 @@
           <a:p>
             <a:pPr algn="ctr"/>
             <a:r>
-              <a:rPr lang="en-US" dirty="0" smtClean="0"/>
+              <a:rPr lang="en-US" sz="1000" dirty="0" smtClean="0"/>
               <a:t>Android Java</a:t>
             </a:r>
-            <a:endParaRPr lang="en-US" dirty="0"/>
+            <a:endParaRPr lang="en-US" sz="1000" dirty="0"/>
           </a:p>
         </p:txBody>
       </p:sp>
@@ -21895,8 +21922,8 @@
         </p:nvSpPr>
         <p:spPr>
           <a:xfrm>
-            <a:off x="6240582" y="2990233"/>
-            <a:ext cx="1498627" cy="745637"/>
+            <a:off x="6814628" y="2981851"/>
+            <a:ext cx="921589" cy="691876"/>
           </a:xfrm>
           <a:prstGeom prst="roundRect">
             <a:avLst/>
@@ -21930,10 +21957,10 @@
           <a:p>
             <a:pPr algn="ctr"/>
             <a:r>
-              <a:rPr lang="en-US" dirty="0" smtClean="0"/>
+              <a:rPr lang="en-US" sz="1000" dirty="0" smtClean="0"/>
               <a:t>iOS Objective-C</a:t>
             </a:r>
-            <a:endParaRPr lang="en-US" dirty="0"/>
+            <a:endParaRPr lang="en-US" sz="1000" dirty="0"/>
           </a:p>
         </p:txBody>
       </p:sp>
@@ -21945,8 +21972,8 @@
         </p:nvSpPr>
         <p:spPr>
           <a:xfrm>
-            <a:off x="6240582" y="4674760"/>
-            <a:ext cx="1498627" cy="782771"/>
+            <a:off x="6819670" y="4230364"/>
+            <a:ext cx="917620" cy="609417"/>
           </a:xfrm>
           <a:prstGeom prst="roundRect">
             <a:avLst/>
@@ -21979,14 +22006,14 @@
           <a:p>
             <a:pPr algn="ctr"/>
             <a:r>
-              <a:rPr lang="en-US" dirty="0" err="1" smtClean="0"/>
+              <a:rPr lang="en-US" sz="1000" dirty="0" err="1" smtClean="0"/>
               <a:t>MacOS</a:t>
             </a:r>
             <a:r>
-              <a:rPr lang="en-US" dirty="0" smtClean="0"/>
+              <a:rPr lang="en-US" sz="1000" dirty="0" smtClean="0"/>
               <a:t> Objective-C</a:t>
             </a:r>
-            <a:endParaRPr lang="en-US" dirty="0"/>
+            <a:endParaRPr lang="en-US" sz="1000" dirty="0"/>
           </a:p>
         </p:txBody>
       </p:sp>
@@ -21998,8 +22025,8 @@
         </p:nvSpPr>
         <p:spPr>
           <a:xfrm>
-            <a:off x="10278853" y="2990232"/>
-            <a:ext cx="1549082" cy="745637"/>
+            <a:off x="9595315" y="2981851"/>
+            <a:ext cx="984093" cy="691876"/>
           </a:xfrm>
           <a:prstGeom prst="roundRect">
             <a:avLst/>
@@ -22033,18 +22060,18 @@
           <a:p>
             <a:pPr algn="ctr"/>
             <a:r>
-              <a:rPr lang="en-US" dirty="0" smtClean="0"/>
+              <a:rPr lang="en-US" sz="1000" dirty="0" smtClean="0"/>
               <a:t>Win </a:t>
             </a:r>
             <a:r>
-              <a:rPr lang="en-US" dirty="0"/>
+              <a:rPr lang="en-US" sz="1000" dirty="0"/>
               <a:t>D</a:t>
             </a:r>
             <a:r>
-              <a:rPr lang="en-US" dirty="0" smtClean="0"/>
+              <a:rPr lang="en-US" sz="1000" dirty="0" smtClean="0"/>
               <a:t>esktop C++</a:t>
             </a:r>
-            <a:endParaRPr lang="en-US" dirty="0"/>
+            <a:endParaRPr lang="en-US" sz="1000" dirty="0"/>
           </a:p>
         </p:txBody>
       </p:sp>
@@ -22053,13 +22080,14 @@
           <p:cNvPr id="40" name="Straight Arrow Connector 39"/>
           <p:cNvCxnSpPr>
             <a:stCxn id="130" idx="6"/>
+            <a:endCxn id="29" idx="1"/>
           </p:cNvCxnSpPr>
           <p:nvPr/>
         </p:nvCxnSpPr>
         <p:spPr>
           <a:xfrm flipV="1">
-            <a:off x="9755709" y="3682109"/>
-            <a:ext cx="537882" cy="232918"/>
+            <a:off x="9155153" y="3327789"/>
+            <a:ext cx="440162" cy="345939"/>
           </a:xfrm>
           <a:prstGeom prst="straightConnector1">
             <a:avLst/>
@@ -22089,13 +22117,14 @@
           <p:cNvPr id="45" name="Straight Arrow Connector 44"/>
           <p:cNvCxnSpPr>
             <a:stCxn id="130" idx="3"/>
+            <a:endCxn id="28" idx="3"/>
           </p:cNvCxnSpPr>
           <p:nvPr/>
         </p:nvCxnSpPr>
         <p:spPr>
           <a:xfrm flipH="1">
-            <a:off x="7802463" y="4397537"/>
-            <a:ext cx="758306" cy="342126"/>
+            <a:off x="7737290" y="3985613"/>
+            <a:ext cx="645477" cy="549460"/>
           </a:xfrm>
           <a:prstGeom prst="straightConnector1">
             <a:avLst/>
@@ -22125,13 +22154,14 @@
           <p:cNvPr id="48" name="Straight Arrow Connector 47"/>
           <p:cNvCxnSpPr>
             <a:stCxn id="130" idx="2"/>
+            <a:endCxn id="27" idx="3"/>
           </p:cNvCxnSpPr>
           <p:nvPr/>
         </p:nvCxnSpPr>
         <p:spPr>
           <a:xfrm flipH="1" flipV="1">
-            <a:off x="7802462" y="3682111"/>
-            <a:ext cx="553288" cy="232916"/>
+            <a:off x="7736217" y="3327789"/>
+            <a:ext cx="514029" cy="345939"/>
           </a:xfrm>
           <a:prstGeom prst="straightConnector1">
             <a:avLst/>
@@ -22166,9 +22196,9 @@
           <p:nvPr/>
         </p:nvCxnSpPr>
         <p:spPr>
-          <a:xfrm flipH="1">
-            <a:off x="9044860" y="1896795"/>
-            <a:ext cx="5898" cy="420622"/>
+          <a:xfrm>
+            <a:off x="8690408" y="1920571"/>
+            <a:ext cx="0" cy="474246"/>
           </a:xfrm>
           <a:prstGeom prst="straightConnector1">
             <a:avLst/>
@@ -22198,14 +22228,13 @@
           <p:cNvPr id="58" name="Straight Arrow Connector 57"/>
           <p:cNvCxnSpPr>
             <a:stCxn id="22" idx="2"/>
-            <a:endCxn id="130" idx="0"/>
           </p:cNvCxnSpPr>
           <p:nvPr/>
         </p:nvCxnSpPr>
         <p:spPr>
           <a:xfrm>
-            <a:off x="9044860" y="2743366"/>
-            <a:ext cx="10870" cy="489289"/>
+            <a:off x="8690408" y="2820766"/>
+            <a:ext cx="0" cy="411889"/>
           </a:xfrm>
           <a:prstGeom prst="straightConnector1">
             <a:avLst/>
@@ -22238,8 +22267,8 @@
         </p:nvSpPr>
         <p:spPr>
           <a:xfrm>
-            <a:off x="10278852" y="4677312"/>
-            <a:ext cx="1549082" cy="792155"/>
+            <a:off x="9595315" y="4230364"/>
+            <a:ext cx="984093" cy="609417"/>
           </a:xfrm>
           <a:prstGeom prst="roundRect">
             <a:avLst/>
@@ -22270,23 +22299,26 @@
           <a:p>
             <a:pPr algn="ctr"/>
             <a:r>
-              <a:rPr lang="en-US" dirty="0" smtClean="0"/>
+              <a:rPr lang="en-US" sz="1000" dirty="0" smtClean="0"/>
               <a:t>Win mobile C++</a:t>
             </a:r>
-            <a:endParaRPr lang="en-US" dirty="0"/>
+            <a:endParaRPr lang="en-US" sz="1000" dirty="0"/>
           </a:p>
         </p:txBody>
       </p:sp>
       <p:cxnSp>
         <p:nvCxnSpPr>
           <p:cNvPr id="19" name="Straight Arrow Connector 18"/>
-          <p:cNvCxnSpPr/>
+          <p:cNvCxnSpPr>
+            <a:stCxn id="130" idx="5"/>
+            <a:endCxn id="18" idx="1"/>
+          </p:cNvCxnSpPr>
           <p:nvPr/>
         </p:nvCxnSpPr>
         <p:spPr>
           <a:xfrm>
-            <a:off x="9611635" y="4431886"/>
-            <a:ext cx="676117" cy="299868"/>
+            <a:off x="9022632" y="3985613"/>
+            <a:ext cx="572683" cy="549460"/>
           </a:xfrm>
           <a:prstGeom prst="straightConnector1">
             <a:avLst/>
@@ -22319,8 +22351,8 @@
         </p:nvSpPr>
         <p:spPr>
           <a:xfrm>
-            <a:off x="8355750" y="3232655"/>
-            <a:ext cx="1399959" cy="1364744"/>
+            <a:off x="8250246" y="3232655"/>
+            <a:ext cx="904907" cy="882145"/>
           </a:xfrm>
           <a:prstGeom prst="ellipse">
             <a:avLst/>
@@ -22353,17 +22385,17 @@
           <a:p>
             <a:pPr algn="ctr"/>
             <a:r>
-              <a:rPr lang="en-US" dirty="0" smtClean="0"/>
+              <a:rPr lang="en-US" sz="1000" dirty="0" smtClean="0"/>
               <a:t>C/C++</a:t>
             </a:r>
           </a:p>
           <a:p>
             <a:pPr algn="ctr"/>
             <a:r>
-              <a:rPr lang="en-US" dirty="0" smtClean="0"/>
+              <a:rPr lang="en-US" sz="1000" dirty="0" smtClean="0"/>
               <a:t>Core</a:t>
             </a:r>
-            <a:endParaRPr lang="en-US" dirty="0"/>
+            <a:endParaRPr lang="en-US" sz="1000" dirty="0"/>
           </a:p>
         </p:txBody>
       </p:sp>
@@ -23447,7 +23479,7 @@
         </p:nvSpPr>
         <p:spPr>
           <a:xfrm>
-            <a:off x="838200" y="1836383"/>
+            <a:off x="671147" y="1395058"/>
             <a:ext cx="10515600" cy="4351338"/>
           </a:xfrm>
         </p:spPr>
@@ -23456,64 +23488,161 @@
           <a:lstStyle/>
           <a:p>
             <a:r>
-              <a:rPr lang="en-US" dirty="0" smtClean="0"/>
-              <a:t>JNI reference types: </a:t>
-            </a:r>
-            <a:r>
-              <a:rPr lang="en-US" dirty="0" err="1" smtClean="0"/>
+              <a:rPr lang="en-US" sz="2000" dirty="0" smtClean="0"/>
+              <a:t>JNI reference </a:t>
+            </a:r>
+            <a:r>
+              <a:rPr lang="en-US" sz="2000" dirty="0" smtClean="0"/>
+              <a:t>types</a:t>
+            </a:r>
+          </a:p>
+          <a:p>
+            <a:pPr lvl="1"/>
+            <a:r>
+              <a:rPr lang="en-US" sz="1600" dirty="0" err="1" smtClean="0">
+                <a:solidFill>
+                  <a:schemeClr val="accent6">
+                    <a:lumMod val="60000"/>
+                    <a:lumOff val="40000"/>
+                  </a:schemeClr>
+                </a:solidFill>
+              </a:rPr>
+              <a:t>New</a:t>
+            </a:r>
+            <a:r>
+              <a:rPr lang="en-US" sz="1600" dirty="0" err="1" smtClean="0">
+                <a:solidFill>
+                  <a:schemeClr val="accent6">
+                    <a:lumMod val="60000"/>
+                    <a:lumOff val="40000"/>
+                  </a:schemeClr>
+                </a:solidFill>
+              </a:rPr>
               <a:t>LocalRef</a:t>
             </a:r>
             <a:r>
-              <a:rPr lang="en-US" dirty="0" smtClean="0"/>
+              <a:rPr lang="en-US" sz="1600" dirty="0" smtClean="0">
+                <a:solidFill>
+                  <a:schemeClr val="accent6">
+                    <a:lumMod val="60000"/>
+                    <a:lumOff val="40000"/>
+                  </a:schemeClr>
+                </a:solidFill>
+              </a:rPr>
               <a:t>, </a:t>
             </a:r>
             <a:r>
-              <a:rPr lang="en-US" dirty="0" err="1" smtClean="0"/>
-              <a:t>GlobalRef</a:t>
-            </a:r>
-            <a:endParaRPr lang="en-US" dirty="0" smtClean="0"/>
-          </a:p>
-          <a:p>
-            <a:r>
-              <a:rPr lang="en-US" dirty="0"/>
+              <a:rPr lang="en-US" sz="1600" dirty="0" err="1" smtClean="0">
+                <a:solidFill>
+                  <a:schemeClr val="accent6">
+                    <a:lumMod val="60000"/>
+                    <a:lumOff val="40000"/>
+                  </a:schemeClr>
+                </a:solidFill>
+              </a:rPr>
+              <a:t>NewGlobalRef</a:t>
+            </a:r>
+            <a:r>
+              <a:rPr lang="en-US" sz="1600" dirty="0">
+                <a:solidFill>
+                  <a:schemeClr val="accent6">
+                    <a:lumMod val="60000"/>
+                    <a:lumOff val="40000"/>
+                  </a:schemeClr>
+                </a:solidFill>
+              </a:rPr>
+              <a:t>, </a:t>
+            </a:r>
+            <a:r>
+              <a:rPr lang="en-US" sz="1600" dirty="0" err="1" smtClean="0">
+                <a:solidFill>
+                  <a:schemeClr val="accent6">
+                    <a:lumMod val="60000"/>
+                    <a:lumOff val="40000"/>
+                  </a:schemeClr>
+                </a:solidFill>
+              </a:rPr>
+              <a:t>NewWeakRef</a:t>
+            </a:r>
+            <a:endParaRPr lang="en-US" sz="1600" dirty="0">
+              <a:solidFill>
+                <a:schemeClr val="accent6">
+                  <a:lumMod val="60000"/>
+                  <a:lumOff val="40000"/>
+                </a:schemeClr>
+              </a:solidFill>
+            </a:endParaRPr>
+          </a:p>
+          <a:p>
+            <a:pPr marL="457200" lvl="1" indent="0">
+              <a:buNone/>
+            </a:pPr>
+            <a:endParaRPr lang="en-US" sz="1000" dirty="0" smtClean="0">
+              <a:solidFill>
+                <a:schemeClr val="accent6">
+                  <a:lumMod val="60000"/>
+                  <a:lumOff val="40000"/>
+                </a:schemeClr>
+              </a:solidFill>
+            </a:endParaRPr>
+          </a:p>
+          <a:p>
+            <a:r>
+              <a:rPr lang="en-US" sz="2000" dirty="0"/>
               <a:t>Stashing objects without calling </a:t>
             </a:r>
             <a:r>
-              <a:rPr lang="en-US" dirty="0" err="1"/>
+              <a:rPr lang="en-US" sz="2000" dirty="0" err="1"/>
               <a:t>NewGlobalRef</a:t>
             </a:r>
             <a:r>
-              <a:rPr lang="en-US" dirty="0"/>
+              <a:rPr lang="en-US" sz="2000" dirty="0" smtClean="0"/>
               <a:t>()</a:t>
             </a:r>
-            <a:endParaRPr lang="en-US" dirty="0" smtClean="0"/>
-          </a:p>
-          <a:p>
-            <a:r>
-              <a:rPr lang="en-US" dirty="0" smtClean="0"/>
+          </a:p>
+          <a:p>
+            <a:endParaRPr lang="en-US" sz="1000" dirty="0" smtClean="0"/>
+          </a:p>
+          <a:p>
+            <a:r>
+              <a:rPr lang="en-US" sz="2000" dirty="0" smtClean="0"/>
               <a:t>JNI local </a:t>
             </a:r>
             <a:r>
-              <a:rPr lang="en-US" dirty="0"/>
+              <a:rPr lang="en-US" sz="2000" dirty="0"/>
               <a:t>t</a:t>
             </a:r>
             <a:r>
-              <a:rPr lang="en-US" dirty="0" smtClean="0"/>
-              <a:t>able reference overflow</a:t>
-            </a:r>
-          </a:p>
-          <a:p>
-            <a:r>
-              <a:rPr lang="en-US" dirty="0" smtClean="0"/>
-              <a:t>JNI global table reference overflow</a:t>
-            </a:r>
-          </a:p>
-          <a:p>
-            <a:r>
-              <a:rPr lang="en-US" dirty="0" smtClean="0"/>
+              <a:rPr lang="en-US" sz="2000" dirty="0" smtClean="0"/>
+              <a:t>able reference </a:t>
+            </a:r>
+            <a:r>
+              <a:rPr lang="en-US" sz="2000" dirty="0" smtClean="0"/>
+              <a:t>overflow</a:t>
+            </a:r>
+          </a:p>
+          <a:p>
+            <a:endParaRPr lang="en-US" sz="1000" dirty="0" smtClean="0"/>
+          </a:p>
+          <a:p>
+            <a:r>
+              <a:rPr lang="en-US" sz="2000" dirty="0" smtClean="0"/>
+              <a:t>JNI global table reference </a:t>
+            </a:r>
+            <a:r>
+              <a:rPr lang="en-US" sz="2000" dirty="0" smtClean="0"/>
+              <a:t>overflow</a:t>
+            </a:r>
+          </a:p>
+          <a:p>
+            <a:endParaRPr lang="en-US" sz="1000" dirty="0" smtClean="0"/>
+          </a:p>
+          <a:p>
+            <a:r>
+              <a:rPr lang="en-US" sz="2000" dirty="0" smtClean="0"/>
               <a:t>Android 8.0 improvements</a:t>
             </a:r>
-            <a:endParaRPr lang="en-US" dirty="0"/>
+            <a:endParaRPr lang="en-US" sz="2000" dirty="0"/>
           </a:p>
         </p:txBody>
       </p:sp>
@@ -23525,7 +23654,7 @@
         </p:nvSpPr>
         <p:spPr>
           <a:xfrm>
-            <a:off x="251378" y="1646921"/>
+            <a:off x="748789" y="1367766"/>
             <a:ext cx="11167769" cy="3690010"/>
           </a:xfrm>
           <a:prstGeom prst="rect">
@@ -23585,7 +23714,7 @@
         </p:blipFill>
         <p:spPr>
           <a:xfrm>
-            <a:off x="6796156" y="1695621"/>
+            <a:off x="6796156" y="1678037"/>
             <a:ext cx="4906107" cy="3208682"/>
           </a:xfrm>
           <a:prstGeom prst="rect">
@@ -23595,7 +23724,7 @@
             <a:noFill/>
           </a:ln>
           <a:effectLst>
-            <a:softEdge rad="50800"/>
+            <a:softEdge rad="0"/>
           </a:effectLst>
         </p:spPr>
       </p:pic>
@@ -23621,986 +23750,17 @@
         </p:blipFill>
         <p:spPr>
           <a:xfrm>
-            <a:off x="6807581" y="2345867"/>
+            <a:off x="6816533" y="2679525"/>
             <a:ext cx="4620656" cy="1862511"/>
           </a:xfrm>
           <a:prstGeom prst="rect">
             <a:avLst/>
           </a:prstGeom>
           <a:effectLst>
-            <a:softEdge rad="38100"/>
+            <a:softEdge rad="0"/>
           </a:effectLst>
         </p:spPr>
       </p:pic>
-      <p:sp>
-        <p:nvSpPr>
-          <p:cNvPr id="8" name="Rectangle 3"/>
-          <p:cNvSpPr>
-            <a:spLocks noChangeArrowheads="1"/>
-          </p:cNvSpPr>
-          <p:nvPr/>
-        </p:nvSpPr>
-        <p:spPr bwMode="auto">
-          <a:xfrm>
-            <a:off x="269767" y="2413924"/>
-            <a:ext cx="6537814" cy="2092881"/>
-          </a:xfrm>
-          <a:prstGeom prst="rect">
-            <a:avLst/>
-          </a:prstGeom>
-          <a:solidFill>
-            <a:srgbClr val="2B2B2B"/>
-          </a:solidFill>
-          <a:ln w="9525">
-            <a:noFill/>
-            <a:miter lim="800000"/>
-            <a:headEnd/>
-            <a:tailEnd/>
-          </a:ln>
-          <a:effectLst/>
-          <a:extLst>
-            <a:ext uri="{AF507438-7753-43E0-B8FC-AC1667EBCBE1}">
-              <a14:hiddenEffects xmlns:a14="http://schemas.microsoft.com/office/drawing/2010/main">
-                <a:effectLst>
-                  <a:outerShdw dist="35921" dir="2700000" algn="ctr" rotWithShape="0">
-                    <a:schemeClr val="bg2"/>
-                  </a:outerShdw>
-                </a:effectLst>
-              </a14:hiddenEffects>
-            </a:ext>
-          </a:extLst>
-        </p:spPr>
-        <p:txBody>
-          <a:bodyPr vert="horz" wrap="square" lIns="91440" tIns="45720" rIns="91440" bIns="45720" numCol="1" anchor="ctr" anchorCtr="0" compatLnSpc="1">
-            <a:prstTxWarp prst="textNoShape">
-              <a:avLst/>
-            </a:prstTxWarp>
-            <a:spAutoFit/>
-          </a:bodyPr>
-          <a:lstStyle/>
-          <a:p>
-            <a:pPr marL="0" marR="0" lvl="0" indent="0" algn="l" defTabSz="914400" rtl="0" eaLnBrk="0" fontAlgn="base" latinLnBrk="0" hangingPunct="0">
-              <a:lnSpc>
-                <a:spcPct val="100000"/>
-              </a:lnSpc>
-              <a:spcBef>
-                <a:spcPct val="0"/>
-              </a:spcBef>
-              <a:spcAft>
-                <a:spcPct val="0"/>
-              </a:spcAft>
-              <a:buClrTx/>
-              <a:buSzTx/>
-              <a:buFontTx/>
-              <a:buNone/>
-              <a:tabLst/>
-            </a:pPr>
-            <a:r>
-              <a:rPr kumimoji="0" lang="en-US" altLang="en-US" sz="1400" b="1" i="0" u="none" strike="noStrike" cap="none" normalizeH="0" baseline="0" dirty="0" smtClean="0">
-                <a:ln>
-                  <a:noFill/>
-                </a:ln>
-                <a:solidFill>
-                  <a:srgbClr val="CC7832"/>
-                </a:solidFill>
-                <a:effectLst/>
-                <a:latin typeface="Courier New" panose="02070309020205020404" pitchFamily="49" charset="0"/>
-                <a:cs typeface="Courier New" panose="02070309020205020404" pitchFamily="49" charset="0"/>
-              </a:rPr>
-              <a:t>for</a:t>
-            </a:r>
-            <a:r>
-              <a:rPr kumimoji="0" lang="en-US" altLang="en-US" sz="1400" b="0" i="0" u="none" strike="noStrike" cap="none" normalizeH="0" baseline="0" dirty="0" smtClean="0">
-                <a:ln>
-                  <a:noFill/>
-                </a:ln>
-                <a:solidFill>
-                  <a:srgbClr val="A9B7C6"/>
-                </a:solidFill>
-                <a:effectLst/>
-                <a:latin typeface="Courier New" panose="02070309020205020404" pitchFamily="49" charset="0"/>
-                <a:cs typeface="Courier New" panose="02070309020205020404" pitchFamily="49" charset="0"/>
-              </a:rPr>
-              <a:t>(</a:t>
-            </a:r>
-            <a:r>
-              <a:rPr kumimoji="0" lang="en-US" altLang="en-US" sz="1400" b="1" i="0" u="none" strike="noStrike" cap="none" normalizeH="0" baseline="0" dirty="0" err="1" smtClean="0">
-                <a:ln>
-                  <a:noFill/>
-                </a:ln>
-                <a:solidFill>
-                  <a:srgbClr val="CC7832"/>
-                </a:solidFill>
-                <a:effectLst/>
-                <a:latin typeface="Courier New" panose="02070309020205020404" pitchFamily="49" charset="0"/>
-                <a:cs typeface="Courier New" panose="02070309020205020404" pitchFamily="49" charset="0"/>
-              </a:rPr>
-              <a:t>int</a:t>
-            </a:r>
-            <a:r>
-              <a:rPr kumimoji="0" lang="en-US" altLang="en-US" sz="1400" b="1" i="0" u="none" strike="noStrike" cap="none" normalizeH="0" baseline="0" dirty="0" smtClean="0">
-                <a:ln>
-                  <a:noFill/>
-                </a:ln>
-                <a:solidFill>
-                  <a:srgbClr val="CC7832"/>
-                </a:solidFill>
-                <a:effectLst/>
-                <a:latin typeface="Courier New" panose="02070309020205020404" pitchFamily="49" charset="0"/>
-                <a:cs typeface="Courier New" panose="02070309020205020404" pitchFamily="49" charset="0"/>
-              </a:rPr>
-              <a:t> </a:t>
-            </a:r>
-            <a:r>
-              <a:rPr kumimoji="0" lang="en-US" altLang="en-US" sz="1400" b="0" i="0" u="none" strike="noStrike" cap="none" normalizeH="0" baseline="0" dirty="0" err="1" smtClean="0">
-                <a:ln>
-                  <a:noFill/>
-                </a:ln>
-                <a:solidFill>
-                  <a:srgbClr val="A9B7C6"/>
-                </a:solidFill>
-                <a:effectLst/>
-                <a:latin typeface="Courier New" panose="02070309020205020404" pitchFamily="49" charset="0"/>
-                <a:cs typeface="Courier New" panose="02070309020205020404" pitchFamily="49" charset="0"/>
-              </a:rPr>
-              <a:t>i</a:t>
-            </a:r>
-            <a:r>
-              <a:rPr kumimoji="0" lang="en-US" altLang="en-US" sz="1400" b="0" i="0" u="none" strike="noStrike" cap="none" normalizeH="0" baseline="0" dirty="0" smtClean="0">
-                <a:ln>
-                  <a:noFill/>
-                </a:ln>
-                <a:solidFill>
-                  <a:srgbClr val="A9B7C6"/>
-                </a:solidFill>
-                <a:effectLst/>
-                <a:latin typeface="Courier New" panose="02070309020205020404" pitchFamily="49" charset="0"/>
-                <a:cs typeface="Courier New" panose="02070309020205020404" pitchFamily="49" charset="0"/>
-              </a:rPr>
-              <a:t> = </a:t>
-            </a:r>
-            <a:r>
-              <a:rPr kumimoji="0" lang="en-US" altLang="en-US" sz="1400" b="0" i="0" u="none" strike="noStrike" cap="none" normalizeH="0" baseline="0" dirty="0" smtClean="0">
-                <a:ln>
-                  <a:noFill/>
-                </a:ln>
-                <a:solidFill>
-                  <a:srgbClr val="6897BB"/>
-                </a:solidFill>
-                <a:effectLst/>
-                <a:latin typeface="Courier New" panose="02070309020205020404" pitchFamily="49" charset="0"/>
-                <a:cs typeface="Courier New" panose="02070309020205020404" pitchFamily="49" charset="0"/>
-              </a:rPr>
-              <a:t>0</a:t>
-            </a:r>
-            <a:r>
-              <a:rPr kumimoji="0" lang="en-US" altLang="en-US" sz="1400" b="0" i="0" u="none" strike="noStrike" cap="none" normalizeH="0" baseline="0" dirty="0" smtClean="0">
-                <a:ln>
-                  <a:noFill/>
-                </a:ln>
-                <a:solidFill>
-                  <a:srgbClr val="CC7832"/>
-                </a:solidFill>
-                <a:effectLst/>
-                <a:latin typeface="Courier New" panose="02070309020205020404" pitchFamily="49" charset="0"/>
-                <a:cs typeface="Courier New" panose="02070309020205020404" pitchFamily="49" charset="0"/>
-              </a:rPr>
-              <a:t>; </a:t>
-            </a:r>
-            <a:r>
-              <a:rPr kumimoji="0" lang="en-US" altLang="en-US" sz="1400" b="0" i="0" u="none" strike="noStrike" cap="none" normalizeH="0" baseline="0" dirty="0" err="1" smtClean="0">
-                <a:ln>
-                  <a:noFill/>
-                </a:ln>
-                <a:solidFill>
-                  <a:srgbClr val="A9B7C6"/>
-                </a:solidFill>
-                <a:effectLst/>
-                <a:latin typeface="Courier New" panose="02070309020205020404" pitchFamily="49" charset="0"/>
-                <a:cs typeface="Courier New" panose="02070309020205020404" pitchFamily="49" charset="0"/>
-              </a:rPr>
-              <a:t>i</a:t>
-            </a:r>
-            <a:r>
-              <a:rPr kumimoji="0" lang="en-US" altLang="en-US" sz="1400" b="0" i="0" u="none" strike="noStrike" cap="none" normalizeH="0" baseline="0" dirty="0" smtClean="0">
-                <a:ln>
-                  <a:noFill/>
-                </a:ln>
-                <a:solidFill>
-                  <a:srgbClr val="A9B7C6"/>
-                </a:solidFill>
-                <a:effectLst/>
-                <a:latin typeface="Courier New" panose="02070309020205020404" pitchFamily="49" charset="0"/>
-                <a:cs typeface="Courier New" panose="02070309020205020404" pitchFamily="49" charset="0"/>
-              </a:rPr>
-              <a:t>&lt; </a:t>
-            </a:r>
-            <a:r>
-              <a:rPr kumimoji="0" lang="en-US" altLang="en-US" sz="1400" b="0" i="0" u="none" strike="noStrike" cap="none" normalizeH="0" baseline="0" dirty="0" smtClean="0">
-                <a:ln>
-                  <a:noFill/>
-                </a:ln>
-                <a:solidFill>
-                  <a:srgbClr val="6897BB"/>
-                </a:solidFill>
-                <a:effectLst/>
-                <a:latin typeface="Courier New" panose="02070309020205020404" pitchFamily="49" charset="0"/>
-                <a:cs typeface="Courier New" panose="02070309020205020404" pitchFamily="49" charset="0"/>
-              </a:rPr>
-              <a:t>100000</a:t>
-            </a:r>
-            <a:r>
-              <a:rPr kumimoji="0" lang="en-US" altLang="en-US" sz="1400" b="0" i="0" u="none" strike="noStrike" cap="none" normalizeH="0" baseline="0" dirty="0" smtClean="0">
-                <a:ln>
-                  <a:noFill/>
-                </a:ln>
-                <a:solidFill>
-                  <a:srgbClr val="CC7832"/>
-                </a:solidFill>
-                <a:effectLst/>
-                <a:latin typeface="Courier New" panose="02070309020205020404" pitchFamily="49" charset="0"/>
-                <a:cs typeface="Courier New" panose="02070309020205020404" pitchFamily="49" charset="0"/>
-              </a:rPr>
-              <a:t>; </a:t>
-            </a:r>
-            <a:r>
-              <a:rPr kumimoji="0" lang="en-US" altLang="en-US" sz="1400" b="0" i="0" u="none" strike="noStrike" cap="none" normalizeH="0" baseline="0" dirty="0" err="1" smtClean="0">
-                <a:ln>
-                  <a:noFill/>
-                </a:ln>
-                <a:solidFill>
-                  <a:srgbClr val="A9B7C6"/>
-                </a:solidFill>
-                <a:effectLst/>
-                <a:latin typeface="Courier New" panose="02070309020205020404" pitchFamily="49" charset="0"/>
-                <a:cs typeface="Courier New" panose="02070309020205020404" pitchFamily="49" charset="0"/>
-              </a:rPr>
-              <a:t>i</a:t>
-            </a:r>
-            <a:r>
-              <a:rPr kumimoji="0" lang="en-US" altLang="en-US" sz="1400" b="0" i="0" u="none" strike="noStrike" cap="none" normalizeH="0" baseline="0" dirty="0" smtClean="0">
-                <a:ln>
-                  <a:noFill/>
-                </a:ln>
-                <a:solidFill>
-                  <a:srgbClr val="A9B7C6"/>
-                </a:solidFill>
-                <a:effectLst/>
-                <a:latin typeface="Courier New" panose="02070309020205020404" pitchFamily="49" charset="0"/>
-                <a:cs typeface="Courier New" panose="02070309020205020404" pitchFamily="49" charset="0"/>
-              </a:rPr>
-              <a:t>++)</a:t>
-            </a:r>
-            <a:br>
-              <a:rPr kumimoji="0" lang="en-US" altLang="en-US" sz="1400" b="0" i="0" u="none" strike="noStrike" cap="none" normalizeH="0" baseline="0" dirty="0" smtClean="0">
-                <a:ln>
-                  <a:noFill/>
-                </a:ln>
-                <a:solidFill>
-                  <a:srgbClr val="A9B7C6"/>
-                </a:solidFill>
-                <a:effectLst/>
-                <a:latin typeface="Courier New" panose="02070309020205020404" pitchFamily="49" charset="0"/>
-                <a:cs typeface="Courier New" panose="02070309020205020404" pitchFamily="49" charset="0"/>
-              </a:rPr>
-            </a:br>
-            <a:r>
-              <a:rPr kumimoji="0" lang="en-US" altLang="en-US" sz="1400" b="0" i="0" u="none" strike="noStrike" cap="none" normalizeH="0" baseline="0" dirty="0" smtClean="0">
-                <a:ln>
-                  <a:noFill/>
-                </a:ln>
-                <a:solidFill>
-                  <a:srgbClr val="A9B7C6"/>
-                </a:solidFill>
-                <a:effectLst/>
-                <a:latin typeface="Courier New" panose="02070309020205020404" pitchFamily="49" charset="0"/>
-                <a:cs typeface="Courier New" panose="02070309020205020404" pitchFamily="49" charset="0"/>
-              </a:rPr>
-              <a:t>{</a:t>
-            </a:r>
-            <a:br>
-              <a:rPr kumimoji="0" lang="en-US" altLang="en-US" sz="1400" b="0" i="0" u="none" strike="noStrike" cap="none" normalizeH="0" baseline="0" dirty="0" smtClean="0">
-                <a:ln>
-                  <a:noFill/>
-                </a:ln>
-                <a:solidFill>
-                  <a:srgbClr val="A9B7C6"/>
-                </a:solidFill>
-                <a:effectLst/>
-                <a:latin typeface="Courier New" panose="02070309020205020404" pitchFamily="49" charset="0"/>
-                <a:cs typeface="Courier New" panose="02070309020205020404" pitchFamily="49" charset="0"/>
-              </a:rPr>
-            </a:br>
-            <a:r>
-              <a:rPr kumimoji="0" lang="en-US" altLang="en-US" sz="1400" b="0" i="0" u="none" strike="noStrike" cap="none" normalizeH="0" baseline="0" dirty="0" smtClean="0">
-                <a:ln>
-                  <a:noFill/>
-                </a:ln>
-                <a:solidFill>
-                  <a:srgbClr val="A9B7C6"/>
-                </a:solidFill>
-                <a:effectLst/>
-                <a:latin typeface="Courier New" panose="02070309020205020404" pitchFamily="49" charset="0"/>
-                <a:cs typeface="Courier New" panose="02070309020205020404" pitchFamily="49" charset="0"/>
-              </a:rPr>
-              <a:t>    </a:t>
-            </a:r>
-            <a:r>
-              <a:rPr kumimoji="0" lang="en-US" altLang="en-US" sz="1400" b="0" i="0" u="none" strike="noStrike" cap="none" normalizeH="0" baseline="0" dirty="0" err="1" smtClean="0">
-                <a:ln>
-                  <a:noFill/>
-                </a:ln>
-                <a:solidFill>
-                  <a:srgbClr val="B9BCD1"/>
-                </a:solidFill>
-                <a:effectLst/>
-                <a:latin typeface="Courier New" panose="02070309020205020404" pitchFamily="49" charset="0"/>
-                <a:cs typeface="Courier New" panose="02070309020205020404" pitchFamily="49" charset="0"/>
-              </a:rPr>
-              <a:t>jstring</a:t>
-            </a:r>
-            <a:r>
-              <a:rPr kumimoji="0" lang="en-US" altLang="en-US" sz="1400" b="0" i="0" u="none" strike="noStrike" cap="none" normalizeH="0" baseline="0" dirty="0" smtClean="0">
-                <a:ln>
-                  <a:noFill/>
-                </a:ln>
-                <a:solidFill>
-                  <a:srgbClr val="B9BCD1"/>
-                </a:solidFill>
-                <a:effectLst/>
-                <a:latin typeface="Courier New" panose="02070309020205020404" pitchFamily="49" charset="0"/>
-                <a:cs typeface="Courier New" panose="02070309020205020404" pitchFamily="49" charset="0"/>
-              </a:rPr>
-              <a:t> </a:t>
-            </a:r>
-            <a:r>
-              <a:rPr kumimoji="0" lang="en-US" altLang="en-US" sz="1400" b="0" i="0" u="none" strike="noStrike" cap="none" normalizeH="0" baseline="0" dirty="0" err="1" smtClean="0">
-                <a:ln>
-                  <a:noFill/>
-                </a:ln>
-                <a:solidFill>
-                  <a:srgbClr val="A9B7C6"/>
-                </a:solidFill>
-                <a:effectLst/>
-                <a:latin typeface="Courier New" panose="02070309020205020404" pitchFamily="49" charset="0"/>
-                <a:cs typeface="Courier New" panose="02070309020205020404" pitchFamily="49" charset="0"/>
-              </a:rPr>
-              <a:t>testString</a:t>
-            </a:r>
-            <a:r>
-              <a:rPr kumimoji="0" lang="en-US" altLang="en-US" sz="1400" b="0" i="0" u="none" strike="noStrike" cap="none" normalizeH="0" baseline="0" dirty="0" smtClean="0">
-                <a:ln>
-                  <a:noFill/>
-                </a:ln>
-                <a:solidFill>
-                  <a:srgbClr val="A9B7C6"/>
-                </a:solidFill>
-                <a:effectLst/>
-                <a:latin typeface="Courier New" panose="02070309020205020404" pitchFamily="49" charset="0"/>
-                <a:cs typeface="Courier New" panose="02070309020205020404" pitchFamily="49" charset="0"/>
-              </a:rPr>
-              <a:t> = </a:t>
-            </a:r>
-            <a:r>
-              <a:rPr kumimoji="0" lang="en-US" altLang="en-US" sz="1400" b="0" i="0" u="none" strike="noStrike" cap="none" normalizeH="0" baseline="0" dirty="0" err="1" smtClean="0">
-                <a:ln>
-                  <a:noFill/>
-                </a:ln>
-                <a:solidFill>
-                  <a:srgbClr val="A9B7C6"/>
-                </a:solidFill>
-                <a:effectLst/>
-                <a:latin typeface="Courier New" panose="02070309020205020404" pitchFamily="49" charset="0"/>
-                <a:cs typeface="Courier New" panose="02070309020205020404" pitchFamily="49" charset="0"/>
-              </a:rPr>
-              <a:t>env</a:t>
-            </a:r>
-            <a:r>
-              <a:rPr kumimoji="0" lang="en-US" altLang="en-US" sz="1400" b="0" i="0" u="none" strike="noStrike" cap="none" normalizeH="0" baseline="0" dirty="0" smtClean="0">
-                <a:ln>
-                  <a:noFill/>
-                </a:ln>
-                <a:solidFill>
-                  <a:srgbClr val="A9B7C6"/>
-                </a:solidFill>
-                <a:effectLst/>
-                <a:latin typeface="Courier New" panose="02070309020205020404" pitchFamily="49" charset="0"/>
-                <a:cs typeface="Courier New" panose="02070309020205020404" pitchFamily="49" charset="0"/>
-              </a:rPr>
-              <a:t>-&gt;</a:t>
-            </a:r>
-            <a:r>
-              <a:rPr kumimoji="0" lang="en-US" altLang="en-US" sz="1400" b="0" i="0" u="none" strike="noStrike" cap="none" normalizeH="0" baseline="0" dirty="0" err="1" smtClean="0">
-                <a:ln>
-                  <a:noFill/>
-                </a:ln>
-                <a:solidFill>
-                  <a:srgbClr val="A9B7C6"/>
-                </a:solidFill>
-                <a:effectLst/>
-                <a:latin typeface="Courier New" panose="02070309020205020404" pitchFamily="49" charset="0"/>
-                <a:cs typeface="Courier New" panose="02070309020205020404" pitchFamily="49" charset="0"/>
-              </a:rPr>
-              <a:t>NewStringUTF</a:t>
-            </a:r>
-            <a:r>
-              <a:rPr kumimoji="0" lang="en-US" altLang="en-US" sz="1400" b="0" i="0" u="none" strike="noStrike" cap="none" normalizeH="0" baseline="0" dirty="0" smtClean="0">
-                <a:ln>
-                  <a:noFill/>
-                </a:ln>
-                <a:solidFill>
-                  <a:srgbClr val="A9B7C6"/>
-                </a:solidFill>
-                <a:effectLst/>
-                <a:latin typeface="Courier New" panose="02070309020205020404" pitchFamily="49" charset="0"/>
-                <a:cs typeface="Courier New" panose="02070309020205020404" pitchFamily="49" charset="0"/>
-              </a:rPr>
-              <a:t>(</a:t>
-            </a:r>
-            <a:r>
-              <a:rPr kumimoji="0" lang="en-US" altLang="en-US" sz="1400" b="0" i="0" u="none" strike="noStrike" cap="none" normalizeH="0" baseline="0" dirty="0" smtClean="0">
-                <a:ln>
-                  <a:noFill/>
-                </a:ln>
-                <a:solidFill>
-                  <a:srgbClr val="6A8759"/>
-                </a:solidFill>
-                <a:effectLst/>
-                <a:latin typeface="Courier New" panose="02070309020205020404" pitchFamily="49" charset="0"/>
-                <a:cs typeface="Courier New" panose="02070309020205020404" pitchFamily="49" charset="0"/>
-              </a:rPr>
-              <a:t>"Test String"</a:t>
-            </a:r>
-            <a:r>
-              <a:rPr kumimoji="0" lang="en-US" altLang="en-US" sz="1400" b="0" i="0" u="none" strike="noStrike" cap="none" normalizeH="0" baseline="0" dirty="0" smtClean="0">
-                <a:ln>
-                  <a:noFill/>
-                </a:ln>
-                <a:solidFill>
-                  <a:srgbClr val="A9B7C6"/>
-                </a:solidFill>
-                <a:effectLst/>
-                <a:latin typeface="Courier New" panose="02070309020205020404" pitchFamily="49" charset="0"/>
-                <a:cs typeface="Courier New" panose="02070309020205020404" pitchFamily="49" charset="0"/>
-              </a:rPr>
-              <a:t>)</a:t>
-            </a:r>
-            <a:r>
-              <a:rPr kumimoji="0" lang="en-US" altLang="en-US" sz="1400" b="0" i="0" u="none" strike="noStrike" cap="none" normalizeH="0" baseline="0" dirty="0" smtClean="0">
-                <a:ln>
-                  <a:noFill/>
-                </a:ln>
-                <a:solidFill>
-                  <a:srgbClr val="CC7832"/>
-                </a:solidFill>
-                <a:effectLst/>
-                <a:latin typeface="Courier New" panose="02070309020205020404" pitchFamily="49" charset="0"/>
-                <a:cs typeface="Courier New" panose="02070309020205020404" pitchFamily="49" charset="0"/>
-              </a:rPr>
-              <a:t>;</a:t>
-            </a:r>
-            <a:br>
-              <a:rPr kumimoji="0" lang="en-US" altLang="en-US" sz="1400" b="0" i="0" u="none" strike="noStrike" cap="none" normalizeH="0" baseline="0" dirty="0" smtClean="0">
-                <a:ln>
-                  <a:noFill/>
-                </a:ln>
-                <a:solidFill>
-                  <a:srgbClr val="CC7832"/>
-                </a:solidFill>
-                <a:effectLst/>
-                <a:latin typeface="Courier New" panose="02070309020205020404" pitchFamily="49" charset="0"/>
-                <a:cs typeface="Courier New" panose="02070309020205020404" pitchFamily="49" charset="0"/>
-              </a:rPr>
-            </a:br>
-            <a:r>
-              <a:rPr kumimoji="0" lang="en-US" altLang="en-US" sz="1400" b="0" i="0" u="none" strike="noStrike" cap="none" normalizeH="0" baseline="0" dirty="0" smtClean="0">
-                <a:ln>
-                  <a:noFill/>
-                </a:ln>
-                <a:solidFill>
-                  <a:srgbClr val="CC7832"/>
-                </a:solidFill>
-                <a:effectLst/>
-                <a:latin typeface="Courier New" panose="02070309020205020404" pitchFamily="49" charset="0"/>
-                <a:cs typeface="Courier New" panose="02070309020205020404" pitchFamily="49" charset="0"/>
-              </a:rPr>
-              <a:t>    </a:t>
-            </a:r>
-            <a:r>
-              <a:rPr kumimoji="0" lang="en-US" altLang="en-US" sz="1400" b="0" i="0" u="none" strike="noStrike" cap="none" normalizeH="0" baseline="0" dirty="0" err="1" smtClean="0">
-                <a:ln>
-                  <a:noFill/>
-                </a:ln>
-                <a:solidFill>
-                  <a:srgbClr val="B9BCD1"/>
-                </a:solidFill>
-                <a:effectLst/>
-                <a:latin typeface="Courier New" panose="02070309020205020404" pitchFamily="49" charset="0"/>
-                <a:cs typeface="Courier New" panose="02070309020205020404" pitchFamily="49" charset="0"/>
-              </a:rPr>
-              <a:t>jobject</a:t>
-            </a:r>
-            <a:r>
-              <a:rPr kumimoji="0" lang="en-US" altLang="en-US" sz="1400" b="0" i="0" u="none" strike="noStrike" cap="none" normalizeH="0" baseline="0" dirty="0" smtClean="0">
-                <a:ln>
-                  <a:noFill/>
-                </a:ln>
-                <a:solidFill>
-                  <a:srgbClr val="B9BCD1"/>
-                </a:solidFill>
-                <a:effectLst/>
-                <a:latin typeface="Courier New" panose="02070309020205020404" pitchFamily="49" charset="0"/>
-                <a:cs typeface="Courier New" panose="02070309020205020404" pitchFamily="49" charset="0"/>
-              </a:rPr>
-              <a:t> </a:t>
-            </a:r>
-            <a:r>
-              <a:rPr kumimoji="0" lang="en-US" altLang="en-US" sz="1400" b="0" i="0" u="none" strike="noStrike" cap="none" normalizeH="0" baseline="0" dirty="0" err="1" smtClean="0">
-                <a:ln>
-                  <a:noFill/>
-                </a:ln>
-                <a:solidFill>
-                  <a:srgbClr val="A9B7C6"/>
-                </a:solidFill>
-                <a:effectLst/>
-                <a:latin typeface="Courier New" panose="02070309020205020404" pitchFamily="49" charset="0"/>
-                <a:cs typeface="Courier New" panose="02070309020205020404" pitchFamily="49" charset="0"/>
-              </a:rPr>
-              <a:t>globalObject</a:t>
-            </a:r>
-            <a:r>
-              <a:rPr kumimoji="0" lang="en-US" altLang="en-US" sz="1400" b="0" i="0" u="none" strike="noStrike" cap="none" normalizeH="0" baseline="0" dirty="0" smtClean="0">
-                <a:ln>
-                  <a:noFill/>
-                </a:ln>
-                <a:solidFill>
-                  <a:srgbClr val="A9B7C6"/>
-                </a:solidFill>
-                <a:effectLst/>
-                <a:latin typeface="Courier New" panose="02070309020205020404" pitchFamily="49" charset="0"/>
-                <a:cs typeface="Courier New" panose="02070309020205020404" pitchFamily="49" charset="0"/>
-              </a:rPr>
-              <a:t> = </a:t>
-            </a:r>
-            <a:r>
-              <a:rPr kumimoji="0" lang="en-US" altLang="en-US" sz="1400" b="0" i="0" u="none" strike="noStrike" cap="none" normalizeH="0" baseline="0" dirty="0" err="1" smtClean="0">
-                <a:ln>
-                  <a:noFill/>
-                </a:ln>
-                <a:solidFill>
-                  <a:srgbClr val="A9B7C6"/>
-                </a:solidFill>
-                <a:effectLst/>
-                <a:latin typeface="Courier New" panose="02070309020205020404" pitchFamily="49" charset="0"/>
-                <a:cs typeface="Courier New" panose="02070309020205020404" pitchFamily="49" charset="0"/>
-              </a:rPr>
-              <a:t>env</a:t>
-            </a:r>
-            <a:r>
-              <a:rPr kumimoji="0" lang="en-US" altLang="en-US" sz="1400" b="0" i="0" u="none" strike="noStrike" cap="none" normalizeH="0" baseline="0" dirty="0" smtClean="0">
-                <a:ln>
-                  <a:noFill/>
-                </a:ln>
-                <a:solidFill>
-                  <a:srgbClr val="A9B7C6"/>
-                </a:solidFill>
-                <a:effectLst/>
-                <a:latin typeface="Courier New" panose="02070309020205020404" pitchFamily="49" charset="0"/>
-                <a:cs typeface="Courier New" panose="02070309020205020404" pitchFamily="49" charset="0"/>
-              </a:rPr>
-              <a:t>-&gt;</a:t>
-            </a:r>
-            <a:r>
-              <a:rPr kumimoji="0" lang="en-US" altLang="en-US" sz="1400" b="0" i="0" u="none" strike="noStrike" cap="none" normalizeH="0" baseline="0" dirty="0" err="1" smtClean="0">
-                <a:ln>
-                  <a:noFill/>
-                </a:ln>
-                <a:solidFill>
-                  <a:srgbClr val="A9B7C6"/>
-                </a:solidFill>
-                <a:effectLst/>
-                <a:latin typeface="Courier New" panose="02070309020205020404" pitchFamily="49" charset="0"/>
-                <a:cs typeface="Courier New" panose="02070309020205020404" pitchFamily="49" charset="0"/>
-              </a:rPr>
-              <a:t>NewGlobalRef</a:t>
-            </a:r>
-            <a:r>
-              <a:rPr kumimoji="0" lang="en-US" altLang="en-US" sz="1400" b="0" i="0" u="none" strike="noStrike" cap="none" normalizeH="0" baseline="0" dirty="0" smtClean="0">
-                <a:ln>
-                  <a:noFill/>
-                </a:ln>
-                <a:solidFill>
-                  <a:srgbClr val="A9B7C6"/>
-                </a:solidFill>
-                <a:effectLst/>
-                <a:latin typeface="Courier New" panose="02070309020205020404" pitchFamily="49" charset="0"/>
-                <a:cs typeface="Courier New" panose="02070309020205020404" pitchFamily="49" charset="0"/>
-              </a:rPr>
-              <a:t>(</a:t>
-            </a:r>
-            <a:r>
-              <a:rPr kumimoji="0" lang="en-US" altLang="en-US" sz="1400" b="0" i="0" u="none" strike="noStrike" cap="none" normalizeH="0" baseline="0" dirty="0" err="1" smtClean="0">
-                <a:ln>
-                  <a:noFill/>
-                </a:ln>
-                <a:solidFill>
-                  <a:srgbClr val="A9B7C6"/>
-                </a:solidFill>
-                <a:effectLst/>
-                <a:latin typeface="Courier New" panose="02070309020205020404" pitchFamily="49" charset="0"/>
-                <a:cs typeface="Courier New" panose="02070309020205020404" pitchFamily="49" charset="0"/>
-              </a:rPr>
-              <a:t>testString</a:t>
-            </a:r>
-            <a:r>
-              <a:rPr kumimoji="0" lang="en-US" altLang="en-US" sz="1400" b="0" i="0" u="none" strike="noStrike" cap="none" normalizeH="0" baseline="0" dirty="0" smtClean="0">
-                <a:ln>
-                  <a:noFill/>
-                </a:ln>
-                <a:solidFill>
-                  <a:srgbClr val="A9B7C6"/>
-                </a:solidFill>
-                <a:effectLst/>
-                <a:latin typeface="Courier New" panose="02070309020205020404" pitchFamily="49" charset="0"/>
-                <a:cs typeface="Courier New" panose="02070309020205020404" pitchFamily="49" charset="0"/>
-              </a:rPr>
-              <a:t>)</a:t>
-            </a:r>
-            <a:r>
-              <a:rPr kumimoji="0" lang="en-US" altLang="en-US" sz="1400" b="0" i="0" u="none" strike="noStrike" cap="none" normalizeH="0" baseline="0" dirty="0" smtClean="0">
-                <a:ln>
-                  <a:noFill/>
-                </a:ln>
-                <a:solidFill>
-                  <a:srgbClr val="CC7832"/>
-                </a:solidFill>
-                <a:effectLst/>
-                <a:latin typeface="Courier New" panose="02070309020205020404" pitchFamily="49" charset="0"/>
-                <a:cs typeface="Courier New" panose="02070309020205020404" pitchFamily="49" charset="0"/>
-              </a:rPr>
-              <a:t>;</a:t>
-            </a:r>
-          </a:p>
-          <a:p>
-            <a:pPr marL="0" marR="0" lvl="0" indent="0" algn="l" defTabSz="914400" rtl="0" eaLnBrk="0" fontAlgn="base" latinLnBrk="0" hangingPunct="0">
-              <a:lnSpc>
-                <a:spcPct val="100000"/>
-              </a:lnSpc>
-              <a:spcBef>
-                <a:spcPct val="0"/>
-              </a:spcBef>
-              <a:spcAft>
-                <a:spcPct val="0"/>
-              </a:spcAft>
-              <a:buClrTx/>
-              <a:buSzTx/>
-              <a:buFontTx/>
-              <a:buNone/>
-              <a:tabLst/>
-            </a:pPr>
-            <a:r>
-              <a:rPr kumimoji="0" lang="en-US" altLang="en-US" sz="1400" b="0" i="0" u="none" strike="noStrike" cap="none" normalizeH="0" baseline="0" dirty="0" smtClean="0">
-                <a:ln>
-                  <a:noFill/>
-                </a:ln>
-                <a:solidFill>
-                  <a:srgbClr val="CC7832"/>
-                </a:solidFill>
-                <a:effectLst/>
-                <a:latin typeface="Courier New" panose="02070309020205020404" pitchFamily="49" charset="0"/>
-                <a:cs typeface="Courier New" panose="02070309020205020404" pitchFamily="49" charset="0"/>
-              </a:rPr>
-              <a:t/>
-            </a:r>
-            <a:br>
-              <a:rPr kumimoji="0" lang="en-US" altLang="en-US" sz="1400" b="0" i="0" u="none" strike="noStrike" cap="none" normalizeH="0" baseline="0" dirty="0" smtClean="0">
-                <a:ln>
-                  <a:noFill/>
-                </a:ln>
-                <a:solidFill>
-                  <a:srgbClr val="CC7832"/>
-                </a:solidFill>
-                <a:effectLst/>
-                <a:latin typeface="Courier New" panose="02070309020205020404" pitchFamily="49" charset="0"/>
-                <a:cs typeface="Courier New" panose="02070309020205020404" pitchFamily="49" charset="0"/>
-              </a:rPr>
-            </a:br>
-            <a:r>
-              <a:rPr kumimoji="0" lang="en-US" altLang="en-US" sz="1400" b="0" i="0" u="none" strike="noStrike" cap="none" normalizeH="0" baseline="0" dirty="0" smtClean="0">
-                <a:ln>
-                  <a:noFill/>
-                </a:ln>
-                <a:solidFill>
-                  <a:srgbClr val="CC7832"/>
-                </a:solidFill>
-                <a:effectLst/>
-                <a:latin typeface="Courier New" panose="02070309020205020404" pitchFamily="49" charset="0"/>
-                <a:cs typeface="Courier New" panose="02070309020205020404" pitchFamily="49" charset="0"/>
-              </a:rPr>
-              <a:t>    </a:t>
-            </a:r>
-            <a:r>
-              <a:rPr kumimoji="0" lang="en-US" altLang="en-US" sz="1400" b="0" i="0" u="none" strike="noStrike" cap="none" normalizeH="0" baseline="0" dirty="0" err="1" smtClean="0">
-                <a:ln>
-                  <a:noFill/>
-                </a:ln>
-                <a:solidFill>
-                  <a:srgbClr val="A9B7C6"/>
-                </a:solidFill>
-                <a:effectLst/>
-                <a:latin typeface="Courier New" panose="02070309020205020404" pitchFamily="49" charset="0"/>
-                <a:cs typeface="Courier New" panose="02070309020205020404" pitchFamily="49" charset="0"/>
-              </a:rPr>
-              <a:t>globalArray.push_back</a:t>
-            </a:r>
-            <a:r>
-              <a:rPr kumimoji="0" lang="en-US" altLang="en-US" sz="1400" b="0" i="0" u="none" strike="noStrike" cap="none" normalizeH="0" baseline="0" dirty="0" smtClean="0">
-                <a:ln>
-                  <a:noFill/>
-                </a:ln>
-                <a:solidFill>
-                  <a:srgbClr val="A9B7C6"/>
-                </a:solidFill>
-                <a:effectLst/>
-                <a:latin typeface="Courier New" panose="02070309020205020404" pitchFamily="49" charset="0"/>
-                <a:cs typeface="Courier New" panose="02070309020205020404" pitchFamily="49" charset="0"/>
-              </a:rPr>
-              <a:t>(</a:t>
-            </a:r>
-            <a:r>
-              <a:rPr kumimoji="0" lang="en-US" altLang="en-US" sz="1400" b="0" i="0" u="none" strike="noStrike" cap="none" normalizeH="0" baseline="0" dirty="0" err="1" smtClean="0">
-                <a:ln>
-                  <a:noFill/>
-                </a:ln>
-                <a:solidFill>
-                  <a:srgbClr val="A9B7C6"/>
-                </a:solidFill>
-                <a:effectLst/>
-                <a:latin typeface="Courier New" panose="02070309020205020404" pitchFamily="49" charset="0"/>
-                <a:cs typeface="Courier New" panose="02070309020205020404" pitchFamily="49" charset="0"/>
-              </a:rPr>
-              <a:t>globalObject</a:t>
-            </a:r>
-            <a:r>
-              <a:rPr kumimoji="0" lang="en-US" altLang="en-US" sz="1400" b="0" i="0" u="none" strike="noStrike" cap="none" normalizeH="0" baseline="0" dirty="0" smtClean="0">
-                <a:ln>
-                  <a:noFill/>
-                </a:ln>
-                <a:solidFill>
-                  <a:srgbClr val="A9B7C6"/>
-                </a:solidFill>
-                <a:effectLst/>
-                <a:latin typeface="Courier New" panose="02070309020205020404" pitchFamily="49" charset="0"/>
-                <a:cs typeface="Courier New" panose="02070309020205020404" pitchFamily="49" charset="0"/>
-              </a:rPr>
-              <a:t>)</a:t>
-            </a:r>
-            <a:r>
-              <a:rPr kumimoji="0" lang="en-US" altLang="en-US" sz="1400" b="0" i="0" u="none" strike="noStrike" cap="none" normalizeH="0" baseline="0" dirty="0" smtClean="0">
-                <a:ln>
-                  <a:noFill/>
-                </a:ln>
-                <a:solidFill>
-                  <a:srgbClr val="CC7832"/>
-                </a:solidFill>
-                <a:effectLst/>
-                <a:latin typeface="Courier New" panose="02070309020205020404" pitchFamily="49" charset="0"/>
-                <a:cs typeface="Courier New" panose="02070309020205020404" pitchFamily="49" charset="0"/>
-              </a:rPr>
-              <a:t>;</a:t>
-            </a:r>
-            <a:br>
-              <a:rPr kumimoji="0" lang="en-US" altLang="en-US" sz="1400" b="0" i="0" u="none" strike="noStrike" cap="none" normalizeH="0" baseline="0" dirty="0" smtClean="0">
-                <a:ln>
-                  <a:noFill/>
-                </a:ln>
-                <a:solidFill>
-                  <a:srgbClr val="CC7832"/>
-                </a:solidFill>
-                <a:effectLst/>
-                <a:latin typeface="Courier New" panose="02070309020205020404" pitchFamily="49" charset="0"/>
-                <a:cs typeface="Courier New" panose="02070309020205020404" pitchFamily="49" charset="0"/>
-              </a:rPr>
-            </a:br>
-            <a:r>
-              <a:rPr kumimoji="0" lang="en-US" altLang="en-US" sz="1400" b="0" i="0" u="none" strike="noStrike" cap="none" normalizeH="0" baseline="0" dirty="0" smtClean="0">
-                <a:ln>
-                  <a:noFill/>
-                </a:ln>
-                <a:solidFill>
-                  <a:srgbClr val="CC7832"/>
-                </a:solidFill>
-                <a:effectLst/>
-                <a:latin typeface="Courier New" panose="02070309020205020404" pitchFamily="49" charset="0"/>
-                <a:cs typeface="Courier New" panose="02070309020205020404" pitchFamily="49" charset="0"/>
-              </a:rPr>
-              <a:t>    </a:t>
-            </a:r>
-            <a:r>
-              <a:rPr kumimoji="0" lang="en-US" altLang="en-US" sz="1400" b="0" i="0" u="none" strike="noStrike" cap="none" normalizeH="0" baseline="0" dirty="0" err="1" smtClean="0">
-                <a:ln>
-                  <a:noFill/>
-                </a:ln>
-                <a:solidFill>
-                  <a:srgbClr val="A9B7C6"/>
-                </a:solidFill>
-                <a:effectLst/>
-                <a:latin typeface="Courier New" panose="02070309020205020404" pitchFamily="49" charset="0"/>
-                <a:cs typeface="Courier New" panose="02070309020205020404" pitchFamily="49" charset="0"/>
-              </a:rPr>
-              <a:t>env</a:t>
-            </a:r>
-            <a:r>
-              <a:rPr kumimoji="0" lang="en-US" altLang="en-US" sz="1400" b="0" i="0" u="none" strike="noStrike" cap="none" normalizeH="0" baseline="0" dirty="0" smtClean="0">
-                <a:ln>
-                  <a:noFill/>
-                </a:ln>
-                <a:solidFill>
-                  <a:srgbClr val="A9B7C6"/>
-                </a:solidFill>
-                <a:effectLst/>
-                <a:latin typeface="Courier New" panose="02070309020205020404" pitchFamily="49" charset="0"/>
-                <a:cs typeface="Courier New" panose="02070309020205020404" pitchFamily="49" charset="0"/>
-              </a:rPr>
-              <a:t>-&gt;</a:t>
-            </a:r>
-            <a:r>
-              <a:rPr kumimoji="0" lang="en-US" altLang="en-US" sz="1400" b="0" i="0" u="none" strike="noStrike" cap="none" normalizeH="0" baseline="0" dirty="0" err="1" smtClean="0">
-                <a:ln>
-                  <a:noFill/>
-                </a:ln>
-                <a:solidFill>
-                  <a:srgbClr val="A9B7C6"/>
-                </a:solidFill>
-                <a:effectLst/>
-                <a:latin typeface="Courier New" panose="02070309020205020404" pitchFamily="49" charset="0"/>
-                <a:cs typeface="Courier New" panose="02070309020205020404" pitchFamily="49" charset="0"/>
-              </a:rPr>
-              <a:t>DeleteLocalRef</a:t>
-            </a:r>
-            <a:r>
-              <a:rPr kumimoji="0" lang="en-US" altLang="en-US" sz="1400" b="0" i="0" u="none" strike="noStrike" cap="none" normalizeH="0" baseline="0" dirty="0" smtClean="0">
-                <a:ln>
-                  <a:noFill/>
-                </a:ln>
-                <a:solidFill>
-                  <a:srgbClr val="A9B7C6"/>
-                </a:solidFill>
-                <a:effectLst/>
-                <a:latin typeface="Courier New" panose="02070309020205020404" pitchFamily="49" charset="0"/>
-                <a:cs typeface="Courier New" panose="02070309020205020404" pitchFamily="49" charset="0"/>
-              </a:rPr>
-              <a:t>(</a:t>
-            </a:r>
-            <a:r>
-              <a:rPr kumimoji="0" lang="en-US" altLang="en-US" sz="1400" b="0" i="0" u="none" strike="noStrike" cap="none" normalizeH="0" baseline="0" dirty="0" err="1" smtClean="0">
-                <a:ln>
-                  <a:noFill/>
-                </a:ln>
-                <a:solidFill>
-                  <a:srgbClr val="A9B7C6"/>
-                </a:solidFill>
-                <a:effectLst/>
-                <a:latin typeface="Courier New" panose="02070309020205020404" pitchFamily="49" charset="0"/>
-                <a:cs typeface="Courier New" panose="02070309020205020404" pitchFamily="49" charset="0"/>
-              </a:rPr>
-              <a:t>testString</a:t>
-            </a:r>
-            <a:r>
-              <a:rPr kumimoji="0" lang="en-US" altLang="en-US" sz="1400" b="0" i="0" u="none" strike="noStrike" cap="none" normalizeH="0" baseline="0" dirty="0" smtClean="0">
-                <a:ln>
-                  <a:noFill/>
-                </a:ln>
-                <a:solidFill>
-                  <a:srgbClr val="A9B7C6"/>
-                </a:solidFill>
-                <a:effectLst/>
-                <a:latin typeface="Courier New" panose="02070309020205020404" pitchFamily="49" charset="0"/>
-                <a:cs typeface="Courier New" panose="02070309020205020404" pitchFamily="49" charset="0"/>
-              </a:rPr>
-              <a:t>)</a:t>
-            </a:r>
-            <a:r>
-              <a:rPr kumimoji="0" lang="en-US" altLang="en-US" sz="1400" b="0" i="0" u="none" strike="noStrike" cap="none" normalizeH="0" baseline="0" dirty="0" smtClean="0">
-                <a:ln>
-                  <a:noFill/>
-                </a:ln>
-                <a:solidFill>
-                  <a:srgbClr val="CC7832"/>
-                </a:solidFill>
-                <a:effectLst/>
-                <a:latin typeface="Courier New" panose="02070309020205020404" pitchFamily="49" charset="0"/>
-                <a:cs typeface="Courier New" panose="02070309020205020404" pitchFamily="49" charset="0"/>
-              </a:rPr>
-              <a:t>;</a:t>
-            </a:r>
-            <a:br>
-              <a:rPr kumimoji="0" lang="en-US" altLang="en-US" sz="1400" b="0" i="0" u="none" strike="noStrike" cap="none" normalizeH="0" baseline="0" dirty="0" smtClean="0">
-                <a:ln>
-                  <a:noFill/>
-                </a:ln>
-                <a:solidFill>
-                  <a:srgbClr val="CC7832"/>
-                </a:solidFill>
-                <a:effectLst/>
-                <a:latin typeface="Courier New" panose="02070309020205020404" pitchFamily="49" charset="0"/>
-                <a:cs typeface="Courier New" panose="02070309020205020404" pitchFamily="49" charset="0"/>
-              </a:rPr>
-            </a:br>
-            <a:r>
-              <a:rPr kumimoji="0" lang="en-US" altLang="en-US" sz="1400" b="0" i="0" u="none" strike="noStrike" cap="none" normalizeH="0" baseline="0" dirty="0" smtClean="0">
-                <a:ln>
-                  <a:noFill/>
-                </a:ln>
-                <a:solidFill>
-                  <a:srgbClr val="A9B7C6"/>
-                </a:solidFill>
-                <a:effectLst/>
-                <a:latin typeface="Courier New" panose="02070309020205020404" pitchFamily="49" charset="0"/>
-                <a:cs typeface="Courier New" panose="02070309020205020404" pitchFamily="49" charset="0"/>
-              </a:rPr>
-              <a:t>}</a:t>
-            </a:r>
-            <a:r>
-              <a:rPr kumimoji="0" lang="en-US" altLang="en-US" sz="1000" b="0" i="0" u="none" strike="noStrike" cap="none" normalizeH="0" baseline="0" dirty="0" smtClean="0">
-                <a:ln>
-                  <a:noFill/>
-                </a:ln>
-                <a:solidFill>
-                  <a:srgbClr val="A9B7C6"/>
-                </a:solidFill>
-                <a:effectLst/>
-                <a:latin typeface="Courier New" panose="02070309020205020404" pitchFamily="49" charset="0"/>
-                <a:cs typeface="Courier New" panose="02070309020205020404" pitchFamily="49" charset="0"/>
-              </a:rPr>
-              <a:t/>
-            </a:r>
-            <a:br>
-              <a:rPr kumimoji="0" lang="en-US" altLang="en-US" sz="1000" b="0" i="0" u="none" strike="noStrike" cap="none" normalizeH="0" baseline="0" dirty="0" smtClean="0">
-                <a:ln>
-                  <a:noFill/>
-                </a:ln>
-                <a:solidFill>
-                  <a:srgbClr val="A9B7C6"/>
-                </a:solidFill>
-                <a:effectLst/>
-                <a:latin typeface="Courier New" panose="02070309020205020404" pitchFamily="49" charset="0"/>
-                <a:cs typeface="Courier New" panose="02070309020205020404" pitchFamily="49" charset="0"/>
-              </a:rPr>
-            </a:br>
-            <a:endParaRPr kumimoji="0" lang="en-US" altLang="en-US" sz="1800" b="0" i="0" u="none" strike="noStrike" cap="none" normalizeH="0" baseline="0" dirty="0" smtClean="0">
-              <a:ln>
-                <a:noFill/>
-              </a:ln>
-              <a:solidFill>
-                <a:schemeClr val="tx1"/>
-              </a:solidFill>
-              <a:effectLst/>
-              <a:latin typeface="Arial" panose="020B0604020202020204" pitchFamily="34" charset="0"/>
-            </a:endParaRPr>
-          </a:p>
-        </p:txBody>
-      </p:sp>
       <p:sp>
         <p:nvSpPr>
           <p:cNvPr id="5" name="Rectangle 2"/>
@@ -24611,8 +23771,8 @@
         </p:nvSpPr>
         <p:spPr bwMode="auto">
           <a:xfrm>
-            <a:off x="269767" y="2613595"/>
-            <a:ext cx="6537814" cy="1600438"/>
+            <a:off x="734156" y="2120456"/>
+            <a:ext cx="5796925" cy="1384995"/>
           </a:xfrm>
           <a:prstGeom prst="rect">
             <a:avLst/>
@@ -24667,7 +23827,7 @@
               <a:tabLst/>
             </a:pPr>
             <a:r>
-              <a:rPr kumimoji="0" lang="en-US" altLang="en-US" sz="1400" b="1" i="0" u="none" strike="noStrike" cap="none" normalizeH="0" baseline="0" dirty="0" smtClean="0">
+              <a:rPr kumimoji="0" lang="en-US" altLang="en-US" sz="1200" b="1" i="0" u="none" strike="noStrike" cap="none" normalizeH="0" baseline="0" dirty="0" smtClean="0">
                 <a:ln>
                   <a:noFill/>
                 </a:ln>
@@ -24681,7 +23841,7 @@
               <a:t>for</a:t>
             </a:r>
             <a:r>
-              <a:rPr kumimoji="0" lang="en-US" altLang="en-US" sz="1400" b="0" i="0" u="none" strike="noStrike" cap="none" normalizeH="0" baseline="0" dirty="0" smtClean="0">
+              <a:rPr kumimoji="0" lang="en-US" altLang="en-US" sz="1200" b="0" i="0" u="none" strike="noStrike" cap="none" normalizeH="0" baseline="0" dirty="0" smtClean="0">
                 <a:ln>
                   <a:noFill/>
                 </a:ln>
@@ -24695,7 +23855,7 @@
               <a:t>(</a:t>
             </a:r>
             <a:r>
-              <a:rPr kumimoji="0" lang="en-US" altLang="en-US" sz="1400" b="1" i="0" u="none" strike="noStrike" cap="none" normalizeH="0" baseline="0" dirty="0" err="1" smtClean="0">
+              <a:rPr kumimoji="0" lang="en-US" altLang="en-US" sz="1200" b="1" i="0" u="none" strike="noStrike" cap="none" normalizeH="0" baseline="0" dirty="0" err="1" smtClean="0">
                 <a:ln>
                   <a:noFill/>
                 </a:ln>
@@ -24709,7 +23869,7 @@
               <a:t>int</a:t>
             </a:r>
             <a:r>
-              <a:rPr kumimoji="0" lang="en-US" altLang="en-US" sz="1400" b="1" i="0" u="none" strike="noStrike" cap="none" normalizeH="0" baseline="0" dirty="0" smtClean="0">
+              <a:rPr kumimoji="0" lang="en-US" altLang="en-US" sz="1200" b="1" i="0" u="none" strike="noStrike" cap="none" normalizeH="0" baseline="0" dirty="0" smtClean="0">
                 <a:ln>
                   <a:noFill/>
                 </a:ln>
@@ -24723,7 +23883,7 @@
               <a:t> </a:t>
             </a:r>
             <a:r>
-              <a:rPr kumimoji="0" lang="en-US" altLang="en-US" sz="1400" b="0" i="0" u="none" strike="noStrike" cap="none" normalizeH="0" baseline="0" dirty="0" err="1" smtClean="0">
+              <a:rPr kumimoji="0" lang="en-US" altLang="en-US" sz="1200" b="0" i="0" u="none" strike="noStrike" cap="none" normalizeH="0" baseline="0" dirty="0" err="1" smtClean="0">
                 <a:ln>
                   <a:noFill/>
                 </a:ln>
@@ -24737,7 +23897,7 @@
               <a:t>i</a:t>
             </a:r>
             <a:r>
-              <a:rPr kumimoji="0" lang="en-US" altLang="en-US" sz="1400" b="0" i="0" u="none" strike="noStrike" cap="none" normalizeH="0" baseline="0" dirty="0" smtClean="0">
+              <a:rPr kumimoji="0" lang="en-US" altLang="en-US" sz="1200" b="0" i="0" u="none" strike="noStrike" cap="none" normalizeH="0" baseline="0" dirty="0" smtClean="0">
                 <a:ln>
                   <a:noFill/>
                 </a:ln>
@@ -24751,7 +23911,7 @@
               <a:t> = </a:t>
             </a:r>
             <a:r>
-              <a:rPr kumimoji="0" lang="en-US" altLang="en-US" sz="1400" b="0" i="0" u="none" strike="noStrike" cap="none" normalizeH="0" baseline="0" dirty="0" smtClean="0">
+              <a:rPr kumimoji="0" lang="en-US" altLang="en-US" sz="1200" b="0" i="0" u="none" strike="noStrike" cap="none" normalizeH="0" baseline="0" dirty="0" smtClean="0">
                 <a:ln>
                   <a:noFill/>
                 </a:ln>
@@ -24765,7 +23925,7 @@
               <a:t>0</a:t>
             </a:r>
             <a:r>
-              <a:rPr kumimoji="0" lang="en-US" altLang="en-US" sz="1400" b="0" i="0" u="none" strike="noStrike" cap="none" normalizeH="0" baseline="0" dirty="0" smtClean="0">
+              <a:rPr kumimoji="0" lang="en-US" altLang="en-US" sz="1200" b="0" i="0" u="none" strike="noStrike" cap="none" normalizeH="0" baseline="0" dirty="0" smtClean="0">
                 <a:ln>
                   <a:noFill/>
                 </a:ln>
@@ -24779,7 +23939,7 @@
               <a:t>; </a:t>
             </a:r>
             <a:r>
-              <a:rPr kumimoji="0" lang="en-US" altLang="en-US" sz="1400" b="0" i="0" u="none" strike="noStrike" cap="none" normalizeH="0" baseline="0" dirty="0" err="1" smtClean="0">
+              <a:rPr kumimoji="0" lang="en-US" altLang="en-US" sz="1200" b="0" i="0" u="none" strike="noStrike" cap="none" normalizeH="0" baseline="0" dirty="0" err="1" smtClean="0">
                 <a:ln>
                   <a:noFill/>
                 </a:ln>
@@ -24793,7 +23953,7 @@
               <a:t>i</a:t>
             </a:r>
             <a:r>
-              <a:rPr kumimoji="0" lang="en-US" altLang="en-US" sz="1400" b="0" i="0" u="none" strike="noStrike" cap="none" normalizeH="0" baseline="0" dirty="0" smtClean="0">
+              <a:rPr kumimoji="0" lang="en-US" altLang="en-US" sz="1200" b="0" i="0" u="none" strike="noStrike" cap="none" normalizeH="0" baseline="0" dirty="0" smtClean="0">
                 <a:ln>
                   <a:noFill/>
                 </a:ln>
@@ -24807,7 +23967,7 @@
               <a:t>&lt; </a:t>
             </a:r>
             <a:r>
-              <a:rPr kumimoji="0" lang="en-US" altLang="en-US" sz="1400" b="0" i="0" u="none" strike="noStrike" cap="none" normalizeH="0" baseline="0" dirty="0" smtClean="0">
+              <a:rPr kumimoji="0" lang="en-US" altLang="en-US" sz="1200" b="0" i="0" u="none" strike="noStrike" cap="none" normalizeH="0" baseline="0" dirty="0" smtClean="0">
                 <a:ln>
                   <a:noFill/>
                 </a:ln>
@@ -24821,7 +23981,7 @@
               <a:t>600</a:t>
             </a:r>
             <a:r>
-              <a:rPr kumimoji="0" lang="en-US" altLang="en-US" sz="1400" b="0" i="0" u="none" strike="noStrike" cap="none" normalizeH="0" baseline="0" dirty="0" smtClean="0">
+              <a:rPr kumimoji="0" lang="en-US" altLang="en-US" sz="1200" b="0" i="0" u="none" strike="noStrike" cap="none" normalizeH="0" baseline="0" dirty="0" smtClean="0">
                 <a:ln>
                   <a:noFill/>
                 </a:ln>
@@ -24835,7 +23995,7 @@
               <a:t>; </a:t>
             </a:r>
             <a:r>
-              <a:rPr kumimoji="0" lang="en-US" altLang="en-US" sz="1400" b="0" i="0" u="none" strike="noStrike" cap="none" normalizeH="0" baseline="0" dirty="0" err="1" smtClean="0">
+              <a:rPr kumimoji="0" lang="en-US" altLang="en-US" sz="1200" b="0" i="0" u="none" strike="noStrike" cap="none" normalizeH="0" baseline="0" dirty="0" err="1" smtClean="0">
                 <a:ln>
                   <a:noFill/>
                 </a:ln>
@@ -24849,7 +24009,7 @@
               <a:t>i</a:t>
             </a:r>
             <a:r>
-              <a:rPr kumimoji="0" lang="en-US" altLang="en-US" sz="1400" b="0" i="0" u="none" strike="noStrike" cap="none" normalizeH="0" baseline="0" dirty="0" smtClean="0">
+              <a:rPr kumimoji="0" lang="en-US" altLang="en-US" sz="1200" b="0" i="0" u="none" strike="noStrike" cap="none" normalizeH="0" baseline="0" dirty="0" smtClean="0">
                 <a:ln>
                   <a:noFill/>
                 </a:ln>
@@ -24863,7 +24023,7 @@
               <a:t>++)</a:t>
             </a:r>
             <a:br>
-              <a:rPr kumimoji="0" lang="en-US" altLang="en-US" sz="1400" b="0" i="0" u="none" strike="noStrike" cap="none" normalizeH="0" baseline="0" dirty="0" smtClean="0">
+              <a:rPr kumimoji="0" lang="en-US" altLang="en-US" sz="1200" b="0" i="0" u="none" strike="noStrike" cap="none" normalizeH="0" baseline="0" dirty="0" smtClean="0">
                 <a:ln>
                   <a:noFill/>
                 </a:ln>
@@ -24876,7 +24036,7 @@
               </a:rPr>
             </a:br>
             <a:r>
-              <a:rPr kumimoji="0" lang="en-US" altLang="en-US" sz="1400" b="0" i="0" u="none" strike="noStrike" cap="none" normalizeH="0" baseline="0" dirty="0" smtClean="0">
+              <a:rPr kumimoji="0" lang="en-US" altLang="en-US" sz="1200" b="0" i="0" u="none" strike="noStrike" cap="none" normalizeH="0" baseline="0" dirty="0" smtClean="0">
                 <a:ln>
                   <a:noFill/>
                 </a:ln>
@@ -24890,7 +24050,7 @@
               <a:t>{</a:t>
             </a:r>
             <a:br>
-              <a:rPr kumimoji="0" lang="en-US" altLang="en-US" sz="1400" b="0" i="0" u="none" strike="noStrike" cap="none" normalizeH="0" baseline="0" dirty="0" smtClean="0">
+              <a:rPr kumimoji="0" lang="en-US" altLang="en-US" sz="1200" b="0" i="0" u="none" strike="noStrike" cap="none" normalizeH="0" baseline="0" dirty="0" smtClean="0">
                 <a:ln>
                   <a:noFill/>
                 </a:ln>
@@ -24903,7 +24063,7 @@
               </a:rPr>
             </a:br>
             <a:r>
-              <a:rPr kumimoji="0" lang="en-US" altLang="en-US" sz="1400" b="0" i="0" u="none" strike="noStrike" cap="none" normalizeH="0" baseline="0" dirty="0" smtClean="0">
+              <a:rPr kumimoji="0" lang="en-US" altLang="en-US" sz="1200" b="0" i="0" u="none" strike="noStrike" cap="none" normalizeH="0" baseline="0" dirty="0" smtClean="0">
                 <a:ln>
                   <a:noFill/>
                 </a:ln>
@@ -24917,7 +24077,7 @@
               <a:t>    </a:t>
             </a:r>
             <a:r>
-              <a:rPr kumimoji="0" lang="en-US" altLang="en-US" sz="1400" b="0" i="0" u="none" strike="noStrike" cap="none" normalizeH="0" baseline="0" dirty="0" err="1" smtClean="0">
+              <a:rPr kumimoji="0" lang="en-US" altLang="en-US" sz="1200" b="0" i="0" u="none" strike="noStrike" cap="none" normalizeH="0" baseline="0" dirty="0" err="1" smtClean="0">
                 <a:ln>
                   <a:noFill/>
                 </a:ln>
@@ -24931,7 +24091,7 @@
               <a:t>jstring</a:t>
             </a:r>
             <a:r>
-              <a:rPr kumimoji="0" lang="en-US" altLang="en-US" sz="1400" b="0" i="0" u="none" strike="noStrike" cap="none" normalizeH="0" baseline="0" dirty="0" smtClean="0">
+              <a:rPr kumimoji="0" lang="en-US" altLang="en-US" sz="1200" b="0" i="0" u="none" strike="noStrike" cap="none" normalizeH="0" baseline="0" dirty="0" smtClean="0">
                 <a:ln>
                   <a:noFill/>
                 </a:ln>
@@ -24945,7 +24105,7 @@
               <a:t> </a:t>
             </a:r>
             <a:r>
-              <a:rPr kumimoji="0" lang="en-US" altLang="en-US" sz="1400" b="0" i="0" u="none" strike="noStrike" cap="none" normalizeH="0" baseline="0" dirty="0" err="1" smtClean="0">
+              <a:rPr kumimoji="0" lang="en-US" altLang="en-US" sz="1200" b="0" i="0" u="none" strike="noStrike" cap="none" normalizeH="0" baseline="0" dirty="0" err="1" smtClean="0">
                 <a:ln>
                   <a:noFill/>
                 </a:ln>
@@ -24959,7 +24119,7 @@
               <a:t>testString</a:t>
             </a:r>
             <a:r>
-              <a:rPr kumimoji="0" lang="en-US" altLang="en-US" sz="1400" b="0" i="0" u="none" strike="noStrike" cap="none" normalizeH="0" baseline="0" dirty="0" smtClean="0">
+              <a:rPr kumimoji="0" lang="en-US" altLang="en-US" sz="1200" b="0" i="0" u="none" strike="noStrike" cap="none" normalizeH="0" baseline="0" dirty="0" smtClean="0">
                 <a:ln>
                   <a:noFill/>
                 </a:ln>
@@ -24973,7 +24133,7 @@
               <a:t> = </a:t>
             </a:r>
             <a:r>
-              <a:rPr kumimoji="0" lang="en-US" altLang="en-US" sz="1400" b="0" i="0" u="none" strike="noStrike" cap="none" normalizeH="0" baseline="0" dirty="0" err="1" smtClean="0">
+              <a:rPr kumimoji="0" lang="en-US" altLang="en-US" sz="1200" b="0" i="0" u="none" strike="noStrike" cap="none" normalizeH="0" baseline="0" dirty="0" err="1" smtClean="0">
                 <a:ln>
                   <a:noFill/>
                 </a:ln>
@@ -24987,7 +24147,7 @@
               <a:t>env</a:t>
             </a:r>
             <a:r>
-              <a:rPr kumimoji="0" lang="en-US" altLang="en-US" sz="1400" b="0" i="0" u="none" strike="noStrike" cap="none" normalizeH="0" baseline="0" dirty="0" smtClean="0">
+              <a:rPr kumimoji="0" lang="en-US" altLang="en-US" sz="1200" b="0" i="0" u="none" strike="noStrike" cap="none" normalizeH="0" baseline="0" dirty="0" smtClean="0">
                 <a:ln>
                   <a:noFill/>
                 </a:ln>
@@ -25001,7 +24161,7 @@
               <a:t>-&gt;</a:t>
             </a:r>
             <a:r>
-              <a:rPr kumimoji="0" lang="en-US" altLang="en-US" sz="1400" b="0" i="0" u="none" strike="noStrike" cap="none" normalizeH="0" baseline="0" dirty="0" err="1" smtClean="0">
+              <a:rPr kumimoji="0" lang="en-US" altLang="en-US" sz="1200" b="0" i="0" u="none" strike="noStrike" cap="none" normalizeH="0" baseline="0" dirty="0" err="1" smtClean="0">
                 <a:ln>
                   <a:noFill/>
                 </a:ln>
@@ -25015,7 +24175,7 @@
               <a:t>NewStringUTF</a:t>
             </a:r>
             <a:r>
-              <a:rPr kumimoji="0" lang="en-US" altLang="en-US" sz="1400" b="0" i="0" u="none" strike="noStrike" cap="none" normalizeH="0" baseline="0" dirty="0" smtClean="0">
+              <a:rPr kumimoji="0" lang="en-US" altLang="en-US" sz="1200" b="0" i="0" u="none" strike="noStrike" cap="none" normalizeH="0" baseline="0" dirty="0" smtClean="0">
                 <a:ln>
                   <a:noFill/>
                 </a:ln>
@@ -25029,7 +24189,7 @@
               <a:t>(</a:t>
             </a:r>
             <a:r>
-              <a:rPr kumimoji="0" lang="en-US" altLang="en-US" sz="1400" b="0" i="0" u="none" strike="noStrike" cap="none" normalizeH="0" baseline="0" dirty="0" smtClean="0">
+              <a:rPr kumimoji="0" lang="en-US" altLang="en-US" sz="1200" b="0" i="0" u="none" strike="noStrike" cap="none" normalizeH="0" baseline="0" dirty="0" smtClean="0">
                 <a:ln>
                   <a:noFill/>
                 </a:ln>
@@ -25043,7 +24203,7 @@
               <a:t>"Test String"</a:t>
             </a:r>
             <a:r>
-              <a:rPr kumimoji="0" lang="en-US" altLang="en-US" sz="1400" b="0" i="0" u="none" strike="noStrike" cap="none" normalizeH="0" baseline="0" dirty="0" smtClean="0">
+              <a:rPr kumimoji="0" lang="en-US" altLang="en-US" sz="1200" b="0" i="0" u="none" strike="noStrike" cap="none" normalizeH="0" baseline="0" dirty="0" smtClean="0">
                 <a:ln>
                   <a:noFill/>
                 </a:ln>
@@ -25057,7 +24217,7 @@
               <a:t>)</a:t>
             </a:r>
             <a:r>
-              <a:rPr kumimoji="0" lang="en-US" altLang="en-US" sz="1400" b="0" i="0" u="none" strike="noStrike" cap="none" normalizeH="0" baseline="0" dirty="0" smtClean="0">
+              <a:rPr kumimoji="0" lang="en-US" altLang="en-US" sz="1200" b="0" i="0" u="none" strike="noStrike" cap="none" normalizeH="0" baseline="0" dirty="0" smtClean="0">
                 <a:ln>
                   <a:noFill/>
                 </a:ln>
@@ -25071,7 +24231,7 @@
               <a:t>;</a:t>
             </a:r>
             <a:br>
-              <a:rPr kumimoji="0" lang="en-US" altLang="en-US" sz="1400" b="0" i="0" u="none" strike="noStrike" cap="none" normalizeH="0" baseline="0" dirty="0" smtClean="0">
+              <a:rPr kumimoji="0" lang="en-US" altLang="en-US" sz="1200" b="0" i="0" u="none" strike="noStrike" cap="none" normalizeH="0" baseline="0" dirty="0" smtClean="0">
                 <a:ln>
                   <a:noFill/>
                 </a:ln>
@@ -25084,7 +24244,7 @@
               </a:rPr>
             </a:br>
             <a:r>
-              <a:rPr kumimoji="0" lang="en-US" altLang="en-US" sz="1400" b="0" i="0" u="none" strike="noStrike" cap="none" normalizeH="0" baseline="0" dirty="0" smtClean="0">
+              <a:rPr kumimoji="0" lang="en-US" altLang="en-US" sz="1200" b="0" i="0" u="none" strike="noStrike" cap="none" normalizeH="0" baseline="0" dirty="0" smtClean="0">
                 <a:ln>
                   <a:noFill/>
                 </a:ln>
@@ -25098,7 +24258,7 @@
               <a:t>    </a:t>
             </a:r>
             <a:r>
-              <a:rPr kumimoji="0" lang="en-US" altLang="en-US" sz="1400" b="0" i="0" u="none" strike="noStrike" cap="none" normalizeH="0" baseline="0" dirty="0" err="1" smtClean="0">
+              <a:rPr kumimoji="0" lang="en-US" altLang="en-US" sz="1200" b="0" i="0" u="none" strike="noStrike" cap="none" normalizeH="0" baseline="0" dirty="0" err="1" smtClean="0">
                 <a:ln>
                   <a:noFill/>
                 </a:ln>
@@ -25112,7 +24272,7 @@
               <a:t>jbooleanArray</a:t>
             </a:r>
             <a:r>
-              <a:rPr kumimoji="0" lang="en-US" altLang="en-US" sz="1400" b="0" i="0" u="none" strike="noStrike" cap="none" normalizeH="0" baseline="0" dirty="0" smtClean="0">
+              <a:rPr kumimoji="0" lang="en-US" altLang="en-US" sz="1200" b="0" i="0" u="none" strike="noStrike" cap="none" normalizeH="0" baseline="0" dirty="0" smtClean="0">
                 <a:ln>
                   <a:noFill/>
                 </a:ln>
@@ -25126,7 +24286,7 @@
               <a:t> </a:t>
             </a:r>
             <a:r>
-              <a:rPr kumimoji="0" lang="en-US" altLang="en-US" sz="1400" b="0" i="0" u="none" strike="noStrike" cap="none" normalizeH="0" baseline="0" dirty="0" err="1" smtClean="0">
+              <a:rPr kumimoji="0" lang="en-US" altLang="en-US" sz="1200" b="0" i="0" u="none" strike="noStrike" cap="none" normalizeH="0" baseline="0" dirty="0" err="1" smtClean="0">
                 <a:ln>
                   <a:noFill/>
                 </a:ln>
@@ -25140,7 +24300,7 @@
               <a:t>arrayB</a:t>
             </a:r>
             <a:r>
-              <a:rPr kumimoji="0" lang="en-US" altLang="en-US" sz="1400" b="0" i="0" u="none" strike="noStrike" cap="none" normalizeH="0" baseline="0" dirty="0" smtClean="0">
+              <a:rPr kumimoji="0" lang="en-US" altLang="en-US" sz="1200" b="0" i="0" u="none" strike="noStrike" cap="none" normalizeH="0" baseline="0" dirty="0" smtClean="0">
                 <a:ln>
                   <a:noFill/>
                 </a:ln>
@@ -25154,7 +24314,7 @@
               <a:t> = </a:t>
             </a:r>
             <a:r>
-              <a:rPr kumimoji="0" lang="en-US" altLang="en-US" sz="1400" b="0" i="0" u="none" strike="noStrike" cap="none" normalizeH="0" baseline="0" dirty="0" err="1" smtClean="0">
+              <a:rPr kumimoji="0" lang="en-US" altLang="en-US" sz="1200" b="0" i="0" u="none" strike="noStrike" cap="none" normalizeH="0" baseline="0" dirty="0" err="1" smtClean="0">
                 <a:ln>
                   <a:noFill/>
                 </a:ln>
@@ -25168,7 +24328,7 @@
               <a:t>env</a:t>
             </a:r>
             <a:r>
-              <a:rPr kumimoji="0" lang="en-US" altLang="en-US" sz="1400" b="0" i="0" u="none" strike="noStrike" cap="none" normalizeH="0" baseline="0" dirty="0" smtClean="0">
+              <a:rPr kumimoji="0" lang="en-US" altLang="en-US" sz="1200" b="0" i="0" u="none" strike="noStrike" cap="none" normalizeH="0" baseline="0" dirty="0" smtClean="0">
                 <a:ln>
                   <a:noFill/>
                 </a:ln>
@@ -25182,7 +24342,7 @@
               <a:t>-&gt;</a:t>
             </a:r>
             <a:r>
-              <a:rPr kumimoji="0" lang="en-US" altLang="en-US" sz="1400" b="0" i="0" u="none" strike="noStrike" cap="none" normalizeH="0" baseline="0" dirty="0" err="1" smtClean="0">
+              <a:rPr kumimoji="0" lang="en-US" altLang="en-US" sz="1200" b="0" i="0" u="none" strike="noStrike" cap="none" normalizeH="0" baseline="0" dirty="0" err="1" smtClean="0">
                 <a:ln>
                   <a:noFill/>
                 </a:ln>
@@ -25196,7 +24356,7 @@
               <a:t>NewBooleanArray</a:t>
             </a:r>
             <a:r>
-              <a:rPr kumimoji="0" lang="en-US" altLang="en-US" sz="1400" b="0" i="0" u="none" strike="noStrike" cap="none" normalizeH="0" baseline="0" dirty="0" smtClean="0">
+              <a:rPr kumimoji="0" lang="en-US" altLang="en-US" sz="1200" b="0" i="0" u="none" strike="noStrike" cap="none" normalizeH="0" baseline="0" dirty="0" smtClean="0">
                 <a:ln>
                   <a:noFill/>
                 </a:ln>
@@ -25210,7 +24370,7 @@
               <a:t>(</a:t>
             </a:r>
             <a:r>
-              <a:rPr kumimoji="0" lang="en-US" altLang="en-US" sz="1400" b="0" i="0" u="none" strike="noStrike" cap="none" normalizeH="0" baseline="0" dirty="0" smtClean="0">
+              <a:rPr kumimoji="0" lang="en-US" altLang="en-US" sz="1200" b="0" i="0" u="none" strike="noStrike" cap="none" normalizeH="0" baseline="0" dirty="0" smtClean="0">
                 <a:ln>
                   <a:noFill/>
                 </a:ln>
@@ -25224,7 +24384,7 @@
               <a:t>42</a:t>
             </a:r>
             <a:r>
-              <a:rPr kumimoji="0" lang="en-US" altLang="en-US" sz="1400" b="0" i="0" u="none" strike="noStrike" cap="none" normalizeH="0" baseline="0" dirty="0" smtClean="0">
+              <a:rPr kumimoji="0" lang="en-US" altLang="en-US" sz="1200" b="0" i="0" u="none" strike="noStrike" cap="none" normalizeH="0" baseline="0" dirty="0" smtClean="0">
                 <a:ln>
                   <a:noFill/>
                 </a:ln>
@@ -25238,7 +24398,7 @@
               <a:t>)</a:t>
             </a:r>
             <a:r>
-              <a:rPr kumimoji="0" lang="en-US" altLang="en-US" sz="1400" b="0" i="0" u="none" strike="noStrike" cap="none" normalizeH="0" baseline="0" dirty="0" smtClean="0">
+              <a:rPr kumimoji="0" lang="en-US" altLang="en-US" sz="1200" b="0" i="0" u="none" strike="noStrike" cap="none" normalizeH="0" baseline="0" dirty="0" smtClean="0">
                 <a:ln>
                   <a:noFill/>
                 </a:ln>
@@ -25252,7 +24412,7 @@
               <a:t>;</a:t>
             </a:r>
             <a:br>
-              <a:rPr kumimoji="0" lang="en-US" altLang="en-US" sz="1400" b="0" i="0" u="none" strike="noStrike" cap="none" normalizeH="0" baseline="0" dirty="0" smtClean="0">
+              <a:rPr kumimoji="0" lang="en-US" altLang="en-US" sz="1200" b="0" i="0" u="none" strike="noStrike" cap="none" normalizeH="0" baseline="0" dirty="0" smtClean="0">
                 <a:ln>
                   <a:noFill/>
                 </a:ln>
@@ -25265,7 +24425,7 @@
               </a:rPr>
             </a:br>
             <a:r>
-              <a:rPr kumimoji="0" lang="en-US" altLang="en-US" sz="1400" b="0" i="0" u="none" strike="noStrike" cap="none" normalizeH="0" baseline="0" dirty="0" smtClean="0">
+              <a:rPr kumimoji="0" lang="en-US" altLang="en-US" sz="1200" b="0" i="0" u="none" strike="noStrike" cap="none" normalizeH="0" baseline="0" dirty="0" smtClean="0">
                 <a:ln>
                   <a:noFill/>
                 </a:ln>
@@ -25279,7 +24439,7 @@
               <a:t>    </a:t>
             </a:r>
             <a:r>
-              <a:rPr kumimoji="0" lang="en-US" altLang="en-US" sz="1400" b="0" i="0" u="none" strike="noStrike" cap="none" normalizeH="0" baseline="0" dirty="0" err="1" smtClean="0">
+              <a:rPr kumimoji="0" lang="en-US" altLang="en-US" sz="1200" b="0" i="0" u="none" strike="noStrike" cap="none" normalizeH="0" baseline="0" dirty="0" err="1" smtClean="0">
                 <a:ln>
                   <a:noFill/>
                 </a:ln>
@@ -25293,7 +24453,7 @@
               <a:t>jcharArray</a:t>
             </a:r>
             <a:r>
-              <a:rPr kumimoji="0" lang="en-US" altLang="en-US" sz="1400" b="0" i="0" u="none" strike="noStrike" cap="none" normalizeH="0" baseline="0" dirty="0" smtClean="0">
+              <a:rPr kumimoji="0" lang="en-US" altLang="en-US" sz="1200" b="0" i="0" u="none" strike="noStrike" cap="none" normalizeH="0" baseline="0" dirty="0" smtClean="0">
                 <a:ln>
                   <a:noFill/>
                 </a:ln>
@@ -25307,7 +24467,7 @@
               <a:t> </a:t>
             </a:r>
             <a:r>
-              <a:rPr kumimoji="0" lang="en-US" altLang="en-US" sz="1400" b="0" i="0" u="none" strike="noStrike" cap="none" normalizeH="0" baseline="0" dirty="0" err="1" smtClean="0">
+              <a:rPr kumimoji="0" lang="en-US" altLang="en-US" sz="1200" b="0" i="0" u="none" strike="noStrike" cap="none" normalizeH="0" baseline="0" dirty="0" err="1" smtClean="0">
                 <a:ln>
                   <a:noFill/>
                 </a:ln>
@@ -25321,7 +24481,7 @@
               <a:t>arrayC</a:t>
             </a:r>
             <a:r>
-              <a:rPr kumimoji="0" lang="en-US" altLang="en-US" sz="1400" b="0" i="0" u="none" strike="noStrike" cap="none" normalizeH="0" baseline="0" dirty="0" smtClean="0">
+              <a:rPr kumimoji="0" lang="en-US" altLang="en-US" sz="1200" b="0" i="0" u="none" strike="noStrike" cap="none" normalizeH="0" baseline="0" dirty="0" smtClean="0">
                 <a:ln>
                   <a:noFill/>
                 </a:ln>
@@ -25335,7 +24495,7 @@
               <a:t> = </a:t>
             </a:r>
             <a:r>
-              <a:rPr kumimoji="0" lang="en-US" altLang="en-US" sz="1400" b="0" i="0" u="none" strike="noStrike" cap="none" normalizeH="0" baseline="0" dirty="0" err="1" smtClean="0">
+              <a:rPr kumimoji="0" lang="en-US" altLang="en-US" sz="1200" b="0" i="0" u="none" strike="noStrike" cap="none" normalizeH="0" baseline="0" dirty="0" err="1" smtClean="0">
                 <a:ln>
                   <a:noFill/>
                 </a:ln>
@@ -25349,7 +24509,7 @@
               <a:t>env</a:t>
             </a:r>
             <a:r>
-              <a:rPr kumimoji="0" lang="en-US" altLang="en-US" sz="1400" b="0" i="0" u="none" strike="noStrike" cap="none" normalizeH="0" baseline="0" dirty="0" smtClean="0">
+              <a:rPr kumimoji="0" lang="en-US" altLang="en-US" sz="1200" b="0" i="0" u="none" strike="noStrike" cap="none" normalizeH="0" baseline="0" dirty="0" smtClean="0">
                 <a:ln>
                   <a:noFill/>
                 </a:ln>
@@ -25363,7 +24523,7 @@
               <a:t>-&gt;</a:t>
             </a:r>
             <a:r>
-              <a:rPr kumimoji="0" lang="en-US" altLang="en-US" sz="1400" b="0" i="0" u="none" strike="noStrike" cap="none" normalizeH="0" baseline="0" dirty="0" err="1" smtClean="0">
+              <a:rPr kumimoji="0" lang="en-US" altLang="en-US" sz="1200" b="0" i="0" u="none" strike="noStrike" cap="none" normalizeH="0" baseline="0" dirty="0" err="1" smtClean="0">
                 <a:ln>
                   <a:noFill/>
                 </a:ln>
@@ -25377,7 +24537,7 @@
               <a:t>NewCharArray</a:t>
             </a:r>
             <a:r>
-              <a:rPr kumimoji="0" lang="en-US" altLang="en-US" sz="1400" b="0" i="0" u="none" strike="noStrike" cap="none" normalizeH="0" baseline="0" dirty="0" smtClean="0">
+              <a:rPr kumimoji="0" lang="en-US" altLang="en-US" sz="1200" b="0" i="0" u="none" strike="noStrike" cap="none" normalizeH="0" baseline="0" dirty="0" smtClean="0">
                 <a:ln>
                   <a:noFill/>
                 </a:ln>
@@ -25391,7 +24551,7 @@
               <a:t>(</a:t>
             </a:r>
             <a:r>
-              <a:rPr kumimoji="0" lang="en-US" altLang="en-US" sz="1400" b="0" i="0" u="none" strike="noStrike" cap="none" normalizeH="0" baseline="0" dirty="0" smtClean="0">
+              <a:rPr kumimoji="0" lang="en-US" altLang="en-US" sz="1200" b="0" i="0" u="none" strike="noStrike" cap="none" normalizeH="0" baseline="0" dirty="0" smtClean="0">
                 <a:ln>
                   <a:noFill/>
                 </a:ln>
@@ -25405,7 +24565,7 @@
               <a:t>42</a:t>
             </a:r>
             <a:r>
-              <a:rPr kumimoji="0" lang="en-US" altLang="en-US" sz="1400" b="0" i="0" u="none" strike="noStrike" cap="none" normalizeH="0" baseline="0" dirty="0" smtClean="0">
+              <a:rPr kumimoji="0" lang="en-US" altLang="en-US" sz="1200" b="0" i="0" u="none" strike="noStrike" cap="none" normalizeH="0" baseline="0" dirty="0" smtClean="0">
                 <a:ln>
                   <a:noFill/>
                 </a:ln>
@@ -25419,7 +24579,7 @@
               <a:t>)</a:t>
             </a:r>
             <a:r>
-              <a:rPr kumimoji="0" lang="en-US" altLang="en-US" sz="1400" b="0" i="0" u="none" strike="noStrike" cap="none" normalizeH="0" baseline="0" dirty="0" smtClean="0">
+              <a:rPr kumimoji="0" lang="en-US" altLang="en-US" sz="1200" b="0" i="0" u="none" strike="noStrike" cap="none" normalizeH="0" baseline="0" dirty="0" smtClean="0">
                 <a:ln>
                   <a:noFill/>
                 </a:ln>
@@ -25433,7 +24593,7 @@
               <a:t>;</a:t>
             </a:r>
             <a:br>
-              <a:rPr kumimoji="0" lang="en-US" altLang="en-US" sz="1400" b="0" i="0" u="none" strike="noStrike" cap="none" normalizeH="0" baseline="0" dirty="0" smtClean="0">
+              <a:rPr kumimoji="0" lang="en-US" altLang="en-US" sz="1200" b="0" i="0" u="none" strike="noStrike" cap="none" normalizeH="0" baseline="0" dirty="0" smtClean="0">
                 <a:ln>
                   <a:noFill/>
                 </a:ln>
@@ -25446,7 +24606,7 @@
               </a:rPr>
             </a:br>
             <a:r>
-              <a:rPr kumimoji="0" lang="en-US" altLang="en-US" sz="1400" b="0" i="0" u="none" strike="noStrike" cap="none" normalizeH="0" baseline="0" dirty="0" smtClean="0">
+              <a:rPr kumimoji="0" lang="en-US" altLang="en-US" sz="1200" b="0" i="0" u="none" strike="noStrike" cap="none" normalizeH="0" baseline="0" dirty="0" smtClean="0">
                 <a:ln>
                   <a:noFill/>
                 </a:ln>
@@ -25460,7 +24620,7 @@
               <a:t>    </a:t>
             </a:r>
             <a:r>
-              <a:rPr kumimoji="0" lang="en-US" altLang="en-US" sz="1400" b="0" i="0" u="none" strike="noStrike" cap="none" normalizeH="0" baseline="0" dirty="0" smtClean="0">
+              <a:rPr kumimoji="0" lang="en-US" altLang="en-US" sz="1200" b="0" i="0" u="none" strike="noStrike" cap="none" normalizeH="0" baseline="0" dirty="0" smtClean="0">
                 <a:ln>
                   <a:noFill/>
                 </a:ln>
@@ -25474,7 +24634,7 @@
               <a:t>// do something</a:t>
             </a:r>
             <a:br>
-              <a:rPr kumimoji="0" lang="en-US" altLang="en-US" sz="1400" b="0" i="0" u="none" strike="noStrike" cap="none" normalizeH="0" baseline="0" dirty="0" smtClean="0">
+              <a:rPr kumimoji="0" lang="en-US" altLang="en-US" sz="1200" b="0" i="0" u="none" strike="noStrike" cap="none" normalizeH="0" baseline="0" dirty="0" smtClean="0">
                 <a:ln>
                   <a:noFill/>
                 </a:ln>
@@ -25487,7 +24647,7 @@
               </a:rPr>
             </a:br>
             <a:r>
-              <a:rPr kumimoji="0" lang="en-US" altLang="en-US" sz="1400" b="0" i="0" u="none" strike="noStrike" cap="none" normalizeH="0" baseline="0" dirty="0" smtClean="0">
+              <a:rPr kumimoji="0" lang="en-US" altLang="en-US" sz="1200" b="0" i="0" u="none" strike="noStrike" cap="none" normalizeH="0" baseline="0" dirty="0" smtClean="0">
                 <a:ln>
                   <a:noFill/>
                 </a:ln>
@@ -25500,7 +24660,949 @@
               </a:rPr>
               <a:t>}</a:t>
             </a:r>
-            <a:endParaRPr kumimoji="0" lang="en-US" altLang="en-US" sz="1400" b="0" i="0" u="none" strike="noStrike" cap="none" normalizeH="0" baseline="0" dirty="0" smtClean="0">
+            <a:endParaRPr kumimoji="0" lang="en-US" altLang="en-US" sz="1200" b="0" i="0" u="none" strike="noStrike" cap="none" normalizeH="0" baseline="0" dirty="0" smtClean="0">
+              <a:ln>
+                <a:noFill/>
+              </a:ln>
+              <a:solidFill>
+                <a:schemeClr val="tx1"/>
+              </a:solidFill>
+              <a:effectLst/>
+              <a:latin typeface="Arial" panose="020B0604020202020204" pitchFamily="34" charset="0"/>
+            </a:endParaRPr>
+          </a:p>
+        </p:txBody>
+      </p:sp>
+      <p:sp>
+        <p:nvSpPr>
+          <p:cNvPr id="8" name="Rectangle 3"/>
+          <p:cNvSpPr>
+            <a:spLocks noChangeArrowheads="1"/>
+          </p:cNvSpPr>
+          <p:nvPr/>
+        </p:nvSpPr>
+        <p:spPr bwMode="auto">
+          <a:xfrm>
+            <a:off x="734157" y="2720621"/>
+            <a:ext cx="5796925" cy="1569660"/>
+          </a:xfrm>
+          <a:prstGeom prst="rect">
+            <a:avLst/>
+          </a:prstGeom>
+          <a:solidFill>
+            <a:srgbClr val="2B2B2B"/>
+          </a:solidFill>
+          <a:ln w="9525">
+            <a:noFill/>
+            <a:miter lim="800000"/>
+            <a:headEnd/>
+            <a:tailEnd/>
+          </a:ln>
+          <a:effectLst/>
+          <a:extLst>
+            <a:ext uri="{AF507438-7753-43E0-B8FC-AC1667EBCBE1}">
+              <a14:hiddenEffects xmlns:a14="http://schemas.microsoft.com/office/drawing/2010/main">
+                <a:effectLst>
+                  <a:outerShdw dist="35921" dir="2700000" algn="ctr" rotWithShape="0">
+                    <a:schemeClr val="bg2"/>
+                  </a:outerShdw>
+                </a:effectLst>
+              </a14:hiddenEffects>
+            </a:ext>
+          </a:extLst>
+        </p:spPr>
+        <p:txBody>
+          <a:bodyPr vert="horz" wrap="square" lIns="91440" tIns="45720" rIns="91440" bIns="45720" numCol="1" anchor="ctr" anchorCtr="0" compatLnSpc="1">
+            <a:prstTxWarp prst="textNoShape">
+              <a:avLst/>
+            </a:prstTxWarp>
+            <a:spAutoFit/>
+          </a:bodyPr>
+          <a:lstStyle/>
+          <a:p>
+            <a:pPr marL="0" marR="0" lvl="0" indent="0" algn="l" defTabSz="914400" rtl="0" eaLnBrk="0" fontAlgn="base" latinLnBrk="0" hangingPunct="0">
+              <a:lnSpc>
+                <a:spcPct val="100000"/>
+              </a:lnSpc>
+              <a:spcBef>
+                <a:spcPct val="0"/>
+              </a:spcBef>
+              <a:spcAft>
+                <a:spcPct val="0"/>
+              </a:spcAft>
+              <a:buClrTx/>
+              <a:buSzTx/>
+              <a:buFontTx/>
+              <a:buNone/>
+              <a:tabLst/>
+            </a:pPr>
+            <a:r>
+              <a:rPr kumimoji="0" lang="en-US" altLang="en-US" sz="1200" b="1" i="0" u="none" strike="noStrike" cap="none" normalizeH="0" baseline="0" dirty="0" smtClean="0">
+                <a:ln>
+                  <a:noFill/>
+                </a:ln>
+                <a:solidFill>
+                  <a:srgbClr val="CC7832"/>
+                </a:solidFill>
+                <a:effectLst/>
+                <a:latin typeface="Courier New" panose="02070309020205020404" pitchFamily="49" charset="0"/>
+                <a:cs typeface="Courier New" panose="02070309020205020404" pitchFamily="49" charset="0"/>
+              </a:rPr>
+              <a:t>for</a:t>
+            </a:r>
+            <a:r>
+              <a:rPr kumimoji="0" lang="en-US" altLang="en-US" sz="1200" b="0" i="0" u="none" strike="noStrike" cap="none" normalizeH="0" baseline="0" dirty="0" smtClean="0">
+                <a:ln>
+                  <a:noFill/>
+                </a:ln>
+                <a:solidFill>
+                  <a:srgbClr val="A9B7C6"/>
+                </a:solidFill>
+                <a:effectLst/>
+                <a:latin typeface="Courier New" panose="02070309020205020404" pitchFamily="49" charset="0"/>
+                <a:cs typeface="Courier New" panose="02070309020205020404" pitchFamily="49" charset="0"/>
+              </a:rPr>
+              <a:t>(</a:t>
+            </a:r>
+            <a:r>
+              <a:rPr kumimoji="0" lang="en-US" altLang="en-US" sz="1200" b="1" i="0" u="none" strike="noStrike" cap="none" normalizeH="0" baseline="0" dirty="0" err="1" smtClean="0">
+                <a:ln>
+                  <a:noFill/>
+                </a:ln>
+                <a:solidFill>
+                  <a:srgbClr val="CC7832"/>
+                </a:solidFill>
+                <a:effectLst/>
+                <a:latin typeface="Courier New" panose="02070309020205020404" pitchFamily="49" charset="0"/>
+                <a:cs typeface="Courier New" panose="02070309020205020404" pitchFamily="49" charset="0"/>
+              </a:rPr>
+              <a:t>int</a:t>
+            </a:r>
+            <a:r>
+              <a:rPr kumimoji="0" lang="en-US" altLang="en-US" sz="1200" b="1" i="0" u="none" strike="noStrike" cap="none" normalizeH="0" baseline="0" dirty="0" smtClean="0">
+                <a:ln>
+                  <a:noFill/>
+                </a:ln>
+                <a:solidFill>
+                  <a:srgbClr val="CC7832"/>
+                </a:solidFill>
+                <a:effectLst/>
+                <a:latin typeface="Courier New" panose="02070309020205020404" pitchFamily="49" charset="0"/>
+                <a:cs typeface="Courier New" panose="02070309020205020404" pitchFamily="49" charset="0"/>
+              </a:rPr>
+              <a:t> </a:t>
+            </a:r>
+            <a:r>
+              <a:rPr kumimoji="0" lang="en-US" altLang="en-US" sz="1200" b="0" i="0" u="none" strike="noStrike" cap="none" normalizeH="0" baseline="0" dirty="0" err="1" smtClean="0">
+                <a:ln>
+                  <a:noFill/>
+                </a:ln>
+                <a:solidFill>
+                  <a:srgbClr val="A9B7C6"/>
+                </a:solidFill>
+                <a:effectLst/>
+                <a:latin typeface="Courier New" panose="02070309020205020404" pitchFamily="49" charset="0"/>
+                <a:cs typeface="Courier New" panose="02070309020205020404" pitchFamily="49" charset="0"/>
+              </a:rPr>
+              <a:t>i</a:t>
+            </a:r>
+            <a:r>
+              <a:rPr kumimoji="0" lang="en-US" altLang="en-US" sz="1200" b="0" i="0" u="none" strike="noStrike" cap="none" normalizeH="0" baseline="0" dirty="0" smtClean="0">
+                <a:ln>
+                  <a:noFill/>
+                </a:ln>
+                <a:solidFill>
+                  <a:srgbClr val="A9B7C6"/>
+                </a:solidFill>
+                <a:effectLst/>
+                <a:latin typeface="Courier New" panose="02070309020205020404" pitchFamily="49" charset="0"/>
+                <a:cs typeface="Courier New" panose="02070309020205020404" pitchFamily="49" charset="0"/>
+              </a:rPr>
+              <a:t> = </a:t>
+            </a:r>
+            <a:r>
+              <a:rPr kumimoji="0" lang="en-US" altLang="en-US" sz="1200" b="0" i="0" u="none" strike="noStrike" cap="none" normalizeH="0" baseline="0" dirty="0" smtClean="0">
+                <a:ln>
+                  <a:noFill/>
+                </a:ln>
+                <a:solidFill>
+                  <a:srgbClr val="6897BB"/>
+                </a:solidFill>
+                <a:effectLst/>
+                <a:latin typeface="Courier New" panose="02070309020205020404" pitchFamily="49" charset="0"/>
+                <a:cs typeface="Courier New" panose="02070309020205020404" pitchFamily="49" charset="0"/>
+              </a:rPr>
+              <a:t>0</a:t>
+            </a:r>
+            <a:r>
+              <a:rPr kumimoji="0" lang="en-US" altLang="en-US" sz="1200" b="0" i="0" u="none" strike="noStrike" cap="none" normalizeH="0" baseline="0" dirty="0" smtClean="0">
+                <a:ln>
+                  <a:noFill/>
+                </a:ln>
+                <a:solidFill>
+                  <a:srgbClr val="CC7832"/>
+                </a:solidFill>
+                <a:effectLst/>
+                <a:latin typeface="Courier New" panose="02070309020205020404" pitchFamily="49" charset="0"/>
+                <a:cs typeface="Courier New" panose="02070309020205020404" pitchFamily="49" charset="0"/>
+              </a:rPr>
+              <a:t>; </a:t>
+            </a:r>
+            <a:r>
+              <a:rPr kumimoji="0" lang="en-US" altLang="en-US" sz="1200" b="0" i="0" u="none" strike="noStrike" cap="none" normalizeH="0" baseline="0" dirty="0" err="1" smtClean="0">
+                <a:ln>
+                  <a:noFill/>
+                </a:ln>
+                <a:solidFill>
+                  <a:srgbClr val="A9B7C6"/>
+                </a:solidFill>
+                <a:effectLst/>
+                <a:latin typeface="Courier New" panose="02070309020205020404" pitchFamily="49" charset="0"/>
+                <a:cs typeface="Courier New" panose="02070309020205020404" pitchFamily="49" charset="0"/>
+              </a:rPr>
+              <a:t>i</a:t>
+            </a:r>
+            <a:r>
+              <a:rPr kumimoji="0" lang="en-US" altLang="en-US" sz="1200" b="0" i="0" u="none" strike="noStrike" cap="none" normalizeH="0" baseline="0" dirty="0" smtClean="0">
+                <a:ln>
+                  <a:noFill/>
+                </a:ln>
+                <a:solidFill>
+                  <a:srgbClr val="A9B7C6"/>
+                </a:solidFill>
+                <a:effectLst/>
+                <a:latin typeface="Courier New" panose="02070309020205020404" pitchFamily="49" charset="0"/>
+                <a:cs typeface="Courier New" panose="02070309020205020404" pitchFamily="49" charset="0"/>
+              </a:rPr>
+              <a:t>&lt; </a:t>
+            </a:r>
+            <a:r>
+              <a:rPr kumimoji="0" lang="en-US" altLang="en-US" sz="1200" b="0" i="0" u="none" strike="noStrike" cap="none" normalizeH="0" baseline="0" dirty="0" smtClean="0">
+                <a:ln>
+                  <a:noFill/>
+                </a:ln>
+                <a:solidFill>
+                  <a:srgbClr val="6897BB"/>
+                </a:solidFill>
+                <a:effectLst/>
+                <a:latin typeface="Courier New" panose="02070309020205020404" pitchFamily="49" charset="0"/>
+                <a:cs typeface="Courier New" panose="02070309020205020404" pitchFamily="49" charset="0"/>
+              </a:rPr>
+              <a:t>100000</a:t>
+            </a:r>
+            <a:r>
+              <a:rPr kumimoji="0" lang="en-US" altLang="en-US" sz="1200" b="0" i="0" u="none" strike="noStrike" cap="none" normalizeH="0" baseline="0" dirty="0" smtClean="0">
+                <a:ln>
+                  <a:noFill/>
+                </a:ln>
+                <a:solidFill>
+                  <a:srgbClr val="CC7832"/>
+                </a:solidFill>
+                <a:effectLst/>
+                <a:latin typeface="Courier New" panose="02070309020205020404" pitchFamily="49" charset="0"/>
+                <a:cs typeface="Courier New" panose="02070309020205020404" pitchFamily="49" charset="0"/>
+              </a:rPr>
+              <a:t>; </a:t>
+            </a:r>
+            <a:r>
+              <a:rPr kumimoji="0" lang="en-US" altLang="en-US" sz="1200" b="0" i="0" u="none" strike="noStrike" cap="none" normalizeH="0" baseline="0" dirty="0" err="1" smtClean="0">
+                <a:ln>
+                  <a:noFill/>
+                </a:ln>
+                <a:solidFill>
+                  <a:srgbClr val="A9B7C6"/>
+                </a:solidFill>
+                <a:effectLst/>
+                <a:latin typeface="Courier New" panose="02070309020205020404" pitchFamily="49" charset="0"/>
+                <a:cs typeface="Courier New" panose="02070309020205020404" pitchFamily="49" charset="0"/>
+              </a:rPr>
+              <a:t>i</a:t>
+            </a:r>
+            <a:r>
+              <a:rPr kumimoji="0" lang="en-US" altLang="en-US" sz="1200" b="0" i="0" u="none" strike="noStrike" cap="none" normalizeH="0" baseline="0" dirty="0" smtClean="0">
+                <a:ln>
+                  <a:noFill/>
+                </a:ln>
+                <a:solidFill>
+                  <a:srgbClr val="A9B7C6"/>
+                </a:solidFill>
+                <a:effectLst/>
+                <a:latin typeface="Courier New" panose="02070309020205020404" pitchFamily="49" charset="0"/>
+                <a:cs typeface="Courier New" panose="02070309020205020404" pitchFamily="49" charset="0"/>
+              </a:rPr>
+              <a:t>++)</a:t>
+            </a:r>
+            <a:br>
+              <a:rPr kumimoji="0" lang="en-US" altLang="en-US" sz="1200" b="0" i="0" u="none" strike="noStrike" cap="none" normalizeH="0" baseline="0" dirty="0" smtClean="0">
+                <a:ln>
+                  <a:noFill/>
+                </a:ln>
+                <a:solidFill>
+                  <a:srgbClr val="A9B7C6"/>
+                </a:solidFill>
+                <a:effectLst/>
+                <a:latin typeface="Courier New" panose="02070309020205020404" pitchFamily="49" charset="0"/>
+                <a:cs typeface="Courier New" panose="02070309020205020404" pitchFamily="49" charset="0"/>
+              </a:rPr>
+            </a:br>
+            <a:r>
+              <a:rPr kumimoji="0" lang="en-US" altLang="en-US" sz="1200" b="0" i="0" u="none" strike="noStrike" cap="none" normalizeH="0" baseline="0" dirty="0" smtClean="0">
+                <a:ln>
+                  <a:noFill/>
+                </a:ln>
+                <a:solidFill>
+                  <a:srgbClr val="A9B7C6"/>
+                </a:solidFill>
+                <a:effectLst/>
+                <a:latin typeface="Courier New" panose="02070309020205020404" pitchFamily="49" charset="0"/>
+                <a:cs typeface="Courier New" panose="02070309020205020404" pitchFamily="49" charset="0"/>
+              </a:rPr>
+              <a:t>{</a:t>
+            </a:r>
+            <a:br>
+              <a:rPr kumimoji="0" lang="en-US" altLang="en-US" sz="1200" b="0" i="0" u="none" strike="noStrike" cap="none" normalizeH="0" baseline="0" dirty="0" smtClean="0">
+                <a:ln>
+                  <a:noFill/>
+                </a:ln>
+                <a:solidFill>
+                  <a:srgbClr val="A9B7C6"/>
+                </a:solidFill>
+                <a:effectLst/>
+                <a:latin typeface="Courier New" panose="02070309020205020404" pitchFamily="49" charset="0"/>
+                <a:cs typeface="Courier New" panose="02070309020205020404" pitchFamily="49" charset="0"/>
+              </a:rPr>
+            </a:br>
+            <a:r>
+              <a:rPr kumimoji="0" lang="en-US" altLang="en-US" sz="1200" b="0" i="0" u="none" strike="noStrike" cap="none" normalizeH="0" baseline="0" dirty="0" smtClean="0">
+                <a:ln>
+                  <a:noFill/>
+                </a:ln>
+                <a:solidFill>
+                  <a:srgbClr val="A9B7C6"/>
+                </a:solidFill>
+                <a:effectLst/>
+                <a:latin typeface="Courier New" panose="02070309020205020404" pitchFamily="49" charset="0"/>
+                <a:cs typeface="Courier New" panose="02070309020205020404" pitchFamily="49" charset="0"/>
+              </a:rPr>
+              <a:t>    </a:t>
+            </a:r>
+            <a:r>
+              <a:rPr kumimoji="0" lang="en-US" altLang="en-US" sz="1200" b="0" i="0" u="none" strike="noStrike" cap="none" normalizeH="0" baseline="0" dirty="0" err="1" smtClean="0">
+                <a:ln>
+                  <a:noFill/>
+                </a:ln>
+                <a:solidFill>
+                  <a:srgbClr val="B9BCD1"/>
+                </a:solidFill>
+                <a:effectLst/>
+                <a:latin typeface="Courier New" panose="02070309020205020404" pitchFamily="49" charset="0"/>
+                <a:cs typeface="Courier New" panose="02070309020205020404" pitchFamily="49" charset="0"/>
+              </a:rPr>
+              <a:t>jstring</a:t>
+            </a:r>
+            <a:r>
+              <a:rPr kumimoji="0" lang="en-US" altLang="en-US" sz="1200" b="0" i="0" u="none" strike="noStrike" cap="none" normalizeH="0" baseline="0" dirty="0" smtClean="0">
+                <a:ln>
+                  <a:noFill/>
+                </a:ln>
+                <a:solidFill>
+                  <a:srgbClr val="B9BCD1"/>
+                </a:solidFill>
+                <a:effectLst/>
+                <a:latin typeface="Courier New" panose="02070309020205020404" pitchFamily="49" charset="0"/>
+                <a:cs typeface="Courier New" panose="02070309020205020404" pitchFamily="49" charset="0"/>
+              </a:rPr>
+              <a:t> </a:t>
+            </a:r>
+            <a:r>
+              <a:rPr kumimoji="0" lang="en-US" altLang="en-US" sz="1200" b="0" i="0" u="none" strike="noStrike" cap="none" normalizeH="0" baseline="0" dirty="0" err="1" smtClean="0">
+                <a:ln>
+                  <a:noFill/>
+                </a:ln>
+                <a:solidFill>
+                  <a:srgbClr val="A9B7C6"/>
+                </a:solidFill>
+                <a:effectLst/>
+                <a:latin typeface="Courier New" panose="02070309020205020404" pitchFamily="49" charset="0"/>
+                <a:cs typeface="Courier New" panose="02070309020205020404" pitchFamily="49" charset="0"/>
+              </a:rPr>
+              <a:t>testString</a:t>
+            </a:r>
+            <a:r>
+              <a:rPr kumimoji="0" lang="en-US" altLang="en-US" sz="1200" b="0" i="0" u="none" strike="noStrike" cap="none" normalizeH="0" baseline="0" dirty="0" smtClean="0">
+                <a:ln>
+                  <a:noFill/>
+                </a:ln>
+                <a:solidFill>
+                  <a:srgbClr val="A9B7C6"/>
+                </a:solidFill>
+                <a:effectLst/>
+                <a:latin typeface="Courier New" panose="02070309020205020404" pitchFamily="49" charset="0"/>
+                <a:cs typeface="Courier New" panose="02070309020205020404" pitchFamily="49" charset="0"/>
+              </a:rPr>
+              <a:t> = </a:t>
+            </a:r>
+            <a:r>
+              <a:rPr kumimoji="0" lang="en-US" altLang="en-US" sz="1200" b="0" i="0" u="none" strike="noStrike" cap="none" normalizeH="0" baseline="0" dirty="0" err="1" smtClean="0">
+                <a:ln>
+                  <a:noFill/>
+                </a:ln>
+                <a:solidFill>
+                  <a:srgbClr val="A9B7C6"/>
+                </a:solidFill>
+                <a:effectLst/>
+                <a:latin typeface="Courier New" panose="02070309020205020404" pitchFamily="49" charset="0"/>
+                <a:cs typeface="Courier New" panose="02070309020205020404" pitchFamily="49" charset="0"/>
+              </a:rPr>
+              <a:t>env</a:t>
+            </a:r>
+            <a:r>
+              <a:rPr kumimoji="0" lang="en-US" altLang="en-US" sz="1200" b="0" i="0" u="none" strike="noStrike" cap="none" normalizeH="0" baseline="0" dirty="0" smtClean="0">
+                <a:ln>
+                  <a:noFill/>
+                </a:ln>
+                <a:solidFill>
+                  <a:srgbClr val="A9B7C6"/>
+                </a:solidFill>
+                <a:effectLst/>
+                <a:latin typeface="Courier New" panose="02070309020205020404" pitchFamily="49" charset="0"/>
+                <a:cs typeface="Courier New" panose="02070309020205020404" pitchFamily="49" charset="0"/>
+              </a:rPr>
+              <a:t>-&gt;</a:t>
+            </a:r>
+            <a:r>
+              <a:rPr kumimoji="0" lang="en-US" altLang="en-US" sz="1200" b="0" i="0" u="none" strike="noStrike" cap="none" normalizeH="0" baseline="0" dirty="0" err="1" smtClean="0">
+                <a:ln>
+                  <a:noFill/>
+                </a:ln>
+                <a:solidFill>
+                  <a:srgbClr val="A9B7C6"/>
+                </a:solidFill>
+                <a:effectLst/>
+                <a:latin typeface="Courier New" panose="02070309020205020404" pitchFamily="49" charset="0"/>
+                <a:cs typeface="Courier New" panose="02070309020205020404" pitchFamily="49" charset="0"/>
+              </a:rPr>
+              <a:t>NewStringUTF</a:t>
+            </a:r>
+            <a:r>
+              <a:rPr kumimoji="0" lang="en-US" altLang="en-US" sz="1200" b="0" i="0" u="none" strike="noStrike" cap="none" normalizeH="0" baseline="0" dirty="0" smtClean="0">
+                <a:ln>
+                  <a:noFill/>
+                </a:ln>
+                <a:solidFill>
+                  <a:srgbClr val="A9B7C6"/>
+                </a:solidFill>
+                <a:effectLst/>
+                <a:latin typeface="Courier New" panose="02070309020205020404" pitchFamily="49" charset="0"/>
+                <a:cs typeface="Courier New" panose="02070309020205020404" pitchFamily="49" charset="0"/>
+              </a:rPr>
+              <a:t>(</a:t>
+            </a:r>
+            <a:r>
+              <a:rPr kumimoji="0" lang="en-US" altLang="en-US" sz="1200" b="0" i="0" u="none" strike="noStrike" cap="none" normalizeH="0" baseline="0" dirty="0" smtClean="0">
+                <a:ln>
+                  <a:noFill/>
+                </a:ln>
+                <a:solidFill>
+                  <a:srgbClr val="6A8759"/>
+                </a:solidFill>
+                <a:effectLst/>
+                <a:latin typeface="Courier New" panose="02070309020205020404" pitchFamily="49" charset="0"/>
+                <a:cs typeface="Courier New" panose="02070309020205020404" pitchFamily="49" charset="0"/>
+              </a:rPr>
+              <a:t>"Test String"</a:t>
+            </a:r>
+            <a:r>
+              <a:rPr kumimoji="0" lang="en-US" altLang="en-US" sz="1200" b="0" i="0" u="none" strike="noStrike" cap="none" normalizeH="0" baseline="0" dirty="0" smtClean="0">
+                <a:ln>
+                  <a:noFill/>
+                </a:ln>
+                <a:solidFill>
+                  <a:srgbClr val="A9B7C6"/>
+                </a:solidFill>
+                <a:effectLst/>
+                <a:latin typeface="Courier New" panose="02070309020205020404" pitchFamily="49" charset="0"/>
+                <a:cs typeface="Courier New" panose="02070309020205020404" pitchFamily="49" charset="0"/>
+              </a:rPr>
+              <a:t>)</a:t>
+            </a:r>
+            <a:r>
+              <a:rPr kumimoji="0" lang="en-US" altLang="en-US" sz="1200" b="0" i="0" u="none" strike="noStrike" cap="none" normalizeH="0" baseline="0" dirty="0" smtClean="0">
+                <a:ln>
+                  <a:noFill/>
+                </a:ln>
+                <a:solidFill>
+                  <a:srgbClr val="CC7832"/>
+                </a:solidFill>
+                <a:effectLst/>
+                <a:latin typeface="Courier New" panose="02070309020205020404" pitchFamily="49" charset="0"/>
+                <a:cs typeface="Courier New" panose="02070309020205020404" pitchFamily="49" charset="0"/>
+              </a:rPr>
+              <a:t>;</a:t>
+            </a:r>
+            <a:br>
+              <a:rPr kumimoji="0" lang="en-US" altLang="en-US" sz="1200" b="0" i="0" u="none" strike="noStrike" cap="none" normalizeH="0" baseline="0" dirty="0" smtClean="0">
+                <a:ln>
+                  <a:noFill/>
+                </a:ln>
+                <a:solidFill>
+                  <a:srgbClr val="CC7832"/>
+                </a:solidFill>
+                <a:effectLst/>
+                <a:latin typeface="Courier New" panose="02070309020205020404" pitchFamily="49" charset="0"/>
+                <a:cs typeface="Courier New" panose="02070309020205020404" pitchFamily="49" charset="0"/>
+              </a:rPr>
+            </a:br>
+            <a:r>
+              <a:rPr kumimoji="0" lang="en-US" altLang="en-US" sz="1200" b="0" i="0" u="none" strike="noStrike" cap="none" normalizeH="0" baseline="0" dirty="0" smtClean="0">
+                <a:ln>
+                  <a:noFill/>
+                </a:ln>
+                <a:solidFill>
+                  <a:srgbClr val="CC7832"/>
+                </a:solidFill>
+                <a:effectLst/>
+                <a:latin typeface="Courier New" panose="02070309020205020404" pitchFamily="49" charset="0"/>
+                <a:cs typeface="Courier New" panose="02070309020205020404" pitchFamily="49" charset="0"/>
+              </a:rPr>
+              <a:t>    </a:t>
+            </a:r>
+            <a:r>
+              <a:rPr kumimoji="0" lang="en-US" altLang="en-US" sz="1200" b="0" i="0" u="none" strike="noStrike" cap="none" normalizeH="0" baseline="0" dirty="0" err="1" smtClean="0">
+                <a:ln>
+                  <a:noFill/>
+                </a:ln>
+                <a:solidFill>
+                  <a:srgbClr val="B9BCD1"/>
+                </a:solidFill>
+                <a:effectLst/>
+                <a:latin typeface="Courier New" panose="02070309020205020404" pitchFamily="49" charset="0"/>
+                <a:cs typeface="Courier New" panose="02070309020205020404" pitchFamily="49" charset="0"/>
+              </a:rPr>
+              <a:t>jobject</a:t>
+            </a:r>
+            <a:r>
+              <a:rPr kumimoji="0" lang="en-US" altLang="en-US" sz="1200" b="0" i="0" u="none" strike="noStrike" cap="none" normalizeH="0" baseline="0" dirty="0" smtClean="0">
+                <a:ln>
+                  <a:noFill/>
+                </a:ln>
+                <a:solidFill>
+                  <a:srgbClr val="B9BCD1"/>
+                </a:solidFill>
+                <a:effectLst/>
+                <a:latin typeface="Courier New" panose="02070309020205020404" pitchFamily="49" charset="0"/>
+                <a:cs typeface="Courier New" panose="02070309020205020404" pitchFamily="49" charset="0"/>
+              </a:rPr>
+              <a:t> </a:t>
+            </a:r>
+            <a:r>
+              <a:rPr kumimoji="0" lang="en-US" altLang="en-US" sz="1200" b="0" i="0" u="none" strike="noStrike" cap="none" normalizeH="0" baseline="0" dirty="0" err="1" smtClean="0">
+                <a:ln>
+                  <a:noFill/>
+                </a:ln>
+                <a:solidFill>
+                  <a:srgbClr val="A9B7C6"/>
+                </a:solidFill>
+                <a:effectLst/>
+                <a:latin typeface="Courier New" panose="02070309020205020404" pitchFamily="49" charset="0"/>
+                <a:cs typeface="Courier New" panose="02070309020205020404" pitchFamily="49" charset="0"/>
+              </a:rPr>
+              <a:t>globalObject</a:t>
+            </a:r>
+            <a:r>
+              <a:rPr kumimoji="0" lang="en-US" altLang="en-US" sz="1200" b="0" i="0" u="none" strike="noStrike" cap="none" normalizeH="0" baseline="0" dirty="0" smtClean="0">
+                <a:ln>
+                  <a:noFill/>
+                </a:ln>
+                <a:solidFill>
+                  <a:srgbClr val="A9B7C6"/>
+                </a:solidFill>
+                <a:effectLst/>
+                <a:latin typeface="Courier New" panose="02070309020205020404" pitchFamily="49" charset="0"/>
+                <a:cs typeface="Courier New" panose="02070309020205020404" pitchFamily="49" charset="0"/>
+              </a:rPr>
+              <a:t> = </a:t>
+            </a:r>
+            <a:r>
+              <a:rPr kumimoji="0" lang="en-US" altLang="en-US" sz="1200" b="0" i="0" u="none" strike="noStrike" cap="none" normalizeH="0" baseline="0" dirty="0" err="1" smtClean="0">
+                <a:ln>
+                  <a:noFill/>
+                </a:ln>
+                <a:solidFill>
+                  <a:srgbClr val="A9B7C6"/>
+                </a:solidFill>
+                <a:effectLst/>
+                <a:latin typeface="Courier New" panose="02070309020205020404" pitchFamily="49" charset="0"/>
+                <a:cs typeface="Courier New" panose="02070309020205020404" pitchFamily="49" charset="0"/>
+              </a:rPr>
+              <a:t>env</a:t>
+            </a:r>
+            <a:r>
+              <a:rPr kumimoji="0" lang="en-US" altLang="en-US" sz="1200" b="0" i="0" u="none" strike="noStrike" cap="none" normalizeH="0" baseline="0" dirty="0" smtClean="0">
+                <a:ln>
+                  <a:noFill/>
+                </a:ln>
+                <a:solidFill>
+                  <a:srgbClr val="A9B7C6"/>
+                </a:solidFill>
+                <a:effectLst/>
+                <a:latin typeface="Courier New" panose="02070309020205020404" pitchFamily="49" charset="0"/>
+                <a:cs typeface="Courier New" panose="02070309020205020404" pitchFamily="49" charset="0"/>
+              </a:rPr>
+              <a:t>-&gt;</a:t>
+            </a:r>
+            <a:r>
+              <a:rPr kumimoji="0" lang="en-US" altLang="en-US" sz="1200" b="0" i="0" u="none" strike="noStrike" cap="none" normalizeH="0" baseline="0" dirty="0" err="1" smtClean="0">
+                <a:ln>
+                  <a:noFill/>
+                </a:ln>
+                <a:solidFill>
+                  <a:srgbClr val="A9B7C6"/>
+                </a:solidFill>
+                <a:effectLst/>
+                <a:latin typeface="Courier New" panose="02070309020205020404" pitchFamily="49" charset="0"/>
+                <a:cs typeface="Courier New" panose="02070309020205020404" pitchFamily="49" charset="0"/>
+              </a:rPr>
+              <a:t>NewGlobalRef</a:t>
+            </a:r>
+            <a:r>
+              <a:rPr kumimoji="0" lang="en-US" altLang="en-US" sz="1200" b="0" i="0" u="none" strike="noStrike" cap="none" normalizeH="0" baseline="0" dirty="0" smtClean="0">
+                <a:ln>
+                  <a:noFill/>
+                </a:ln>
+                <a:solidFill>
+                  <a:srgbClr val="A9B7C6"/>
+                </a:solidFill>
+                <a:effectLst/>
+                <a:latin typeface="Courier New" panose="02070309020205020404" pitchFamily="49" charset="0"/>
+                <a:cs typeface="Courier New" panose="02070309020205020404" pitchFamily="49" charset="0"/>
+              </a:rPr>
+              <a:t>(</a:t>
+            </a:r>
+            <a:r>
+              <a:rPr kumimoji="0" lang="en-US" altLang="en-US" sz="1200" b="0" i="0" u="none" strike="noStrike" cap="none" normalizeH="0" baseline="0" dirty="0" err="1" smtClean="0">
+                <a:ln>
+                  <a:noFill/>
+                </a:ln>
+                <a:solidFill>
+                  <a:srgbClr val="A9B7C6"/>
+                </a:solidFill>
+                <a:effectLst/>
+                <a:latin typeface="Courier New" panose="02070309020205020404" pitchFamily="49" charset="0"/>
+                <a:cs typeface="Courier New" panose="02070309020205020404" pitchFamily="49" charset="0"/>
+              </a:rPr>
+              <a:t>testString</a:t>
+            </a:r>
+            <a:r>
+              <a:rPr kumimoji="0" lang="en-US" altLang="en-US" sz="1200" b="0" i="0" u="none" strike="noStrike" cap="none" normalizeH="0" baseline="0" dirty="0" smtClean="0">
+                <a:ln>
+                  <a:noFill/>
+                </a:ln>
+                <a:solidFill>
+                  <a:srgbClr val="A9B7C6"/>
+                </a:solidFill>
+                <a:effectLst/>
+                <a:latin typeface="Courier New" panose="02070309020205020404" pitchFamily="49" charset="0"/>
+                <a:cs typeface="Courier New" panose="02070309020205020404" pitchFamily="49" charset="0"/>
+              </a:rPr>
+              <a:t>)</a:t>
+            </a:r>
+            <a:r>
+              <a:rPr kumimoji="0" lang="en-US" altLang="en-US" sz="1200" b="0" i="0" u="none" strike="noStrike" cap="none" normalizeH="0" baseline="0" dirty="0" smtClean="0">
+                <a:ln>
+                  <a:noFill/>
+                </a:ln>
+                <a:solidFill>
+                  <a:srgbClr val="CC7832"/>
+                </a:solidFill>
+                <a:effectLst/>
+                <a:latin typeface="Courier New" panose="02070309020205020404" pitchFamily="49" charset="0"/>
+                <a:cs typeface="Courier New" panose="02070309020205020404" pitchFamily="49" charset="0"/>
+              </a:rPr>
+              <a:t>;</a:t>
+            </a:r>
+          </a:p>
+          <a:p>
+            <a:pPr marL="0" marR="0" lvl="0" indent="0" algn="l" defTabSz="914400" rtl="0" eaLnBrk="0" fontAlgn="base" latinLnBrk="0" hangingPunct="0">
+              <a:lnSpc>
+                <a:spcPct val="100000"/>
+              </a:lnSpc>
+              <a:spcBef>
+                <a:spcPct val="0"/>
+              </a:spcBef>
+              <a:spcAft>
+                <a:spcPct val="0"/>
+              </a:spcAft>
+              <a:buClrTx/>
+              <a:buSzTx/>
+              <a:buFontTx/>
+              <a:buNone/>
+              <a:tabLst/>
+            </a:pPr>
+            <a:r>
+              <a:rPr kumimoji="0" lang="en-US" altLang="en-US" sz="1200" b="0" i="0" u="none" strike="noStrike" cap="none" normalizeH="0" baseline="0" dirty="0" smtClean="0">
+                <a:ln>
+                  <a:noFill/>
+                </a:ln>
+                <a:solidFill>
+                  <a:srgbClr val="CC7832"/>
+                </a:solidFill>
+                <a:effectLst/>
+                <a:latin typeface="Courier New" panose="02070309020205020404" pitchFamily="49" charset="0"/>
+                <a:cs typeface="Courier New" panose="02070309020205020404" pitchFamily="49" charset="0"/>
+              </a:rPr>
+              <a:t/>
+            </a:r>
+            <a:br>
+              <a:rPr kumimoji="0" lang="en-US" altLang="en-US" sz="1200" b="0" i="0" u="none" strike="noStrike" cap="none" normalizeH="0" baseline="0" dirty="0" smtClean="0">
+                <a:ln>
+                  <a:noFill/>
+                </a:ln>
+                <a:solidFill>
+                  <a:srgbClr val="CC7832"/>
+                </a:solidFill>
+                <a:effectLst/>
+                <a:latin typeface="Courier New" panose="02070309020205020404" pitchFamily="49" charset="0"/>
+                <a:cs typeface="Courier New" panose="02070309020205020404" pitchFamily="49" charset="0"/>
+              </a:rPr>
+            </a:br>
+            <a:r>
+              <a:rPr kumimoji="0" lang="en-US" altLang="en-US" sz="1200" b="0" i="0" u="none" strike="noStrike" cap="none" normalizeH="0" baseline="0" dirty="0" smtClean="0">
+                <a:ln>
+                  <a:noFill/>
+                </a:ln>
+                <a:solidFill>
+                  <a:srgbClr val="CC7832"/>
+                </a:solidFill>
+                <a:effectLst/>
+                <a:latin typeface="Courier New" panose="02070309020205020404" pitchFamily="49" charset="0"/>
+                <a:cs typeface="Courier New" panose="02070309020205020404" pitchFamily="49" charset="0"/>
+              </a:rPr>
+              <a:t>    </a:t>
+            </a:r>
+            <a:r>
+              <a:rPr kumimoji="0" lang="en-US" altLang="en-US" sz="1200" b="0" i="0" u="none" strike="noStrike" cap="none" normalizeH="0" baseline="0" dirty="0" err="1" smtClean="0">
+                <a:ln>
+                  <a:noFill/>
+                </a:ln>
+                <a:solidFill>
+                  <a:srgbClr val="A9B7C6"/>
+                </a:solidFill>
+                <a:effectLst/>
+                <a:latin typeface="Courier New" panose="02070309020205020404" pitchFamily="49" charset="0"/>
+                <a:cs typeface="Courier New" panose="02070309020205020404" pitchFamily="49" charset="0"/>
+              </a:rPr>
+              <a:t>globalArray.push_back</a:t>
+            </a:r>
+            <a:r>
+              <a:rPr kumimoji="0" lang="en-US" altLang="en-US" sz="1200" b="0" i="0" u="none" strike="noStrike" cap="none" normalizeH="0" baseline="0" dirty="0" smtClean="0">
+                <a:ln>
+                  <a:noFill/>
+                </a:ln>
+                <a:solidFill>
+                  <a:srgbClr val="A9B7C6"/>
+                </a:solidFill>
+                <a:effectLst/>
+                <a:latin typeface="Courier New" panose="02070309020205020404" pitchFamily="49" charset="0"/>
+                <a:cs typeface="Courier New" panose="02070309020205020404" pitchFamily="49" charset="0"/>
+              </a:rPr>
+              <a:t>(</a:t>
+            </a:r>
+            <a:r>
+              <a:rPr kumimoji="0" lang="en-US" altLang="en-US" sz="1200" b="0" i="0" u="none" strike="noStrike" cap="none" normalizeH="0" baseline="0" dirty="0" err="1" smtClean="0">
+                <a:ln>
+                  <a:noFill/>
+                </a:ln>
+                <a:solidFill>
+                  <a:srgbClr val="A9B7C6"/>
+                </a:solidFill>
+                <a:effectLst/>
+                <a:latin typeface="Courier New" panose="02070309020205020404" pitchFamily="49" charset="0"/>
+                <a:cs typeface="Courier New" panose="02070309020205020404" pitchFamily="49" charset="0"/>
+              </a:rPr>
+              <a:t>globalObject</a:t>
+            </a:r>
+            <a:r>
+              <a:rPr kumimoji="0" lang="en-US" altLang="en-US" sz="1200" b="0" i="0" u="none" strike="noStrike" cap="none" normalizeH="0" baseline="0" dirty="0" smtClean="0">
+                <a:ln>
+                  <a:noFill/>
+                </a:ln>
+                <a:solidFill>
+                  <a:srgbClr val="A9B7C6"/>
+                </a:solidFill>
+                <a:effectLst/>
+                <a:latin typeface="Courier New" panose="02070309020205020404" pitchFamily="49" charset="0"/>
+                <a:cs typeface="Courier New" panose="02070309020205020404" pitchFamily="49" charset="0"/>
+              </a:rPr>
+              <a:t>)</a:t>
+            </a:r>
+            <a:r>
+              <a:rPr kumimoji="0" lang="en-US" altLang="en-US" sz="1200" b="0" i="0" u="none" strike="noStrike" cap="none" normalizeH="0" baseline="0" dirty="0" smtClean="0">
+                <a:ln>
+                  <a:noFill/>
+                </a:ln>
+                <a:solidFill>
+                  <a:srgbClr val="CC7832"/>
+                </a:solidFill>
+                <a:effectLst/>
+                <a:latin typeface="Courier New" panose="02070309020205020404" pitchFamily="49" charset="0"/>
+                <a:cs typeface="Courier New" panose="02070309020205020404" pitchFamily="49" charset="0"/>
+              </a:rPr>
+              <a:t>;</a:t>
+            </a:r>
+            <a:br>
+              <a:rPr kumimoji="0" lang="en-US" altLang="en-US" sz="1200" b="0" i="0" u="none" strike="noStrike" cap="none" normalizeH="0" baseline="0" dirty="0" smtClean="0">
+                <a:ln>
+                  <a:noFill/>
+                </a:ln>
+                <a:solidFill>
+                  <a:srgbClr val="CC7832"/>
+                </a:solidFill>
+                <a:effectLst/>
+                <a:latin typeface="Courier New" panose="02070309020205020404" pitchFamily="49" charset="0"/>
+                <a:cs typeface="Courier New" panose="02070309020205020404" pitchFamily="49" charset="0"/>
+              </a:rPr>
+            </a:br>
+            <a:r>
+              <a:rPr kumimoji="0" lang="en-US" altLang="en-US" sz="1200" b="0" i="0" u="none" strike="noStrike" cap="none" normalizeH="0" baseline="0" dirty="0" smtClean="0">
+                <a:ln>
+                  <a:noFill/>
+                </a:ln>
+                <a:solidFill>
+                  <a:srgbClr val="CC7832"/>
+                </a:solidFill>
+                <a:effectLst/>
+                <a:latin typeface="Courier New" panose="02070309020205020404" pitchFamily="49" charset="0"/>
+                <a:cs typeface="Courier New" panose="02070309020205020404" pitchFamily="49" charset="0"/>
+              </a:rPr>
+              <a:t>    </a:t>
+            </a:r>
+            <a:r>
+              <a:rPr kumimoji="0" lang="en-US" altLang="en-US" sz="1200" b="0" i="0" u="none" strike="noStrike" cap="none" normalizeH="0" baseline="0" dirty="0" err="1" smtClean="0">
+                <a:ln>
+                  <a:noFill/>
+                </a:ln>
+                <a:solidFill>
+                  <a:srgbClr val="A9B7C6"/>
+                </a:solidFill>
+                <a:effectLst/>
+                <a:latin typeface="Courier New" panose="02070309020205020404" pitchFamily="49" charset="0"/>
+                <a:cs typeface="Courier New" panose="02070309020205020404" pitchFamily="49" charset="0"/>
+              </a:rPr>
+              <a:t>env</a:t>
+            </a:r>
+            <a:r>
+              <a:rPr kumimoji="0" lang="en-US" altLang="en-US" sz="1200" b="0" i="0" u="none" strike="noStrike" cap="none" normalizeH="0" baseline="0" dirty="0" smtClean="0">
+                <a:ln>
+                  <a:noFill/>
+                </a:ln>
+                <a:solidFill>
+                  <a:srgbClr val="A9B7C6"/>
+                </a:solidFill>
+                <a:effectLst/>
+                <a:latin typeface="Courier New" panose="02070309020205020404" pitchFamily="49" charset="0"/>
+                <a:cs typeface="Courier New" panose="02070309020205020404" pitchFamily="49" charset="0"/>
+              </a:rPr>
+              <a:t>-&gt;</a:t>
+            </a:r>
+            <a:r>
+              <a:rPr kumimoji="0" lang="en-US" altLang="en-US" sz="1200" b="0" i="0" u="none" strike="noStrike" cap="none" normalizeH="0" baseline="0" dirty="0" err="1" smtClean="0">
+                <a:ln>
+                  <a:noFill/>
+                </a:ln>
+                <a:solidFill>
+                  <a:srgbClr val="A9B7C6"/>
+                </a:solidFill>
+                <a:effectLst/>
+                <a:latin typeface="Courier New" panose="02070309020205020404" pitchFamily="49" charset="0"/>
+                <a:cs typeface="Courier New" panose="02070309020205020404" pitchFamily="49" charset="0"/>
+              </a:rPr>
+              <a:t>DeleteLocalRef</a:t>
+            </a:r>
+            <a:r>
+              <a:rPr kumimoji="0" lang="en-US" altLang="en-US" sz="1200" b="0" i="0" u="none" strike="noStrike" cap="none" normalizeH="0" baseline="0" dirty="0" smtClean="0">
+                <a:ln>
+                  <a:noFill/>
+                </a:ln>
+                <a:solidFill>
+                  <a:srgbClr val="A9B7C6"/>
+                </a:solidFill>
+                <a:effectLst/>
+                <a:latin typeface="Courier New" panose="02070309020205020404" pitchFamily="49" charset="0"/>
+                <a:cs typeface="Courier New" panose="02070309020205020404" pitchFamily="49" charset="0"/>
+              </a:rPr>
+              <a:t>(</a:t>
+            </a:r>
+            <a:r>
+              <a:rPr kumimoji="0" lang="en-US" altLang="en-US" sz="1200" b="0" i="0" u="none" strike="noStrike" cap="none" normalizeH="0" baseline="0" dirty="0" err="1" smtClean="0">
+                <a:ln>
+                  <a:noFill/>
+                </a:ln>
+                <a:solidFill>
+                  <a:srgbClr val="A9B7C6"/>
+                </a:solidFill>
+                <a:effectLst/>
+                <a:latin typeface="Courier New" panose="02070309020205020404" pitchFamily="49" charset="0"/>
+                <a:cs typeface="Courier New" panose="02070309020205020404" pitchFamily="49" charset="0"/>
+              </a:rPr>
+              <a:t>testString</a:t>
+            </a:r>
+            <a:r>
+              <a:rPr kumimoji="0" lang="en-US" altLang="en-US" sz="1200" b="0" i="0" u="none" strike="noStrike" cap="none" normalizeH="0" baseline="0" dirty="0" smtClean="0">
+                <a:ln>
+                  <a:noFill/>
+                </a:ln>
+                <a:solidFill>
+                  <a:srgbClr val="A9B7C6"/>
+                </a:solidFill>
+                <a:effectLst/>
+                <a:latin typeface="Courier New" panose="02070309020205020404" pitchFamily="49" charset="0"/>
+                <a:cs typeface="Courier New" panose="02070309020205020404" pitchFamily="49" charset="0"/>
+              </a:rPr>
+              <a:t>)</a:t>
+            </a:r>
+            <a:r>
+              <a:rPr kumimoji="0" lang="en-US" altLang="en-US" sz="1200" b="0" i="0" u="none" strike="noStrike" cap="none" normalizeH="0" baseline="0" dirty="0" smtClean="0">
+                <a:ln>
+                  <a:noFill/>
+                </a:ln>
+                <a:solidFill>
+                  <a:srgbClr val="CC7832"/>
+                </a:solidFill>
+                <a:effectLst/>
+                <a:latin typeface="Courier New" panose="02070309020205020404" pitchFamily="49" charset="0"/>
+                <a:cs typeface="Courier New" panose="02070309020205020404" pitchFamily="49" charset="0"/>
+              </a:rPr>
+              <a:t>;</a:t>
+            </a:r>
+            <a:br>
+              <a:rPr kumimoji="0" lang="en-US" altLang="en-US" sz="1200" b="0" i="0" u="none" strike="noStrike" cap="none" normalizeH="0" baseline="0" dirty="0" smtClean="0">
+                <a:ln>
+                  <a:noFill/>
+                </a:ln>
+                <a:solidFill>
+                  <a:srgbClr val="CC7832"/>
+                </a:solidFill>
+                <a:effectLst/>
+                <a:latin typeface="Courier New" panose="02070309020205020404" pitchFamily="49" charset="0"/>
+                <a:cs typeface="Courier New" panose="02070309020205020404" pitchFamily="49" charset="0"/>
+              </a:rPr>
+            </a:br>
+            <a:r>
+              <a:rPr kumimoji="0" lang="en-US" altLang="en-US" sz="1200" b="0" i="0" u="none" strike="noStrike" cap="none" normalizeH="0" baseline="0" dirty="0" smtClean="0">
+                <a:ln>
+                  <a:noFill/>
+                </a:ln>
+                <a:solidFill>
+                  <a:srgbClr val="A9B7C6"/>
+                </a:solidFill>
+                <a:effectLst/>
+                <a:latin typeface="Courier New" panose="02070309020205020404" pitchFamily="49" charset="0"/>
+                <a:cs typeface="Courier New" panose="02070309020205020404" pitchFamily="49" charset="0"/>
+              </a:rPr>
+              <a:t>}</a:t>
+            </a:r>
+            <a:endParaRPr kumimoji="0" lang="en-US" altLang="en-US" sz="1800" b="0" i="0" u="none" strike="noStrike" cap="none" normalizeH="0" baseline="0" dirty="0" smtClean="0">
               <a:ln>
                 <a:noFill/>
               </a:ln>
@@ -25574,33 +25676,15 @@
                                   </p:childTnLst>
                                 </p:cTn>
                               </p:par>
-                            </p:childTnLst>
-                          </p:cTn>
-                        </p:par>
-                      </p:childTnLst>
-                    </p:cTn>
-                  </p:par>
-                  <p:par>
-                    <p:cTn id="7" fill="hold">
-                      <p:stCondLst>
-                        <p:cond delay="indefinite"/>
-                      </p:stCondLst>
-                      <p:childTnLst>
-                        <p:par>
-                          <p:cTn id="8" fill="hold">
-                            <p:stCondLst>
-                              <p:cond delay="0"/>
-                            </p:stCondLst>
-                            <p:childTnLst>
                               <p:par>
-                                <p:cTn id="9" presetID="1" presetClass="entr" presetSubtype="0" fill="hold" grpId="0" nodeType="clickEffect">
+                                <p:cTn id="7" presetID="1" presetClass="entr" presetSubtype="0" fill="hold" grpId="0" nodeType="withEffect">
                                   <p:stCondLst>
                                     <p:cond delay="0"/>
                                   </p:stCondLst>
                                   <p:childTnLst>
                                     <p:set>
                                       <p:cBhvr>
-                                        <p:cTn id="10" dur="1" fill="hold">
+                                        <p:cTn id="8" dur="1" fill="hold">
                                           <p:stCondLst>
                                             <p:cond delay="0"/>
                                           </p:stCondLst>
@@ -25630,291 +25714,26 @@
                     </p:cTn>
                   </p:par>
                   <p:par>
-                    <p:cTn id="11" fill="hold">
+                    <p:cTn id="9" fill="hold">
                       <p:stCondLst>
                         <p:cond delay="indefinite"/>
                       </p:stCondLst>
                       <p:childTnLst>
                         <p:par>
-                          <p:cTn id="12" fill="hold">
+                          <p:cTn id="10" fill="hold">
                             <p:stCondLst>
                               <p:cond delay="0"/>
                             </p:stCondLst>
                             <p:childTnLst>
                               <p:par>
-                                <p:cTn id="13" presetID="1" presetClass="entr" presetSubtype="0" fill="hold" grpId="0" nodeType="clickEffect">
+                                <p:cTn id="11" presetID="1" presetClass="entr" presetSubtype="0" fill="hold" grpId="0" nodeType="clickEffect">
                                   <p:stCondLst>
                                     <p:cond delay="0"/>
                                   </p:stCondLst>
                                   <p:childTnLst>
                                     <p:set>
                                       <p:cBhvr>
-                                        <p:cTn id="14" dur="1" fill="hold">
-                                          <p:stCondLst>
-                                            <p:cond delay="0"/>
-                                          </p:stCondLst>
-                                        </p:cTn>
-                                        <p:tgtEl>
-                                          <p:spTgt spid="3">
-                                            <p:txEl>
-                                              <p:pRg st="2" end="2"/>
-                                            </p:txEl>
-                                          </p:spTgt>
-                                        </p:tgtEl>
-                                        <p:attrNameLst>
-                                          <p:attrName>style.visibility</p:attrName>
-                                        </p:attrNameLst>
-                                      </p:cBhvr>
-                                      <p:to>
-                                        <p:strVal val="visible"/>
-                                      </p:to>
-                                    </p:set>
-                                  </p:childTnLst>
-                                </p:cTn>
-                              </p:par>
-                            </p:childTnLst>
-                          </p:cTn>
-                        </p:par>
-                      </p:childTnLst>
-                    </p:cTn>
-                  </p:par>
-                  <p:par>
-                    <p:cTn id="15" fill="hold">
-                      <p:stCondLst>
-                        <p:cond delay="indefinite"/>
-                      </p:stCondLst>
-                      <p:childTnLst>
-                        <p:par>
-                          <p:cTn id="16" fill="hold">
-                            <p:stCondLst>
-                              <p:cond delay="0"/>
-                            </p:stCondLst>
-                            <p:childTnLst>
-                              <p:par>
-                                <p:cTn id="17" presetID="1" presetClass="entr" presetSubtype="0" fill="hold" grpId="0" nodeType="clickEffect">
-                                  <p:stCondLst>
-                                    <p:cond delay="0"/>
-                                  </p:stCondLst>
-                                  <p:childTnLst>
-                                    <p:set>
-                                      <p:cBhvr>
-                                        <p:cTn id="18" dur="1" fill="hold">
-                                          <p:stCondLst>
-                                            <p:cond delay="0"/>
-                                          </p:stCondLst>
-                                        </p:cTn>
-                                        <p:tgtEl>
-                                          <p:spTgt spid="10"/>
-                                        </p:tgtEl>
-                                        <p:attrNameLst>
-                                          <p:attrName>style.visibility</p:attrName>
-                                        </p:attrNameLst>
-                                      </p:cBhvr>
-                                      <p:to>
-                                        <p:strVal val="visible"/>
-                                      </p:to>
-                                    </p:set>
-                                  </p:childTnLst>
-                                </p:cTn>
-                              </p:par>
-                              <p:par>
-                                <p:cTn id="19" presetID="1" presetClass="entr" presetSubtype="0" fill="hold" grpId="0" nodeType="withEffect">
-                                  <p:stCondLst>
-                                    <p:cond delay="0"/>
-                                  </p:stCondLst>
-                                  <p:childTnLst>
-                                    <p:set>
-                                      <p:cBhvr>
-                                        <p:cTn id="20" dur="1" fill="hold">
-                                          <p:stCondLst>
-                                            <p:cond delay="0"/>
-                                          </p:stCondLst>
-                                        </p:cTn>
-                                        <p:tgtEl>
-                                          <p:spTgt spid="5"/>
-                                        </p:tgtEl>
-                                        <p:attrNameLst>
-                                          <p:attrName>style.visibility</p:attrName>
-                                        </p:attrNameLst>
-                                      </p:cBhvr>
-                                      <p:to>
-                                        <p:strVal val="visible"/>
-                                      </p:to>
-                                    </p:set>
-                                  </p:childTnLst>
-                                </p:cTn>
-                              </p:par>
-                            </p:childTnLst>
-                          </p:cTn>
-                        </p:par>
-                      </p:childTnLst>
-                    </p:cTn>
-                  </p:par>
-                  <p:par>
-                    <p:cTn id="21" fill="hold">
-                      <p:stCondLst>
-                        <p:cond delay="indefinite"/>
-                      </p:stCondLst>
-                      <p:childTnLst>
-                        <p:par>
-                          <p:cTn id="22" fill="hold">
-                            <p:stCondLst>
-                              <p:cond delay="0"/>
-                            </p:stCondLst>
-                            <p:childTnLst>
-                              <p:par>
-                                <p:cTn id="23" presetID="1" presetClass="entr" presetSubtype="0" fill="hold" nodeType="clickEffect">
-                                  <p:stCondLst>
-                                    <p:cond delay="0"/>
-                                  </p:stCondLst>
-                                  <p:childTnLst>
-                                    <p:set>
-                                      <p:cBhvr>
-                                        <p:cTn id="24" dur="1" fill="hold">
-                                          <p:stCondLst>
-                                            <p:cond delay="0"/>
-                                          </p:stCondLst>
-                                        </p:cTn>
-                                        <p:tgtEl>
-                                          <p:spTgt spid="6"/>
-                                        </p:tgtEl>
-                                        <p:attrNameLst>
-                                          <p:attrName>style.visibility</p:attrName>
-                                        </p:attrNameLst>
-                                      </p:cBhvr>
-                                      <p:to>
-                                        <p:strVal val="visible"/>
-                                      </p:to>
-                                    </p:set>
-                                  </p:childTnLst>
-                                </p:cTn>
-                              </p:par>
-                            </p:childTnLst>
-                          </p:cTn>
-                        </p:par>
-                      </p:childTnLst>
-                    </p:cTn>
-                  </p:par>
-                  <p:par>
-                    <p:cTn id="25" fill="hold">
-                      <p:stCondLst>
-                        <p:cond delay="indefinite"/>
-                      </p:stCondLst>
-                      <p:childTnLst>
-                        <p:par>
-                          <p:cTn id="26" fill="hold">
-                            <p:stCondLst>
-                              <p:cond delay="0"/>
-                            </p:stCondLst>
-                            <p:childTnLst>
-                              <p:par>
-                                <p:cTn id="27" presetID="1" presetClass="exit" presetSubtype="0" fill="hold" grpId="1" nodeType="clickEffect">
-                                  <p:stCondLst>
-                                    <p:cond delay="0"/>
-                                  </p:stCondLst>
-                                  <p:childTnLst>
-                                    <p:set>
-                                      <p:cBhvr>
-                                        <p:cTn id="28" dur="1" fill="hold">
-                                          <p:stCondLst>
-                                            <p:cond delay="0"/>
-                                          </p:stCondLst>
-                                        </p:cTn>
-                                        <p:tgtEl>
-                                          <p:spTgt spid="10"/>
-                                        </p:tgtEl>
-                                        <p:attrNameLst>
-                                          <p:attrName>style.visibility</p:attrName>
-                                        </p:attrNameLst>
-                                      </p:cBhvr>
-                                      <p:to>
-                                        <p:strVal val="hidden"/>
-                                      </p:to>
-                                    </p:set>
-                                  </p:childTnLst>
-                                </p:cTn>
-                              </p:par>
-                              <p:par>
-                                <p:cTn id="29" presetID="1" presetClass="exit" presetSubtype="0" fill="hold" grpId="1" nodeType="withEffect">
-                                  <p:stCondLst>
-                                    <p:cond delay="0"/>
-                                  </p:stCondLst>
-                                  <p:childTnLst>
-                                    <p:set>
-                                      <p:cBhvr>
-                                        <p:cTn id="30" dur="1" fill="hold">
-                                          <p:stCondLst>
-                                            <p:cond delay="0"/>
-                                          </p:stCondLst>
-                                        </p:cTn>
-                                        <p:tgtEl>
-                                          <p:spTgt spid="5"/>
-                                        </p:tgtEl>
-                                        <p:attrNameLst>
-                                          <p:attrName>style.visibility</p:attrName>
-                                        </p:attrNameLst>
-                                      </p:cBhvr>
-                                      <p:to>
-                                        <p:strVal val="hidden"/>
-                                      </p:to>
-                                    </p:set>
-                                  </p:childTnLst>
-                                </p:cTn>
-                              </p:par>
-                              <p:par>
-                                <p:cTn id="31" presetID="1" presetClass="exit" presetSubtype="0" fill="hold" nodeType="withEffect">
-                                  <p:stCondLst>
-                                    <p:cond delay="0"/>
-                                  </p:stCondLst>
-                                  <p:childTnLst>
-                                    <p:set>
-                                      <p:cBhvr>
-                                        <p:cTn id="32" dur="1" fill="hold">
-                                          <p:stCondLst>
-                                            <p:cond delay="0"/>
-                                          </p:stCondLst>
-                                        </p:cTn>
-                                        <p:tgtEl>
-                                          <p:spTgt spid="6"/>
-                                        </p:tgtEl>
-                                        <p:attrNameLst>
-                                          <p:attrName>style.visibility</p:attrName>
-                                        </p:attrNameLst>
-                                      </p:cBhvr>
-                                      <p:to>
-                                        <p:strVal val="hidden"/>
-                                      </p:to>
-                                    </p:set>
-                                  </p:childTnLst>
-                                </p:cTn>
-                              </p:par>
-                            </p:childTnLst>
-                          </p:cTn>
-                        </p:par>
-                      </p:childTnLst>
-                    </p:cTn>
-                  </p:par>
-                  <p:par>
-                    <p:cTn id="33" fill="hold">
-                      <p:stCondLst>
-                        <p:cond delay="indefinite"/>
-                      </p:stCondLst>
-                      <p:childTnLst>
-                        <p:par>
-                          <p:cTn id="34" fill="hold">
-                            <p:stCondLst>
-                              <p:cond delay="0"/>
-                            </p:stCondLst>
-                            <p:childTnLst>
-                              <p:par>
-                                <p:cTn id="35" presetID="1" presetClass="entr" presetSubtype="0" fill="hold" grpId="0" nodeType="clickEffect">
-                                  <p:stCondLst>
-                                    <p:cond delay="0"/>
-                                  </p:stCondLst>
-                                  <p:childTnLst>
-                                    <p:set>
-                                      <p:cBhvr>
-                                        <p:cTn id="36" dur="1" fill="hold">
+                                        <p:cTn id="12" dur="1" fill="hold">
                                           <p:stCondLst>
                                             <p:cond delay="0"/>
                                           </p:stCondLst>
@@ -25944,26 +25763,75 @@
                     </p:cTn>
                   </p:par>
                   <p:par>
-                    <p:cTn id="37" fill="hold">
+                    <p:cTn id="13" fill="hold">
                       <p:stCondLst>
                         <p:cond delay="indefinite"/>
                       </p:stCondLst>
                       <p:childTnLst>
                         <p:par>
-                          <p:cTn id="38" fill="hold">
+                          <p:cTn id="14" fill="hold">
                             <p:stCondLst>
                               <p:cond delay="0"/>
                             </p:stCondLst>
                             <p:childTnLst>
                               <p:par>
-                                <p:cTn id="39" presetID="1" presetClass="entr" presetSubtype="0" fill="hold" grpId="2" nodeType="clickEffect">
+                                <p:cTn id="15" presetID="1" presetClass="entr" presetSubtype="0" fill="hold" grpId="0" nodeType="clickEffect">
                                   <p:stCondLst>
                                     <p:cond delay="0"/>
                                   </p:stCondLst>
                                   <p:childTnLst>
                                     <p:set>
                                       <p:cBhvr>
-                                        <p:cTn id="40" dur="1" fill="hold">
+                                        <p:cTn id="16" dur="1" fill="hold">
+                                          <p:stCondLst>
+                                            <p:cond delay="0"/>
+                                          </p:stCondLst>
+                                        </p:cTn>
+                                        <p:tgtEl>
+                                          <p:spTgt spid="3">
+                                            <p:txEl>
+                                              <p:pRg st="5" end="5"/>
+                                            </p:txEl>
+                                          </p:spTgt>
+                                        </p:tgtEl>
+                                        <p:attrNameLst>
+                                          <p:attrName>style.visibility</p:attrName>
+                                        </p:attrNameLst>
+                                      </p:cBhvr>
+                                      <p:to>
+                                        <p:strVal val="visible"/>
+                                      </p:to>
+                                    </p:set>
+                                  </p:childTnLst>
+                                </p:cTn>
+                              </p:par>
+                            </p:childTnLst>
+                          </p:cTn>
+                        </p:par>
+                      </p:childTnLst>
+                    </p:cTn>
+                  </p:par>
+                  <p:par>
+                    <p:cTn id="17" fill="hold">
+                      <p:stCondLst>
+                        <p:cond delay="indefinite"/>
+                      </p:stCondLst>
+                      <p:childTnLst>
+                        <p:par>
+                          <p:cTn id="18" fill="hold">
+                            <p:stCondLst>
+                              <p:cond delay="0"/>
+                            </p:stCondLst>
+                            <p:childTnLst>
+                              <p:par>
+                                <p:cTn id="19" presetID="1" presetClass="entr" presetSubtype="0" fill="hold" grpId="0" nodeType="clickEffect">
+                                  <p:stCondLst>
+                                    <p:cond delay="0"/>
+                                  </p:stCondLst>
+                                  <p:childTnLst>
+                                    <p:set>
+                                      <p:cBhvr>
+                                        <p:cTn id="20" dur="1" fill="hold">
                                           <p:stCondLst>
                                             <p:cond delay="0"/>
                                           </p:stCondLst>
@@ -25983,7 +25851,245 @@
                                 </p:cTn>
                               </p:par>
                               <p:par>
-                                <p:cTn id="41" presetID="1" presetClass="entr" presetSubtype="0" fill="hold" grpId="0" nodeType="withEffect">
+                                <p:cTn id="21" presetID="1" presetClass="entr" presetSubtype="0" fill="hold" grpId="0" nodeType="withEffect">
+                                  <p:stCondLst>
+                                    <p:cond delay="0"/>
+                                  </p:stCondLst>
+                                  <p:childTnLst>
+                                    <p:set>
+                                      <p:cBhvr>
+                                        <p:cTn id="22" dur="1" fill="hold">
+                                          <p:stCondLst>
+                                            <p:cond delay="0"/>
+                                          </p:stCondLst>
+                                        </p:cTn>
+                                        <p:tgtEl>
+                                          <p:spTgt spid="5"/>
+                                        </p:tgtEl>
+                                        <p:attrNameLst>
+                                          <p:attrName>style.visibility</p:attrName>
+                                        </p:attrNameLst>
+                                      </p:cBhvr>
+                                      <p:to>
+                                        <p:strVal val="visible"/>
+                                      </p:to>
+                                    </p:set>
+                                  </p:childTnLst>
+                                </p:cTn>
+                              </p:par>
+                            </p:childTnLst>
+                          </p:cTn>
+                        </p:par>
+                      </p:childTnLst>
+                    </p:cTn>
+                  </p:par>
+                  <p:par>
+                    <p:cTn id="23" fill="hold">
+                      <p:stCondLst>
+                        <p:cond delay="indefinite"/>
+                      </p:stCondLst>
+                      <p:childTnLst>
+                        <p:par>
+                          <p:cTn id="24" fill="hold">
+                            <p:stCondLst>
+                              <p:cond delay="0"/>
+                            </p:stCondLst>
+                            <p:childTnLst>
+                              <p:par>
+                                <p:cTn id="25" presetID="1" presetClass="entr" presetSubtype="0" fill="hold" nodeType="clickEffect">
+                                  <p:stCondLst>
+                                    <p:cond delay="0"/>
+                                  </p:stCondLst>
+                                  <p:childTnLst>
+                                    <p:set>
+                                      <p:cBhvr>
+                                        <p:cTn id="26" dur="1" fill="hold">
+                                          <p:stCondLst>
+                                            <p:cond delay="0"/>
+                                          </p:stCondLst>
+                                        </p:cTn>
+                                        <p:tgtEl>
+                                          <p:spTgt spid="6"/>
+                                        </p:tgtEl>
+                                        <p:attrNameLst>
+                                          <p:attrName>style.visibility</p:attrName>
+                                        </p:attrNameLst>
+                                      </p:cBhvr>
+                                      <p:to>
+                                        <p:strVal val="visible"/>
+                                      </p:to>
+                                    </p:set>
+                                  </p:childTnLst>
+                                </p:cTn>
+                              </p:par>
+                            </p:childTnLst>
+                          </p:cTn>
+                        </p:par>
+                      </p:childTnLst>
+                    </p:cTn>
+                  </p:par>
+                  <p:par>
+                    <p:cTn id="27" fill="hold">
+                      <p:stCondLst>
+                        <p:cond delay="indefinite"/>
+                      </p:stCondLst>
+                      <p:childTnLst>
+                        <p:par>
+                          <p:cTn id="28" fill="hold">
+                            <p:stCondLst>
+                              <p:cond delay="0"/>
+                            </p:stCondLst>
+                            <p:childTnLst>
+                              <p:par>
+                                <p:cTn id="29" presetID="1" presetClass="exit" presetSubtype="0" fill="hold" grpId="1" nodeType="clickEffect">
+                                  <p:stCondLst>
+                                    <p:cond delay="0"/>
+                                  </p:stCondLst>
+                                  <p:childTnLst>
+                                    <p:set>
+                                      <p:cBhvr>
+                                        <p:cTn id="30" dur="1" fill="hold">
+                                          <p:stCondLst>
+                                            <p:cond delay="0"/>
+                                          </p:stCondLst>
+                                        </p:cTn>
+                                        <p:tgtEl>
+                                          <p:spTgt spid="10"/>
+                                        </p:tgtEl>
+                                        <p:attrNameLst>
+                                          <p:attrName>style.visibility</p:attrName>
+                                        </p:attrNameLst>
+                                      </p:cBhvr>
+                                      <p:to>
+                                        <p:strVal val="hidden"/>
+                                      </p:to>
+                                    </p:set>
+                                  </p:childTnLst>
+                                </p:cTn>
+                              </p:par>
+                              <p:par>
+                                <p:cTn id="31" presetID="1" presetClass="exit" presetSubtype="0" fill="hold" grpId="1" nodeType="withEffect">
+                                  <p:stCondLst>
+                                    <p:cond delay="0"/>
+                                  </p:stCondLst>
+                                  <p:childTnLst>
+                                    <p:set>
+                                      <p:cBhvr>
+                                        <p:cTn id="32" dur="1" fill="hold">
+                                          <p:stCondLst>
+                                            <p:cond delay="0"/>
+                                          </p:stCondLst>
+                                        </p:cTn>
+                                        <p:tgtEl>
+                                          <p:spTgt spid="5"/>
+                                        </p:tgtEl>
+                                        <p:attrNameLst>
+                                          <p:attrName>style.visibility</p:attrName>
+                                        </p:attrNameLst>
+                                      </p:cBhvr>
+                                      <p:to>
+                                        <p:strVal val="hidden"/>
+                                      </p:to>
+                                    </p:set>
+                                  </p:childTnLst>
+                                </p:cTn>
+                              </p:par>
+                              <p:par>
+                                <p:cTn id="33" presetID="1" presetClass="exit" presetSubtype="0" fill="hold" nodeType="withEffect">
+                                  <p:stCondLst>
+                                    <p:cond delay="0"/>
+                                  </p:stCondLst>
+                                  <p:childTnLst>
+                                    <p:set>
+                                      <p:cBhvr>
+                                        <p:cTn id="34" dur="1" fill="hold">
+                                          <p:stCondLst>
+                                            <p:cond delay="0"/>
+                                          </p:stCondLst>
+                                        </p:cTn>
+                                        <p:tgtEl>
+                                          <p:spTgt spid="6"/>
+                                        </p:tgtEl>
+                                        <p:attrNameLst>
+                                          <p:attrName>style.visibility</p:attrName>
+                                        </p:attrNameLst>
+                                      </p:cBhvr>
+                                      <p:to>
+                                        <p:strVal val="hidden"/>
+                                      </p:to>
+                                    </p:set>
+                                  </p:childTnLst>
+                                </p:cTn>
+                              </p:par>
+                            </p:childTnLst>
+                          </p:cTn>
+                        </p:par>
+                      </p:childTnLst>
+                    </p:cTn>
+                  </p:par>
+                  <p:par>
+                    <p:cTn id="35" fill="hold">
+                      <p:stCondLst>
+                        <p:cond delay="indefinite"/>
+                      </p:stCondLst>
+                      <p:childTnLst>
+                        <p:par>
+                          <p:cTn id="36" fill="hold">
+                            <p:stCondLst>
+                              <p:cond delay="0"/>
+                            </p:stCondLst>
+                            <p:childTnLst>
+                              <p:par>
+                                <p:cTn id="37" presetID="1" presetClass="entr" presetSubtype="0" fill="hold" grpId="0" nodeType="clickEffect">
+                                  <p:stCondLst>
+                                    <p:cond delay="0"/>
+                                  </p:stCondLst>
+                                  <p:childTnLst>
+                                    <p:set>
+                                      <p:cBhvr>
+                                        <p:cTn id="38" dur="1" fill="hold">
+                                          <p:stCondLst>
+                                            <p:cond delay="0"/>
+                                          </p:stCondLst>
+                                        </p:cTn>
+                                        <p:tgtEl>
+                                          <p:spTgt spid="3">
+                                            <p:txEl>
+                                              <p:pRg st="7" end="7"/>
+                                            </p:txEl>
+                                          </p:spTgt>
+                                        </p:tgtEl>
+                                        <p:attrNameLst>
+                                          <p:attrName>style.visibility</p:attrName>
+                                        </p:attrNameLst>
+                                      </p:cBhvr>
+                                      <p:to>
+                                        <p:strVal val="visible"/>
+                                      </p:to>
+                                    </p:set>
+                                  </p:childTnLst>
+                                </p:cTn>
+                              </p:par>
+                            </p:childTnLst>
+                          </p:cTn>
+                        </p:par>
+                      </p:childTnLst>
+                    </p:cTn>
+                  </p:par>
+                  <p:par>
+                    <p:cTn id="39" fill="hold">
+                      <p:stCondLst>
+                        <p:cond delay="indefinite"/>
+                      </p:stCondLst>
+                      <p:childTnLst>
+                        <p:par>
+                          <p:cTn id="40" fill="hold">
+                            <p:stCondLst>
+                              <p:cond delay="0"/>
+                            </p:stCondLst>
+                            <p:childTnLst>
+                              <p:par>
+                                <p:cTn id="41" presetID="1" presetClass="entr" presetSubtype="0" fill="hold" grpId="2" nodeType="clickEffect">
                                   <p:stCondLst>
                                     <p:cond delay="0"/>
                                   </p:stCondLst>
@@ -25991,6 +26097,33 @@
                                     <p:set>
                                       <p:cBhvr>
                                         <p:cTn id="42" dur="1" fill="hold">
+                                          <p:stCondLst>
+                                            <p:cond delay="0"/>
+                                          </p:stCondLst>
+                                        </p:cTn>
+                                        <p:tgtEl>
+                                          <p:spTgt spid="10"/>
+                                        </p:tgtEl>
+                                        <p:attrNameLst>
+                                          <p:attrName>style.visibility</p:attrName>
+                                        </p:attrNameLst>
+                                      </p:cBhvr>
+                                      <p:to>
+                                        <p:strVal val="visible"/>
+                                      </p:to>
+                                    </p:set>
+                                  </p:childTnLst>
+                                </p:cTn>
+                              </p:par>
+                              <p:par>
+                                <p:cTn id="43" presetID="1" presetClass="entr" presetSubtype="0" fill="hold" grpId="0" nodeType="withEffect">
+                                  <p:stCondLst>
+                                    <p:cond delay="0"/>
+                                  </p:stCondLst>
+                                  <p:childTnLst>
+                                    <p:set>
+                                      <p:cBhvr>
+                                        <p:cTn id="44" dur="1" fill="hold">
                                           <p:stCondLst>
                                             <p:cond delay="0"/>
                                           </p:stCondLst>
@@ -26016,26 +26149,26 @@
                     </p:cTn>
                   </p:par>
                   <p:par>
-                    <p:cTn id="43" fill="hold">
+                    <p:cTn id="45" fill="hold">
                       <p:stCondLst>
                         <p:cond delay="indefinite"/>
                       </p:stCondLst>
                       <p:childTnLst>
                         <p:par>
-                          <p:cTn id="44" fill="hold">
+                          <p:cTn id="46" fill="hold">
                             <p:stCondLst>
                               <p:cond delay="0"/>
                             </p:stCondLst>
                             <p:childTnLst>
                               <p:par>
-                                <p:cTn id="45" presetID="1" presetClass="entr" presetSubtype="0" fill="hold" nodeType="clickEffect">
+                                <p:cTn id="47" presetID="1" presetClass="entr" presetSubtype="0" fill="hold" nodeType="clickEffect">
                                   <p:stCondLst>
                                     <p:cond delay="0"/>
                                   </p:stCondLst>
                                   <p:childTnLst>
                                     <p:set>
                                       <p:cBhvr>
-                                        <p:cTn id="46" dur="1" fill="hold">
+                                        <p:cTn id="48" dur="1" fill="hold">
                                           <p:stCondLst>
                                             <p:cond delay="0"/>
                                           </p:stCondLst>
@@ -26061,26 +26194,26 @@
                     </p:cTn>
                   </p:par>
                   <p:par>
-                    <p:cTn id="47" fill="hold">
+                    <p:cTn id="49" fill="hold">
                       <p:stCondLst>
                         <p:cond delay="indefinite"/>
                       </p:stCondLst>
                       <p:childTnLst>
                         <p:par>
-                          <p:cTn id="48" fill="hold">
+                          <p:cTn id="50" fill="hold">
                             <p:stCondLst>
                               <p:cond delay="0"/>
                             </p:stCondLst>
                             <p:childTnLst>
                               <p:par>
-                                <p:cTn id="49" presetID="1" presetClass="exit" presetSubtype="0" fill="hold" grpId="3" nodeType="clickEffect">
+                                <p:cTn id="51" presetID="1" presetClass="exit" presetSubtype="0" fill="hold" grpId="3" nodeType="clickEffect">
                                   <p:stCondLst>
                                     <p:cond delay="0"/>
                                   </p:stCondLst>
                                   <p:childTnLst>
                                     <p:set>
                                       <p:cBhvr>
-                                        <p:cTn id="50" dur="1" fill="hold">
+                                        <p:cTn id="52" dur="1" fill="hold">
                                           <p:stCondLst>
                                             <p:cond delay="0"/>
                                           </p:stCondLst>
@@ -26100,14 +26233,14 @@
                                 </p:cTn>
                               </p:par>
                               <p:par>
-                                <p:cTn id="51" presetID="1" presetClass="exit" presetSubtype="0" fill="hold" grpId="1" nodeType="withEffect">
+                                <p:cTn id="53" presetID="1" presetClass="exit" presetSubtype="0" fill="hold" grpId="1" nodeType="withEffect">
                                   <p:stCondLst>
                                     <p:cond delay="0"/>
                                   </p:stCondLst>
                                   <p:childTnLst>
                                     <p:set>
                                       <p:cBhvr>
-                                        <p:cTn id="52" dur="1" fill="hold">
+                                        <p:cTn id="54" dur="1" fill="hold">
                                           <p:stCondLst>
                                             <p:cond delay="0"/>
                                           </p:stCondLst>
@@ -26127,14 +26260,14 @@
                                 </p:cTn>
                               </p:par>
                               <p:par>
-                                <p:cTn id="53" presetID="1" presetClass="exit" presetSubtype="0" fill="hold" nodeType="withEffect">
+                                <p:cTn id="55" presetID="1" presetClass="exit" presetSubtype="0" fill="hold" nodeType="withEffect">
                                   <p:stCondLst>
                                     <p:cond delay="0"/>
                                   </p:stCondLst>
                                   <p:childTnLst>
                                     <p:set>
                                       <p:cBhvr>
-                                        <p:cTn id="54" dur="1" fill="hold">
+                                        <p:cTn id="56" dur="1" fill="hold">
                                           <p:stCondLst>
                                             <p:cond delay="0"/>
                                           </p:stCondLst>
@@ -26160,26 +26293,26 @@
                     </p:cTn>
                   </p:par>
                   <p:par>
-                    <p:cTn id="55" fill="hold">
+                    <p:cTn id="57" fill="hold">
                       <p:stCondLst>
                         <p:cond delay="indefinite"/>
                       </p:stCondLst>
                       <p:childTnLst>
                         <p:par>
-                          <p:cTn id="56" fill="hold">
+                          <p:cTn id="58" fill="hold">
                             <p:stCondLst>
                               <p:cond delay="0"/>
                             </p:stCondLst>
                             <p:childTnLst>
                               <p:par>
-                                <p:cTn id="57" presetID="1" presetClass="entr" presetSubtype="0" fill="hold" grpId="0" nodeType="clickEffect">
+                                <p:cTn id="59" presetID="1" presetClass="entr" presetSubtype="0" fill="hold" grpId="0" nodeType="clickEffect">
                                   <p:stCondLst>
                                     <p:cond delay="0"/>
                                   </p:stCondLst>
                                   <p:childTnLst>
                                     <p:set>
                                       <p:cBhvr>
-                                        <p:cTn id="58" dur="1" fill="hold">
+                                        <p:cTn id="60" dur="1" fill="hold">
                                           <p:stCondLst>
                                             <p:cond delay="0"/>
                                           </p:stCondLst>
@@ -26187,7 +26320,7 @@
                                         <p:tgtEl>
                                           <p:spTgt spid="3">
                                             <p:txEl>
-                                              <p:pRg st="4" end="4"/>
+                                              <p:pRg st="9" end="9"/>
                                             </p:txEl>
                                           </p:spTgt>
                                         </p:tgtEl>
@@ -26235,10 +26368,10 @@
       <p:bldP spid="10" grpId="1" animBg="1"/>
       <p:bldP spid="10" grpId="2" animBg="1"/>
       <p:bldP spid="10" grpId="3" animBg="1"/>
+      <p:bldP spid="5" grpId="0" animBg="1"/>
+      <p:bldP spid="5" grpId="1" animBg="1"/>
       <p:bldP spid="8" grpId="0" animBg="1"/>
       <p:bldP spid="8" grpId="1" animBg="1"/>
-      <p:bldP spid="5" grpId="0" animBg="1"/>
-      <p:bldP spid="5" grpId="1" animBg="1"/>
     </p:bldLst>
   </p:timing>
 </p:sld>
@@ -26297,8 +26430,8 @@
         </p:nvSpPr>
         <p:spPr>
           <a:xfrm>
-            <a:off x="750277" y="1433147"/>
-            <a:ext cx="10515600" cy="4726232"/>
+            <a:off x="750277" y="1547447"/>
+            <a:ext cx="9694985" cy="3121268"/>
           </a:xfrm>
         </p:spPr>
         <p:txBody>
@@ -26306,51 +26439,55 @@
           <a:lstStyle/>
           <a:p>
             <a:r>
-              <a:rPr lang="en-US" dirty="0" err="1"/>
+              <a:rPr lang="en-US" sz="2000" dirty="0" err="1"/>
               <a:t>JavaVM</a:t>
             </a:r>
             <a:r>
-              <a:rPr lang="en-US" dirty="0"/>
+              <a:rPr lang="en-US" sz="2000" dirty="0"/>
               <a:t> and </a:t>
             </a:r>
             <a:r>
-              <a:rPr lang="en-US" dirty="0" err="1" smtClean="0"/>
+              <a:rPr lang="en-US" sz="2000" dirty="0" err="1" smtClean="0"/>
               <a:t>JNIEnv</a:t>
             </a:r>
+            <a:endParaRPr lang="en-US" sz="2000" dirty="0" smtClean="0"/>
+          </a:p>
+          <a:p>
             <a:endParaRPr lang="en-US" dirty="0" smtClean="0"/>
           </a:p>
           <a:p>
+            <a:r>
+              <a:rPr lang="en-US" sz="2000" dirty="0" smtClean="0"/>
+              <a:t>Attach </a:t>
+            </a:r>
+            <a:r>
+              <a:rPr lang="en-US" sz="2000" dirty="0"/>
+              <a:t>native thread to the </a:t>
+            </a:r>
+            <a:r>
+              <a:rPr lang="en-US" sz="2000" dirty="0" smtClean="0"/>
+              <a:t>JVM</a:t>
+            </a:r>
+            <a:endParaRPr lang="uk-UA" sz="2000" dirty="0" smtClean="0"/>
+          </a:p>
+          <a:p>
             <a:endParaRPr lang="en-US" dirty="0" smtClean="0"/>
           </a:p>
           <a:p>
             <a:r>
+              <a:rPr lang="en-US" sz="2000" dirty="0" smtClean="0"/>
+              <a:t>Thread local references</a:t>
+            </a:r>
+            <a:r>
               <a:rPr lang="en-US" dirty="0" smtClean="0"/>
-              <a:t>Attach </a:t>
-            </a:r>
-            <a:r>
-              <a:rPr lang="en-US" dirty="0"/>
-              <a:t>native thread to the </a:t>
-            </a:r>
-            <a:r>
-              <a:rPr lang="en-US" dirty="0" smtClean="0"/>
-              <a:t>JVM</a:t>
+              <a:t>.</a:t>
             </a:r>
             <a:endParaRPr lang="uk-UA" dirty="0" smtClean="0"/>
           </a:p>
           <a:p>
-            <a:endParaRPr lang="en-US" dirty="0" smtClean="0"/>
-          </a:p>
-          <a:p>
-            <a:r>
-              <a:rPr lang="en-US" dirty="0" smtClean="0"/>
-              <a:t>Thread local references.</a:t>
-            </a:r>
-            <a:endParaRPr lang="uk-UA" dirty="0" smtClean="0"/>
-          </a:p>
-          <a:p>
             <a:pPr lvl="1"/>
             <a:r>
-              <a:rPr lang="en-US" dirty="0" smtClean="0">
+              <a:rPr lang="en-US" sz="1600" dirty="0" smtClean="0">
                 <a:solidFill>
                   <a:schemeClr val="accent6">
                     <a:lumMod val="60000"/>
@@ -26365,93 +26502,312 @@
       </p:sp>
       <p:sp>
         <p:nvSpPr>
-          <p:cNvPr id="4" name="Rectangle 3"/>
-          <p:cNvSpPr/>
+          <p:cNvPr id="6" name="Content Placeholder 2"/>
+          <p:cNvSpPr txBox="1">
+            <a:spLocks/>
+          </p:cNvSpPr>
           <p:nvPr/>
         </p:nvSpPr>
         <p:spPr>
           <a:xfrm>
-            <a:off x="7350005" y="1558381"/>
-            <a:ext cx="4324178" cy="1200329"/>
+            <a:off x="6682250" y="1861663"/>
+            <a:ext cx="3478295" cy="1926811"/>
           </a:xfrm>
           <a:prstGeom prst="rect">
             <a:avLst/>
           </a:prstGeom>
         </p:spPr>
         <p:txBody>
-          <a:bodyPr wrap="square">
-            <a:spAutoFit/>
-          </a:bodyPr>
+          <a:bodyPr/>
+          <a:lstStyle>
+            <a:lvl1pPr marL="228600" indent="-228600" algn="l" defTabSz="914400" rtl="0" eaLnBrk="1" latinLnBrk="0" hangingPunct="1">
+              <a:lnSpc>
+                <a:spcPct val="90000"/>
+              </a:lnSpc>
+              <a:spcBef>
+                <a:spcPts val="1000"/>
+              </a:spcBef>
+              <a:buFont typeface="Arial" panose="020B0604020202020204" pitchFamily="34" charset="0"/>
+              <a:buChar char="•"/>
+              <a:defRPr sz="2800" kern="1200">
+                <a:solidFill>
+                  <a:schemeClr val="tx1"/>
+                </a:solidFill>
+                <a:latin typeface="+mn-lt"/>
+                <a:ea typeface="+mn-ea"/>
+                <a:cs typeface="+mn-cs"/>
+              </a:defRPr>
+            </a:lvl1pPr>
+            <a:lvl2pPr marL="685800" indent="-228600" algn="l" defTabSz="914400" rtl="0" eaLnBrk="1" latinLnBrk="0" hangingPunct="1">
+              <a:lnSpc>
+                <a:spcPct val="90000"/>
+              </a:lnSpc>
+              <a:spcBef>
+                <a:spcPts val="500"/>
+              </a:spcBef>
+              <a:buFont typeface="Arial" panose="020B0604020202020204" pitchFamily="34" charset="0"/>
+              <a:buChar char="•"/>
+              <a:defRPr sz="2400" kern="1200">
+                <a:solidFill>
+                  <a:schemeClr val="tx1"/>
+                </a:solidFill>
+                <a:latin typeface="+mn-lt"/>
+                <a:ea typeface="+mn-ea"/>
+                <a:cs typeface="+mn-cs"/>
+              </a:defRPr>
+            </a:lvl2pPr>
+            <a:lvl3pPr marL="1143000" indent="-228600" algn="l" defTabSz="914400" rtl="0" eaLnBrk="1" latinLnBrk="0" hangingPunct="1">
+              <a:lnSpc>
+                <a:spcPct val="90000"/>
+              </a:lnSpc>
+              <a:spcBef>
+                <a:spcPts val="500"/>
+              </a:spcBef>
+              <a:buFont typeface="Arial" panose="020B0604020202020204" pitchFamily="34" charset="0"/>
+              <a:buChar char="•"/>
+              <a:defRPr sz="2000" kern="1200">
+                <a:solidFill>
+                  <a:schemeClr val="tx1"/>
+                </a:solidFill>
+                <a:latin typeface="+mn-lt"/>
+                <a:ea typeface="+mn-ea"/>
+                <a:cs typeface="+mn-cs"/>
+              </a:defRPr>
+            </a:lvl3pPr>
+            <a:lvl4pPr marL="1600200" indent="-228600" algn="l" defTabSz="914400" rtl="0" eaLnBrk="1" latinLnBrk="0" hangingPunct="1">
+              <a:lnSpc>
+                <a:spcPct val="90000"/>
+              </a:lnSpc>
+              <a:spcBef>
+                <a:spcPts val="500"/>
+              </a:spcBef>
+              <a:buFont typeface="Arial" panose="020B0604020202020204" pitchFamily="34" charset="0"/>
+              <a:buChar char="•"/>
+              <a:defRPr sz="1800" kern="1200">
+                <a:solidFill>
+                  <a:schemeClr val="tx1"/>
+                </a:solidFill>
+                <a:latin typeface="+mn-lt"/>
+                <a:ea typeface="+mn-ea"/>
+                <a:cs typeface="+mn-cs"/>
+              </a:defRPr>
+            </a:lvl4pPr>
+            <a:lvl5pPr marL="2057400" indent="-228600" algn="l" defTabSz="914400" rtl="0" eaLnBrk="1" latinLnBrk="0" hangingPunct="1">
+              <a:lnSpc>
+                <a:spcPct val="90000"/>
+              </a:lnSpc>
+              <a:spcBef>
+                <a:spcPts val="500"/>
+              </a:spcBef>
+              <a:buFont typeface="Arial" panose="020B0604020202020204" pitchFamily="34" charset="0"/>
+              <a:buChar char="•"/>
+              <a:defRPr sz="1800" kern="1200">
+                <a:solidFill>
+                  <a:schemeClr val="tx1"/>
+                </a:solidFill>
+                <a:latin typeface="+mn-lt"/>
+                <a:ea typeface="+mn-ea"/>
+                <a:cs typeface="+mn-cs"/>
+              </a:defRPr>
+            </a:lvl5pPr>
+            <a:lvl6pPr marL="2514600" indent="-228600" algn="l" defTabSz="914400" rtl="0" eaLnBrk="1" latinLnBrk="0" hangingPunct="1">
+              <a:lnSpc>
+                <a:spcPct val="90000"/>
+              </a:lnSpc>
+              <a:spcBef>
+                <a:spcPts val="500"/>
+              </a:spcBef>
+              <a:buFont typeface="Arial" panose="020B0604020202020204" pitchFamily="34" charset="0"/>
+              <a:buChar char="•"/>
+              <a:defRPr sz="1800" kern="1200">
+                <a:solidFill>
+                  <a:schemeClr val="tx1"/>
+                </a:solidFill>
+                <a:latin typeface="+mn-lt"/>
+                <a:ea typeface="+mn-ea"/>
+                <a:cs typeface="+mn-cs"/>
+              </a:defRPr>
+            </a:lvl6pPr>
+            <a:lvl7pPr marL="2971800" indent="-228600" algn="l" defTabSz="914400" rtl="0" eaLnBrk="1" latinLnBrk="0" hangingPunct="1">
+              <a:lnSpc>
+                <a:spcPct val="90000"/>
+              </a:lnSpc>
+              <a:spcBef>
+                <a:spcPts val="500"/>
+              </a:spcBef>
+              <a:buFont typeface="Arial" panose="020B0604020202020204" pitchFamily="34" charset="0"/>
+              <a:buChar char="•"/>
+              <a:defRPr sz="1800" kern="1200">
+                <a:solidFill>
+                  <a:schemeClr val="tx1"/>
+                </a:solidFill>
+                <a:latin typeface="+mn-lt"/>
+                <a:ea typeface="+mn-ea"/>
+                <a:cs typeface="+mn-cs"/>
+              </a:defRPr>
+            </a:lvl7pPr>
+            <a:lvl8pPr marL="3429000" indent="-228600" algn="l" defTabSz="914400" rtl="0" eaLnBrk="1" latinLnBrk="0" hangingPunct="1">
+              <a:lnSpc>
+                <a:spcPct val="90000"/>
+              </a:lnSpc>
+              <a:spcBef>
+                <a:spcPts val="500"/>
+              </a:spcBef>
+              <a:buFont typeface="Arial" panose="020B0604020202020204" pitchFamily="34" charset="0"/>
+              <a:buChar char="•"/>
+              <a:defRPr sz="1800" kern="1200">
+                <a:solidFill>
+                  <a:schemeClr val="tx1"/>
+                </a:solidFill>
+                <a:latin typeface="+mn-lt"/>
+                <a:ea typeface="+mn-ea"/>
+                <a:cs typeface="+mn-cs"/>
+              </a:defRPr>
+            </a:lvl8pPr>
+            <a:lvl9pPr marL="3886200" indent="-228600" algn="l" defTabSz="914400" rtl="0" eaLnBrk="1" latinLnBrk="0" hangingPunct="1">
+              <a:lnSpc>
+                <a:spcPct val="90000"/>
+              </a:lnSpc>
+              <a:spcBef>
+                <a:spcPts val="500"/>
+              </a:spcBef>
+              <a:buFont typeface="Arial" panose="020B0604020202020204" pitchFamily="34" charset="0"/>
+              <a:buChar char="•"/>
+              <a:defRPr sz="1800" kern="1200">
+                <a:solidFill>
+                  <a:schemeClr val="tx1"/>
+                </a:solidFill>
+                <a:latin typeface="+mn-lt"/>
+                <a:ea typeface="+mn-ea"/>
+                <a:cs typeface="+mn-cs"/>
+              </a:defRPr>
+            </a:lvl9pPr>
+          </a:lstStyle>
+          <a:p>
+            <a:r>
+              <a:rPr lang="en-US" sz="2000" dirty="0">
+                <a:solidFill>
+                  <a:srgbClr val="FFC000"/>
+                </a:solidFill>
+              </a:rPr>
+              <a:t>Invocation API</a:t>
+            </a:r>
+            <a:endParaRPr lang="uk-UA" sz="2000" dirty="0">
+              <a:solidFill>
+                <a:srgbClr val="FFC000"/>
+              </a:solidFill>
+            </a:endParaRPr>
+          </a:p>
+          <a:p>
+            <a:pPr lvl="1"/>
+            <a:r>
+              <a:rPr lang="en-US" sz="1600" dirty="0" err="1">
+                <a:solidFill>
+                  <a:srgbClr val="FFC000"/>
+                </a:solidFill>
+              </a:rPr>
+              <a:t>JNI_OnLoad</a:t>
+            </a:r>
+            <a:endParaRPr lang="uk-UA" sz="1600" dirty="0">
+              <a:solidFill>
+                <a:srgbClr val="FFC000"/>
+              </a:solidFill>
+            </a:endParaRPr>
+          </a:p>
+          <a:p>
+            <a:pPr lvl="1"/>
+            <a:r>
+              <a:rPr lang="en-US" sz="1600" dirty="0" err="1">
+                <a:solidFill>
+                  <a:srgbClr val="FFC000"/>
+                </a:solidFill>
+              </a:rPr>
+              <a:t>AttachCurrentThread</a:t>
+            </a:r>
+            <a:endParaRPr lang="uk-UA" sz="1600" dirty="0">
+              <a:solidFill>
+                <a:srgbClr val="FFC000"/>
+              </a:solidFill>
+            </a:endParaRPr>
+          </a:p>
+          <a:p>
+            <a:pPr lvl="1"/>
+            <a:r>
+              <a:rPr lang="en-US" sz="1600" dirty="0" err="1">
+                <a:solidFill>
+                  <a:srgbClr val="FFC000"/>
+                </a:solidFill>
+              </a:rPr>
+              <a:t>DetachCurrentThread</a:t>
+            </a:r>
+            <a:endParaRPr lang="uk-UA" sz="1600" dirty="0">
+              <a:solidFill>
+                <a:srgbClr val="FFC000"/>
+              </a:solidFill>
+            </a:endParaRPr>
+          </a:p>
+          <a:p>
+            <a:pPr lvl="1"/>
+            <a:r>
+              <a:rPr lang="en-US" sz="1600" dirty="0" err="1">
+                <a:solidFill>
+                  <a:srgbClr val="FFC000"/>
+                </a:solidFill>
+              </a:rPr>
+              <a:t>GetEnv</a:t>
+            </a:r>
+            <a:endParaRPr lang="en-US" sz="1600" dirty="0">
+              <a:solidFill>
+                <a:srgbClr val="FFC000"/>
+              </a:solidFill>
+            </a:endParaRPr>
+          </a:p>
+        </p:txBody>
+      </p:sp>
+      <p:sp>
+        <p:nvSpPr>
+          <p:cNvPr id="8" name="Rectangle 7"/>
+          <p:cNvSpPr/>
+          <p:nvPr/>
+        </p:nvSpPr>
+        <p:spPr>
+          <a:xfrm>
+            <a:off x="6422218" y="1690688"/>
+            <a:ext cx="4711931" cy="2056259"/>
+          </a:xfrm>
+          <a:prstGeom prst="rect">
+            <a:avLst/>
+          </a:prstGeom>
+          <a:solidFill>
+            <a:schemeClr val="bg1">
+              <a:alpha val="78000"/>
+            </a:schemeClr>
+          </a:solidFill>
+          <a:ln>
+            <a:noFill/>
+          </a:ln>
+        </p:spPr>
+        <p:style>
+          <a:lnRef idx="2">
+            <a:schemeClr val="accent1">
+              <a:shade val="50000"/>
+            </a:schemeClr>
+          </a:lnRef>
+          <a:fillRef idx="1">
+            <a:schemeClr val="accent1"/>
+          </a:fillRef>
+          <a:effectRef idx="0">
+            <a:schemeClr val="accent1"/>
+          </a:effectRef>
+          <a:fontRef idx="minor">
+            <a:schemeClr val="lt1"/>
+          </a:fontRef>
+        </p:style>
+        <p:txBody>
+          <a:bodyPr rtlCol="0" anchor="ctr"/>
           <a:lstStyle/>
           <a:p>
-            <a:pPr lvl="1"/>
-            <a:r>
-              <a:rPr lang="en-US" dirty="0" err="1" smtClean="0">
-                <a:solidFill>
-                  <a:srgbClr val="666666"/>
-                </a:solidFill>
-                <a:latin typeface="DejaVu Sans"/>
-                <a:hlinkClick r:id="rId3"/>
-              </a:rPr>
-              <a:t>JNI_OnLoad</a:t>
-            </a:r>
-            <a:endParaRPr lang="en-US" dirty="0">
-              <a:solidFill>
-                <a:srgbClr val="000000"/>
-              </a:solidFill>
-              <a:latin typeface="DejaVu Sans"/>
-            </a:endParaRPr>
-          </a:p>
-          <a:p>
-            <a:pPr lvl="1"/>
-            <a:r>
-              <a:rPr lang="en-US" dirty="0" err="1">
-                <a:solidFill>
-                  <a:srgbClr val="666666"/>
-                </a:solidFill>
-                <a:latin typeface="DejaVu Sans"/>
-                <a:hlinkClick r:id="rId4"/>
-              </a:rPr>
-              <a:t>AttachCurrentThread</a:t>
-            </a:r>
-            <a:endParaRPr lang="en-US" dirty="0">
-              <a:solidFill>
-                <a:srgbClr val="000000"/>
-              </a:solidFill>
-              <a:latin typeface="DejaVu Sans"/>
-            </a:endParaRPr>
-          </a:p>
-          <a:p>
-            <a:pPr lvl="1"/>
-            <a:r>
-              <a:rPr lang="en-US" dirty="0" err="1">
-                <a:solidFill>
-                  <a:srgbClr val="666666"/>
-                </a:solidFill>
-                <a:latin typeface="DejaVu Sans"/>
-                <a:hlinkClick r:id="rId5"/>
-              </a:rPr>
-              <a:t>DetachCurrentThread</a:t>
-            </a:r>
-            <a:endParaRPr lang="en-US" dirty="0">
-              <a:solidFill>
-                <a:srgbClr val="000000"/>
-              </a:solidFill>
-              <a:latin typeface="DejaVu Sans"/>
-            </a:endParaRPr>
-          </a:p>
-          <a:p>
-            <a:pPr lvl="1"/>
-            <a:r>
-              <a:rPr lang="en-US" dirty="0" err="1">
-                <a:solidFill>
-                  <a:srgbClr val="666666"/>
-                </a:solidFill>
-                <a:latin typeface="DejaVu Sans"/>
-                <a:hlinkClick r:id="rId6"/>
-              </a:rPr>
-              <a:t>GetEnv</a:t>
-            </a:r>
+            <a:pPr algn="ctr"/>
             <a:endParaRPr lang="en-US" dirty="0"/>
           </a:p>
         </p:txBody>
@@ -26469,9 +26825,80 @@
   <p:timing>
     <p:tnLst>
       <p:par>
-        <p:cTn id="1" dur="indefinite" restart="never" nodeType="tmRoot"/>
+        <p:cTn id="1" dur="indefinite" restart="never" nodeType="tmRoot">
+          <p:childTnLst>
+            <p:seq concurrent="1" nextAc="seek">
+              <p:cTn id="2" dur="indefinite" nodeType="mainSeq">
+                <p:childTnLst>
+                  <p:par>
+                    <p:cTn id="3" fill="hold">
+                      <p:stCondLst>
+                        <p:cond delay="indefinite"/>
+                      </p:stCondLst>
+                      <p:childTnLst>
+                        <p:par>
+                          <p:cTn id="4" fill="hold">
+                            <p:stCondLst>
+                              <p:cond delay="0"/>
+                            </p:stCondLst>
+                            <p:childTnLst>
+                              <p:par>
+                                <p:cTn id="5" presetID="1" presetClass="exit" presetSubtype="0" fill="hold" grpId="0" nodeType="clickEffect">
+                                  <p:stCondLst>
+                                    <p:cond delay="0"/>
+                                  </p:stCondLst>
+                                  <p:childTnLst>
+                                    <p:set>
+                                      <p:cBhvr>
+                                        <p:cTn id="6" dur="1" fill="hold">
+                                          <p:stCondLst>
+                                            <p:cond delay="0"/>
+                                          </p:stCondLst>
+                                        </p:cTn>
+                                        <p:tgtEl>
+                                          <p:spTgt spid="8"/>
+                                        </p:tgtEl>
+                                        <p:attrNameLst>
+                                          <p:attrName>style.visibility</p:attrName>
+                                        </p:attrNameLst>
+                                      </p:cBhvr>
+                                      <p:to>
+                                        <p:strVal val="hidden"/>
+                                      </p:to>
+                                    </p:set>
+                                  </p:childTnLst>
+                                </p:cTn>
+                              </p:par>
+                            </p:childTnLst>
+                          </p:cTn>
+                        </p:par>
+                      </p:childTnLst>
+                    </p:cTn>
+                  </p:par>
+                </p:childTnLst>
+              </p:cTn>
+              <p:prevCondLst>
+                <p:cond evt="onPrev" delay="0">
+                  <p:tgtEl>
+                    <p:sldTgt/>
+                  </p:tgtEl>
+                </p:cond>
+              </p:prevCondLst>
+              <p:nextCondLst>
+                <p:cond evt="onNext" delay="0">
+                  <p:tgtEl>
+                    <p:sldTgt/>
+                  </p:tgtEl>
+                </p:cond>
+              </p:nextCondLst>
+            </p:seq>
+          </p:childTnLst>
+        </p:cTn>
       </p:par>
     </p:tnLst>
+    <p:bldLst>
+      <p:bldP spid="8" grpId="0" animBg="1"/>
+    </p:bldLst>
   </p:timing>
 </p:sld>
 </file>
@@ -26537,7 +26964,7 @@
         </p:nvSpPr>
         <p:spPr>
           <a:xfrm>
-            <a:off x="662154" y="1506879"/>
+            <a:off x="662154" y="1348618"/>
             <a:ext cx="10515600" cy="4351338"/>
           </a:xfrm>
         </p:spPr>
@@ -26546,21 +26973,21 @@
           <a:lstStyle/>
           <a:p>
             <a:r>
-              <a:rPr lang="en-US" dirty="0" smtClean="0"/>
+              <a:rPr lang="en-US" sz="2000" dirty="0" smtClean="0"/>
               <a:t>Runtime errors and exceptions:</a:t>
             </a:r>
           </a:p>
           <a:p>
             <a:pPr lvl="1"/>
             <a:r>
-              <a:rPr lang="en-US" sz="1800" dirty="0" smtClean="0">
+              <a:rPr lang="en-US" sz="1600" dirty="0" smtClean="0">
                 <a:solidFill>
                   <a:srgbClr val="FF0000"/>
                 </a:solidFill>
               </a:rPr>
               <a:t>JNI DETECTED ERROR IN APPLICATION</a:t>
             </a:r>
-            <a:endParaRPr lang="en-US" sz="1800" dirty="0">
+            <a:endParaRPr lang="en-US" sz="1600" dirty="0">
               <a:solidFill>
                 <a:srgbClr val="FF0000"/>
               </a:solidFill>
@@ -26569,7 +26996,7 @@
           <a:p>
             <a:pPr lvl="1"/>
             <a:r>
-              <a:rPr lang="en-US" sz="1800" dirty="0" err="1" smtClean="0">
+              <a:rPr lang="en-US" sz="1600" dirty="0" err="1" smtClean="0">
                 <a:solidFill>
                   <a:srgbClr val="FF0000"/>
                 </a:solidFill>
@@ -26577,7 +27004,7 @@
               <a:t>java.lang.UnsatisfiedLinkerError</a:t>
             </a:r>
             <a:r>
-              <a:rPr lang="en-US" sz="1800" dirty="0" smtClean="0">
+              <a:rPr lang="en-US" sz="1600" dirty="0" smtClean="0">
                 <a:solidFill>
                   <a:srgbClr val="FF0000"/>
                 </a:solidFill>
@@ -26588,7 +27015,7 @@
           <a:p>
             <a:pPr lvl="1"/>
             <a:r>
-              <a:rPr lang="en-US" sz="1800" dirty="0" err="1" smtClean="0">
+              <a:rPr lang="en-US" sz="1600" dirty="0" err="1" smtClean="0">
                 <a:solidFill>
                   <a:srgbClr val="FF0000"/>
                 </a:solidFill>
@@ -26596,7 +27023,7 @@
               <a:t>java.lang.NoSuchMethodError</a:t>
             </a:r>
             <a:r>
-              <a:rPr lang="en-US" sz="1800" dirty="0" smtClean="0">
+              <a:rPr lang="en-US" sz="1600" dirty="0" smtClean="0">
                 <a:solidFill>
                   <a:srgbClr val="FF0000"/>
                 </a:solidFill>
@@ -26605,27 +27032,170 @@
             </a:r>
           </a:p>
           <a:p>
-            <a:r>
-              <a:rPr lang="en-US" dirty="0" smtClean="0"/>
+            <a:pPr marL="0" indent="0">
+              <a:buNone/>
+            </a:pPr>
+            <a:endParaRPr lang="en-US" sz="1000" dirty="0" smtClean="0"/>
+          </a:p>
+          <a:p>
+            <a:pPr lvl="0"/>
+            <a:r>
+              <a:rPr lang="en-US" sz="2000" dirty="0" smtClean="0"/>
               <a:t>C linkage</a:t>
             </a:r>
           </a:p>
           <a:p>
-            <a:pPr marL="0" indent="0">
+            <a:pPr lvl="1"/>
+            <a:r>
+              <a:rPr lang="en-US" altLang="en-US" sz="1600" b="1" dirty="0" smtClean="0">
+                <a:solidFill>
+                  <a:srgbClr val="00B0F0"/>
+                </a:solidFill>
+                <a:latin typeface="Courier New" panose="02070309020205020404" pitchFamily="49" charset="0"/>
+                <a:cs typeface="Courier New" panose="02070309020205020404" pitchFamily="49" charset="0"/>
+              </a:rPr>
+              <a:t>extern</a:t>
+            </a:r>
+            <a:r>
+              <a:rPr lang="en-US" altLang="en-US" sz="1600" b="1" dirty="0" smtClean="0">
+                <a:solidFill>
+                  <a:srgbClr val="000080"/>
+                </a:solidFill>
+                <a:latin typeface="Courier New" panose="02070309020205020404" pitchFamily="49" charset="0"/>
+                <a:cs typeface="Courier New" panose="02070309020205020404" pitchFamily="49" charset="0"/>
+              </a:rPr>
+              <a:t> </a:t>
+            </a:r>
+            <a:r>
+              <a:rPr lang="en-US" altLang="en-US" sz="1600" b="1" dirty="0">
+                <a:solidFill>
+                  <a:srgbClr val="008000"/>
+                </a:solidFill>
+                <a:latin typeface="Courier New" panose="02070309020205020404" pitchFamily="49" charset="0"/>
+                <a:cs typeface="Courier New" panose="02070309020205020404" pitchFamily="49" charset="0"/>
+              </a:rPr>
+              <a:t>"C" </a:t>
+            </a:r>
+            <a:r>
+              <a:rPr lang="en-US" altLang="en-US" sz="1600" b="1" dirty="0" smtClean="0">
+                <a:solidFill>
+                  <a:srgbClr val="008000"/>
+                </a:solidFill>
+                <a:latin typeface="Courier New" panose="02070309020205020404" pitchFamily="49" charset="0"/>
+                <a:cs typeface="Courier New" panose="02070309020205020404" pitchFamily="49" charset="0"/>
+              </a:rPr>
+              <a:t>{}</a:t>
+            </a:r>
+            <a:endParaRPr lang="uk-UA" altLang="en-US" sz="1600" b="1" dirty="0" smtClean="0">
+              <a:solidFill>
+                <a:srgbClr val="008000"/>
+              </a:solidFill>
+              <a:latin typeface="Courier New" panose="02070309020205020404" pitchFamily="49" charset="0"/>
+              <a:cs typeface="Courier New" panose="02070309020205020404" pitchFamily="49" charset="0"/>
+            </a:endParaRPr>
+          </a:p>
+          <a:p>
+            <a:pPr lvl="1"/>
+            <a:r>
+              <a:rPr lang="en-US" altLang="en-US" sz="1600" dirty="0" smtClean="0">
+                <a:solidFill>
+                  <a:srgbClr val="BBB529"/>
+                </a:solidFill>
+                <a:latin typeface="Courier New" panose="02070309020205020404" pitchFamily="49" charset="0"/>
+                <a:cs typeface="Courier New" panose="02070309020205020404" pitchFamily="49" charset="0"/>
+              </a:rPr>
+              <a:t>#</a:t>
+            </a:r>
+            <a:r>
+              <a:rPr lang="en-US" altLang="en-US" sz="1600" dirty="0">
+                <a:solidFill>
+                  <a:srgbClr val="BBB529"/>
+                </a:solidFill>
+                <a:latin typeface="Courier New" panose="02070309020205020404" pitchFamily="49" charset="0"/>
+                <a:cs typeface="Courier New" panose="02070309020205020404" pitchFamily="49" charset="0"/>
+              </a:rPr>
+              <a:t>define </a:t>
+            </a:r>
+            <a:r>
+              <a:rPr lang="en-US" altLang="en-US" sz="1600" dirty="0">
+                <a:solidFill>
+                  <a:srgbClr val="A9B7C6"/>
+                </a:solidFill>
+                <a:latin typeface="Courier New" panose="02070309020205020404" pitchFamily="49" charset="0"/>
+                <a:cs typeface="Courier New" panose="02070309020205020404" pitchFamily="49" charset="0"/>
+              </a:rPr>
+              <a:t>JNIEXPORT  </a:t>
+            </a:r>
+            <a:r>
+              <a:rPr lang="en-US" altLang="en-US" sz="1600" b="1" dirty="0">
+                <a:solidFill>
+                  <a:srgbClr val="CC7832"/>
+                </a:solidFill>
+                <a:latin typeface="Courier New" panose="02070309020205020404" pitchFamily="49" charset="0"/>
+                <a:cs typeface="Courier New" panose="02070309020205020404" pitchFamily="49" charset="0"/>
+              </a:rPr>
+              <a:t>__attribute__ </a:t>
+            </a:r>
+            <a:r>
+              <a:rPr lang="en-US" altLang="en-US" sz="1600" dirty="0">
+                <a:solidFill>
+                  <a:srgbClr val="A9B7C6"/>
+                </a:solidFill>
+                <a:latin typeface="Courier New" panose="02070309020205020404" pitchFamily="49" charset="0"/>
+                <a:cs typeface="Courier New" panose="02070309020205020404" pitchFamily="49" charset="0"/>
+              </a:rPr>
+              <a:t>((visibility (</a:t>
+            </a:r>
+            <a:r>
+              <a:rPr lang="en-US" altLang="en-US" sz="1600" dirty="0">
+                <a:solidFill>
+                  <a:srgbClr val="6A8759"/>
+                </a:solidFill>
+                <a:latin typeface="Courier New" panose="02070309020205020404" pitchFamily="49" charset="0"/>
+                <a:cs typeface="Courier New" panose="02070309020205020404" pitchFamily="49" charset="0"/>
+              </a:rPr>
+              <a:t>"default</a:t>
+            </a:r>
+            <a:r>
+              <a:rPr lang="en-US" altLang="en-US" sz="1600" dirty="0" smtClean="0">
+                <a:solidFill>
+                  <a:srgbClr val="6A8759"/>
+                </a:solidFill>
+                <a:latin typeface="Courier New" panose="02070309020205020404" pitchFamily="49" charset="0"/>
+                <a:cs typeface="Courier New" panose="02070309020205020404" pitchFamily="49" charset="0"/>
+              </a:rPr>
+              <a:t>"</a:t>
+            </a:r>
+            <a:r>
+              <a:rPr lang="en-US" altLang="en-US" sz="1600" dirty="0" smtClean="0">
+                <a:solidFill>
+                  <a:srgbClr val="A9B7C6"/>
+                </a:solidFill>
+                <a:latin typeface="Courier New" panose="02070309020205020404" pitchFamily="49" charset="0"/>
+                <a:cs typeface="Courier New" panose="02070309020205020404" pitchFamily="49" charset="0"/>
+              </a:rPr>
+              <a:t>)))</a:t>
+            </a:r>
+            <a:endParaRPr lang="en-US" altLang="en-US" sz="1600" dirty="0" smtClean="0">
+              <a:latin typeface="Arial" panose="020B0604020202020204" pitchFamily="34" charset="0"/>
+            </a:endParaRPr>
+          </a:p>
+          <a:p>
+            <a:pPr marL="457200" lvl="1" indent="0">
               <a:buNone/>
             </a:pPr>
-            <a:endParaRPr lang="en-US" dirty="0" smtClean="0"/>
-          </a:p>
-          <a:p>
-            <a:r>
-              <a:rPr lang="en-US" dirty="0" smtClean="0"/>
+            <a:endParaRPr lang="en-US" sz="1000" dirty="0" smtClean="0"/>
+          </a:p>
+          <a:p>
+            <a:r>
+              <a:rPr lang="en-US" sz="2000" dirty="0" smtClean="0"/>
               <a:t>Release mode and Java obfuscation</a:t>
             </a:r>
           </a:p>
           <a:p>
             <a:pPr lvl="1"/>
             <a:r>
-              <a:rPr lang="en-US" sz="2000" dirty="0" err="1" smtClean="0">
+              <a:rPr lang="en-US" sz="1600" dirty="0" err="1" smtClean="0">
                 <a:solidFill>
                   <a:schemeClr val="accent6">
                     <a:lumMod val="60000"/>
@@ -26636,7 +27206,7 @@
               <a:t>ProGuard</a:t>
             </a:r>
             <a:r>
-              <a:rPr lang="en-US" sz="2000" dirty="0">
+              <a:rPr lang="en-US" sz="1600" dirty="0">
                 <a:solidFill>
                   <a:schemeClr val="accent6">
                     <a:lumMod val="60000"/>
@@ -26647,7 +27217,7 @@
               <a:t>, </a:t>
             </a:r>
             <a:r>
-              <a:rPr lang="en-US" sz="2000" dirty="0" err="1">
+              <a:rPr lang="en-US" sz="1600" dirty="0" err="1" smtClean="0">
                 <a:solidFill>
                   <a:schemeClr val="accent6">
                     <a:lumMod val="60000"/>
@@ -26657,7 +27227,7 @@
               </a:rPr>
               <a:t>DexGuard</a:t>
             </a:r>
-            <a:endParaRPr lang="en-US" sz="2000" dirty="0">
+            <a:endParaRPr lang="en-US" sz="1600" dirty="0" smtClean="0">
               <a:solidFill>
                 <a:schemeClr val="accent6">
                   <a:lumMod val="60000"/>
@@ -26667,15 +27237,26 @@
             </a:endParaRPr>
           </a:p>
           <a:p>
-            <a:r>
-              <a:rPr lang="en-US" dirty="0" smtClean="0"/>
+            <a:pPr lvl="1"/>
+            <a:endParaRPr lang="en-US" sz="1000" dirty="0">
+              <a:solidFill>
+                <a:schemeClr val="accent6">
+                  <a:lumMod val="60000"/>
+                  <a:lumOff val="40000"/>
+                </a:schemeClr>
+              </a:solidFill>
+            </a:endParaRPr>
+          </a:p>
+          <a:p>
+            <a:r>
+              <a:rPr lang="en-US" sz="2000" dirty="0" smtClean="0"/>
               <a:t>Library set</a:t>
             </a:r>
           </a:p>
           <a:p>
             <a:pPr lvl="1"/>
             <a:r>
-              <a:rPr lang="en-US" sz="2000" dirty="0" smtClean="0">
+              <a:rPr lang="en-US" sz="1600" dirty="0" smtClean="0">
                 <a:solidFill>
                   <a:schemeClr val="accent1"/>
                 </a:solidFill>
@@ -26683,186 +27264,27 @@
               <a:t>armeabi-v7a, arm64-v8a, x86, </a:t>
             </a:r>
             <a:r>
-              <a:rPr lang="en-US" sz="2000" dirty="0">
+              <a:rPr lang="en-US" sz="1600" dirty="0">
                 <a:solidFill>
                   <a:schemeClr val="accent1"/>
                 </a:solidFill>
               </a:rPr>
               <a:t>x86_64</a:t>
             </a:r>
+          </a:p>
+          <a:p>
+            <a:pPr lvl="1"/>
+            <a:endParaRPr lang="en-US" sz="1000" dirty="0"/>
+          </a:p>
+          <a:p>
+            <a:pPr marL="457200" lvl="1" indent="0">
+              <a:buNone/>
+            </a:pPr>
+            <a:endParaRPr lang="en-US" dirty="0"/>
           </a:p>
           <a:p>
             <a:pPr lvl="1"/>
             <a:endParaRPr lang="en-US" dirty="0"/>
-          </a:p>
-          <a:p>
-            <a:pPr marL="457200" lvl="1" indent="0">
-              <a:buNone/>
-            </a:pPr>
-            <a:endParaRPr lang="en-US" dirty="0"/>
-          </a:p>
-          <a:p>
-            <a:pPr lvl="1"/>
-            <a:endParaRPr lang="en-US" dirty="0"/>
-          </a:p>
-        </p:txBody>
-      </p:sp>
-      <p:sp>
-        <p:nvSpPr>
-          <p:cNvPr id="8" name="Rectangle 3"/>
-          <p:cNvSpPr>
-            <a:spLocks noChangeArrowheads="1"/>
-          </p:cNvSpPr>
-          <p:nvPr/>
-        </p:nvSpPr>
-        <p:spPr bwMode="auto">
-          <a:xfrm>
-            <a:off x="1106527" y="3358954"/>
-            <a:ext cx="4903074" cy="830997"/>
-          </a:xfrm>
-          <a:prstGeom prst="rect">
-            <a:avLst/>
-          </a:prstGeom>
-          <a:noFill/>
-          <a:ln>
-            <a:noFill/>
-          </a:ln>
-          <a:effectLst/>
-        </p:spPr>
-        <p:txBody>
-          <a:bodyPr vert="horz" wrap="square" lIns="91440" tIns="45720" rIns="91440" bIns="45720" numCol="1" anchor="ctr" anchorCtr="0" compatLnSpc="1">
-            <a:prstTxWarp prst="textNoShape">
-              <a:avLst/>
-            </a:prstTxWarp>
-            <a:spAutoFit/>
-          </a:bodyPr>
-          <a:lstStyle/>
-          <a:p>
-            <a:pPr lvl="0" eaLnBrk="0" fontAlgn="base" hangingPunct="0">
-              <a:spcBef>
-                <a:spcPct val="0"/>
-              </a:spcBef>
-              <a:spcAft>
-                <a:spcPct val="0"/>
-              </a:spcAft>
-            </a:pPr>
-            <a:r>
-              <a:rPr kumimoji="0" lang="en-US" altLang="en-US" sz="2400" b="1" i="0" u="none" strike="noStrike" cap="none" normalizeH="0" baseline="0" dirty="0" smtClean="0">
-                <a:ln>
-                  <a:noFill/>
-                </a:ln>
-                <a:solidFill>
-                  <a:srgbClr val="00B0F0"/>
-                </a:solidFill>
-                <a:effectLst/>
-                <a:latin typeface="Courier New" panose="02070309020205020404" pitchFamily="49" charset="0"/>
-                <a:cs typeface="Courier New" panose="02070309020205020404" pitchFamily="49" charset="0"/>
-              </a:rPr>
-              <a:t>extern</a:t>
-            </a:r>
-            <a:r>
-              <a:rPr kumimoji="0" lang="en-US" altLang="en-US" sz="2400" b="1" i="0" u="none" strike="noStrike" cap="none" normalizeH="0" baseline="0" dirty="0" smtClean="0">
-                <a:ln>
-                  <a:noFill/>
-                </a:ln>
-                <a:solidFill>
-                  <a:srgbClr val="000080"/>
-                </a:solidFill>
-                <a:effectLst/>
-                <a:latin typeface="Courier New" panose="02070309020205020404" pitchFamily="49" charset="0"/>
-                <a:cs typeface="Courier New" panose="02070309020205020404" pitchFamily="49" charset="0"/>
-              </a:rPr>
-              <a:t> </a:t>
-            </a:r>
-            <a:r>
-              <a:rPr kumimoji="0" lang="en-US" altLang="en-US" sz="2400" b="1" i="0" u="none" strike="noStrike" cap="none" normalizeH="0" baseline="0" dirty="0" smtClean="0">
-                <a:ln>
-                  <a:noFill/>
-                </a:ln>
-                <a:solidFill>
-                  <a:srgbClr val="008000"/>
-                </a:solidFill>
-                <a:effectLst/>
-                <a:latin typeface="Courier New" panose="02070309020205020404" pitchFamily="49" charset="0"/>
-                <a:cs typeface="Courier New" panose="02070309020205020404" pitchFamily="49" charset="0"/>
-              </a:rPr>
-              <a:t>"</a:t>
-            </a:r>
-            <a:r>
-              <a:rPr lang="en-US" altLang="en-US" sz="2400" b="1" dirty="0" smtClean="0">
-                <a:solidFill>
-                  <a:srgbClr val="008000"/>
-                </a:solidFill>
-                <a:latin typeface="Courier New" panose="02070309020205020404" pitchFamily="49" charset="0"/>
-                <a:cs typeface="Courier New" panose="02070309020205020404" pitchFamily="49" charset="0"/>
-              </a:rPr>
-              <a:t>C" </a:t>
-            </a:r>
-            <a:r>
-              <a:rPr kumimoji="0" lang="en-US" altLang="en-US" sz="2400" b="1" i="0" u="none" strike="noStrike" cap="none" normalizeH="0" baseline="0" dirty="0" smtClean="0">
-                <a:ln>
-                  <a:noFill/>
-                </a:ln>
-                <a:solidFill>
-                  <a:srgbClr val="008000"/>
-                </a:solidFill>
-                <a:effectLst/>
-                <a:latin typeface="Courier New" panose="02070309020205020404" pitchFamily="49" charset="0"/>
-                <a:cs typeface="Courier New" panose="02070309020205020404" pitchFamily="49" charset="0"/>
-              </a:rPr>
-              <a:t>{}</a:t>
-            </a:r>
-            <a:r>
-              <a:rPr kumimoji="0" lang="en-US" altLang="en-US" sz="2400" b="0" i="1" u="none" strike="noStrike" cap="none" normalizeH="0" baseline="0" dirty="0" smtClean="0">
-                <a:ln>
-                  <a:noFill/>
-                </a:ln>
-                <a:solidFill>
-                  <a:srgbClr val="808080"/>
-                </a:solidFill>
-                <a:effectLst/>
-                <a:latin typeface="Courier New" panose="02070309020205020404" pitchFamily="49" charset="0"/>
-                <a:cs typeface="Courier New" panose="02070309020205020404" pitchFamily="49" charset="0"/>
-              </a:rPr>
-              <a:t/>
-            </a:r>
-            <a:br>
-              <a:rPr kumimoji="0" lang="en-US" altLang="en-US" sz="2400" b="0" i="1" u="none" strike="noStrike" cap="none" normalizeH="0" baseline="0" dirty="0" smtClean="0">
-                <a:ln>
-                  <a:noFill/>
-                </a:ln>
-                <a:solidFill>
-                  <a:srgbClr val="808080"/>
-                </a:solidFill>
-                <a:effectLst/>
-                <a:latin typeface="Courier New" panose="02070309020205020404" pitchFamily="49" charset="0"/>
-                <a:cs typeface="Courier New" panose="02070309020205020404" pitchFamily="49" charset="0"/>
-              </a:rPr>
-            </a:br>
-            <a:r>
-              <a:rPr kumimoji="0" lang="en-US" altLang="en-US" sz="2400" b="0" i="0" u="none" strike="noStrike" cap="none" normalizeH="0" baseline="0" dirty="0" smtClean="0">
-                <a:ln>
-                  <a:noFill/>
-                </a:ln>
-                <a:solidFill>
-                  <a:srgbClr val="000000"/>
-                </a:solidFill>
-                <a:effectLst/>
-                <a:latin typeface="Courier New" panose="02070309020205020404" pitchFamily="49" charset="0"/>
-                <a:cs typeface="Courier New" panose="02070309020205020404" pitchFamily="49" charset="0"/>
-              </a:rPr>
-              <a:t>}</a:t>
-            </a:r>
-            <a:endParaRPr kumimoji="0" lang="en-US" altLang="en-US" sz="2400" b="0" i="0" u="none" strike="noStrike" cap="none" normalizeH="0" baseline="0" dirty="0" smtClean="0">
-              <a:ln>
-                <a:noFill/>
-              </a:ln>
-              <a:solidFill>
-                <a:schemeClr val="tx1"/>
-              </a:solidFill>
-              <a:effectLst/>
-              <a:latin typeface="Arial" panose="020B0604020202020204" pitchFamily="34" charset="0"/>
-            </a:endParaRPr>
           </a:p>
         </p:txBody>
       </p:sp>
@@ -26874,7 +27296,7 @@
         </p:nvSpPr>
         <p:spPr>
           <a:xfrm>
-            <a:off x="551145" y="1506879"/>
+            <a:off x="654506" y="1145746"/>
             <a:ext cx="7327726" cy="1499368"/>
           </a:xfrm>
           <a:prstGeom prst="rect">
@@ -26922,8 +27344,8 @@
         </p:nvSpPr>
         <p:spPr>
           <a:xfrm>
-            <a:off x="662154" y="3024613"/>
-            <a:ext cx="3972476" cy="870981"/>
+            <a:off x="662153" y="2812987"/>
+            <a:ext cx="8051023" cy="1064421"/>
           </a:xfrm>
           <a:prstGeom prst="rect">
             <a:avLst/>
@@ -26970,7 +27392,7 @@
         </p:nvSpPr>
         <p:spPr>
           <a:xfrm>
-            <a:off x="471856" y="3918136"/>
+            <a:off x="662154" y="3812414"/>
             <a:ext cx="6743135" cy="920671"/>
           </a:xfrm>
           <a:prstGeom prst="rect">
@@ -27018,7 +27440,7 @@
         </p:nvSpPr>
         <p:spPr>
           <a:xfrm>
-            <a:off x="662154" y="4838807"/>
+            <a:off x="554277" y="4732234"/>
             <a:ext cx="6552838" cy="1019410"/>
           </a:xfrm>
           <a:prstGeom prst="rect">
@@ -27055,6 +27477,89 @@
           <a:p>
             <a:pPr algn="ctr"/>
             <a:endParaRPr lang="en-US"/>
+          </a:p>
+        </p:txBody>
+      </p:sp>
+      <p:sp>
+        <p:nvSpPr>
+          <p:cNvPr id="5" name="Rectangle 1"/>
+          <p:cNvSpPr>
+            <a:spLocks noChangeArrowheads="1"/>
+          </p:cNvSpPr>
+          <p:nvPr/>
+        </p:nvSpPr>
+        <p:spPr bwMode="auto">
+          <a:xfrm>
+            <a:off x="0" y="43934"/>
+            <a:ext cx="184731" cy="369332"/>
+          </a:xfrm>
+          <a:prstGeom prst="rect">
+            <a:avLst/>
+          </a:prstGeom>
+          <a:solidFill>
+            <a:srgbClr val="2B2B2B"/>
+          </a:solidFill>
+          <a:ln>
+            <a:noFill/>
+          </a:ln>
+          <a:effectLst/>
+          <a:extLst>
+            <a:ext uri="{91240B29-F687-4F45-9708-019B960494DF}">
+              <a14:hiddenLine xmlns:a14="http://schemas.microsoft.com/office/drawing/2010/main" w="9525">
+                <a:solidFill>
+                  <a:schemeClr val="tx1"/>
+                </a:solidFill>
+                <a:miter lim="800000"/>
+                <a:headEnd/>
+                <a:tailEnd/>
+              </a14:hiddenLine>
+            </a:ext>
+            <a:ext uri="{AF507438-7753-43E0-B8FC-AC1667EBCBE1}">
+              <a14:hiddenEffects xmlns:a14="http://schemas.microsoft.com/office/drawing/2010/main">
+                <a:effectLst>
+                  <a:outerShdw dist="35921" dir="2700000" algn="ctr" rotWithShape="0">
+                    <a:schemeClr val="bg2"/>
+                  </a:outerShdw>
+                </a:effectLst>
+              </a14:hiddenEffects>
+            </a:ext>
+          </a:extLst>
+        </p:spPr>
+        <p:txBody>
+          <a:bodyPr vert="horz" wrap="none" lIns="91440" tIns="45720" rIns="91440" bIns="45720" numCol="1" anchor="ctr" anchorCtr="0" compatLnSpc="1">
+            <a:prstTxWarp prst="textNoShape">
+              <a:avLst/>
+            </a:prstTxWarp>
+            <a:spAutoFit/>
+          </a:bodyPr>
+          <a:lstStyle/>
+          <a:p>
+            <a:pPr marL="0" marR="0" lvl="0" indent="0" algn="l" defTabSz="914400" rtl="0" eaLnBrk="0" fontAlgn="base" latinLnBrk="0" hangingPunct="0">
+              <a:lnSpc>
+                <a:spcPct val="100000"/>
+              </a:lnSpc>
+              <a:spcBef>
+                <a:spcPct val="0"/>
+              </a:spcBef>
+              <a:spcAft>
+                <a:spcPct val="0"/>
+              </a:spcAft>
+              <a:buClrTx/>
+              <a:buSzTx/>
+              <a:buFontTx/>
+              <a:buNone/>
+              <a:tabLst/>
+            </a:pPr>
+            <a:endParaRPr kumimoji="0" lang="en-US" altLang="en-US" sz="1800" b="0" i="0" u="none" strike="noStrike" cap="none" normalizeH="0" baseline="0" dirty="0" smtClean="0">
+              <a:ln>
+                <a:noFill/>
+              </a:ln>
+              <a:solidFill>
+                <a:schemeClr val="tx1"/>
+              </a:solidFill>
+              <a:effectLst/>
+              <a:latin typeface="Arial" panose="020B0604020202020204" pitchFamily="34" charset="0"/>
+            </a:endParaRPr>
           </a:p>
         </p:txBody>
       </p:sp>
@@ -27428,33 +27933,13 @@
           <a:lstStyle/>
           <a:p>
             <a:r>
-              <a:rPr lang="en-US" dirty="0" smtClean="0"/>
+              <a:rPr lang="en-US" sz="2000" dirty="0" smtClean="0"/>
               <a:t>C++ exception support</a:t>
             </a:r>
           </a:p>
           <a:p>
             <a:pPr lvl="1"/>
-            <a:r>
-              <a:rPr lang="en-US" altLang="en-US" b="1" dirty="0">
-                <a:solidFill>
-                  <a:srgbClr val="008000"/>
-                </a:solidFill>
-                <a:latin typeface="Courier New" panose="02070309020205020404" pitchFamily="49" charset="0"/>
-                <a:cs typeface="Courier New" panose="02070309020205020404" pitchFamily="49" charset="0"/>
-              </a:rPr>
-              <a:t>-</a:t>
-            </a:r>
-            <a:r>
-              <a:rPr lang="en-US" altLang="en-US" b="1" dirty="0" err="1" smtClean="0">
-                <a:solidFill>
-                  <a:srgbClr val="008000"/>
-                </a:solidFill>
-                <a:latin typeface="Courier New" panose="02070309020205020404" pitchFamily="49" charset="0"/>
-                <a:cs typeface="Courier New" panose="02070309020205020404" pitchFamily="49" charset="0"/>
-              </a:rPr>
-              <a:t>fexceptions</a:t>
-            </a:r>
-            <a:endParaRPr lang="en-US" altLang="en-US" b="1" dirty="0" smtClean="0">
+            <a:endParaRPr lang="en-US" altLang="en-US" sz="1600" b="1" dirty="0" smtClean="0">
               <a:solidFill>
                 <a:srgbClr val="008000"/>
               </a:solidFill>
@@ -27465,7 +27950,7 @@
           <a:p>
             <a:pPr lvl="1"/>
             <a:r>
-              <a:rPr lang="en-US" altLang="en-US" b="1" dirty="0">
+              <a:rPr lang="en-US" altLang="en-US" sz="1600" b="1" dirty="0" smtClean="0">
                 <a:solidFill>
                   <a:srgbClr val="008000"/>
                 </a:solidFill>
@@ -27475,17 +27960,47 @@
               <a:t>-</a:t>
             </a:r>
             <a:r>
-              <a:rPr lang="en-US" altLang="en-US" b="1" dirty="0" err="1" smtClean="0">
+              <a:rPr lang="en-US" altLang="en-US" sz="1600" b="1" dirty="0" err="1" smtClean="0">
                 <a:solidFill>
                   <a:srgbClr val="008000"/>
                 </a:solidFill>
                 <a:latin typeface="Courier New" panose="02070309020205020404" pitchFamily="49" charset="0"/>
                 <a:cs typeface="Courier New" panose="02070309020205020404" pitchFamily="49" charset="0"/>
               </a:rPr>
+              <a:t>fexceptions</a:t>
+            </a:r>
+            <a:endParaRPr lang="en-US" altLang="en-US" sz="1600" b="1" dirty="0" smtClean="0">
+              <a:solidFill>
+                <a:srgbClr val="008000"/>
+              </a:solidFill>
+              <a:latin typeface="Courier New" panose="02070309020205020404" pitchFamily="49" charset="0"/>
+              <a:cs typeface="Courier New" panose="02070309020205020404" pitchFamily="49" charset="0"/>
+            </a:endParaRPr>
+          </a:p>
+          <a:p>
+            <a:pPr lvl="1"/>
+            <a:r>
+              <a:rPr lang="en-US" altLang="en-US" sz="1600" b="1" dirty="0">
+                <a:solidFill>
+                  <a:srgbClr val="008000"/>
+                </a:solidFill>
+                <a:latin typeface="Courier New" panose="02070309020205020404" pitchFamily="49" charset="0"/>
+                <a:cs typeface="Courier New" panose="02070309020205020404" pitchFamily="49" charset="0"/>
+              </a:rPr>
+              <a:t>-</a:t>
+            </a:r>
+            <a:r>
+              <a:rPr lang="en-US" altLang="en-US" sz="1600" b="1" dirty="0" err="1" smtClean="0">
+                <a:solidFill>
+                  <a:srgbClr val="008000"/>
+                </a:solidFill>
+                <a:latin typeface="Courier New" panose="02070309020205020404" pitchFamily="49" charset="0"/>
+                <a:cs typeface="Courier New" panose="02070309020205020404" pitchFamily="49" charset="0"/>
+              </a:rPr>
               <a:t>fno</a:t>
             </a:r>
             <a:r>
-              <a:rPr lang="en-US" altLang="en-US" b="1" dirty="0" smtClean="0">
+              <a:rPr lang="en-US" altLang="en-US" sz="1600" b="1" dirty="0" smtClean="0">
                 <a:solidFill>
                   <a:srgbClr val="008000"/>
                 </a:solidFill>
@@ -27494,13 +28009,43 @@
               </a:rPr>
               <a:t>-exceptions</a:t>
             </a:r>
-            <a:endParaRPr lang="en-US" dirty="0" smtClean="0"/>
+            <a:endParaRPr lang="en-US" sz="1600" dirty="0" smtClean="0"/>
           </a:p>
           <a:p>
             <a:endParaRPr lang="en-US" dirty="0"/>
           </a:p>
         </p:txBody>
       </p:sp>
+      <p:pic>
+        <p:nvPicPr>
+          <p:cNvPr id="9" name="Picture 8"/>
+          <p:cNvPicPr>
+            <a:picLocks noChangeAspect="1"/>
+          </p:cNvPicPr>
+          <p:nvPr/>
+        </p:nvPicPr>
+        <p:blipFill>
+          <a:blip r:embed="rId2">
+            <a:extLst>
+              <a:ext uri="{28A0092B-C50C-407E-A947-70E740481C1C}">
+                <a14:useLocalDpi xmlns:a14="http://schemas.microsoft.com/office/drawing/2010/main" val="0"/>
+              </a:ext>
+            </a:extLst>
+          </a:blip>
+          <a:stretch>
+            <a:fillRect/>
+          </a:stretch>
+        </p:blipFill>
+        <p:spPr>
+          <a:xfrm>
+            <a:off x="899746" y="2480028"/>
+            <a:ext cx="9179162" cy="1529861"/>
+          </a:xfrm>
+          <a:prstGeom prst="rect">
+            <a:avLst/>
+          </a:prstGeom>
+        </p:spPr>
+      </p:pic>
       <p:sp>
         <p:nvSpPr>
           <p:cNvPr id="5" name="Rectangle 1"/>
@@ -27511,8 +28056,8 @@
         </p:nvSpPr>
         <p:spPr bwMode="auto">
           <a:xfrm>
-            <a:off x="838200" y="3432062"/>
-            <a:ext cx="6752492" cy="3108543"/>
+            <a:off x="5298827" y="1825625"/>
+            <a:ext cx="5304696" cy="2677656"/>
           </a:xfrm>
           <a:prstGeom prst="rect">
             <a:avLst/>
@@ -27572,7 +28117,7 @@
               <a:tabLst/>
             </a:pPr>
             <a:r>
-              <a:rPr kumimoji="0" lang="en-US" altLang="en-US" sz="1400" b="0" i="0" u="none" strike="noStrike" cap="none" normalizeH="0" baseline="0" dirty="0" smtClean="0">
+              <a:rPr kumimoji="0" lang="en-US" altLang="en-US" sz="1200" b="0" i="0" u="none" strike="noStrike" cap="none" normalizeH="0" baseline="0" dirty="0" smtClean="0">
                 <a:ln>
                   <a:noFill/>
                 </a:ln>
@@ -27586,7 +28131,7 @@
               <a:t>android {</a:t>
             </a:r>
             <a:br>
-              <a:rPr kumimoji="0" lang="en-US" altLang="en-US" sz="1400" b="0" i="0" u="none" strike="noStrike" cap="none" normalizeH="0" baseline="0" dirty="0" smtClean="0">
+              <a:rPr kumimoji="0" lang="en-US" altLang="en-US" sz="1200" b="0" i="0" u="none" strike="noStrike" cap="none" normalizeH="0" baseline="0" dirty="0" smtClean="0">
                 <a:ln>
                   <a:noFill/>
                 </a:ln>
@@ -27599,7 +28144,7 @@
               </a:rPr>
             </a:br>
             <a:r>
-              <a:rPr kumimoji="0" lang="en-US" altLang="en-US" sz="1400" b="0" i="0" u="none" strike="noStrike" cap="none" normalizeH="0" baseline="0" dirty="0" smtClean="0">
+              <a:rPr kumimoji="0" lang="en-US" altLang="en-US" sz="1200" b="0" i="0" u="none" strike="noStrike" cap="none" normalizeH="0" baseline="0" dirty="0" smtClean="0">
                 <a:ln>
                   <a:noFill/>
                 </a:ln>
@@ -27613,7 +28158,7 @@
               <a:t>    </a:t>
             </a:r>
             <a:r>
-              <a:rPr kumimoji="0" lang="en-US" altLang="en-US" sz="1400" b="0" i="0" u="none" strike="noStrike" cap="none" normalizeH="0" baseline="0" dirty="0" err="1" smtClean="0">
+              <a:rPr kumimoji="0" lang="en-US" altLang="en-US" sz="1200" b="0" i="0" u="none" strike="noStrike" cap="none" normalizeH="0" baseline="0" dirty="0" err="1" smtClean="0">
                 <a:ln>
                   <a:noFill/>
                 </a:ln>
@@ -27627,7 +28172,7 @@
               <a:t>compileSdkVersion</a:t>
             </a:r>
             <a:r>
-              <a:rPr kumimoji="0" lang="en-US" altLang="en-US" sz="1400" b="0" i="0" u="none" strike="noStrike" cap="none" normalizeH="0" baseline="0" dirty="0" smtClean="0">
+              <a:rPr kumimoji="0" lang="en-US" altLang="en-US" sz="1200" b="0" i="0" u="none" strike="noStrike" cap="none" normalizeH="0" baseline="0" dirty="0" smtClean="0">
                 <a:ln>
                   <a:noFill/>
                 </a:ln>
@@ -27641,7 +28186,7 @@
               <a:t> </a:t>
             </a:r>
             <a:r>
-              <a:rPr kumimoji="0" lang="en-US" altLang="en-US" sz="1400" b="0" i="0" u="none" strike="noStrike" cap="none" normalizeH="0" baseline="0" dirty="0" smtClean="0">
+              <a:rPr kumimoji="0" lang="en-US" altLang="en-US" sz="1200" b="0" i="0" u="none" strike="noStrike" cap="none" normalizeH="0" baseline="0" dirty="0" smtClean="0">
                 <a:ln>
                   <a:noFill/>
                 </a:ln>
@@ -27655,7 +28200,7 @@
               <a:t>26</a:t>
             </a:r>
             <a:br>
-              <a:rPr kumimoji="0" lang="en-US" altLang="en-US" sz="1400" b="0" i="0" u="none" strike="noStrike" cap="none" normalizeH="0" baseline="0" dirty="0" smtClean="0">
+              <a:rPr kumimoji="0" lang="en-US" altLang="en-US" sz="1200" b="0" i="0" u="none" strike="noStrike" cap="none" normalizeH="0" baseline="0" dirty="0" smtClean="0">
                 <a:ln>
                   <a:noFill/>
                 </a:ln>
@@ -27668,7 +28213,7 @@
               </a:rPr>
             </a:br>
             <a:r>
-              <a:rPr kumimoji="0" lang="en-US" altLang="en-US" sz="1400" b="0" i="0" u="none" strike="noStrike" cap="none" normalizeH="0" baseline="0" dirty="0" smtClean="0">
+              <a:rPr kumimoji="0" lang="en-US" altLang="en-US" sz="1200" b="0" i="0" u="none" strike="noStrike" cap="none" normalizeH="0" baseline="0" dirty="0" smtClean="0">
                 <a:ln>
                   <a:noFill/>
                 </a:ln>
@@ -27682,7 +28227,7 @@
               <a:t>    </a:t>
             </a:r>
             <a:r>
-              <a:rPr kumimoji="0" lang="en-US" altLang="en-US" sz="1400" b="0" i="0" u="none" strike="noStrike" cap="none" normalizeH="0" baseline="0" dirty="0" err="1" smtClean="0">
+              <a:rPr kumimoji="0" lang="en-US" altLang="en-US" sz="1200" b="0" i="0" u="none" strike="noStrike" cap="none" normalizeH="0" baseline="0" dirty="0" err="1" smtClean="0">
                 <a:ln>
                   <a:noFill/>
                 </a:ln>
@@ -27696,7 +28241,7 @@
               <a:t>defaultConfig</a:t>
             </a:r>
             <a:r>
-              <a:rPr kumimoji="0" lang="en-US" altLang="en-US" sz="1400" b="0" i="0" u="none" strike="noStrike" cap="none" normalizeH="0" baseline="0" dirty="0" smtClean="0">
+              <a:rPr kumimoji="0" lang="en-US" altLang="en-US" sz="1200" b="0" i="0" u="none" strike="noStrike" cap="none" normalizeH="0" baseline="0" dirty="0" smtClean="0">
                 <a:ln>
                   <a:noFill/>
                 </a:ln>
@@ -27710,7 +28255,7 @@
               <a:t> {</a:t>
             </a:r>
             <a:br>
-              <a:rPr kumimoji="0" lang="en-US" altLang="en-US" sz="1400" b="0" i="0" u="none" strike="noStrike" cap="none" normalizeH="0" baseline="0" dirty="0" smtClean="0">
+              <a:rPr kumimoji="0" lang="en-US" altLang="en-US" sz="1200" b="0" i="0" u="none" strike="noStrike" cap="none" normalizeH="0" baseline="0" dirty="0" smtClean="0">
                 <a:ln>
                   <a:noFill/>
                 </a:ln>
@@ -27723,7 +28268,7 @@
               </a:rPr>
             </a:br>
             <a:r>
-              <a:rPr kumimoji="0" lang="en-US" altLang="en-US" sz="1400" b="0" i="0" u="none" strike="noStrike" cap="none" normalizeH="0" baseline="0" dirty="0" smtClean="0">
+              <a:rPr kumimoji="0" lang="en-US" altLang="en-US" sz="1200" b="0" i="0" u="none" strike="noStrike" cap="none" normalizeH="0" baseline="0" dirty="0" smtClean="0">
                 <a:ln>
                   <a:noFill/>
                 </a:ln>
@@ -27737,7 +28282,7 @@
               <a:t>        </a:t>
             </a:r>
             <a:r>
-              <a:rPr kumimoji="0" lang="en-US" altLang="en-US" sz="1400" b="0" i="0" u="none" strike="noStrike" cap="none" normalizeH="0" baseline="0" dirty="0" err="1" smtClean="0">
+              <a:rPr kumimoji="0" lang="en-US" altLang="en-US" sz="1200" b="0" i="0" u="none" strike="noStrike" cap="none" normalizeH="0" baseline="0" dirty="0" err="1" smtClean="0">
                 <a:ln>
                   <a:noFill/>
                 </a:ln>
@@ -27751,7 +28296,7 @@
               <a:t>applicationId</a:t>
             </a:r>
             <a:r>
-              <a:rPr kumimoji="0" lang="en-US" altLang="en-US" sz="1400" b="0" i="0" u="none" strike="noStrike" cap="none" normalizeH="0" baseline="0" dirty="0" smtClean="0">
+              <a:rPr kumimoji="0" lang="en-US" altLang="en-US" sz="1200" b="0" i="0" u="none" strike="noStrike" cap="none" normalizeH="0" baseline="0" dirty="0" smtClean="0">
                 <a:ln>
                   <a:noFill/>
                 </a:ln>
@@ -27765,7 +28310,7 @@
               <a:t> </a:t>
             </a:r>
             <a:r>
-              <a:rPr kumimoji="0" lang="en-US" altLang="en-US" sz="1400" b="0" i="0" u="none" strike="noStrike" cap="none" normalizeH="0" baseline="0" dirty="0" smtClean="0">
+              <a:rPr kumimoji="0" lang="en-US" altLang="en-US" sz="1200" b="0" i="0" u="none" strike="noStrike" cap="none" normalizeH="0" baseline="0" dirty="0" smtClean="0">
                 <a:ln>
                   <a:noFill/>
                 </a:ln>
@@ -27779,7 +28324,7 @@
               <a:t>"</a:t>
             </a:r>
             <a:r>
-              <a:rPr kumimoji="0" lang="en-US" altLang="en-US" sz="1400" b="0" i="0" u="none" strike="noStrike" cap="none" normalizeH="0" baseline="0" dirty="0" err="1" smtClean="0">
+              <a:rPr kumimoji="0" lang="en-US" altLang="en-US" sz="1200" b="0" i="0" u="none" strike="noStrike" cap="none" normalizeH="0" baseline="0" dirty="0" err="1" smtClean="0">
                 <a:ln>
                   <a:noFill/>
                 </a:ln>
@@ -27793,7 +28338,7 @@
               <a:t>com.softserveinc.ndkexampledemo</a:t>
             </a:r>
             <a:r>
-              <a:rPr kumimoji="0" lang="en-US" altLang="en-US" sz="1400" b="0" i="0" u="none" strike="noStrike" cap="none" normalizeH="0" baseline="0" dirty="0" smtClean="0">
+              <a:rPr kumimoji="0" lang="en-US" altLang="en-US" sz="1200" b="0" i="0" u="none" strike="noStrike" cap="none" normalizeH="0" baseline="0" dirty="0" smtClean="0">
                 <a:ln>
                   <a:noFill/>
                 </a:ln>
@@ -27807,7 +28352,7 @@
               <a:t>"</a:t>
             </a:r>
             <a:br>
-              <a:rPr kumimoji="0" lang="en-US" altLang="en-US" sz="1400" b="0" i="0" u="none" strike="noStrike" cap="none" normalizeH="0" baseline="0" dirty="0" smtClean="0">
+              <a:rPr kumimoji="0" lang="en-US" altLang="en-US" sz="1200" b="0" i="0" u="none" strike="noStrike" cap="none" normalizeH="0" baseline="0" dirty="0" smtClean="0">
                 <a:ln>
                   <a:noFill/>
                 </a:ln>
@@ -27820,7 +28365,7 @@
               </a:rPr>
             </a:br>
             <a:r>
-              <a:rPr kumimoji="0" lang="en-US" altLang="en-US" sz="1400" b="0" i="0" u="none" strike="noStrike" cap="none" normalizeH="0" baseline="0" dirty="0" smtClean="0">
+              <a:rPr kumimoji="0" lang="en-US" altLang="en-US" sz="1200" b="0" i="0" u="none" strike="noStrike" cap="none" normalizeH="0" baseline="0" dirty="0" smtClean="0">
                 <a:ln>
                   <a:noFill/>
                 </a:ln>
@@ -27834,7 +28379,7 @@
               <a:t>        </a:t>
             </a:r>
             <a:r>
-              <a:rPr kumimoji="0" lang="en-US" altLang="en-US" sz="1400" b="0" i="0" u="none" strike="noStrike" cap="none" normalizeH="0" baseline="0" dirty="0" err="1" smtClean="0">
+              <a:rPr kumimoji="0" lang="en-US" altLang="en-US" sz="1200" b="0" i="0" u="none" strike="noStrike" cap="none" normalizeH="0" baseline="0" dirty="0" err="1" smtClean="0">
                 <a:ln>
                   <a:noFill/>
                 </a:ln>
@@ -27848,7 +28393,7 @@
               <a:t>minSdkVersion</a:t>
             </a:r>
             <a:r>
-              <a:rPr kumimoji="0" lang="en-US" altLang="en-US" sz="1400" b="0" i="0" u="none" strike="noStrike" cap="none" normalizeH="0" baseline="0" dirty="0" smtClean="0">
+              <a:rPr kumimoji="0" lang="en-US" altLang="en-US" sz="1200" b="0" i="0" u="none" strike="noStrike" cap="none" normalizeH="0" baseline="0" dirty="0" smtClean="0">
                 <a:ln>
                   <a:noFill/>
                 </a:ln>
@@ -27862,7 +28407,7 @@
               <a:t> </a:t>
             </a:r>
             <a:r>
-              <a:rPr kumimoji="0" lang="en-US" altLang="en-US" sz="1400" b="0" i="0" u="none" strike="noStrike" cap="none" normalizeH="0" baseline="0" dirty="0" smtClean="0">
+              <a:rPr kumimoji="0" lang="en-US" altLang="en-US" sz="1200" b="0" i="0" u="none" strike="noStrike" cap="none" normalizeH="0" baseline="0" dirty="0" smtClean="0">
                 <a:ln>
                   <a:noFill/>
                 </a:ln>
@@ -27876,7 +28421,7 @@
               <a:t>21</a:t>
             </a:r>
             <a:br>
-              <a:rPr kumimoji="0" lang="en-US" altLang="en-US" sz="1400" b="0" i="0" u="none" strike="noStrike" cap="none" normalizeH="0" baseline="0" dirty="0" smtClean="0">
+              <a:rPr kumimoji="0" lang="en-US" altLang="en-US" sz="1200" b="0" i="0" u="none" strike="noStrike" cap="none" normalizeH="0" baseline="0" dirty="0" smtClean="0">
                 <a:ln>
                   <a:noFill/>
                 </a:ln>
@@ -27889,7 +28434,7 @@
               </a:rPr>
             </a:br>
             <a:r>
-              <a:rPr kumimoji="0" lang="en-US" altLang="en-US" sz="1400" b="0" i="0" u="none" strike="noStrike" cap="none" normalizeH="0" baseline="0" dirty="0" smtClean="0">
+              <a:rPr kumimoji="0" lang="en-US" altLang="en-US" sz="1200" b="0" i="0" u="none" strike="noStrike" cap="none" normalizeH="0" baseline="0" dirty="0" smtClean="0">
                 <a:ln>
                   <a:noFill/>
                 </a:ln>
@@ -27903,7 +28448,7 @@
               <a:t>        </a:t>
             </a:r>
             <a:r>
-              <a:rPr kumimoji="0" lang="en-US" altLang="en-US" sz="1400" b="0" i="0" u="none" strike="noStrike" cap="none" normalizeH="0" baseline="0" dirty="0" err="1" smtClean="0">
+              <a:rPr kumimoji="0" lang="en-US" altLang="en-US" sz="1200" b="0" i="0" u="none" strike="noStrike" cap="none" normalizeH="0" baseline="0" dirty="0" err="1" smtClean="0">
                 <a:ln>
                   <a:noFill/>
                 </a:ln>
@@ -27917,7 +28462,7 @@
               <a:t>targetSdkVersion</a:t>
             </a:r>
             <a:r>
-              <a:rPr kumimoji="0" lang="en-US" altLang="en-US" sz="1400" b="0" i="0" u="none" strike="noStrike" cap="none" normalizeH="0" baseline="0" dirty="0" smtClean="0">
+              <a:rPr kumimoji="0" lang="en-US" altLang="en-US" sz="1200" b="0" i="0" u="none" strike="noStrike" cap="none" normalizeH="0" baseline="0" dirty="0" smtClean="0">
                 <a:ln>
                   <a:noFill/>
                 </a:ln>
@@ -27931,7 +28476,7 @@
               <a:t> </a:t>
             </a:r>
             <a:r>
-              <a:rPr kumimoji="0" lang="en-US" altLang="en-US" sz="1400" b="0" i="0" u="none" strike="noStrike" cap="none" normalizeH="0" baseline="0" dirty="0" smtClean="0">
+              <a:rPr kumimoji="0" lang="en-US" altLang="en-US" sz="1200" b="0" i="0" u="none" strike="noStrike" cap="none" normalizeH="0" baseline="0" dirty="0" smtClean="0">
                 <a:ln>
                   <a:noFill/>
                 </a:ln>
@@ -27945,7 +28490,7 @@
               <a:t>26</a:t>
             </a:r>
             <a:br>
-              <a:rPr kumimoji="0" lang="en-US" altLang="en-US" sz="1400" b="0" i="0" u="none" strike="noStrike" cap="none" normalizeH="0" baseline="0" dirty="0" smtClean="0">
+              <a:rPr kumimoji="0" lang="en-US" altLang="en-US" sz="1200" b="0" i="0" u="none" strike="noStrike" cap="none" normalizeH="0" baseline="0" dirty="0" smtClean="0">
                 <a:ln>
                   <a:noFill/>
                 </a:ln>
@@ -27958,7 +28503,7 @@
               </a:rPr>
             </a:br>
             <a:r>
-              <a:rPr kumimoji="0" lang="en-US" altLang="en-US" sz="1400" b="0" i="0" u="none" strike="noStrike" cap="none" normalizeH="0" baseline="0" dirty="0" smtClean="0">
+              <a:rPr kumimoji="0" lang="en-US" altLang="en-US" sz="1200" b="0" i="0" u="none" strike="noStrike" cap="none" normalizeH="0" baseline="0" dirty="0" smtClean="0">
                 <a:ln>
                   <a:noFill/>
                 </a:ln>
@@ -27972,7 +28517,7 @@
               <a:t>        </a:t>
             </a:r>
             <a:r>
-              <a:rPr kumimoji="0" lang="en-US" altLang="en-US" sz="1400" b="0" i="0" u="none" strike="noStrike" cap="none" normalizeH="0" baseline="0" dirty="0" err="1" smtClean="0">
+              <a:rPr kumimoji="0" lang="en-US" altLang="en-US" sz="1200" b="0" i="0" u="none" strike="noStrike" cap="none" normalizeH="0" baseline="0" dirty="0" err="1" smtClean="0">
                 <a:ln>
                   <a:noFill/>
                 </a:ln>
@@ -27986,7 +28531,7 @@
               <a:t>versionCode</a:t>
             </a:r>
             <a:r>
-              <a:rPr kumimoji="0" lang="en-US" altLang="en-US" sz="1400" b="0" i="0" u="none" strike="noStrike" cap="none" normalizeH="0" baseline="0" dirty="0" smtClean="0">
+              <a:rPr kumimoji="0" lang="en-US" altLang="en-US" sz="1200" b="0" i="0" u="none" strike="noStrike" cap="none" normalizeH="0" baseline="0" dirty="0" smtClean="0">
                 <a:ln>
                   <a:noFill/>
                 </a:ln>
@@ -28000,7 +28545,7 @@
               <a:t> </a:t>
             </a:r>
             <a:r>
-              <a:rPr kumimoji="0" lang="en-US" altLang="en-US" sz="1400" b="0" i="0" u="none" strike="noStrike" cap="none" normalizeH="0" baseline="0" dirty="0" smtClean="0">
+              <a:rPr kumimoji="0" lang="en-US" altLang="en-US" sz="1200" b="0" i="0" u="none" strike="noStrike" cap="none" normalizeH="0" baseline="0" dirty="0" smtClean="0">
                 <a:ln>
                   <a:noFill/>
                 </a:ln>
@@ -28014,7 +28559,7 @@
               <a:t>1</a:t>
             </a:r>
             <a:br>
-              <a:rPr kumimoji="0" lang="en-US" altLang="en-US" sz="1400" b="0" i="0" u="none" strike="noStrike" cap="none" normalizeH="0" baseline="0" dirty="0" smtClean="0">
+              <a:rPr kumimoji="0" lang="en-US" altLang="en-US" sz="1200" b="0" i="0" u="none" strike="noStrike" cap="none" normalizeH="0" baseline="0" dirty="0" smtClean="0">
                 <a:ln>
                   <a:noFill/>
                 </a:ln>
@@ -28027,7 +28572,7 @@
               </a:rPr>
             </a:br>
             <a:r>
-              <a:rPr kumimoji="0" lang="en-US" altLang="en-US" sz="1400" b="0" i="0" u="none" strike="noStrike" cap="none" normalizeH="0" baseline="0" dirty="0" smtClean="0">
+              <a:rPr kumimoji="0" lang="en-US" altLang="en-US" sz="1200" b="0" i="0" u="none" strike="noStrike" cap="none" normalizeH="0" baseline="0" dirty="0" smtClean="0">
                 <a:ln>
                   <a:noFill/>
                 </a:ln>
@@ -28041,7 +28586,7 @@
               <a:t>        </a:t>
             </a:r>
             <a:r>
-              <a:rPr kumimoji="0" lang="en-US" altLang="en-US" sz="1400" b="0" i="0" u="none" strike="noStrike" cap="none" normalizeH="0" baseline="0" dirty="0" err="1" smtClean="0">
+              <a:rPr kumimoji="0" lang="en-US" altLang="en-US" sz="1200" b="0" i="0" u="none" strike="noStrike" cap="none" normalizeH="0" baseline="0" dirty="0" err="1" smtClean="0">
                 <a:ln>
                   <a:noFill/>
                 </a:ln>
@@ -28055,7 +28600,7 @@
               <a:t>versionName</a:t>
             </a:r>
             <a:r>
-              <a:rPr kumimoji="0" lang="en-US" altLang="en-US" sz="1400" b="0" i="0" u="none" strike="noStrike" cap="none" normalizeH="0" baseline="0" dirty="0" smtClean="0">
+              <a:rPr kumimoji="0" lang="en-US" altLang="en-US" sz="1200" b="0" i="0" u="none" strike="noStrike" cap="none" normalizeH="0" baseline="0" dirty="0" smtClean="0">
                 <a:ln>
                   <a:noFill/>
                 </a:ln>
@@ -28069,7 +28614,7 @@
               <a:t> </a:t>
             </a:r>
             <a:r>
-              <a:rPr kumimoji="0" lang="en-US" altLang="en-US" sz="1400" b="0" i="0" u="none" strike="noStrike" cap="none" normalizeH="0" baseline="0" dirty="0" smtClean="0">
+              <a:rPr kumimoji="0" lang="en-US" altLang="en-US" sz="1200" b="0" i="0" u="none" strike="noStrike" cap="none" normalizeH="0" baseline="0" dirty="0" smtClean="0">
                 <a:ln>
                   <a:noFill/>
                 </a:ln>
@@ -28083,7 +28628,7 @@
               <a:t>"1.0"</a:t>
             </a:r>
             <a:br>
-              <a:rPr kumimoji="0" lang="en-US" altLang="en-US" sz="1400" b="0" i="0" u="none" strike="noStrike" cap="none" normalizeH="0" baseline="0" dirty="0" smtClean="0">
+              <a:rPr kumimoji="0" lang="en-US" altLang="en-US" sz="1200" b="0" i="0" u="none" strike="noStrike" cap="none" normalizeH="0" baseline="0" dirty="0" smtClean="0">
                 <a:ln>
                   <a:noFill/>
                 </a:ln>
@@ -28096,7 +28641,7 @@
               </a:rPr>
             </a:br>
             <a:r>
-              <a:rPr kumimoji="0" lang="en-US" altLang="en-US" sz="1400" b="0" i="0" u="none" strike="noStrike" cap="none" normalizeH="0" baseline="0" dirty="0" smtClean="0">
+              <a:rPr kumimoji="0" lang="en-US" altLang="en-US" sz="1200" b="0" i="0" u="none" strike="noStrike" cap="none" normalizeH="0" baseline="0" dirty="0" smtClean="0">
                 <a:ln>
                   <a:noFill/>
                 </a:ln>
@@ -28110,7 +28655,7 @@
               <a:t>        </a:t>
             </a:r>
             <a:r>
-              <a:rPr kumimoji="0" lang="en-US" altLang="en-US" sz="1400" b="0" i="0" u="none" strike="noStrike" cap="none" normalizeH="0" baseline="0" dirty="0" err="1" smtClean="0">
+              <a:rPr kumimoji="0" lang="en-US" altLang="en-US" sz="1200" b="0" i="0" u="none" strike="noStrike" cap="none" normalizeH="0" baseline="0" dirty="0" err="1" smtClean="0">
                 <a:ln>
                   <a:noFill/>
                 </a:ln>
@@ -28124,7 +28669,7 @@
               <a:t>externalNativeBuild</a:t>
             </a:r>
             <a:r>
-              <a:rPr kumimoji="0" lang="en-US" altLang="en-US" sz="1400" b="0" i="0" u="none" strike="noStrike" cap="none" normalizeH="0" baseline="0" dirty="0" smtClean="0">
+              <a:rPr kumimoji="0" lang="en-US" altLang="en-US" sz="1200" b="0" i="0" u="none" strike="noStrike" cap="none" normalizeH="0" baseline="0" dirty="0" smtClean="0">
                 <a:ln>
                   <a:noFill/>
                 </a:ln>
@@ -28138,7 +28683,7 @@
               <a:t> {</a:t>
             </a:r>
             <a:br>
-              <a:rPr kumimoji="0" lang="en-US" altLang="en-US" sz="1400" b="0" i="0" u="none" strike="noStrike" cap="none" normalizeH="0" baseline="0" dirty="0" smtClean="0">
+              <a:rPr kumimoji="0" lang="en-US" altLang="en-US" sz="1200" b="0" i="0" u="none" strike="noStrike" cap="none" normalizeH="0" baseline="0" dirty="0" smtClean="0">
                 <a:ln>
                   <a:noFill/>
                 </a:ln>
@@ -28151,7 +28696,7 @@
               </a:rPr>
             </a:br>
             <a:r>
-              <a:rPr kumimoji="0" lang="en-US" altLang="en-US" sz="1400" b="0" i="0" u="none" strike="noStrike" cap="none" normalizeH="0" baseline="0" dirty="0" smtClean="0">
+              <a:rPr kumimoji="0" lang="en-US" altLang="en-US" sz="1200" b="0" i="0" u="none" strike="noStrike" cap="none" normalizeH="0" baseline="0" dirty="0" smtClean="0">
                 <a:ln>
                   <a:noFill/>
                 </a:ln>
@@ -28165,7 +28710,7 @@
               <a:t>            </a:t>
             </a:r>
             <a:r>
-              <a:rPr kumimoji="0" lang="en-US" altLang="en-US" sz="1400" b="0" i="0" u="none" strike="noStrike" cap="none" normalizeH="0" baseline="0" dirty="0" err="1" smtClean="0">
+              <a:rPr kumimoji="0" lang="en-US" altLang="en-US" sz="1200" b="0" i="0" u="none" strike="noStrike" cap="none" normalizeH="0" baseline="0" dirty="0" err="1" smtClean="0">
                 <a:ln>
                   <a:noFill/>
                 </a:ln>
@@ -28179,7 +28724,7 @@
               <a:t>cmake</a:t>
             </a:r>
             <a:r>
-              <a:rPr kumimoji="0" lang="en-US" altLang="en-US" sz="1400" b="0" i="0" u="none" strike="noStrike" cap="none" normalizeH="0" baseline="0" dirty="0" smtClean="0">
+              <a:rPr kumimoji="0" lang="en-US" altLang="en-US" sz="1200" b="0" i="0" u="none" strike="noStrike" cap="none" normalizeH="0" baseline="0" dirty="0" smtClean="0">
                 <a:ln>
                   <a:noFill/>
                 </a:ln>
@@ -28193,7 +28738,7 @@
               <a:t> {</a:t>
             </a:r>
             <a:br>
-              <a:rPr kumimoji="0" lang="en-US" altLang="en-US" sz="1400" b="0" i="0" u="none" strike="noStrike" cap="none" normalizeH="0" baseline="0" dirty="0" smtClean="0">
+              <a:rPr kumimoji="0" lang="en-US" altLang="en-US" sz="1200" b="0" i="0" u="none" strike="noStrike" cap="none" normalizeH="0" baseline="0" dirty="0" smtClean="0">
                 <a:ln>
                   <a:noFill/>
                 </a:ln>
@@ -28206,7 +28751,7 @@
               </a:rPr>
             </a:br>
             <a:r>
-              <a:rPr kumimoji="0" lang="en-US" altLang="en-US" sz="1400" b="0" i="0" u="none" strike="noStrike" cap="none" normalizeH="0" baseline="0" dirty="0" smtClean="0">
+              <a:rPr kumimoji="0" lang="en-US" altLang="en-US" sz="1200" b="0" i="0" u="none" strike="noStrike" cap="none" normalizeH="0" baseline="0" dirty="0" smtClean="0">
                 <a:ln>
                   <a:noFill/>
                 </a:ln>
@@ -28220,7 +28765,7 @@
               <a:t>               </a:t>
             </a:r>
             <a:r>
-              <a:rPr kumimoji="0" lang="en-US" altLang="en-US" sz="1400" b="0" i="0" u="none" strike="noStrike" cap="none" normalizeH="0" baseline="0" dirty="0" err="1" smtClean="0">
+              <a:rPr kumimoji="0" lang="en-US" altLang="en-US" sz="1200" b="0" i="0" u="none" strike="noStrike" cap="none" normalizeH="0" baseline="0" dirty="0" err="1" smtClean="0">
                 <a:ln>
                   <a:noFill/>
                 </a:ln>
@@ -28234,7 +28779,7 @@
               <a:t>cppFlags</a:t>
             </a:r>
             <a:r>
-              <a:rPr kumimoji="0" lang="en-US" altLang="en-US" sz="1400" b="0" i="0" u="none" strike="noStrike" cap="none" normalizeH="0" baseline="0" dirty="0" smtClean="0">
+              <a:rPr kumimoji="0" lang="en-US" altLang="en-US" sz="1200" b="0" i="0" u="none" strike="noStrike" cap="none" normalizeH="0" baseline="0" dirty="0" smtClean="0">
                 <a:ln>
                   <a:noFill/>
                 </a:ln>
@@ -28248,7 +28793,7 @@
               <a:t> </a:t>
             </a:r>
             <a:r>
-              <a:rPr kumimoji="0" lang="en-US" altLang="en-US" sz="1400" b="0" i="0" u="none" strike="noStrike" cap="none" normalizeH="0" baseline="0" dirty="0" smtClean="0">
+              <a:rPr kumimoji="0" lang="en-US" altLang="en-US" sz="1200" b="0" i="0" u="none" strike="noStrike" cap="none" normalizeH="0" baseline="0" dirty="0" smtClean="0">
                 <a:ln>
                   <a:noFill/>
                 </a:ln>
@@ -28262,7 +28807,7 @@
               <a:t>"-</a:t>
             </a:r>
             <a:r>
-              <a:rPr kumimoji="0" lang="en-US" altLang="en-US" sz="1400" b="0" i="0" u="none" strike="noStrike" cap="none" normalizeH="0" baseline="0" dirty="0" err="1" smtClean="0">
+              <a:rPr kumimoji="0" lang="en-US" altLang="en-US" sz="1200" b="0" i="0" u="none" strike="noStrike" cap="none" normalizeH="0" baseline="0" dirty="0" err="1" smtClean="0">
                 <a:ln>
                   <a:noFill/>
                 </a:ln>
@@ -28276,7 +28821,7 @@
               <a:t>std</a:t>
             </a:r>
             <a:r>
-              <a:rPr kumimoji="0" lang="en-US" altLang="en-US" sz="1400" b="0" i="0" u="none" strike="noStrike" cap="none" normalizeH="0" baseline="0" dirty="0" smtClean="0">
+              <a:rPr kumimoji="0" lang="en-US" altLang="en-US" sz="1200" b="0" i="0" u="none" strike="noStrike" cap="none" normalizeH="0" baseline="0" dirty="0" smtClean="0">
                 <a:ln>
                   <a:noFill/>
                 </a:ln>
@@ -28290,7 +28835,7 @@
               <a:t>=</a:t>
             </a:r>
             <a:r>
-              <a:rPr kumimoji="0" lang="en-US" altLang="en-US" sz="1400" b="0" i="0" u="none" strike="noStrike" cap="none" normalizeH="0" baseline="0" dirty="0" err="1" smtClean="0">
+              <a:rPr kumimoji="0" lang="en-US" altLang="en-US" sz="1200" b="0" i="0" u="none" strike="noStrike" cap="none" normalizeH="0" baseline="0" dirty="0" err="1" smtClean="0">
                 <a:ln>
                   <a:noFill/>
                 </a:ln>
@@ -28304,7 +28849,7 @@
               <a:t>c++</a:t>
             </a:r>
             <a:r>
-              <a:rPr kumimoji="0" lang="en-US" altLang="en-US" sz="1400" b="0" i="0" u="none" strike="noStrike" cap="none" normalizeH="0" baseline="0" dirty="0" smtClean="0">
+              <a:rPr kumimoji="0" lang="en-US" altLang="en-US" sz="1200" b="0" i="0" u="none" strike="noStrike" cap="none" normalizeH="0" baseline="0" dirty="0" smtClean="0">
                 <a:ln>
                   <a:noFill/>
                 </a:ln>
@@ -28318,7 +28863,7 @@
               <a:t>11 </a:t>
             </a:r>
             <a:r>
-              <a:rPr kumimoji="0" lang="en-US" altLang="en-US" sz="1400" b="1" i="0" u="none" strike="noStrike" cap="none" normalizeH="0" baseline="0" dirty="0" smtClean="0">
+              <a:rPr kumimoji="0" lang="en-US" altLang="en-US" sz="1200" b="1" i="0" u="none" strike="noStrike" cap="none" normalizeH="0" baseline="0" dirty="0" smtClean="0">
                 <a:ln>
                   <a:noFill/>
                 </a:ln>
@@ -28332,7 +28877,7 @@
               <a:t>-</a:t>
             </a:r>
             <a:r>
-              <a:rPr kumimoji="0" lang="en-US" altLang="en-US" sz="1400" b="1" i="0" u="none" strike="noStrike" cap="none" normalizeH="0" baseline="0" dirty="0" err="1" smtClean="0">
+              <a:rPr kumimoji="0" lang="en-US" altLang="en-US" sz="1200" b="1" i="0" u="none" strike="noStrike" cap="none" normalizeH="0" baseline="0" dirty="0" err="1" smtClean="0">
                 <a:ln>
                   <a:noFill/>
                 </a:ln>
@@ -28346,7 +28891,7 @@
               <a:t>fexceptions</a:t>
             </a:r>
             <a:r>
-              <a:rPr kumimoji="0" lang="en-US" altLang="en-US" sz="1400" b="0" i="0" u="none" strike="noStrike" cap="none" normalizeH="0" baseline="0" dirty="0" smtClean="0">
+              <a:rPr kumimoji="0" lang="en-US" altLang="en-US" sz="1200" b="0" i="0" u="none" strike="noStrike" cap="none" normalizeH="0" baseline="0" dirty="0" smtClean="0">
                 <a:ln>
                   <a:noFill/>
                 </a:ln>
@@ -28360,7 +28905,7 @@
               <a:t>"</a:t>
             </a:r>
             <a:br>
-              <a:rPr kumimoji="0" lang="en-US" altLang="en-US" sz="1400" b="0" i="0" u="none" strike="noStrike" cap="none" normalizeH="0" baseline="0" dirty="0" smtClean="0">
+              <a:rPr kumimoji="0" lang="en-US" altLang="en-US" sz="1200" b="0" i="0" u="none" strike="noStrike" cap="none" normalizeH="0" baseline="0" dirty="0" smtClean="0">
                 <a:ln>
                   <a:noFill/>
                 </a:ln>
@@ -28373,7 +28918,7 @@
               </a:rPr>
             </a:br>
             <a:r>
-              <a:rPr kumimoji="0" lang="en-US" altLang="en-US" sz="1400" b="0" i="0" u="none" strike="noStrike" cap="none" normalizeH="0" baseline="0" dirty="0" smtClean="0">
+              <a:rPr kumimoji="0" lang="en-US" altLang="en-US" sz="1200" b="0" i="0" u="none" strike="noStrike" cap="none" normalizeH="0" baseline="0" dirty="0" smtClean="0">
                 <a:ln>
                   <a:noFill/>
                 </a:ln>
@@ -28387,7 +28932,7 @@
               <a:t>            </a:t>
             </a:r>
             <a:r>
-              <a:rPr kumimoji="0" lang="en-US" altLang="en-US" sz="1400" b="0" i="0" u="none" strike="noStrike" cap="none" normalizeH="0" baseline="0" dirty="0" smtClean="0">
+              <a:rPr kumimoji="0" lang="en-US" altLang="en-US" sz="1200" b="0" i="0" u="none" strike="noStrike" cap="none" normalizeH="0" baseline="0" dirty="0" smtClean="0">
                 <a:ln>
                   <a:noFill/>
                 </a:ln>
@@ -28401,7 +28946,7 @@
               <a:t>}</a:t>
             </a:r>
             <a:br>
-              <a:rPr kumimoji="0" lang="en-US" altLang="en-US" sz="1400" b="0" i="0" u="none" strike="noStrike" cap="none" normalizeH="0" baseline="0" dirty="0" smtClean="0">
+              <a:rPr kumimoji="0" lang="en-US" altLang="en-US" sz="1200" b="0" i="0" u="none" strike="noStrike" cap="none" normalizeH="0" baseline="0" dirty="0" smtClean="0">
                 <a:ln>
                   <a:noFill/>
                 </a:ln>
@@ -28414,7 +28959,7 @@
               </a:rPr>
             </a:br>
             <a:r>
-              <a:rPr kumimoji="0" lang="en-US" altLang="en-US" sz="1400" b="0" i="0" u="none" strike="noStrike" cap="none" normalizeH="0" baseline="0" dirty="0" smtClean="0">
+              <a:rPr kumimoji="0" lang="en-US" altLang="en-US" sz="1200" b="0" i="0" u="none" strike="noStrike" cap="none" normalizeH="0" baseline="0" dirty="0" smtClean="0">
                 <a:ln>
                   <a:noFill/>
                 </a:ln>
@@ -28428,7 +28973,7 @@
               <a:t>        }</a:t>
             </a:r>
             <a:br>
-              <a:rPr kumimoji="0" lang="en-US" altLang="en-US" sz="1400" b="0" i="0" u="none" strike="noStrike" cap="none" normalizeH="0" baseline="0" dirty="0" smtClean="0">
+              <a:rPr kumimoji="0" lang="en-US" altLang="en-US" sz="1200" b="0" i="0" u="none" strike="noStrike" cap="none" normalizeH="0" baseline="0" dirty="0" smtClean="0">
                 <a:ln>
                   <a:noFill/>
                 </a:ln>
@@ -28441,7 +28986,7 @@
               </a:rPr>
             </a:br>
             <a:r>
-              <a:rPr kumimoji="0" lang="en-US" altLang="en-US" sz="1400" b="0" i="0" u="none" strike="noStrike" cap="none" normalizeH="0" baseline="0" dirty="0" smtClean="0">
+              <a:rPr kumimoji="0" lang="en-US" altLang="en-US" sz="1200" b="0" i="0" u="none" strike="noStrike" cap="none" normalizeH="0" baseline="0" dirty="0" smtClean="0">
                 <a:ln>
                   <a:noFill/>
                 </a:ln>
@@ -28454,7 +28999,7 @@
               </a:rPr>
               <a:t>    }</a:t>
             </a:r>
-            <a:endParaRPr kumimoji="0" lang="en-US" altLang="en-US" sz="1400" b="0" i="0" u="none" strike="noStrike" cap="none" normalizeH="0" baseline="0" dirty="0" smtClean="0">
+            <a:endParaRPr kumimoji="0" lang="en-US" altLang="en-US" sz="1200" b="0" i="0" u="none" strike="noStrike" cap="none" normalizeH="0" baseline="0" dirty="0" smtClean="0">
               <a:ln>
                 <a:noFill/>
               </a:ln>
@@ -28467,36 +29012,6 @@
           </a:p>
         </p:txBody>
       </p:sp>
-      <p:pic>
-        <p:nvPicPr>
-          <p:cNvPr id="9" name="Picture 8"/>
-          <p:cNvPicPr>
-            <a:picLocks noChangeAspect="1"/>
-          </p:cNvPicPr>
-          <p:nvPr/>
-        </p:nvPicPr>
-        <p:blipFill>
-          <a:blip r:embed="rId2">
-            <a:extLst>
-              <a:ext uri="{28A0092B-C50C-407E-A947-70E740481C1C}">
-                <a14:useLocalDpi xmlns:a14="http://schemas.microsoft.com/office/drawing/2010/main" val="0"/>
-              </a:ext>
-            </a:extLst>
-          </a:blip>
-          <a:stretch>
-            <a:fillRect/>
-          </a:stretch>
-        </p:blipFill>
-        <p:spPr>
-          <a:xfrm>
-            <a:off x="838200" y="2265843"/>
-            <a:ext cx="9179162" cy="1529861"/>
-          </a:xfrm>
-          <a:prstGeom prst="rect">
-            <a:avLst/>
-          </a:prstGeom>
-        </p:spPr>
-      </p:pic>
     </p:spTree>
     <p:extLst>
       <p:ext uri="{BB962C8B-B14F-4D97-AF65-F5344CB8AC3E}">
@@ -28622,7 +29137,7 @@
                                         <p:tgtEl>
                                           <p:spTgt spid="3">
                                             <p:txEl>
-                                              <p:pRg st="1" end="1"/>
+                                              <p:pRg st="2" end="2"/>
                                             </p:txEl>
                                           </p:spTgt>
                                         </p:tgtEl>
@@ -28653,7 +29168,7 @@
                                         <p:tgtEl>
                                           <p:spTgt spid="3">
                                             <p:txEl>
-                                              <p:pRg st="2" end="2"/>
+                                              <p:pRg st="3" end="3"/>
                                             </p:txEl>
                                           </p:spTgt>
                                         </p:tgtEl>

--- a/NDK_SoftServeTheme.pptx
+++ b/NDK_SoftServeTheme.pptx
@@ -217,7 +217,7 @@
           <a:p>
             <a:fld id="{2233C042-B116-4AF0-8EB0-10C51ACFEAFC}" type="datetimeFigureOut">
               <a:rPr lang="en-US" smtClean="0"/>
-              <a:t>3/12/2018</a:t>
+              <a:t>3/13/2018</a:t>
             </a:fld>
             <a:endParaRPr lang="en-US"/>
           </a:p>
@@ -2465,7 +2465,7 @@
           <a:p>
             <a:fld id="{E68A8755-D758-4E0E-A7B6-8C6D23EC775F}" type="datetimeFigureOut">
               <a:rPr lang="en-US" smtClean="0"/>
-              <a:t>3/12/2018</a:t>
+              <a:t>3/13/2018</a:t>
             </a:fld>
             <a:endParaRPr lang="en-US"/>
           </a:p>
@@ -2675,7 +2675,7 @@
           <a:p>
             <a:fld id="{E68A8755-D758-4E0E-A7B6-8C6D23EC775F}" type="datetimeFigureOut">
               <a:rPr lang="en-US" smtClean="0"/>
-              <a:t>3/12/2018</a:t>
+              <a:t>3/13/2018</a:t>
             </a:fld>
             <a:endParaRPr lang="en-US"/>
           </a:p>
@@ -15316,11 +15316,7 @@
           <a:p>
             <a:r>
               <a:rPr lang="en-US" sz="2000" dirty="0" smtClean="0"/>
-              <a:t>Strip debug </a:t>
-            </a:r>
-            <a:r>
-              <a:rPr lang="en-US" sz="2000" dirty="0" smtClean="0"/>
-              <a:t>symbols</a:t>
+              <a:t>Strip debug symbols</a:t>
             </a:r>
             <a:endParaRPr lang="uk-UA" sz="2000" dirty="0" smtClean="0"/>
           </a:p>
@@ -20755,8 +20751,49 @@
                   </a:schemeClr>
                 </a:solidFill>
               </a:rPr>
-              <a:t>ll functions calls must be reentrant</a:t>
-            </a:r>
+              <a:t>ll functions calls must be </a:t>
+            </a:r>
+            <a:r>
+              <a:rPr lang="en-US" dirty="0" smtClean="0">
+                <a:solidFill>
+                  <a:schemeClr val="accent6">
+                    <a:lumMod val="60000"/>
+                    <a:lumOff val="40000"/>
+                  </a:schemeClr>
+                </a:solidFill>
+              </a:rPr>
+              <a:t>reentrant</a:t>
+            </a:r>
+            <a:endParaRPr lang="uk-UA" dirty="0" smtClean="0">
+              <a:solidFill>
+                <a:schemeClr val="accent6">
+                  <a:lumMod val="60000"/>
+                  <a:lumOff val="40000"/>
+                </a:schemeClr>
+              </a:solidFill>
+            </a:endParaRPr>
+          </a:p>
+          <a:p>
+            <a:pPr lvl="1"/>
+            <a:r>
+              <a:rPr lang="en-US" dirty="0" smtClean="0">
+                <a:solidFill>
+                  <a:schemeClr val="accent6">
+                    <a:lumMod val="60000"/>
+                    <a:lumOff val="40000"/>
+                  </a:schemeClr>
+                </a:solidFill>
+              </a:rPr>
+              <a:t>can‘t allocate any memory</a:t>
+            </a:r>
+            <a:endParaRPr lang="en-US" dirty="0" smtClean="0">
+              <a:solidFill>
+                <a:schemeClr val="accent6">
+                  <a:lumMod val="60000"/>
+                  <a:lumOff val="40000"/>
+                </a:schemeClr>
+              </a:solidFill>
+            </a:endParaRPr>
           </a:p>
           <a:p>
             <a:endParaRPr lang="en-US" dirty="0" smtClean="0"/>
@@ -20799,8 +20836,8 @@
         </p:nvSpPr>
         <p:spPr>
           <a:xfrm>
-            <a:off x="551145" y="1506879"/>
-            <a:ext cx="6342815" cy="1133579"/>
+            <a:off x="497690" y="1825625"/>
+            <a:ext cx="7216118" cy="1331400"/>
           </a:xfrm>
           <a:prstGeom prst="rect">
             <a:avLst/>
@@ -20847,8 +20884,8 @@
         </p:nvSpPr>
         <p:spPr>
           <a:xfrm>
-            <a:off x="245014" y="3029588"/>
-            <a:ext cx="7216118" cy="1152755"/>
+            <a:off x="611988" y="3534606"/>
+            <a:ext cx="7487456" cy="1458448"/>
           </a:xfrm>
           <a:prstGeom prst="rect">
             <a:avLst/>
@@ -20989,33 +21026,15 @@
                                   </p:childTnLst>
                                 </p:cTn>
                               </p:par>
-                            </p:childTnLst>
-                          </p:cTn>
-                        </p:par>
-                      </p:childTnLst>
-                    </p:cTn>
-                  </p:par>
-                  <p:par>
-                    <p:cTn id="11" fill="hold">
-                      <p:stCondLst>
-                        <p:cond delay="indefinite"/>
-                      </p:stCondLst>
-                      <p:childTnLst>
-                        <p:par>
-                          <p:cTn id="12" fill="hold">
-                            <p:stCondLst>
-                              <p:cond delay="0"/>
-                            </p:stCondLst>
-                            <p:childTnLst>
                               <p:par>
-                                <p:cTn id="13" presetID="1" presetClass="exit" presetSubtype="0" fill="hold" grpId="0" nodeType="clickEffect">
+                                <p:cTn id="11" presetID="1" presetClass="exit" presetSubtype="0" fill="hold" grpId="0" nodeType="withEffect">
                                   <p:stCondLst>
                                     <p:cond delay="0"/>
                                   </p:stCondLst>
                                   <p:childTnLst>
                                     <p:set>
                                       <p:cBhvr>
-                                        <p:cTn id="14" dur="1" fill="hold">
+                                        <p:cTn id="12" dur="1" fill="hold">
                                           <p:stCondLst>
                                             <p:cond delay="0"/>
                                           </p:stCondLst>
@@ -21759,11 +21778,16 @@
           <a:p>
             <a:r>
               <a:rPr lang="en-US" sz="2000" dirty="0" smtClean="0"/>
-              <a:t>Legacy </a:t>
-            </a:r>
+              <a:t>Legacy support</a:t>
+            </a:r>
+          </a:p>
+          <a:p>
+            <a:endParaRPr lang="en-US" sz="1000" dirty="0" smtClean="0"/>
+          </a:p>
+          <a:p>
             <a:r>
               <a:rPr lang="en-US" sz="2000" dirty="0" smtClean="0"/>
-              <a:t>support</a:t>
+              <a:t>Security, performance solutions</a:t>
             </a:r>
           </a:p>
           <a:p>
@@ -21772,24 +21796,7 @@
           <a:p>
             <a:r>
               <a:rPr lang="en-US" sz="2000" dirty="0" smtClean="0"/>
-              <a:t>Security, performance </a:t>
-            </a:r>
-            <a:r>
-              <a:rPr lang="en-US" sz="2000" dirty="0" smtClean="0"/>
-              <a:t>solutions</a:t>
-            </a:r>
-          </a:p>
-          <a:p>
-            <a:endParaRPr lang="en-US" sz="1000" dirty="0" smtClean="0"/>
-          </a:p>
-          <a:p>
-            <a:r>
-              <a:rPr lang="en-US" sz="2000" dirty="0" smtClean="0"/>
-              <a:t>Low-level platform specific </a:t>
-            </a:r>
-            <a:r>
-              <a:rPr lang="en-US" sz="2000" dirty="0" smtClean="0"/>
-              <a:t>API</a:t>
+              <a:t>Low-level platform specific API</a:t>
             </a:r>
           </a:p>
           <a:p>
@@ -23489,11 +23496,7 @@
           <a:p>
             <a:r>
               <a:rPr lang="en-US" sz="2000" dirty="0" smtClean="0"/>
-              <a:t>JNI reference </a:t>
-            </a:r>
-            <a:r>
-              <a:rPr lang="en-US" sz="2000" dirty="0" smtClean="0"/>
-              <a:t>types</a:t>
+              <a:t>JNI reference types</a:t>
             </a:r>
           </a:p>
           <a:p>
@@ -23507,18 +23510,7 @@
                   </a:schemeClr>
                 </a:solidFill>
               </a:rPr>
-              <a:t>New</a:t>
-            </a:r>
-            <a:r>
-              <a:rPr lang="en-US" sz="1600" dirty="0" err="1" smtClean="0">
-                <a:solidFill>
-                  <a:schemeClr val="accent6">
-                    <a:lumMod val="60000"/>
-                    <a:lumOff val="40000"/>
-                  </a:schemeClr>
-                </a:solidFill>
-              </a:rPr>
-              <a:t>LocalRef</a:t>
+              <a:t>NewLocalRef</a:t>
             </a:r>
             <a:r>
               <a:rPr lang="en-US" sz="1600" dirty="0" smtClean="0">
@@ -23614,24 +23606,16 @@
             </a:r>
             <a:r>
               <a:rPr lang="en-US" sz="2000" dirty="0" smtClean="0"/>
-              <a:t>able reference </a:t>
-            </a:r>
+              <a:t>able reference overflow</a:t>
+            </a:r>
+          </a:p>
+          <a:p>
+            <a:endParaRPr lang="en-US" sz="1000" dirty="0" smtClean="0"/>
+          </a:p>
+          <a:p>
             <a:r>
               <a:rPr lang="en-US" sz="2000" dirty="0" smtClean="0"/>
-              <a:t>overflow</a:t>
-            </a:r>
-          </a:p>
-          <a:p>
-            <a:endParaRPr lang="en-US" sz="1000" dirty="0" smtClean="0"/>
-          </a:p>
-          <a:p>
-            <a:r>
-              <a:rPr lang="en-US" sz="2000" dirty="0" smtClean="0"/>
-              <a:t>JNI global table reference </a:t>
-            </a:r>
-            <a:r>
-              <a:rPr lang="en-US" sz="2000" dirty="0" smtClean="0"/>
-              <a:t>overflow</a:t>
+              <a:t>JNI global table reference overflow</a:t>
             </a:r>
           </a:p>
           <a:p>
